--- a/Docs/Medias2012_dhg.pptx
+++ b/Docs/Medias2012_dhg.pptx
@@ -9,10 +9,10 @@
     <p:sldId id="260" r:id="rId3"/>
     <p:sldId id="265" r:id="rId4"/>
     <p:sldId id="261" r:id="rId5"/>
-    <p:sldId id="263" r:id="rId6"/>
-    <p:sldId id="278" r:id="rId7"/>
-    <p:sldId id="264" r:id="rId8"/>
-    <p:sldId id="266" r:id="rId9"/>
+    <p:sldId id="266" r:id="rId6"/>
+    <p:sldId id="263" r:id="rId7"/>
+    <p:sldId id="278" r:id="rId8"/>
+    <p:sldId id="264" r:id="rId9"/>
     <p:sldId id="279" r:id="rId10"/>
     <p:sldId id="267" r:id="rId11"/>
     <p:sldId id="259" r:id="rId12"/>
@@ -3511,68 +3511,128 @@
           </a:solidFill>
         </p:spPr>
         <p:txBody>
-          <a:bodyPr/>
-          <a:lstStyle/>
-          <a:p>
-            <a:r>
-              <a:rPr lang="ru-RU" dirty="0" smtClean="0"/>
+          <a:bodyPr>
+            <a:normAutofit/>
+          </a:bodyPr>
+          <a:lstStyle/>
+          <a:p>
+            <a:r>
+              <a:rPr lang="ru-RU" sz="2800" dirty="0" smtClean="0"/>
               <a:t>Спасательные операции</a:t>
             </a:r>
           </a:p>
           <a:p>
             <a:pPr lvl="1"/>
             <a:r>
-              <a:rPr lang="ru-RU" dirty="0" smtClean="0"/>
+              <a:rPr lang="ru-RU" sz="2400" dirty="0" smtClean="0">
+                <a:solidFill>
+                  <a:srgbClr val="80FF80"/>
+                </a:solidFill>
+              </a:rPr>
               <a:t>В пещерах</a:t>
             </a:r>
           </a:p>
           <a:p>
             <a:pPr lvl="1"/>
             <a:r>
-              <a:rPr lang="ru-RU" dirty="0" smtClean="0"/>
-              <a:t>В завалах</a:t>
-            </a:r>
-          </a:p>
-          <a:p>
-            <a:r>
-              <a:rPr lang="ru-RU" dirty="0" smtClean="0"/>
+              <a:rPr lang="ru-RU" sz="2400" dirty="0" smtClean="0">
+                <a:solidFill>
+                  <a:srgbClr val="80FF80"/>
+                </a:solidFill>
+              </a:rPr>
+              <a:t>В </a:t>
+            </a:r>
+            <a:r>
+              <a:rPr lang="ru-RU" sz="2400" dirty="0" smtClean="0">
+                <a:solidFill>
+                  <a:srgbClr val="80FF80"/>
+                </a:solidFill>
+              </a:rPr>
+              <a:t>завалах</a:t>
+            </a:r>
+            <a:endParaRPr lang="en-US" sz="2400" dirty="0" smtClean="0">
+              <a:solidFill>
+                <a:srgbClr val="80FF80"/>
+              </a:solidFill>
+            </a:endParaRPr>
+          </a:p>
+          <a:p>
+            <a:pPr lvl="1"/>
+            <a:endParaRPr lang="ru-RU" sz="2400" dirty="0" smtClean="0">
+              <a:solidFill>
+                <a:srgbClr val="80FF80"/>
+              </a:solidFill>
+            </a:endParaRPr>
+          </a:p>
+          <a:p>
+            <a:r>
+              <a:rPr lang="ru-RU" sz="2800" dirty="0" smtClean="0"/>
               <a:t>Мониторинг объектов на предмет:</a:t>
             </a:r>
           </a:p>
           <a:p>
             <a:pPr lvl="1"/>
             <a:r>
-              <a:rPr lang="ru-RU" dirty="0" smtClean="0"/>
+              <a:rPr lang="ru-RU" sz="2400" dirty="0" smtClean="0">
+                <a:solidFill>
+                  <a:srgbClr val="80FF80"/>
+                </a:solidFill>
+              </a:rPr>
               <a:t>Проникновений на охраняемые объекты</a:t>
             </a:r>
           </a:p>
           <a:p>
             <a:pPr lvl="1"/>
             <a:r>
-              <a:rPr lang="ru-RU" dirty="0" smtClean="0"/>
-              <a:t>Аварий на опасных объектах</a:t>
-            </a:r>
-          </a:p>
-          <a:p>
-            <a:r>
-              <a:rPr lang="ru-RU" dirty="0" smtClean="0"/>
+              <a:rPr lang="ru-RU" sz="2400" dirty="0" smtClean="0">
+                <a:solidFill>
+                  <a:srgbClr val="80FF80"/>
+                </a:solidFill>
+              </a:rPr>
+              <a:t>Аварий на опасных </a:t>
+            </a:r>
+            <a:r>
+              <a:rPr lang="ru-RU" sz="2400" dirty="0" smtClean="0">
+                <a:solidFill>
+                  <a:srgbClr val="80FF80"/>
+                </a:solidFill>
+              </a:rPr>
+              <a:t>объектах</a:t>
+            </a:r>
+            <a:endParaRPr lang="en-US" sz="2400" dirty="0" smtClean="0">
+              <a:solidFill>
+                <a:srgbClr val="80FF80"/>
+              </a:solidFill>
+            </a:endParaRPr>
+          </a:p>
+          <a:p>
+            <a:pPr lvl="1"/>
+            <a:endParaRPr lang="ru-RU" sz="2400" dirty="0" smtClean="0">
+              <a:solidFill>
+                <a:srgbClr val="80FF80"/>
+              </a:solidFill>
+            </a:endParaRPr>
+          </a:p>
+          <a:p>
+            <a:r>
+              <a:rPr lang="ru-RU" sz="2800" dirty="0" smtClean="0"/>
               <a:t>Разведывательные операции</a:t>
             </a:r>
           </a:p>
           <a:p>
             <a:pPr lvl="1"/>
-            <a:endParaRPr lang="ru-RU" dirty="0" smtClean="0"/>
+            <a:endParaRPr lang="ru-RU" sz="2400" dirty="0" smtClean="0"/>
           </a:p>
           <a:p>
             <a:pPr lvl="1"/>
-            <a:endParaRPr lang="ru-RU" dirty="0" smtClean="0"/>
+            <a:endParaRPr lang="ru-RU" sz="2400" dirty="0" smtClean="0"/>
           </a:p>
           <a:p>
             <a:pPr lvl="1"/>
-            <a:endParaRPr lang="ru-RU" dirty="0" smtClean="0"/>
-          </a:p>
-          <a:p>
-            <a:endParaRPr lang="ru-RU" dirty="0"/>
+            <a:endParaRPr lang="ru-RU" sz="2400" dirty="0" smtClean="0"/>
+          </a:p>
+          <a:p>
+            <a:endParaRPr lang="ru-RU" sz="2800" dirty="0"/>
           </a:p>
         </p:txBody>
       </p:sp>
@@ -3740,7 +3800,7 @@
       </p:grpSpPr>
       <p:sp>
         <p:nvSpPr>
-          <p:cNvPr id="2" name="Заголовок 1"/>
+          <p:cNvPr id="9" name="Заголовок 8"/>
           <p:cNvSpPr>
             <a:spLocks noGrp="1"/>
           </p:cNvSpPr>
@@ -3750,80 +3810,655 @@
         </p:nvSpPr>
         <p:spPr/>
         <p:txBody>
-          <a:bodyPr/>
-          <a:lstStyle/>
-          <a:p>
-            <a:r>
-              <a:rPr lang="ru-RU" sz="3600" dirty="0" smtClean="0"/>
-              <a:t>Устройство и принцип 4Р-БПЛА</a:t>
-            </a:r>
-            <a:endParaRPr lang="ru-RU" sz="3600" dirty="0"/>
+          <a:bodyPr>
+            <a:noAutofit/>
+          </a:bodyPr>
+          <a:lstStyle/>
+          <a:p>
+            <a:r>
+              <a:rPr lang="ru-RU" sz="3200" dirty="0" smtClean="0"/>
+              <a:t>Топология комплекса в условиях закрытых помещений</a:t>
+            </a:r>
+            <a:endParaRPr lang="ru-RU" sz="3200" dirty="0"/>
           </a:p>
         </p:txBody>
       </p:sp>
       <p:pic>
         <p:nvPicPr>
-          <p:cNvPr id="4" name="Содержимое 3" descr="quadrotor.jpg"/>
+          <p:cNvPr id="40" name="Рисунок 39" descr="quadrotor.png"/>
           <p:cNvPicPr>
-            <a:picLocks noGrp="1" noChangeAspect="1"/>
+            <a:picLocks noChangeAspect="1"/>
           </p:cNvPicPr>
-          <p:nvPr>
-            <p:ph sz="half" idx="1"/>
-          </p:nvPr>
+          <p:nvPr/>
         </p:nvPicPr>
         <p:blipFill>
-          <a:blip r:embed="rId2" cstate="print">
-            <a:lum bright="-20000"/>
-          </a:blip>
+          <a:blip r:embed="rId2" cstate="print"/>
           <a:stretch>
             <a:fillRect/>
           </a:stretch>
         </p:blipFill>
         <p:spPr>
           <a:xfrm>
-            <a:off x="179512" y="1628800"/>
-            <a:ext cx="5954882" cy="4248472"/>
+            <a:off x="7308304" y="1988840"/>
+            <a:ext cx="1200292" cy="858209"/>
           </a:xfrm>
           <a:prstGeom prst="rect">
             <a:avLst/>
           </a:prstGeom>
+        </p:spPr>
+      </p:pic>
+      <p:pic>
+        <p:nvPicPr>
+          <p:cNvPr id="41" name="Рисунок 40" descr="quadrotor.png"/>
+          <p:cNvPicPr>
+            <a:picLocks noChangeAspect="1"/>
+          </p:cNvPicPr>
+          <p:nvPr/>
+        </p:nvPicPr>
+        <p:blipFill>
+          <a:blip r:embed="rId2" cstate="print"/>
+          <a:stretch>
+            <a:fillRect/>
+          </a:stretch>
+        </p:blipFill>
+        <p:spPr>
+          <a:xfrm>
+            <a:off x="4716016" y="2060848"/>
+            <a:ext cx="1200292" cy="858209"/>
+          </a:xfrm>
+          <a:prstGeom prst="rect">
+            <a:avLst/>
+          </a:prstGeom>
+        </p:spPr>
+      </p:pic>
+      <p:pic>
+        <p:nvPicPr>
+          <p:cNvPr id="42" name="Рисунок 41" descr="quadrotor.png"/>
+          <p:cNvPicPr>
+            <a:picLocks noChangeAspect="1"/>
+          </p:cNvPicPr>
+          <p:nvPr/>
+        </p:nvPicPr>
+        <p:blipFill>
+          <a:blip r:embed="rId2" cstate="print"/>
+          <a:stretch>
+            <a:fillRect/>
+          </a:stretch>
+        </p:blipFill>
+        <p:spPr>
+          <a:xfrm>
+            <a:off x="7164288" y="4509120"/>
+            <a:ext cx="1200292" cy="858209"/>
+          </a:xfrm>
+          <a:prstGeom prst="rect">
+            <a:avLst/>
+          </a:prstGeom>
+        </p:spPr>
+      </p:pic>
+      <p:pic>
+        <p:nvPicPr>
+          <p:cNvPr id="43" name="Рисунок 42" descr="quadrotor.png"/>
+          <p:cNvPicPr>
+            <a:picLocks noChangeAspect="1"/>
+          </p:cNvPicPr>
+          <p:nvPr/>
+        </p:nvPicPr>
+        <p:blipFill>
+          <a:blip r:embed="rId2" cstate="print"/>
+          <a:stretch>
+            <a:fillRect/>
+          </a:stretch>
+        </p:blipFill>
+        <p:spPr>
+          <a:xfrm>
+            <a:off x="4572000" y="4581128"/>
+            <a:ext cx="1200292" cy="858209"/>
+          </a:xfrm>
+          <a:prstGeom prst="rect">
+            <a:avLst/>
+          </a:prstGeom>
+        </p:spPr>
+      </p:pic>
+      <p:pic>
+        <p:nvPicPr>
+          <p:cNvPr id="45" name="Рисунок 44" descr="laptop.png"/>
+          <p:cNvPicPr>
+            <a:picLocks noChangeAspect="1"/>
+          </p:cNvPicPr>
+          <p:nvPr/>
+        </p:nvPicPr>
+        <p:blipFill>
+          <a:blip r:embed="rId3" cstate="print"/>
+          <a:stretch>
+            <a:fillRect/>
+          </a:stretch>
+        </p:blipFill>
+        <p:spPr>
+          <a:xfrm>
+            <a:off x="386895" y="1772816"/>
+            <a:ext cx="1512020" cy="1575021"/>
+          </a:xfrm>
+          <a:prstGeom prst="rect">
+            <a:avLst/>
+          </a:prstGeom>
+        </p:spPr>
+      </p:pic>
+      <p:pic>
+        <p:nvPicPr>
+          <p:cNvPr id="46" name="Рисунок 45" descr="quadrotor.png"/>
+          <p:cNvPicPr>
+            <a:picLocks noChangeAspect="1"/>
+          </p:cNvPicPr>
+          <p:nvPr/>
+        </p:nvPicPr>
+        <p:blipFill>
+          <a:blip r:embed="rId2" cstate="print"/>
+          <a:stretch>
+            <a:fillRect/>
+          </a:stretch>
+        </p:blipFill>
+        <p:spPr>
+          <a:xfrm>
+            <a:off x="2051720" y="4365104"/>
+            <a:ext cx="1200292" cy="858209"/>
+          </a:xfrm>
+          <a:prstGeom prst="rect">
+            <a:avLst/>
+          </a:prstGeom>
+        </p:spPr>
+      </p:pic>
+      <p:sp>
+        <p:nvSpPr>
+          <p:cNvPr id="47" name="Прямоугольник 46"/>
+          <p:cNvSpPr/>
+          <p:nvPr/>
+        </p:nvSpPr>
+        <p:spPr>
+          <a:xfrm>
+            <a:off x="3779912" y="1484784"/>
+            <a:ext cx="432048" cy="2664296"/>
+          </a:xfrm>
+          <a:prstGeom prst="rect">
+            <a:avLst/>
+          </a:prstGeom>
+          <a:solidFill>
+            <a:schemeClr val="bg1">
+              <a:lumMod val="85000"/>
+              <a:alpha val="34000"/>
+            </a:schemeClr>
+          </a:solidFill>
           <a:ln>
             <a:solidFill>
-              <a:schemeClr val="bg1">
-                <a:lumMod val="95000"/>
-              </a:schemeClr>
+              <a:schemeClr val="bg1"/>
             </a:solidFill>
           </a:ln>
-          <a:effectLst>
-            <a:outerShdw blurRad="190500" algn="tl" rotWithShape="0">
-              <a:srgbClr val="000000">
-                <a:alpha val="70000"/>
-              </a:srgbClr>
-            </a:outerShdw>
-          </a:effectLst>
-        </p:spPr>
-      </p:pic>
-      <p:sp>
-        <p:nvSpPr>
-          <p:cNvPr id="5" name="Содержимое 4"/>
-          <p:cNvSpPr>
-            <a:spLocks noGrp="1"/>
-          </p:cNvSpPr>
-          <p:nvPr>
-            <p:ph sz="half" idx="2"/>
-          </p:nvPr>
-        </p:nvSpPr>
-        <p:spPr>
-          <a:xfrm>
-            <a:off x="6228184" y="1628801"/>
-            <a:ext cx="2742456" cy="4248472"/>
-          </a:xfrm>
-        </p:spPr>
-        <p:txBody>
-          <a:bodyPr/>
-          <a:lstStyle/>
-          <a:p>
-            <a:endParaRPr lang="ru-RU" dirty="0"/>
+        </p:spPr>
+        <p:style>
+          <a:lnRef idx="2">
+            <a:schemeClr val="accent1">
+              <a:shade val="50000"/>
+            </a:schemeClr>
+          </a:lnRef>
+          <a:fillRef idx="1">
+            <a:schemeClr val="accent1"/>
+          </a:fillRef>
+          <a:effectRef idx="0">
+            <a:schemeClr val="accent1"/>
+          </a:effectRef>
+          <a:fontRef idx="minor">
+            <a:schemeClr val="lt1"/>
+          </a:fontRef>
+        </p:style>
+        <p:txBody>
+          <a:bodyPr rtlCol="0" anchor="ctr"/>
+          <a:lstStyle/>
+          <a:p>
+            <a:pPr algn="ctr"/>
+            <a:endParaRPr lang="ru-RU"/>
+          </a:p>
+        </p:txBody>
+      </p:sp>
+      <p:sp>
+        <p:nvSpPr>
+          <p:cNvPr id="49" name="Прямоугольник 48"/>
+          <p:cNvSpPr/>
+          <p:nvPr/>
+        </p:nvSpPr>
+        <p:spPr>
+          <a:xfrm rot="5400000">
+            <a:off x="7308304" y="2132856"/>
+            <a:ext cx="432048" cy="2736304"/>
+          </a:xfrm>
+          <a:prstGeom prst="rect">
+            <a:avLst/>
+          </a:prstGeom>
+          <a:solidFill>
+            <a:schemeClr val="bg1">
+              <a:lumMod val="85000"/>
+              <a:alpha val="34000"/>
+            </a:schemeClr>
+          </a:solidFill>
+          <a:ln>
+            <a:solidFill>
+              <a:schemeClr val="bg1"/>
+            </a:solidFill>
+          </a:ln>
+        </p:spPr>
+        <p:style>
+          <a:lnRef idx="2">
+            <a:schemeClr val="accent1">
+              <a:shade val="50000"/>
+            </a:schemeClr>
+          </a:lnRef>
+          <a:fillRef idx="1">
+            <a:schemeClr val="accent1"/>
+          </a:fillRef>
+          <a:effectRef idx="0">
+            <a:schemeClr val="accent1"/>
+          </a:effectRef>
+          <a:fontRef idx="minor">
+            <a:schemeClr val="lt1"/>
+          </a:fontRef>
+        </p:style>
+        <p:txBody>
+          <a:bodyPr rtlCol="0" anchor="ctr"/>
+          <a:lstStyle/>
+          <a:p>
+            <a:pPr algn="ctr"/>
+            <a:endParaRPr lang="ru-RU"/>
+          </a:p>
+        </p:txBody>
+      </p:sp>
+      <p:sp>
+        <p:nvSpPr>
+          <p:cNvPr id="50" name="Прямоугольник 49"/>
+          <p:cNvSpPr/>
+          <p:nvPr/>
+        </p:nvSpPr>
+        <p:spPr>
+          <a:xfrm rot="5400000">
+            <a:off x="7632340" y="4761148"/>
+            <a:ext cx="432048" cy="2232248"/>
+          </a:xfrm>
+          <a:prstGeom prst="rect">
+            <a:avLst/>
+          </a:prstGeom>
+          <a:solidFill>
+            <a:schemeClr val="bg1">
+              <a:lumMod val="85000"/>
+              <a:alpha val="34000"/>
+            </a:schemeClr>
+          </a:solidFill>
+          <a:ln>
+            <a:solidFill>
+              <a:schemeClr val="bg1"/>
+            </a:solidFill>
+          </a:ln>
+        </p:spPr>
+        <p:style>
+          <a:lnRef idx="2">
+            <a:schemeClr val="accent1">
+              <a:shade val="50000"/>
+            </a:schemeClr>
+          </a:lnRef>
+          <a:fillRef idx="1">
+            <a:schemeClr val="accent1"/>
+          </a:fillRef>
+          <a:effectRef idx="0">
+            <a:schemeClr val="accent1"/>
+          </a:effectRef>
+          <a:fontRef idx="minor">
+            <a:schemeClr val="lt1"/>
+          </a:fontRef>
+        </p:style>
+        <p:txBody>
+          <a:bodyPr rtlCol="0" anchor="ctr"/>
+          <a:lstStyle/>
+          <a:p>
+            <a:pPr algn="ctr"/>
+            <a:endParaRPr lang="ru-RU"/>
+          </a:p>
+        </p:txBody>
+      </p:sp>
+      <p:sp>
+        <p:nvSpPr>
+          <p:cNvPr id="51" name="Прямоугольник 50"/>
+          <p:cNvSpPr/>
+          <p:nvPr/>
+        </p:nvSpPr>
+        <p:spPr>
+          <a:xfrm rot="5400000">
+            <a:off x="5400092" y="4761148"/>
+            <a:ext cx="432048" cy="2232248"/>
+          </a:xfrm>
+          <a:prstGeom prst="rect">
+            <a:avLst/>
+          </a:prstGeom>
+          <a:solidFill>
+            <a:schemeClr val="bg1">
+              <a:lumMod val="85000"/>
+              <a:alpha val="34000"/>
+            </a:schemeClr>
+          </a:solidFill>
+          <a:ln>
+            <a:solidFill>
+              <a:schemeClr val="bg1"/>
+            </a:solidFill>
+          </a:ln>
+        </p:spPr>
+        <p:style>
+          <a:lnRef idx="2">
+            <a:schemeClr val="accent1">
+              <a:shade val="50000"/>
+            </a:schemeClr>
+          </a:lnRef>
+          <a:fillRef idx="1">
+            <a:schemeClr val="accent1"/>
+          </a:fillRef>
+          <a:effectRef idx="0">
+            <a:schemeClr val="accent1"/>
+          </a:effectRef>
+          <a:fontRef idx="minor">
+            <a:schemeClr val="lt1"/>
+          </a:fontRef>
+        </p:style>
+        <p:txBody>
+          <a:bodyPr rtlCol="0" anchor="ctr"/>
+          <a:lstStyle/>
+          <a:p>
+            <a:pPr algn="ctr"/>
+            <a:endParaRPr lang="ru-RU"/>
+          </a:p>
+        </p:txBody>
+      </p:sp>
+      <p:sp>
+        <p:nvSpPr>
+          <p:cNvPr id="52" name="Прямоугольник 51"/>
+          <p:cNvSpPr/>
+          <p:nvPr/>
+        </p:nvSpPr>
+        <p:spPr>
+          <a:xfrm rot="5400000">
+            <a:off x="3167844" y="4761148"/>
+            <a:ext cx="432048" cy="2232248"/>
+          </a:xfrm>
+          <a:prstGeom prst="rect">
+            <a:avLst/>
+          </a:prstGeom>
+          <a:solidFill>
+            <a:schemeClr val="bg1">
+              <a:lumMod val="85000"/>
+              <a:alpha val="34000"/>
+            </a:schemeClr>
+          </a:solidFill>
+          <a:ln>
+            <a:solidFill>
+              <a:schemeClr val="bg1"/>
+            </a:solidFill>
+          </a:ln>
+        </p:spPr>
+        <p:style>
+          <a:lnRef idx="2">
+            <a:schemeClr val="accent1">
+              <a:shade val="50000"/>
+            </a:schemeClr>
+          </a:lnRef>
+          <a:fillRef idx="1">
+            <a:schemeClr val="accent1"/>
+          </a:fillRef>
+          <a:effectRef idx="0">
+            <a:schemeClr val="accent1"/>
+          </a:effectRef>
+          <a:fontRef idx="minor">
+            <a:schemeClr val="lt1"/>
+          </a:fontRef>
+        </p:style>
+        <p:txBody>
+          <a:bodyPr rtlCol="0" anchor="ctr"/>
+          <a:lstStyle/>
+          <a:p>
+            <a:pPr algn="ctr"/>
+            <a:endParaRPr lang="ru-RU"/>
+          </a:p>
+        </p:txBody>
+      </p:sp>
+      <p:sp>
+        <p:nvSpPr>
+          <p:cNvPr id="54" name="Двойная стрелка влево/вправо 53"/>
+          <p:cNvSpPr/>
+          <p:nvPr/>
+        </p:nvSpPr>
+        <p:spPr>
+          <a:xfrm rot="2961900">
+            <a:off x="1378644" y="3672424"/>
+            <a:ext cx="774927" cy="290241"/>
+          </a:xfrm>
+          <a:prstGeom prst="leftRightArrow">
+            <a:avLst/>
+          </a:prstGeom>
+          <a:solidFill>
+            <a:srgbClr val="000000"/>
+          </a:solidFill>
+          <a:ln>
+            <a:solidFill>
+              <a:srgbClr val="80FF80"/>
+            </a:solidFill>
+          </a:ln>
+        </p:spPr>
+        <p:style>
+          <a:lnRef idx="2">
+            <a:schemeClr val="accent1">
+              <a:shade val="50000"/>
+            </a:schemeClr>
+          </a:lnRef>
+          <a:fillRef idx="1">
+            <a:schemeClr val="accent1"/>
+          </a:fillRef>
+          <a:effectRef idx="0">
+            <a:schemeClr val="accent1"/>
+          </a:effectRef>
+          <a:fontRef idx="minor">
+            <a:schemeClr val="lt1"/>
+          </a:fontRef>
+        </p:style>
+        <p:txBody>
+          <a:bodyPr rtlCol="0" anchor="ctr"/>
+          <a:lstStyle/>
+          <a:p>
+            <a:pPr algn="ctr"/>
+            <a:endParaRPr lang="ru-RU"/>
+          </a:p>
+        </p:txBody>
+      </p:sp>
+      <p:sp>
+        <p:nvSpPr>
+          <p:cNvPr id="55" name="Двойная стрелка влево/вправо 54"/>
+          <p:cNvSpPr/>
+          <p:nvPr/>
+        </p:nvSpPr>
+        <p:spPr>
+          <a:xfrm rot="608049">
+            <a:off x="3483101" y="4741212"/>
+            <a:ext cx="903723" cy="290241"/>
+          </a:xfrm>
+          <a:prstGeom prst="leftRightArrow">
+            <a:avLst/>
+          </a:prstGeom>
+          <a:solidFill>
+            <a:srgbClr val="000000"/>
+          </a:solidFill>
+          <a:ln>
+            <a:solidFill>
+              <a:srgbClr val="80FF80"/>
+            </a:solidFill>
+          </a:ln>
+        </p:spPr>
+        <p:style>
+          <a:lnRef idx="2">
+            <a:schemeClr val="accent1">
+              <a:shade val="50000"/>
+            </a:schemeClr>
+          </a:lnRef>
+          <a:fillRef idx="1">
+            <a:schemeClr val="accent1"/>
+          </a:fillRef>
+          <a:effectRef idx="0">
+            <a:schemeClr val="accent1"/>
+          </a:effectRef>
+          <a:fontRef idx="minor">
+            <a:schemeClr val="lt1"/>
+          </a:fontRef>
+        </p:style>
+        <p:txBody>
+          <a:bodyPr rtlCol="0" anchor="ctr"/>
+          <a:lstStyle/>
+          <a:p>
+            <a:pPr algn="ctr"/>
+            <a:endParaRPr lang="ru-RU"/>
+          </a:p>
+        </p:txBody>
+      </p:sp>
+      <p:sp>
+        <p:nvSpPr>
+          <p:cNvPr id="56" name="Двойная стрелка влево/вправо 55"/>
+          <p:cNvSpPr/>
+          <p:nvPr/>
+        </p:nvSpPr>
+        <p:spPr>
+          <a:xfrm rot="20541788">
+            <a:off x="5968782" y="4797969"/>
+            <a:ext cx="1001189" cy="290241"/>
+          </a:xfrm>
+          <a:prstGeom prst="leftRightArrow">
+            <a:avLst/>
+          </a:prstGeom>
+          <a:solidFill>
+            <a:srgbClr val="000000"/>
+          </a:solidFill>
+          <a:ln>
+            <a:solidFill>
+              <a:srgbClr val="80FF80"/>
+            </a:solidFill>
+          </a:ln>
+        </p:spPr>
+        <p:style>
+          <a:lnRef idx="2">
+            <a:schemeClr val="accent1">
+              <a:shade val="50000"/>
+            </a:schemeClr>
+          </a:lnRef>
+          <a:fillRef idx="1">
+            <a:schemeClr val="accent1"/>
+          </a:fillRef>
+          <a:effectRef idx="0">
+            <a:schemeClr val="accent1"/>
+          </a:effectRef>
+          <a:fontRef idx="minor">
+            <a:schemeClr val="lt1"/>
+          </a:fontRef>
+        </p:style>
+        <p:txBody>
+          <a:bodyPr rtlCol="0" anchor="ctr"/>
+          <a:lstStyle/>
+          <a:p>
+            <a:pPr algn="ctr"/>
+            <a:endParaRPr lang="ru-RU"/>
+          </a:p>
+        </p:txBody>
+      </p:sp>
+      <p:sp>
+        <p:nvSpPr>
+          <p:cNvPr id="58" name="Двойная стрелка влево/вправо 57"/>
+          <p:cNvSpPr/>
+          <p:nvPr/>
+        </p:nvSpPr>
+        <p:spPr>
+          <a:xfrm rot="16518987">
+            <a:off x="4732340" y="3538141"/>
+            <a:ext cx="1095491" cy="290241"/>
+          </a:xfrm>
+          <a:prstGeom prst="leftRightArrow">
+            <a:avLst/>
+          </a:prstGeom>
+          <a:solidFill>
+            <a:srgbClr val="000000"/>
+          </a:solidFill>
+          <a:ln>
+            <a:solidFill>
+              <a:srgbClr val="80FF80"/>
+            </a:solidFill>
+          </a:ln>
+        </p:spPr>
+        <p:style>
+          <a:lnRef idx="2">
+            <a:schemeClr val="accent1">
+              <a:shade val="50000"/>
+            </a:schemeClr>
+          </a:lnRef>
+          <a:fillRef idx="1">
+            <a:schemeClr val="accent1"/>
+          </a:fillRef>
+          <a:effectRef idx="0">
+            <a:schemeClr val="accent1"/>
+          </a:effectRef>
+          <a:fontRef idx="minor">
+            <a:schemeClr val="lt1"/>
+          </a:fontRef>
+        </p:style>
+        <p:txBody>
+          <a:bodyPr rtlCol="0" anchor="ctr"/>
+          <a:lstStyle/>
+          <a:p>
+            <a:pPr algn="ctr"/>
+            <a:endParaRPr lang="ru-RU"/>
+          </a:p>
+        </p:txBody>
+      </p:sp>
+      <p:sp>
+        <p:nvSpPr>
+          <p:cNvPr id="59" name="Двойная стрелка влево/вправо 58"/>
+          <p:cNvSpPr/>
+          <p:nvPr/>
+        </p:nvSpPr>
+        <p:spPr>
+          <a:xfrm rot="21082670">
+            <a:off x="6104607" y="2278272"/>
+            <a:ext cx="1001189" cy="290241"/>
+          </a:xfrm>
+          <a:prstGeom prst="leftRightArrow">
+            <a:avLst/>
+          </a:prstGeom>
+          <a:solidFill>
+            <a:srgbClr val="000000"/>
+          </a:solidFill>
+          <a:ln>
+            <a:solidFill>
+              <a:srgbClr val="80FF80"/>
+            </a:solidFill>
+          </a:ln>
+        </p:spPr>
+        <p:style>
+          <a:lnRef idx="2">
+            <a:schemeClr val="accent1">
+              <a:shade val="50000"/>
+            </a:schemeClr>
+          </a:lnRef>
+          <a:fillRef idx="1">
+            <a:schemeClr val="accent1"/>
+          </a:fillRef>
+          <a:effectRef idx="0">
+            <a:schemeClr val="accent1"/>
+          </a:effectRef>
+          <a:fontRef idx="minor">
+            <a:schemeClr val="lt1"/>
+          </a:fontRef>
+        </p:style>
+        <p:txBody>
+          <a:bodyPr rtlCol="0" anchor="ctr"/>
+          <a:lstStyle/>
+          <a:p>
+            <a:pPr algn="ctr"/>
+            <a:endParaRPr lang="ru-RU"/>
           </a:p>
         </p:txBody>
       </p:sp>
@@ -3832,6 +4467,7 @@
   <p:clrMapOvr>
     <a:masterClrMapping/>
   </p:clrMapOvr>
+  <p:transition/>
   <p:timing>
     <p:tnLst>
       <p:par>
@@ -3875,193 +4511,58 @@
           <a:lstStyle/>
           <a:p>
             <a:r>
-              <a:rPr lang="ru-RU" sz="3200" dirty="0" smtClean="0"/>
-              <a:t>Выбор аппаратной платформы для БПЛА</a:t>
-            </a:r>
-            <a:endParaRPr lang="ru-RU" sz="3200" dirty="0"/>
-          </a:p>
-        </p:txBody>
-      </p:sp>
-      <p:sp>
-        <p:nvSpPr>
-          <p:cNvPr id="3" name="Содержимое 2"/>
-          <p:cNvSpPr>
-            <a:spLocks noGrp="1"/>
-          </p:cNvSpPr>
+              <a:rPr lang="ru-RU" sz="3600" dirty="0" smtClean="0"/>
+              <a:t>Устройство и принцип 4Р-БПЛА</a:t>
+            </a:r>
+            <a:endParaRPr lang="ru-RU" sz="3600" dirty="0"/>
+          </a:p>
+        </p:txBody>
+      </p:sp>
+      <p:pic>
+        <p:nvPicPr>
+          <p:cNvPr id="4" name="Содержимое 3" descr="quadrotor.jpg"/>
+          <p:cNvPicPr>
+            <a:picLocks noGrp="1" noChangeAspect="1"/>
+          </p:cNvPicPr>
           <p:nvPr>
             <p:ph sz="half" idx="1"/>
           </p:nvPr>
-        </p:nvSpPr>
-        <p:spPr>
-          <a:solidFill>
-            <a:srgbClr val="000000">
-              <a:alpha val="74902"/>
-            </a:srgbClr>
-          </a:solidFill>
-        </p:spPr>
-        <p:txBody>
-          <a:bodyPr>
-            <a:normAutofit lnSpcReduction="10000"/>
-          </a:bodyPr>
-          <a:lstStyle/>
-          <a:p>
-            <a:r>
-              <a:rPr lang="ru-RU" sz="2400" dirty="0" smtClean="0"/>
-              <a:t>Контроллер:</a:t>
-            </a:r>
-            <a:endParaRPr lang="en-US" sz="2400" dirty="0" smtClean="0"/>
-          </a:p>
-          <a:p>
-            <a:pPr lvl="1"/>
-            <a:r>
-              <a:rPr lang="en-US" sz="2000" dirty="0" err="1" smtClean="0"/>
-              <a:t>Arduino</a:t>
-            </a:r>
-            <a:endParaRPr lang="ru-RU" sz="2000" dirty="0" smtClean="0"/>
-          </a:p>
-          <a:p>
-            <a:pPr lvl="2"/>
-            <a:r>
-              <a:rPr lang="ru-RU" sz="1600" dirty="0" smtClean="0">
-                <a:solidFill>
-                  <a:srgbClr val="80FF80"/>
-                </a:solidFill>
-              </a:rPr>
-              <a:t>Большой выбор «</a:t>
-            </a:r>
-            <a:r>
-              <a:rPr lang="ru-RU" sz="1600" dirty="0" err="1" smtClean="0">
-                <a:solidFill>
-                  <a:srgbClr val="80FF80"/>
-                </a:solidFill>
-              </a:rPr>
-              <a:t>шилдов</a:t>
-            </a:r>
-            <a:r>
-              <a:rPr lang="ru-RU" sz="1600" dirty="0" smtClean="0">
-                <a:solidFill>
-                  <a:srgbClr val="80FF80"/>
-                </a:solidFill>
-              </a:rPr>
-              <a:t>»</a:t>
-            </a:r>
-          </a:p>
-          <a:p>
-            <a:pPr lvl="2"/>
-            <a:r>
-              <a:rPr lang="ru-RU" sz="1600" dirty="0" smtClean="0">
-                <a:solidFill>
-                  <a:srgbClr val="80FF80"/>
-                </a:solidFill>
-              </a:rPr>
-              <a:t>Легкость программирования и  внедрения</a:t>
-            </a:r>
-          </a:p>
-          <a:p>
-            <a:pPr lvl="2"/>
-            <a:r>
-              <a:rPr lang="ru-RU" sz="1600" dirty="0" smtClean="0">
-                <a:solidFill>
-                  <a:srgbClr val="80FF80"/>
-                </a:solidFill>
-              </a:rPr>
-              <a:t>Большой  выбор  библиотек для разных задач и аппаратных средств</a:t>
-            </a:r>
-          </a:p>
-          <a:p>
-            <a:pPr lvl="2"/>
-            <a:r>
-              <a:rPr lang="en-US" sz="1600" dirty="0" err="1" smtClean="0">
-                <a:solidFill>
-                  <a:srgbClr val="80FF80"/>
-                </a:solidFill>
-              </a:rPr>
-              <a:t>AeroQuad</a:t>
-            </a:r>
-            <a:endParaRPr lang="ru-RU" sz="1600" dirty="0" smtClean="0">
-              <a:solidFill>
-                <a:srgbClr val="80FF80"/>
-              </a:solidFill>
-            </a:endParaRPr>
-          </a:p>
-          <a:p>
-            <a:pPr lvl="2"/>
-            <a:r>
-              <a:rPr lang="ru-RU" sz="1600" dirty="0" smtClean="0">
-                <a:solidFill>
-                  <a:srgbClr val="FF8080"/>
-                </a:solidFill>
-              </a:rPr>
-              <a:t>Низкая производительность</a:t>
-            </a:r>
-          </a:p>
-          <a:p>
-            <a:pPr lvl="2"/>
-            <a:endParaRPr lang="ru-RU" sz="1600" dirty="0" smtClean="0"/>
-          </a:p>
-          <a:p>
-            <a:pPr lvl="1"/>
-            <a:r>
-              <a:rPr lang="en-US" sz="2000" dirty="0" err="1" smtClean="0"/>
-              <a:t>Netduino</a:t>
-            </a:r>
-            <a:endParaRPr lang="ru-RU" sz="2000" dirty="0" smtClean="0"/>
-          </a:p>
-          <a:p>
-            <a:pPr lvl="2"/>
-            <a:r>
-              <a:rPr lang="en-US" sz="1600" dirty="0" smtClean="0">
-                <a:solidFill>
-                  <a:srgbClr val="80FF80"/>
-                </a:solidFill>
-              </a:rPr>
-              <a:t>.NET </a:t>
-            </a:r>
-            <a:r>
-              <a:rPr lang="en-US" sz="1600" dirty="0" err="1" smtClean="0">
-                <a:solidFill>
-                  <a:srgbClr val="80FF80"/>
-                </a:solidFill>
-              </a:rPr>
-              <a:t>Microframework</a:t>
-            </a:r>
-            <a:endParaRPr lang="en-US" sz="1600" dirty="0" smtClean="0">
-              <a:solidFill>
-                <a:srgbClr val="80FF80"/>
-              </a:solidFill>
-            </a:endParaRPr>
-          </a:p>
-          <a:p>
-            <a:pPr lvl="2"/>
-            <a:r>
-              <a:rPr lang="ru-RU" sz="1600" dirty="0" smtClean="0">
-                <a:solidFill>
-                  <a:srgbClr val="80FF80"/>
-                </a:solidFill>
-              </a:rPr>
-              <a:t>Возможность интеграции с ВП</a:t>
-            </a:r>
-          </a:p>
-          <a:p>
-            <a:pPr lvl="2"/>
-            <a:r>
-              <a:rPr lang="ru-RU" sz="1600" dirty="0" smtClean="0">
-                <a:solidFill>
-                  <a:srgbClr val="FF8080"/>
-                </a:solidFill>
-              </a:rPr>
-              <a:t>Меньше библиотек</a:t>
-            </a:r>
-          </a:p>
-          <a:p>
-            <a:pPr lvl="2"/>
-            <a:endParaRPr lang="en-US" sz="1600" dirty="0" smtClean="0"/>
-          </a:p>
-        </p:txBody>
-      </p:sp>
-      <p:sp>
-        <p:nvSpPr>
-          <p:cNvPr id="4" name="Содержимое 3"/>
+        </p:nvPicPr>
+        <p:blipFill>
+          <a:blip r:embed="rId2" cstate="print">
+            <a:lum bright="-20000"/>
+          </a:blip>
+          <a:stretch>
+            <a:fillRect/>
+          </a:stretch>
+        </p:blipFill>
+        <p:spPr>
+          <a:xfrm>
+            <a:off x="179512" y="1628800"/>
+            <a:ext cx="5954882" cy="4248472"/>
+          </a:xfrm>
+          <a:prstGeom prst="rect">
+            <a:avLst/>
+          </a:prstGeom>
+          <a:ln>
+            <a:solidFill>
+              <a:schemeClr val="bg1">
+                <a:lumMod val="95000"/>
+              </a:schemeClr>
+            </a:solidFill>
+          </a:ln>
+          <a:effectLst>
+            <a:outerShdw blurRad="190500" algn="tl" rotWithShape="0">
+              <a:srgbClr val="000000">
+                <a:alpha val="70000"/>
+              </a:srgbClr>
+            </a:outerShdw>
+          </a:effectLst>
+        </p:spPr>
+      </p:pic>
+      <p:sp>
+        <p:nvSpPr>
+          <p:cNvPr id="5" name="Содержимое 4"/>
           <p:cNvSpPr>
             <a:spLocks noGrp="1"/>
           </p:cNvSpPr>
@@ -4070,135 +4571,48 @@
           </p:nvPr>
         </p:nvSpPr>
         <p:spPr>
-          <a:solidFill>
-            <a:srgbClr val="000000">
-              <a:alpha val="74902"/>
-            </a:srgbClr>
-          </a:solidFill>
+          <a:xfrm>
+            <a:off x="6228184" y="1628801"/>
+            <a:ext cx="2742456" cy="4248472"/>
+          </a:xfrm>
         </p:spPr>
         <p:txBody>
           <a:bodyPr>
-            <a:normAutofit lnSpcReduction="10000"/>
+            <a:normAutofit/>
           </a:bodyPr>
           <a:lstStyle/>
           <a:p>
             <a:r>
-              <a:rPr lang="ru-RU" sz="2400" dirty="0" smtClean="0"/>
-              <a:t>Коммуникационная система</a:t>
-            </a:r>
-            <a:endParaRPr lang="en-US" sz="2400" dirty="0" smtClean="0"/>
-          </a:p>
-          <a:p>
-            <a:pPr lvl="1"/>
-            <a:r>
-              <a:rPr lang="en-US" sz="2000" dirty="0" err="1" smtClean="0"/>
-              <a:t>WiFi</a:t>
-            </a:r>
-            <a:endParaRPr lang="en-US" sz="2000" dirty="0" smtClean="0"/>
-          </a:p>
-          <a:p>
-            <a:pPr lvl="2"/>
-            <a:r>
-              <a:rPr lang="ru-RU" sz="1600" dirty="0" smtClean="0">
-                <a:solidFill>
-                  <a:srgbClr val="80FF80"/>
-                </a:solidFill>
-              </a:rPr>
-              <a:t>Передача больших объемов данных</a:t>
-            </a:r>
-          </a:p>
-          <a:p>
-            <a:pPr lvl="1"/>
-            <a:r>
-              <a:rPr lang="en-US" sz="2000" dirty="0" err="1" smtClean="0"/>
-              <a:t>ZigBee</a:t>
-            </a:r>
-            <a:endParaRPr lang="ru-RU" sz="2000" dirty="0" smtClean="0"/>
-          </a:p>
-          <a:p>
-            <a:pPr lvl="2"/>
-            <a:r>
-              <a:rPr lang="ru-RU" sz="1600" dirty="0" smtClean="0">
-                <a:solidFill>
-                  <a:srgbClr val="FF8080"/>
-                </a:solidFill>
-              </a:rPr>
-              <a:t>Сложность настройки</a:t>
-            </a:r>
-          </a:p>
-          <a:p>
-            <a:pPr lvl="2"/>
-            <a:r>
-              <a:rPr lang="ru-RU" sz="1600" dirty="0" smtClean="0">
-                <a:solidFill>
-                  <a:srgbClr val="80FF80"/>
-                </a:solidFill>
-              </a:rPr>
-              <a:t>Сложные топологии</a:t>
-            </a:r>
-          </a:p>
-          <a:p>
-            <a:pPr lvl="2"/>
-            <a:r>
-              <a:rPr lang="ru-RU" sz="1600" dirty="0" smtClean="0">
-                <a:solidFill>
-                  <a:srgbClr val="80FF80"/>
-                </a:solidFill>
-              </a:rPr>
-              <a:t>Критически важные данные</a:t>
-            </a:r>
-          </a:p>
-          <a:p>
-            <a:pPr lvl="1"/>
-            <a:r>
               <a:rPr lang="en-US" sz="2000" dirty="0" smtClean="0"/>
-              <a:t>Bluetooth</a:t>
-            </a:r>
-            <a:endParaRPr lang="ru-RU" sz="2000" dirty="0" smtClean="0"/>
-          </a:p>
-          <a:p>
-            <a:pPr lvl="2"/>
-            <a:r>
-              <a:rPr lang="ru-RU" sz="1600" dirty="0" smtClean="0">
-                <a:solidFill>
-                  <a:srgbClr val="80FF80"/>
-                </a:solidFill>
-              </a:rPr>
-              <a:t>Прост в использовании</a:t>
-            </a:r>
-          </a:p>
-          <a:p>
-            <a:pPr lvl="2"/>
-            <a:r>
-              <a:rPr lang="ru-RU" sz="1600" dirty="0" smtClean="0">
-                <a:solidFill>
-                  <a:srgbClr val="FF8080"/>
-                </a:solidFill>
-              </a:rPr>
-              <a:t>Ненадежен</a:t>
-            </a:r>
-          </a:p>
-          <a:p>
-            <a:pPr lvl="2"/>
-            <a:endParaRPr lang="ru-RU" sz="1600" dirty="0" smtClean="0"/>
-          </a:p>
-          <a:p>
-            <a:pPr lvl="1"/>
-            <a:r>
-              <a:rPr lang="en-US" sz="2000" dirty="0" smtClean="0"/>
-              <a:t>USB</a:t>
-            </a:r>
-            <a:endParaRPr lang="ru-RU" sz="2000" dirty="0" smtClean="0"/>
-          </a:p>
-          <a:p>
-            <a:pPr lvl="2"/>
-            <a:r>
-              <a:rPr lang="ru-RU" sz="1600" dirty="0" smtClean="0"/>
-              <a:t>Отладка</a:t>
-            </a:r>
-          </a:p>
-          <a:p>
-            <a:endParaRPr lang="ru-RU" dirty="0"/>
+              <a:t>4 </a:t>
+            </a:r>
+            <a:r>
+              <a:rPr lang="ru-RU" sz="2000" dirty="0" smtClean="0"/>
+              <a:t>двигателя</a:t>
+            </a:r>
+          </a:p>
+          <a:p>
+            <a:r>
+              <a:rPr lang="ru-RU" sz="2000" dirty="0" smtClean="0"/>
+              <a:t>4 пропеллера</a:t>
+            </a:r>
+          </a:p>
+          <a:p>
+            <a:r>
+              <a:rPr lang="ru-RU" sz="2000" dirty="0" smtClean="0"/>
+              <a:t>Фактическое отсутствие сложных механизмов</a:t>
+            </a:r>
+          </a:p>
+          <a:p>
+            <a:r>
+              <a:rPr lang="ru-RU" sz="2000" dirty="0" smtClean="0"/>
+              <a:t>Легкость создания и </a:t>
+            </a:r>
+            <a:r>
+              <a:rPr lang="ru-RU" sz="2000" smtClean="0"/>
+              <a:t>низкая стоимость</a:t>
+            </a:r>
+            <a:endParaRPr lang="ru-RU" sz="2000" dirty="0"/>
           </a:p>
         </p:txBody>
       </p:sp>
@@ -4246,1698 +4660,337 @@
         </p:nvSpPr>
         <p:spPr/>
         <p:txBody>
-          <a:bodyPr>
-            <a:normAutofit/>
-          </a:bodyPr>
-          <a:lstStyle/>
-          <a:p>
-            <a:r>
-              <a:rPr lang="ru-RU" dirty="0" smtClean="0"/>
-              <a:t>Функциональная схема 4Р-БПЛА</a:t>
-            </a:r>
-            <a:endParaRPr lang="ru-RU" dirty="0"/>
-          </a:p>
-        </p:txBody>
-      </p:sp>
-      <p:sp>
-        <p:nvSpPr>
-          <p:cNvPr id="4" name="Прямоугольник 3"/>
-          <p:cNvSpPr/>
-          <p:nvPr/>
-        </p:nvSpPr>
-        <p:spPr>
-          <a:xfrm>
-            <a:off x="251520" y="1556792"/>
-            <a:ext cx="1008112" cy="1872208"/>
-          </a:xfrm>
-          <a:prstGeom prst="rect">
-            <a:avLst/>
-          </a:prstGeom>
+          <a:bodyPr/>
+          <a:lstStyle/>
+          <a:p>
+            <a:r>
+              <a:rPr lang="ru-RU" sz="3200" dirty="0" smtClean="0"/>
+              <a:t>Выбор аппаратной платформы для БПЛА</a:t>
+            </a:r>
+            <a:endParaRPr lang="ru-RU" sz="3200" dirty="0"/>
+          </a:p>
+        </p:txBody>
+      </p:sp>
+      <p:sp>
+        <p:nvSpPr>
+          <p:cNvPr id="3" name="Содержимое 2"/>
+          <p:cNvSpPr>
+            <a:spLocks noGrp="1"/>
+          </p:cNvSpPr>
+          <p:nvPr>
+            <p:ph sz="half" idx="1"/>
+          </p:nvPr>
+        </p:nvSpPr>
+        <p:spPr>
           <a:solidFill>
-            <a:srgbClr val="324B64">
-              <a:alpha val="50196"/>
+            <a:srgbClr val="000000">
+              <a:alpha val="74902"/>
             </a:srgbClr>
           </a:solidFill>
-          <a:ln w="12700"/>
-        </p:spPr>
-        <p:style>
-          <a:lnRef idx="3">
-            <a:schemeClr val="lt1"/>
-          </a:lnRef>
-          <a:fillRef idx="1">
-            <a:schemeClr val="accent1"/>
-          </a:fillRef>
-          <a:effectRef idx="1">
-            <a:schemeClr val="accent1"/>
-          </a:effectRef>
-          <a:fontRef idx="minor">
-            <a:schemeClr val="lt1"/>
-          </a:fontRef>
-        </p:style>
-        <p:txBody>
-          <a:bodyPr rtlCol="0" anchor="ctr"/>
-          <a:lstStyle/>
-          <a:p>
-            <a:pPr algn="ctr"/>
-            <a:r>
-              <a:rPr lang="en-US" sz="2400" dirty="0" smtClean="0">
+        </p:spPr>
+        <p:txBody>
+          <a:bodyPr>
+            <a:normAutofit lnSpcReduction="10000"/>
+          </a:bodyPr>
+          <a:lstStyle/>
+          <a:p>
+            <a:r>
+              <a:rPr lang="ru-RU" sz="2400" dirty="0" smtClean="0"/>
+              <a:t>Контроллер:</a:t>
+            </a:r>
+            <a:endParaRPr lang="en-US" sz="2400" dirty="0" smtClean="0"/>
+          </a:p>
+          <a:p>
+            <a:pPr lvl="1"/>
+            <a:r>
+              <a:rPr lang="en-US" sz="2000" dirty="0" err="1" smtClean="0"/>
+              <a:t>Arduino</a:t>
+            </a:r>
+            <a:endParaRPr lang="ru-RU" sz="2000" dirty="0" smtClean="0"/>
+          </a:p>
+          <a:p>
+            <a:pPr lvl="2"/>
+            <a:r>
+              <a:rPr lang="ru-RU" sz="1600" dirty="0" smtClean="0">
                 <a:solidFill>
-                  <a:schemeClr val="bg1"/>
+                  <a:srgbClr val="80FF80"/>
                 </a:solidFill>
               </a:rPr>
-              <a:t>PC</a:t>
-            </a:r>
-          </a:p>
-          <a:p>
-            <a:pPr algn="ctr"/>
-            <a:r>
-              <a:rPr lang="en-US" dirty="0" smtClean="0">
+              <a:t>Большой выбор «</a:t>
+            </a:r>
+            <a:r>
+              <a:rPr lang="ru-RU" sz="1600" dirty="0" err="1" smtClean="0">
                 <a:solidFill>
-                  <a:schemeClr val="bg1"/>
+                  <a:srgbClr val="80FF80"/>
                 </a:solidFill>
               </a:rPr>
-              <a:t>(</a:t>
-            </a:r>
-            <a:r>
-              <a:rPr lang="ru-RU" dirty="0" smtClean="0">
+              <a:t>шилдов</a:t>
+            </a:r>
+            <a:r>
+              <a:rPr lang="ru-RU" sz="1600" dirty="0" smtClean="0">
                 <a:solidFill>
-                  <a:schemeClr val="bg1"/>
+                  <a:srgbClr val="80FF80"/>
                 </a:solidFill>
               </a:rPr>
-              <a:t>ВП)</a:t>
-            </a:r>
-            <a:endParaRPr lang="ru-RU" sz="2400" dirty="0">
+              <a:t>»</a:t>
+            </a:r>
+          </a:p>
+          <a:p>
+            <a:pPr lvl="2"/>
+            <a:r>
+              <a:rPr lang="ru-RU" sz="1600" dirty="0" smtClean="0">
+                <a:solidFill>
+                  <a:srgbClr val="80FF80"/>
+                </a:solidFill>
+              </a:rPr>
+              <a:t>Легкость программирования и  внедрения</a:t>
+            </a:r>
+          </a:p>
+          <a:p>
+            <a:pPr lvl="2"/>
+            <a:r>
+              <a:rPr lang="ru-RU" sz="1600" dirty="0" smtClean="0">
+                <a:solidFill>
+                  <a:srgbClr val="80FF80"/>
+                </a:solidFill>
+              </a:rPr>
+              <a:t>Большой  выбор  библиотек для разных задач и аппаратных средств</a:t>
+            </a:r>
+          </a:p>
+          <a:p>
+            <a:pPr lvl="2"/>
+            <a:r>
+              <a:rPr lang="en-US" sz="1600" dirty="0" err="1" smtClean="0">
+                <a:solidFill>
+                  <a:srgbClr val="80FF80"/>
+                </a:solidFill>
+              </a:rPr>
+              <a:t>AeroQuad</a:t>
+            </a:r>
+            <a:endParaRPr lang="ru-RU" sz="1600" dirty="0" smtClean="0">
               <a:solidFill>
-                <a:schemeClr val="bg1"/>
+                <a:srgbClr val="80FF80"/>
               </a:solidFill>
             </a:endParaRPr>
           </a:p>
-        </p:txBody>
-      </p:sp>
-      <p:sp>
-        <p:nvSpPr>
-          <p:cNvPr id="5" name="Прямоугольник 4"/>
-          <p:cNvSpPr/>
-          <p:nvPr/>
-        </p:nvSpPr>
-        <p:spPr>
-          <a:xfrm>
-            <a:off x="3851920" y="2492896"/>
-            <a:ext cx="1944216" cy="1080120"/>
-          </a:xfrm>
-          <a:prstGeom prst="rect">
-            <a:avLst/>
-          </a:prstGeom>
+          <a:p>
+            <a:pPr lvl="2"/>
+            <a:r>
+              <a:rPr lang="ru-RU" sz="1600" dirty="0" smtClean="0">
+                <a:solidFill>
+                  <a:srgbClr val="FF8080"/>
+                </a:solidFill>
+              </a:rPr>
+              <a:t>Низкая производительность</a:t>
+            </a:r>
+          </a:p>
+          <a:p>
+            <a:pPr lvl="2"/>
+            <a:endParaRPr lang="ru-RU" sz="1600" dirty="0" smtClean="0"/>
+          </a:p>
+          <a:p>
+            <a:pPr lvl="1"/>
+            <a:r>
+              <a:rPr lang="en-US" sz="2000" dirty="0" err="1" smtClean="0"/>
+              <a:t>Netduino</a:t>
+            </a:r>
+            <a:endParaRPr lang="ru-RU" sz="2000" dirty="0" smtClean="0"/>
+          </a:p>
+          <a:p>
+            <a:pPr lvl="2"/>
+            <a:r>
+              <a:rPr lang="en-US" sz="1600" dirty="0" smtClean="0">
+                <a:solidFill>
+                  <a:srgbClr val="80FF80"/>
+                </a:solidFill>
+              </a:rPr>
+              <a:t>.NET </a:t>
+            </a:r>
+            <a:r>
+              <a:rPr lang="en-US" sz="1600" dirty="0" err="1" smtClean="0">
+                <a:solidFill>
+                  <a:srgbClr val="80FF80"/>
+                </a:solidFill>
+              </a:rPr>
+              <a:t>Microframework</a:t>
+            </a:r>
+            <a:endParaRPr lang="en-US" sz="1600" dirty="0" smtClean="0">
+              <a:solidFill>
+                <a:srgbClr val="80FF80"/>
+              </a:solidFill>
+            </a:endParaRPr>
+          </a:p>
+          <a:p>
+            <a:pPr lvl="2"/>
+            <a:r>
+              <a:rPr lang="ru-RU" sz="1600" dirty="0" smtClean="0">
+                <a:solidFill>
+                  <a:srgbClr val="80FF80"/>
+                </a:solidFill>
+              </a:rPr>
+              <a:t>Возможность интеграции с ВП</a:t>
+            </a:r>
+          </a:p>
+          <a:p>
+            <a:pPr lvl="2"/>
+            <a:r>
+              <a:rPr lang="ru-RU" sz="1600" dirty="0" smtClean="0">
+                <a:solidFill>
+                  <a:srgbClr val="FF8080"/>
+                </a:solidFill>
+              </a:rPr>
+              <a:t>Меньше библиотек</a:t>
+            </a:r>
+          </a:p>
+          <a:p>
+            <a:pPr lvl="2"/>
+            <a:endParaRPr lang="en-US" sz="1600" dirty="0" smtClean="0"/>
+          </a:p>
+        </p:txBody>
+      </p:sp>
+      <p:sp>
+        <p:nvSpPr>
+          <p:cNvPr id="4" name="Содержимое 3"/>
+          <p:cNvSpPr>
+            <a:spLocks noGrp="1"/>
+          </p:cNvSpPr>
+          <p:nvPr>
+            <p:ph sz="half" idx="2"/>
+          </p:nvPr>
+        </p:nvSpPr>
+        <p:spPr>
           <a:solidFill>
-            <a:srgbClr val="640000">
-              <a:alpha val="49804"/>
+            <a:srgbClr val="000000">
+              <a:alpha val="74902"/>
             </a:srgbClr>
           </a:solidFill>
-          <a:ln w="12700">
-            <a:solidFill>
-              <a:schemeClr val="bg1"/>
-            </a:solidFill>
-          </a:ln>
-        </p:spPr>
-        <p:style>
-          <a:lnRef idx="3">
-            <a:schemeClr val="lt1"/>
-          </a:lnRef>
-          <a:fillRef idx="1">
-            <a:schemeClr val="accent1"/>
-          </a:fillRef>
-          <a:effectRef idx="1">
-            <a:schemeClr val="accent1"/>
-          </a:effectRef>
-          <a:fontRef idx="minor">
-            <a:schemeClr val="lt1"/>
-          </a:fontRef>
-        </p:style>
-        <p:txBody>
-          <a:bodyPr rtlCol="0" anchor="ctr"/>
-          <a:lstStyle/>
-          <a:p>
-            <a:pPr algn="ctr"/>
-            <a:r>
-              <a:rPr lang="en-US" sz="2400" dirty="0" err="1" smtClean="0">
+        </p:spPr>
+        <p:txBody>
+          <a:bodyPr>
+            <a:normAutofit lnSpcReduction="10000"/>
+          </a:bodyPr>
+          <a:lstStyle/>
+          <a:p>
+            <a:r>
+              <a:rPr lang="ru-RU" sz="2400" dirty="0" smtClean="0"/>
+              <a:t>Коммуникационная система</a:t>
+            </a:r>
+            <a:endParaRPr lang="en-US" sz="2400" dirty="0" smtClean="0"/>
+          </a:p>
+          <a:p>
+            <a:pPr lvl="1"/>
+            <a:r>
+              <a:rPr lang="en-US" sz="2000" dirty="0" err="1" smtClean="0"/>
+              <a:t>WiFi</a:t>
+            </a:r>
+            <a:endParaRPr lang="en-US" sz="2000" dirty="0" smtClean="0"/>
+          </a:p>
+          <a:p>
+            <a:pPr lvl="2"/>
+            <a:r>
+              <a:rPr lang="ru-RU" sz="1600" dirty="0" smtClean="0">
                 <a:solidFill>
-                  <a:schemeClr val="bg1"/>
+                  <a:srgbClr val="80FF80"/>
                 </a:solidFill>
               </a:rPr>
-              <a:t>Arduino</a:t>
-            </a:r>
-            <a:endParaRPr lang="ru-RU" sz="2400" dirty="0">
-              <a:solidFill>
-                <a:schemeClr val="bg1"/>
-              </a:solidFill>
-            </a:endParaRPr>
-          </a:p>
-        </p:txBody>
-      </p:sp>
-      <p:sp>
-        <p:nvSpPr>
-          <p:cNvPr id="7" name="Прямоугольник 6"/>
-          <p:cNvSpPr/>
-          <p:nvPr/>
-        </p:nvSpPr>
-        <p:spPr>
-          <a:xfrm>
-            <a:off x="6372200" y="1556792"/>
-            <a:ext cx="1440160" cy="432048"/>
-          </a:xfrm>
-          <a:prstGeom prst="rect">
-            <a:avLst/>
-          </a:prstGeom>
-          <a:solidFill>
-            <a:schemeClr val="accent1">
-              <a:lumMod val="75000"/>
-              <a:alpha val="50196"/>
-            </a:schemeClr>
-          </a:solidFill>
-          <a:ln w="12700"/>
-        </p:spPr>
-        <p:style>
-          <a:lnRef idx="3">
-            <a:schemeClr val="lt1"/>
-          </a:lnRef>
-          <a:fillRef idx="1">
-            <a:schemeClr val="accent1"/>
-          </a:fillRef>
-          <a:effectRef idx="1">
-            <a:schemeClr val="accent1"/>
-          </a:effectRef>
-          <a:fontRef idx="minor">
-            <a:schemeClr val="lt1"/>
-          </a:fontRef>
-        </p:style>
-        <p:txBody>
-          <a:bodyPr rtlCol="0" anchor="ctr"/>
-          <a:lstStyle/>
-          <a:p>
-            <a:pPr algn="ctr"/>
-            <a:r>
-              <a:rPr lang="en-US" sz="1400" dirty="0" smtClean="0">
+              <a:t>Передача больших объемов данных</a:t>
+            </a:r>
+          </a:p>
+          <a:p>
+            <a:pPr lvl="1"/>
+            <a:r>
+              <a:rPr lang="en-US" sz="2000" dirty="0" err="1" smtClean="0"/>
+              <a:t>ZigBee</a:t>
+            </a:r>
+            <a:endParaRPr lang="ru-RU" sz="2000" dirty="0" smtClean="0"/>
+          </a:p>
+          <a:p>
+            <a:pPr lvl="2"/>
+            <a:r>
+              <a:rPr lang="ru-RU" sz="1600" dirty="0" smtClean="0">
                 <a:solidFill>
-                  <a:schemeClr val="bg1"/>
+                  <a:srgbClr val="FF8080"/>
                 </a:solidFill>
               </a:rPr>
-              <a:t>3-axis</a:t>
-            </a:r>
-          </a:p>
-          <a:p>
-            <a:pPr algn="ctr"/>
-            <a:r>
-              <a:rPr lang="en-US" sz="1400" dirty="0" smtClean="0">
+              <a:t>Сложность настройки</a:t>
+            </a:r>
+          </a:p>
+          <a:p>
+            <a:pPr lvl="2"/>
+            <a:r>
+              <a:rPr lang="ru-RU" sz="1600" dirty="0" smtClean="0">
                 <a:solidFill>
-                  <a:schemeClr val="bg1"/>
+                  <a:srgbClr val="80FF80"/>
                 </a:solidFill>
               </a:rPr>
-              <a:t>gyroscope</a:t>
-            </a:r>
-          </a:p>
-        </p:txBody>
-      </p:sp>
-      <p:sp>
-        <p:nvSpPr>
-          <p:cNvPr id="8" name="Прямоугольник 7"/>
-          <p:cNvSpPr/>
-          <p:nvPr/>
-        </p:nvSpPr>
-        <p:spPr>
-          <a:xfrm>
-            <a:off x="6372200" y="2132856"/>
-            <a:ext cx="1440160" cy="432048"/>
-          </a:xfrm>
-          <a:prstGeom prst="rect">
-            <a:avLst/>
-          </a:prstGeom>
-          <a:solidFill>
-            <a:schemeClr val="accent1">
-              <a:lumMod val="75000"/>
-              <a:alpha val="50196"/>
-            </a:schemeClr>
-          </a:solidFill>
-          <a:ln w="12700"/>
-        </p:spPr>
-        <p:style>
-          <a:lnRef idx="3">
-            <a:schemeClr val="lt1"/>
-          </a:lnRef>
-          <a:fillRef idx="1">
-            <a:schemeClr val="accent1"/>
-          </a:fillRef>
-          <a:effectRef idx="1">
-            <a:schemeClr val="accent1"/>
-          </a:effectRef>
-          <a:fontRef idx="minor">
-            <a:schemeClr val="lt1"/>
-          </a:fontRef>
-        </p:style>
-        <p:txBody>
-          <a:bodyPr rtlCol="0" anchor="ctr"/>
-          <a:lstStyle/>
-          <a:p>
-            <a:pPr algn="ctr"/>
-            <a:r>
-              <a:rPr lang="en-US" sz="1400" dirty="0" smtClean="0">
+              <a:t>Сложные топологии</a:t>
+            </a:r>
+          </a:p>
+          <a:p>
+            <a:pPr lvl="2"/>
+            <a:r>
+              <a:rPr lang="ru-RU" sz="1600" dirty="0" smtClean="0">
                 <a:solidFill>
-                  <a:schemeClr val="bg1"/>
+                  <a:srgbClr val="80FF80"/>
                 </a:solidFill>
               </a:rPr>
-              <a:t>3-axis</a:t>
-            </a:r>
-          </a:p>
-          <a:p>
-            <a:pPr algn="ctr"/>
-            <a:r>
-              <a:rPr lang="en-US" sz="1400" dirty="0" smtClean="0">
+              <a:t>Критически важные данные</a:t>
+            </a:r>
+          </a:p>
+          <a:p>
+            <a:pPr lvl="1"/>
+            <a:r>
+              <a:rPr lang="en-US" sz="2000" dirty="0" smtClean="0"/>
+              <a:t>Bluetooth</a:t>
+            </a:r>
+            <a:endParaRPr lang="ru-RU" sz="2000" dirty="0" smtClean="0"/>
+          </a:p>
+          <a:p>
+            <a:pPr lvl="2"/>
+            <a:r>
+              <a:rPr lang="ru-RU" sz="1600" dirty="0" smtClean="0">
                 <a:solidFill>
-                  <a:schemeClr val="bg1"/>
+                  <a:srgbClr val="80FF80"/>
                 </a:solidFill>
               </a:rPr>
-              <a:t>Accelerometer</a:t>
-            </a:r>
-            <a:endParaRPr lang="ru-RU" sz="1400" dirty="0">
-              <a:solidFill>
-                <a:schemeClr val="bg1"/>
-              </a:solidFill>
-            </a:endParaRPr>
-          </a:p>
-        </p:txBody>
-      </p:sp>
-      <p:sp>
-        <p:nvSpPr>
-          <p:cNvPr id="9" name="Прямоугольник 8"/>
-          <p:cNvSpPr/>
-          <p:nvPr/>
-        </p:nvSpPr>
-        <p:spPr>
-          <a:xfrm>
-            <a:off x="6372200" y="2708920"/>
-            <a:ext cx="1440160" cy="432048"/>
-          </a:xfrm>
-          <a:prstGeom prst="rect">
-            <a:avLst/>
-          </a:prstGeom>
-          <a:solidFill>
-            <a:schemeClr val="accent1">
-              <a:lumMod val="75000"/>
-              <a:alpha val="50196"/>
-            </a:schemeClr>
-          </a:solidFill>
-          <a:ln w="12700"/>
-        </p:spPr>
-        <p:style>
-          <a:lnRef idx="3">
-            <a:schemeClr val="lt1"/>
-          </a:lnRef>
-          <a:fillRef idx="1">
-            <a:schemeClr val="accent1"/>
-          </a:fillRef>
-          <a:effectRef idx="1">
-            <a:schemeClr val="accent1"/>
-          </a:effectRef>
-          <a:fontRef idx="minor">
-            <a:schemeClr val="lt1"/>
-          </a:fontRef>
-        </p:style>
-        <p:txBody>
-          <a:bodyPr rtlCol="0" anchor="ctr"/>
-          <a:lstStyle/>
-          <a:p>
-            <a:pPr algn="ctr"/>
-            <a:r>
-              <a:rPr lang="en-US" sz="1400" dirty="0" smtClean="0">
+              <a:t>Прост в использовании</a:t>
+            </a:r>
+          </a:p>
+          <a:p>
+            <a:pPr lvl="2"/>
+            <a:r>
+              <a:rPr lang="ru-RU" sz="1600" dirty="0" smtClean="0">
                 <a:solidFill>
-                  <a:schemeClr val="bg1"/>
+                  <a:srgbClr val="FF8080"/>
                 </a:solidFill>
               </a:rPr>
-              <a:t>Barometer</a:t>
-            </a:r>
-          </a:p>
-        </p:txBody>
-      </p:sp>
-      <p:sp>
-        <p:nvSpPr>
-          <p:cNvPr id="10" name="Прямоугольник 9"/>
-          <p:cNvSpPr/>
-          <p:nvPr/>
-        </p:nvSpPr>
-        <p:spPr>
-          <a:xfrm>
-            <a:off x="6372200" y="3284984"/>
-            <a:ext cx="1440160" cy="432048"/>
-          </a:xfrm>
-          <a:prstGeom prst="rect">
-            <a:avLst/>
-          </a:prstGeom>
-          <a:solidFill>
-            <a:schemeClr val="accent1">
-              <a:lumMod val="75000"/>
-              <a:alpha val="50196"/>
-            </a:schemeClr>
-          </a:solidFill>
-          <a:ln w="12700"/>
-        </p:spPr>
-        <p:style>
-          <a:lnRef idx="3">
-            <a:schemeClr val="lt1"/>
-          </a:lnRef>
-          <a:fillRef idx="1">
-            <a:schemeClr val="accent1"/>
-          </a:fillRef>
-          <a:effectRef idx="1">
-            <a:schemeClr val="accent1"/>
-          </a:effectRef>
-          <a:fontRef idx="minor">
-            <a:schemeClr val="lt1"/>
-          </a:fontRef>
-        </p:style>
-        <p:txBody>
-          <a:bodyPr rtlCol="0" anchor="ctr"/>
-          <a:lstStyle/>
-          <a:p>
-            <a:pPr algn="ctr"/>
-            <a:r>
-              <a:rPr lang="en-US" sz="1400" dirty="0" smtClean="0">
-                <a:solidFill>
-                  <a:schemeClr val="bg1"/>
-                </a:solidFill>
-              </a:rPr>
-              <a:t>Magnetometer</a:t>
-            </a:r>
-          </a:p>
-        </p:txBody>
-      </p:sp>
-      <p:sp>
-        <p:nvSpPr>
-          <p:cNvPr id="11" name="Прямоугольник 10"/>
-          <p:cNvSpPr/>
-          <p:nvPr/>
-        </p:nvSpPr>
-        <p:spPr>
-          <a:xfrm>
-            <a:off x="2051720" y="1700808"/>
-            <a:ext cx="1008112" cy="504056"/>
-          </a:xfrm>
-          <a:prstGeom prst="rect">
-            <a:avLst/>
-          </a:prstGeom>
-          <a:solidFill>
-            <a:schemeClr val="accent3">
-              <a:lumMod val="75000"/>
-              <a:alpha val="50196"/>
-            </a:schemeClr>
-          </a:solidFill>
-          <a:ln w="12700">
-            <a:solidFill>
-              <a:schemeClr val="bg1"/>
-            </a:solidFill>
-          </a:ln>
-        </p:spPr>
-        <p:style>
-          <a:lnRef idx="3">
-            <a:schemeClr val="lt1"/>
-          </a:lnRef>
-          <a:fillRef idx="1">
-            <a:schemeClr val="accent1"/>
-          </a:fillRef>
-          <a:effectRef idx="1">
-            <a:schemeClr val="accent1"/>
-          </a:effectRef>
-          <a:fontRef idx="minor">
-            <a:schemeClr val="lt1"/>
-          </a:fontRef>
-        </p:style>
-        <p:txBody>
-          <a:bodyPr rtlCol="0" anchor="ctr"/>
-          <a:lstStyle/>
-          <a:p>
-            <a:pPr algn="ctr"/>
-            <a:r>
-              <a:rPr lang="en-US" sz="2400" dirty="0" err="1" smtClean="0">
-                <a:solidFill>
-                  <a:schemeClr val="bg1"/>
-                </a:solidFill>
-              </a:rPr>
-              <a:t>XBee</a:t>
-            </a:r>
-            <a:endParaRPr lang="ru-RU" sz="2400" dirty="0">
-              <a:solidFill>
-                <a:schemeClr val="bg1"/>
-              </a:solidFill>
-            </a:endParaRPr>
-          </a:p>
-        </p:txBody>
-      </p:sp>
-      <p:sp>
-        <p:nvSpPr>
-          <p:cNvPr id="12" name="Прямоугольник 11"/>
-          <p:cNvSpPr/>
-          <p:nvPr/>
-        </p:nvSpPr>
-        <p:spPr>
-          <a:xfrm>
-            <a:off x="6372200" y="4013690"/>
-            <a:ext cx="792088" cy="432048"/>
-          </a:xfrm>
-          <a:prstGeom prst="rect">
-            <a:avLst/>
-          </a:prstGeom>
-          <a:solidFill>
-            <a:schemeClr val="accent2">
-              <a:lumMod val="75000"/>
-              <a:alpha val="50196"/>
-            </a:schemeClr>
-          </a:solidFill>
-          <a:ln w="12700"/>
-        </p:spPr>
-        <p:style>
-          <a:lnRef idx="3">
-            <a:schemeClr val="lt1"/>
-          </a:lnRef>
-          <a:fillRef idx="1">
-            <a:schemeClr val="accent1"/>
-          </a:fillRef>
-          <a:effectRef idx="1">
-            <a:schemeClr val="accent1"/>
-          </a:effectRef>
-          <a:fontRef idx="minor">
-            <a:schemeClr val="lt1"/>
-          </a:fontRef>
-        </p:style>
-        <p:txBody>
-          <a:bodyPr rtlCol="0" anchor="ctr"/>
-          <a:lstStyle/>
-          <a:p>
-            <a:pPr algn="ctr"/>
-            <a:r>
-              <a:rPr lang="en-US" sz="1400" dirty="0" smtClean="0">
-                <a:solidFill>
-                  <a:schemeClr val="bg1"/>
-                </a:solidFill>
-              </a:rPr>
-              <a:t>ESC #1</a:t>
-            </a:r>
-          </a:p>
-        </p:txBody>
-      </p:sp>
-      <p:sp>
-        <p:nvSpPr>
-          <p:cNvPr id="13" name="Прямоугольник 12"/>
-          <p:cNvSpPr/>
-          <p:nvPr/>
-        </p:nvSpPr>
-        <p:spPr>
-          <a:xfrm>
-            <a:off x="7308304" y="4005064"/>
-            <a:ext cx="1224136" cy="432048"/>
-          </a:xfrm>
-          <a:prstGeom prst="rect">
-            <a:avLst/>
-          </a:prstGeom>
-          <a:solidFill>
-            <a:schemeClr val="accent2">
-              <a:lumMod val="75000"/>
-              <a:alpha val="50196"/>
-            </a:schemeClr>
-          </a:solidFill>
-          <a:ln w="12700"/>
-        </p:spPr>
-        <p:style>
-          <a:lnRef idx="3">
-            <a:schemeClr val="lt1"/>
-          </a:lnRef>
-          <a:fillRef idx="1">
-            <a:schemeClr val="accent1"/>
-          </a:fillRef>
-          <a:effectRef idx="1">
-            <a:schemeClr val="accent1"/>
-          </a:effectRef>
-          <a:fontRef idx="minor">
-            <a:schemeClr val="lt1"/>
-          </a:fontRef>
-        </p:style>
-        <p:txBody>
-          <a:bodyPr rtlCol="0" anchor="ctr"/>
-          <a:lstStyle/>
-          <a:p>
-            <a:pPr algn="ctr"/>
-            <a:r>
-              <a:rPr lang="en-US" sz="1400" dirty="0" smtClean="0">
-                <a:solidFill>
-                  <a:schemeClr val="bg1"/>
-                </a:solidFill>
-              </a:rPr>
-              <a:t>Brushless Motor</a:t>
-            </a:r>
-          </a:p>
-        </p:txBody>
-      </p:sp>
-      <p:sp>
-        <p:nvSpPr>
-          <p:cNvPr id="14" name="Прямоугольник 13"/>
-          <p:cNvSpPr/>
-          <p:nvPr/>
-        </p:nvSpPr>
-        <p:spPr>
-          <a:xfrm>
-            <a:off x="6372200" y="4581128"/>
-            <a:ext cx="792088" cy="432048"/>
-          </a:xfrm>
-          <a:prstGeom prst="rect">
-            <a:avLst/>
-          </a:prstGeom>
-          <a:solidFill>
-            <a:schemeClr val="accent2">
-              <a:lumMod val="75000"/>
-              <a:alpha val="50196"/>
-            </a:schemeClr>
-          </a:solidFill>
-          <a:ln w="12700"/>
-        </p:spPr>
-        <p:style>
-          <a:lnRef idx="3">
-            <a:schemeClr val="lt1"/>
-          </a:lnRef>
-          <a:fillRef idx="1">
-            <a:schemeClr val="accent1"/>
-          </a:fillRef>
-          <a:effectRef idx="1">
-            <a:schemeClr val="accent1"/>
-          </a:effectRef>
-          <a:fontRef idx="minor">
-            <a:schemeClr val="lt1"/>
-          </a:fontRef>
-        </p:style>
-        <p:txBody>
-          <a:bodyPr rtlCol="0" anchor="ctr"/>
-          <a:lstStyle/>
-          <a:p>
-            <a:pPr algn="ctr"/>
-            <a:r>
-              <a:rPr lang="en-US" sz="1400" dirty="0" smtClean="0">
-                <a:solidFill>
-                  <a:schemeClr val="bg1"/>
-                </a:solidFill>
-              </a:rPr>
-              <a:t>ESC #2</a:t>
-            </a:r>
-          </a:p>
-        </p:txBody>
-      </p:sp>
-      <p:sp>
-        <p:nvSpPr>
-          <p:cNvPr id="15" name="Прямоугольник 14"/>
-          <p:cNvSpPr/>
-          <p:nvPr/>
-        </p:nvSpPr>
-        <p:spPr>
-          <a:xfrm>
-            <a:off x="7308304" y="4572502"/>
-            <a:ext cx="1224136" cy="432048"/>
-          </a:xfrm>
-          <a:prstGeom prst="rect">
-            <a:avLst/>
-          </a:prstGeom>
-          <a:solidFill>
-            <a:schemeClr val="accent2">
-              <a:lumMod val="75000"/>
-              <a:alpha val="50196"/>
-            </a:schemeClr>
-          </a:solidFill>
-          <a:ln w="12700"/>
-        </p:spPr>
-        <p:style>
-          <a:lnRef idx="3">
-            <a:schemeClr val="lt1"/>
-          </a:lnRef>
-          <a:fillRef idx="1">
-            <a:schemeClr val="accent1"/>
-          </a:fillRef>
-          <a:effectRef idx="1">
-            <a:schemeClr val="accent1"/>
-          </a:effectRef>
-          <a:fontRef idx="minor">
-            <a:schemeClr val="lt1"/>
-          </a:fontRef>
-        </p:style>
-        <p:txBody>
-          <a:bodyPr rtlCol="0" anchor="ctr"/>
-          <a:lstStyle/>
-          <a:p>
-            <a:pPr algn="ctr"/>
-            <a:r>
-              <a:rPr lang="en-US" sz="1400" dirty="0" smtClean="0">
-                <a:solidFill>
-                  <a:schemeClr val="bg1"/>
-                </a:solidFill>
-              </a:rPr>
-              <a:t>Brushless Motor</a:t>
-            </a:r>
-          </a:p>
-        </p:txBody>
-      </p:sp>
-      <p:sp>
-        <p:nvSpPr>
-          <p:cNvPr id="16" name="Прямоугольник 15"/>
-          <p:cNvSpPr/>
-          <p:nvPr/>
-        </p:nvSpPr>
-        <p:spPr>
-          <a:xfrm>
-            <a:off x="6372200" y="5157192"/>
-            <a:ext cx="792088" cy="432048"/>
-          </a:xfrm>
-          <a:prstGeom prst="rect">
-            <a:avLst/>
-          </a:prstGeom>
-          <a:solidFill>
-            <a:schemeClr val="accent2">
-              <a:lumMod val="75000"/>
-              <a:alpha val="50196"/>
-            </a:schemeClr>
-          </a:solidFill>
-          <a:ln w="12700"/>
-        </p:spPr>
-        <p:style>
-          <a:lnRef idx="3">
-            <a:schemeClr val="lt1"/>
-          </a:lnRef>
-          <a:fillRef idx="1">
-            <a:schemeClr val="accent1"/>
-          </a:fillRef>
-          <a:effectRef idx="1">
-            <a:schemeClr val="accent1"/>
-          </a:effectRef>
-          <a:fontRef idx="minor">
-            <a:schemeClr val="lt1"/>
-          </a:fontRef>
-        </p:style>
-        <p:txBody>
-          <a:bodyPr rtlCol="0" anchor="ctr"/>
-          <a:lstStyle/>
-          <a:p>
-            <a:pPr algn="ctr"/>
-            <a:r>
-              <a:rPr lang="en-US" sz="1400" dirty="0" smtClean="0">
-                <a:solidFill>
-                  <a:schemeClr val="bg1"/>
-                </a:solidFill>
-              </a:rPr>
-              <a:t>ESC #3</a:t>
-            </a:r>
-          </a:p>
-        </p:txBody>
-      </p:sp>
-      <p:sp>
-        <p:nvSpPr>
-          <p:cNvPr id="17" name="Прямоугольник 16"/>
-          <p:cNvSpPr/>
-          <p:nvPr/>
-        </p:nvSpPr>
-        <p:spPr>
-          <a:xfrm>
-            <a:off x="7308304" y="5148566"/>
-            <a:ext cx="1224136" cy="432048"/>
-          </a:xfrm>
-          <a:prstGeom prst="rect">
-            <a:avLst/>
-          </a:prstGeom>
-          <a:solidFill>
-            <a:schemeClr val="accent2">
-              <a:lumMod val="75000"/>
-              <a:alpha val="50196"/>
-            </a:schemeClr>
-          </a:solidFill>
-          <a:ln w="12700"/>
-        </p:spPr>
-        <p:style>
-          <a:lnRef idx="3">
-            <a:schemeClr val="lt1"/>
-          </a:lnRef>
-          <a:fillRef idx="1">
-            <a:schemeClr val="accent1"/>
-          </a:fillRef>
-          <a:effectRef idx="1">
-            <a:schemeClr val="accent1"/>
-          </a:effectRef>
-          <a:fontRef idx="minor">
-            <a:schemeClr val="lt1"/>
-          </a:fontRef>
-        </p:style>
-        <p:txBody>
-          <a:bodyPr rtlCol="0" anchor="ctr"/>
-          <a:lstStyle/>
-          <a:p>
-            <a:pPr algn="ctr"/>
-            <a:r>
-              <a:rPr lang="en-US" sz="1400" dirty="0" smtClean="0">
-                <a:solidFill>
-                  <a:schemeClr val="bg1"/>
-                </a:solidFill>
-              </a:rPr>
-              <a:t>Brushless Motor</a:t>
-            </a:r>
-          </a:p>
-        </p:txBody>
-      </p:sp>
-      <p:sp>
-        <p:nvSpPr>
-          <p:cNvPr id="18" name="Прямоугольник 17"/>
-          <p:cNvSpPr/>
-          <p:nvPr/>
-        </p:nvSpPr>
-        <p:spPr>
-          <a:xfrm>
-            <a:off x="6372200" y="5733256"/>
-            <a:ext cx="792088" cy="432048"/>
-          </a:xfrm>
-          <a:prstGeom prst="rect">
-            <a:avLst/>
-          </a:prstGeom>
-          <a:solidFill>
-            <a:schemeClr val="accent2">
-              <a:lumMod val="75000"/>
-              <a:alpha val="50196"/>
-            </a:schemeClr>
-          </a:solidFill>
-          <a:ln w="12700"/>
-        </p:spPr>
-        <p:style>
-          <a:lnRef idx="3">
-            <a:schemeClr val="lt1"/>
-          </a:lnRef>
-          <a:fillRef idx="1">
-            <a:schemeClr val="accent1"/>
-          </a:fillRef>
-          <a:effectRef idx="1">
-            <a:schemeClr val="accent1"/>
-          </a:effectRef>
-          <a:fontRef idx="minor">
-            <a:schemeClr val="lt1"/>
-          </a:fontRef>
-        </p:style>
-        <p:txBody>
-          <a:bodyPr rtlCol="0" anchor="ctr"/>
-          <a:lstStyle/>
-          <a:p>
-            <a:pPr algn="ctr"/>
-            <a:r>
-              <a:rPr lang="en-US" sz="1400" dirty="0" smtClean="0">
-                <a:solidFill>
-                  <a:schemeClr val="bg1"/>
-                </a:solidFill>
-              </a:rPr>
-              <a:t>ESC #4</a:t>
-            </a:r>
-          </a:p>
-        </p:txBody>
-      </p:sp>
-      <p:sp>
-        <p:nvSpPr>
-          <p:cNvPr id="19" name="Прямоугольник 18"/>
-          <p:cNvSpPr/>
-          <p:nvPr/>
-        </p:nvSpPr>
-        <p:spPr>
-          <a:xfrm>
-            <a:off x="7308304" y="5724630"/>
-            <a:ext cx="1224136" cy="432048"/>
-          </a:xfrm>
-          <a:prstGeom prst="rect">
-            <a:avLst/>
-          </a:prstGeom>
-          <a:solidFill>
-            <a:schemeClr val="accent2">
-              <a:lumMod val="75000"/>
-              <a:alpha val="50196"/>
-            </a:schemeClr>
-          </a:solidFill>
-          <a:ln w="12700"/>
-        </p:spPr>
-        <p:style>
-          <a:lnRef idx="3">
-            <a:schemeClr val="lt1"/>
-          </a:lnRef>
-          <a:fillRef idx="1">
-            <a:schemeClr val="accent1"/>
-          </a:fillRef>
-          <a:effectRef idx="1">
-            <a:schemeClr val="accent1"/>
-          </a:effectRef>
-          <a:fontRef idx="minor">
-            <a:schemeClr val="lt1"/>
-          </a:fontRef>
-        </p:style>
-        <p:txBody>
-          <a:bodyPr rtlCol="0" anchor="ctr"/>
-          <a:lstStyle/>
-          <a:p>
-            <a:pPr algn="ctr"/>
-            <a:r>
-              <a:rPr lang="en-US" sz="1400" dirty="0" smtClean="0">
-                <a:solidFill>
-                  <a:schemeClr val="bg1"/>
-                </a:solidFill>
-              </a:rPr>
-              <a:t>Brushless Motor</a:t>
-            </a:r>
-          </a:p>
-        </p:txBody>
-      </p:sp>
-      <p:sp>
-        <p:nvSpPr>
-          <p:cNvPr id="20" name="Прямоугольник 19"/>
-          <p:cNvSpPr/>
-          <p:nvPr/>
-        </p:nvSpPr>
-        <p:spPr>
-          <a:xfrm>
-            <a:off x="2051720" y="4653136"/>
-            <a:ext cx="1224136" cy="936104"/>
-          </a:xfrm>
-          <a:prstGeom prst="rect">
-            <a:avLst/>
-          </a:prstGeom>
-          <a:solidFill>
-            <a:srgbClr val="324B64">
-              <a:alpha val="50196"/>
-            </a:srgbClr>
-          </a:solidFill>
-          <a:ln w="12700">
-            <a:solidFill>
-              <a:schemeClr val="bg1"/>
-            </a:solidFill>
-          </a:ln>
-        </p:spPr>
-        <p:style>
-          <a:lnRef idx="3">
-            <a:schemeClr val="lt1"/>
-          </a:lnRef>
-          <a:fillRef idx="1">
-            <a:schemeClr val="accent1"/>
-          </a:fillRef>
-          <a:effectRef idx="1">
-            <a:schemeClr val="accent1"/>
-          </a:effectRef>
-          <a:fontRef idx="minor">
-            <a:schemeClr val="lt1"/>
-          </a:fontRef>
-        </p:style>
-        <p:txBody>
-          <a:bodyPr rtlCol="0" anchor="ctr"/>
-          <a:lstStyle/>
-          <a:p>
-            <a:pPr algn="ctr"/>
-            <a:r>
-              <a:rPr lang="en-US" sz="2400" dirty="0" smtClean="0">
-                <a:solidFill>
-                  <a:schemeClr val="bg1"/>
-                </a:solidFill>
-              </a:rPr>
-              <a:t>Camera</a:t>
-            </a:r>
-            <a:endParaRPr lang="ru-RU" sz="2400" dirty="0">
-              <a:solidFill>
-                <a:schemeClr val="bg1"/>
-              </a:solidFill>
-            </a:endParaRPr>
-          </a:p>
-        </p:txBody>
-      </p:sp>
-      <p:cxnSp>
-        <p:nvCxnSpPr>
-          <p:cNvPr id="22" name="Соединительная линия уступом 21"/>
-          <p:cNvCxnSpPr>
-            <a:stCxn id="7" idx="1"/>
-            <a:endCxn id="5" idx="3"/>
-          </p:cNvCxnSpPr>
-          <p:nvPr/>
-        </p:nvCxnSpPr>
-        <p:spPr>
-          <a:xfrm rot="10800000" flipV="1">
-            <a:off x="5796136" y="1772816"/>
-            <a:ext cx="576064" cy="1260140"/>
-          </a:xfrm>
-          <a:prstGeom prst="bentConnector3">
-            <a:avLst>
-              <a:gd name="adj1" fmla="val 50000"/>
-            </a:avLst>
-          </a:prstGeom>
-          <a:ln w="28575">
-            <a:solidFill>
-              <a:schemeClr val="bg1"/>
-            </a:solidFill>
-            <a:tailEnd type="arrow"/>
-          </a:ln>
-        </p:spPr>
-        <p:style>
-          <a:lnRef idx="1">
-            <a:schemeClr val="accent1"/>
-          </a:lnRef>
-          <a:fillRef idx="0">
-            <a:schemeClr val="accent1"/>
-          </a:fillRef>
-          <a:effectRef idx="0">
-            <a:schemeClr val="accent1"/>
-          </a:effectRef>
-          <a:fontRef idx="minor">
-            <a:schemeClr val="tx1"/>
-          </a:fontRef>
-        </p:style>
-      </p:cxnSp>
-      <p:cxnSp>
-        <p:nvCxnSpPr>
-          <p:cNvPr id="26" name="Соединительная линия уступом 25"/>
-          <p:cNvCxnSpPr>
-            <a:stCxn id="8" idx="1"/>
-            <a:endCxn id="5" idx="3"/>
-          </p:cNvCxnSpPr>
-          <p:nvPr/>
-        </p:nvCxnSpPr>
-        <p:spPr>
-          <a:xfrm rot="10800000" flipV="1">
-            <a:off x="5796136" y="2348880"/>
-            <a:ext cx="576064" cy="684076"/>
-          </a:xfrm>
-          <a:prstGeom prst="bentConnector3">
-            <a:avLst>
-              <a:gd name="adj1" fmla="val 50000"/>
-            </a:avLst>
-          </a:prstGeom>
-          <a:ln w="28575">
-            <a:solidFill>
-              <a:schemeClr val="bg1"/>
-            </a:solidFill>
-            <a:tailEnd type="arrow"/>
-          </a:ln>
-        </p:spPr>
-        <p:style>
-          <a:lnRef idx="1">
-            <a:schemeClr val="accent1"/>
-          </a:lnRef>
-          <a:fillRef idx="0">
-            <a:schemeClr val="accent1"/>
-          </a:fillRef>
-          <a:effectRef idx="0">
-            <a:schemeClr val="accent1"/>
-          </a:effectRef>
-          <a:fontRef idx="minor">
-            <a:schemeClr val="tx1"/>
-          </a:fontRef>
-        </p:style>
-      </p:cxnSp>
-      <p:cxnSp>
-        <p:nvCxnSpPr>
-          <p:cNvPr id="28" name="Соединительная линия уступом 27"/>
-          <p:cNvCxnSpPr>
-            <a:stCxn id="9" idx="1"/>
-            <a:endCxn id="5" idx="3"/>
-          </p:cNvCxnSpPr>
-          <p:nvPr/>
-        </p:nvCxnSpPr>
-        <p:spPr>
-          <a:xfrm rot="10800000" flipV="1">
-            <a:off x="5796136" y="2924944"/>
-            <a:ext cx="576064" cy="108012"/>
-          </a:xfrm>
-          <a:prstGeom prst="bentConnector3">
-            <a:avLst>
-              <a:gd name="adj1" fmla="val 50000"/>
-            </a:avLst>
-          </a:prstGeom>
-          <a:ln w="28575">
-            <a:solidFill>
-              <a:schemeClr val="bg1"/>
-            </a:solidFill>
-            <a:tailEnd type="arrow"/>
-          </a:ln>
-        </p:spPr>
-        <p:style>
-          <a:lnRef idx="1">
-            <a:schemeClr val="accent1"/>
-          </a:lnRef>
-          <a:fillRef idx="0">
-            <a:schemeClr val="accent1"/>
-          </a:fillRef>
-          <a:effectRef idx="0">
-            <a:schemeClr val="accent1"/>
-          </a:effectRef>
-          <a:fontRef idx="minor">
-            <a:schemeClr val="tx1"/>
-          </a:fontRef>
-        </p:style>
-      </p:cxnSp>
-      <p:cxnSp>
-        <p:nvCxnSpPr>
-          <p:cNvPr id="30" name="Соединительная линия уступом 29"/>
-          <p:cNvCxnSpPr>
-            <a:stCxn id="10" idx="1"/>
-            <a:endCxn id="5" idx="3"/>
-          </p:cNvCxnSpPr>
-          <p:nvPr/>
-        </p:nvCxnSpPr>
-        <p:spPr>
-          <a:xfrm rot="10800000">
-            <a:off x="5796136" y="3032956"/>
-            <a:ext cx="576064" cy="468052"/>
-          </a:xfrm>
-          <a:prstGeom prst="bentConnector3">
-            <a:avLst>
-              <a:gd name="adj1" fmla="val 50000"/>
-            </a:avLst>
-          </a:prstGeom>
-          <a:ln w="28575">
-            <a:solidFill>
-              <a:schemeClr val="bg1"/>
-            </a:solidFill>
-            <a:tailEnd type="arrow"/>
-          </a:ln>
-        </p:spPr>
-        <p:style>
-          <a:lnRef idx="1">
-            <a:schemeClr val="accent1"/>
-          </a:lnRef>
-          <a:fillRef idx="0">
-            <a:schemeClr val="accent1"/>
-          </a:fillRef>
-          <a:effectRef idx="0">
-            <a:schemeClr val="accent1"/>
-          </a:effectRef>
-          <a:fontRef idx="minor">
-            <a:schemeClr val="tx1"/>
-          </a:fontRef>
-        </p:style>
-      </p:cxnSp>
-      <p:cxnSp>
-        <p:nvCxnSpPr>
-          <p:cNvPr id="34" name="Shape 33"/>
-          <p:cNvCxnSpPr>
-            <a:stCxn id="5" idx="2"/>
-            <a:endCxn id="12" idx="1"/>
-          </p:cNvCxnSpPr>
-          <p:nvPr/>
-        </p:nvCxnSpPr>
-        <p:spPr>
-          <a:xfrm rot="16200000" flipH="1">
-            <a:off x="5269765" y="3127279"/>
-            <a:ext cx="656698" cy="1548172"/>
-          </a:xfrm>
-          <a:prstGeom prst="bentConnector2">
-            <a:avLst/>
-          </a:prstGeom>
-          <a:ln w="28575">
-            <a:solidFill>
-              <a:schemeClr val="bg1"/>
-            </a:solidFill>
-            <a:tailEnd type="arrow"/>
-          </a:ln>
-        </p:spPr>
-        <p:style>
-          <a:lnRef idx="1">
-            <a:schemeClr val="accent1"/>
-          </a:lnRef>
-          <a:fillRef idx="0">
-            <a:schemeClr val="accent1"/>
-          </a:fillRef>
-          <a:effectRef idx="0">
-            <a:schemeClr val="accent1"/>
-          </a:effectRef>
-          <a:fontRef idx="minor">
-            <a:schemeClr val="tx1"/>
-          </a:fontRef>
-        </p:style>
-      </p:cxnSp>
-      <p:cxnSp>
-        <p:nvCxnSpPr>
-          <p:cNvPr id="36" name="Shape 35"/>
-          <p:cNvCxnSpPr>
-            <a:stCxn id="5" idx="2"/>
-            <a:endCxn id="14" idx="1"/>
-          </p:cNvCxnSpPr>
-          <p:nvPr/>
-        </p:nvCxnSpPr>
-        <p:spPr>
-          <a:xfrm rot="16200000" flipH="1">
-            <a:off x="4986046" y="3410998"/>
-            <a:ext cx="1224136" cy="1548172"/>
-          </a:xfrm>
-          <a:prstGeom prst="bentConnector2">
-            <a:avLst/>
-          </a:prstGeom>
-          <a:ln w="28575">
-            <a:solidFill>
-              <a:schemeClr val="bg1"/>
-            </a:solidFill>
-            <a:tailEnd type="arrow"/>
-          </a:ln>
-        </p:spPr>
-        <p:style>
-          <a:lnRef idx="1">
-            <a:schemeClr val="accent1"/>
-          </a:lnRef>
-          <a:fillRef idx="0">
-            <a:schemeClr val="accent1"/>
-          </a:fillRef>
-          <a:effectRef idx="0">
-            <a:schemeClr val="accent1"/>
-          </a:effectRef>
-          <a:fontRef idx="minor">
-            <a:schemeClr val="tx1"/>
-          </a:fontRef>
-        </p:style>
-      </p:cxnSp>
-      <p:cxnSp>
-        <p:nvCxnSpPr>
-          <p:cNvPr id="38" name="Shape 37"/>
-          <p:cNvCxnSpPr>
-            <a:stCxn id="5" idx="2"/>
-            <a:endCxn id="16" idx="1"/>
-          </p:cNvCxnSpPr>
-          <p:nvPr/>
-        </p:nvCxnSpPr>
-        <p:spPr>
-          <a:xfrm rot="16200000" flipH="1">
-            <a:off x="4698014" y="3699030"/>
-            <a:ext cx="1800200" cy="1548172"/>
-          </a:xfrm>
-          <a:prstGeom prst="bentConnector2">
-            <a:avLst/>
-          </a:prstGeom>
-          <a:ln w="28575">
-            <a:solidFill>
-              <a:schemeClr val="bg1"/>
-            </a:solidFill>
-            <a:tailEnd type="arrow"/>
-          </a:ln>
-        </p:spPr>
-        <p:style>
-          <a:lnRef idx="1">
-            <a:schemeClr val="accent1"/>
-          </a:lnRef>
-          <a:fillRef idx="0">
-            <a:schemeClr val="accent1"/>
-          </a:fillRef>
-          <a:effectRef idx="0">
-            <a:schemeClr val="accent1"/>
-          </a:effectRef>
-          <a:fontRef idx="minor">
-            <a:schemeClr val="tx1"/>
-          </a:fontRef>
-        </p:style>
-      </p:cxnSp>
-      <p:cxnSp>
-        <p:nvCxnSpPr>
-          <p:cNvPr id="40" name="Shape 39"/>
-          <p:cNvCxnSpPr>
-            <a:stCxn id="5" idx="2"/>
-            <a:endCxn id="18" idx="1"/>
-          </p:cNvCxnSpPr>
-          <p:nvPr/>
-        </p:nvCxnSpPr>
-        <p:spPr>
-          <a:xfrm rot="16200000" flipH="1">
-            <a:off x="4409982" y="3987062"/>
-            <a:ext cx="2376264" cy="1548172"/>
-          </a:xfrm>
-          <a:prstGeom prst="bentConnector2">
-            <a:avLst/>
-          </a:prstGeom>
-          <a:ln w="28575">
-            <a:solidFill>
-              <a:schemeClr val="bg1"/>
-            </a:solidFill>
-            <a:tailEnd type="arrow"/>
-          </a:ln>
-        </p:spPr>
-        <p:style>
-          <a:lnRef idx="1">
-            <a:schemeClr val="accent1"/>
-          </a:lnRef>
-          <a:fillRef idx="0">
-            <a:schemeClr val="accent1"/>
-          </a:fillRef>
-          <a:effectRef idx="0">
-            <a:schemeClr val="accent1"/>
-          </a:effectRef>
-          <a:fontRef idx="minor">
-            <a:schemeClr val="tx1"/>
-          </a:fontRef>
-        </p:style>
-      </p:cxnSp>
-      <p:cxnSp>
-        <p:nvCxnSpPr>
-          <p:cNvPr id="50" name="Соединительная линия уступом 49"/>
-          <p:cNvCxnSpPr>
-            <a:stCxn id="11" idx="3"/>
-            <a:endCxn id="5" idx="0"/>
-          </p:cNvCxnSpPr>
-          <p:nvPr/>
-        </p:nvCxnSpPr>
-        <p:spPr>
-          <a:xfrm>
-            <a:off x="3059832" y="1952836"/>
-            <a:ext cx="1764196" cy="540060"/>
-          </a:xfrm>
-          <a:prstGeom prst="bentConnector2">
-            <a:avLst/>
-          </a:prstGeom>
-          <a:ln w="28575">
-            <a:solidFill>
-              <a:schemeClr val="bg1"/>
-            </a:solidFill>
-            <a:headEnd type="arrow"/>
-            <a:tailEnd type="arrow"/>
-          </a:ln>
-        </p:spPr>
-        <p:style>
-          <a:lnRef idx="1">
-            <a:schemeClr val="accent1"/>
-          </a:lnRef>
-          <a:fillRef idx="0">
-            <a:schemeClr val="accent1"/>
-          </a:fillRef>
-          <a:effectRef idx="0">
-            <a:schemeClr val="accent1"/>
-          </a:effectRef>
-          <a:fontRef idx="minor">
-            <a:schemeClr val="tx1"/>
-          </a:fontRef>
-        </p:style>
-      </p:cxnSp>
-      <p:cxnSp>
-        <p:nvCxnSpPr>
-          <p:cNvPr id="56" name="Соединительная линия уступом 55"/>
-          <p:cNvCxnSpPr>
-            <a:stCxn id="20" idx="3"/>
-            <a:endCxn id="5" idx="1"/>
-          </p:cNvCxnSpPr>
-          <p:nvPr/>
-        </p:nvCxnSpPr>
-        <p:spPr>
-          <a:xfrm flipV="1">
-            <a:off x="3275856" y="3032956"/>
-            <a:ext cx="576064" cy="2088232"/>
-          </a:xfrm>
-          <a:prstGeom prst="bentConnector3">
-            <a:avLst>
-              <a:gd name="adj1" fmla="val 60482"/>
-            </a:avLst>
-          </a:prstGeom>
-          <a:ln w="28575">
-            <a:solidFill>
-              <a:schemeClr val="bg1"/>
-            </a:solidFill>
-            <a:tailEnd type="arrow"/>
-          </a:ln>
-        </p:spPr>
-        <p:style>
-          <a:lnRef idx="1">
-            <a:schemeClr val="accent1"/>
-          </a:lnRef>
-          <a:fillRef idx="0">
-            <a:schemeClr val="accent1"/>
-          </a:fillRef>
-          <a:effectRef idx="0">
-            <a:schemeClr val="accent1"/>
-          </a:effectRef>
-          <a:fontRef idx="minor">
-            <a:schemeClr val="tx1"/>
-          </a:fontRef>
-        </p:style>
-      </p:cxnSp>
-      <p:cxnSp>
-        <p:nvCxnSpPr>
-          <p:cNvPr id="129" name="Соединительная линия уступом 128"/>
-          <p:cNvCxnSpPr>
-            <a:stCxn id="4" idx="3"/>
-            <a:endCxn id="11" idx="1"/>
-          </p:cNvCxnSpPr>
-          <p:nvPr/>
-        </p:nvCxnSpPr>
-        <p:spPr>
-          <a:xfrm flipV="1">
-            <a:off x="1259632" y="1952836"/>
-            <a:ext cx="792088" cy="540060"/>
-          </a:xfrm>
-          <a:prstGeom prst="bentConnector3">
-            <a:avLst>
-              <a:gd name="adj1" fmla="val 50000"/>
-            </a:avLst>
-          </a:prstGeom>
-          <a:ln w="28575">
-            <a:solidFill>
-              <a:schemeClr val="bg1"/>
-            </a:solidFill>
-            <a:headEnd type="arrow"/>
-            <a:tailEnd type="arrow"/>
-          </a:ln>
-        </p:spPr>
-        <p:style>
-          <a:lnRef idx="1">
-            <a:schemeClr val="accent1"/>
-          </a:lnRef>
-          <a:fillRef idx="0">
-            <a:schemeClr val="accent1"/>
-          </a:fillRef>
-          <a:effectRef idx="0">
-            <a:schemeClr val="accent1"/>
-          </a:effectRef>
-          <a:fontRef idx="minor">
-            <a:schemeClr val="tx1"/>
-          </a:fontRef>
-        </p:style>
-      </p:cxnSp>
-      <p:sp>
-        <p:nvSpPr>
-          <p:cNvPr id="42" name="Прямоугольник 41"/>
-          <p:cNvSpPr/>
-          <p:nvPr/>
-        </p:nvSpPr>
-        <p:spPr>
-          <a:xfrm>
-            <a:off x="2051720" y="2348880"/>
-            <a:ext cx="1008112" cy="504056"/>
-          </a:xfrm>
-          <a:prstGeom prst="rect">
-            <a:avLst/>
-          </a:prstGeom>
-          <a:solidFill>
-            <a:schemeClr val="accent3">
-              <a:lumMod val="75000"/>
-              <a:alpha val="50196"/>
-            </a:schemeClr>
-          </a:solidFill>
-          <a:ln w="12700">
-            <a:solidFill>
-              <a:schemeClr val="bg1"/>
-            </a:solidFill>
-          </a:ln>
-        </p:spPr>
-        <p:style>
-          <a:lnRef idx="3">
-            <a:schemeClr val="lt1"/>
-          </a:lnRef>
-          <a:fillRef idx="1">
-            <a:schemeClr val="accent1"/>
-          </a:fillRef>
-          <a:effectRef idx="1">
-            <a:schemeClr val="accent1"/>
-          </a:effectRef>
-          <a:fontRef idx="minor">
-            <a:schemeClr val="lt1"/>
-          </a:fontRef>
-        </p:style>
-        <p:txBody>
-          <a:bodyPr rtlCol="0" anchor="ctr"/>
-          <a:lstStyle/>
-          <a:p>
-            <a:pPr algn="ctr"/>
-            <a:r>
-              <a:rPr lang="en-US" sz="2400" dirty="0" err="1" smtClean="0">
-                <a:solidFill>
-                  <a:schemeClr val="bg1"/>
-                </a:solidFill>
-              </a:rPr>
-              <a:t>WiFi</a:t>
-            </a:r>
-            <a:endParaRPr lang="ru-RU" sz="2400" dirty="0">
-              <a:solidFill>
-                <a:schemeClr val="bg1"/>
-              </a:solidFill>
-            </a:endParaRPr>
-          </a:p>
-        </p:txBody>
-      </p:sp>
-      <p:sp>
-        <p:nvSpPr>
-          <p:cNvPr id="43" name="Прямоугольник 42"/>
-          <p:cNvSpPr/>
-          <p:nvPr/>
-        </p:nvSpPr>
-        <p:spPr>
-          <a:xfrm>
-            <a:off x="2051720" y="2996952"/>
-            <a:ext cx="1008112" cy="504056"/>
-          </a:xfrm>
-          <a:prstGeom prst="rect">
-            <a:avLst/>
-          </a:prstGeom>
-          <a:solidFill>
-            <a:schemeClr val="accent3">
-              <a:lumMod val="75000"/>
-              <a:alpha val="50196"/>
-            </a:schemeClr>
-          </a:solidFill>
-          <a:ln w="12700">
-            <a:solidFill>
-              <a:schemeClr val="bg1"/>
-            </a:solidFill>
-            <a:prstDash val="dash"/>
-          </a:ln>
-        </p:spPr>
-        <p:style>
-          <a:lnRef idx="3">
-            <a:schemeClr val="lt1"/>
-          </a:lnRef>
-          <a:fillRef idx="1">
-            <a:schemeClr val="accent1"/>
-          </a:fillRef>
-          <a:effectRef idx="1">
-            <a:schemeClr val="accent1"/>
-          </a:effectRef>
-          <a:fontRef idx="minor">
-            <a:schemeClr val="lt1"/>
-          </a:fontRef>
-        </p:style>
-        <p:txBody>
-          <a:bodyPr rtlCol="0" anchor="ctr"/>
-          <a:lstStyle/>
-          <a:p>
-            <a:pPr algn="ctr"/>
-            <a:r>
-              <a:rPr lang="en-US" sz="2400" dirty="0" smtClean="0">
-                <a:solidFill>
-                  <a:schemeClr val="bg1"/>
-                </a:solidFill>
-              </a:rPr>
+              <a:t>Ненадежен</a:t>
+            </a:r>
+          </a:p>
+          <a:p>
+            <a:pPr lvl="2"/>
+            <a:endParaRPr lang="ru-RU" sz="1600" dirty="0" smtClean="0"/>
+          </a:p>
+          <a:p>
+            <a:pPr lvl="1"/>
+            <a:r>
+              <a:rPr lang="en-US" sz="2000" dirty="0" smtClean="0"/>
               <a:t>USB</a:t>
             </a:r>
-            <a:endParaRPr lang="ru-RU" sz="2400" dirty="0">
-              <a:solidFill>
-                <a:schemeClr val="bg1"/>
-              </a:solidFill>
-            </a:endParaRPr>
-          </a:p>
-        </p:txBody>
-      </p:sp>
-      <p:cxnSp>
-        <p:nvCxnSpPr>
-          <p:cNvPr id="44" name="Соединительная линия уступом 43"/>
-          <p:cNvCxnSpPr>
-            <a:stCxn id="4" idx="3"/>
-            <a:endCxn id="42" idx="1"/>
-          </p:cNvCxnSpPr>
-          <p:nvPr/>
-        </p:nvCxnSpPr>
-        <p:spPr>
-          <a:xfrm>
-            <a:off x="1259632" y="2492896"/>
-            <a:ext cx="792088" cy="108012"/>
-          </a:xfrm>
-          <a:prstGeom prst="bentConnector3">
-            <a:avLst>
-              <a:gd name="adj1" fmla="val 50000"/>
-            </a:avLst>
-          </a:prstGeom>
-          <a:ln w="28575">
-            <a:solidFill>
-              <a:schemeClr val="bg1"/>
-            </a:solidFill>
-            <a:headEnd type="arrow"/>
-            <a:tailEnd type="arrow"/>
-          </a:ln>
-        </p:spPr>
-        <p:style>
-          <a:lnRef idx="1">
-            <a:schemeClr val="accent1"/>
-          </a:lnRef>
-          <a:fillRef idx="0">
-            <a:schemeClr val="accent1"/>
-          </a:fillRef>
-          <a:effectRef idx="0">
-            <a:schemeClr val="accent1"/>
-          </a:effectRef>
-          <a:fontRef idx="minor">
-            <a:schemeClr val="tx1"/>
-          </a:fontRef>
-        </p:style>
-      </p:cxnSp>
-      <p:cxnSp>
-        <p:nvCxnSpPr>
-          <p:cNvPr id="47" name="Соединительная линия уступом 46"/>
-          <p:cNvCxnSpPr>
-            <a:stCxn id="4" idx="3"/>
-            <a:endCxn id="43" idx="1"/>
-          </p:cNvCxnSpPr>
-          <p:nvPr/>
-        </p:nvCxnSpPr>
-        <p:spPr>
-          <a:xfrm>
-            <a:off x="1259632" y="2492896"/>
-            <a:ext cx="792088" cy="756084"/>
-          </a:xfrm>
-          <a:prstGeom prst="bentConnector3">
-            <a:avLst>
-              <a:gd name="adj1" fmla="val 50000"/>
-            </a:avLst>
-          </a:prstGeom>
-          <a:ln w="28575">
-            <a:solidFill>
-              <a:schemeClr val="bg1"/>
-            </a:solidFill>
-            <a:headEnd type="arrow"/>
-            <a:tailEnd type="arrow"/>
-          </a:ln>
-        </p:spPr>
-        <p:style>
-          <a:lnRef idx="1">
-            <a:schemeClr val="accent1"/>
-          </a:lnRef>
-          <a:fillRef idx="0">
-            <a:schemeClr val="accent1"/>
-          </a:fillRef>
-          <a:effectRef idx="0">
-            <a:schemeClr val="accent1"/>
-          </a:effectRef>
-          <a:fontRef idx="minor">
-            <a:schemeClr val="tx1"/>
-          </a:fontRef>
-        </p:style>
-      </p:cxnSp>
-      <p:cxnSp>
-        <p:nvCxnSpPr>
-          <p:cNvPr id="51" name="Соединительная линия уступом 49"/>
-          <p:cNvCxnSpPr>
-            <a:stCxn id="42" idx="3"/>
-            <a:endCxn id="5" idx="0"/>
-          </p:cNvCxnSpPr>
-          <p:nvPr/>
-        </p:nvCxnSpPr>
-        <p:spPr>
-          <a:xfrm flipV="1">
-            <a:off x="3059832" y="2492896"/>
-            <a:ext cx="1764196" cy="108012"/>
-          </a:xfrm>
-          <a:prstGeom prst="bentConnector4">
-            <a:avLst>
-              <a:gd name="adj1" fmla="val 22449"/>
-              <a:gd name="adj2" fmla="val 317191"/>
-            </a:avLst>
-          </a:prstGeom>
-          <a:ln w="28575">
-            <a:solidFill>
-              <a:schemeClr val="bg1"/>
-            </a:solidFill>
-            <a:headEnd type="arrow"/>
-            <a:tailEnd type="arrow"/>
-          </a:ln>
-        </p:spPr>
-        <p:style>
-          <a:lnRef idx="1">
-            <a:schemeClr val="accent1"/>
-          </a:lnRef>
-          <a:fillRef idx="0">
-            <a:schemeClr val="accent1"/>
-          </a:fillRef>
-          <a:effectRef idx="0">
-            <a:schemeClr val="accent1"/>
-          </a:effectRef>
-          <a:fontRef idx="minor">
-            <a:schemeClr val="tx1"/>
-          </a:fontRef>
-        </p:style>
-      </p:cxnSp>
-      <p:cxnSp>
-        <p:nvCxnSpPr>
-          <p:cNvPr id="54" name="Соединительная линия уступом 49"/>
-          <p:cNvCxnSpPr>
-            <a:stCxn id="43" idx="3"/>
-            <a:endCxn id="5" idx="0"/>
-          </p:cNvCxnSpPr>
-          <p:nvPr/>
-        </p:nvCxnSpPr>
-        <p:spPr>
-          <a:xfrm flipV="1">
-            <a:off x="3059832" y="2492896"/>
-            <a:ext cx="1764196" cy="756084"/>
-          </a:xfrm>
-          <a:prstGeom prst="bentConnector4">
-            <a:avLst>
-              <a:gd name="adj1" fmla="val 22449"/>
-              <a:gd name="adj2" fmla="val 130235"/>
-            </a:avLst>
-          </a:prstGeom>
-          <a:ln w="28575">
-            <a:solidFill>
-              <a:schemeClr val="bg1"/>
-            </a:solidFill>
-            <a:headEnd type="arrow"/>
-            <a:tailEnd type="arrow"/>
-          </a:ln>
-        </p:spPr>
-        <p:style>
-          <a:lnRef idx="1">
-            <a:schemeClr val="accent1"/>
-          </a:lnRef>
-          <a:fillRef idx="0">
-            <a:schemeClr val="accent1"/>
-          </a:fillRef>
-          <a:effectRef idx="0">
-            <a:schemeClr val="accent1"/>
-          </a:effectRef>
-          <a:fontRef idx="minor">
-            <a:schemeClr val="tx1"/>
-          </a:fontRef>
-        </p:style>
-      </p:cxnSp>
-      <p:cxnSp>
-        <p:nvCxnSpPr>
-          <p:cNvPr id="39" name="Прямая соединительная линия 38"/>
-          <p:cNvCxnSpPr/>
-          <p:nvPr/>
-        </p:nvCxnSpPr>
-        <p:spPr>
-          <a:xfrm>
-            <a:off x="1763688" y="1556792"/>
-            <a:ext cx="0" cy="4464496"/>
-          </a:xfrm>
-          <a:prstGeom prst="line">
-            <a:avLst/>
-          </a:prstGeom>
-          <a:ln w="28575">
-            <a:solidFill>
-              <a:schemeClr val="bg1"/>
-            </a:solidFill>
-            <a:prstDash val="dashDot"/>
-          </a:ln>
-        </p:spPr>
-        <p:style>
-          <a:lnRef idx="1">
-            <a:schemeClr val="accent1"/>
-          </a:lnRef>
-          <a:fillRef idx="0">
-            <a:schemeClr val="accent1"/>
-          </a:fillRef>
-          <a:effectRef idx="0">
-            <a:schemeClr val="accent1"/>
-          </a:effectRef>
-          <a:fontRef idx="minor">
-            <a:schemeClr val="tx1"/>
-          </a:fontRef>
-        </p:style>
-      </p:cxnSp>
+            <a:endParaRPr lang="ru-RU" sz="2000" dirty="0" smtClean="0"/>
+          </a:p>
+          <a:p>
+            <a:pPr lvl="2"/>
+            <a:r>
+              <a:rPr lang="ru-RU" sz="1600" dirty="0" smtClean="0"/>
+              <a:t>Отладка</a:t>
+            </a:r>
+          </a:p>
+          <a:p>
+            <a:endParaRPr lang="ru-RU" dirty="0"/>
+          </a:p>
+        </p:txBody>
+      </p:sp>
     </p:spTree>
   </p:cSld>
   <p:clrMapOvr>
@@ -5972,7 +5025,7 @@
       </p:grpSpPr>
       <p:sp>
         <p:nvSpPr>
-          <p:cNvPr id="9" name="Заголовок 8"/>
+          <p:cNvPr id="2" name="Заголовок 1"/>
           <p:cNvSpPr>
             <a:spLocks noGrp="1"/>
           </p:cNvSpPr>
@@ -5983,198 +5036,47 @@
         <p:spPr/>
         <p:txBody>
           <a:bodyPr>
-            <a:noAutofit/>
+            <a:normAutofit/>
           </a:bodyPr>
           <a:lstStyle/>
           <a:p>
             <a:r>
-              <a:rPr lang="ru-RU" sz="3200" dirty="0" smtClean="0"/>
-              <a:t>Топология комплекса в условиях закрытых помещений</a:t>
-            </a:r>
-            <a:endParaRPr lang="ru-RU" sz="3200" dirty="0"/>
-          </a:p>
-        </p:txBody>
-      </p:sp>
-      <p:pic>
-        <p:nvPicPr>
-          <p:cNvPr id="40" name="Рисунок 39" descr="quadrotor.png"/>
-          <p:cNvPicPr>
-            <a:picLocks noChangeAspect="1"/>
-          </p:cNvPicPr>
-          <p:nvPr/>
-        </p:nvPicPr>
-        <p:blipFill>
-          <a:blip r:embed="rId2" cstate="print"/>
-          <a:stretch>
-            <a:fillRect/>
-          </a:stretch>
-        </p:blipFill>
-        <p:spPr>
-          <a:xfrm>
-            <a:off x="7308304" y="1988840"/>
-            <a:ext cx="1200292" cy="858209"/>
-          </a:xfrm>
-          <a:prstGeom prst="rect">
-            <a:avLst/>
-          </a:prstGeom>
-        </p:spPr>
-      </p:pic>
-      <p:pic>
-        <p:nvPicPr>
-          <p:cNvPr id="41" name="Рисунок 40" descr="quadrotor.png"/>
-          <p:cNvPicPr>
-            <a:picLocks noChangeAspect="1"/>
-          </p:cNvPicPr>
-          <p:nvPr/>
-        </p:nvPicPr>
-        <p:blipFill>
-          <a:blip r:embed="rId2" cstate="print"/>
-          <a:stretch>
-            <a:fillRect/>
-          </a:stretch>
-        </p:blipFill>
-        <p:spPr>
-          <a:xfrm>
-            <a:off x="4716016" y="2060848"/>
-            <a:ext cx="1200292" cy="858209"/>
-          </a:xfrm>
-          <a:prstGeom prst="rect">
-            <a:avLst/>
-          </a:prstGeom>
-        </p:spPr>
-      </p:pic>
-      <p:pic>
-        <p:nvPicPr>
-          <p:cNvPr id="42" name="Рисунок 41" descr="quadrotor.png"/>
-          <p:cNvPicPr>
-            <a:picLocks noChangeAspect="1"/>
-          </p:cNvPicPr>
-          <p:nvPr/>
-        </p:nvPicPr>
-        <p:blipFill>
-          <a:blip r:embed="rId2" cstate="print"/>
-          <a:stretch>
-            <a:fillRect/>
-          </a:stretch>
-        </p:blipFill>
-        <p:spPr>
-          <a:xfrm>
-            <a:off x="7164288" y="4509120"/>
-            <a:ext cx="1200292" cy="858209"/>
-          </a:xfrm>
-          <a:prstGeom prst="rect">
-            <a:avLst/>
-          </a:prstGeom>
-        </p:spPr>
-      </p:pic>
-      <p:pic>
-        <p:nvPicPr>
-          <p:cNvPr id="43" name="Рисунок 42" descr="quadrotor.png"/>
-          <p:cNvPicPr>
-            <a:picLocks noChangeAspect="1"/>
-          </p:cNvPicPr>
-          <p:nvPr/>
-        </p:nvPicPr>
-        <p:blipFill>
-          <a:blip r:embed="rId2" cstate="print"/>
-          <a:stretch>
-            <a:fillRect/>
-          </a:stretch>
-        </p:blipFill>
-        <p:spPr>
-          <a:xfrm>
-            <a:off x="4572000" y="4581128"/>
-            <a:ext cx="1200292" cy="858209"/>
-          </a:xfrm>
-          <a:prstGeom prst="rect">
-            <a:avLst/>
-          </a:prstGeom>
-        </p:spPr>
-      </p:pic>
-      <p:pic>
-        <p:nvPicPr>
-          <p:cNvPr id="45" name="Рисунок 44" descr="laptop.png"/>
-          <p:cNvPicPr>
-            <a:picLocks noChangeAspect="1"/>
-          </p:cNvPicPr>
-          <p:nvPr/>
-        </p:nvPicPr>
-        <p:blipFill>
-          <a:blip r:embed="rId3" cstate="print"/>
-          <a:stretch>
-            <a:fillRect/>
-          </a:stretch>
-        </p:blipFill>
-        <p:spPr>
-          <a:xfrm>
-            <a:off x="386895" y="1772816"/>
-            <a:ext cx="1512020" cy="1575021"/>
-          </a:xfrm>
-          <a:prstGeom prst="rect">
-            <a:avLst/>
-          </a:prstGeom>
-        </p:spPr>
-      </p:pic>
-      <p:pic>
-        <p:nvPicPr>
-          <p:cNvPr id="46" name="Рисунок 45" descr="quadrotor.png"/>
-          <p:cNvPicPr>
-            <a:picLocks noChangeAspect="1"/>
-          </p:cNvPicPr>
-          <p:nvPr/>
-        </p:nvPicPr>
-        <p:blipFill>
-          <a:blip r:embed="rId2" cstate="print"/>
-          <a:stretch>
-            <a:fillRect/>
-          </a:stretch>
-        </p:blipFill>
-        <p:spPr>
-          <a:xfrm>
-            <a:off x="2051720" y="4365104"/>
-            <a:ext cx="1200292" cy="858209"/>
-          </a:xfrm>
-          <a:prstGeom prst="rect">
-            <a:avLst/>
-          </a:prstGeom>
-        </p:spPr>
-      </p:pic>
-      <p:sp>
-        <p:nvSpPr>
-          <p:cNvPr id="47" name="Прямоугольник 46"/>
+              <a:rPr lang="ru-RU" dirty="0" smtClean="0"/>
+              <a:t>Функциональная схема 4Р-БПЛА</a:t>
+            </a:r>
+            <a:endParaRPr lang="ru-RU" dirty="0"/>
+          </a:p>
+        </p:txBody>
+      </p:sp>
+      <p:sp>
+        <p:nvSpPr>
+          <p:cNvPr id="4" name="Прямоугольник 3"/>
           <p:cNvSpPr/>
           <p:nvPr/>
         </p:nvSpPr>
         <p:spPr>
           <a:xfrm>
-            <a:off x="3779912" y="1484784"/>
-            <a:ext cx="432048" cy="2664296"/>
+            <a:off x="251520" y="1556792"/>
+            <a:ext cx="1008112" cy="1872208"/>
           </a:xfrm>
           <a:prstGeom prst="rect">
             <a:avLst/>
           </a:prstGeom>
           <a:solidFill>
-            <a:schemeClr val="bg1">
-              <a:lumMod val="85000"/>
-              <a:alpha val="34000"/>
-            </a:schemeClr>
+            <a:srgbClr val="324B64">
+              <a:alpha val="50196"/>
+            </a:srgbClr>
           </a:solidFill>
-          <a:ln>
-            <a:solidFill>
-              <a:schemeClr val="bg1"/>
-            </a:solidFill>
-          </a:ln>
+          <a:ln w="12700"/>
         </p:spPr>
         <p:style>
-          <a:lnRef idx="2">
-            <a:schemeClr val="accent1">
-              <a:shade val="50000"/>
-            </a:schemeClr>
+          <a:lnRef idx="3">
+            <a:schemeClr val="lt1"/>
           </a:lnRef>
           <a:fillRef idx="1">
             <a:schemeClr val="accent1"/>
           </a:fillRef>
-          <a:effectRef idx="0">
+          <a:effectRef idx="1">
             <a:schemeClr val="accent1"/>
           </a:effectRef>
           <a:fontRef idx="minor">
@@ -6186,46 +5088,74 @@
           <a:lstStyle/>
           <a:p>
             <a:pPr algn="ctr"/>
-            <a:endParaRPr lang="ru-RU"/>
-          </a:p>
-        </p:txBody>
-      </p:sp>
-      <p:sp>
-        <p:nvSpPr>
-          <p:cNvPr id="49" name="Прямоугольник 48"/>
+            <a:r>
+              <a:rPr lang="en-US" sz="2400" dirty="0" smtClean="0">
+                <a:solidFill>
+                  <a:schemeClr val="bg1"/>
+                </a:solidFill>
+              </a:rPr>
+              <a:t>PC</a:t>
+            </a:r>
+          </a:p>
+          <a:p>
+            <a:pPr algn="ctr"/>
+            <a:r>
+              <a:rPr lang="en-US" dirty="0" smtClean="0">
+                <a:solidFill>
+                  <a:schemeClr val="bg1"/>
+                </a:solidFill>
+              </a:rPr>
+              <a:t>(</a:t>
+            </a:r>
+            <a:r>
+              <a:rPr lang="ru-RU" dirty="0" smtClean="0">
+                <a:solidFill>
+                  <a:schemeClr val="bg1"/>
+                </a:solidFill>
+              </a:rPr>
+              <a:t>ВП)</a:t>
+            </a:r>
+            <a:endParaRPr lang="ru-RU" sz="2400" dirty="0">
+              <a:solidFill>
+                <a:schemeClr val="bg1"/>
+              </a:solidFill>
+            </a:endParaRPr>
+          </a:p>
+        </p:txBody>
+      </p:sp>
+      <p:sp>
+        <p:nvSpPr>
+          <p:cNvPr id="5" name="Прямоугольник 4"/>
           <p:cNvSpPr/>
           <p:nvPr/>
         </p:nvSpPr>
         <p:spPr>
-          <a:xfrm rot="5400000">
-            <a:off x="7308304" y="2132856"/>
-            <a:ext cx="432048" cy="2736304"/>
+          <a:xfrm>
+            <a:off x="3851920" y="2492896"/>
+            <a:ext cx="1944216" cy="1080120"/>
           </a:xfrm>
           <a:prstGeom prst="rect">
             <a:avLst/>
           </a:prstGeom>
           <a:solidFill>
-            <a:schemeClr val="bg1">
-              <a:lumMod val="85000"/>
-              <a:alpha val="34000"/>
-            </a:schemeClr>
+            <a:srgbClr val="640000">
+              <a:alpha val="49804"/>
+            </a:srgbClr>
           </a:solidFill>
-          <a:ln>
+          <a:ln w="12700">
             <a:solidFill>
               <a:schemeClr val="bg1"/>
             </a:solidFill>
           </a:ln>
         </p:spPr>
         <p:style>
-          <a:lnRef idx="2">
-            <a:schemeClr val="accent1">
-              <a:shade val="50000"/>
-            </a:schemeClr>
+          <a:lnRef idx="3">
+            <a:schemeClr val="lt1"/>
           </a:lnRef>
           <a:fillRef idx="1">
             <a:schemeClr val="accent1"/>
           </a:fillRef>
-          <a:effectRef idx="0">
+          <a:effectRef idx="1">
             <a:schemeClr val="accent1"/>
           </a:effectRef>
           <a:fontRef idx="minor">
@@ -6237,46 +5167,52 @@
           <a:lstStyle/>
           <a:p>
             <a:pPr algn="ctr"/>
-            <a:endParaRPr lang="ru-RU"/>
-          </a:p>
-        </p:txBody>
-      </p:sp>
-      <p:sp>
-        <p:nvSpPr>
-          <p:cNvPr id="50" name="Прямоугольник 49"/>
+            <a:r>
+              <a:rPr lang="en-US" sz="2400" dirty="0" smtClean="0">
+                <a:solidFill>
+                  <a:schemeClr val="bg1"/>
+                </a:solidFill>
+              </a:rPr>
+              <a:t>Controller</a:t>
+            </a:r>
+            <a:endParaRPr lang="ru-RU" sz="2400" dirty="0">
+              <a:solidFill>
+                <a:schemeClr val="bg1"/>
+              </a:solidFill>
+            </a:endParaRPr>
+          </a:p>
+        </p:txBody>
+      </p:sp>
+      <p:sp>
+        <p:nvSpPr>
+          <p:cNvPr id="7" name="Прямоугольник 6"/>
           <p:cNvSpPr/>
           <p:nvPr/>
         </p:nvSpPr>
         <p:spPr>
-          <a:xfrm rot="5400000">
-            <a:off x="7632340" y="4761148"/>
-            <a:ext cx="432048" cy="2232248"/>
+          <a:xfrm>
+            <a:off x="6372200" y="1700808"/>
+            <a:ext cx="2016224" cy="288032"/>
           </a:xfrm>
           <a:prstGeom prst="rect">
             <a:avLst/>
           </a:prstGeom>
           <a:solidFill>
-            <a:schemeClr val="bg1">
-              <a:lumMod val="85000"/>
-              <a:alpha val="34000"/>
+            <a:schemeClr val="accent1">
+              <a:lumMod val="75000"/>
+              <a:alpha val="50196"/>
             </a:schemeClr>
           </a:solidFill>
-          <a:ln>
-            <a:solidFill>
-              <a:schemeClr val="bg1"/>
-            </a:solidFill>
-          </a:ln>
+          <a:ln w="12700"/>
         </p:spPr>
         <p:style>
-          <a:lnRef idx="2">
-            <a:schemeClr val="accent1">
-              <a:shade val="50000"/>
-            </a:schemeClr>
+          <a:lnRef idx="3">
+            <a:schemeClr val="lt1"/>
           </a:lnRef>
           <a:fillRef idx="1">
             <a:schemeClr val="accent1"/>
           </a:fillRef>
-          <a:effectRef idx="0">
+          <a:effectRef idx="1">
             <a:schemeClr val="accent1"/>
           </a:effectRef>
           <a:fontRef idx="minor">
@@ -6288,46 +5224,68 @@
           <a:lstStyle/>
           <a:p>
             <a:pPr algn="ctr"/>
-            <a:endParaRPr lang="ru-RU"/>
-          </a:p>
-        </p:txBody>
-      </p:sp>
-      <p:sp>
-        <p:nvSpPr>
-          <p:cNvPr id="51" name="Прямоугольник 50"/>
+            <a:r>
+              <a:rPr lang="en-US" sz="1400" dirty="0" smtClean="0">
+                <a:solidFill>
+                  <a:schemeClr val="bg1"/>
+                </a:solidFill>
+              </a:rPr>
+              <a:t>3-axis</a:t>
+            </a:r>
+            <a:r>
+              <a:rPr lang="ru-RU" sz="1400" dirty="0" smtClean="0">
+                <a:solidFill>
+                  <a:schemeClr val="bg1"/>
+                </a:solidFill>
+              </a:rPr>
+              <a:t> </a:t>
+            </a:r>
+            <a:r>
+              <a:rPr lang="en-US" sz="1400" dirty="0" smtClean="0">
+                <a:solidFill>
+                  <a:schemeClr val="bg1"/>
+                </a:solidFill>
+              </a:rPr>
+              <a:t>gyroscope</a:t>
+            </a:r>
+            <a:endParaRPr lang="en-US" sz="1400" dirty="0" smtClean="0">
+              <a:solidFill>
+                <a:schemeClr val="bg1"/>
+              </a:solidFill>
+            </a:endParaRPr>
+          </a:p>
+        </p:txBody>
+      </p:sp>
+      <p:sp>
+        <p:nvSpPr>
+          <p:cNvPr id="8" name="Прямоугольник 7"/>
           <p:cNvSpPr/>
           <p:nvPr/>
         </p:nvSpPr>
         <p:spPr>
-          <a:xfrm rot="5400000">
-            <a:off x="5400092" y="4761148"/>
-            <a:ext cx="432048" cy="2232248"/>
+          <a:xfrm>
+            <a:off x="6372200" y="2132856"/>
+            <a:ext cx="2016224" cy="288032"/>
           </a:xfrm>
           <a:prstGeom prst="rect">
             <a:avLst/>
           </a:prstGeom>
           <a:solidFill>
-            <a:schemeClr val="bg1">
-              <a:lumMod val="85000"/>
-              <a:alpha val="34000"/>
+            <a:schemeClr val="accent1">
+              <a:lumMod val="75000"/>
+              <a:alpha val="50196"/>
             </a:schemeClr>
           </a:solidFill>
-          <a:ln>
-            <a:solidFill>
-              <a:schemeClr val="bg1"/>
-            </a:solidFill>
-          </a:ln>
+          <a:ln w="12700"/>
         </p:spPr>
         <p:style>
-          <a:lnRef idx="2">
-            <a:schemeClr val="accent1">
-              <a:shade val="50000"/>
-            </a:schemeClr>
+          <a:lnRef idx="3">
+            <a:schemeClr val="lt1"/>
           </a:lnRef>
           <a:fillRef idx="1">
             <a:schemeClr val="accent1"/>
           </a:fillRef>
-          <a:effectRef idx="0">
+          <a:effectRef idx="1">
             <a:schemeClr val="accent1"/>
           </a:effectRef>
           <a:fontRef idx="minor">
@@ -6339,46 +5297,78 @@
           <a:lstStyle/>
           <a:p>
             <a:pPr algn="ctr"/>
-            <a:endParaRPr lang="ru-RU"/>
-          </a:p>
-        </p:txBody>
-      </p:sp>
-      <p:sp>
-        <p:nvSpPr>
-          <p:cNvPr id="52" name="Прямоугольник 51"/>
+            <a:r>
+              <a:rPr lang="en-US" sz="1400" dirty="0" smtClean="0">
+                <a:solidFill>
+                  <a:schemeClr val="bg1"/>
+                </a:solidFill>
+              </a:rPr>
+              <a:t>3-axis</a:t>
+            </a:r>
+            <a:r>
+              <a:rPr lang="ru-RU" sz="1400" dirty="0" smtClean="0">
+                <a:solidFill>
+                  <a:schemeClr val="bg1"/>
+                </a:solidFill>
+              </a:rPr>
+              <a:t> </a:t>
+            </a:r>
+            <a:r>
+              <a:rPr lang="en-US" sz="1400" dirty="0" smtClean="0">
+                <a:solidFill>
+                  <a:schemeClr val="bg1"/>
+                </a:solidFill>
+              </a:rPr>
+              <a:t>a</a:t>
+            </a:r>
+            <a:r>
+              <a:rPr lang="en-US" sz="1400" dirty="0" smtClean="0">
+                <a:solidFill>
+                  <a:schemeClr val="bg1"/>
+                </a:solidFill>
+              </a:rPr>
+              <a:t>ccelerometer</a:t>
+            </a:r>
+            <a:endParaRPr lang="ru-RU" sz="1400" dirty="0">
+              <a:solidFill>
+                <a:schemeClr val="bg1"/>
+              </a:solidFill>
+            </a:endParaRPr>
+          </a:p>
+        </p:txBody>
+      </p:sp>
+      <p:sp>
+        <p:nvSpPr>
+          <p:cNvPr id="9" name="Прямоугольник 8"/>
           <p:cNvSpPr/>
           <p:nvPr/>
         </p:nvSpPr>
         <p:spPr>
-          <a:xfrm rot="5400000">
-            <a:off x="3167844" y="4761148"/>
-            <a:ext cx="432048" cy="2232248"/>
+          <a:xfrm>
+            <a:off x="6372200" y="2996952"/>
+            <a:ext cx="2016224" cy="288032"/>
           </a:xfrm>
           <a:prstGeom prst="rect">
             <a:avLst/>
           </a:prstGeom>
           <a:solidFill>
-            <a:schemeClr val="bg1">
-              <a:lumMod val="85000"/>
-              <a:alpha val="34000"/>
+            <a:schemeClr val="accent1">
+              <a:lumMod val="75000"/>
+              <a:alpha val="50196"/>
             </a:schemeClr>
           </a:solidFill>
-          <a:ln>
-            <a:solidFill>
-              <a:schemeClr val="bg1"/>
-            </a:solidFill>
+          <a:ln w="12700">
+            <a:prstDash val="dash"/>
           </a:ln>
         </p:spPr>
         <p:style>
-          <a:lnRef idx="2">
-            <a:schemeClr val="accent1">
-              <a:shade val="50000"/>
-            </a:schemeClr>
+          <a:lnRef idx="3">
+            <a:schemeClr val="lt1"/>
           </a:lnRef>
           <a:fillRef idx="1">
             <a:schemeClr val="accent1"/>
           </a:fillRef>
-          <a:effectRef idx="0">
+          <a:effectRef idx="1">
             <a:schemeClr val="accent1"/>
           </a:effectRef>
           <a:fontRef idx="minor">
@@ -6390,43 +5380,54 @@
           <a:lstStyle/>
           <a:p>
             <a:pPr algn="ctr"/>
-            <a:endParaRPr lang="ru-RU"/>
-          </a:p>
-        </p:txBody>
-      </p:sp>
-      <p:sp>
-        <p:nvSpPr>
-          <p:cNvPr id="54" name="Двойная стрелка влево/вправо 53"/>
+            <a:r>
+              <a:rPr lang="en-US" sz="1400" dirty="0" smtClean="0">
+                <a:solidFill>
+                  <a:schemeClr val="bg1"/>
+                </a:solidFill>
+              </a:rPr>
+              <a:t>Barometer *</a:t>
+            </a:r>
+            <a:endParaRPr lang="en-US" sz="1400" dirty="0" smtClean="0">
+              <a:solidFill>
+                <a:schemeClr val="bg1"/>
+              </a:solidFill>
+            </a:endParaRPr>
+          </a:p>
+        </p:txBody>
+      </p:sp>
+      <p:sp>
+        <p:nvSpPr>
+          <p:cNvPr id="10" name="Прямоугольник 9"/>
           <p:cNvSpPr/>
           <p:nvPr/>
         </p:nvSpPr>
         <p:spPr>
-          <a:xfrm rot="2961900">
-            <a:off x="1378644" y="3672424"/>
-            <a:ext cx="774927" cy="290241"/>
-          </a:xfrm>
-          <a:prstGeom prst="leftRightArrow">
+          <a:xfrm>
+            <a:off x="6372200" y="3429000"/>
+            <a:ext cx="2016224" cy="288032"/>
+          </a:xfrm>
+          <a:prstGeom prst="rect">
             <a:avLst/>
           </a:prstGeom>
           <a:solidFill>
-            <a:srgbClr val="000000"/>
+            <a:schemeClr val="accent1">
+              <a:lumMod val="75000"/>
+              <a:alpha val="50196"/>
+            </a:schemeClr>
           </a:solidFill>
-          <a:ln>
-            <a:solidFill>
-              <a:srgbClr val="80FF80"/>
-            </a:solidFill>
+          <a:ln w="12700">
+            <a:prstDash val="dash"/>
           </a:ln>
         </p:spPr>
         <p:style>
-          <a:lnRef idx="2">
-            <a:schemeClr val="accent1">
-              <a:shade val="50000"/>
-            </a:schemeClr>
+          <a:lnRef idx="3">
+            <a:schemeClr val="lt1"/>
           </a:lnRef>
           <a:fillRef idx="1">
             <a:schemeClr val="accent1"/>
           </a:fillRef>
-          <a:effectRef idx="0">
+          <a:effectRef idx="1">
             <a:schemeClr val="accent1"/>
           </a:effectRef>
           <a:fontRef idx="minor">
@@ -6438,43 +5439,56 @@
           <a:lstStyle/>
           <a:p>
             <a:pPr algn="ctr"/>
-            <a:endParaRPr lang="ru-RU"/>
-          </a:p>
-        </p:txBody>
-      </p:sp>
-      <p:sp>
-        <p:nvSpPr>
-          <p:cNvPr id="55" name="Двойная стрелка влево/вправо 54"/>
+            <a:r>
+              <a:rPr lang="en-US" sz="1400" dirty="0" smtClean="0">
+                <a:solidFill>
+                  <a:schemeClr val="bg1"/>
+                </a:solidFill>
+              </a:rPr>
+              <a:t>Magnetometer *</a:t>
+            </a:r>
+            <a:endParaRPr lang="en-US" sz="1400" dirty="0" smtClean="0">
+              <a:solidFill>
+                <a:schemeClr val="bg1"/>
+              </a:solidFill>
+            </a:endParaRPr>
+          </a:p>
+        </p:txBody>
+      </p:sp>
+      <p:sp>
+        <p:nvSpPr>
+          <p:cNvPr id="11" name="Прямоугольник 10"/>
           <p:cNvSpPr/>
           <p:nvPr/>
         </p:nvSpPr>
         <p:spPr>
-          <a:xfrm rot="608049">
-            <a:off x="3483101" y="4741212"/>
-            <a:ext cx="903723" cy="290241"/>
-          </a:xfrm>
-          <a:prstGeom prst="leftRightArrow">
+          <a:xfrm>
+            <a:off x="2051720" y="1700808"/>
+            <a:ext cx="1008112" cy="504056"/>
+          </a:xfrm>
+          <a:prstGeom prst="rect">
             <a:avLst/>
           </a:prstGeom>
           <a:solidFill>
-            <a:srgbClr val="000000"/>
+            <a:schemeClr val="accent3">
+              <a:lumMod val="75000"/>
+              <a:alpha val="50196"/>
+            </a:schemeClr>
           </a:solidFill>
-          <a:ln>
+          <a:ln w="12700">
             <a:solidFill>
-              <a:srgbClr val="80FF80"/>
+              <a:schemeClr val="bg1"/>
             </a:solidFill>
           </a:ln>
         </p:spPr>
         <p:style>
-          <a:lnRef idx="2">
-            <a:schemeClr val="accent1">
-              <a:shade val="50000"/>
-            </a:schemeClr>
+          <a:lnRef idx="3">
+            <a:schemeClr val="lt1"/>
           </a:lnRef>
           <a:fillRef idx="1">
             <a:schemeClr val="accent1"/>
           </a:fillRef>
-          <a:effectRef idx="0">
+          <a:effectRef idx="1">
             <a:schemeClr val="accent1"/>
           </a:effectRef>
           <a:fontRef idx="minor">
@@ -6486,43 +5500,52 @@
           <a:lstStyle/>
           <a:p>
             <a:pPr algn="ctr"/>
-            <a:endParaRPr lang="ru-RU"/>
-          </a:p>
-        </p:txBody>
-      </p:sp>
-      <p:sp>
-        <p:nvSpPr>
-          <p:cNvPr id="56" name="Двойная стрелка влево/вправо 55"/>
+            <a:r>
+              <a:rPr lang="en-US" sz="2000" dirty="0" err="1" smtClean="0">
+                <a:solidFill>
+                  <a:schemeClr val="bg1"/>
+                </a:solidFill>
+              </a:rPr>
+              <a:t>XBee</a:t>
+            </a:r>
+            <a:endParaRPr lang="ru-RU" sz="2000" dirty="0">
+              <a:solidFill>
+                <a:schemeClr val="bg1"/>
+              </a:solidFill>
+            </a:endParaRPr>
+          </a:p>
+        </p:txBody>
+      </p:sp>
+      <p:sp>
+        <p:nvSpPr>
+          <p:cNvPr id="12" name="Прямоугольник 11"/>
           <p:cNvSpPr/>
           <p:nvPr/>
         </p:nvSpPr>
         <p:spPr>
-          <a:xfrm rot="20541788">
-            <a:off x="5968782" y="4797969"/>
-            <a:ext cx="1001189" cy="290241"/>
-          </a:xfrm>
-          <a:prstGeom prst="leftRightArrow">
+          <a:xfrm>
+            <a:off x="6372200" y="4589754"/>
+            <a:ext cx="864096" cy="288032"/>
+          </a:xfrm>
+          <a:prstGeom prst="rect">
             <a:avLst/>
           </a:prstGeom>
           <a:solidFill>
-            <a:srgbClr val="000000"/>
+            <a:schemeClr val="accent2">
+              <a:lumMod val="75000"/>
+              <a:alpha val="50196"/>
+            </a:schemeClr>
           </a:solidFill>
-          <a:ln>
-            <a:solidFill>
-              <a:srgbClr val="80FF80"/>
-            </a:solidFill>
-          </a:ln>
+          <a:ln w="12700"/>
         </p:spPr>
         <p:style>
-          <a:lnRef idx="2">
-            <a:schemeClr val="accent1">
-              <a:shade val="50000"/>
-            </a:schemeClr>
+          <a:lnRef idx="3">
+            <a:schemeClr val="lt1"/>
           </a:lnRef>
           <a:fillRef idx="1">
             <a:schemeClr val="accent1"/>
           </a:fillRef>
-          <a:effectRef idx="0">
+          <a:effectRef idx="1">
             <a:schemeClr val="accent1"/>
           </a:effectRef>
           <a:fontRef idx="minor">
@@ -6534,43 +5557,47 @@
           <a:lstStyle/>
           <a:p>
             <a:pPr algn="ctr"/>
-            <a:endParaRPr lang="ru-RU"/>
-          </a:p>
-        </p:txBody>
-      </p:sp>
-      <p:sp>
-        <p:nvSpPr>
-          <p:cNvPr id="58" name="Двойная стрелка влево/вправо 57"/>
+            <a:r>
+              <a:rPr lang="en-US" sz="1400" dirty="0" smtClean="0">
+                <a:solidFill>
+                  <a:schemeClr val="bg1"/>
+                </a:solidFill>
+              </a:rPr>
+              <a:t>ESC #1</a:t>
+            </a:r>
+          </a:p>
+        </p:txBody>
+      </p:sp>
+      <p:sp>
+        <p:nvSpPr>
+          <p:cNvPr id="13" name="Прямоугольник 12"/>
           <p:cNvSpPr/>
           <p:nvPr/>
         </p:nvSpPr>
         <p:spPr>
-          <a:xfrm rot="16518987">
-            <a:off x="4732340" y="3538141"/>
-            <a:ext cx="1095491" cy="290241"/>
-          </a:xfrm>
-          <a:prstGeom prst="leftRightArrow">
+          <a:xfrm>
+            <a:off x="7308304" y="4581128"/>
+            <a:ext cx="1512168" cy="288032"/>
+          </a:xfrm>
+          <a:prstGeom prst="rect">
             <a:avLst/>
           </a:prstGeom>
           <a:solidFill>
-            <a:srgbClr val="000000"/>
+            <a:schemeClr val="accent2">
+              <a:lumMod val="75000"/>
+              <a:alpha val="50196"/>
+            </a:schemeClr>
           </a:solidFill>
-          <a:ln>
-            <a:solidFill>
-              <a:srgbClr val="80FF80"/>
-            </a:solidFill>
-          </a:ln>
+          <a:ln w="12700"/>
         </p:spPr>
         <p:style>
-          <a:lnRef idx="2">
-            <a:schemeClr val="accent1">
-              <a:shade val="50000"/>
-            </a:schemeClr>
+          <a:lnRef idx="3">
+            <a:schemeClr val="lt1"/>
           </a:lnRef>
           <a:fillRef idx="1">
             <a:schemeClr val="accent1"/>
           </a:fillRef>
-          <a:effectRef idx="0">
+          <a:effectRef idx="1">
             <a:schemeClr val="accent1"/>
           </a:effectRef>
           <a:fontRef idx="minor">
@@ -6582,43 +5609,47 @@
           <a:lstStyle/>
           <a:p>
             <a:pPr algn="ctr"/>
-            <a:endParaRPr lang="ru-RU"/>
-          </a:p>
-        </p:txBody>
-      </p:sp>
-      <p:sp>
-        <p:nvSpPr>
-          <p:cNvPr id="59" name="Двойная стрелка влево/вправо 58"/>
+            <a:r>
+              <a:rPr lang="en-US" sz="1400" dirty="0" smtClean="0">
+                <a:solidFill>
+                  <a:schemeClr val="bg1"/>
+                </a:solidFill>
+              </a:rPr>
+              <a:t>Brushless Motor</a:t>
+            </a:r>
+          </a:p>
+        </p:txBody>
+      </p:sp>
+      <p:sp>
+        <p:nvSpPr>
+          <p:cNvPr id="14" name="Прямоугольник 13"/>
           <p:cNvSpPr/>
           <p:nvPr/>
         </p:nvSpPr>
         <p:spPr>
-          <a:xfrm rot="21082670">
-            <a:off x="6104607" y="2278272"/>
-            <a:ext cx="1001189" cy="290241"/>
-          </a:xfrm>
-          <a:prstGeom prst="leftRightArrow">
+          <a:xfrm>
+            <a:off x="6372200" y="4949794"/>
+            <a:ext cx="864096" cy="288032"/>
+          </a:xfrm>
+          <a:prstGeom prst="rect">
             <a:avLst/>
           </a:prstGeom>
           <a:solidFill>
-            <a:srgbClr val="000000"/>
+            <a:schemeClr val="accent2">
+              <a:lumMod val="75000"/>
+              <a:alpha val="50196"/>
+            </a:schemeClr>
           </a:solidFill>
-          <a:ln>
-            <a:solidFill>
-              <a:srgbClr val="80FF80"/>
-            </a:solidFill>
-          </a:ln>
+          <a:ln w="12700"/>
         </p:spPr>
         <p:style>
-          <a:lnRef idx="2">
-            <a:schemeClr val="accent1">
-              <a:shade val="50000"/>
-            </a:schemeClr>
+          <a:lnRef idx="3">
+            <a:schemeClr val="lt1"/>
           </a:lnRef>
           <a:fillRef idx="1">
             <a:schemeClr val="accent1"/>
           </a:fillRef>
-          <a:effectRef idx="0">
+          <a:effectRef idx="1">
             <a:schemeClr val="accent1"/>
           </a:effectRef>
           <a:fontRef idx="minor">
@@ -6630,16 +5661,1309 @@
           <a:lstStyle/>
           <a:p>
             <a:pPr algn="ctr"/>
-            <a:endParaRPr lang="ru-RU"/>
-          </a:p>
-        </p:txBody>
-      </p:sp>
+            <a:r>
+              <a:rPr lang="en-US" sz="1400" dirty="0" smtClean="0">
+                <a:solidFill>
+                  <a:schemeClr val="bg1"/>
+                </a:solidFill>
+              </a:rPr>
+              <a:t>ESC #2</a:t>
+            </a:r>
+          </a:p>
+        </p:txBody>
+      </p:sp>
+      <p:sp>
+        <p:nvSpPr>
+          <p:cNvPr id="15" name="Прямоугольник 14"/>
+          <p:cNvSpPr/>
+          <p:nvPr/>
+        </p:nvSpPr>
+        <p:spPr>
+          <a:xfrm>
+            <a:off x="7308304" y="4941168"/>
+            <a:ext cx="1512168" cy="288032"/>
+          </a:xfrm>
+          <a:prstGeom prst="rect">
+            <a:avLst/>
+          </a:prstGeom>
+          <a:solidFill>
+            <a:schemeClr val="accent2">
+              <a:lumMod val="75000"/>
+              <a:alpha val="50196"/>
+            </a:schemeClr>
+          </a:solidFill>
+          <a:ln w="12700"/>
+        </p:spPr>
+        <p:style>
+          <a:lnRef idx="3">
+            <a:schemeClr val="lt1"/>
+          </a:lnRef>
+          <a:fillRef idx="1">
+            <a:schemeClr val="accent1"/>
+          </a:fillRef>
+          <a:effectRef idx="1">
+            <a:schemeClr val="accent1"/>
+          </a:effectRef>
+          <a:fontRef idx="minor">
+            <a:schemeClr val="lt1"/>
+          </a:fontRef>
+        </p:style>
+        <p:txBody>
+          <a:bodyPr rtlCol="0" anchor="ctr"/>
+          <a:lstStyle/>
+          <a:p>
+            <a:pPr algn="ctr"/>
+            <a:r>
+              <a:rPr lang="en-US" sz="1400" dirty="0" smtClean="0">
+                <a:solidFill>
+                  <a:schemeClr val="bg1"/>
+                </a:solidFill>
+              </a:rPr>
+              <a:t>Brushless Motor</a:t>
+            </a:r>
+          </a:p>
+        </p:txBody>
+      </p:sp>
+      <p:sp>
+        <p:nvSpPr>
+          <p:cNvPr id="16" name="Прямоугольник 15"/>
+          <p:cNvSpPr/>
+          <p:nvPr/>
+        </p:nvSpPr>
+        <p:spPr>
+          <a:xfrm>
+            <a:off x="6372200" y="5292582"/>
+            <a:ext cx="864096" cy="288032"/>
+          </a:xfrm>
+          <a:prstGeom prst="rect">
+            <a:avLst/>
+          </a:prstGeom>
+          <a:solidFill>
+            <a:schemeClr val="accent2">
+              <a:lumMod val="75000"/>
+              <a:alpha val="50196"/>
+            </a:schemeClr>
+          </a:solidFill>
+          <a:ln w="12700"/>
+        </p:spPr>
+        <p:style>
+          <a:lnRef idx="3">
+            <a:schemeClr val="lt1"/>
+          </a:lnRef>
+          <a:fillRef idx="1">
+            <a:schemeClr val="accent1"/>
+          </a:fillRef>
+          <a:effectRef idx="1">
+            <a:schemeClr val="accent1"/>
+          </a:effectRef>
+          <a:fontRef idx="minor">
+            <a:schemeClr val="lt1"/>
+          </a:fontRef>
+        </p:style>
+        <p:txBody>
+          <a:bodyPr rtlCol="0" anchor="ctr"/>
+          <a:lstStyle/>
+          <a:p>
+            <a:pPr algn="ctr"/>
+            <a:r>
+              <a:rPr lang="en-US" sz="1400" dirty="0" smtClean="0">
+                <a:solidFill>
+                  <a:schemeClr val="bg1"/>
+                </a:solidFill>
+              </a:rPr>
+              <a:t>ESC #3</a:t>
+            </a:r>
+          </a:p>
+        </p:txBody>
+      </p:sp>
+      <p:sp>
+        <p:nvSpPr>
+          <p:cNvPr id="17" name="Прямоугольник 16"/>
+          <p:cNvSpPr/>
+          <p:nvPr/>
+        </p:nvSpPr>
+        <p:spPr>
+          <a:xfrm>
+            <a:off x="7308304" y="5283956"/>
+            <a:ext cx="1512168" cy="288032"/>
+          </a:xfrm>
+          <a:prstGeom prst="rect">
+            <a:avLst/>
+          </a:prstGeom>
+          <a:solidFill>
+            <a:schemeClr val="accent2">
+              <a:lumMod val="75000"/>
+              <a:alpha val="50196"/>
+            </a:schemeClr>
+          </a:solidFill>
+          <a:ln w="12700"/>
+        </p:spPr>
+        <p:style>
+          <a:lnRef idx="3">
+            <a:schemeClr val="lt1"/>
+          </a:lnRef>
+          <a:fillRef idx="1">
+            <a:schemeClr val="accent1"/>
+          </a:fillRef>
+          <a:effectRef idx="1">
+            <a:schemeClr val="accent1"/>
+          </a:effectRef>
+          <a:fontRef idx="minor">
+            <a:schemeClr val="lt1"/>
+          </a:fontRef>
+        </p:style>
+        <p:txBody>
+          <a:bodyPr rtlCol="0" anchor="ctr"/>
+          <a:lstStyle/>
+          <a:p>
+            <a:pPr algn="ctr"/>
+            <a:r>
+              <a:rPr lang="en-US" sz="1400" dirty="0" smtClean="0">
+                <a:solidFill>
+                  <a:schemeClr val="bg1"/>
+                </a:solidFill>
+              </a:rPr>
+              <a:t>Brushless Motor</a:t>
+            </a:r>
+          </a:p>
+        </p:txBody>
+      </p:sp>
+      <p:sp>
+        <p:nvSpPr>
+          <p:cNvPr id="18" name="Прямоугольник 17"/>
+          <p:cNvSpPr/>
+          <p:nvPr/>
+        </p:nvSpPr>
+        <p:spPr>
+          <a:xfrm>
+            <a:off x="6372200" y="5661248"/>
+            <a:ext cx="864096" cy="288032"/>
+          </a:xfrm>
+          <a:prstGeom prst="rect">
+            <a:avLst/>
+          </a:prstGeom>
+          <a:solidFill>
+            <a:schemeClr val="accent2">
+              <a:lumMod val="75000"/>
+              <a:alpha val="50196"/>
+            </a:schemeClr>
+          </a:solidFill>
+          <a:ln w="12700"/>
+        </p:spPr>
+        <p:style>
+          <a:lnRef idx="3">
+            <a:schemeClr val="lt1"/>
+          </a:lnRef>
+          <a:fillRef idx="1">
+            <a:schemeClr val="accent1"/>
+          </a:fillRef>
+          <a:effectRef idx="1">
+            <a:schemeClr val="accent1"/>
+          </a:effectRef>
+          <a:fontRef idx="minor">
+            <a:schemeClr val="lt1"/>
+          </a:fontRef>
+        </p:style>
+        <p:txBody>
+          <a:bodyPr rtlCol="0" anchor="ctr"/>
+          <a:lstStyle/>
+          <a:p>
+            <a:pPr algn="ctr"/>
+            <a:r>
+              <a:rPr lang="en-US" sz="1400" dirty="0" smtClean="0">
+                <a:solidFill>
+                  <a:schemeClr val="bg1"/>
+                </a:solidFill>
+              </a:rPr>
+              <a:t>ESC #4</a:t>
+            </a:r>
+          </a:p>
+        </p:txBody>
+      </p:sp>
+      <p:sp>
+        <p:nvSpPr>
+          <p:cNvPr id="19" name="Прямоугольник 18"/>
+          <p:cNvSpPr/>
+          <p:nvPr/>
+        </p:nvSpPr>
+        <p:spPr>
+          <a:xfrm>
+            <a:off x="7308304" y="5652622"/>
+            <a:ext cx="1512168" cy="288032"/>
+          </a:xfrm>
+          <a:prstGeom prst="rect">
+            <a:avLst/>
+          </a:prstGeom>
+          <a:solidFill>
+            <a:schemeClr val="accent2">
+              <a:lumMod val="75000"/>
+              <a:alpha val="50196"/>
+            </a:schemeClr>
+          </a:solidFill>
+          <a:ln w="12700"/>
+        </p:spPr>
+        <p:style>
+          <a:lnRef idx="3">
+            <a:schemeClr val="lt1"/>
+          </a:lnRef>
+          <a:fillRef idx="1">
+            <a:schemeClr val="accent1"/>
+          </a:fillRef>
+          <a:effectRef idx="1">
+            <a:schemeClr val="accent1"/>
+          </a:effectRef>
+          <a:fontRef idx="minor">
+            <a:schemeClr val="lt1"/>
+          </a:fontRef>
+        </p:style>
+        <p:txBody>
+          <a:bodyPr rtlCol="0" anchor="ctr"/>
+          <a:lstStyle/>
+          <a:p>
+            <a:pPr algn="ctr"/>
+            <a:r>
+              <a:rPr lang="en-US" sz="1400" dirty="0" smtClean="0">
+                <a:solidFill>
+                  <a:schemeClr val="bg1"/>
+                </a:solidFill>
+              </a:rPr>
+              <a:t>Brushless Motor</a:t>
+            </a:r>
+          </a:p>
+        </p:txBody>
+      </p:sp>
+      <p:sp>
+        <p:nvSpPr>
+          <p:cNvPr id="20" name="Прямоугольник 19"/>
+          <p:cNvSpPr/>
+          <p:nvPr/>
+        </p:nvSpPr>
+        <p:spPr>
+          <a:xfrm>
+            <a:off x="2051720" y="4653136"/>
+            <a:ext cx="1224136" cy="936104"/>
+          </a:xfrm>
+          <a:prstGeom prst="rect">
+            <a:avLst/>
+          </a:prstGeom>
+          <a:solidFill>
+            <a:srgbClr val="324B64">
+              <a:alpha val="50196"/>
+            </a:srgbClr>
+          </a:solidFill>
+          <a:ln w="12700">
+            <a:solidFill>
+              <a:schemeClr val="bg1"/>
+            </a:solidFill>
+          </a:ln>
+        </p:spPr>
+        <p:style>
+          <a:lnRef idx="3">
+            <a:schemeClr val="lt1"/>
+          </a:lnRef>
+          <a:fillRef idx="1">
+            <a:schemeClr val="accent1"/>
+          </a:fillRef>
+          <a:effectRef idx="1">
+            <a:schemeClr val="accent1"/>
+          </a:effectRef>
+          <a:fontRef idx="minor">
+            <a:schemeClr val="lt1"/>
+          </a:fontRef>
+        </p:style>
+        <p:txBody>
+          <a:bodyPr rtlCol="0" anchor="ctr"/>
+          <a:lstStyle/>
+          <a:p>
+            <a:pPr algn="ctr"/>
+            <a:r>
+              <a:rPr lang="en-US" sz="2000" dirty="0" smtClean="0">
+                <a:solidFill>
+                  <a:schemeClr val="bg1"/>
+                </a:solidFill>
+              </a:rPr>
+              <a:t>Camera</a:t>
+            </a:r>
+            <a:endParaRPr lang="ru-RU" sz="2000" dirty="0">
+              <a:solidFill>
+                <a:schemeClr val="bg1"/>
+              </a:solidFill>
+            </a:endParaRPr>
+          </a:p>
+        </p:txBody>
+      </p:sp>
+      <p:cxnSp>
+        <p:nvCxnSpPr>
+          <p:cNvPr id="22" name="Соединительная линия уступом 21"/>
+          <p:cNvCxnSpPr>
+            <a:stCxn id="7" idx="1"/>
+            <a:endCxn id="5" idx="3"/>
+          </p:cNvCxnSpPr>
+          <p:nvPr/>
+        </p:nvCxnSpPr>
+        <p:spPr>
+          <a:xfrm rot="10800000" flipV="1">
+            <a:off x="5796136" y="1844824"/>
+            <a:ext cx="576064" cy="1188132"/>
+          </a:xfrm>
+          <a:prstGeom prst="bentConnector3">
+            <a:avLst>
+              <a:gd name="adj1" fmla="val 50000"/>
+            </a:avLst>
+          </a:prstGeom>
+          <a:ln w="28575">
+            <a:solidFill>
+              <a:schemeClr val="bg1"/>
+            </a:solidFill>
+            <a:tailEnd type="arrow"/>
+          </a:ln>
+        </p:spPr>
+        <p:style>
+          <a:lnRef idx="1">
+            <a:schemeClr val="accent1"/>
+          </a:lnRef>
+          <a:fillRef idx="0">
+            <a:schemeClr val="accent1"/>
+          </a:fillRef>
+          <a:effectRef idx="0">
+            <a:schemeClr val="accent1"/>
+          </a:effectRef>
+          <a:fontRef idx="minor">
+            <a:schemeClr val="tx1"/>
+          </a:fontRef>
+        </p:style>
+      </p:cxnSp>
+      <p:cxnSp>
+        <p:nvCxnSpPr>
+          <p:cNvPr id="26" name="Соединительная линия уступом 25"/>
+          <p:cNvCxnSpPr>
+            <a:stCxn id="115" idx="1"/>
+            <a:endCxn id="5" idx="3"/>
+          </p:cNvCxnSpPr>
+          <p:nvPr/>
+        </p:nvCxnSpPr>
+        <p:spPr>
+          <a:xfrm rot="10800000" flipV="1">
+            <a:off x="5796136" y="2708920"/>
+            <a:ext cx="576064" cy="324036"/>
+          </a:xfrm>
+          <a:prstGeom prst="bentConnector3">
+            <a:avLst>
+              <a:gd name="adj1" fmla="val 50000"/>
+            </a:avLst>
+          </a:prstGeom>
+          <a:ln w="28575">
+            <a:solidFill>
+              <a:schemeClr val="bg1"/>
+            </a:solidFill>
+            <a:tailEnd type="arrow"/>
+          </a:ln>
+        </p:spPr>
+        <p:style>
+          <a:lnRef idx="1">
+            <a:schemeClr val="accent1"/>
+          </a:lnRef>
+          <a:fillRef idx="0">
+            <a:schemeClr val="accent1"/>
+          </a:fillRef>
+          <a:effectRef idx="0">
+            <a:schemeClr val="accent1"/>
+          </a:effectRef>
+          <a:fontRef idx="minor">
+            <a:schemeClr val="tx1"/>
+          </a:fontRef>
+        </p:style>
+      </p:cxnSp>
+      <p:cxnSp>
+        <p:nvCxnSpPr>
+          <p:cNvPr id="28" name="Соединительная линия уступом 27"/>
+          <p:cNvCxnSpPr>
+            <a:stCxn id="9" idx="1"/>
+            <a:endCxn id="5" idx="3"/>
+          </p:cNvCxnSpPr>
+          <p:nvPr/>
+        </p:nvCxnSpPr>
+        <p:spPr>
+          <a:xfrm rot="10800000">
+            <a:off x="5796136" y="3032956"/>
+            <a:ext cx="576064" cy="108012"/>
+          </a:xfrm>
+          <a:prstGeom prst="bentConnector3">
+            <a:avLst>
+              <a:gd name="adj1" fmla="val 50000"/>
+            </a:avLst>
+          </a:prstGeom>
+          <a:ln w="28575">
+            <a:solidFill>
+              <a:schemeClr val="bg1"/>
+            </a:solidFill>
+            <a:tailEnd type="arrow"/>
+          </a:ln>
+        </p:spPr>
+        <p:style>
+          <a:lnRef idx="1">
+            <a:schemeClr val="accent1"/>
+          </a:lnRef>
+          <a:fillRef idx="0">
+            <a:schemeClr val="accent1"/>
+          </a:fillRef>
+          <a:effectRef idx="0">
+            <a:schemeClr val="accent1"/>
+          </a:effectRef>
+          <a:fontRef idx="minor">
+            <a:schemeClr val="tx1"/>
+          </a:fontRef>
+        </p:style>
+      </p:cxnSp>
+      <p:cxnSp>
+        <p:nvCxnSpPr>
+          <p:cNvPr id="30" name="Соединительная линия уступом 29"/>
+          <p:cNvCxnSpPr>
+            <a:stCxn id="10" idx="1"/>
+            <a:endCxn id="5" idx="3"/>
+          </p:cNvCxnSpPr>
+          <p:nvPr/>
+        </p:nvCxnSpPr>
+        <p:spPr>
+          <a:xfrm rot="10800000">
+            <a:off x="5796136" y="3032956"/>
+            <a:ext cx="576064" cy="540060"/>
+          </a:xfrm>
+          <a:prstGeom prst="bentConnector3">
+            <a:avLst>
+              <a:gd name="adj1" fmla="val 50000"/>
+            </a:avLst>
+          </a:prstGeom>
+          <a:ln w="28575">
+            <a:solidFill>
+              <a:schemeClr val="bg1"/>
+            </a:solidFill>
+            <a:tailEnd type="arrow"/>
+          </a:ln>
+        </p:spPr>
+        <p:style>
+          <a:lnRef idx="1">
+            <a:schemeClr val="accent1"/>
+          </a:lnRef>
+          <a:fillRef idx="0">
+            <a:schemeClr val="accent1"/>
+          </a:fillRef>
+          <a:effectRef idx="0">
+            <a:schemeClr val="accent1"/>
+          </a:effectRef>
+          <a:fontRef idx="minor">
+            <a:schemeClr val="tx1"/>
+          </a:fontRef>
+        </p:style>
+      </p:cxnSp>
+      <p:cxnSp>
+        <p:nvCxnSpPr>
+          <p:cNvPr id="34" name="Shape 33"/>
+          <p:cNvCxnSpPr>
+            <a:stCxn id="5" idx="2"/>
+            <a:endCxn id="12" idx="1"/>
+          </p:cNvCxnSpPr>
+          <p:nvPr/>
+        </p:nvCxnSpPr>
+        <p:spPr>
+          <a:xfrm rot="16200000" flipH="1">
+            <a:off x="5017737" y="3379307"/>
+            <a:ext cx="1160754" cy="1548172"/>
+          </a:xfrm>
+          <a:prstGeom prst="bentConnector2">
+            <a:avLst/>
+          </a:prstGeom>
+          <a:ln w="28575">
+            <a:solidFill>
+              <a:schemeClr val="bg1"/>
+            </a:solidFill>
+            <a:tailEnd type="arrow"/>
+          </a:ln>
+        </p:spPr>
+        <p:style>
+          <a:lnRef idx="1">
+            <a:schemeClr val="accent1"/>
+          </a:lnRef>
+          <a:fillRef idx="0">
+            <a:schemeClr val="accent1"/>
+          </a:fillRef>
+          <a:effectRef idx="0">
+            <a:schemeClr val="accent1"/>
+          </a:effectRef>
+          <a:fontRef idx="minor">
+            <a:schemeClr val="tx1"/>
+          </a:fontRef>
+        </p:style>
+      </p:cxnSp>
+      <p:cxnSp>
+        <p:nvCxnSpPr>
+          <p:cNvPr id="36" name="Shape 35"/>
+          <p:cNvCxnSpPr>
+            <a:stCxn id="5" idx="2"/>
+            <a:endCxn id="14" idx="1"/>
+          </p:cNvCxnSpPr>
+          <p:nvPr/>
+        </p:nvCxnSpPr>
+        <p:spPr>
+          <a:xfrm rot="16200000" flipH="1">
+            <a:off x="4837717" y="3559327"/>
+            <a:ext cx="1520794" cy="1548172"/>
+          </a:xfrm>
+          <a:prstGeom prst="bentConnector2">
+            <a:avLst/>
+          </a:prstGeom>
+          <a:ln w="28575">
+            <a:solidFill>
+              <a:schemeClr val="bg1"/>
+            </a:solidFill>
+            <a:tailEnd type="arrow"/>
+          </a:ln>
+        </p:spPr>
+        <p:style>
+          <a:lnRef idx="1">
+            <a:schemeClr val="accent1"/>
+          </a:lnRef>
+          <a:fillRef idx="0">
+            <a:schemeClr val="accent1"/>
+          </a:fillRef>
+          <a:effectRef idx="0">
+            <a:schemeClr val="accent1"/>
+          </a:effectRef>
+          <a:fontRef idx="minor">
+            <a:schemeClr val="tx1"/>
+          </a:fontRef>
+        </p:style>
+      </p:cxnSp>
+      <p:cxnSp>
+        <p:nvCxnSpPr>
+          <p:cNvPr id="38" name="Shape 37"/>
+          <p:cNvCxnSpPr>
+            <a:stCxn id="5" idx="2"/>
+            <a:endCxn id="16" idx="1"/>
+          </p:cNvCxnSpPr>
+          <p:nvPr/>
+        </p:nvCxnSpPr>
+        <p:spPr>
+          <a:xfrm rot="16200000" flipH="1">
+            <a:off x="4666323" y="3730721"/>
+            <a:ext cx="1863582" cy="1548172"/>
+          </a:xfrm>
+          <a:prstGeom prst="bentConnector2">
+            <a:avLst/>
+          </a:prstGeom>
+          <a:ln w="28575">
+            <a:solidFill>
+              <a:schemeClr val="bg1"/>
+            </a:solidFill>
+            <a:tailEnd type="arrow"/>
+          </a:ln>
+        </p:spPr>
+        <p:style>
+          <a:lnRef idx="1">
+            <a:schemeClr val="accent1"/>
+          </a:lnRef>
+          <a:fillRef idx="0">
+            <a:schemeClr val="accent1"/>
+          </a:fillRef>
+          <a:effectRef idx="0">
+            <a:schemeClr val="accent1"/>
+          </a:effectRef>
+          <a:fontRef idx="minor">
+            <a:schemeClr val="tx1"/>
+          </a:fontRef>
+        </p:style>
+      </p:cxnSp>
+      <p:cxnSp>
+        <p:nvCxnSpPr>
+          <p:cNvPr id="40" name="Shape 39"/>
+          <p:cNvCxnSpPr>
+            <a:stCxn id="5" idx="2"/>
+            <a:endCxn id="18" idx="1"/>
+          </p:cNvCxnSpPr>
+          <p:nvPr/>
+        </p:nvCxnSpPr>
+        <p:spPr>
+          <a:xfrm rot="16200000" flipH="1">
+            <a:off x="4481990" y="3915054"/>
+            <a:ext cx="2232248" cy="1548172"/>
+          </a:xfrm>
+          <a:prstGeom prst="bentConnector2">
+            <a:avLst/>
+          </a:prstGeom>
+          <a:ln w="28575">
+            <a:solidFill>
+              <a:schemeClr val="bg1"/>
+            </a:solidFill>
+            <a:tailEnd type="arrow"/>
+          </a:ln>
+        </p:spPr>
+        <p:style>
+          <a:lnRef idx="1">
+            <a:schemeClr val="accent1"/>
+          </a:lnRef>
+          <a:fillRef idx="0">
+            <a:schemeClr val="accent1"/>
+          </a:fillRef>
+          <a:effectRef idx="0">
+            <a:schemeClr val="accent1"/>
+          </a:effectRef>
+          <a:fontRef idx="minor">
+            <a:schemeClr val="tx1"/>
+          </a:fontRef>
+        </p:style>
+      </p:cxnSp>
+      <p:cxnSp>
+        <p:nvCxnSpPr>
+          <p:cNvPr id="50" name="Соединительная линия уступом 49"/>
+          <p:cNvCxnSpPr>
+            <a:stCxn id="11" idx="3"/>
+            <a:endCxn id="5" idx="0"/>
+          </p:cNvCxnSpPr>
+          <p:nvPr/>
+        </p:nvCxnSpPr>
+        <p:spPr>
+          <a:xfrm>
+            <a:off x="3059832" y="1952836"/>
+            <a:ext cx="1764196" cy="540060"/>
+          </a:xfrm>
+          <a:prstGeom prst="bentConnector2">
+            <a:avLst/>
+          </a:prstGeom>
+          <a:ln w="28575">
+            <a:solidFill>
+              <a:schemeClr val="bg1"/>
+            </a:solidFill>
+            <a:headEnd type="arrow"/>
+            <a:tailEnd type="arrow"/>
+          </a:ln>
+        </p:spPr>
+        <p:style>
+          <a:lnRef idx="1">
+            <a:schemeClr val="accent1"/>
+          </a:lnRef>
+          <a:fillRef idx="0">
+            <a:schemeClr val="accent1"/>
+          </a:fillRef>
+          <a:effectRef idx="0">
+            <a:schemeClr val="accent1"/>
+          </a:effectRef>
+          <a:fontRef idx="minor">
+            <a:schemeClr val="tx1"/>
+          </a:fontRef>
+        </p:style>
+      </p:cxnSp>
+      <p:cxnSp>
+        <p:nvCxnSpPr>
+          <p:cNvPr id="56" name="Соединительная линия уступом 55"/>
+          <p:cNvCxnSpPr>
+            <a:stCxn id="20" idx="3"/>
+            <a:endCxn id="5" idx="1"/>
+          </p:cNvCxnSpPr>
+          <p:nvPr/>
+        </p:nvCxnSpPr>
+        <p:spPr>
+          <a:xfrm flipV="1">
+            <a:off x="3275856" y="3032956"/>
+            <a:ext cx="576064" cy="2088232"/>
+          </a:xfrm>
+          <a:prstGeom prst="bentConnector3">
+            <a:avLst>
+              <a:gd name="adj1" fmla="val 60482"/>
+            </a:avLst>
+          </a:prstGeom>
+          <a:ln w="28575">
+            <a:solidFill>
+              <a:schemeClr val="bg1"/>
+            </a:solidFill>
+            <a:tailEnd type="arrow"/>
+          </a:ln>
+        </p:spPr>
+        <p:style>
+          <a:lnRef idx="1">
+            <a:schemeClr val="accent1"/>
+          </a:lnRef>
+          <a:fillRef idx="0">
+            <a:schemeClr val="accent1"/>
+          </a:fillRef>
+          <a:effectRef idx="0">
+            <a:schemeClr val="accent1"/>
+          </a:effectRef>
+          <a:fontRef idx="minor">
+            <a:schemeClr val="tx1"/>
+          </a:fontRef>
+        </p:style>
+      </p:cxnSp>
+      <p:cxnSp>
+        <p:nvCxnSpPr>
+          <p:cNvPr id="129" name="Соединительная линия уступом 128"/>
+          <p:cNvCxnSpPr>
+            <a:stCxn id="4" idx="3"/>
+            <a:endCxn id="11" idx="1"/>
+          </p:cNvCxnSpPr>
+          <p:nvPr/>
+        </p:nvCxnSpPr>
+        <p:spPr>
+          <a:xfrm flipV="1">
+            <a:off x="1259632" y="1952836"/>
+            <a:ext cx="792088" cy="540060"/>
+          </a:xfrm>
+          <a:prstGeom prst="bentConnector3">
+            <a:avLst>
+              <a:gd name="adj1" fmla="val 50000"/>
+            </a:avLst>
+          </a:prstGeom>
+          <a:ln w="28575">
+            <a:solidFill>
+              <a:schemeClr val="bg1"/>
+            </a:solidFill>
+            <a:headEnd type="arrow"/>
+            <a:tailEnd type="arrow"/>
+          </a:ln>
+        </p:spPr>
+        <p:style>
+          <a:lnRef idx="1">
+            <a:schemeClr val="accent1"/>
+          </a:lnRef>
+          <a:fillRef idx="0">
+            <a:schemeClr val="accent1"/>
+          </a:fillRef>
+          <a:effectRef idx="0">
+            <a:schemeClr val="accent1"/>
+          </a:effectRef>
+          <a:fontRef idx="minor">
+            <a:schemeClr val="tx1"/>
+          </a:fontRef>
+        </p:style>
+      </p:cxnSp>
+      <p:sp>
+        <p:nvSpPr>
+          <p:cNvPr id="42" name="Прямоугольник 41"/>
+          <p:cNvSpPr/>
+          <p:nvPr/>
+        </p:nvSpPr>
+        <p:spPr>
+          <a:xfrm>
+            <a:off x="2051720" y="2348880"/>
+            <a:ext cx="1008112" cy="504056"/>
+          </a:xfrm>
+          <a:prstGeom prst="rect">
+            <a:avLst/>
+          </a:prstGeom>
+          <a:solidFill>
+            <a:schemeClr val="accent3">
+              <a:lumMod val="75000"/>
+              <a:alpha val="50196"/>
+            </a:schemeClr>
+          </a:solidFill>
+          <a:ln w="12700">
+            <a:solidFill>
+              <a:schemeClr val="bg1"/>
+            </a:solidFill>
+          </a:ln>
+        </p:spPr>
+        <p:style>
+          <a:lnRef idx="3">
+            <a:schemeClr val="lt1"/>
+          </a:lnRef>
+          <a:fillRef idx="1">
+            <a:schemeClr val="accent1"/>
+          </a:fillRef>
+          <a:effectRef idx="1">
+            <a:schemeClr val="accent1"/>
+          </a:effectRef>
+          <a:fontRef idx="minor">
+            <a:schemeClr val="lt1"/>
+          </a:fontRef>
+        </p:style>
+        <p:txBody>
+          <a:bodyPr rtlCol="0" anchor="ctr"/>
+          <a:lstStyle/>
+          <a:p>
+            <a:pPr algn="ctr"/>
+            <a:r>
+              <a:rPr lang="en-US" sz="2000" dirty="0" err="1" smtClean="0">
+                <a:solidFill>
+                  <a:schemeClr val="bg1"/>
+                </a:solidFill>
+              </a:rPr>
+              <a:t>WiFi</a:t>
+            </a:r>
+            <a:endParaRPr lang="ru-RU" sz="2000" dirty="0">
+              <a:solidFill>
+                <a:schemeClr val="bg1"/>
+              </a:solidFill>
+            </a:endParaRPr>
+          </a:p>
+        </p:txBody>
+      </p:sp>
+      <p:sp>
+        <p:nvSpPr>
+          <p:cNvPr id="43" name="Прямоугольник 42"/>
+          <p:cNvSpPr/>
+          <p:nvPr/>
+        </p:nvSpPr>
+        <p:spPr>
+          <a:xfrm>
+            <a:off x="2051720" y="2996952"/>
+            <a:ext cx="1008112" cy="504056"/>
+          </a:xfrm>
+          <a:prstGeom prst="rect">
+            <a:avLst/>
+          </a:prstGeom>
+          <a:solidFill>
+            <a:schemeClr val="accent3">
+              <a:lumMod val="75000"/>
+              <a:alpha val="50196"/>
+            </a:schemeClr>
+          </a:solidFill>
+          <a:ln w="12700">
+            <a:solidFill>
+              <a:schemeClr val="bg1"/>
+            </a:solidFill>
+            <a:prstDash val="dash"/>
+          </a:ln>
+        </p:spPr>
+        <p:style>
+          <a:lnRef idx="3">
+            <a:schemeClr val="lt1"/>
+          </a:lnRef>
+          <a:fillRef idx="1">
+            <a:schemeClr val="accent1"/>
+          </a:fillRef>
+          <a:effectRef idx="1">
+            <a:schemeClr val="accent1"/>
+          </a:effectRef>
+          <a:fontRef idx="minor">
+            <a:schemeClr val="lt1"/>
+          </a:fontRef>
+        </p:style>
+        <p:txBody>
+          <a:bodyPr rtlCol="0" anchor="ctr"/>
+          <a:lstStyle/>
+          <a:p>
+            <a:pPr algn="ctr"/>
+            <a:r>
+              <a:rPr lang="en-US" sz="2000" dirty="0" smtClean="0">
+                <a:solidFill>
+                  <a:schemeClr val="bg1"/>
+                </a:solidFill>
+              </a:rPr>
+              <a:t>USB</a:t>
+            </a:r>
+            <a:endParaRPr lang="ru-RU" sz="2000" dirty="0">
+              <a:solidFill>
+                <a:schemeClr val="bg1"/>
+              </a:solidFill>
+            </a:endParaRPr>
+          </a:p>
+        </p:txBody>
+      </p:sp>
+      <p:cxnSp>
+        <p:nvCxnSpPr>
+          <p:cNvPr id="44" name="Соединительная линия уступом 43"/>
+          <p:cNvCxnSpPr>
+            <a:stCxn id="4" idx="3"/>
+            <a:endCxn id="42" idx="1"/>
+          </p:cNvCxnSpPr>
+          <p:nvPr/>
+        </p:nvCxnSpPr>
+        <p:spPr>
+          <a:xfrm>
+            <a:off x="1259632" y="2492896"/>
+            <a:ext cx="792088" cy="108012"/>
+          </a:xfrm>
+          <a:prstGeom prst="bentConnector3">
+            <a:avLst>
+              <a:gd name="adj1" fmla="val 50000"/>
+            </a:avLst>
+          </a:prstGeom>
+          <a:ln w="28575">
+            <a:solidFill>
+              <a:schemeClr val="bg1"/>
+            </a:solidFill>
+            <a:headEnd type="arrow"/>
+            <a:tailEnd type="arrow"/>
+          </a:ln>
+        </p:spPr>
+        <p:style>
+          <a:lnRef idx="1">
+            <a:schemeClr val="accent1"/>
+          </a:lnRef>
+          <a:fillRef idx="0">
+            <a:schemeClr val="accent1"/>
+          </a:fillRef>
+          <a:effectRef idx="0">
+            <a:schemeClr val="accent1"/>
+          </a:effectRef>
+          <a:fontRef idx="minor">
+            <a:schemeClr val="tx1"/>
+          </a:fontRef>
+        </p:style>
+      </p:cxnSp>
+      <p:cxnSp>
+        <p:nvCxnSpPr>
+          <p:cNvPr id="47" name="Соединительная линия уступом 46"/>
+          <p:cNvCxnSpPr>
+            <a:stCxn id="4" idx="3"/>
+            <a:endCxn id="43" idx="1"/>
+          </p:cNvCxnSpPr>
+          <p:nvPr/>
+        </p:nvCxnSpPr>
+        <p:spPr>
+          <a:xfrm>
+            <a:off x="1259632" y="2492896"/>
+            <a:ext cx="792088" cy="756084"/>
+          </a:xfrm>
+          <a:prstGeom prst="bentConnector3">
+            <a:avLst>
+              <a:gd name="adj1" fmla="val 50000"/>
+            </a:avLst>
+          </a:prstGeom>
+          <a:ln w="28575">
+            <a:solidFill>
+              <a:schemeClr val="bg1"/>
+            </a:solidFill>
+            <a:headEnd type="arrow"/>
+            <a:tailEnd type="arrow"/>
+          </a:ln>
+        </p:spPr>
+        <p:style>
+          <a:lnRef idx="1">
+            <a:schemeClr val="accent1"/>
+          </a:lnRef>
+          <a:fillRef idx="0">
+            <a:schemeClr val="accent1"/>
+          </a:fillRef>
+          <a:effectRef idx="0">
+            <a:schemeClr val="accent1"/>
+          </a:effectRef>
+          <a:fontRef idx="minor">
+            <a:schemeClr val="tx1"/>
+          </a:fontRef>
+        </p:style>
+      </p:cxnSp>
+      <p:cxnSp>
+        <p:nvCxnSpPr>
+          <p:cNvPr id="51" name="Соединительная линия уступом 49"/>
+          <p:cNvCxnSpPr>
+            <a:stCxn id="42" idx="3"/>
+            <a:endCxn id="5" idx="0"/>
+          </p:cNvCxnSpPr>
+          <p:nvPr/>
+        </p:nvCxnSpPr>
+        <p:spPr>
+          <a:xfrm flipV="1">
+            <a:off x="3059832" y="2492896"/>
+            <a:ext cx="1764196" cy="108012"/>
+          </a:xfrm>
+          <a:prstGeom prst="bentConnector4">
+            <a:avLst>
+              <a:gd name="adj1" fmla="val 22449"/>
+              <a:gd name="adj2" fmla="val 596720"/>
+            </a:avLst>
+          </a:prstGeom>
+          <a:ln w="28575">
+            <a:solidFill>
+              <a:schemeClr val="bg1"/>
+            </a:solidFill>
+            <a:headEnd type="arrow"/>
+            <a:tailEnd type="arrow"/>
+          </a:ln>
+        </p:spPr>
+        <p:style>
+          <a:lnRef idx="1">
+            <a:schemeClr val="accent1"/>
+          </a:lnRef>
+          <a:fillRef idx="0">
+            <a:schemeClr val="accent1"/>
+          </a:fillRef>
+          <a:effectRef idx="0">
+            <a:schemeClr val="accent1"/>
+          </a:effectRef>
+          <a:fontRef idx="minor">
+            <a:schemeClr val="tx1"/>
+          </a:fontRef>
+        </p:style>
+      </p:cxnSp>
+      <p:cxnSp>
+        <p:nvCxnSpPr>
+          <p:cNvPr id="54" name="Соединительная линия уступом 49"/>
+          <p:cNvCxnSpPr>
+            <a:stCxn id="43" idx="3"/>
+            <a:endCxn id="5" idx="0"/>
+          </p:cNvCxnSpPr>
+          <p:nvPr/>
+        </p:nvCxnSpPr>
+        <p:spPr>
+          <a:xfrm flipV="1">
+            <a:off x="3059832" y="2492896"/>
+            <a:ext cx="1764196" cy="756084"/>
+          </a:xfrm>
+          <a:prstGeom prst="bentConnector4">
+            <a:avLst>
+              <a:gd name="adj1" fmla="val 22449"/>
+              <a:gd name="adj2" fmla="val 171309"/>
+            </a:avLst>
+          </a:prstGeom>
+          <a:ln w="28575">
+            <a:solidFill>
+              <a:schemeClr val="bg1"/>
+            </a:solidFill>
+            <a:headEnd type="arrow"/>
+            <a:tailEnd type="arrow"/>
+          </a:ln>
+        </p:spPr>
+        <p:style>
+          <a:lnRef idx="1">
+            <a:schemeClr val="accent1"/>
+          </a:lnRef>
+          <a:fillRef idx="0">
+            <a:schemeClr val="accent1"/>
+          </a:fillRef>
+          <a:effectRef idx="0">
+            <a:schemeClr val="accent1"/>
+          </a:effectRef>
+          <a:fontRef idx="minor">
+            <a:schemeClr val="tx1"/>
+          </a:fontRef>
+        </p:style>
+      </p:cxnSp>
+      <p:cxnSp>
+        <p:nvCxnSpPr>
+          <p:cNvPr id="39" name="Прямая соединительная линия 38"/>
+          <p:cNvCxnSpPr/>
+          <p:nvPr/>
+        </p:nvCxnSpPr>
+        <p:spPr>
+          <a:xfrm>
+            <a:off x="1763688" y="1556792"/>
+            <a:ext cx="0" cy="4464496"/>
+          </a:xfrm>
+          <a:prstGeom prst="line">
+            <a:avLst/>
+          </a:prstGeom>
+          <a:ln w="28575">
+            <a:solidFill>
+              <a:schemeClr val="bg1"/>
+            </a:solidFill>
+            <a:prstDash val="dash"/>
+          </a:ln>
+        </p:spPr>
+        <p:style>
+          <a:lnRef idx="1">
+            <a:schemeClr val="accent1"/>
+          </a:lnRef>
+          <a:fillRef idx="0">
+            <a:schemeClr val="accent1"/>
+          </a:fillRef>
+          <a:effectRef idx="0">
+            <a:schemeClr val="accent1"/>
+          </a:effectRef>
+          <a:fontRef idx="minor">
+            <a:schemeClr val="tx1"/>
+          </a:fontRef>
+        </p:style>
+      </p:cxnSp>
+      <p:sp>
+        <p:nvSpPr>
+          <p:cNvPr id="93" name="Прямоугольник 92"/>
+          <p:cNvSpPr/>
+          <p:nvPr/>
+        </p:nvSpPr>
+        <p:spPr>
+          <a:xfrm>
+            <a:off x="6372200" y="3861048"/>
+            <a:ext cx="2016224" cy="288032"/>
+          </a:xfrm>
+          <a:prstGeom prst="rect">
+            <a:avLst/>
+          </a:prstGeom>
+          <a:solidFill>
+            <a:schemeClr val="accent1">
+              <a:lumMod val="75000"/>
+              <a:alpha val="50196"/>
+            </a:schemeClr>
+          </a:solidFill>
+          <a:ln w="12700">
+            <a:prstDash val="dash"/>
+          </a:ln>
+        </p:spPr>
+        <p:style>
+          <a:lnRef idx="3">
+            <a:schemeClr val="lt1"/>
+          </a:lnRef>
+          <a:fillRef idx="1">
+            <a:schemeClr val="accent1"/>
+          </a:fillRef>
+          <a:effectRef idx="1">
+            <a:schemeClr val="accent1"/>
+          </a:effectRef>
+          <a:fontRef idx="minor">
+            <a:schemeClr val="lt1"/>
+          </a:fontRef>
+        </p:style>
+        <p:txBody>
+          <a:bodyPr rtlCol="0" anchor="ctr"/>
+          <a:lstStyle/>
+          <a:p>
+            <a:pPr algn="ctr"/>
+            <a:r>
+              <a:rPr lang="en-US" sz="1400" dirty="0" smtClean="0">
+                <a:solidFill>
+                  <a:schemeClr val="bg1"/>
+                </a:solidFill>
+              </a:rPr>
+              <a:t>GPS *</a:t>
+            </a:r>
+            <a:endParaRPr lang="en-US" sz="1400" dirty="0" smtClean="0">
+              <a:solidFill>
+                <a:schemeClr val="bg1"/>
+              </a:solidFill>
+            </a:endParaRPr>
+          </a:p>
+        </p:txBody>
+      </p:sp>
+      <p:cxnSp>
+        <p:nvCxnSpPr>
+          <p:cNvPr id="94" name="Соединительная линия уступом 93"/>
+          <p:cNvCxnSpPr>
+            <a:stCxn id="93" idx="1"/>
+            <a:endCxn id="5" idx="3"/>
+          </p:cNvCxnSpPr>
+          <p:nvPr/>
+        </p:nvCxnSpPr>
+        <p:spPr>
+          <a:xfrm rot="10800000">
+            <a:off x="5796136" y="3032956"/>
+            <a:ext cx="576064" cy="972108"/>
+          </a:xfrm>
+          <a:prstGeom prst="bentConnector3">
+            <a:avLst>
+              <a:gd name="adj1" fmla="val 50000"/>
+            </a:avLst>
+          </a:prstGeom>
+          <a:ln w="28575">
+            <a:solidFill>
+              <a:schemeClr val="bg1"/>
+            </a:solidFill>
+            <a:tailEnd type="arrow"/>
+          </a:ln>
+        </p:spPr>
+        <p:style>
+          <a:lnRef idx="1">
+            <a:schemeClr val="accent1"/>
+          </a:lnRef>
+          <a:fillRef idx="0">
+            <a:schemeClr val="accent1"/>
+          </a:fillRef>
+          <a:effectRef idx="0">
+            <a:schemeClr val="accent1"/>
+          </a:effectRef>
+          <a:fontRef idx="minor">
+            <a:schemeClr val="tx1"/>
+          </a:fontRef>
+        </p:style>
+      </p:cxnSp>
+      <p:sp>
+        <p:nvSpPr>
+          <p:cNvPr id="115" name="Прямоугольник 114"/>
+          <p:cNvSpPr/>
+          <p:nvPr/>
+        </p:nvSpPr>
+        <p:spPr>
+          <a:xfrm>
+            <a:off x="6372200" y="2564904"/>
+            <a:ext cx="2016224" cy="288032"/>
+          </a:xfrm>
+          <a:prstGeom prst="rect">
+            <a:avLst/>
+          </a:prstGeom>
+          <a:solidFill>
+            <a:schemeClr val="accent1">
+              <a:lumMod val="75000"/>
+              <a:alpha val="50196"/>
+            </a:schemeClr>
+          </a:solidFill>
+          <a:ln w="12700"/>
+        </p:spPr>
+        <p:style>
+          <a:lnRef idx="3">
+            <a:schemeClr val="lt1"/>
+          </a:lnRef>
+          <a:fillRef idx="1">
+            <a:schemeClr val="accent1"/>
+          </a:fillRef>
+          <a:effectRef idx="1">
+            <a:schemeClr val="accent1"/>
+          </a:effectRef>
+          <a:fontRef idx="minor">
+            <a:schemeClr val="lt1"/>
+          </a:fontRef>
+        </p:style>
+        <p:txBody>
+          <a:bodyPr rtlCol="0" anchor="ctr"/>
+          <a:lstStyle/>
+          <a:p>
+            <a:pPr algn="ctr"/>
+            <a:r>
+              <a:rPr lang="en-US" sz="1400" dirty="0" smtClean="0">
+                <a:solidFill>
+                  <a:schemeClr val="bg1"/>
+                </a:solidFill>
+              </a:rPr>
+              <a:t>Sonar</a:t>
+            </a:r>
+            <a:endParaRPr lang="ru-RU" sz="1400" dirty="0">
+              <a:solidFill>
+                <a:schemeClr val="bg1"/>
+              </a:solidFill>
+            </a:endParaRPr>
+          </a:p>
+        </p:txBody>
+      </p:sp>
+      <p:cxnSp>
+        <p:nvCxnSpPr>
+          <p:cNvPr id="119" name="Соединительная линия уступом 118"/>
+          <p:cNvCxnSpPr/>
+          <p:nvPr/>
+        </p:nvCxnSpPr>
+        <p:spPr>
+          <a:xfrm rot="10800000" flipV="1">
+            <a:off x="5796136" y="2276872"/>
+            <a:ext cx="576064" cy="756084"/>
+          </a:xfrm>
+          <a:prstGeom prst="bentConnector3">
+            <a:avLst>
+              <a:gd name="adj1" fmla="val 50000"/>
+            </a:avLst>
+          </a:prstGeom>
+          <a:ln w="28575">
+            <a:solidFill>
+              <a:schemeClr val="bg1"/>
+            </a:solidFill>
+            <a:tailEnd type="arrow"/>
+          </a:ln>
+        </p:spPr>
+        <p:style>
+          <a:lnRef idx="1">
+            <a:schemeClr val="accent1"/>
+          </a:lnRef>
+          <a:fillRef idx="0">
+            <a:schemeClr val="accent1"/>
+          </a:fillRef>
+          <a:effectRef idx="0">
+            <a:schemeClr val="accent1"/>
+          </a:effectRef>
+          <a:fontRef idx="minor">
+            <a:schemeClr val="tx1"/>
+          </a:fontRef>
+        </p:style>
+      </p:cxnSp>
     </p:spTree>
   </p:cSld>
   <p:clrMapOvr>
     <a:masterClrMapping/>
   </p:clrMapOvr>
-  <p:transition/>
   <p:timing>
     <p:tnLst>
       <p:par>

--- a/Docs/Medias2012_dhg.pptx
+++ b/Docs/Medias2012_dhg.pptx
@@ -11,11 +11,15 @@
     <p:sldId id="261" r:id="rId5"/>
     <p:sldId id="266" r:id="rId6"/>
     <p:sldId id="263" r:id="rId7"/>
-    <p:sldId id="278" r:id="rId8"/>
-    <p:sldId id="264" r:id="rId9"/>
-    <p:sldId id="279" r:id="rId10"/>
-    <p:sldId id="267" r:id="rId11"/>
-    <p:sldId id="259" r:id="rId12"/>
+    <p:sldId id="283" r:id="rId8"/>
+    <p:sldId id="278" r:id="rId9"/>
+    <p:sldId id="264" r:id="rId10"/>
+    <p:sldId id="279" r:id="rId11"/>
+    <p:sldId id="282" r:id="rId12"/>
+    <p:sldId id="281" r:id="rId13"/>
+    <p:sldId id="280" r:id="rId14"/>
+    <p:sldId id="267" r:id="rId15"/>
+    <p:sldId id="259" r:id="rId16"/>
   </p:sldIdLst>
   <p:sldSz cx="9144000" cy="6858000" type="screen4x3"/>
   <p:notesSz cx="6858000" cy="9144000"/>
@@ -3104,6 +3108,19 @@
           <a:lstStyle/>
           <a:p>
             <a:r>
+              <a:rPr lang="ru-RU" sz="3200" dirty="0" smtClean="0">
+                <a:effectLst>
+                  <a:outerShdw blurRad="38100" dist="38100" dir="2700000" algn="tl">
+                    <a:srgbClr val="000000">
+                      <a:alpha val="43137"/>
+                    </a:srgbClr>
+                  </a:outerShdw>
+                  <a:reflection blurRad="12700" stA="34000" endA="740" endPos="53000" dir="5400000" sy="-100000" algn="bl" rotWithShape="0"/>
+                </a:effectLst>
+              </a:rPr>
+              <a:t>Комплекс </a:t>
+            </a:r>
+            <a:r>
               <a:rPr lang="ru-RU" sz="3200" cap="none" dirty="0" smtClean="0">
                 <a:effectLst>
                   <a:outerShdw blurRad="38100" dist="38100" dir="2700000" algn="tl">
@@ -3114,20 +3131,7 @@
                   <a:reflection blurRad="12700" stA="34000" endA="740" endPos="53000" dir="5400000" sy="-100000" algn="bl" rotWithShape="0"/>
                 </a:effectLst>
               </a:rPr>
-              <a:t>Оптические системы захвата движения в науке и технике</a:t>
-            </a:r>
-            <a:r>
-              <a:rPr lang="en-US" sz="3200" cap="none" dirty="0" smtClean="0">
-                <a:effectLst>
-                  <a:outerShdw blurRad="38100" dist="38100" dir="2700000" algn="tl">
-                    <a:srgbClr val="000000">
-                      <a:alpha val="43137"/>
-                    </a:srgbClr>
-                  </a:outerShdw>
-                  <a:reflection blurRad="12700" stA="34000" endA="740" endPos="53000" dir="5400000" sy="-100000" algn="bl" rotWithShape="0"/>
-                </a:effectLst>
-              </a:rPr>
-              <a:t>: </a:t>
+              <a:t>навигации </a:t>
             </a:r>
             <a:r>
               <a:rPr lang="ru-RU" sz="3200" cap="none" dirty="0" smtClean="0">
@@ -3140,7 +3144,7 @@
                   <a:reflection blurRad="12700" stA="34000" endA="740" endPos="53000" dir="5400000" sy="-100000" algn="bl" rotWithShape="0"/>
                 </a:effectLst>
               </a:rPr>
-              <a:t>применение в задачах навигации БПЛА в закрытых помещениях</a:t>
+              <a:t>БПЛА в закрытых помещениях</a:t>
             </a:r>
             <a:endParaRPr lang="ru-RU" sz="3200" cap="none" dirty="0">
               <a:effectLst>
@@ -3209,3772 +3213,6 @@
 </file>
 
 <file path=ppt/slides/slide10.xml><?xml version="1.0" encoding="utf-8"?>
-<p:sld xmlns:a="http://schemas.openxmlformats.org/drawingml/2006/main" xmlns:r="http://schemas.openxmlformats.org/officeDocument/2006/relationships" xmlns:p="http://schemas.openxmlformats.org/presentationml/2006/main">
-  <p:cSld>
-    <p:spTree>
-      <p:nvGrpSpPr>
-        <p:cNvPr id="1" name=""/>
-        <p:cNvGrpSpPr/>
-        <p:nvPr/>
-      </p:nvGrpSpPr>
-      <p:grpSpPr>
-        <a:xfrm>
-          <a:off x="0" y="0"/>
-          <a:ext cx="0" cy="0"/>
-          <a:chOff x="0" y="0"/>
-          <a:chExt cx="0" cy="0"/>
-        </a:xfrm>
-      </p:grpSpPr>
-      <p:sp>
-        <p:nvSpPr>
-          <p:cNvPr id="2" name="Заголовок 1"/>
-          <p:cNvSpPr>
-            <a:spLocks noGrp="1"/>
-          </p:cNvSpPr>
-          <p:nvPr>
-            <p:ph type="title"/>
-          </p:nvPr>
-        </p:nvSpPr>
-        <p:spPr/>
-        <p:txBody>
-          <a:bodyPr/>
-          <a:lstStyle/>
-          <a:p>
-            <a:r>
-              <a:rPr lang="ru-RU" dirty="0" smtClean="0"/>
-              <a:t>Заключение</a:t>
-            </a:r>
-            <a:endParaRPr lang="ru-RU" dirty="0"/>
-          </a:p>
-        </p:txBody>
-      </p:sp>
-      <p:sp>
-        <p:nvSpPr>
-          <p:cNvPr id="3" name="Содержимое 2"/>
-          <p:cNvSpPr>
-            <a:spLocks noGrp="1"/>
-          </p:cNvSpPr>
-          <p:nvPr>
-            <p:ph idx="1"/>
-          </p:nvPr>
-        </p:nvSpPr>
-        <p:spPr/>
-        <p:txBody>
-          <a:bodyPr/>
-          <a:lstStyle/>
-          <a:p>
-            <a:endParaRPr lang="ru-RU"/>
-          </a:p>
-        </p:txBody>
-      </p:sp>
-    </p:spTree>
-  </p:cSld>
-  <p:clrMapOvr>
-    <a:masterClrMapping/>
-  </p:clrMapOvr>
-  <p:timing>
-    <p:tnLst>
-      <p:par>
-        <p:cTn id="1" dur="indefinite" restart="never" nodeType="tmRoot"/>
-      </p:par>
-    </p:tnLst>
-  </p:timing>
-</p:sld>
-</file>
-
-<file path=ppt/slides/slide11.xml><?xml version="1.0" encoding="utf-8"?>
-<p:sld xmlns:a="http://schemas.openxmlformats.org/drawingml/2006/main" xmlns:r="http://schemas.openxmlformats.org/officeDocument/2006/relationships" xmlns:p="http://schemas.openxmlformats.org/presentationml/2006/main">
-  <p:cSld>
-    <p:spTree>
-      <p:nvGrpSpPr>
-        <p:cNvPr id="1" name=""/>
-        <p:cNvGrpSpPr/>
-        <p:nvPr/>
-      </p:nvGrpSpPr>
-      <p:grpSpPr>
-        <a:xfrm>
-          <a:off x="0" y="0"/>
-          <a:ext cx="0" cy="0"/>
-          <a:chOff x="0" y="0"/>
-          <a:chExt cx="0" cy="0"/>
-        </a:xfrm>
-      </p:grpSpPr>
-      <p:sp>
-        <p:nvSpPr>
-          <p:cNvPr id="2" name="Заголовок 1"/>
-          <p:cNvSpPr>
-            <a:spLocks noGrp="1"/>
-          </p:cNvSpPr>
-          <p:nvPr>
-            <p:ph type="title"/>
-          </p:nvPr>
-        </p:nvSpPr>
-        <p:spPr/>
-        <p:txBody>
-          <a:bodyPr/>
-          <a:lstStyle/>
-          <a:p>
-            <a:r>
-              <a:rPr lang="ru-RU" dirty="0" smtClean="0"/>
-              <a:t>Вопросы?</a:t>
-            </a:r>
-            <a:endParaRPr lang="ru-RU" dirty="0"/>
-          </a:p>
-        </p:txBody>
-      </p:sp>
-    </p:spTree>
-  </p:cSld>
-  <p:clrMapOvr>
-    <a:masterClrMapping/>
-  </p:clrMapOvr>
-  <p:timing>
-    <p:tnLst>
-      <p:par>
-        <p:cTn id="1" dur="indefinite" restart="never" nodeType="tmRoot"/>
-      </p:par>
-    </p:tnLst>
-  </p:timing>
-</p:sld>
-</file>
-
-<file path=ppt/slides/slide2.xml><?xml version="1.0" encoding="utf-8"?>
-<p:sld xmlns:a="http://schemas.openxmlformats.org/drawingml/2006/main" xmlns:r="http://schemas.openxmlformats.org/officeDocument/2006/relationships" xmlns:p="http://schemas.openxmlformats.org/presentationml/2006/main">
-  <p:cSld>
-    <p:spTree>
-      <p:nvGrpSpPr>
-        <p:cNvPr id="1" name=""/>
-        <p:cNvGrpSpPr/>
-        <p:nvPr/>
-      </p:nvGrpSpPr>
-      <p:grpSpPr>
-        <a:xfrm>
-          <a:off x="0" y="0"/>
-          <a:ext cx="0" cy="0"/>
-          <a:chOff x="0" y="0"/>
-          <a:chExt cx="0" cy="0"/>
-        </a:xfrm>
-      </p:grpSpPr>
-      <p:sp>
-        <p:nvSpPr>
-          <p:cNvPr id="2" name="Заголовок 1"/>
-          <p:cNvSpPr>
-            <a:spLocks noGrp="1"/>
-          </p:cNvSpPr>
-          <p:nvPr>
-            <p:ph type="title"/>
-          </p:nvPr>
-        </p:nvSpPr>
-        <p:spPr/>
-        <p:txBody>
-          <a:bodyPr/>
-          <a:lstStyle/>
-          <a:p>
-            <a:r>
-              <a:rPr lang="ru-RU" dirty="0" smtClean="0"/>
-              <a:t>Задачи</a:t>
-            </a:r>
-            <a:endParaRPr lang="ru-RU" dirty="0"/>
-          </a:p>
-        </p:txBody>
-      </p:sp>
-      <p:sp>
-        <p:nvSpPr>
-          <p:cNvPr id="3" name="Содержимое 2"/>
-          <p:cNvSpPr>
-            <a:spLocks noGrp="1"/>
-          </p:cNvSpPr>
-          <p:nvPr>
-            <p:ph idx="1"/>
-          </p:nvPr>
-        </p:nvSpPr>
-        <p:spPr>
-          <a:solidFill>
-            <a:srgbClr val="000000">
-              <a:alpha val="69804"/>
-            </a:srgbClr>
-          </a:solidFill>
-        </p:spPr>
-        <p:txBody>
-          <a:bodyPr>
-            <a:normAutofit/>
-          </a:bodyPr>
-          <a:lstStyle/>
-          <a:p>
-            <a:r>
-              <a:rPr lang="ru-RU" sz="2800" dirty="0" smtClean="0"/>
-              <a:t>Создание виртуального полигона для исследования динамики 4Р-БПЛА в закрытых помещениях (</a:t>
-            </a:r>
-            <a:r>
-              <a:rPr lang="en-US" sz="2800" dirty="0" err="1" smtClean="0"/>
-              <a:t>Quadro</a:t>
-            </a:r>
-            <a:r>
-              <a:rPr lang="en-US" i="1" dirty="0" err="1" smtClean="0">
-                <a:solidFill>
-                  <a:srgbClr val="FF0000"/>
-                </a:solidFill>
-              </a:rPr>
-              <a:t>X</a:t>
-            </a:r>
-            <a:r>
-              <a:rPr lang="en-US" sz="2800" dirty="0" smtClean="0"/>
-              <a:t>-DS</a:t>
-            </a:r>
-            <a:r>
-              <a:rPr lang="ru-RU" sz="2800" dirty="0" smtClean="0"/>
-              <a:t>)</a:t>
-            </a:r>
-            <a:endParaRPr lang="en-US" sz="2800" dirty="0" smtClean="0"/>
-          </a:p>
-          <a:p>
-            <a:endParaRPr lang="ru-RU" sz="2800" dirty="0" smtClean="0"/>
-          </a:p>
-          <a:p>
-            <a:r>
-              <a:rPr lang="ru-RU" sz="2800" dirty="0" smtClean="0"/>
-              <a:t>Создание комплекса 4Р-БПЛА для реализации задачи навигации в закрытых помещениях (КНЗП)</a:t>
-            </a:r>
-            <a:endParaRPr lang="ru-RU" sz="2800" dirty="0"/>
-          </a:p>
-        </p:txBody>
-      </p:sp>
-    </p:spTree>
-  </p:cSld>
-  <p:clrMapOvr>
-    <a:masterClrMapping/>
-  </p:clrMapOvr>
-  <p:timing>
-    <p:tnLst>
-      <p:par>
-        <p:cTn id="1" dur="indefinite" restart="never" nodeType="tmRoot"/>
-      </p:par>
-    </p:tnLst>
-  </p:timing>
-</p:sld>
-</file>
-
-<file path=ppt/slides/slide3.xml><?xml version="1.0" encoding="utf-8"?>
-<p:sld xmlns:a="http://schemas.openxmlformats.org/drawingml/2006/main" xmlns:r="http://schemas.openxmlformats.org/officeDocument/2006/relationships" xmlns:p="http://schemas.openxmlformats.org/presentationml/2006/main">
-  <p:cSld>
-    <p:spTree>
-      <p:nvGrpSpPr>
-        <p:cNvPr id="1" name=""/>
-        <p:cNvGrpSpPr/>
-        <p:nvPr/>
-      </p:nvGrpSpPr>
-      <p:grpSpPr>
-        <a:xfrm>
-          <a:off x="0" y="0"/>
-          <a:ext cx="0" cy="0"/>
-          <a:chOff x="0" y="0"/>
-          <a:chExt cx="0" cy="0"/>
-        </a:xfrm>
-      </p:grpSpPr>
-      <p:sp>
-        <p:nvSpPr>
-          <p:cNvPr id="2" name="Заголовок 1"/>
-          <p:cNvSpPr>
-            <a:spLocks noGrp="1"/>
-          </p:cNvSpPr>
-          <p:nvPr>
-            <p:ph type="title"/>
-          </p:nvPr>
-        </p:nvSpPr>
-        <p:spPr/>
-        <p:txBody>
-          <a:bodyPr/>
-          <a:lstStyle/>
-          <a:p>
-            <a:r>
-              <a:rPr lang="ru-RU" dirty="0" smtClean="0"/>
-              <a:t>Области применения</a:t>
-            </a:r>
-            <a:endParaRPr lang="ru-RU" dirty="0"/>
-          </a:p>
-        </p:txBody>
-      </p:sp>
-      <p:sp>
-        <p:nvSpPr>
-          <p:cNvPr id="3" name="Содержимое 2"/>
-          <p:cNvSpPr>
-            <a:spLocks noGrp="1"/>
-          </p:cNvSpPr>
-          <p:nvPr>
-            <p:ph idx="1"/>
-          </p:nvPr>
-        </p:nvSpPr>
-        <p:spPr>
-          <a:solidFill>
-            <a:srgbClr val="000000">
-              <a:alpha val="69804"/>
-            </a:srgbClr>
-          </a:solidFill>
-        </p:spPr>
-        <p:txBody>
-          <a:bodyPr>
-            <a:normAutofit/>
-          </a:bodyPr>
-          <a:lstStyle/>
-          <a:p>
-            <a:r>
-              <a:rPr lang="ru-RU" sz="2800" dirty="0" smtClean="0"/>
-              <a:t>Спасательные операции</a:t>
-            </a:r>
-          </a:p>
-          <a:p>
-            <a:pPr lvl="1"/>
-            <a:r>
-              <a:rPr lang="ru-RU" sz="2400" dirty="0" smtClean="0">
-                <a:solidFill>
-                  <a:srgbClr val="80FF80"/>
-                </a:solidFill>
-              </a:rPr>
-              <a:t>В пещерах</a:t>
-            </a:r>
-          </a:p>
-          <a:p>
-            <a:pPr lvl="1"/>
-            <a:r>
-              <a:rPr lang="ru-RU" sz="2400" dirty="0" smtClean="0">
-                <a:solidFill>
-                  <a:srgbClr val="80FF80"/>
-                </a:solidFill>
-              </a:rPr>
-              <a:t>В </a:t>
-            </a:r>
-            <a:r>
-              <a:rPr lang="ru-RU" sz="2400" dirty="0" smtClean="0">
-                <a:solidFill>
-                  <a:srgbClr val="80FF80"/>
-                </a:solidFill>
-              </a:rPr>
-              <a:t>завалах</a:t>
-            </a:r>
-            <a:endParaRPr lang="en-US" sz="2400" dirty="0" smtClean="0">
-              <a:solidFill>
-                <a:srgbClr val="80FF80"/>
-              </a:solidFill>
-            </a:endParaRPr>
-          </a:p>
-          <a:p>
-            <a:pPr lvl="1"/>
-            <a:endParaRPr lang="ru-RU" sz="2400" dirty="0" smtClean="0">
-              <a:solidFill>
-                <a:srgbClr val="80FF80"/>
-              </a:solidFill>
-            </a:endParaRPr>
-          </a:p>
-          <a:p>
-            <a:r>
-              <a:rPr lang="ru-RU" sz="2800" dirty="0" smtClean="0"/>
-              <a:t>Мониторинг объектов на предмет:</a:t>
-            </a:r>
-          </a:p>
-          <a:p>
-            <a:pPr lvl="1"/>
-            <a:r>
-              <a:rPr lang="ru-RU" sz="2400" dirty="0" smtClean="0">
-                <a:solidFill>
-                  <a:srgbClr val="80FF80"/>
-                </a:solidFill>
-              </a:rPr>
-              <a:t>Проникновений на охраняемые объекты</a:t>
-            </a:r>
-          </a:p>
-          <a:p>
-            <a:pPr lvl="1"/>
-            <a:r>
-              <a:rPr lang="ru-RU" sz="2400" dirty="0" smtClean="0">
-                <a:solidFill>
-                  <a:srgbClr val="80FF80"/>
-                </a:solidFill>
-              </a:rPr>
-              <a:t>Аварий на опасных </a:t>
-            </a:r>
-            <a:r>
-              <a:rPr lang="ru-RU" sz="2400" dirty="0" smtClean="0">
-                <a:solidFill>
-                  <a:srgbClr val="80FF80"/>
-                </a:solidFill>
-              </a:rPr>
-              <a:t>объектах</a:t>
-            </a:r>
-            <a:endParaRPr lang="en-US" sz="2400" dirty="0" smtClean="0">
-              <a:solidFill>
-                <a:srgbClr val="80FF80"/>
-              </a:solidFill>
-            </a:endParaRPr>
-          </a:p>
-          <a:p>
-            <a:pPr lvl="1"/>
-            <a:endParaRPr lang="ru-RU" sz="2400" dirty="0" smtClean="0">
-              <a:solidFill>
-                <a:srgbClr val="80FF80"/>
-              </a:solidFill>
-            </a:endParaRPr>
-          </a:p>
-          <a:p>
-            <a:r>
-              <a:rPr lang="ru-RU" sz="2800" dirty="0" smtClean="0"/>
-              <a:t>Разведывательные операции</a:t>
-            </a:r>
-          </a:p>
-          <a:p>
-            <a:pPr lvl="1"/>
-            <a:endParaRPr lang="ru-RU" sz="2400" dirty="0" smtClean="0"/>
-          </a:p>
-          <a:p>
-            <a:pPr lvl="1"/>
-            <a:endParaRPr lang="ru-RU" sz="2400" dirty="0" smtClean="0"/>
-          </a:p>
-          <a:p>
-            <a:pPr lvl="1"/>
-            <a:endParaRPr lang="ru-RU" sz="2400" dirty="0" smtClean="0"/>
-          </a:p>
-          <a:p>
-            <a:endParaRPr lang="ru-RU" sz="2800" dirty="0"/>
-          </a:p>
-        </p:txBody>
-      </p:sp>
-    </p:spTree>
-  </p:cSld>
-  <p:clrMapOvr>
-    <a:masterClrMapping/>
-  </p:clrMapOvr>
-  <p:timing>
-    <p:tnLst>
-      <p:par>
-        <p:cTn id="1" dur="indefinite" restart="never" nodeType="tmRoot"/>
-      </p:par>
-    </p:tnLst>
-  </p:timing>
-</p:sld>
-</file>
-
-<file path=ppt/slides/slide4.xml><?xml version="1.0" encoding="utf-8"?>
-<p:sld xmlns:a="http://schemas.openxmlformats.org/drawingml/2006/main" xmlns:r="http://schemas.openxmlformats.org/officeDocument/2006/relationships" xmlns:p="http://schemas.openxmlformats.org/presentationml/2006/main">
-  <p:cSld>
-    <p:spTree>
-      <p:nvGrpSpPr>
-        <p:cNvPr id="1" name=""/>
-        <p:cNvGrpSpPr/>
-        <p:nvPr/>
-      </p:nvGrpSpPr>
-      <p:grpSpPr>
-        <a:xfrm>
-          <a:off x="0" y="0"/>
-          <a:ext cx="0" cy="0"/>
-          <a:chOff x="0" y="0"/>
-          <a:chExt cx="0" cy="0"/>
-        </a:xfrm>
-      </p:grpSpPr>
-      <p:sp>
-        <p:nvSpPr>
-          <p:cNvPr id="2" name="Заголовок 1"/>
-          <p:cNvSpPr>
-            <a:spLocks noGrp="1"/>
-          </p:cNvSpPr>
-          <p:nvPr>
-            <p:ph type="title"/>
-          </p:nvPr>
-        </p:nvSpPr>
-        <p:spPr/>
-        <p:txBody>
-          <a:bodyPr>
-            <a:normAutofit/>
-          </a:bodyPr>
-          <a:lstStyle/>
-          <a:p>
-            <a:r>
-              <a:rPr lang="ru-RU" sz="3200" dirty="0" smtClean="0"/>
-              <a:t>Особенности постановки задачи КНЗП</a:t>
-            </a:r>
-            <a:endParaRPr lang="ru-RU" sz="3200" dirty="0"/>
-          </a:p>
-        </p:txBody>
-      </p:sp>
-      <p:sp>
-        <p:nvSpPr>
-          <p:cNvPr id="3" name="Содержимое 2"/>
-          <p:cNvSpPr>
-            <a:spLocks noGrp="1"/>
-          </p:cNvSpPr>
-          <p:nvPr>
-            <p:ph idx="1"/>
-          </p:nvPr>
-        </p:nvSpPr>
-        <p:spPr>
-          <a:solidFill>
-            <a:srgbClr val="000000">
-              <a:alpha val="74902"/>
-            </a:srgbClr>
-          </a:solidFill>
-        </p:spPr>
-        <p:txBody>
-          <a:bodyPr>
-            <a:noAutofit/>
-          </a:bodyPr>
-          <a:lstStyle/>
-          <a:p>
-            <a:r>
-              <a:rPr lang="ru-RU" sz="2400" dirty="0" smtClean="0"/>
-              <a:t>Навигация в заведомо неизвестных и/или изменяющихся помещениях</a:t>
-            </a:r>
-          </a:p>
-          <a:p>
-            <a:endParaRPr lang="en-US" sz="2400" dirty="0" smtClean="0"/>
-          </a:p>
-          <a:p>
-            <a:r>
-              <a:rPr lang="ru-RU" sz="2400" dirty="0" smtClean="0"/>
-              <a:t>Сложность передачи прямого радиосигнала в закрытых помещениях</a:t>
-            </a:r>
-          </a:p>
-          <a:p>
-            <a:endParaRPr lang="en-US" sz="2400" dirty="0" smtClean="0"/>
-          </a:p>
-          <a:p>
-            <a:r>
-              <a:rPr lang="ru-RU" sz="2400" dirty="0" smtClean="0"/>
-              <a:t>Восстановление трехмерной структуры закрытых помещений</a:t>
-            </a:r>
-          </a:p>
-          <a:p>
-            <a:endParaRPr lang="en-US" sz="2400" dirty="0" smtClean="0"/>
-          </a:p>
-          <a:p>
-            <a:r>
-              <a:rPr lang="ru-RU" sz="2400" dirty="0" smtClean="0"/>
-              <a:t>Реализация группового поведения БПЛА в условиях агрессивной среды</a:t>
-            </a:r>
-            <a:endParaRPr lang="en-US" sz="2400" dirty="0" smtClean="0"/>
-          </a:p>
-          <a:p>
-            <a:endParaRPr lang="ru-RU" sz="2400" dirty="0" smtClean="0"/>
-          </a:p>
-          <a:p>
-            <a:endParaRPr lang="ru-RU" sz="2400" dirty="0" smtClean="0"/>
-          </a:p>
-          <a:p>
-            <a:endParaRPr lang="ru-RU" sz="2400" dirty="0" smtClean="0"/>
-          </a:p>
-          <a:p>
-            <a:pPr>
-              <a:buNone/>
-            </a:pPr>
-            <a:endParaRPr lang="ru-RU" sz="2400" dirty="0"/>
-          </a:p>
-        </p:txBody>
-      </p:sp>
-    </p:spTree>
-  </p:cSld>
-  <p:clrMapOvr>
-    <a:masterClrMapping/>
-  </p:clrMapOvr>
-  <p:timing>
-    <p:tnLst>
-      <p:par>
-        <p:cTn id="1" dur="indefinite" restart="never" nodeType="tmRoot"/>
-      </p:par>
-    </p:tnLst>
-  </p:timing>
-</p:sld>
-</file>
-
-<file path=ppt/slides/slide5.xml><?xml version="1.0" encoding="utf-8"?>
-<p:sld xmlns:a="http://schemas.openxmlformats.org/drawingml/2006/main" xmlns:r="http://schemas.openxmlformats.org/officeDocument/2006/relationships" xmlns:p="http://schemas.openxmlformats.org/presentationml/2006/main">
-  <p:cSld>
-    <p:spTree>
-      <p:nvGrpSpPr>
-        <p:cNvPr id="1" name=""/>
-        <p:cNvGrpSpPr/>
-        <p:nvPr/>
-      </p:nvGrpSpPr>
-      <p:grpSpPr>
-        <a:xfrm>
-          <a:off x="0" y="0"/>
-          <a:ext cx="0" cy="0"/>
-          <a:chOff x="0" y="0"/>
-          <a:chExt cx="0" cy="0"/>
-        </a:xfrm>
-      </p:grpSpPr>
-      <p:sp>
-        <p:nvSpPr>
-          <p:cNvPr id="9" name="Заголовок 8"/>
-          <p:cNvSpPr>
-            <a:spLocks noGrp="1"/>
-          </p:cNvSpPr>
-          <p:nvPr>
-            <p:ph type="title"/>
-          </p:nvPr>
-        </p:nvSpPr>
-        <p:spPr/>
-        <p:txBody>
-          <a:bodyPr>
-            <a:noAutofit/>
-          </a:bodyPr>
-          <a:lstStyle/>
-          <a:p>
-            <a:r>
-              <a:rPr lang="ru-RU" sz="3200" dirty="0" smtClean="0"/>
-              <a:t>Топология комплекса в условиях закрытых помещений</a:t>
-            </a:r>
-            <a:endParaRPr lang="ru-RU" sz="3200" dirty="0"/>
-          </a:p>
-        </p:txBody>
-      </p:sp>
-      <p:pic>
-        <p:nvPicPr>
-          <p:cNvPr id="40" name="Рисунок 39" descr="quadrotor.png"/>
-          <p:cNvPicPr>
-            <a:picLocks noChangeAspect="1"/>
-          </p:cNvPicPr>
-          <p:nvPr/>
-        </p:nvPicPr>
-        <p:blipFill>
-          <a:blip r:embed="rId2" cstate="print"/>
-          <a:stretch>
-            <a:fillRect/>
-          </a:stretch>
-        </p:blipFill>
-        <p:spPr>
-          <a:xfrm>
-            <a:off x="7308304" y="1988840"/>
-            <a:ext cx="1200292" cy="858209"/>
-          </a:xfrm>
-          <a:prstGeom prst="rect">
-            <a:avLst/>
-          </a:prstGeom>
-        </p:spPr>
-      </p:pic>
-      <p:pic>
-        <p:nvPicPr>
-          <p:cNvPr id="41" name="Рисунок 40" descr="quadrotor.png"/>
-          <p:cNvPicPr>
-            <a:picLocks noChangeAspect="1"/>
-          </p:cNvPicPr>
-          <p:nvPr/>
-        </p:nvPicPr>
-        <p:blipFill>
-          <a:blip r:embed="rId2" cstate="print"/>
-          <a:stretch>
-            <a:fillRect/>
-          </a:stretch>
-        </p:blipFill>
-        <p:spPr>
-          <a:xfrm>
-            <a:off x="4716016" y="2060848"/>
-            <a:ext cx="1200292" cy="858209"/>
-          </a:xfrm>
-          <a:prstGeom prst="rect">
-            <a:avLst/>
-          </a:prstGeom>
-        </p:spPr>
-      </p:pic>
-      <p:pic>
-        <p:nvPicPr>
-          <p:cNvPr id="42" name="Рисунок 41" descr="quadrotor.png"/>
-          <p:cNvPicPr>
-            <a:picLocks noChangeAspect="1"/>
-          </p:cNvPicPr>
-          <p:nvPr/>
-        </p:nvPicPr>
-        <p:blipFill>
-          <a:blip r:embed="rId2" cstate="print"/>
-          <a:stretch>
-            <a:fillRect/>
-          </a:stretch>
-        </p:blipFill>
-        <p:spPr>
-          <a:xfrm>
-            <a:off x="7164288" y="4509120"/>
-            <a:ext cx="1200292" cy="858209"/>
-          </a:xfrm>
-          <a:prstGeom prst="rect">
-            <a:avLst/>
-          </a:prstGeom>
-        </p:spPr>
-      </p:pic>
-      <p:pic>
-        <p:nvPicPr>
-          <p:cNvPr id="43" name="Рисунок 42" descr="quadrotor.png"/>
-          <p:cNvPicPr>
-            <a:picLocks noChangeAspect="1"/>
-          </p:cNvPicPr>
-          <p:nvPr/>
-        </p:nvPicPr>
-        <p:blipFill>
-          <a:blip r:embed="rId2" cstate="print"/>
-          <a:stretch>
-            <a:fillRect/>
-          </a:stretch>
-        </p:blipFill>
-        <p:spPr>
-          <a:xfrm>
-            <a:off x="4572000" y="4581128"/>
-            <a:ext cx="1200292" cy="858209"/>
-          </a:xfrm>
-          <a:prstGeom prst="rect">
-            <a:avLst/>
-          </a:prstGeom>
-        </p:spPr>
-      </p:pic>
-      <p:pic>
-        <p:nvPicPr>
-          <p:cNvPr id="45" name="Рисунок 44" descr="laptop.png"/>
-          <p:cNvPicPr>
-            <a:picLocks noChangeAspect="1"/>
-          </p:cNvPicPr>
-          <p:nvPr/>
-        </p:nvPicPr>
-        <p:blipFill>
-          <a:blip r:embed="rId3" cstate="print"/>
-          <a:stretch>
-            <a:fillRect/>
-          </a:stretch>
-        </p:blipFill>
-        <p:spPr>
-          <a:xfrm>
-            <a:off x="386895" y="1772816"/>
-            <a:ext cx="1512020" cy="1575021"/>
-          </a:xfrm>
-          <a:prstGeom prst="rect">
-            <a:avLst/>
-          </a:prstGeom>
-        </p:spPr>
-      </p:pic>
-      <p:pic>
-        <p:nvPicPr>
-          <p:cNvPr id="46" name="Рисунок 45" descr="quadrotor.png"/>
-          <p:cNvPicPr>
-            <a:picLocks noChangeAspect="1"/>
-          </p:cNvPicPr>
-          <p:nvPr/>
-        </p:nvPicPr>
-        <p:blipFill>
-          <a:blip r:embed="rId2" cstate="print"/>
-          <a:stretch>
-            <a:fillRect/>
-          </a:stretch>
-        </p:blipFill>
-        <p:spPr>
-          <a:xfrm>
-            <a:off x="2051720" y="4365104"/>
-            <a:ext cx="1200292" cy="858209"/>
-          </a:xfrm>
-          <a:prstGeom prst="rect">
-            <a:avLst/>
-          </a:prstGeom>
-        </p:spPr>
-      </p:pic>
-      <p:sp>
-        <p:nvSpPr>
-          <p:cNvPr id="47" name="Прямоугольник 46"/>
-          <p:cNvSpPr/>
-          <p:nvPr/>
-        </p:nvSpPr>
-        <p:spPr>
-          <a:xfrm>
-            <a:off x="3779912" y="1484784"/>
-            <a:ext cx="432048" cy="2664296"/>
-          </a:xfrm>
-          <a:prstGeom prst="rect">
-            <a:avLst/>
-          </a:prstGeom>
-          <a:solidFill>
-            <a:schemeClr val="bg1">
-              <a:lumMod val="85000"/>
-              <a:alpha val="34000"/>
-            </a:schemeClr>
-          </a:solidFill>
-          <a:ln>
-            <a:solidFill>
-              <a:schemeClr val="bg1"/>
-            </a:solidFill>
-          </a:ln>
-        </p:spPr>
-        <p:style>
-          <a:lnRef idx="2">
-            <a:schemeClr val="accent1">
-              <a:shade val="50000"/>
-            </a:schemeClr>
-          </a:lnRef>
-          <a:fillRef idx="1">
-            <a:schemeClr val="accent1"/>
-          </a:fillRef>
-          <a:effectRef idx="0">
-            <a:schemeClr val="accent1"/>
-          </a:effectRef>
-          <a:fontRef idx="minor">
-            <a:schemeClr val="lt1"/>
-          </a:fontRef>
-        </p:style>
-        <p:txBody>
-          <a:bodyPr rtlCol="0" anchor="ctr"/>
-          <a:lstStyle/>
-          <a:p>
-            <a:pPr algn="ctr"/>
-            <a:endParaRPr lang="ru-RU"/>
-          </a:p>
-        </p:txBody>
-      </p:sp>
-      <p:sp>
-        <p:nvSpPr>
-          <p:cNvPr id="49" name="Прямоугольник 48"/>
-          <p:cNvSpPr/>
-          <p:nvPr/>
-        </p:nvSpPr>
-        <p:spPr>
-          <a:xfrm rot="5400000">
-            <a:off x="7308304" y="2132856"/>
-            <a:ext cx="432048" cy="2736304"/>
-          </a:xfrm>
-          <a:prstGeom prst="rect">
-            <a:avLst/>
-          </a:prstGeom>
-          <a:solidFill>
-            <a:schemeClr val="bg1">
-              <a:lumMod val="85000"/>
-              <a:alpha val="34000"/>
-            </a:schemeClr>
-          </a:solidFill>
-          <a:ln>
-            <a:solidFill>
-              <a:schemeClr val="bg1"/>
-            </a:solidFill>
-          </a:ln>
-        </p:spPr>
-        <p:style>
-          <a:lnRef idx="2">
-            <a:schemeClr val="accent1">
-              <a:shade val="50000"/>
-            </a:schemeClr>
-          </a:lnRef>
-          <a:fillRef idx="1">
-            <a:schemeClr val="accent1"/>
-          </a:fillRef>
-          <a:effectRef idx="0">
-            <a:schemeClr val="accent1"/>
-          </a:effectRef>
-          <a:fontRef idx="minor">
-            <a:schemeClr val="lt1"/>
-          </a:fontRef>
-        </p:style>
-        <p:txBody>
-          <a:bodyPr rtlCol="0" anchor="ctr"/>
-          <a:lstStyle/>
-          <a:p>
-            <a:pPr algn="ctr"/>
-            <a:endParaRPr lang="ru-RU"/>
-          </a:p>
-        </p:txBody>
-      </p:sp>
-      <p:sp>
-        <p:nvSpPr>
-          <p:cNvPr id="50" name="Прямоугольник 49"/>
-          <p:cNvSpPr/>
-          <p:nvPr/>
-        </p:nvSpPr>
-        <p:spPr>
-          <a:xfrm rot="5400000">
-            <a:off x="7632340" y="4761148"/>
-            <a:ext cx="432048" cy="2232248"/>
-          </a:xfrm>
-          <a:prstGeom prst="rect">
-            <a:avLst/>
-          </a:prstGeom>
-          <a:solidFill>
-            <a:schemeClr val="bg1">
-              <a:lumMod val="85000"/>
-              <a:alpha val="34000"/>
-            </a:schemeClr>
-          </a:solidFill>
-          <a:ln>
-            <a:solidFill>
-              <a:schemeClr val="bg1"/>
-            </a:solidFill>
-          </a:ln>
-        </p:spPr>
-        <p:style>
-          <a:lnRef idx="2">
-            <a:schemeClr val="accent1">
-              <a:shade val="50000"/>
-            </a:schemeClr>
-          </a:lnRef>
-          <a:fillRef idx="1">
-            <a:schemeClr val="accent1"/>
-          </a:fillRef>
-          <a:effectRef idx="0">
-            <a:schemeClr val="accent1"/>
-          </a:effectRef>
-          <a:fontRef idx="minor">
-            <a:schemeClr val="lt1"/>
-          </a:fontRef>
-        </p:style>
-        <p:txBody>
-          <a:bodyPr rtlCol="0" anchor="ctr"/>
-          <a:lstStyle/>
-          <a:p>
-            <a:pPr algn="ctr"/>
-            <a:endParaRPr lang="ru-RU"/>
-          </a:p>
-        </p:txBody>
-      </p:sp>
-      <p:sp>
-        <p:nvSpPr>
-          <p:cNvPr id="51" name="Прямоугольник 50"/>
-          <p:cNvSpPr/>
-          <p:nvPr/>
-        </p:nvSpPr>
-        <p:spPr>
-          <a:xfrm rot="5400000">
-            <a:off x="5400092" y="4761148"/>
-            <a:ext cx="432048" cy="2232248"/>
-          </a:xfrm>
-          <a:prstGeom prst="rect">
-            <a:avLst/>
-          </a:prstGeom>
-          <a:solidFill>
-            <a:schemeClr val="bg1">
-              <a:lumMod val="85000"/>
-              <a:alpha val="34000"/>
-            </a:schemeClr>
-          </a:solidFill>
-          <a:ln>
-            <a:solidFill>
-              <a:schemeClr val="bg1"/>
-            </a:solidFill>
-          </a:ln>
-        </p:spPr>
-        <p:style>
-          <a:lnRef idx="2">
-            <a:schemeClr val="accent1">
-              <a:shade val="50000"/>
-            </a:schemeClr>
-          </a:lnRef>
-          <a:fillRef idx="1">
-            <a:schemeClr val="accent1"/>
-          </a:fillRef>
-          <a:effectRef idx="0">
-            <a:schemeClr val="accent1"/>
-          </a:effectRef>
-          <a:fontRef idx="minor">
-            <a:schemeClr val="lt1"/>
-          </a:fontRef>
-        </p:style>
-        <p:txBody>
-          <a:bodyPr rtlCol="0" anchor="ctr"/>
-          <a:lstStyle/>
-          <a:p>
-            <a:pPr algn="ctr"/>
-            <a:endParaRPr lang="ru-RU"/>
-          </a:p>
-        </p:txBody>
-      </p:sp>
-      <p:sp>
-        <p:nvSpPr>
-          <p:cNvPr id="52" name="Прямоугольник 51"/>
-          <p:cNvSpPr/>
-          <p:nvPr/>
-        </p:nvSpPr>
-        <p:spPr>
-          <a:xfrm rot="5400000">
-            <a:off x="3167844" y="4761148"/>
-            <a:ext cx="432048" cy="2232248"/>
-          </a:xfrm>
-          <a:prstGeom prst="rect">
-            <a:avLst/>
-          </a:prstGeom>
-          <a:solidFill>
-            <a:schemeClr val="bg1">
-              <a:lumMod val="85000"/>
-              <a:alpha val="34000"/>
-            </a:schemeClr>
-          </a:solidFill>
-          <a:ln>
-            <a:solidFill>
-              <a:schemeClr val="bg1"/>
-            </a:solidFill>
-          </a:ln>
-        </p:spPr>
-        <p:style>
-          <a:lnRef idx="2">
-            <a:schemeClr val="accent1">
-              <a:shade val="50000"/>
-            </a:schemeClr>
-          </a:lnRef>
-          <a:fillRef idx="1">
-            <a:schemeClr val="accent1"/>
-          </a:fillRef>
-          <a:effectRef idx="0">
-            <a:schemeClr val="accent1"/>
-          </a:effectRef>
-          <a:fontRef idx="minor">
-            <a:schemeClr val="lt1"/>
-          </a:fontRef>
-        </p:style>
-        <p:txBody>
-          <a:bodyPr rtlCol="0" anchor="ctr"/>
-          <a:lstStyle/>
-          <a:p>
-            <a:pPr algn="ctr"/>
-            <a:endParaRPr lang="ru-RU"/>
-          </a:p>
-        </p:txBody>
-      </p:sp>
-      <p:sp>
-        <p:nvSpPr>
-          <p:cNvPr id="54" name="Двойная стрелка влево/вправо 53"/>
-          <p:cNvSpPr/>
-          <p:nvPr/>
-        </p:nvSpPr>
-        <p:spPr>
-          <a:xfrm rot="2961900">
-            <a:off x="1378644" y="3672424"/>
-            <a:ext cx="774927" cy="290241"/>
-          </a:xfrm>
-          <a:prstGeom prst="leftRightArrow">
-            <a:avLst/>
-          </a:prstGeom>
-          <a:solidFill>
-            <a:srgbClr val="000000"/>
-          </a:solidFill>
-          <a:ln>
-            <a:solidFill>
-              <a:srgbClr val="80FF80"/>
-            </a:solidFill>
-          </a:ln>
-        </p:spPr>
-        <p:style>
-          <a:lnRef idx="2">
-            <a:schemeClr val="accent1">
-              <a:shade val="50000"/>
-            </a:schemeClr>
-          </a:lnRef>
-          <a:fillRef idx="1">
-            <a:schemeClr val="accent1"/>
-          </a:fillRef>
-          <a:effectRef idx="0">
-            <a:schemeClr val="accent1"/>
-          </a:effectRef>
-          <a:fontRef idx="minor">
-            <a:schemeClr val="lt1"/>
-          </a:fontRef>
-        </p:style>
-        <p:txBody>
-          <a:bodyPr rtlCol="0" anchor="ctr"/>
-          <a:lstStyle/>
-          <a:p>
-            <a:pPr algn="ctr"/>
-            <a:endParaRPr lang="ru-RU"/>
-          </a:p>
-        </p:txBody>
-      </p:sp>
-      <p:sp>
-        <p:nvSpPr>
-          <p:cNvPr id="55" name="Двойная стрелка влево/вправо 54"/>
-          <p:cNvSpPr/>
-          <p:nvPr/>
-        </p:nvSpPr>
-        <p:spPr>
-          <a:xfrm rot="608049">
-            <a:off x="3483101" y="4741212"/>
-            <a:ext cx="903723" cy="290241"/>
-          </a:xfrm>
-          <a:prstGeom prst="leftRightArrow">
-            <a:avLst/>
-          </a:prstGeom>
-          <a:solidFill>
-            <a:srgbClr val="000000"/>
-          </a:solidFill>
-          <a:ln>
-            <a:solidFill>
-              <a:srgbClr val="80FF80"/>
-            </a:solidFill>
-          </a:ln>
-        </p:spPr>
-        <p:style>
-          <a:lnRef idx="2">
-            <a:schemeClr val="accent1">
-              <a:shade val="50000"/>
-            </a:schemeClr>
-          </a:lnRef>
-          <a:fillRef idx="1">
-            <a:schemeClr val="accent1"/>
-          </a:fillRef>
-          <a:effectRef idx="0">
-            <a:schemeClr val="accent1"/>
-          </a:effectRef>
-          <a:fontRef idx="minor">
-            <a:schemeClr val="lt1"/>
-          </a:fontRef>
-        </p:style>
-        <p:txBody>
-          <a:bodyPr rtlCol="0" anchor="ctr"/>
-          <a:lstStyle/>
-          <a:p>
-            <a:pPr algn="ctr"/>
-            <a:endParaRPr lang="ru-RU"/>
-          </a:p>
-        </p:txBody>
-      </p:sp>
-      <p:sp>
-        <p:nvSpPr>
-          <p:cNvPr id="56" name="Двойная стрелка влево/вправо 55"/>
-          <p:cNvSpPr/>
-          <p:nvPr/>
-        </p:nvSpPr>
-        <p:spPr>
-          <a:xfrm rot="20541788">
-            <a:off x="5968782" y="4797969"/>
-            <a:ext cx="1001189" cy="290241"/>
-          </a:xfrm>
-          <a:prstGeom prst="leftRightArrow">
-            <a:avLst/>
-          </a:prstGeom>
-          <a:solidFill>
-            <a:srgbClr val="000000"/>
-          </a:solidFill>
-          <a:ln>
-            <a:solidFill>
-              <a:srgbClr val="80FF80"/>
-            </a:solidFill>
-          </a:ln>
-        </p:spPr>
-        <p:style>
-          <a:lnRef idx="2">
-            <a:schemeClr val="accent1">
-              <a:shade val="50000"/>
-            </a:schemeClr>
-          </a:lnRef>
-          <a:fillRef idx="1">
-            <a:schemeClr val="accent1"/>
-          </a:fillRef>
-          <a:effectRef idx="0">
-            <a:schemeClr val="accent1"/>
-          </a:effectRef>
-          <a:fontRef idx="minor">
-            <a:schemeClr val="lt1"/>
-          </a:fontRef>
-        </p:style>
-        <p:txBody>
-          <a:bodyPr rtlCol="0" anchor="ctr"/>
-          <a:lstStyle/>
-          <a:p>
-            <a:pPr algn="ctr"/>
-            <a:endParaRPr lang="ru-RU"/>
-          </a:p>
-        </p:txBody>
-      </p:sp>
-      <p:sp>
-        <p:nvSpPr>
-          <p:cNvPr id="58" name="Двойная стрелка влево/вправо 57"/>
-          <p:cNvSpPr/>
-          <p:nvPr/>
-        </p:nvSpPr>
-        <p:spPr>
-          <a:xfrm rot="16518987">
-            <a:off x="4732340" y="3538141"/>
-            <a:ext cx="1095491" cy="290241"/>
-          </a:xfrm>
-          <a:prstGeom prst="leftRightArrow">
-            <a:avLst/>
-          </a:prstGeom>
-          <a:solidFill>
-            <a:srgbClr val="000000"/>
-          </a:solidFill>
-          <a:ln>
-            <a:solidFill>
-              <a:srgbClr val="80FF80"/>
-            </a:solidFill>
-          </a:ln>
-        </p:spPr>
-        <p:style>
-          <a:lnRef idx="2">
-            <a:schemeClr val="accent1">
-              <a:shade val="50000"/>
-            </a:schemeClr>
-          </a:lnRef>
-          <a:fillRef idx="1">
-            <a:schemeClr val="accent1"/>
-          </a:fillRef>
-          <a:effectRef idx="0">
-            <a:schemeClr val="accent1"/>
-          </a:effectRef>
-          <a:fontRef idx="minor">
-            <a:schemeClr val="lt1"/>
-          </a:fontRef>
-        </p:style>
-        <p:txBody>
-          <a:bodyPr rtlCol="0" anchor="ctr"/>
-          <a:lstStyle/>
-          <a:p>
-            <a:pPr algn="ctr"/>
-            <a:endParaRPr lang="ru-RU"/>
-          </a:p>
-        </p:txBody>
-      </p:sp>
-      <p:sp>
-        <p:nvSpPr>
-          <p:cNvPr id="59" name="Двойная стрелка влево/вправо 58"/>
-          <p:cNvSpPr/>
-          <p:nvPr/>
-        </p:nvSpPr>
-        <p:spPr>
-          <a:xfrm rot="21082670">
-            <a:off x="6104607" y="2278272"/>
-            <a:ext cx="1001189" cy="290241"/>
-          </a:xfrm>
-          <a:prstGeom prst="leftRightArrow">
-            <a:avLst/>
-          </a:prstGeom>
-          <a:solidFill>
-            <a:srgbClr val="000000"/>
-          </a:solidFill>
-          <a:ln>
-            <a:solidFill>
-              <a:srgbClr val="80FF80"/>
-            </a:solidFill>
-          </a:ln>
-        </p:spPr>
-        <p:style>
-          <a:lnRef idx="2">
-            <a:schemeClr val="accent1">
-              <a:shade val="50000"/>
-            </a:schemeClr>
-          </a:lnRef>
-          <a:fillRef idx="1">
-            <a:schemeClr val="accent1"/>
-          </a:fillRef>
-          <a:effectRef idx="0">
-            <a:schemeClr val="accent1"/>
-          </a:effectRef>
-          <a:fontRef idx="minor">
-            <a:schemeClr val="lt1"/>
-          </a:fontRef>
-        </p:style>
-        <p:txBody>
-          <a:bodyPr rtlCol="0" anchor="ctr"/>
-          <a:lstStyle/>
-          <a:p>
-            <a:pPr algn="ctr"/>
-            <a:endParaRPr lang="ru-RU"/>
-          </a:p>
-        </p:txBody>
-      </p:sp>
-    </p:spTree>
-  </p:cSld>
-  <p:clrMapOvr>
-    <a:masterClrMapping/>
-  </p:clrMapOvr>
-  <p:transition/>
-  <p:timing>
-    <p:tnLst>
-      <p:par>
-        <p:cTn id="1" dur="indefinite" restart="never" nodeType="tmRoot"/>
-      </p:par>
-    </p:tnLst>
-  </p:timing>
-</p:sld>
-</file>
-
-<file path=ppt/slides/slide6.xml><?xml version="1.0" encoding="utf-8"?>
-<p:sld xmlns:a="http://schemas.openxmlformats.org/drawingml/2006/main" xmlns:r="http://schemas.openxmlformats.org/officeDocument/2006/relationships" xmlns:p="http://schemas.openxmlformats.org/presentationml/2006/main">
-  <p:cSld>
-    <p:spTree>
-      <p:nvGrpSpPr>
-        <p:cNvPr id="1" name=""/>
-        <p:cNvGrpSpPr/>
-        <p:nvPr/>
-      </p:nvGrpSpPr>
-      <p:grpSpPr>
-        <a:xfrm>
-          <a:off x="0" y="0"/>
-          <a:ext cx="0" cy="0"/>
-          <a:chOff x="0" y="0"/>
-          <a:chExt cx="0" cy="0"/>
-        </a:xfrm>
-      </p:grpSpPr>
-      <p:sp>
-        <p:nvSpPr>
-          <p:cNvPr id="2" name="Заголовок 1"/>
-          <p:cNvSpPr>
-            <a:spLocks noGrp="1"/>
-          </p:cNvSpPr>
-          <p:nvPr>
-            <p:ph type="title"/>
-          </p:nvPr>
-        </p:nvSpPr>
-        <p:spPr/>
-        <p:txBody>
-          <a:bodyPr/>
-          <a:lstStyle/>
-          <a:p>
-            <a:r>
-              <a:rPr lang="ru-RU" sz="3600" dirty="0" smtClean="0"/>
-              <a:t>Устройство и принцип 4Р-БПЛА</a:t>
-            </a:r>
-            <a:endParaRPr lang="ru-RU" sz="3600" dirty="0"/>
-          </a:p>
-        </p:txBody>
-      </p:sp>
-      <p:pic>
-        <p:nvPicPr>
-          <p:cNvPr id="4" name="Содержимое 3" descr="quadrotor.jpg"/>
-          <p:cNvPicPr>
-            <a:picLocks noGrp="1" noChangeAspect="1"/>
-          </p:cNvPicPr>
-          <p:nvPr>
-            <p:ph sz="half" idx="1"/>
-          </p:nvPr>
-        </p:nvPicPr>
-        <p:blipFill>
-          <a:blip r:embed="rId2" cstate="print">
-            <a:lum bright="-20000"/>
-          </a:blip>
-          <a:stretch>
-            <a:fillRect/>
-          </a:stretch>
-        </p:blipFill>
-        <p:spPr>
-          <a:xfrm>
-            <a:off x="179512" y="1628800"/>
-            <a:ext cx="5954882" cy="4248472"/>
-          </a:xfrm>
-          <a:prstGeom prst="rect">
-            <a:avLst/>
-          </a:prstGeom>
-          <a:ln>
-            <a:solidFill>
-              <a:schemeClr val="bg1">
-                <a:lumMod val="95000"/>
-              </a:schemeClr>
-            </a:solidFill>
-          </a:ln>
-          <a:effectLst>
-            <a:outerShdw blurRad="190500" algn="tl" rotWithShape="0">
-              <a:srgbClr val="000000">
-                <a:alpha val="70000"/>
-              </a:srgbClr>
-            </a:outerShdw>
-          </a:effectLst>
-        </p:spPr>
-      </p:pic>
-      <p:sp>
-        <p:nvSpPr>
-          <p:cNvPr id="5" name="Содержимое 4"/>
-          <p:cNvSpPr>
-            <a:spLocks noGrp="1"/>
-          </p:cNvSpPr>
-          <p:nvPr>
-            <p:ph sz="half" idx="2"/>
-          </p:nvPr>
-        </p:nvSpPr>
-        <p:spPr>
-          <a:xfrm>
-            <a:off x="6228184" y="1628801"/>
-            <a:ext cx="2742456" cy="4248472"/>
-          </a:xfrm>
-        </p:spPr>
-        <p:txBody>
-          <a:bodyPr>
-            <a:normAutofit/>
-          </a:bodyPr>
-          <a:lstStyle/>
-          <a:p>
-            <a:r>
-              <a:rPr lang="en-US" sz="2000" dirty="0" smtClean="0"/>
-              <a:t>4 </a:t>
-            </a:r>
-            <a:r>
-              <a:rPr lang="ru-RU" sz="2000" dirty="0" smtClean="0"/>
-              <a:t>двигателя</a:t>
-            </a:r>
-          </a:p>
-          <a:p>
-            <a:r>
-              <a:rPr lang="ru-RU" sz="2000" dirty="0" smtClean="0"/>
-              <a:t>4 пропеллера</a:t>
-            </a:r>
-          </a:p>
-          <a:p>
-            <a:r>
-              <a:rPr lang="ru-RU" sz="2000" dirty="0" smtClean="0"/>
-              <a:t>Фактическое отсутствие сложных механизмов</a:t>
-            </a:r>
-          </a:p>
-          <a:p>
-            <a:r>
-              <a:rPr lang="ru-RU" sz="2000" dirty="0" smtClean="0"/>
-              <a:t>Легкость создания и </a:t>
-            </a:r>
-            <a:r>
-              <a:rPr lang="ru-RU" sz="2000" smtClean="0"/>
-              <a:t>низкая стоимость</a:t>
-            </a:r>
-            <a:endParaRPr lang="ru-RU" sz="2000" dirty="0"/>
-          </a:p>
-        </p:txBody>
-      </p:sp>
-    </p:spTree>
-  </p:cSld>
-  <p:clrMapOvr>
-    <a:masterClrMapping/>
-  </p:clrMapOvr>
-  <p:timing>
-    <p:tnLst>
-      <p:par>
-        <p:cTn id="1" dur="indefinite" restart="never" nodeType="tmRoot"/>
-      </p:par>
-    </p:tnLst>
-  </p:timing>
-</p:sld>
-</file>
-
-<file path=ppt/slides/slide7.xml><?xml version="1.0" encoding="utf-8"?>
-<p:sld xmlns:a="http://schemas.openxmlformats.org/drawingml/2006/main" xmlns:r="http://schemas.openxmlformats.org/officeDocument/2006/relationships" xmlns:p="http://schemas.openxmlformats.org/presentationml/2006/main">
-  <p:cSld>
-    <p:spTree>
-      <p:nvGrpSpPr>
-        <p:cNvPr id="1" name=""/>
-        <p:cNvGrpSpPr/>
-        <p:nvPr/>
-      </p:nvGrpSpPr>
-      <p:grpSpPr>
-        <a:xfrm>
-          <a:off x="0" y="0"/>
-          <a:ext cx="0" cy="0"/>
-          <a:chOff x="0" y="0"/>
-          <a:chExt cx="0" cy="0"/>
-        </a:xfrm>
-      </p:grpSpPr>
-      <p:sp>
-        <p:nvSpPr>
-          <p:cNvPr id="2" name="Заголовок 1"/>
-          <p:cNvSpPr>
-            <a:spLocks noGrp="1"/>
-          </p:cNvSpPr>
-          <p:nvPr>
-            <p:ph type="title"/>
-          </p:nvPr>
-        </p:nvSpPr>
-        <p:spPr/>
-        <p:txBody>
-          <a:bodyPr/>
-          <a:lstStyle/>
-          <a:p>
-            <a:r>
-              <a:rPr lang="ru-RU" sz="3200" dirty="0" smtClean="0"/>
-              <a:t>Выбор аппаратной платформы для БПЛА</a:t>
-            </a:r>
-            <a:endParaRPr lang="ru-RU" sz="3200" dirty="0"/>
-          </a:p>
-        </p:txBody>
-      </p:sp>
-      <p:sp>
-        <p:nvSpPr>
-          <p:cNvPr id="3" name="Содержимое 2"/>
-          <p:cNvSpPr>
-            <a:spLocks noGrp="1"/>
-          </p:cNvSpPr>
-          <p:nvPr>
-            <p:ph sz="half" idx="1"/>
-          </p:nvPr>
-        </p:nvSpPr>
-        <p:spPr>
-          <a:solidFill>
-            <a:srgbClr val="000000">
-              <a:alpha val="74902"/>
-            </a:srgbClr>
-          </a:solidFill>
-        </p:spPr>
-        <p:txBody>
-          <a:bodyPr>
-            <a:normAutofit lnSpcReduction="10000"/>
-          </a:bodyPr>
-          <a:lstStyle/>
-          <a:p>
-            <a:r>
-              <a:rPr lang="ru-RU" sz="2400" dirty="0" smtClean="0"/>
-              <a:t>Контроллер:</a:t>
-            </a:r>
-            <a:endParaRPr lang="en-US" sz="2400" dirty="0" smtClean="0"/>
-          </a:p>
-          <a:p>
-            <a:pPr lvl="1"/>
-            <a:r>
-              <a:rPr lang="en-US" sz="2000" dirty="0" err="1" smtClean="0"/>
-              <a:t>Arduino</a:t>
-            </a:r>
-            <a:endParaRPr lang="ru-RU" sz="2000" dirty="0" smtClean="0"/>
-          </a:p>
-          <a:p>
-            <a:pPr lvl="2"/>
-            <a:r>
-              <a:rPr lang="ru-RU" sz="1600" dirty="0" smtClean="0">
-                <a:solidFill>
-                  <a:srgbClr val="80FF80"/>
-                </a:solidFill>
-              </a:rPr>
-              <a:t>Большой выбор «</a:t>
-            </a:r>
-            <a:r>
-              <a:rPr lang="ru-RU" sz="1600" dirty="0" err="1" smtClean="0">
-                <a:solidFill>
-                  <a:srgbClr val="80FF80"/>
-                </a:solidFill>
-              </a:rPr>
-              <a:t>шилдов</a:t>
-            </a:r>
-            <a:r>
-              <a:rPr lang="ru-RU" sz="1600" dirty="0" smtClean="0">
-                <a:solidFill>
-                  <a:srgbClr val="80FF80"/>
-                </a:solidFill>
-              </a:rPr>
-              <a:t>»</a:t>
-            </a:r>
-          </a:p>
-          <a:p>
-            <a:pPr lvl="2"/>
-            <a:r>
-              <a:rPr lang="ru-RU" sz="1600" dirty="0" smtClean="0">
-                <a:solidFill>
-                  <a:srgbClr val="80FF80"/>
-                </a:solidFill>
-              </a:rPr>
-              <a:t>Легкость программирования и  внедрения</a:t>
-            </a:r>
-          </a:p>
-          <a:p>
-            <a:pPr lvl="2"/>
-            <a:r>
-              <a:rPr lang="ru-RU" sz="1600" dirty="0" smtClean="0">
-                <a:solidFill>
-                  <a:srgbClr val="80FF80"/>
-                </a:solidFill>
-              </a:rPr>
-              <a:t>Большой  выбор  библиотек для разных задач и аппаратных средств</a:t>
-            </a:r>
-          </a:p>
-          <a:p>
-            <a:pPr lvl="2"/>
-            <a:r>
-              <a:rPr lang="en-US" sz="1600" dirty="0" err="1" smtClean="0">
-                <a:solidFill>
-                  <a:srgbClr val="80FF80"/>
-                </a:solidFill>
-              </a:rPr>
-              <a:t>AeroQuad</a:t>
-            </a:r>
-            <a:endParaRPr lang="ru-RU" sz="1600" dirty="0" smtClean="0">
-              <a:solidFill>
-                <a:srgbClr val="80FF80"/>
-              </a:solidFill>
-            </a:endParaRPr>
-          </a:p>
-          <a:p>
-            <a:pPr lvl="2"/>
-            <a:r>
-              <a:rPr lang="ru-RU" sz="1600" dirty="0" smtClean="0">
-                <a:solidFill>
-                  <a:srgbClr val="FF8080"/>
-                </a:solidFill>
-              </a:rPr>
-              <a:t>Низкая производительность</a:t>
-            </a:r>
-          </a:p>
-          <a:p>
-            <a:pPr lvl="2"/>
-            <a:endParaRPr lang="ru-RU" sz="1600" dirty="0" smtClean="0"/>
-          </a:p>
-          <a:p>
-            <a:pPr lvl="1"/>
-            <a:r>
-              <a:rPr lang="en-US" sz="2000" dirty="0" err="1" smtClean="0"/>
-              <a:t>Netduino</a:t>
-            </a:r>
-            <a:endParaRPr lang="ru-RU" sz="2000" dirty="0" smtClean="0"/>
-          </a:p>
-          <a:p>
-            <a:pPr lvl="2"/>
-            <a:r>
-              <a:rPr lang="en-US" sz="1600" dirty="0" smtClean="0">
-                <a:solidFill>
-                  <a:srgbClr val="80FF80"/>
-                </a:solidFill>
-              </a:rPr>
-              <a:t>.NET </a:t>
-            </a:r>
-            <a:r>
-              <a:rPr lang="en-US" sz="1600" dirty="0" err="1" smtClean="0">
-                <a:solidFill>
-                  <a:srgbClr val="80FF80"/>
-                </a:solidFill>
-              </a:rPr>
-              <a:t>Microframework</a:t>
-            </a:r>
-            <a:endParaRPr lang="en-US" sz="1600" dirty="0" smtClean="0">
-              <a:solidFill>
-                <a:srgbClr val="80FF80"/>
-              </a:solidFill>
-            </a:endParaRPr>
-          </a:p>
-          <a:p>
-            <a:pPr lvl="2"/>
-            <a:r>
-              <a:rPr lang="ru-RU" sz="1600" dirty="0" smtClean="0">
-                <a:solidFill>
-                  <a:srgbClr val="80FF80"/>
-                </a:solidFill>
-              </a:rPr>
-              <a:t>Возможность интеграции с ВП</a:t>
-            </a:r>
-          </a:p>
-          <a:p>
-            <a:pPr lvl="2"/>
-            <a:r>
-              <a:rPr lang="ru-RU" sz="1600" dirty="0" smtClean="0">
-                <a:solidFill>
-                  <a:srgbClr val="FF8080"/>
-                </a:solidFill>
-              </a:rPr>
-              <a:t>Меньше библиотек</a:t>
-            </a:r>
-          </a:p>
-          <a:p>
-            <a:pPr lvl="2"/>
-            <a:endParaRPr lang="en-US" sz="1600" dirty="0" smtClean="0"/>
-          </a:p>
-        </p:txBody>
-      </p:sp>
-      <p:sp>
-        <p:nvSpPr>
-          <p:cNvPr id="4" name="Содержимое 3"/>
-          <p:cNvSpPr>
-            <a:spLocks noGrp="1"/>
-          </p:cNvSpPr>
-          <p:nvPr>
-            <p:ph sz="half" idx="2"/>
-          </p:nvPr>
-        </p:nvSpPr>
-        <p:spPr>
-          <a:solidFill>
-            <a:srgbClr val="000000">
-              <a:alpha val="74902"/>
-            </a:srgbClr>
-          </a:solidFill>
-        </p:spPr>
-        <p:txBody>
-          <a:bodyPr>
-            <a:normAutofit lnSpcReduction="10000"/>
-          </a:bodyPr>
-          <a:lstStyle/>
-          <a:p>
-            <a:r>
-              <a:rPr lang="ru-RU" sz="2400" dirty="0" smtClean="0"/>
-              <a:t>Коммуникационная система</a:t>
-            </a:r>
-            <a:endParaRPr lang="en-US" sz="2400" dirty="0" smtClean="0"/>
-          </a:p>
-          <a:p>
-            <a:pPr lvl="1"/>
-            <a:r>
-              <a:rPr lang="en-US" sz="2000" dirty="0" err="1" smtClean="0"/>
-              <a:t>WiFi</a:t>
-            </a:r>
-            <a:endParaRPr lang="en-US" sz="2000" dirty="0" smtClean="0"/>
-          </a:p>
-          <a:p>
-            <a:pPr lvl="2"/>
-            <a:r>
-              <a:rPr lang="ru-RU" sz="1600" dirty="0" smtClean="0">
-                <a:solidFill>
-                  <a:srgbClr val="80FF80"/>
-                </a:solidFill>
-              </a:rPr>
-              <a:t>Передача больших объемов данных</a:t>
-            </a:r>
-          </a:p>
-          <a:p>
-            <a:pPr lvl="1"/>
-            <a:r>
-              <a:rPr lang="en-US" sz="2000" dirty="0" err="1" smtClean="0"/>
-              <a:t>ZigBee</a:t>
-            </a:r>
-            <a:endParaRPr lang="ru-RU" sz="2000" dirty="0" smtClean="0"/>
-          </a:p>
-          <a:p>
-            <a:pPr lvl="2"/>
-            <a:r>
-              <a:rPr lang="ru-RU" sz="1600" dirty="0" smtClean="0">
-                <a:solidFill>
-                  <a:srgbClr val="FF8080"/>
-                </a:solidFill>
-              </a:rPr>
-              <a:t>Сложность настройки</a:t>
-            </a:r>
-          </a:p>
-          <a:p>
-            <a:pPr lvl="2"/>
-            <a:r>
-              <a:rPr lang="ru-RU" sz="1600" dirty="0" smtClean="0">
-                <a:solidFill>
-                  <a:srgbClr val="80FF80"/>
-                </a:solidFill>
-              </a:rPr>
-              <a:t>Сложные топологии</a:t>
-            </a:r>
-          </a:p>
-          <a:p>
-            <a:pPr lvl="2"/>
-            <a:r>
-              <a:rPr lang="ru-RU" sz="1600" dirty="0" smtClean="0">
-                <a:solidFill>
-                  <a:srgbClr val="80FF80"/>
-                </a:solidFill>
-              </a:rPr>
-              <a:t>Критически важные данные</a:t>
-            </a:r>
-          </a:p>
-          <a:p>
-            <a:pPr lvl="1"/>
-            <a:r>
-              <a:rPr lang="en-US" sz="2000" dirty="0" smtClean="0"/>
-              <a:t>Bluetooth</a:t>
-            </a:r>
-            <a:endParaRPr lang="ru-RU" sz="2000" dirty="0" smtClean="0"/>
-          </a:p>
-          <a:p>
-            <a:pPr lvl="2"/>
-            <a:r>
-              <a:rPr lang="ru-RU" sz="1600" dirty="0" smtClean="0">
-                <a:solidFill>
-                  <a:srgbClr val="80FF80"/>
-                </a:solidFill>
-              </a:rPr>
-              <a:t>Прост в использовании</a:t>
-            </a:r>
-          </a:p>
-          <a:p>
-            <a:pPr lvl="2"/>
-            <a:r>
-              <a:rPr lang="ru-RU" sz="1600" dirty="0" smtClean="0">
-                <a:solidFill>
-                  <a:srgbClr val="FF8080"/>
-                </a:solidFill>
-              </a:rPr>
-              <a:t>Ненадежен</a:t>
-            </a:r>
-          </a:p>
-          <a:p>
-            <a:pPr lvl="2"/>
-            <a:endParaRPr lang="ru-RU" sz="1600" dirty="0" smtClean="0"/>
-          </a:p>
-          <a:p>
-            <a:pPr lvl="1"/>
-            <a:r>
-              <a:rPr lang="en-US" sz="2000" dirty="0" smtClean="0"/>
-              <a:t>USB</a:t>
-            </a:r>
-            <a:endParaRPr lang="ru-RU" sz="2000" dirty="0" smtClean="0"/>
-          </a:p>
-          <a:p>
-            <a:pPr lvl="2"/>
-            <a:r>
-              <a:rPr lang="ru-RU" sz="1600" dirty="0" smtClean="0"/>
-              <a:t>Отладка</a:t>
-            </a:r>
-          </a:p>
-          <a:p>
-            <a:endParaRPr lang="ru-RU" dirty="0"/>
-          </a:p>
-        </p:txBody>
-      </p:sp>
-    </p:spTree>
-  </p:cSld>
-  <p:clrMapOvr>
-    <a:masterClrMapping/>
-  </p:clrMapOvr>
-  <p:timing>
-    <p:tnLst>
-      <p:par>
-        <p:cTn id="1" dur="indefinite" restart="never" nodeType="tmRoot"/>
-      </p:par>
-    </p:tnLst>
-  </p:timing>
-</p:sld>
-</file>
-
-<file path=ppt/slides/slide8.xml><?xml version="1.0" encoding="utf-8"?>
-<p:sld xmlns:a="http://schemas.openxmlformats.org/drawingml/2006/main" xmlns:r="http://schemas.openxmlformats.org/officeDocument/2006/relationships" xmlns:p="http://schemas.openxmlformats.org/presentationml/2006/main">
-  <p:cSld>
-    <p:spTree>
-      <p:nvGrpSpPr>
-        <p:cNvPr id="1" name=""/>
-        <p:cNvGrpSpPr/>
-        <p:nvPr/>
-      </p:nvGrpSpPr>
-      <p:grpSpPr>
-        <a:xfrm>
-          <a:off x="0" y="0"/>
-          <a:ext cx="0" cy="0"/>
-          <a:chOff x="0" y="0"/>
-          <a:chExt cx="0" cy="0"/>
-        </a:xfrm>
-      </p:grpSpPr>
-      <p:sp>
-        <p:nvSpPr>
-          <p:cNvPr id="2" name="Заголовок 1"/>
-          <p:cNvSpPr>
-            <a:spLocks noGrp="1"/>
-          </p:cNvSpPr>
-          <p:nvPr>
-            <p:ph type="title"/>
-          </p:nvPr>
-        </p:nvSpPr>
-        <p:spPr/>
-        <p:txBody>
-          <a:bodyPr>
-            <a:normAutofit/>
-          </a:bodyPr>
-          <a:lstStyle/>
-          <a:p>
-            <a:r>
-              <a:rPr lang="ru-RU" dirty="0" smtClean="0"/>
-              <a:t>Функциональная схема 4Р-БПЛА</a:t>
-            </a:r>
-            <a:endParaRPr lang="ru-RU" dirty="0"/>
-          </a:p>
-        </p:txBody>
-      </p:sp>
-      <p:sp>
-        <p:nvSpPr>
-          <p:cNvPr id="4" name="Прямоугольник 3"/>
-          <p:cNvSpPr/>
-          <p:nvPr/>
-        </p:nvSpPr>
-        <p:spPr>
-          <a:xfrm>
-            <a:off x="251520" y="1556792"/>
-            <a:ext cx="1008112" cy="1872208"/>
-          </a:xfrm>
-          <a:prstGeom prst="rect">
-            <a:avLst/>
-          </a:prstGeom>
-          <a:solidFill>
-            <a:srgbClr val="324B64">
-              <a:alpha val="50196"/>
-            </a:srgbClr>
-          </a:solidFill>
-          <a:ln w="12700"/>
-        </p:spPr>
-        <p:style>
-          <a:lnRef idx="3">
-            <a:schemeClr val="lt1"/>
-          </a:lnRef>
-          <a:fillRef idx="1">
-            <a:schemeClr val="accent1"/>
-          </a:fillRef>
-          <a:effectRef idx="1">
-            <a:schemeClr val="accent1"/>
-          </a:effectRef>
-          <a:fontRef idx="minor">
-            <a:schemeClr val="lt1"/>
-          </a:fontRef>
-        </p:style>
-        <p:txBody>
-          <a:bodyPr rtlCol="0" anchor="ctr"/>
-          <a:lstStyle/>
-          <a:p>
-            <a:pPr algn="ctr"/>
-            <a:r>
-              <a:rPr lang="en-US" sz="2400" dirty="0" smtClean="0">
-                <a:solidFill>
-                  <a:schemeClr val="bg1"/>
-                </a:solidFill>
-              </a:rPr>
-              <a:t>PC</a:t>
-            </a:r>
-          </a:p>
-          <a:p>
-            <a:pPr algn="ctr"/>
-            <a:r>
-              <a:rPr lang="en-US" dirty="0" smtClean="0">
-                <a:solidFill>
-                  <a:schemeClr val="bg1"/>
-                </a:solidFill>
-              </a:rPr>
-              <a:t>(</a:t>
-            </a:r>
-            <a:r>
-              <a:rPr lang="ru-RU" dirty="0" smtClean="0">
-                <a:solidFill>
-                  <a:schemeClr val="bg1"/>
-                </a:solidFill>
-              </a:rPr>
-              <a:t>ВП)</a:t>
-            </a:r>
-            <a:endParaRPr lang="ru-RU" sz="2400" dirty="0">
-              <a:solidFill>
-                <a:schemeClr val="bg1"/>
-              </a:solidFill>
-            </a:endParaRPr>
-          </a:p>
-        </p:txBody>
-      </p:sp>
-      <p:sp>
-        <p:nvSpPr>
-          <p:cNvPr id="5" name="Прямоугольник 4"/>
-          <p:cNvSpPr/>
-          <p:nvPr/>
-        </p:nvSpPr>
-        <p:spPr>
-          <a:xfrm>
-            <a:off x="3851920" y="2492896"/>
-            <a:ext cx="1944216" cy="1080120"/>
-          </a:xfrm>
-          <a:prstGeom prst="rect">
-            <a:avLst/>
-          </a:prstGeom>
-          <a:solidFill>
-            <a:srgbClr val="640000">
-              <a:alpha val="49804"/>
-            </a:srgbClr>
-          </a:solidFill>
-          <a:ln w="12700">
-            <a:solidFill>
-              <a:schemeClr val="bg1"/>
-            </a:solidFill>
-          </a:ln>
-        </p:spPr>
-        <p:style>
-          <a:lnRef idx="3">
-            <a:schemeClr val="lt1"/>
-          </a:lnRef>
-          <a:fillRef idx="1">
-            <a:schemeClr val="accent1"/>
-          </a:fillRef>
-          <a:effectRef idx="1">
-            <a:schemeClr val="accent1"/>
-          </a:effectRef>
-          <a:fontRef idx="minor">
-            <a:schemeClr val="lt1"/>
-          </a:fontRef>
-        </p:style>
-        <p:txBody>
-          <a:bodyPr rtlCol="0" anchor="ctr"/>
-          <a:lstStyle/>
-          <a:p>
-            <a:pPr algn="ctr"/>
-            <a:r>
-              <a:rPr lang="en-US" sz="2400" dirty="0" smtClean="0">
-                <a:solidFill>
-                  <a:schemeClr val="bg1"/>
-                </a:solidFill>
-              </a:rPr>
-              <a:t>Controller</a:t>
-            </a:r>
-            <a:endParaRPr lang="ru-RU" sz="2400" dirty="0">
-              <a:solidFill>
-                <a:schemeClr val="bg1"/>
-              </a:solidFill>
-            </a:endParaRPr>
-          </a:p>
-        </p:txBody>
-      </p:sp>
-      <p:sp>
-        <p:nvSpPr>
-          <p:cNvPr id="7" name="Прямоугольник 6"/>
-          <p:cNvSpPr/>
-          <p:nvPr/>
-        </p:nvSpPr>
-        <p:spPr>
-          <a:xfrm>
-            <a:off x="6372200" y="1700808"/>
-            <a:ext cx="2016224" cy="288032"/>
-          </a:xfrm>
-          <a:prstGeom prst="rect">
-            <a:avLst/>
-          </a:prstGeom>
-          <a:solidFill>
-            <a:schemeClr val="accent1">
-              <a:lumMod val="75000"/>
-              <a:alpha val="50196"/>
-            </a:schemeClr>
-          </a:solidFill>
-          <a:ln w="12700"/>
-        </p:spPr>
-        <p:style>
-          <a:lnRef idx="3">
-            <a:schemeClr val="lt1"/>
-          </a:lnRef>
-          <a:fillRef idx="1">
-            <a:schemeClr val="accent1"/>
-          </a:fillRef>
-          <a:effectRef idx="1">
-            <a:schemeClr val="accent1"/>
-          </a:effectRef>
-          <a:fontRef idx="minor">
-            <a:schemeClr val="lt1"/>
-          </a:fontRef>
-        </p:style>
-        <p:txBody>
-          <a:bodyPr rtlCol="0" anchor="ctr"/>
-          <a:lstStyle/>
-          <a:p>
-            <a:pPr algn="ctr"/>
-            <a:r>
-              <a:rPr lang="en-US" sz="1400" dirty="0" smtClean="0">
-                <a:solidFill>
-                  <a:schemeClr val="bg1"/>
-                </a:solidFill>
-              </a:rPr>
-              <a:t>3-axis</a:t>
-            </a:r>
-            <a:r>
-              <a:rPr lang="ru-RU" sz="1400" dirty="0" smtClean="0">
-                <a:solidFill>
-                  <a:schemeClr val="bg1"/>
-                </a:solidFill>
-              </a:rPr>
-              <a:t> </a:t>
-            </a:r>
-            <a:r>
-              <a:rPr lang="en-US" sz="1400" dirty="0" smtClean="0">
-                <a:solidFill>
-                  <a:schemeClr val="bg1"/>
-                </a:solidFill>
-              </a:rPr>
-              <a:t>gyroscope</a:t>
-            </a:r>
-            <a:endParaRPr lang="en-US" sz="1400" dirty="0" smtClean="0">
-              <a:solidFill>
-                <a:schemeClr val="bg1"/>
-              </a:solidFill>
-            </a:endParaRPr>
-          </a:p>
-        </p:txBody>
-      </p:sp>
-      <p:sp>
-        <p:nvSpPr>
-          <p:cNvPr id="8" name="Прямоугольник 7"/>
-          <p:cNvSpPr/>
-          <p:nvPr/>
-        </p:nvSpPr>
-        <p:spPr>
-          <a:xfrm>
-            <a:off x="6372200" y="2132856"/>
-            <a:ext cx="2016224" cy="288032"/>
-          </a:xfrm>
-          <a:prstGeom prst="rect">
-            <a:avLst/>
-          </a:prstGeom>
-          <a:solidFill>
-            <a:schemeClr val="accent1">
-              <a:lumMod val="75000"/>
-              <a:alpha val="50196"/>
-            </a:schemeClr>
-          </a:solidFill>
-          <a:ln w="12700"/>
-        </p:spPr>
-        <p:style>
-          <a:lnRef idx="3">
-            <a:schemeClr val="lt1"/>
-          </a:lnRef>
-          <a:fillRef idx="1">
-            <a:schemeClr val="accent1"/>
-          </a:fillRef>
-          <a:effectRef idx="1">
-            <a:schemeClr val="accent1"/>
-          </a:effectRef>
-          <a:fontRef idx="minor">
-            <a:schemeClr val="lt1"/>
-          </a:fontRef>
-        </p:style>
-        <p:txBody>
-          <a:bodyPr rtlCol="0" anchor="ctr"/>
-          <a:lstStyle/>
-          <a:p>
-            <a:pPr algn="ctr"/>
-            <a:r>
-              <a:rPr lang="en-US" sz="1400" dirty="0" smtClean="0">
-                <a:solidFill>
-                  <a:schemeClr val="bg1"/>
-                </a:solidFill>
-              </a:rPr>
-              <a:t>3-axis</a:t>
-            </a:r>
-            <a:r>
-              <a:rPr lang="ru-RU" sz="1400" dirty="0" smtClean="0">
-                <a:solidFill>
-                  <a:schemeClr val="bg1"/>
-                </a:solidFill>
-              </a:rPr>
-              <a:t> </a:t>
-            </a:r>
-            <a:r>
-              <a:rPr lang="en-US" sz="1400" dirty="0" smtClean="0">
-                <a:solidFill>
-                  <a:schemeClr val="bg1"/>
-                </a:solidFill>
-              </a:rPr>
-              <a:t>a</a:t>
-            </a:r>
-            <a:r>
-              <a:rPr lang="en-US" sz="1400" dirty="0" smtClean="0">
-                <a:solidFill>
-                  <a:schemeClr val="bg1"/>
-                </a:solidFill>
-              </a:rPr>
-              <a:t>ccelerometer</a:t>
-            </a:r>
-            <a:endParaRPr lang="ru-RU" sz="1400" dirty="0">
-              <a:solidFill>
-                <a:schemeClr val="bg1"/>
-              </a:solidFill>
-            </a:endParaRPr>
-          </a:p>
-        </p:txBody>
-      </p:sp>
-      <p:sp>
-        <p:nvSpPr>
-          <p:cNvPr id="9" name="Прямоугольник 8"/>
-          <p:cNvSpPr/>
-          <p:nvPr/>
-        </p:nvSpPr>
-        <p:spPr>
-          <a:xfrm>
-            <a:off x="6372200" y="2996952"/>
-            <a:ext cx="2016224" cy="288032"/>
-          </a:xfrm>
-          <a:prstGeom prst="rect">
-            <a:avLst/>
-          </a:prstGeom>
-          <a:solidFill>
-            <a:schemeClr val="accent1">
-              <a:lumMod val="75000"/>
-              <a:alpha val="50196"/>
-            </a:schemeClr>
-          </a:solidFill>
-          <a:ln w="12700">
-            <a:prstDash val="dash"/>
-          </a:ln>
-        </p:spPr>
-        <p:style>
-          <a:lnRef idx="3">
-            <a:schemeClr val="lt1"/>
-          </a:lnRef>
-          <a:fillRef idx="1">
-            <a:schemeClr val="accent1"/>
-          </a:fillRef>
-          <a:effectRef idx="1">
-            <a:schemeClr val="accent1"/>
-          </a:effectRef>
-          <a:fontRef idx="minor">
-            <a:schemeClr val="lt1"/>
-          </a:fontRef>
-        </p:style>
-        <p:txBody>
-          <a:bodyPr rtlCol="0" anchor="ctr"/>
-          <a:lstStyle/>
-          <a:p>
-            <a:pPr algn="ctr"/>
-            <a:r>
-              <a:rPr lang="en-US" sz="1400" dirty="0" smtClean="0">
-                <a:solidFill>
-                  <a:schemeClr val="bg1"/>
-                </a:solidFill>
-              </a:rPr>
-              <a:t>Barometer *</a:t>
-            </a:r>
-            <a:endParaRPr lang="en-US" sz="1400" dirty="0" smtClean="0">
-              <a:solidFill>
-                <a:schemeClr val="bg1"/>
-              </a:solidFill>
-            </a:endParaRPr>
-          </a:p>
-        </p:txBody>
-      </p:sp>
-      <p:sp>
-        <p:nvSpPr>
-          <p:cNvPr id="10" name="Прямоугольник 9"/>
-          <p:cNvSpPr/>
-          <p:nvPr/>
-        </p:nvSpPr>
-        <p:spPr>
-          <a:xfrm>
-            <a:off x="6372200" y="3429000"/>
-            <a:ext cx="2016224" cy="288032"/>
-          </a:xfrm>
-          <a:prstGeom prst="rect">
-            <a:avLst/>
-          </a:prstGeom>
-          <a:solidFill>
-            <a:schemeClr val="accent1">
-              <a:lumMod val="75000"/>
-              <a:alpha val="50196"/>
-            </a:schemeClr>
-          </a:solidFill>
-          <a:ln w="12700">
-            <a:prstDash val="dash"/>
-          </a:ln>
-        </p:spPr>
-        <p:style>
-          <a:lnRef idx="3">
-            <a:schemeClr val="lt1"/>
-          </a:lnRef>
-          <a:fillRef idx="1">
-            <a:schemeClr val="accent1"/>
-          </a:fillRef>
-          <a:effectRef idx="1">
-            <a:schemeClr val="accent1"/>
-          </a:effectRef>
-          <a:fontRef idx="minor">
-            <a:schemeClr val="lt1"/>
-          </a:fontRef>
-        </p:style>
-        <p:txBody>
-          <a:bodyPr rtlCol="0" anchor="ctr"/>
-          <a:lstStyle/>
-          <a:p>
-            <a:pPr algn="ctr"/>
-            <a:r>
-              <a:rPr lang="en-US" sz="1400" dirty="0" smtClean="0">
-                <a:solidFill>
-                  <a:schemeClr val="bg1"/>
-                </a:solidFill>
-              </a:rPr>
-              <a:t>Magnetometer *</a:t>
-            </a:r>
-            <a:endParaRPr lang="en-US" sz="1400" dirty="0" smtClean="0">
-              <a:solidFill>
-                <a:schemeClr val="bg1"/>
-              </a:solidFill>
-            </a:endParaRPr>
-          </a:p>
-        </p:txBody>
-      </p:sp>
-      <p:sp>
-        <p:nvSpPr>
-          <p:cNvPr id="11" name="Прямоугольник 10"/>
-          <p:cNvSpPr/>
-          <p:nvPr/>
-        </p:nvSpPr>
-        <p:spPr>
-          <a:xfrm>
-            <a:off x="2051720" y="1700808"/>
-            <a:ext cx="1008112" cy="504056"/>
-          </a:xfrm>
-          <a:prstGeom prst="rect">
-            <a:avLst/>
-          </a:prstGeom>
-          <a:solidFill>
-            <a:schemeClr val="accent3">
-              <a:lumMod val="75000"/>
-              <a:alpha val="50196"/>
-            </a:schemeClr>
-          </a:solidFill>
-          <a:ln w="12700">
-            <a:solidFill>
-              <a:schemeClr val="bg1"/>
-            </a:solidFill>
-          </a:ln>
-        </p:spPr>
-        <p:style>
-          <a:lnRef idx="3">
-            <a:schemeClr val="lt1"/>
-          </a:lnRef>
-          <a:fillRef idx="1">
-            <a:schemeClr val="accent1"/>
-          </a:fillRef>
-          <a:effectRef idx="1">
-            <a:schemeClr val="accent1"/>
-          </a:effectRef>
-          <a:fontRef idx="minor">
-            <a:schemeClr val="lt1"/>
-          </a:fontRef>
-        </p:style>
-        <p:txBody>
-          <a:bodyPr rtlCol="0" anchor="ctr"/>
-          <a:lstStyle/>
-          <a:p>
-            <a:pPr algn="ctr"/>
-            <a:r>
-              <a:rPr lang="en-US" sz="2000" dirty="0" err="1" smtClean="0">
-                <a:solidFill>
-                  <a:schemeClr val="bg1"/>
-                </a:solidFill>
-              </a:rPr>
-              <a:t>XBee</a:t>
-            </a:r>
-            <a:endParaRPr lang="ru-RU" sz="2000" dirty="0">
-              <a:solidFill>
-                <a:schemeClr val="bg1"/>
-              </a:solidFill>
-            </a:endParaRPr>
-          </a:p>
-        </p:txBody>
-      </p:sp>
-      <p:sp>
-        <p:nvSpPr>
-          <p:cNvPr id="12" name="Прямоугольник 11"/>
-          <p:cNvSpPr/>
-          <p:nvPr/>
-        </p:nvSpPr>
-        <p:spPr>
-          <a:xfrm>
-            <a:off x="6372200" y="4589754"/>
-            <a:ext cx="864096" cy="288032"/>
-          </a:xfrm>
-          <a:prstGeom prst="rect">
-            <a:avLst/>
-          </a:prstGeom>
-          <a:solidFill>
-            <a:schemeClr val="accent2">
-              <a:lumMod val="75000"/>
-              <a:alpha val="50196"/>
-            </a:schemeClr>
-          </a:solidFill>
-          <a:ln w="12700"/>
-        </p:spPr>
-        <p:style>
-          <a:lnRef idx="3">
-            <a:schemeClr val="lt1"/>
-          </a:lnRef>
-          <a:fillRef idx="1">
-            <a:schemeClr val="accent1"/>
-          </a:fillRef>
-          <a:effectRef idx="1">
-            <a:schemeClr val="accent1"/>
-          </a:effectRef>
-          <a:fontRef idx="minor">
-            <a:schemeClr val="lt1"/>
-          </a:fontRef>
-        </p:style>
-        <p:txBody>
-          <a:bodyPr rtlCol="0" anchor="ctr"/>
-          <a:lstStyle/>
-          <a:p>
-            <a:pPr algn="ctr"/>
-            <a:r>
-              <a:rPr lang="en-US" sz="1400" dirty="0" smtClean="0">
-                <a:solidFill>
-                  <a:schemeClr val="bg1"/>
-                </a:solidFill>
-              </a:rPr>
-              <a:t>ESC #1</a:t>
-            </a:r>
-          </a:p>
-        </p:txBody>
-      </p:sp>
-      <p:sp>
-        <p:nvSpPr>
-          <p:cNvPr id="13" name="Прямоугольник 12"/>
-          <p:cNvSpPr/>
-          <p:nvPr/>
-        </p:nvSpPr>
-        <p:spPr>
-          <a:xfrm>
-            <a:off x="7308304" y="4581128"/>
-            <a:ext cx="1512168" cy="288032"/>
-          </a:xfrm>
-          <a:prstGeom prst="rect">
-            <a:avLst/>
-          </a:prstGeom>
-          <a:solidFill>
-            <a:schemeClr val="accent2">
-              <a:lumMod val="75000"/>
-              <a:alpha val="50196"/>
-            </a:schemeClr>
-          </a:solidFill>
-          <a:ln w="12700"/>
-        </p:spPr>
-        <p:style>
-          <a:lnRef idx="3">
-            <a:schemeClr val="lt1"/>
-          </a:lnRef>
-          <a:fillRef idx="1">
-            <a:schemeClr val="accent1"/>
-          </a:fillRef>
-          <a:effectRef idx="1">
-            <a:schemeClr val="accent1"/>
-          </a:effectRef>
-          <a:fontRef idx="minor">
-            <a:schemeClr val="lt1"/>
-          </a:fontRef>
-        </p:style>
-        <p:txBody>
-          <a:bodyPr rtlCol="0" anchor="ctr"/>
-          <a:lstStyle/>
-          <a:p>
-            <a:pPr algn="ctr"/>
-            <a:r>
-              <a:rPr lang="en-US" sz="1400" dirty="0" smtClean="0">
-                <a:solidFill>
-                  <a:schemeClr val="bg1"/>
-                </a:solidFill>
-              </a:rPr>
-              <a:t>Brushless Motor</a:t>
-            </a:r>
-          </a:p>
-        </p:txBody>
-      </p:sp>
-      <p:sp>
-        <p:nvSpPr>
-          <p:cNvPr id="14" name="Прямоугольник 13"/>
-          <p:cNvSpPr/>
-          <p:nvPr/>
-        </p:nvSpPr>
-        <p:spPr>
-          <a:xfrm>
-            <a:off x="6372200" y="4949794"/>
-            <a:ext cx="864096" cy="288032"/>
-          </a:xfrm>
-          <a:prstGeom prst="rect">
-            <a:avLst/>
-          </a:prstGeom>
-          <a:solidFill>
-            <a:schemeClr val="accent2">
-              <a:lumMod val="75000"/>
-              <a:alpha val="50196"/>
-            </a:schemeClr>
-          </a:solidFill>
-          <a:ln w="12700"/>
-        </p:spPr>
-        <p:style>
-          <a:lnRef idx="3">
-            <a:schemeClr val="lt1"/>
-          </a:lnRef>
-          <a:fillRef idx="1">
-            <a:schemeClr val="accent1"/>
-          </a:fillRef>
-          <a:effectRef idx="1">
-            <a:schemeClr val="accent1"/>
-          </a:effectRef>
-          <a:fontRef idx="minor">
-            <a:schemeClr val="lt1"/>
-          </a:fontRef>
-        </p:style>
-        <p:txBody>
-          <a:bodyPr rtlCol="0" anchor="ctr"/>
-          <a:lstStyle/>
-          <a:p>
-            <a:pPr algn="ctr"/>
-            <a:r>
-              <a:rPr lang="en-US" sz="1400" dirty="0" smtClean="0">
-                <a:solidFill>
-                  <a:schemeClr val="bg1"/>
-                </a:solidFill>
-              </a:rPr>
-              <a:t>ESC #2</a:t>
-            </a:r>
-          </a:p>
-        </p:txBody>
-      </p:sp>
-      <p:sp>
-        <p:nvSpPr>
-          <p:cNvPr id="15" name="Прямоугольник 14"/>
-          <p:cNvSpPr/>
-          <p:nvPr/>
-        </p:nvSpPr>
-        <p:spPr>
-          <a:xfrm>
-            <a:off x="7308304" y="4941168"/>
-            <a:ext cx="1512168" cy="288032"/>
-          </a:xfrm>
-          <a:prstGeom prst="rect">
-            <a:avLst/>
-          </a:prstGeom>
-          <a:solidFill>
-            <a:schemeClr val="accent2">
-              <a:lumMod val="75000"/>
-              <a:alpha val="50196"/>
-            </a:schemeClr>
-          </a:solidFill>
-          <a:ln w="12700"/>
-        </p:spPr>
-        <p:style>
-          <a:lnRef idx="3">
-            <a:schemeClr val="lt1"/>
-          </a:lnRef>
-          <a:fillRef idx="1">
-            <a:schemeClr val="accent1"/>
-          </a:fillRef>
-          <a:effectRef idx="1">
-            <a:schemeClr val="accent1"/>
-          </a:effectRef>
-          <a:fontRef idx="minor">
-            <a:schemeClr val="lt1"/>
-          </a:fontRef>
-        </p:style>
-        <p:txBody>
-          <a:bodyPr rtlCol="0" anchor="ctr"/>
-          <a:lstStyle/>
-          <a:p>
-            <a:pPr algn="ctr"/>
-            <a:r>
-              <a:rPr lang="en-US" sz="1400" dirty="0" smtClean="0">
-                <a:solidFill>
-                  <a:schemeClr val="bg1"/>
-                </a:solidFill>
-              </a:rPr>
-              <a:t>Brushless Motor</a:t>
-            </a:r>
-          </a:p>
-        </p:txBody>
-      </p:sp>
-      <p:sp>
-        <p:nvSpPr>
-          <p:cNvPr id="16" name="Прямоугольник 15"/>
-          <p:cNvSpPr/>
-          <p:nvPr/>
-        </p:nvSpPr>
-        <p:spPr>
-          <a:xfrm>
-            <a:off x="6372200" y="5292582"/>
-            <a:ext cx="864096" cy="288032"/>
-          </a:xfrm>
-          <a:prstGeom prst="rect">
-            <a:avLst/>
-          </a:prstGeom>
-          <a:solidFill>
-            <a:schemeClr val="accent2">
-              <a:lumMod val="75000"/>
-              <a:alpha val="50196"/>
-            </a:schemeClr>
-          </a:solidFill>
-          <a:ln w="12700"/>
-        </p:spPr>
-        <p:style>
-          <a:lnRef idx="3">
-            <a:schemeClr val="lt1"/>
-          </a:lnRef>
-          <a:fillRef idx="1">
-            <a:schemeClr val="accent1"/>
-          </a:fillRef>
-          <a:effectRef idx="1">
-            <a:schemeClr val="accent1"/>
-          </a:effectRef>
-          <a:fontRef idx="minor">
-            <a:schemeClr val="lt1"/>
-          </a:fontRef>
-        </p:style>
-        <p:txBody>
-          <a:bodyPr rtlCol="0" anchor="ctr"/>
-          <a:lstStyle/>
-          <a:p>
-            <a:pPr algn="ctr"/>
-            <a:r>
-              <a:rPr lang="en-US" sz="1400" dirty="0" smtClean="0">
-                <a:solidFill>
-                  <a:schemeClr val="bg1"/>
-                </a:solidFill>
-              </a:rPr>
-              <a:t>ESC #3</a:t>
-            </a:r>
-          </a:p>
-        </p:txBody>
-      </p:sp>
-      <p:sp>
-        <p:nvSpPr>
-          <p:cNvPr id="17" name="Прямоугольник 16"/>
-          <p:cNvSpPr/>
-          <p:nvPr/>
-        </p:nvSpPr>
-        <p:spPr>
-          <a:xfrm>
-            <a:off x="7308304" y="5283956"/>
-            <a:ext cx="1512168" cy="288032"/>
-          </a:xfrm>
-          <a:prstGeom prst="rect">
-            <a:avLst/>
-          </a:prstGeom>
-          <a:solidFill>
-            <a:schemeClr val="accent2">
-              <a:lumMod val="75000"/>
-              <a:alpha val="50196"/>
-            </a:schemeClr>
-          </a:solidFill>
-          <a:ln w="12700"/>
-        </p:spPr>
-        <p:style>
-          <a:lnRef idx="3">
-            <a:schemeClr val="lt1"/>
-          </a:lnRef>
-          <a:fillRef idx="1">
-            <a:schemeClr val="accent1"/>
-          </a:fillRef>
-          <a:effectRef idx="1">
-            <a:schemeClr val="accent1"/>
-          </a:effectRef>
-          <a:fontRef idx="minor">
-            <a:schemeClr val="lt1"/>
-          </a:fontRef>
-        </p:style>
-        <p:txBody>
-          <a:bodyPr rtlCol="0" anchor="ctr"/>
-          <a:lstStyle/>
-          <a:p>
-            <a:pPr algn="ctr"/>
-            <a:r>
-              <a:rPr lang="en-US" sz="1400" dirty="0" smtClean="0">
-                <a:solidFill>
-                  <a:schemeClr val="bg1"/>
-                </a:solidFill>
-              </a:rPr>
-              <a:t>Brushless Motor</a:t>
-            </a:r>
-          </a:p>
-        </p:txBody>
-      </p:sp>
-      <p:sp>
-        <p:nvSpPr>
-          <p:cNvPr id="18" name="Прямоугольник 17"/>
-          <p:cNvSpPr/>
-          <p:nvPr/>
-        </p:nvSpPr>
-        <p:spPr>
-          <a:xfrm>
-            <a:off x="6372200" y="5661248"/>
-            <a:ext cx="864096" cy="288032"/>
-          </a:xfrm>
-          <a:prstGeom prst="rect">
-            <a:avLst/>
-          </a:prstGeom>
-          <a:solidFill>
-            <a:schemeClr val="accent2">
-              <a:lumMod val="75000"/>
-              <a:alpha val="50196"/>
-            </a:schemeClr>
-          </a:solidFill>
-          <a:ln w="12700"/>
-        </p:spPr>
-        <p:style>
-          <a:lnRef idx="3">
-            <a:schemeClr val="lt1"/>
-          </a:lnRef>
-          <a:fillRef idx="1">
-            <a:schemeClr val="accent1"/>
-          </a:fillRef>
-          <a:effectRef idx="1">
-            <a:schemeClr val="accent1"/>
-          </a:effectRef>
-          <a:fontRef idx="minor">
-            <a:schemeClr val="lt1"/>
-          </a:fontRef>
-        </p:style>
-        <p:txBody>
-          <a:bodyPr rtlCol="0" anchor="ctr"/>
-          <a:lstStyle/>
-          <a:p>
-            <a:pPr algn="ctr"/>
-            <a:r>
-              <a:rPr lang="en-US" sz="1400" dirty="0" smtClean="0">
-                <a:solidFill>
-                  <a:schemeClr val="bg1"/>
-                </a:solidFill>
-              </a:rPr>
-              <a:t>ESC #4</a:t>
-            </a:r>
-          </a:p>
-        </p:txBody>
-      </p:sp>
-      <p:sp>
-        <p:nvSpPr>
-          <p:cNvPr id="19" name="Прямоугольник 18"/>
-          <p:cNvSpPr/>
-          <p:nvPr/>
-        </p:nvSpPr>
-        <p:spPr>
-          <a:xfrm>
-            <a:off x="7308304" y="5652622"/>
-            <a:ext cx="1512168" cy="288032"/>
-          </a:xfrm>
-          <a:prstGeom prst="rect">
-            <a:avLst/>
-          </a:prstGeom>
-          <a:solidFill>
-            <a:schemeClr val="accent2">
-              <a:lumMod val="75000"/>
-              <a:alpha val="50196"/>
-            </a:schemeClr>
-          </a:solidFill>
-          <a:ln w="12700"/>
-        </p:spPr>
-        <p:style>
-          <a:lnRef idx="3">
-            <a:schemeClr val="lt1"/>
-          </a:lnRef>
-          <a:fillRef idx="1">
-            <a:schemeClr val="accent1"/>
-          </a:fillRef>
-          <a:effectRef idx="1">
-            <a:schemeClr val="accent1"/>
-          </a:effectRef>
-          <a:fontRef idx="minor">
-            <a:schemeClr val="lt1"/>
-          </a:fontRef>
-        </p:style>
-        <p:txBody>
-          <a:bodyPr rtlCol="0" anchor="ctr"/>
-          <a:lstStyle/>
-          <a:p>
-            <a:pPr algn="ctr"/>
-            <a:r>
-              <a:rPr lang="en-US" sz="1400" dirty="0" smtClean="0">
-                <a:solidFill>
-                  <a:schemeClr val="bg1"/>
-                </a:solidFill>
-              </a:rPr>
-              <a:t>Brushless Motor</a:t>
-            </a:r>
-          </a:p>
-        </p:txBody>
-      </p:sp>
-      <p:sp>
-        <p:nvSpPr>
-          <p:cNvPr id="20" name="Прямоугольник 19"/>
-          <p:cNvSpPr/>
-          <p:nvPr/>
-        </p:nvSpPr>
-        <p:spPr>
-          <a:xfrm>
-            <a:off x="2051720" y="4653136"/>
-            <a:ext cx="1224136" cy="936104"/>
-          </a:xfrm>
-          <a:prstGeom prst="rect">
-            <a:avLst/>
-          </a:prstGeom>
-          <a:solidFill>
-            <a:srgbClr val="324B64">
-              <a:alpha val="50196"/>
-            </a:srgbClr>
-          </a:solidFill>
-          <a:ln w="12700">
-            <a:solidFill>
-              <a:schemeClr val="bg1"/>
-            </a:solidFill>
-          </a:ln>
-        </p:spPr>
-        <p:style>
-          <a:lnRef idx="3">
-            <a:schemeClr val="lt1"/>
-          </a:lnRef>
-          <a:fillRef idx="1">
-            <a:schemeClr val="accent1"/>
-          </a:fillRef>
-          <a:effectRef idx="1">
-            <a:schemeClr val="accent1"/>
-          </a:effectRef>
-          <a:fontRef idx="minor">
-            <a:schemeClr val="lt1"/>
-          </a:fontRef>
-        </p:style>
-        <p:txBody>
-          <a:bodyPr rtlCol="0" anchor="ctr"/>
-          <a:lstStyle/>
-          <a:p>
-            <a:pPr algn="ctr"/>
-            <a:r>
-              <a:rPr lang="en-US" sz="2000" dirty="0" smtClean="0">
-                <a:solidFill>
-                  <a:schemeClr val="bg1"/>
-                </a:solidFill>
-              </a:rPr>
-              <a:t>Camera</a:t>
-            </a:r>
-            <a:endParaRPr lang="ru-RU" sz="2000" dirty="0">
-              <a:solidFill>
-                <a:schemeClr val="bg1"/>
-              </a:solidFill>
-            </a:endParaRPr>
-          </a:p>
-        </p:txBody>
-      </p:sp>
-      <p:cxnSp>
-        <p:nvCxnSpPr>
-          <p:cNvPr id="22" name="Соединительная линия уступом 21"/>
-          <p:cNvCxnSpPr>
-            <a:stCxn id="7" idx="1"/>
-            <a:endCxn id="5" idx="3"/>
-          </p:cNvCxnSpPr>
-          <p:nvPr/>
-        </p:nvCxnSpPr>
-        <p:spPr>
-          <a:xfrm rot="10800000" flipV="1">
-            <a:off x="5796136" y="1844824"/>
-            <a:ext cx="576064" cy="1188132"/>
-          </a:xfrm>
-          <a:prstGeom prst="bentConnector3">
-            <a:avLst>
-              <a:gd name="adj1" fmla="val 50000"/>
-            </a:avLst>
-          </a:prstGeom>
-          <a:ln w="28575">
-            <a:solidFill>
-              <a:schemeClr val="bg1"/>
-            </a:solidFill>
-            <a:tailEnd type="arrow"/>
-          </a:ln>
-        </p:spPr>
-        <p:style>
-          <a:lnRef idx="1">
-            <a:schemeClr val="accent1"/>
-          </a:lnRef>
-          <a:fillRef idx="0">
-            <a:schemeClr val="accent1"/>
-          </a:fillRef>
-          <a:effectRef idx="0">
-            <a:schemeClr val="accent1"/>
-          </a:effectRef>
-          <a:fontRef idx="minor">
-            <a:schemeClr val="tx1"/>
-          </a:fontRef>
-        </p:style>
-      </p:cxnSp>
-      <p:cxnSp>
-        <p:nvCxnSpPr>
-          <p:cNvPr id="26" name="Соединительная линия уступом 25"/>
-          <p:cNvCxnSpPr>
-            <a:stCxn id="115" idx="1"/>
-            <a:endCxn id="5" idx="3"/>
-          </p:cNvCxnSpPr>
-          <p:nvPr/>
-        </p:nvCxnSpPr>
-        <p:spPr>
-          <a:xfrm rot="10800000" flipV="1">
-            <a:off x="5796136" y="2708920"/>
-            <a:ext cx="576064" cy="324036"/>
-          </a:xfrm>
-          <a:prstGeom prst="bentConnector3">
-            <a:avLst>
-              <a:gd name="adj1" fmla="val 50000"/>
-            </a:avLst>
-          </a:prstGeom>
-          <a:ln w="28575">
-            <a:solidFill>
-              <a:schemeClr val="bg1"/>
-            </a:solidFill>
-            <a:tailEnd type="arrow"/>
-          </a:ln>
-        </p:spPr>
-        <p:style>
-          <a:lnRef idx="1">
-            <a:schemeClr val="accent1"/>
-          </a:lnRef>
-          <a:fillRef idx="0">
-            <a:schemeClr val="accent1"/>
-          </a:fillRef>
-          <a:effectRef idx="0">
-            <a:schemeClr val="accent1"/>
-          </a:effectRef>
-          <a:fontRef idx="minor">
-            <a:schemeClr val="tx1"/>
-          </a:fontRef>
-        </p:style>
-      </p:cxnSp>
-      <p:cxnSp>
-        <p:nvCxnSpPr>
-          <p:cNvPr id="28" name="Соединительная линия уступом 27"/>
-          <p:cNvCxnSpPr>
-            <a:stCxn id="9" idx="1"/>
-            <a:endCxn id="5" idx="3"/>
-          </p:cNvCxnSpPr>
-          <p:nvPr/>
-        </p:nvCxnSpPr>
-        <p:spPr>
-          <a:xfrm rot="10800000">
-            <a:off x="5796136" y="3032956"/>
-            <a:ext cx="576064" cy="108012"/>
-          </a:xfrm>
-          <a:prstGeom prst="bentConnector3">
-            <a:avLst>
-              <a:gd name="adj1" fmla="val 50000"/>
-            </a:avLst>
-          </a:prstGeom>
-          <a:ln w="28575">
-            <a:solidFill>
-              <a:schemeClr val="bg1"/>
-            </a:solidFill>
-            <a:tailEnd type="arrow"/>
-          </a:ln>
-        </p:spPr>
-        <p:style>
-          <a:lnRef idx="1">
-            <a:schemeClr val="accent1"/>
-          </a:lnRef>
-          <a:fillRef idx="0">
-            <a:schemeClr val="accent1"/>
-          </a:fillRef>
-          <a:effectRef idx="0">
-            <a:schemeClr val="accent1"/>
-          </a:effectRef>
-          <a:fontRef idx="minor">
-            <a:schemeClr val="tx1"/>
-          </a:fontRef>
-        </p:style>
-      </p:cxnSp>
-      <p:cxnSp>
-        <p:nvCxnSpPr>
-          <p:cNvPr id="30" name="Соединительная линия уступом 29"/>
-          <p:cNvCxnSpPr>
-            <a:stCxn id="10" idx="1"/>
-            <a:endCxn id="5" idx="3"/>
-          </p:cNvCxnSpPr>
-          <p:nvPr/>
-        </p:nvCxnSpPr>
-        <p:spPr>
-          <a:xfrm rot="10800000">
-            <a:off x="5796136" y="3032956"/>
-            <a:ext cx="576064" cy="540060"/>
-          </a:xfrm>
-          <a:prstGeom prst="bentConnector3">
-            <a:avLst>
-              <a:gd name="adj1" fmla="val 50000"/>
-            </a:avLst>
-          </a:prstGeom>
-          <a:ln w="28575">
-            <a:solidFill>
-              <a:schemeClr val="bg1"/>
-            </a:solidFill>
-            <a:tailEnd type="arrow"/>
-          </a:ln>
-        </p:spPr>
-        <p:style>
-          <a:lnRef idx="1">
-            <a:schemeClr val="accent1"/>
-          </a:lnRef>
-          <a:fillRef idx="0">
-            <a:schemeClr val="accent1"/>
-          </a:fillRef>
-          <a:effectRef idx="0">
-            <a:schemeClr val="accent1"/>
-          </a:effectRef>
-          <a:fontRef idx="minor">
-            <a:schemeClr val="tx1"/>
-          </a:fontRef>
-        </p:style>
-      </p:cxnSp>
-      <p:cxnSp>
-        <p:nvCxnSpPr>
-          <p:cNvPr id="34" name="Shape 33"/>
-          <p:cNvCxnSpPr>
-            <a:stCxn id="5" idx="2"/>
-            <a:endCxn id="12" idx="1"/>
-          </p:cNvCxnSpPr>
-          <p:nvPr/>
-        </p:nvCxnSpPr>
-        <p:spPr>
-          <a:xfrm rot="16200000" flipH="1">
-            <a:off x="5017737" y="3379307"/>
-            <a:ext cx="1160754" cy="1548172"/>
-          </a:xfrm>
-          <a:prstGeom prst="bentConnector2">
-            <a:avLst/>
-          </a:prstGeom>
-          <a:ln w="28575">
-            <a:solidFill>
-              <a:schemeClr val="bg1"/>
-            </a:solidFill>
-            <a:tailEnd type="arrow"/>
-          </a:ln>
-        </p:spPr>
-        <p:style>
-          <a:lnRef idx="1">
-            <a:schemeClr val="accent1"/>
-          </a:lnRef>
-          <a:fillRef idx="0">
-            <a:schemeClr val="accent1"/>
-          </a:fillRef>
-          <a:effectRef idx="0">
-            <a:schemeClr val="accent1"/>
-          </a:effectRef>
-          <a:fontRef idx="minor">
-            <a:schemeClr val="tx1"/>
-          </a:fontRef>
-        </p:style>
-      </p:cxnSp>
-      <p:cxnSp>
-        <p:nvCxnSpPr>
-          <p:cNvPr id="36" name="Shape 35"/>
-          <p:cNvCxnSpPr>
-            <a:stCxn id="5" idx="2"/>
-            <a:endCxn id="14" idx="1"/>
-          </p:cNvCxnSpPr>
-          <p:nvPr/>
-        </p:nvCxnSpPr>
-        <p:spPr>
-          <a:xfrm rot="16200000" flipH="1">
-            <a:off x="4837717" y="3559327"/>
-            <a:ext cx="1520794" cy="1548172"/>
-          </a:xfrm>
-          <a:prstGeom prst="bentConnector2">
-            <a:avLst/>
-          </a:prstGeom>
-          <a:ln w="28575">
-            <a:solidFill>
-              <a:schemeClr val="bg1"/>
-            </a:solidFill>
-            <a:tailEnd type="arrow"/>
-          </a:ln>
-        </p:spPr>
-        <p:style>
-          <a:lnRef idx="1">
-            <a:schemeClr val="accent1"/>
-          </a:lnRef>
-          <a:fillRef idx="0">
-            <a:schemeClr val="accent1"/>
-          </a:fillRef>
-          <a:effectRef idx="0">
-            <a:schemeClr val="accent1"/>
-          </a:effectRef>
-          <a:fontRef idx="minor">
-            <a:schemeClr val="tx1"/>
-          </a:fontRef>
-        </p:style>
-      </p:cxnSp>
-      <p:cxnSp>
-        <p:nvCxnSpPr>
-          <p:cNvPr id="38" name="Shape 37"/>
-          <p:cNvCxnSpPr>
-            <a:stCxn id="5" idx="2"/>
-            <a:endCxn id="16" idx="1"/>
-          </p:cNvCxnSpPr>
-          <p:nvPr/>
-        </p:nvCxnSpPr>
-        <p:spPr>
-          <a:xfrm rot="16200000" flipH="1">
-            <a:off x="4666323" y="3730721"/>
-            <a:ext cx="1863582" cy="1548172"/>
-          </a:xfrm>
-          <a:prstGeom prst="bentConnector2">
-            <a:avLst/>
-          </a:prstGeom>
-          <a:ln w="28575">
-            <a:solidFill>
-              <a:schemeClr val="bg1"/>
-            </a:solidFill>
-            <a:tailEnd type="arrow"/>
-          </a:ln>
-        </p:spPr>
-        <p:style>
-          <a:lnRef idx="1">
-            <a:schemeClr val="accent1"/>
-          </a:lnRef>
-          <a:fillRef idx="0">
-            <a:schemeClr val="accent1"/>
-          </a:fillRef>
-          <a:effectRef idx="0">
-            <a:schemeClr val="accent1"/>
-          </a:effectRef>
-          <a:fontRef idx="minor">
-            <a:schemeClr val="tx1"/>
-          </a:fontRef>
-        </p:style>
-      </p:cxnSp>
-      <p:cxnSp>
-        <p:nvCxnSpPr>
-          <p:cNvPr id="40" name="Shape 39"/>
-          <p:cNvCxnSpPr>
-            <a:stCxn id="5" idx="2"/>
-            <a:endCxn id="18" idx="1"/>
-          </p:cNvCxnSpPr>
-          <p:nvPr/>
-        </p:nvCxnSpPr>
-        <p:spPr>
-          <a:xfrm rot="16200000" flipH="1">
-            <a:off x="4481990" y="3915054"/>
-            <a:ext cx="2232248" cy="1548172"/>
-          </a:xfrm>
-          <a:prstGeom prst="bentConnector2">
-            <a:avLst/>
-          </a:prstGeom>
-          <a:ln w="28575">
-            <a:solidFill>
-              <a:schemeClr val="bg1"/>
-            </a:solidFill>
-            <a:tailEnd type="arrow"/>
-          </a:ln>
-        </p:spPr>
-        <p:style>
-          <a:lnRef idx="1">
-            <a:schemeClr val="accent1"/>
-          </a:lnRef>
-          <a:fillRef idx="0">
-            <a:schemeClr val="accent1"/>
-          </a:fillRef>
-          <a:effectRef idx="0">
-            <a:schemeClr val="accent1"/>
-          </a:effectRef>
-          <a:fontRef idx="minor">
-            <a:schemeClr val="tx1"/>
-          </a:fontRef>
-        </p:style>
-      </p:cxnSp>
-      <p:cxnSp>
-        <p:nvCxnSpPr>
-          <p:cNvPr id="50" name="Соединительная линия уступом 49"/>
-          <p:cNvCxnSpPr>
-            <a:stCxn id="11" idx="3"/>
-            <a:endCxn id="5" idx="0"/>
-          </p:cNvCxnSpPr>
-          <p:nvPr/>
-        </p:nvCxnSpPr>
-        <p:spPr>
-          <a:xfrm>
-            <a:off x="3059832" y="1952836"/>
-            <a:ext cx="1764196" cy="540060"/>
-          </a:xfrm>
-          <a:prstGeom prst="bentConnector2">
-            <a:avLst/>
-          </a:prstGeom>
-          <a:ln w="28575">
-            <a:solidFill>
-              <a:schemeClr val="bg1"/>
-            </a:solidFill>
-            <a:headEnd type="arrow"/>
-            <a:tailEnd type="arrow"/>
-          </a:ln>
-        </p:spPr>
-        <p:style>
-          <a:lnRef idx="1">
-            <a:schemeClr val="accent1"/>
-          </a:lnRef>
-          <a:fillRef idx="0">
-            <a:schemeClr val="accent1"/>
-          </a:fillRef>
-          <a:effectRef idx="0">
-            <a:schemeClr val="accent1"/>
-          </a:effectRef>
-          <a:fontRef idx="minor">
-            <a:schemeClr val="tx1"/>
-          </a:fontRef>
-        </p:style>
-      </p:cxnSp>
-      <p:cxnSp>
-        <p:nvCxnSpPr>
-          <p:cNvPr id="56" name="Соединительная линия уступом 55"/>
-          <p:cNvCxnSpPr>
-            <a:stCxn id="20" idx="3"/>
-            <a:endCxn id="5" idx="1"/>
-          </p:cNvCxnSpPr>
-          <p:nvPr/>
-        </p:nvCxnSpPr>
-        <p:spPr>
-          <a:xfrm flipV="1">
-            <a:off x="3275856" y="3032956"/>
-            <a:ext cx="576064" cy="2088232"/>
-          </a:xfrm>
-          <a:prstGeom prst="bentConnector3">
-            <a:avLst>
-              <a:gd name="adj1" fmla="val 60482"/>
-            </a:avLst>
-          </a:prstGeom>
-          <a:ln w="28575">
-            <a:solidFill>
-              <a:schemeClr val="bg1"/>
-            </a:solidFill>
-            <a:tailEnd type="arrow"/>
-          </a:ln>
-        </p:spPr>
-        <p:style>
-          <a:lnRef idx="1">
-            <a:schemeClr val="accent1"/>
-          </a:lnRef>
-          <a:fillRef idx="0">
-            <a:schemeClr val="accent1"/>
-          </a:fillRef>
-          <a:effectRef idx="0">
-            <a:schemeClr val="accent1"/>
-          </a:effectRef>
-          <a:fontRef idx="minor">
-            <a:schemeClr val="tx1"/>
-          </a:fontRef>
-        </p:style>
-      </p:cxnSp>
-      <p:cxnSp>
-        <p:nvCxnSpPr>
-          <p:cNvPr id="129" name="Соединительная линия уступом 128"/>
-          <p:cNvCxnSpPr>
-            <a:stCxn id="4" idx="3"/>
-            <a:endCxn id="11" idx="1"/>
-          </p:cNvCxnSpPr>
-          <p:nvPr/>
-        </p:nvCxnSpPr>
-        <p:spPr>
-          <a:xfrm flipV="1">
-            <a:off x="1259632" y="1952836"/>
-            <a:ext cx="792088" cy="540060"/>
-          </a:xfrm>
-          <a:prstGeom prst="bentConnector3">
-            <a:avLst>
-              <a:gd name="adj1" fmla="val 50000"/>
-            </a:avLst>
-          </a:prstGeom>
-          <a:ln w="28575">
-            <a:solidFill>
-              <a:schemeClr val="bg1"/>
-            </a:solidFill>
-            <a:headEnd type="arrow"/>
-            <a:tailEnd type="arrow"/>
-          </a:ln>
-        </p:spPr>
-        <p:style>
-          <a:lnRef idx="1">
-            <a:schemeClr val="accent1"/>
-          </a:lnRef>
-          <a:fillRef idx="0">
-            <a:schemeClr val="accent1"/>
-          </a:fillRef>
-          <a:effectRef idx="0">
-            <a:schemeClr val="accent1"/>
-          </a:effectRef>
-          <a:fontRef idx="minor">
-            <a:schemeClr val="tx1"/>
-          </a:fontRef>
-        </p:style>
-      </p:cxnSp>
-      <p:sp>
-        <p:nvSpPr>
-          <p:cNvPr id="42" name="Прямоугольник 41"/>
-          <p:cNvSpPr/>
-          <p:nvPr/>
-        </p:nvSpPr>
-        <p:spPr>
-          <a:xfrm>
-            <a:off x="2051720" y="2348880"/>
-            <a:ext cx="1008112" cy="504056"/>
-          </a:xfrm>
-          <a:prstGeom prst="rect">
-            <a:avLst/>
-          </a:prstGeom>
-          <a:solidFill>
-            <a:schemeClr val="accent3">
-              <a:lumMod val="75000"/>
-              <a:alpha val="50196"/>
-            </a:schemeClr>
-          </a:solidFill>
-          <a:ln w="12700">
-            <a:solidFill>
-              <a:schemeClr val="bg1"/>
-            </a:solidFill>
-          </a:ln>
-        </p:spPr>
-        <p:style>
-          <a:lnRef idx="3">
-            <a:schemeClr val="lt1"/>
-          </a:lnRef>
-          <a:fillRef idx="1">
-            <a:schemeClr val="accent1"/>
-          </a:fillRef>
-          <a:effectRef idx="1">
-            <a:schemeClr val="accent1"/>
-          </a:effectRef>
-          <a:fontRef idx="minor">
-            <a:schemeClr val="lt1"/>
-          </a:fontRef>
-        </p:style>
-        <p:txBody>
-          <a:bodyPr rtlCol="0" anchor="ctr"/>
-          <a:lstStyle/>
-          <a:p>
-            <a:pPr algn="ctr"/>
-            <a:r>
-              <a:rPr lang="en-US" sz="2000" dirty="0" err="1" smtClean="0">
-                <a:solidFill>
-                  <a:schemeClr val="bg1"/>
-                </a:solidFill>
-              </a:rPr>
-              <a:t>WiFi</a:t>
-            </a:r>
-            <a:endParaRPr lang="ru-RU" sz="2000" dirty="0">
-              <a:solidFill>
-                <a:schemeClr val="bg1"/>
-              </a:solidFill>
-            </a:endParaRPr>
-          </a:p>
-        </p:txBody>
-      </p:sp>
-      <p:sp>
-        <p:nvSpPr>
-          <p:cNvPr id="43" name="Прямоугольник 42"/>
-          <p:cNvSpPr/>
-          <p:nvPr/>
-        </p:nvSpPr>
-        <p:spPr>
-          <a:xfrm>
-            <a:off x="2051720" y="2996952"/>
-            <a:ext cx="1008112" cy="504056"/>
-          </a:xfrm>
-          <a:prstGeom prst="rect">
-            <a:avLst/>
-          </a:prstGeom>
-          <a:solidFill>
-            <a:schemeClr val="accent3">
-              <a:lumMod val="75000"/>
-              <a:alpha val="50196"/>
-            </a:schemeClr>
-          </a:solidFill>
-          <a:ln w="12700">
-            <a:solidFill>
-              <a:schemeClr val="bg1"/>
-            </a:solidFill>
-            <a:prstDash val="dash"/>
-          </a:ln>
-        </p:spPr>
-        <p:style>
-          <a:lnRef idx="3">
-            <a:schemeClr val="lt1"/>
-          </a:lnRef>
-          <a:fillRef idx="1">
-            <a:schemeClr val="accent1"/>
-          </a:fillRef>
-          <a:effectRef idx="1">
-            <a:schemeClr val="accent1"/>
-          </a:effectRef>
-          <a:fontRef idx="minor">
-            <a:schemeClr val="lt1"/>
-          </a:fontRef>
-        </p:style>
-        <p:txBody>
-          <a:bodyPr rtlCol="0" anchor="ctr"/>
-          <a:lstStyle/>
-          <a:p>
-            <a:pPr algn="ctr"/>
-            <a:r>
-              <a:rPr lang="en-US" sz="2000" dirty="0" smtClean="0">
-                <a:solidFill>
-                  <a:schemeClr val="bg1"/>
-                </a:solidFill>
-              </a:rPr>
-              <a:t>USB</a:t>
-            </a:r>
-            <a:endParaRPr lang="ru-RU" sz="2000" dirty="0">
-              <a:solidFill>
-                <a:schemeClr val="bg1"/>
-              </a:solidFill>
-            </a:endParaRPr>
-          </a:p>
-        </p:txBody>
-      </p:sp>
-      <p:cxnSp>
-        <p:nvCxnSpPr>
-          <p:cNvPr id="44" name="Соединительная линия уступом 43"/>
-          <p:cNvCxnSpPr>
-            <a:stCxn id="4" idx="3"/>
-            <a:endCxn id="42" idx="1"/>
-          </p:cNvCxnSpPr>
-          <p:nvPr/>
-        </p:nvCxnSpPr>
-        <p:spPr>
-          <a:xfrm>
-            <a:off x="1259632" y="2492896"/>
-            <a:ext cx="792088" cy="108012"/>
-          </a:xfrm>
-          <a:prstGeom prst="bentConnector3">
-            <a:avLst>
-              <a:gd name="adj1" fmla="val 50000"/>
-            </a:avLst>
-          </a:prstGeom>
-          <a:ln w="28575">
-            <a:solidFill>
-              <a:schemeClr val="bg1"/>
-            </a:solidFill>
-            <a:headEnd type="arrow"/>
-            <a:tailEnd type="arrow"/>
-          </a:ln>
-        </p:spPr>
-        <p:style>
-          <a:lnRef idx="1">
-            <a:schemeClr val="accent1"/>
-          </a:lnRef>
-          <a:fillRef idx="0">
-            <a:schemeClr val="accent1"/>
-          </a:fillRef>
-          <a:effectRef idx="0">
-            <a:schemeClr val="accent1"/>
-          </a:effectRef>
-          <a:fontRef idx="minor">
-            <a:schemeClr val="tx1"/>
-          </a:fontRef>
-        </p:style>
-      </p:cxnSp>
-      <p:cxnSp>
-        <p:nvCxnSpPr>
-          <p:cNvPr id="47" name="Соединительная линия уступом 46"/>
-          <p:cNvCxnSpPr>
-            <a:stCxn id="4" idx="3"/>
-            <a:endCxn id="43" idx="1"/>
-          </p:cNvCxnSpPr>
-          <p:nvPr/>
-        </p:nvCxnSpPr>
-        <p:spPr>
-          <a:xfrm>
-            <a:off x="1259632" y="2492896"/>
-            <a:ext cx="792088" cy="756084"/>
-          </a:xfrm>
-          <a:prstGeom prst="bentConnector3">
-            <a:avLst>
-              <a:gd name="adj1" fmla="val 50000"/>
-            </a:avLst>
-          </a:prstGeom>
-          <a:ln w="28575">
-            <a:solidFill>
-              <a:schemeClr val="bg1"/>
-            </a:solidFill>
-            <a:headEnd type="arrow"/>
-            <a:tailEnd type="arrow"/>
-          </a:ln>
-        </p:spPr>
-        <p:style>
-          <a:lnRef idx="1">
-            <a:schemeClr val="accent1"/>
-          </a:lnRef>
-          <a:fillRef idx="0">
-            <a:schemeClr val="accent1"/>
-          </a:fillRef>
-          <a:effectRef idx="0">
-            <a:schemeClr val="accent1"/>
-          </a:effectRef>
-          <a:fontRef idx="minor">
-            <a:schemeClr val="tx1"/>
-          </a:fontRef>
-        </p:style>
-      </p:cxnSp>
-      <p:cxnSp>
-        <p:nvCxnSpPr>
-          <p:cNvPr id="51" name="Соединительная линия уступом 49"/>
-          <p:cNvCxnSpPr>
-            <a:stCxn id="42" idx="3"/>
-            <a:endCxn id="5" idx="0"/>
-          </p:cNvCxnSpPr>
-          <p:nvPr/>
-        </p:nvCxnSpPr>
-        <p:spPr>
-          <a:xfrm flipV="1">
-            <a:off x="3059832" y="2492896"/>
-            <a:ext cx="1764196" cy="108012"/>
-          </a:xfrm>
-          <a:prstGeom prst="bentConnector4">
-            <a:avLst>
-              <a:gd name="adj1" fmla="val 22449"/>
-              <a:gd name="adj2" fmla="val 596720"/>
-            </a:avLst>
-          </a:prstGeom>
-          <a:ln w="28575">
-            <a:solidFill>
-              <a:schemeClr val="bg1"/>
-            </a:solidFill>
-            <a:headEnd type="arrow"/>
-            <a:tailEnd type="arrow"/>
-          </a:ln>
-        </p:spPr>
-        <p:style>
-          <a:lnRef idx="1">
-            <a:schemeClr val="accent1"/>
-          </a:lnRef>
-          <a:fillRef idx="0">
-            <a:schemeClr val="accent1"/>
-          </a:fillRef>
-          <a:effectRef idx="0">
-            <a:schemeClr val="accent1"/>
-          </a:effectRef>
-          <a:fontRef idx="minor">
-            <a:schemeClr val="tx1"/>
-          </a:fontRef>
-        </p:style>
-      </p:cxnSp>
-      <p:cxnSp>
-        <p:nvCxnSpPr>
-          <p:cNvPr id="54" name="Соединительная линия уступом 49"/>
-          <p:cNvCxnSpPr>
-            <a:stCxn id="43" idx="3"/>
-            <a:endCxn id="5" idx="0"/>
-          </p:cNvCxnSpPr>
-          <p:nvPr/>
-        </p:nvCxnSpPr>
-        <p:spPr>
-          <a:xfrm flipV="1">
-            <a:off x="3059832" y="2492896"/>
-            <a:ext cx="1764196" cy="756084"/>
-          </a:xfrm>
-          <a:prstGeom prst="bentConnector4">
-            <a:avLst>
-              <a:gd name="adj1" fmla="val 22449"/>
-              <a:gd name="adj2" fmla="val 171309"/>
-            </a:avLst>
-          </a:prstGeom>
-          <a:ln w="28575">
-            <a:solidFill>
-              <a:schemeClr val="bg1"/>
-            </a:solidFill>
-            <a:headEnd type="arrow"/>
-            <a:tailEnd type="arrow"/>
-          </a:ln>
-        </p:spPr>
-        <p:style>
-          <a:lnRef idx="1">
-            <a:schemeClr val="accent1"/>
-          </a:lnRef>
-          <a:fillRef idx="0">
-            <a:schemeClr val="accent1"/>
-          </a:fillRef>
-          <a:effectRef idx="0">
-            <a:schemeClr val="accent1"/>
-          </a:effectRef>
-          <a:fontRef idx="minor">
-            <a:schemeClr val="tx1"/>
-          </a:fontRef>
-        </p:style>
-      </p:cxnSp>
-      <p:cxnSp>
-        <p:nvCxnSpPr>
-          <p:cNvPr id="39" name="Прямая соединительная линия 38"/>
-          <p:cNvCxnSpPr/>
-          <p:nvPr/>
-        </p:nvCxnSpPr>
-        <p:spPr>
-          <a:xfrm>
-            <a:off x="1763688" y="1556792"/>
-            <a:ext cx="0" cy="4464496"/>
-          </a:xfrm>
-          <a:prstGeom prst="line">
-            <a:avLst/>
-          </a:prstGeom>
-          <a:ln w="28575">
-            <a:solidFill>
-              <a:schemeClr val="bg1"/>
-            </a:solidFill>
-            <a:prstDash val="dash"/>
-          </a:ln>
-        </p:spPr>
-        <p:style>
-          <a:lnRef idx="1">
-            <a:schemeClr val="accent1"/>
-          </a:lnRef>
-          <a:fillRef idx="0">
-            <a:schemeClr val="accent1"/>
-          </a:fillRef>
-          <a:effectRef idx="0">
-            <a:schemeClr val="accent1"/>
-          </a:effectRef>
-          <a:fontRef idx="minor">
-            <a:schemeClr val="tx1"/>
-          </a:fontRef>
-        </p:style>
-      </p:cxnSp>
-      <p:sp>
-        <p:nvSpPr>
-          <p:cNvPr id="93" name="Прямоугольник 92"/>
-          <p:cNvSpPr/>
-          <p:nvPr/>
-        </p:nvSpPr>
-        <p:spPr>
-          <a:xfrm>
-            <a:off x="6372200" y="3861048"/>
-            <a:ext cx="2016224" cy="288032"/>
-          </a:xfrm>
-          <a:prstGeom prst="rect">
-            <a:avLst/>
-          </a:prstGeom>
-          <a:solidFill>
-            <a:schemeClr val="accent1">
-              <a:lumMod val="75000"/>
-              <a:alpha val="50196"/>
-            </a:schemeClr>
-          </a:solidFill>
-          <a:ln w="12700">
-            <a:prstDash val="dash"/>
-          </a:ln>
-        </p:spPr>
-        <p:style>
-          <a:lnRef idx="3">
-            <a:schemeClr val="lt1"/>
-          </a:lnRef>
-          <a:fillRef idx="1">
-            <a:schemeClr val="accent1"/>
-          </a:fillRef>
-          <a:effectRef idx="1">
-            <a:schemeClr val="accent1"/>
-          </a:effectRef>
-          <a:fontRef idx="minor">
-            <a:schemeClr val="lt1"/>
-          </a:fontRef>
-        </p:style>
-        <p:txBody>
-          <a:bodyPr rtlCol="0" anchor="ctr"/>
-          <a:lstStyle/>
-          <a:p>
-            <a:pPr algn="ctr"/>
-            <a:r>
-              <a:rPr lang="en-US" sz="1400" dirty="0" smtClean="0">
-                <a:solidFill>
-                  <a:schemeClr val="bg1"/>
-                </a:solidFill>
-              </a:rPr>
-              <a:t>GPS *</a:t>
-            </a:r>
-            <a:endParaRPr lang="en-US" sz="1400" dirty="0" smtClean="0">
-              <a:solidFill>
-                <a:schemeClr val="bg1"/>
-              </a:solidFill>
-            </a:endParaRPr>
-          </a:p>
-        </p:txBody>
-      </p:sp>
-      <p:cxnSp>
-        <p:nvCxnSpPr>
-          <p:cNvPr id="94" name="Соединительная линия уступом 93"/>
-          <p:cNvCxnSpPr>
-            <a:stCxn id="93" idx="1"/>
-            <a:endCxn id="5" idx="3"/>
-          </p:cNvCxnSpPr>
-          <p:nvPr/>
-        </p:nvCxnSpPr>
-        <p:spPr>
-          <a:xfrm rot="10800000">
-            <a:off x="5796136" y="3032956"/>
-            <a:ext cx="576064" cy="972108"/>
-          </a:xfrm>
-          <a:prstGeom prst="bentConnector3">
-            <a:avLst>
-              <a:gd name="adj1" fmla="val 50000"/>
-            </a:avLst>
-          </a:prstGeom>
-          <a:ln w="28575">
-            <a:solidFill>
-              <a:schemeClr val="bg1"/>
-            </a:solidFill>
-            <a:tailEnd type="arrow"/>
-          </a:ln>
-        </p:spPr>
-        <p:style>
-          <a:lnRef idx="1">
-            <a:schemeClr val="accent1"/>
-          </a:lnRef>
-          <a:fillRef idx="0">
-            <a:schemeClr val="accent1"/>
-          </a:fillRef>
-          <a:effectRef idx="0">
-            <a:schemeClr val="accent1"/>
-          </a:effectRef>
-          <a:fontRef idx="minor">
-            <a:schemeClr val="tx1"/>
-          </a:fontRef>
-        </p:style>
-      </p:cxnSp>
-      <p:sp>
-        <p:nvSpPr>
-          <p:cNvPr id="115" name="Прямоугольник 114"/>
-          <p:cNvSpPr/>
-          <p:nvPr/>
-        </p:nvSpPr>
-        <p:spPr>
-          <a:xfrm>
-            <a:off x="6372200" y="2564904"/>
-            <a:ext cx="2016224" cy="288032"/>
-          </a:xfrm>
-          <a:prstGeom prst="rect">
-            <a:avLst/>
-          </a:prstGeom>
-          <a:solidFill>
-            <a:schemeClr val="accent1">
-              <a:lumMod val="75000"/>
-              <a:alpha val="50196"/>
-            </a:schemeClr>
-          </a:solidFill>
-          <a:ln w="12700"/>
-        </p:spPr>
-        <p:style>
-          <a:lnRef idx="3">
-            <a:schemeClr val="lt1"/>
-          </a:lnRef>
-          <a:fillRef idx="1">
-            <a:schemeClr val="accent1"/>
-          </a:fillRef>
-          <a:effectRef idx="1">
-            <a:schemeClr val="accent1"/>
-          </a:effectRef>
-          <a:fontRef idx="minor">
-            <a:schemeClr val="lt1"/>
-          </a:fontRef>
-        </p:style>
-        <p:txBody>
-          <a:bodyPr rtlCol="0" anchor="ctr"/>
-          <a:lstStyle/>
-          <a:p>
-            <a:pPr algn="ctr"/>
-            <a:r>
-              <a:rPr lang="en-US" sz="1400" dirty="0" smtClean="0">
-                <a:solidFill>
-                  <a:schemeClr val="bg1"/>
-                </a:solidFill>
-              </a:rPr>
-              <a:t>Sonar</a:t>
-            </a:r>
-            <a:endParaRPr lang="ru-RU" sz="1400" dirty="0">
-              <a:solidFill>
-                <a:schemeClr val="bg1"/>
-              </a:solidFill>
-            </a:endParaRPr>
-          </a:p>
-        </p:txBody>
-      </p:sp>
-      <p:cxnSp>
-        <p:nvCxnSpPr>
-          <p:cNvPr id="119" name="Соединительная линия уступом 118"/>
-          <p:cNvCxnSpPr/>
-          <p:nvPr/>
-        </p:nvCxnSpPr>
-        <p:spPr>
-          <a:xfrm rot="10800000" flipV="1">
-            <a:off x="5796136" y="2276872"/>
-            <a:ext cx="576064" cy="756084"/>
-          </a:xfrm>
-          <a:prstGeom prst="bentConnector3">
-            <a:avLst>
-              <a:gd name="adj1" fmla="val 50000"/>
-            </a:avLst>
-          </a:prstGeom>
-          <a:ln w="28575">
-            <a:solidFill>
-              <a:schemeClr val="bg1"/>
-            </a:solidFill>
-            <a:tailEnd type="arrow"/>
-          </a:ln>
-        </p:spPr>
-        <p:style>
-          <a:lnRef idx="1">
-            <a:schemeClr val="accent1"/>
-          </a:lnRef>
-          <a:fillRef idx="0">
-            <a:schemeClr val="accent1"/>
-          </a:fillRef>
-          <a:effectRef idx="0">
-            <a:schemeClr val="accent1"/>
-          </a:effectRef>
-          <a:fontRef idx="minor">
-            <a:schemeClr val="tx1"/>
-          </a:fontRef>
-        </p:style>
-      </p:cxnSp>
-    </p:spTree>
-  </p:cSld>
-  <p:clrMapOvr>
-    <a:masterClrMapping/>
-  </p:clrMapOvr>
-  <p:timing>
-    <p:tnLst>
-      <p:par>
-        <p:cTn id="1" dur="indefinite" restart="never" nodeType="tmRoot"/>
-      </p:par>
-    </p:tnLst>
-  </p:timing>
-</p:sld>
-</file>
-
-<file path=ppt/slides/slide9.xml><?xml version="1.0" encoding="utf-8"?>
 <p:sld xmlns:a="http://schemas.openxmlformats.org/drawingml/2006/main" xmlns:r="http://schemas.openxmlformats.org/officeDocument/2006/relationships" xmlns:p="http://schemas.openxmlformats.org/presentationml/2006/main" show="0">
   <p:cSld>
     <p:spTree>
@@ -8312,6 +4550,5162 @@
     <a:masterClrMapping/>
   </p:clrMapOvr>
   <p:transition/>
+  <p:timing>
+    <p:tnLst>
+      <p:par>
+        <p:cTn id="1" dur="indefinite" restart="never" nodeType="tmRoot"/>
+      </p:par>
+    </p:tnLst>
+  </p:timing>
+</p:sld>
+</file>
+
+<file path=ppt/slides/slide11.xml><?xml version="1.0" encoding="utf-8"?>
+<p:sld xmlns:a="http://schemas.openxmlformats.org/drawingml/2006/main" xmlns:r="http://schemas.openxmlformats.org/officeDocument/2006/relationships" xmlns:p="http://schemas.openxmlformats.org/presentationml/2006/main">
+  <p:cSld>
+    <p:spTree>
+      <p:nvGrpSpPr>
+        <p:cNvPr id="1" name=""/>
+        <p:cNvGrpSpPr/>
+        <p:nvPr/>
+      </p:nvGrpSpPr>
+      <p:grpSpPr>
+        <a:xfrm>
+          <a:off x="0" y="0"/>
+          <a:ext cx="0" cy="0"/>
+          <a:chOff x="0" y="0"/>
+          <a:chExt cx="0" cy="0"/>
+        </a:xfrm>
+      </p:grpSpPr>
+      <p:sp>
+        <p:nvSpPr>
+          <p:cNvPr id="2" name="Заголовок 1"/>
+          <p:cNvSpPr>
+            <a:spLocks noGrp="1"/>
+          </p:cNvSpPr>
+          <p:nvPr>
+            <p:ph type="title"/>
+          </p:nvPr>
+        </p:nvSpPr>
+        <p:spPr/>
+        <p:txBody>
+          <a:bodyPr>
+            <a:normAutofit fontScale="90000"/>
+          </a:bodyPr>
+          <a:lstStyle/>
+          <a:p>
+            <a:r>
+              <a:rPr lang="ru-RU" dirty="0" smtClean="0"/>
+              <a:t>Схема функционирования 4Р-БПЛА</a:t>
+            </a:r>
+            <a:endParaRPr lang="ru-RU" dirty="0"/>
+          </a:p>
+        </p:txBody>
+      </p:sp>
+      <p:sp>
+        <p:nvSpPr>
+          <p:cNvPr id="5" name="Прямоугольник 4"/>
+          <p:cNvSpPr/>
+          <p:nvPr/>
+        </p:nvSpPr>
+        <p:spPr>
+          <a:xfrm>
+            <a:off x="3851920" y="2492896"/>
+            <a:ext cx="1944216" cy="1080120"/>
+          </a:xfrm>
+          <a:prstGeom prst="rect">
+            <a:avLst/>
+          </a:prstGeom>
+          <a:solidFill>
+            <a:srgbClr val="640000">
+              <a:alpha val="49804"/>
+            </a:srgbClr>
+          </a:solidFill>
+          <a:ln w="12700">
+            <a:solidFill>
+              <a:schemeClr val="bg1"/>
+            </a:solidFill>
+          </a:ln>
+        </p:spPr>
+        <p:style>
+          <a:lnRef idx="3">
+            <a:schemeClr val="lt1"/>
+          </a:lnRef>
+          <a:fillRef idx="1">
+            <a:schemeClr val="accent1"/>
+          </a:fillRef>
+          <a:effectRef idx="1">
+            <a:schemeClr val="accent1"/>
+          </a:effectRef>
+          <a:fontRef idx="minor">
+            <a:schemeClr val="lt1"/>
+          </a:fontRef>
+        </p:style>
+        <p:txBody>
+          <a:bodyPr rtlCol="0" anchor="ctr"/>
+          <a:lstStyle/>
+          <a:p>
+            <a:pPr algn="ctr"/>
+            <a:r>
+              <a:rPr lang="en-US" sz="2400" dirty="0" smtClean="0">
+                <a:solidFill>
+                  <a:schemeClr val="bg1"/>
+                </a:solidFill>
+              </a:rPr>
+              <a:t>Controller</a:t>
+            </a:r>
+            <a:endParaRPr lang="ru-RU" sz="2400" dirty="0">
+              <a:solidFill>
+                <a:schemeClr val="bg1"/>
+              </a:solidFill>
+            </a:endParaRPr>
+          </a:p>
+        </p:txBody>
+      </p:sp>
+    </p:spTree>
+  </p:cSld>
+  <p:clrMapOvr>
+    <a:masterClrMapping/>
+  </p:clrMapOvr>
+  <p:timing>
+    <p:tnLst>
+      <p:par>
+        <p:cTn id="1" dur="indefinite" restart="never" nodeType="tmRoot"/>
+      </p:par>
+    </p:tnLst>
+  </p:timing>
+</p:sld>
+</file>
+
+<file path=ppt/slides/slide12.xml><?xml version="1.0" encoding="utf-8"?>
+<p:sld xmlns:a="http://schemas.openxmlformats.org/drawingml/2006/main" xmlns:r="http://schemas.openxmlformats.org/officeDocument/2006/relationships" xmlns:p="http://schemas.openxmlformats.org/presentationml/2006/main">
+  <p:cSld>
+    <p:spTree>
+      <p:nvGrpSpPr>
+        <p:cNvPr id="1" name=""/>
+        <p:cNvGrpSpPr/>
+        <p:nvPr/>
+      </p:nvGrpSpPr>
+      <p:grpSpPr>
+        <a:xfrm>
+          <a:off x="0" y="0"/>
+          <a:ext cx="0" cy="0"/>
+          <a:chOff x="0" y="0"/>
+          <a:chExt cx="0" cy="0"/>
+        </a:xfrm>
+      </p:grpSpPr>
+      <p:sp>
+        <p:nvSpPr>
+          <p:cNvPr id="2" name="Заголовок 1"/>
+          <p:cNvSpPr>
+            <a:spLocks noGrp="1"/>
+          </p:cNvSpPr>
+          <p:nvPr>
+            <p:ph type="title"/>
+          </p:nvPr>
+        </p:nvSpPr>
+        <p:spPr/>
+        <p:txBody>
+          <a:bodyPr/>
+          <a:lstStyle/>
+          <a:p>
+            <a:endParaRPr lang="ru-RU"/>
+          </a:p>
+        </p:txBody>
+      </p:sp>
+      <p:sp>
+        <p:nvSpPr>
+          <p:cNvPr id="3" name="Содержимое 2"/>
+          <p:cNvSpPr>
+            <a:spLocks noGrp="1"/>
+          </p:cNvSpPr>
+          <p:nvPr>
+            <p:ph idx="1"/>
+          </p:nvPr>
+        </p:nvSpPr>
+        <p:spPr/>
+        <p:txBody>
+          <a:bodyPr/>
+          <a:lstStyle/>
+          <a:p>
+            <a:endParaRPr lang="ru-RU"/>
+          </a:p>
+        </p:txBody>
+      </p:sp>
+    </p:spTree>
+  </p:cSld>
+  <p:clrMapOvr>
+    <a:masterClrMapping/>
+  </p:clrMapOvr>
+  <p:timing>
+    <p:tnLst>
+      <p:par>
+        <p:cTn id="1" dur="indefinite" restart="never" nodeType="tmRoot"/>
+      </p:par>
+    </p:tnLst>
+  </p:timing>
+</p:sld>
+</file>
+
+<file path=ppt/slides/slide13.xml><?xml version="1.0" encoding="utf-8"?>
+<p:sld xmlns:a="http://schemas.openxmlformats.org/drawingml/2006/main" xmlns:r="http://schemas.openxmlformats.org/officeDocument/2006/relationships" xmlns:p="http://schemas.openxmlformats.org/presentationml/2006/main">
+  <p:cSld>
+    <p:spTree>
+      <p:nvGrpSpPr>
+        <p:cNvPr id="1" name=""/>
+        <p:cNvGrpSpPr/>
+        <p:nvPr/>
+      </p:nvGrpSpPr>
+      <p:grpSpPr>
+        <a:xfrm>
+          <a:off x="0" y="0"/>
+          <a:ext cx="0" cy="0"/>
+          <a:chOff x="0" y="0"/>
+          <a:chExt cx="0" cy="0"/>
+        </a:xfrm>
+      </p:grpSpPr>
+      <p:sp>
+        <p:nvSpPr>
+          <p:cNvPr id="2" name="Заголовок 1"/>
+          <p:cNvSpPr>
+            <a:spLocks noGrp="1"/>
+          </p:cNvSpPr>
+          <p:nvPr>
+            <p:ph type="title"/>
+          </p:nvPr>
+        </p:nvSpPr>
+        <p:spPr/>
+        <p:txBody>
+          <a:bodyPr/>
+          <a:lstStyle/>
+          <a:p>
+            <a:endParaRPr lang="ru-RU"/>
+          </a:p>
+        </p:txBody>
+      </p:sp>
+      <p:sp>
+        <p:nvSpPr>
+          <p:cNvPr id="3" name="Содержимое 2"/>
+          <p:cNvSpPr>
+            <a:spLocks noGrp="1"/>
+          </p:cNvSpPr>
+          <p:nvPr>
+            <p:ph idx="1"/>
+          </p:nvPr>
+        </p:nvSpPr>
+        <p:spPr/>
+        <p:txBody>
+          <a:bodyPr/>
+          <a:lstStyle/>
+          <a:p>
+            <a:endParaRPr lang="ru-RU"/>
+          </a:p>
+        </p:txBody>
+      </p:sp>
+    </p:spTree>
+  </p:cSld>
+  <p:clrMapOvr>
+    <a:masterClrMapping/>
+  </p:clrMapOvr>
+  <p:timing>
+    <p:tnLst>
+      <p:par>
+        <p:cTn id="1" dur="indefinite" restart="never" nodeType="tmRoot"/>
+      </p:par>
+    </p:tnLst>
+  </p:timing>
+</p:sld>
+</file>
+
+<file path=ppt/slides/slide14.xml><?xml version="1.0" encoding="utf-8"?>
+<p:sld xmlns:a="http://schemas.openxmlformats.org/drawingml/2006/main" xmlns:r="http://schemas.openxmlformats.org/officeDocument/2006/relationships" xmlns:p="http://schemas.openxmlformats.org/presentationml/2006/main">
+  <p:cSld>
+    <p:spTree>
+      <p:nvGrpSpPr>
+        <p:cNvPr id="1" name=""/>
+        <p:cNvGrpSpPr/>
+        <p:nvPr/>
+      </p:nvGrpSpPr>
+      <p:grpSpPr>
+        <a:xfrm>
+          <a:off x="0" y="0"/>
+          <a:ext cx="0" cy="0"/>
+          <a:chOff x="0" y="0"/>
+          <a:chExt cx="0" cy="0"/>
+        </a:xfrm>
+      </p:grpSpPr>
+      <p:sp>
+        <p:nvSpPr>
+          <p:cNvPr id="2" name="Заголовок 1"/>
+          <p:cNvSpPr>
+            <a:spLocks noGrp="1"/>
+          </p:cNvSpPr>
+          <p:nvPr>
+            <p:ph type="title"/>
+          </p:nvPr>
+        </p:nvSpPr>
+        <p:spPr/>
+        <p:txBody>
+          <a:bodyPr/>
+          <a:lstStyle/>
+          <a:p>
+            <a:r>
+              <a:rPr lang="ru-RU" dirty="0" smtClean="0"/>
+              <a:t>Заключение</a:t>
+            </a:r>
+            <a:endParaRPr lang="ru-RU" dirty="0"/>
+          </a:p>
+        </p:txBody>
+      </p:sp>
+      <p:sp>
+        <p:nvSpPr>
+          <p:cNvPr id="3" name="Содержимое 2"/>
+          <p:cNvSpPr>
+            <a:spLocks noGrp="1"/>
+          </p:cNvSpPr>
+          <p:nvPr>
+            <p:ph idx="1"/>
+          </p:nvPr>
+        </p:nvSpPr>
+        <p:spPr/>
+        <p:txBody>
+          <a:bodyPr/>
+          <a:lstStyle/>
+          <a:p>
+            <a:endParaRPr lang="ru-RU"/>
+          </a:p>
+        </p:txBody>
+      </p:sp>
+    </p:spTree>
+  </p:cSld>
+  <p:clrMapOvr>
+    <a:masterClrMapping/>
+  </p:clrMapOvr>
+  <p:timing>
+    <p:tnLst>
+      <p:par>
+        <p:cTn id="1" dur="indefinite" restart="never" nodeType="tmRoot"/>
+      </p:par>
+    </p:tnLst>
+  </p:timing>
+</p:sld>
+</file>
+
+<file path=ppt/slides/slide15.xml><?xml version="1.0" encoding="utf-8"?>
+<p:sld xmlns:a="http://schemas.openxmlformats.org/drawingml/2006/main" xmlns:r="http://schemas.openxmlformats.org/officeDocument/2006/relationships" xmlns:p="http://schemas.openxmlformats.org/presentationml/2006/main">
+  <p:cSld>
+    <p:spTree>
+      <p:nvGrpSpPr>
+        <p:cNvPr id="1" name=""/>
+        <p:cNvGrpSpPr/>
+        <p:nvPr/>
+      </p:nvGrpSpPr>
+      <p:grpSpPr>
+        <a:xfrm>
+          <a:off x="0" y="0"/>
+          <a:ext cx="0" cy="0"/>
+          <a:chOff x="0" y="0"/>
+          <a:chExt cx="0" cy="0"/>
+        </a:xfrm>
+      </p:grpSpPr>
+      <p:sp>
+        <p:nvSpPr>
+          <p:cNvPr id="2" name="Заголовок 1"/>
+          <p:cNvSpPr>
+            <a:spLocks noGrp="1"/>
+          </p:cNvSpPr>
+          <p:nvPr>
+            <p:ph type="title"/>
+          </p:nvPr>
+        </p:nvSpPr>
+        <p:spPr/>
+        <p:txBody>
+          <a:bodyPr/>
+          <a:lstStyle/>
+          <a:p>
+            <a:r>
+              <a:rPr lang="ru-RU" dirty="0" smtClean="0"/>
+              <a:t>Вопросы?</a:t>
+            </a:r>
+            <a:endParaRPr lang="ru-RU" dirty="0"/>
+          </a:p>
+        </p:txBody>
+      </p:sp>
+    </p:spTree>
+  </p:cSld>
+  <p:clrMapOvr>
+    <a:masterClrMapping/>
+  </p:clrMapOvr>
+  <p:timing>
+    <p:tnLst>
+      <p:par>
+        <p:cTn id="1" dur="indefinite" restart="never" nodeType="tmRoot"/>
+      </p:par>
+    </p:tnLst>
+  </p:timing>
+</p:sld>
+</file>
+
+<file path=ppt/slides/slide2.xml><?xml version="1.0" encoding="utf-8"?>
+<p:sld xmlns:a="http://schemas.openxmlformats.org/drawingml/2006/main" xmlns:r="http://schemas.openxmlformats.org/officeDocument/2006/relationships" xmlns:p="http://schemas.openxmlformats.org/presentationml/2006/main">
+  <p:cSld>
+    <p:spTree>
+      <p:nvGrpSpPr>
+        <p:cNvPr id="1" name=""/>
+        <p:cNvGrpSpPr/>
+        <p:nvPr/>
+      </p:nvGrpSpPr>
+      <p:grpSpPr>
+        <a:xfrm>
+          <a:off x="0" y="0"/>
+          <a:ext cx="0" cy="0"/>
+          <a:chOff x="0" y="0"/>
+          <a:chExt cx="0" cy="0"/>
+        </a:xfrm>
+      </p:grpSpPr>
+      <p:sp>
+        <p:nvSpPr>
+          <p:cNvPr id="2" name="Заголовок 1"/>
+          <p:cNvSpPr>
+            <a:spLocks noGrp="1"/>
+          </p:cNvSpPr>
+          <p:nvPr>
+            <p:ph type="title"/>
+          </p:nvPr>
+        </p:nvSpPr>
+        <p:spPr/>
+        <p:txBody>
+          <a:bodyPr/>
+          <a:lstStyle/>
+          <a:p>
+            <a:r>
+              <a:rPr lang="ru-RU" dirty="0" smtClean="0"/>
+              <a:t>Задачи</a:t>
+            </a:r>
+            <a:endParaRPr lang="ru-RU" dirty="0"/>
+          </a:p>
+        </p:txBody>
+      </p:sp>
+      <p:sp>
+        <p:nvSpPr>
+          <p:cNvPr id="3" name="Содержимое 2"/>
+          <p:cNvSpPr>
+            <a:spLocks noGrp="1"/>
+          </p:cNvSpPr>
+          <p:nvPr>
+            <p:ph idx="1"/>
+          </p:nvPr>
+        </p:nvSpPr>
+        <p:spPr>
+          <a:solidFill>
+            <a:srgbClr val="000000">
+              <a:alpha val="69804"/>
+            </a:srgbClr>
+          </a:solidFill>
+        </p:spPr>
+        <p:txBody>
+          <a:bodyPr>
+            <a:normAutofit/>
+          </a:bodyPr>
+          <a:lstStyle/>
+          <a:p>
+            <a:r>
+              <a:rPr lang="ru-RU" sz="2800" dirty="0" smtClean="0"/>
+              <a:t>Создание комплекса 4Р-БПЛА для </a:t>
+            </a:r>
+            <a:r>
+              <a:rPr lang="ru-RU" sz="2800" dirty="0" smtClean="0"/>
+              <a:t>решения задачи </a:t>
+            </a:r>
+            <a:r>
+              <a:rPr lang="ru-RU" sz="2800" dirty="0" smtClean="0"/>
+              <a:t>навигации в закрытых помещениях (КНЗП)</a:t>
+            </a:r>
+          </a:p>
+          <a:p>
+            <a:endParaRPr lang="ru-RU" sz="2800" dirty="0" smtClean="0"/>
+          </a:p>
+          <a:p>
+            <a:r>
+              <a:rPr lang="ru-RU" sz="2800" dirty="0" smtClean="0"/>
+              <a:t>Создание </a:t>
+            </a:r>
+            <a:r>
+              <a:rPr lang="ru-RU" sz="2800" dirty="0" smtClean="0"/>
+              <a:t>виртуального полигона для исследования динамики 4Р-БПЛА в закрытых помещениях (</a:t>
+            </a:r>
+            <a:r>
+              <a:rPr lang="en-US" sz="2800" dirty="0" err="1" smtClean="0"/>
+              <a:t>Quadro</a:t>
+            </a:r>
+            <a:r>
+              <a:rPr lang="en-US" i="1" dirty="0" err="1" smtClean="0">
+                <a:solidFill>
+                  <a:srgbClr val="FF0000"/>
+                </a:solidFill>
+              </a:rPr>
+              <a:t>X</a:t>
+            </a:r>
+            <a:r>
+              <a:rPr lang="en-US" sz="2800" dirty="0" smtClean="0"/>
+              <a:t>-DS</a:t>
+            </a:r>
+            <a:r>
+              <a:rPr lang="ru-RU" sz="2800" dirty="0" smtClean="0"/>
+              <a:t>)</a:t>
+            </a:r>
+            <a:endParaRPr lang="en-US" sz="2800" dirty="0" smtClean="0"/>
+          </a:p>
+          <a:p>
+            <a:endParaRPr lang="ru-RU" sz="2800" dirty="0" smtClean="0"/>
+          </a:p>
+        </p:txBody>
+      </p:sp>
+    </p:spTree>
+  </p:cSld>
+  <p:clrMapOvr>
+    <a:masterClrMapping/>
+  </p:clrMapOvr>
+  <p:timing>
+    <p:tnLst>
+      <p:par>
+        <p:cTn id="1" dur="indefinite" restart="never" nodeType="tmRoot"/>
+      </p:par>
+    </p:tnLst>
+  </p:timing>
+</p:sld>
+</file>
+
+<file path=ppt/slides/slide3.xml><?xml version="1.0" encoding="utf-8"?>
+<p:sld xmlns:a="http://schemas.openxmlformats.org/drawingml/2006/main" xmlns:r="http://schemas.openxmlformats.org/officeDocument/2006/relationships" xmlns:p="http://schemas.openxmlformats.org/presentationml/2006/main">
+  <p:cSld>
+    <p:spTree>
+      <p:nvGrpSpPr>
+        <p:cNvPr id="1" name=""/>
+        <p:cNvGrpSpPr/>
+        <p:nvPr/>
+      </p:nvGrpSpPr>
+      <p:grpSpPr>
+        <a:xfrm>
+          <a:off x="0" y="0"/>
+          <a:ext cx="0" cy="0"/>
+          <a:chOff x="0" y="0"/>
+          <a:chExt cx="0" cy="0"/>
+        </a:xfrm>
+      </p:grpSpPr>
+      <p:sp>
+        <p:nvSpPr>
+          <p:cNvPr id="2" name="Заголовок 1"/>
+          <p:cNvSpPr>
+            <a:spLocks noGrp="1"/>
+          </p:cNvSpPr>
+          <p:nvPr>
+            <p:ph type="title"/>
+          </p:nvPr>
+        </p:nvSpPr>
+        <p:spPr/>
+        <p:txBody>
+          <a:bodyPr/>
+          <a:lstStyle/>
+          <a:p>
+            <a:r>
+              <a:rPr lang="ru-RU" dirty="0" smtClean="0"/>
+              <a:t>Области применения</a:t>
+            </a:r>
+            <a:endParaRPr lang="ru-RU" dirty="0"/>
+          </a:p>
+        </p:txBody>
+      </p:sp>
+      <p:sp>
+        <p:nvSpPr>
+          <p:cNvPr id="3" name="Содержимое 2"/>
+          <p:cNvSpPr>
+            <a:spLocks noGrp="1"/>
+          </p:cNvSpPr>
+          <p:nvPr>
+            <p:ph idx="1"/>
+          </p:nvPr>
+        </p:nvSpPr>
+        <p:spPr>
+          <a:solidFill>
+            <a:srgbClr val="000000">
+              <a:alpha val="69804"/>
+            </a:srgbClr>
+          </a:solidFill>
+        </p:spPr>
+        <p:txBody>
+          <a:bodyPr>
+            <a:normAutofit/>
+          </a:bodyPr>
+          <a:lstStyle/>
+          <a:p>
+            <a:r>
+              <a:rPr lang="ru-RU" sz="2800" dirty="0" smtClean="0"/>
+              <a:t>Спасательные операции</a:t>
+            </a:r>
+          </a:p>
+          <a:p>
+            <a:pPr lvl="1"/>
+            <a:r>
+              <a:rPr lang="ru-RU" sz="2400" dirty="0" smtClean="0">
+                <a:solidFill>
+                  <a:srgbClr val="80FF80"/>
+                </a:solidFill>
+              </a:rPr>
+              <a:t>В пещерах</a:t>
+            </a:r>
+          </a:p>
+          <a:p>
+            <a:pPr lvl="1"/>
+            <a:r>
+              <a:rPr lang="ru-RU" sz="2400" dirty="0" smtClean="0">
+                <a:solidFill>
+                  <a:srgbClr val="80FF80"/>
+                </a:solidFill>
+              </a:rPr>
+              <a:t>В завалах</a:t>
+            </a:r>
+            <a:endParaRPr lang="en-US" sz="2400" dirty="0" smtClean="0">
+              <a:solidFill>
+                <a:srgbClr val="80FF80"/>
+              </a:solidFill>
+            </a:endParaRPr>
+          </a:p>
+          <a:p>
+            <a:pPr lvl="1"/>
+            <a:endParaRPr lang="ru-RU" sz="2400" dirty="0" smtClean="0">
+              <a:solidFill>
+                <a:srgbClr val="80FF80"/>
+              </a:solidFill>
+            </a:endParaRPr>
+          </a:p>
+          <a:p>
+            <a:r>
+              <a:rPr lang="ru-RU" sz="2800" dirty="0" smtClean="0"/>
+              <a:t>Мониторинг объектов на предмет:</a:t>
+            </a:r>
+          </a:p>
+          <a:p>
+            <a:pPr lvl="1"/>
+            <a:r>
+              <a:rPr lang="ru-RU" sz="2400" dirty="0" smtClean="0">
+                <a:solidFill>
+                  <a:srgbClr val="80FF80"/>
+                </a:solidFill>
+              </a:rPr>
+              <a:t>Проникновений на охраняемые объекты</a:t>
+            </a:r>
+          </a:p>
+          <a:p>
+            <a:pPr lvl="1"/>
+            <a:r>
+              <a:rPr lang="ru-RU" sz="2400" dirty="0" smtClean="0">
+                <a:solidFill>
+                  <a:srgbClr val="80FF80"/>
+                </a:solidFill>
+              </a:rPr>
+              <a:t>Аварий на опасных объектах</a:t>
+            </a:r>
+            <a:endParaRPr lang="en-US" sz="2400" dirty="0" smtClean="0">
+              <a:solidFill>
+                <a:srgbClr val="80FF80"/>
+              </a:solidFill>
+            </a:endParaRPr>
+          </a:p>
+          <a:p>
+            <a:pPr lvl="1"/>
+            <a:endParaRPr lang="ru-RU" sz="2400" dirty="0" smtClean="0">
+              <a:solidFill>
+                <a:srgbClr val="80FF80"/>
+              </a:solidFill>
+            </a:endParaRPr>
+          </a:p>
+          <a:p>
+            <a:r>
+              <a:rPr lang="ru-RU" sz="2800" dirty="0" smtClean="0"/>
+              <a:t>Разведывательные операции</a:t>
+            </a:r>
+          </a:p>
+          <a:p>
+            <a:pPr lvl="1"/>
+            <a:endParaRPr lang="ru-RU" sz="2400" dirty="0" smtClean="0"/>
+          </a:p>
+          <a:p>
+            <a:pPr lvl="1"/>
+            <a:endParaRPr lang="ru-RU" sz="2400" dirty="0" smtClean="0"/>
+          </a:p>
+          <a:p>
+            <a:pPr lvl="1"/>
+            <a:endParaRPr lang="ru-RU" sz="2400" dirty="0" smtClean="0"/>
+          </a:p>
+          <a:p>
+            <a:endParaRPr lang="ru-RU" sz="2800" dirty="0"/>
+          </a:p>
+        </p:txBody>
+      </p:sp>
+    </p:spTree>
+  </p:cSld>
+  <p:clrMapOvr>
+    <a:masterClrMapping/>
+  </p:clrMapOvr>
+  <p:timing>
+    <p:tnLst>
+      <p:par>
+        <p:cTn id="1" dur="indefinite" restart="never" nodeType="tmRoot"/>
+      </p:par>
+    </p:tnLst>
+  </p:timing>
+</p:sld>
+</file>
+
+<file path=ppt/slides/slide4.xml><?xml version="1.0" encoding="utf-8"?>
+<p:sld xmlns:a="http://schemas.openxmlformats.org/drawingml/2006/main" xmlns:r="http://schemas.openxmlformats.org/officeDocument/2006/relationships" xmlns:p="http://schemas.openxmlformats.org/presentationml/2006/main">
+  <p:cSld>
+    <p:spTree>
+      <p:nvGrpSpPr>
+        <p:cNvPr id="1" name=""/>
+        <p:cNvGrpSpPr/>
+        <p:nvPr/>
+      </p:nvGrpSpPr>
+      <p:grpSpPr>
+        <a:xfrm>
+          <a:off x="0" y="0"/>
+          <a:ext cx="0" cy="0"/>
+          <a:chOff x="0" y="0"/>
+          <a:chExt cx="0" cy="0"/>
+        </a:xfrm>
+      </p:grpSpPr>
+      <p:sp>
+        <p:nvSpPr>
+          <p:cNvPr id="2" name="Заголовок 1"/>
+          <p:cNvSpPr>
+            <a:spLocks noGrp="1"/>
+          </p:cNvSpPr>
+          <p:nvPr>
+            <p:ph type="title"/>
+          </p:nvPr>
+        </p:nvSpPr>
+        <p:spPr/>
+        <p:txBody>
+          <a:bodyPr>
+            <a:normAutofit/>
+          </a:bodyPr>
+          <a:lstStyle/>
+          <a:p>
+            <a:r>
+              <a:rPr lang="ru-RU" sz="3200" dirty="0" smtClean="0"/>
+              <a:t>Особенности постановки задачи КНЗП</a:t>
+            </a:r>
+            <a:endParaRPr lang="ru-RU" sz="3200" dirty="0"/>
+          </a:p>
+        </p:txBody>
+      </p:sp>
+      <p:sp>
+        <p:nvSpPr>
+          <p:cNvPr id="3" name="Содержимое 2"/>
+          <p:cNvSpPr>
+            <a:spLocks noGrp="1"/>
+          </p:cNvSpPr>
+          <p:nvPr>
+            <p:ph idx="1"/>
+          </p:nvPr>
+        </p:nvSpPr>
+        <p:spPr>
+          <a:solidFill>
+            <a:srgbClr val="000000">
+              <a:alpha val="74902"/>
+            </a:srgbClr>
+          </a:solidFill>
+        </p:spPr>
+        <p:txBody>
+          <a:bodyPr>
+            <a:noAutofit/>
+          </a:bodyPr>
+          <a:lstStyle/>
+          <a:p>
+            <a:r>
+              <a:rPr lang="ru-RU" sz="2400" dirty="0" smtClean="0"/>
+              <a:t>Навигация в заведомо </a:t>
+            </a:r>
+            <a:r>
+              <a:rPr lang="ru-RU" sz="2400" dirty="0" smtClean="0"/>
+              <a:t>известных, неизвестных </a:t>
+            </a:r>
+            <a:r>
+              <a:rPr lang="ru-RU" sz="2400" dirty="0" smtClean="0"/>
+              <a:t>и/или изменяющихся помещениях</a:t>
+            </a:r>
+          </a:p>
+          <a:p>
+            <a:endParaRPr lang="en-US" sz="2400" dirty="0" smtClean="0"/>
+          </a:p>
+          <a:p>
+            <a:r>
+              <a:rPr lang="ru-RU" sz="2400" dirty="0" smtClean="0"/>
+              <a:t>Сложность передачи прямого радиосигнала в закрытых помещениях</a:t>
+            </a:r>
+          </a:p>
+          <a:p>
+            <a:endParaRPr lang="en-US" sz="2400" dirty="0" smtClean="0"/>
+          </a:p>
+          <a:p>
+            <a:r>
+              <a:rPr lang="ru-RU" sz="2400" dirty="0" smtClean="0"/>
+              <a:t>Восстановление трехмерной структуры закрытых </a:t>
+            </a:r>
+            <a:r>
+              <a:rPr lang="ru-RU" sz="2400" dirty="0" smtClean="0"/>
+              <a:t>помещений для облегчения работы оператора</a:t>
+            </a:r>
+            <a:endParaRPr lang="ru-RU" sz="2400" dirty="0" smtClean="0"/>
+          </a:p>
+          <a:p>
+            <a:endParaRPr lang="en-US" sz="2400" dirty="0" smtClean="0"/>
+          </a:p>
+          <a:p>
+            <a:r>
+              <a:rPr lang="ru-RU" sz="2400" dirty="0" smtClean="0"/>
+              <a:t>Реализация группового поведения БПЛА в условиях агрессивной среды</a:t>
+            </a:r>
+            <a:endParaRPr lang="en-US" sz="2400" dirty="0" smtClean="0"/>
+          </a:p>
+          <a:p>
+            <a:endParaRPr lang="ru-RU" sz="2400" dirty="0" smtClean="0"/>
+          </a:p>
+          <a:p>
+            <a:endParaRPr lang="ru-RU" sz="2400" dirty="0" smtClean="0"/>
+          </a:p>
+          <a:p>
+            <a:endParaRPr lang="ru-RU" sz="2400" dirty="0" smtClean="0"/>
+          </a:p>
+          <a:p>
+            <a:pPr>
+              <a:buNone/>
+            </a:pPr>
+            <a:endParaRPr lang="ru-RU" sz="2400" dirty="0"/>
+          </a:p>
+        </p:txBody>
+      </p:sp>
+    </p:spTree>
+  </p:cSld>
+  <p:clrMapOvr>
+    <a:masterClrMapping/>
+  </p:clrMapOvr>
+  <p:timing>
+    <p:tnLst>
+      <p:par>
+        <p:cTn id="1" dur="indefinite" restart="never" nodeType="tmRoot"/>
+      </p:par>
+    </p:tnLst>
+  </p:timing>
+</p:sld>
+</file>
+
+<file path=ppt/slides/slide5.xml><?xml version="1.0" encoding="utf-8"?>
+<p:sld xmlns:a="http://schemas.openxmlformats.org/drawingml/2006/main" xmlns:r="http://schemas.openxmlformats.org/officeDocument/2006/relationships" xmlns:p="http://schemas.openxmlformats.org/presentationml/2006/main">
+  <p:cSld>
+    <p:spTree>
+      <p:nvGrpSpPr>
+        <p:cNvPr id="1" name=""/>
+        <p:cNvGrpSpPr/>
+        <p:nvPr/>
+      </p:nvGrpSpPr>
+      <p:grpSpPr>
+        <a:xfrm>
+          <a:off x="0" y="0"/>
+          <a:ext cx="0" cy="0"/>
+          <a:chOff x="0" y="0"/>
+          <a:chExt cx="0" cy="0"/>
+        </a:xfrm>
+      </p:grpSpPr>
+      <p:sp>
+        <p:nvSpPr>
+          <p:cNvPr id="19" name="Прямоугольник 18"/>
+          <p:cNvSpPr/>
+          <p:nvPr/>
+        </p:nvSpPr>
+        <p:spPr>
+          <a:xfrm>
+            <a:off x="179512" y="1484784"/>
+            <a:ext cx="8856984" cy="4680520"/>
+          </a:xfrm>
+          <a:prstGeom prst="rect">
+            <a:avLst/>
+          </a:prstGeom>
+          <a:solidFill>
+            <a:srgbClr val="000000">
+              <a:alpha val="70000"/>
+            </a:srgbClr>
+          </a:solidFill>
+          <a:ln>
+            <a:noFill/>
+          </a:ln>
+        </p:spPr>
+        <p:style>
+          <a:lnRef idx="2">
+            <a:schemeClr val="accent1">
+              <a:shade val="50000"/>
+            </a:schemeClr>
+          </a:lnRef>
+          <a:fillRef idx="1">
+            <a:schemeClr val="accent1"/>
+          </a:fillRef>
+          <a:effectRef idx="0">
+            <a:schemeClr val="accent1"/>
+          </a:effectRef>
+          <a:fontRef idx="minor">
+            <a:schemeClr val="lt1"/>
+          </a:fontRef>
+        </p:style>
+        <p:txBody>
+          <a:bodyPr rtlCol="0" anchor="ctr"/>
+          <a:lstStyle/>
+          <a:p>
+            <a:pPr algn="ctr"/>
+            <a:endParaRPr lang="ru-RU" dirty="0">
+              <a:solidFill>
+                <a:srgbClr val="000000"/>
+              </a:solidFill>
+            </a:endParaRPr>
+          </a:p>
+        </p:txBody>
+      </p:sp>
+      <p:sp>
+        <p:nvSpPr>
+          <p:cNvPr id="9" name="Заголовок 8"/>
+          <p:cNvSpPr>
+            <a:spLocks noGrp="1"/>
+          </p:cNvSpPr>
+          <p:nvPr>
+            <p:ph type="title"/>
+          </p:nvPr>
+        </p:nvSpPr>
+        <p:spPr/>
+        <p:txBody>
+          <a:bodyPr>
+            <a:noAutofit/>
+          </a:bodyPr>
+          <a:lstStyle/>
+          <a:p>
+            <a:r>
+              <a:rPr lang="ru-RU" sz="3200" dirty="0" smtClean="0"/>
+              <a:t>Топология комплекса в условиях закрытых помещений</a:t>
+            </a:r>
+            <a:endParaRPr lang="ru-RU" sz="3200" dirty="0"/>
+          </a:p>
+        </p:txBody>
+      </p:sp>
+      <p:pic>
+        <p:nvPicPr>
+          <p:cNvPr id="40" name="Рисунок 39" descr="quadrotor.png"/>
+          <p:cNvPicPr>
+            <a:picLocks noChangeAspect="1"/>
+          </p:cNvPicPr>
+          <p:nvPr/>
+        </p:nvPicPr>
+        <p:blipFill>
+          <a:blip r:embed="rId2" cstate="print"/>
+          <a:stretch>
+            <a:fillRect/>
+          </a:stretch>
+        </p:blipFill>
+        <p:spPr>
+          <a:xfrm>
+            <a:off x="7308304" y="1988840"/>
+            <a:ext cx="1200292" cy="858209"/>
+          </a:xfrm>
+          <a:prstGeom prst="rect">
+            <a:avLst/>
+          </a:prstGeom>
+        </p:spPr>
+      </p:pic>
+      <p:pic>
+        <p:nvPicPr>
+          <p:cNvPr id="41" name="Рисунок 40" descr="quadrotor.png"/>
+          <p:cNvPicPr>
+            <a:picLocks noChangeAspect="1"/>
+          </p:cNvPicPr>
+          <p:nvPr/>
+        </p:nvPicPr>
+        <p:blipFill>
+          <a:blip r:embed="rId2" cstate="print"/>
+          <a:stretch>
+            <a:fillRect/>
+          </a:stretch>
+        </p:blipFill>
+        <p:spPr>
+          <a:xfrm>
+            <a:off x="4716016" y="2060848"/>
+            <a:ext cx="1200292" cy="858209"/>
+          </a:xfrm>
+          <a:prstGeom prst="rect">
+            <a:avLst/>
+          </a:prstGeom>
+        </p:spPr>
+      </p:pic>
+      <p:pic>
+        <p:nvPicPr>
+          <p:cNvPr id="42" name="Рисунок 41" descr="quadrotor.png"/>
+          <p:cNvPicPr>
+            <a:picLocks noChangeAspect="1"/>
+          </p:cNvPicPr>
+          <p:nvPr/>
+        </p:nvPicPr>
+        <p:blipFill>
+          <a:blip r:embed="rId2" cstate="print"/>
+          <a:stretch>
+            <a:fillRect/>
+          </a:stretch>
+        </p:blipFill>
+        <p:spPr>
+          <a:xfrm>
+            <a:off x="7164288" y="4509120"/>
+            <a:ext cx="1200292" cy="858209"/>
+          </a:xfrm>
+          <a:prstGeom prst="rect">
+            <a:avLst/>
+          </a:prstGeom>
+        </p:spPr>
+      </p:pic>
+      <p:pic>
+        <p:nvPicPr>
+          <p:cNvPr id="43" name="Рисунок 42" descr="quadrotor.png"/>
+          <p:cNvPicPr>
+            <a:picLocks noChangeAspect="1"/>
+          </p:cNvPicPr>
+          <p:nvPr/>
+        </p:nvPicPr>
+        <p:blipFill>
+          <a:blip r:embed="rId2" cstate="print"/>
+          <a:stretch>
+            <a:fillRect/>
+          </a:stretch>
+        </p:blipFill>
+        <p:spPr>
+          <a:xfrm>
+            <a:off x="4572000" y="4581128"/>
+            <a:ext cx="1200292" cy="858209"/>
+          </a:xfrm>
+          <a:prstGeom prst="rect">
+            <a:avLst/>
+          </a:prstGeom>
+        </p:spPr>
+      </p:pic>
+      <p:pic>
+        <p:nvPicPr>
+          <p:cNvPr id="45" name="Рисунок 44" descr="laptop.png"/>
+          <p:cNvPicPr>
+            <a:picLocks noChangeAspect="1"/>
+          </p:cNvPicPr>
+          <p:nvPr/>
+        </p:nvPicPr>
+        <p:blipFill>
+          <a:blip r:embed="rId3" cstate="print"/>
+          <a:stretch>
+            <a:fillRect/>
+          </a:stretch>
+        </p:blipFill>
+        <p:spPr>
+          <a:xfrm>
+            <a:off x="386895" y="1772816"/>
+            <a:ext cx="1512020" cy="1575021"/>
+          </a:xfrm>
+          <a:prstGeom prst="rect">
+            <a:avLst/>
+          </a:prstGeom>
+        </p:spPr>
+      </p:pic>
+      <p:pic>
+        <p:nvPicPr>
+          <p:cNvPr id="46" name="Рисунок 45" descr="quadrotor.png"/>
+          <p:cNvPicPr>
+            <a:picLocks noChangeAspect="1"/>
+          </p:cNvPicPr>
+          <p:nvPr/>
+        </p:nvPicPr>
+        <p:blipFill>
+          <a:blip r:embed="rId2" cstate="print"/>
+          <a:stretch>
+            <a:fillRect/>
+          </a:stretch>
+        </p:blipFill>
+        <p:spPr>
+          <a:xfrm>
+            <a:off x="2051720" y="4365104"/>
+            <a:ext cx="1200292" cy="858209"/>
+          </a:xfrm>
+          <a:prstGeom prst="rect">
+            <a:avLst/>
+          </a:prstGeom>
+        </p:spPr>
+      </p:pic>
+      <p:sp>
+        <p:nvSpPr>
+          <p:cNvPr id="47" name="Прямоугольник 46"/>
+          <p:cNvSpPr/>
+          <p:nvPr/>
+        </p:nvSpPr>
+        <p:spPr>
+          <a:xfrm>
+            <a:off x="3779912" y="1628800"/>
+            <a:ext cx="432048" cy="2664296"/>
+          </a:xfrm>
+          <a:prstGeom prst="rect">
+            <a:avLst/>
+          </a:prstGeom>
+          <a:solidFill>
+            <a:schemeClr val="bg1">
+              <a:lumMod val="85000"/>
+              <a:alpha val="34000"/>
+            </a:schemeClr>
+          </a:solidFill>
+          <a:ln>
+            <a:solidFill>
+              <a:schemeClr val="bg1"/>
+            </a:solidFill>
+          </a:ln>
+        </p:spPr>
+        <p:style>
+          <a:lnRef idx="2">
+            <a:schemeClr val="accent1">
+              <a:shade val="50000"/>
+            </a:schemeClr>
+          </a:lnRef>
+          <a:fillRef idx="1">
+            <a:schemeClr val="accent1"/>
+          </a:fillRef>
+          <a:effectRef idx="0">
+            <a:schemeClr val="accent1"/>
+          </a:effectRef>
+          <a:fontRef idx="minor">
+            <a:schemeClr val="lt1"/>
+          </a:fontRef>
+        </p:style>
+        <p:txBody>
+          <a:bodyPr rtlCol="0" anchor="ctr"/>
+          <a:lstStyle/>
+          <a:p>
+            <a:pPr algn="ctr"/>
+            <a:endParaRPr lang="ru-RU"/>
+          </a:p>
+        </p:txBody>
+      </p:sp>
+      <p:sp>
+        <p:nvSpPr>
+          <p:cNvPr id="49" name="Прямоугольник 48"/>
+          <p:cNvSpPr/>
+          <p:nvPr/>
+        </p:nvSpPr>
+        <p:spPr>
+          <a:xfrm rot="5400000">
+            <a:off x="7308304" y="2132856"/>
+            <a:ext cx="432048" cy="2736304"/>
+          </a:xfrm>
+          <a:prstGeom prst="rect">
+            <a:avLst/>
+          </a:prstGeom>
+          <a:solidFill>
+            <a:schemeClr val="bg1">
+              <a:lumMod val="85000"/>
+              <a:alpha val="34000"/>
+            </a:schemeClr>
+          </a:solidFill>
+          <a:ln>
+            <a:solidFill>
+              <a:schemeClr val="bg1"/>
+            </a:solidFill>
+          </a:ln>
+        </p:spPr>
+        <p:style>
+          <a:lnRef idx="2">
+            <a:schemeClr val="accent1">
+              <a:shade val="50000"/>
+            </a:schemeClr>
+          </a:lnRef>
+          <a:fillRef idx="1">
+            <a:schemeClr val="accent1"/>
+          </a:fillRef>
+          <a:effectRef idx="0">
+            <a:schemeClr val="accent1"/>
+          </a:effectRef>
+          <a:fontRef idx="minor">
+            <a:schemeClr val="lt1"/>
+          </a:fontRef>
+        </p:style>
+        <p:txBody>
+          <a:bodyPr rtlCol="0" anchor="ctr"/>
+          <a:lstStyle/>
+          <a:p>
+            <a:pPr algn="ctr"/>
+            <a:endParaRPr lang="ru-RU"/>
+          </a:p>
+        </p:txBody>
+      </p:sp>
+      <p:sp>
+        <p:nvSpPr>
+          <p:cNvPr id="50" name="Прямоугольник 49"/>
+          <p:cNvSpPr/>
+          <p:nvPr/>
+        </p:nvSpPr>
+        <p:spPr>
+          <a:xfrm rot="5400000">
+            <a:off x="7632340" y="4761148"/>
+            <a:ext cx="432048" cy="2232248"/>
+          </a:xfrm>
+          <a:prstGeom prst="rect">
+            <a:avLst/>
+          </a:prstGeom>
+          <a:solidFill>
+            <a:schemeClr val="bg1">
+              <a:lumMod val="85000"/>
+              <a:alpha val="34000"/>
+            </a:schemeClr>
+          </a:solidFill>
+          <a:ln>
+            <a:solidFill>
+              <a:schemeClr val="bg1"/>
+            </a:solidFill>
+          </a:ln>
+        </p:spPr>
+        <p:style>
+          <a:lnRef idx="2">
+            <a:schemeClr val="accent1">
+              <a:shade val="50000"/>
+            </a:schemeClr>
+          </a:lnRef>
+          <a:fillRef idx="1">
+            <a:schemeClr val="accent1"/>
+          </a:fillRef>
+          <a:effectRef idx="0">
+            <a:schemeClr val="accent1"/>
+          </a:effectRef>
+          <a:fontRef idx="minor">
+            <a:schemeClr val="lt1"/>
+          </a:fontRef>
+        </p:style>
+        <p:txBody>
+          <a:bodyPr rtlCol="0" anchor="ctr"/>
+          <a:lstStyle/>
+          <a:p>
+            <a:pPr algn="ctr"/>
+            <a:endParaRPr lang="ru-RU"/>
+          </a:p>
+        </p:txBody>
+      </p:sp>
+      <p:sp>
+        <p:nvSpPr>
+          <p:cNvPr id="51" name="Прямоугольник 50"/>
+          <p:cNvSpPr/>
+          <p:nvPr/>
+        </p:nvSpPr>
+        <p:spPr>
+          <a:xfrm rot="5400000">
+            <a:off x="5400092" y="4761148"/>
+            <a:ext cx="432048" cy="2232248"/>
+          </a:xfrm>
+          <a:prstGeom prst="rect">
+            <a:avLst/>
+          </a:prstGeom>
+          <a:solidFill>
+            <a:schemeClr val="bg1">
+              <a:lumMod val="85000"/>
+              <a:alpha val="34000"/>
+            </a:schemeClr>
+          </a:solidFill>
+          <a:ln>
+            <a:solidFill>
+              <a:schemeClr val="bg1"/>
+            </a:solidFill>
+          </a:ln>
+        </p:spPr>
+        <p:style>
+          <a:lnRef idx="2">
+            <a:schemeClr val="accent1">
+              <a:shade val="50000"/>
+            </a:schemeClr>
+          </a:lnRef>
+          <a:fillRef idx="1">
+            <a:schemeClr val="accent1"/>
+          </a:fillRef>
+          <a:effectRef idx="0">
+            <a:schemeClr val="accent1"/>
+          </a:effectRef>
+          <a:fontRef idx="minor">
+            <a:schemeClr val="lt1"/>
+          </a:fontRef>
+        </p:style>
+        <p:txBody>
+          <a:bodyPr rtlCol="0" anchor="ctr"/>
+          <a:lstStyle/>
+          <a:p>
+            <a:pPr algn="ctr"/>
+            <a:endParaRPr lang="ru-RU"/>
+          </a:p>
+        </p:txBody>
+      </p:sp>
+      <p:sp>
+        <p:nvSpPr>
+          <p:cNvPr id="52" name="Прямоугольник 51"/>
+          <p:cNvSpPr/>
+          <p:nvPr/>
+        </p:nvSpPr>
+        <p:spPr>
+          <a:xfrm rot="5400000">
+            <a:off x="3167844" y="4761148"/>
+            <a:ext cx="432048" cy="2232248"/>
+          </a:xfrm>
+          <a:prstGeom prst="rect">
+            <a:avLst/>
+          </a:prstGeom>
+          <a:solidFill>
+            <a:schemeClr val="bg1">
+              <a:lumMod val="85000"/>
+              <a:alpha val="34000"/>
+            </a:schemeClr>
+          </a:solidFill>
+          <a:ln>
+            <a:solidFill>
+              <a:schemeClr val="bg1"/>
+            </a:solidFill>
+          </a:ln>
+        </p:spPr>
+        <p:style>
+          <a:lnRef idx="2">
+            <a:schemeClr val="accent1">
+              <a:shade val="50000"/>
+            </a:schemeClr>
+          </a:lnRef>
+          <a:fillRef idx="1">
+            <a:schemeClr val="accent1"/>
+          </a:fillRef>
+          <a:effectRef idx="0">
+            <a:schemeClr val="accent1"/>
+          </a:effectRef>
+          <a:fontRef idx="minor">
+            <a:schemeClr val="lt1"/>
+          </a:fontRef>
+        </p:style>
+        <p:txBody>
+          <a:bodyPr rtlCol="0" anchor="ctr"/>
+          <a:lstStyle/>
+          <a:p>
+            <a:pPr algn="ctr"/>
+            <a:endParaRPr lang="ru-RU"/>
+          </a:p>
+        </p:txBody>
+      </p:sp>
+      <p:sp>
+        <p:nvSpPr>
+          <p:cNvPr id="54" name="Двойная стрелка влево/вправо 53"/>
+          <p:cNvSpPr/>
+          <p:nvPr/>
+        </p:nvSpPr>
+        <p:spPr>
+          <a:xfrm rot="2961900">
+            <a:off x="1378644" y="3672424"/>
+            <a:ext cx="774927" cy="290241"/>
+          </a:xfrm>
+          <a:prstGeom prst="leftRightArrow">
+            <a:avLst/>
+          </a:prstGeom>
+          <a:solidFill>
+            <a:srgbClr val="000000"/>
+          </a:solidFill>
+          <a:ln>
+            <a:solidFill>
+              <a:srgbClr val="80FF80"/>
+            </a:solidFill>
+          </a:ln>
+        </p:spPr>
+        <p:style>
+          <a:lnRef idx="2">
+            <a:schemeClr val="accent1">
+              <a:shade val="50000"/>
+            </a:schemeClr>
+          </a:lnRef>
+          <a:fillRef idx="1">
+            <a:schemeClr val="accent1"/>
+          </a:fillRef>
+          <a:effectRef idx="0">
+            <a:schemeClr val="accent1"/>
+          </a:effectRef>
+          <a:fontRef idx="minor">
+            <a:schemeClr val="lt1"/>
+          </a:fontRef>
+        </p:style>
+        <p:txBody>
+          <a:bodyPr rtlCol="0" anchor="ctr"/>
+          <a:lstStyle/>
+          <a:p>
+            <a:pPr algn="ctr"/>
+            <a:endParaRPr lang="ru-RU"/>
+          </a:p>
+        </p:txBody>
+      </p:sp>
+      <p:sp>
+        <p:nvSpPr>
+          <p:cNvPr id="55" name="Двойная стрелка влево/вправо 54"/>
+          <p:cNvSpPr/>
+          <p:nvPr/>
+        </p:nvSpPr>
+        <p:spPr>
+          <a:xfrm rot="608049">
+            <a:off x="3483101" y="4741212"/>
+            <a:ext cx="903723" cy="290241"/>
+          </a:xfrm>
+          <a:prstGeom prst="leftRightArrow">
+            <a:avLst/>
+          </a:prstGeom>
+          <a:solidFill>
+            <a:srgbClr val="000000"/>
+          </a:solidFill>
+          <a:ln>
+            <a:solidFill>
+              <a:srgbClr val="80FF80"/>
+            </a:solidFill>
+          </a:ln>
+        </p:spPr>
+        <p:style>
+          <a:lnRef idx="2">
+            <a:schemeClr val="accent1">
+              <a:shade val="50000"/>
+            </a:schemeClr>
+          </a:lnRef>
+          <a:fillRef idx="1">
+            <a:schemeClr val="accent1"/>
+          </a:fillRef>
+          <a:effectRef idx="0">
+            <a:schemeClr val="accent1"/>
+          </a:effectRef>
+          <a:fontRef idx="minor">
+            <a:schemeClr val="lt1"/>
+          </a:fontRef>
+        </p:style>
+        <p:txBody>
+          <a:bodyPr rtlCol="0" anchor="ctr"/>
+          <a:lstStyle/>
+          <a:p>
+            <a:pPr algn="ctr"/>
+            <a:endParaRPr lang="ru-RU"/>
+          </a:p>
+        </p:txBody>
+      </p:sp>
+      <p:sp>
+        <p:nvSpPr>
+          <p:cNvPr id="56" name="Двойная стрелка влево/вправо 55"/>
+          <p:cNvSpPr/>
+          <p:nvPr/>
+        </p:nvSpPr>
+        <p:spPr>
+          <a:xfrm rot="21409230">
+            <a:off x="5968782" y="4797969"/>
+            <a:ext cx="1001189" cy="290241"/>
+          </a:xfrm>
+          <a:prstGeom prst="leftRightArrow">
+            <a:avLst/>
+          </a:prstGeom>
+          <a:solidFill>
+            <a:srgbClr val="000000"/>
+          </a:solidFill>
+          <a:ln>
+            <a:solidFill>
+              <a:srgbClr val="80FF80"/>
+            </a:solidFill>
+          </a:ln>
+        </p:spPr>
+        <p:style>
+          <a:lnRef idx="2">
+            <a:schemeClr val="accent1">
+              <a:shade val="50000"/>
+            </a:schemeClr>
+          </a:lnRef>
+          <a:fillRef idx="1">
+            <a:schemeClr val="accent1"/>
+          </a:fillRef>
+          <a:effectRef idx="0">
+            <a:schemeClr val="accent1"/>
+          </a:effectRef>
+          <a:fontRef idx="minor">
+            <a:schemeClr val="lt1"/>
+          </a:fontRef>
+        </p:style>
+        <p:txBody>
+          <a:bodyPr rtlCol="0" anchor="ctr"/>
+          <a:lstStyle/>
+          <a:p>
+            <a:pPr algn="ctr"/>
+            <a:endParaRPr lang="ru-RU"/>
+          </a:p>
+        </p:txBody>
+      </p:sp>
+      <p:sp>
+        <p:nvSpPr>
+          <p:cNvPr id="58" name="Двойная стрелка влево/вправо 57"/>
+          <p:cNvSpPr/>
+          <p:nvPr/>
+        </p:nvSpPr>
+        <p:spPr>
+          <a:xfrm rot="16518987">
+            <a:off x="4732340" y="3538141"/>
+            <a:ext cx="1095491" cy="290241"/>
+          </a:xfrm>
+          <a:prstGeom prst="leftRightArrow">
+            <a:avLst/>
+          </a:prstGeom>
+          <a:solidFill>
+            <a:srgbClr val="000000"/>
+          </a:solidFill>
+          <a:ln>
+            <a:solidFill>
+              <a:srgbClr val="80FF80"/>
+            </a:solidFill>
+          </a:ln>
+        </p:spPr>
+        <p:style>
+          <a:lnRef idx="2">
+            <a:schemeClr val="accent1">
+              <a:shade val="50000"/>
+            </a:schemeClr>
+          </a:lnRef>
+          <a:fillRef idx="1">
+            <a:schemeClr val="accent1"/>
+          </a:fillRef>
+          <a:effectRef idx="0">
+            <a:schemeClr val="accent1"/>
+          </a:effectRef>
+          <a:fontRef idx="minor">
+            <a:schemeClr val="lt1"/>
+          </a:fontRef>
+        </p:style>
+        <p:txBody>
+          <a:bodyPr rtlCol="0" anchor="ctr"/>
+          <a:lstStyle/>
+          <a:p>
+            <a:pPr algn="ctr"/>
+            <a:endParaRPr lang="ru-RU"/>
+          </a:p>
+        </p:txBody>
+      </p:sp>
+      <p:sp>
+        <p:nvSpPr>
+          <p:cNvPr id="59" name="Двойная стрелка влево/вправо 58"/>
+          <p:cNvSpPr/>
+          <p:nvPr/>
+        </p:nvSpPr>
+        <p:spPr>
+          <a:xfrm rot="21082670">
+            <a:off x="6104607" y="2278272"/>
+            <a:ext cx="1001189" cy="290241"/>
+          </a:xfrm>
+          <a:prstGeom prst="leftRightArrow">
+            <a:avLst/>
+          </a:prstGeom>
+          <a:solidFill>
+            <a:srgbClr val="000000"/>
+          </a:solidFill>
+          <a:ln>
+            <a:solidFill>
+              <a:srgbClr val="80FF80"/>
+            </a:solidFill>
+          </a:ln>
+        </p:spPr>
+        <p:style>
+          <a:lnRef idx="2">
+            <a:schemeClr val="accent1">
+              <a:shade val="50000"/>
+            </a:schemeClr>
+          </a:lnRef>
+          <a:fillRef idx="1">
+            <a:schemeClr val="accent1"/>
+          </a:fillRef>
+          <a:effectRef idx="0">
+            <a:schemeClr val="accent1"/>
+          </a:effectRef>
+          <a:fontRef idx="minor">
+            <a:schemeClr val="lt1"/>
+          </a:fontRef>
+        </p:style>
+        <p:txBody>
+          <a:bodyPr rtlCol="0" anchor="ctr"/>
+          <a:lstStyle/>
+          <a:p>
+            <a:pPr algn="ctr"/>
+            <a:endParaRPr lang="ru-RU"/>
+          </a:p>
+        </p:txBody>
+      </p:sp>
+    </p:spTree>
+  </p:cSld>
+  <p:clrMapOvr>
+    <a:masterClrMapping/>
+  </p:clrMapOvr>
+  <p:transition/>
+  <p:timing>
+    <p:tnLst>
+      <p:par>
+        <p:cTn id="1" dur="indefinite" restart="never" nodeType="tmRoot"/>
+      </p:par>
+    </p:tnLst>
+  </p:timing>
+</p:sld>
+</file>
+
+<file path=ppt/slides/slide6.xml><?xml version="1.0" encoding="utf-8"?>
+<p:sld xmlns:a="http://schemas.openxmlformats.org/drawingml/2006/main" xmlns:r="http://schemas.openxmlformats.org/officeDocument/2006/relationships" xmlns:p="http://schemas.openxmlformats.org/presentationml/2006/main">
+  <p:cSld>
+    <p:spTree>
+      <p:nvGrpSpPr>
+        <p:cNvPr id="1" name=""/>
+        <p:cNvGrpSpPr/>
+        <p:nvPr/>
+      </p:nvGrpSpPr>
+      <p:grpSpPr>
+        <a:xfrm>
+          <a:off x="0" y="0"/>
+          <a:ext cx="0" cy="0"/>
+          <a:chOff x="0" y="0"/>
+          <a:chExt cx="0" cy="0"/>
+        </a:xfrm>
+      </p:grpSpPr>
+      <p:sp>
+        <p:nvSpPr>
+          <p:cNvPr id="2" name="Заголовок 1"/>
+          <p:cNvSpPr>
+            <a:spLocks noGrp="1"/>
+          </p:cNvSpPr>
+          <p:nvPr>
+            <p:ph type="title"/>
+          </p:nvPr>
+        </p:nvSpPr>
+        <p:spPr/>
+        <p:txBody>
+          <a:bodyPr/>
+          <a:lstStyle/>
+          <a:p>
+            <a:r>
+              <a:rPr lang="ru-RU" sz="3600" dirty="0" smtClean="0"/>
+              <a:t>Устройство и принцип 4Р-БПЛА</a:t>
+            </a:r>
+            <a:endParaRPr lang="ru-RU" sz="3600" dirty="0"/>
+          </a:p>
+        </p:txBody>
+      </p:sp>
+      <p:pic>
+        <p:nvPicPr>
+          <p:cNvPr id="4" name="Содержимое 3" descr="quadrotor.jpg"/>
+          <p:cNvPicPr>
+            <a:picLocks noGrp="1" noChangeAspect="1"/>
+          </p:cNvPicPr>
+          <p:nvPr>
+            <p:ph sz="half" idx="1"/>
+          </p:nvPr>
+        </p:nvPicPr>
+        <p:blipFill>
+          <a:blip r:embed="rId2" cstate="print">
+            <a:lum bright="-20000"/>
+          </a:blip>
+          <a:stretch>
+            <a:fillRect/>
+          </a:stretch>
+        </p:blipFill>
+        <p:spPr>
+          <a:xfrm>
+            <a:off x="179512" y="1628800"/>
+            <a:ext cx="5954882" cy="4248472"/>
+          </a:xfrm>
+          <a:prstGeom prst="rect">
+            <a:avLst/>
+          </a:prstGeom>
+          <a:ln>
+            <a:solidFill>
+              <a:schemeClr val="bg1">
+                <a:lumMod val="95000"/>
+              </a:schemeClr>
+            </a:solidFill>
+          </a:ln>
+          <a:effectLst>
+            <a:outerShdw blurRad="190500" algn="tl" rotWithShape="0">
+              <a:srgbClr val="000000">
+                <a:alpha val="70000"/>
+              </a:srgbClr>
+            </a:outerShdw>
+          </a:effectLst>
+        </p:spPr>
+      </p:pic>
+      <p:sp>
+        <p:nvSpPr>
+          <p:cNvPr id="5" name="Содержимое 4"/>
+          <p:cNvSpPr>
+            <a:spLocks noGrp="1"/>
+          </p:cNvSpPr>
+          <p:nvPr>
+            <p:ph sz="half" idx="2"/>
+          </p:nvPr>
+        </p:nvSpPr>
+        <p:spPr>
+          <a:xfrm>
+            <a:off x="6228184" y="1628801"/>
+            <a:ext cx="2742456" cy="4248472"/>
+          </a:xfrm>
+          <a:solidFill>
+            <a:srgbClr val="000000">
+              <a:alpha val="70000"/>
+            </a:srgbClr>
+          </a:solidFill>
+        </p:spPr>
+        <p:txBody>
+          <a:bodyPr>
+            <a:normAutofit lnSpcReduction="10000"/>
+          </a:bodyPr>
+          <a:lstStyle/>
+          <a:p>
+            <a:r>
+              <a:rPr lang="ru-RU" sz="1800" dirty="0" smtClean="0">
+                <a:solidFill>
+                  <a:srgbClr val="80FF80"/>
+                </a:solidFill>
+              </a:rPr>
+              <a:t>Фактическое </a:t>
+            </a:r>
+            <a:r>
+              <a:rPr lang="ru-RU" sz="1800" dirty="0" smtClean="0">
+                <a:solidFill>
+                  <a:srgbClr val="80FF80"/>
+                </a:solidFill>
+              </a:rPr>
+              <a:t>отсутствие сложных </a:t>
+            </a:r>
+            <a:r>
+              <a:rPr lang="ru-RU" sz="1800" dirty="0" smtClean="0">
+                <a:solidFill>
+                  <a:srgbClr val="80FF80"/>
+                </a:solidFill>
+              </a:rPr>
+              <a:t>механизмов</a:t>
+            </a:r>
+          </a:p>
+          <a:p>
+            <a:r>
+              <a:rPr lang="ru-RU" sz="1800" dirty="0" smtClean="0">
+                <a:solidFill>
+                  <a:srgbClr val="80FF80"/>
+                </a:solidFill>
+              </a:rPr>
+              <a:t>Высокая маневренность</a:t>
+            </a:r>
+          </a:p>
+          <a:p>
+            <a:r>
+              <a:rPr lang="ru-RU" sz="1800" dirty="0" smtClean="0">
+                <a:solidFill>
+                  <a:srgbClr val="80FF80"/>
+                </a:solidFill>
+              </a:rPr>
+              <a:t>Способность </a:t>
+            </a:r>
+            <a:br>
+              <a:rPr lang="ru-RU" sz="1800" dirty="0" smtClean="0">
+                <a:solidFill>
+                  <a:srgbClr val="80FF80"/>
+                </a:solidFill>
+              </a:rPr>
+            </a:br>
+            <a:r>
+              <a:rPr lang="ru-RU" sz="1800" dirty="0" smtClean="0">
+                <a:solidFill>
+                  <a:srgbClr val="80FF80"/>
+                </a:solidFill>
+              </a:rPr>
+              <a:t>к зависанию</a:t>
+            </a:r>
+            <a:endParaRPr lang="ru-RU" sz="1800" dirty="0" smtClean="0">
+              <a:solidFill>
+                <a:srgbClr val="80FF80"/>
+              </a:solidFill>
+            </a:endParaRPr>
+          </a:p>
+          <a:p>
+            <a:r>
+              <a:rPr lang="ru-RU" sz="1800" dirty="0" smtClean="0">
+                <a:solidFill>
+                  <a:srgbClr val="80FF80"/>
+                </a:solidFill>
+              </a:rPr>
+              <a:t>Легкость создания и низкая </a:t>
+            </a:r>
+            <a:r>
+              <a:rPr lang="ru-RU" sz="1800" dirty="0" smtClean="0">
+                <a:solidFill>
+                  <a:srgbClr val="80FF80"/>
+                </a:solidFill>
+              </a:rPr>
+              <a:t>стоимость</a:t>
+            </a:r>
+          </a:p>
+          <a:p>
+            <a:r>
+              <a:rPr lang="ru-RU" sz="1800" dirty="0" smtClean="0">
+                <a:solidFill>
+                  <a:srgbClr val="80FF80"/>
+                </a:solidFill>
+              </a:rPr>
+              <a:t>Высокая надежность и отказоустойчивость</a:t>
+            </a:r>
+          </a:p>
+          <a:p>
+            <a:r>
+              <a:rPr lang="ru-RU" sz="1800" dirty="0" smtClean="0">
+                <a:solidFill>
+                  <a:srgbClr val="FF8080"/>
+                </a:solidFill>
+              </a:rPr>
+              <a:t>Сложность управления</a:t>
+            </a:r>
+          </a:p>
+          <a:p>
+            <a:r>
+              <a:rPr lang="ru-RU" sz="1800" dirty="0" smtClean="0">
+                <a:solidFill>
+                  <a:srgbClr val="FF8080"/>
+                </a:solidFill>
+              </a:rPr>
+              <a:t>Высокое энергопотребления</a:t>
+            </a:r>
+            <a:endParaRPr lang="ru-RU" sz="1800" dirty="0">
+              <a:solidFill>
+                <a:srgbClr val="FF8080"/>
+              </a:solidFill>
+            </a:endParaRPr>
+          </a:p>
+        </p:txBody>
+      </p:sp>
+    </p:spTree>
+  </p:cSld>
+  <p:clrMapOvr>
+    <a:masterClrMapping/>
+  </p:clrMapOvr>
+  <p:timing>
+    <p:tnLst>
+      <p:par>
+        <p:cTn id="1" dur="indefinite" restart="never" nodeType="tmRoot"/>
+      </p:par>
+    </p:tnLst>
+  </p:timing>
+</p:sld>
+</file>
+
+<file path=ppt/slides/slide7.xml><?xml version="1.0" encoding="utf-8"?>
+<p:sld xmlns:a="http://schemas.openxmlformats.org/drawingml/2006/main" xmlns:r="http://schemas.openxmlformats.org/officeDocument/2006/relationships" xmlns:p="http://schemas.openxmlformats.org/presentationml/2006/main">
+  <p:cSld>
+    <p:spTree>
+      <p:nvGrpSpPr>
+        <p:cNvPr id="1" name=""/>
+        <p:cNvGrpSpPr/>
+        <p:nvPr/>
+      </p:nvGrpSpPr>
+      <p:grpSpPr>
+        <a:xfrm>
+          <a:off x="0" y="0"/>
+          <a:ext cx="0" cy="0"/>
+          <a:chOff x="0" y="0"/>
+          <a:chExt cx="0" cy="0"/>
+        </a:xfrm>
+      </p:grpSpPr>
+      <p:sp>
+        <p:nvSpPr>
+          <p:cNvPr id="15" name="Умножение 14"/>
+          <p:cNvSpPr/>
+          <p:nvPr/>
+        </p:nvSpPr>
+        <p:spPr>
+          <a:xfrm>
+            <a:off x="1187624" y="2204864"/>
+            <a:ext cx="3168352" cy="3168352"/>
+          </a:xfrm>
+          <a:prstGeom prst="mathMultiply">
+            <a:avLst>
+              <a:gd name="adj1" fmla="val 7347"/>
+            </a:avLst>
+          </a:prstGeom>
+          <a:solidFill>
+            <a:srgbClr val="000000">
+              <a:alpha val="69804"/>
+            </a:srgbClr>
+          </a:solidFill>
+          <a:ln w="12700">
+            <a:solidFill>
+              <a:srgbClr val="FF8080"/>
+            </a:solidFill>
+          </a:ln>
+        </p:spPr>
+        <p:style>
+          <a:lnRef idx="2">
+            <a:schemeClr val="accent1">
+              <a:shade val="50000"/>
+            </a:schemeClr>
+          </a:lnRef>
+          <a:fillRef idx="1">
+            <a:schemeClr val="accent1"/>
+          </a:fillRef>
+          <a:effectRef idx="0">
+            <a:schemeClr val="accent1"/>
+          </a:effectRef>
+          <a:fontRef idx="minor">
+            <a:schemeClr val="lt1"/>
+          </a:fontRef>
+        </p:style>
+        <p:txBody>
+          <a:bodyPr rtlCol="0" anchor="ctr"/>
+          <a:lstStyle/>
+          <a:p>
+            <a:pPr algn="ctr"/>
+            <a:endParaRPr lang="ru-RU"/>
+          </a:p>
+        </p:txBody>
+      </p:sp>
+      <p:sp>
+        <p:nvSpPr>
+          <p:cNvPr id="2" name="Заголовок 1"/>
+          <p:cNvSpPr>
+            <a:spLocks noGrp="1"/>
+          </p:cNvSpPr>
+          <p:nvPr>
+            <p:ph type="title"/>
+          </p:nvPr>
+        </p:nvSpPr>
+        <p:spPr/>
+        <p:txBody>
+          <a:bodyPr/>
+          <a:lstStyle/>
+          <a:p>
+            <a:r>
+              <a:rPr lang="ru-RU" sz="3600" dirty="0" smtClean="0"/>
+              <a:t>Устройство и принцип 4Р-БПЛА</a:t>
+            </a:r>
+            <a:endParaRPr lang="ru-RU" sz="3600" dirty="0"/>
+          </a:p>
+        </p:txBody>
+      </p:sp>
+      <p:sp>
+        <p:nvSpPr>
+          <p:cNvPr id="5" name="Содержимое 4"/>
+          <p:cNvSpPr>
+            <a:spLocks noGrp="1"/>
+          </p:cNvSpPr>
+          <p:nvPr>
+            <p:ph sz="half" idx="2"/>
+          </p:nvPr>
+        </p:nvSpPr>
+        <p:spPr>
+          <a:xfrm>
+            <a:off x="6228184" y="1628800"/>
+            <a:ext cx="2742456" cy="4392487"/>
+          </a:xfrm>
+          <a:solidFill>
+            <a:srgbClr val="000000">
+              <a:alpha val="70000"/>
+            </a:srgbClr>
+          </a:solidFill>
+        </p:spPr>
+        <p:txBody>
+          <a:bodyPr>
+            <a:normAutofit/>
+          </a:bodyPr>
+          <a:lstStyle/>
+          <a:p>
+            <a:r>
+              <a:rPr lang="ru-RU" sz="2000" dirty="0" smtClean="0">
+                <a:solidFill>
+                  <a:schemeClr val="bg1"/>
+                </a:solidFill>
+              </a:rPr>
+              <a:t>Рама</a:t>
+            </a:r>
+          </a:p>
+          <a:p>
+            <a:r>
+              <a:rPr lang="ru-RU" sz="2000" dirty="0" smtClean="0">
+                <a:solidFill>
+                  <a:schemeClr val="bg1"/>
+                </a:solidFill>
+              </a:rPr>
+              <a:t>Двигатели (3-8)</a:t>
+            </a:r>
+          </a:p>
+          <a:p>
+            <a:r>
+              <a:rPr lang="ru-RU" sz="2000" dirty="0" smtClean="0">
+                <a:solidFill>
+                  <a:schemeClr val="bg1"/>
+                </a:solidFill>
+              </a:rPr>
+              <a:t>Набор сенсоров:</a:t>
+            </a:r>
+          </a:p>
+          <a:p>
+            <a:pPr lvl="1"/>
+            <a:r>
+              <a:rPr lang="ru-RU" sz="1600" dirty="0" smtClean="0">
+                <a:solidFill>
+                  <a:schemeClr val="bg1"/>
+                </a:solidFill>
+              </a:rPr>
+              <a:t>Акселерометр</a:t>
+            </a:r>
+          </a:p>
+          <a:p>
+            <a:pPr lvl="1"/>
+            <a:r>
+              <a:rPr lang="ru-RU" sz="1600" dirty="0" smtClean="0">
+                <a:solidFill>
+                  <a:schemeClr val="bg1"/>
+                </a:solidFill>
+              </a:rPr>
+              <a:t>Гироскоп</a:t>
+            </a:r>
+          </a:p>
+          <a:p>
+            <a:pPr lvl="1"/>
+            <a:r>
+              <a:rPr lang="ru-RU" sz="1600" dirty="0" smtClean="0">
+                <a:solidFill>
+                  <a:schemeClr val="bg1"/>
+                </a:solidFill>
+              </a:rPr>
+              <a:t>Барометр</a:t>
+            </a:r>
+          </a:p>
+          <a:p>
+            <a:pPr lvl="1"/>
+            <a:r>
+              <a:rPr lang="ru-RU" sz="1600" dirty="0" smtClean="0">
+                <a:solidFill>
+                  <a:schemeClr val="bg1"/>
+                </a:solidFill>
+              </a:rPr>
+              <a:t>Магнетометр</a:t>
+            </a:r>
+            <a:endParaRPr lang="en-US" sz="1600" dirty="0" smtClean="0">
+              <a:solidFill>
+                <a:schemeClr val="bg1"/>
+              </a:solidFill>
+            </a:endParaRPr>
+          </a:p>
+          <a:p>
+            <a:pPr lvl="1"/>
+            <a:r>
+              <a:rPr lang="ru-RU" sz="1600" dirty="0" smtClean="0">
+                <a:solidFill>
+                  <a:schemeClr val="bg1"/>
+                </a:solidFill>
+              </a:rPr>
+              <a:t>Сонар</a:t>
+            </a:r>
+          </a:p>
+          <a:p>
+            <a:pPr lvl="1"/>
+            <a:r>
+              <a:rPr lang="en-US" sz="1600" dirty="0" smtClean="0">
+                <a:solidFill>
+                  <a:schemeClr val="bg1"/>
+                </a:solidFill>
+              </a:rPr>
+              <a:t>GPS</a:t>
+            </a:r>
+            <a:endParaRPr lang="ru-RU" sz="1600" dirty="0" smtClean="0">
+              <a:solidFill>
+                <a:schemeClr val="bg1"/>
+              </a:solidFill>
+            </a:endParaRPr>
+          </a:p>
+          <a:p>
+            <a:r>
+              <a:rPr lang="ru-RU" sz="2000" dirty="0" smtClean="0">
+                <a:solidFill>
+                  <a:schemeClr val="bg1"/>
+                </a:solidFill>
+              </a:rPr>
+              <a:t>Контроллер</a:t>
+            </a:r>
+          </a:p>
+          <a:p>
+            <a:pPr lvl="1"/>
+            <a:r>
+              <a:rPr lang="ru-RU" sz="1600" dirty="0" smtClean="0">
+                <a:solidFill>
+                  <a:schemeClr val="bg1"/>
+                </a:solidFill>
+              </a:rPr>
+              <a:t>Стабилизация</a:t>
+            </a:r>
+          </a:p>
+          <a:p>
+            <a:pPr lvl="1"/>
+            <a:r>
+              <a:rPr lang="ru-RU" sz="1600" dirty="0" smtClean="0">
+                <a:solidFill>
+                  <a:schemeClr val="bg1"/>
+                </a:solidFill>
+              </a:rPr>
+              <a:t>Коммуникация</a:t>
+            </a:r>
+            <a:endParaRPr lang="ru-RU" sz="1600" dirty="0">
+              <a:solidFill>
+                <a:schemeClr val="bg1"/>
+              </a:solidFill>
+            </a:endParaRPr>
+          </a:p>
+        </p:txBody>
+      </p:sp>
+      <p:sp>
+        <p:nvSpPr>
+          <p:cNvPr id="7" name="Круговая стрелка 6"/>
+          <p:cNvSpPr/>
+          <p:nvPr/>
+        </p:nvSpPr>
+        <p:spPr>
+          <a:xfrm>
+            <a:off x="611560" y="1628800"/>
+            <a:ext cx="2160240" cy="2160240"/>
+          </a:xfrm>
+          <a:prstGeom prst="circularArrow">
+            <a:avLst>
+              <a:gd name="adj1" fmla="val 6887"/>
+              <a:gd name="adj2" fmla="val 1142319"/>
+              <a:gd name="adj3" fmla="val 181547"/>
+              <a:gd name="adj4" fmla="val 2314450"/>
+              <a:gd name="adj5" fmla="val 12500"/>
+            </a:avLst>
+          </a:prstGeom>
+          <a:solidFill>
+            <a:srgbClr val="000000">
+              <a:alpha val="69804"/>
+            </a:srgbClr>
+          </a:solidFill>
+          <a:ln w="12700">
+            <a:solidFill>
+              <a:schemeClr val="bg1"/>
+            </a:solidFill>
+          </a:ln>
+        </p:spPr>
+        <p:style>
+          <a:lnRef idx="2">
+            <a:schemeClr val="accent1">
+              <a:shade val="50000"/>
+            </a:schemeClr>
+          </a:lnRef>
+          <a:fillRef idx="1">
+            <a:schemeClr val="accent1"/>
+          </a:fillRef>
+          <a:effectRef idx="0">
+            <a:schemeClr val="accent1"/>
+          </a:effectRef>
+          <a:fontRef idx="minor">
+            <a:schemeClr val="lt1"/>
+          </a:fontRef>
+        </p:style>
+        <p:txBody>
+          <a:bodyPr rtlCol="0" anchor="ctr"/>
+          <a:lstStyle/>
+          <a:p>
+            <a:pPr algn="ctr"/>
+            <a:endParaRPr lang="ru-RU">
+              <a:solidFill>
+                <a:schemeClr val="tx1"/>
+              </a:solidFill>
+            </a:endParaRPr>
+          </a:p>
+        </p:txBody>
+      </p:sp>
+      <p:sp>
+        <p:nvSpPr>
+          <p:cNvPr id="8" name="Круговая стрелка 7"/>
+          <p:cNvSpPr/>
+          <p:nvPr/>
+        </p:nvSpPr>
+        <p:spPr>
+          <a:xfrm>
+            <a:off x="2771800" y="3789040"/>
+            <a:ext cx="2160240" cy="2160240"/>
+          </a:xfrm>
+          <a:prstGeom prst="circularArrow">
+            <a:avLst>
+              <a:gd name="adj1" fmla="val 6887"/>
+              <a:gd name="adj2" fmla="val 1142319"/>
+              <a:gd name="adj3" fmla="val 181547"/>
+              <a:gd name="adj4" fmla="val 2314450"/>
+              <a:gd name="adj5" fmla="val 12500"/>
+            </a:avLst>
+          </a:prstGeom>
+          <a:solidFill>
+            <a:srgbClr val="000000">
+              <a:alpha val="69804"/>
+            </a:srgbClr>
+          </a:solidFill>
+          <a:ln w="12700">
+            <a:solidFill>
+              <a:schemeClr val="bg1"/>
+            </a:solidFill>
+          </a:ln>
+        </p:spPr>
+        <p:style>
+          <a:lnRef idx="2">
+            <a:schemeClr val="accent1">
+              <a:shade val="50000"/>
+            </a:schemeClr>
+          </a:lnRef>
+          <a:fillRef idx="1">
+            <a:schemeClr val="accent1"/>
+          </a:fillRef>
+          <a:effectRef idx="0">
+            <a:schemeClr val="accent1"/>
+          </a:effectRef>
+          <a:fontRef idx="minor">
+            <a:schemeClr val="lt1"/>
+          </a:fontRef>
+        </p:style>
+        <p:txBody>
+          <a:bodyPr rtlCol="0" anchor="ctr"/>
+          <a:lstStyle/>
+          <a:p>
+            <a:pPr algn="ctr"/>
+            <a:endParaRPr lang="ru-RU">
+              <a:solidFill>
+                <a:schemeClr val="tx1"/>
+              </a:solidFill>
+            </a:endParaRPr>
+          </a:p>
+        </p:txBody>
+      </p:sp>
+      <p:sp>
+        <p:nvSpPr>
+          <p:cNvPr id="9" name="Круговая стрелка 8"/>
+          <p:cNvSpPr/>
+          <p:nvPr/>
+        </p:nvSpPr>
+        <p:spPr>
+          <a:xfrm flipH="1">
+            <a:off x="2771800" y="1628800"/>
+            <a:ext cx="2160240" cy="2160240"/>
+          </a:xfrm>
+          <a:prstGeom prst="circularArrow">
+            <a:avLst>
+              <a:gd name="adj1" fmla="val 6887"/>
+              <a:gd name="adj2" fmla="val 1142319"/>
+              <a:gd name="adj3" fmla="val 181547"/>
+              <a:gd name="adj4" fmla="val 2314450"/>
+              <a:gd name="adj5" fmla="val 12500"/>
+            </a:avLst>
+          </a:prstGeom>
+          <a:solidFill>
+            <a:srgbClr val="000000">
+              <a:alpha val="69804"/>
+            </a:srgbClr>
+          </a:solidFill>
+          <a:ln w="12700">
+            <a:solidFill>
+              <a:schemeClr val="bg1"/>
+            </a:solidFill>
+          </a:ln>
+        </p:spPr>
+        <p:style>
+          <a:lnRef idx="2">
+            <a:schemeClr val="accent1">
+              <a:shade val="50000"/>
+            </a:schemeClr>
+          </a:lnRef>
+          <a:fillRef idx="1">
+            <a:schemeClr val="accent1"/>
+          </a:fillRef>
+          <a:effectRef idx="0">
+            <a:schemeClr val="accent1"/>
+          </a:effectRef>
+          <a:fontRef idx="minor">
+            <a:schemeClr val="lt1"/>
+          </a:fontRef>
+        </p:style>
+        <p:txBody>
+          <a:bodyPr rtlCol="0" anchor="ctr"/>
+          <a:lstStyle/>
+          <a:p>
+            <a:pPr algn="ctr"/>
+            <a:endParaRPr lang="ru-RU">
+              <a:solidFill>
+                <a:schemeClr val="tx1"/>
+              </a:solidFill>
+            </a:endParaRPr>
+          </a:p>
+        </p:txBody>
+      </p:sp>
+      <p:sp>
+        <p:nvSpPr>
+          <p:cNvPr id="10" name="Круговая стрелка 9"/>
+          <p:cNvSpPr/>
+          <p:nvPr/>
+        </p:nvSpPr>
+        <p:spPr>
+          <a:xfrm flipH="1">
+            <a:off x="611560" y="3789040"/>
+            <a:ext cx="2160240" cy="2160240"/>
+          </a:xfrm>
+          <a:prstGeom prst="circularArrow">
+            <a:avLst>
+              <a:gd name="adj1" fmla="val 6887"/>
+              <a:gd name="adj2" fmla="val 1142319"/>
+              <a:gd name="adj3" fmla="val 181547"/>
+              <a:gd name="adj4" fmla="val 2314450"/>
+              <a:gd name="adj5" fmla="val 12500"/>
+            </a:avLst>
+          </a:prstGeom>
+          <a:solidFill>
+            <a:srgbClr val="000000">
+              <a:alpha val="69804"/>
+            </a:srgbClr>
+          </a:solidFill>
+          <a:ln w="12700">
+            <a:solidFill>
+              <a:schemeClr val="bg1"/>
+            </a:solidFill>
+          </a:ln>
+        </p:spPr>
+        <p:style>
+          <a:lnRef idx="2">
+            <a:schemeClr val="accent1">
+              <a:shade val="50000"/>
+            </a:schemeClr>
+          </a:lnRef>
+          <a:fillRef idx="1">
+            <a:schemeClr val="accent1"/>
+          </a:fillRef>
+          <a:effectRef idx="0">
+            <a:schemeClr val="accent1"/>
+          </a:effectRef>
+          <a:fontRef idx="minor">
+            <a:schemeClr val="lt1"/>
+          </a:fontRef>
+        </p:style>
+        <p:txBody>
+          <a:bodyPr rtlCol="0" anchor="ctr"/>
+          <a:lstStyle/>
+          <a:p>
+            <a:pPr algn="ctr"/>
+            <a:endParaRPr lang="ru-RU">
+              <a:solidFill>
+                <a:schemeClr val="tx1"/>
+              </a:solidFill>
+            </a:endParaRPr>
+          </a:p>
+        </p:txBody>
+      </p:sp>
+      <p:sp>
+        <p:nvSpPr>
+          <p:cNvPr id="11" name="Овал 10"/>
+          <p:cNvSpPr/>
+          <p:nvPr/>
+        </p:nvSpPr>
+        <p:spPr>
+          <a:xfrm>
+            <a:off x="1331640" y="2348880"/>
+            <a:ext cx="720080" cy="720080"/>
+          </a:xfrm>
+          <a:prstGeom prst="ellipse">
+            <a:avLst/>
+          </a:prstGeom>
+          <a:solidFill>
+            <a:srgbClr val="000000">
+              <a:alpha val="69804"/>
+            </a:srgbClr>
+          </a:solidFill>
+          <a:ln w="12700">
+            <a:solidFill>
+              <a:srgbClr val="80FF80"/>
+            </a:solidFill>
+          </a:ln>
+        </p:spPr>
+        <p:style>
+          <a:lnRef idx="2">
+            <a:schemeClr val="accent1">
+              <a:shade val="50000"/>
+            </a:schemeClr>
+          </a:lnRef>
+          <a:fillRef idx="1">
+            <a:schemeClr val="accent1"/>
+          </a:fillRef>
+          <a:effectRef idx="0">
+            <a:schemeClr val="accent1"/>
+          </a:effectRef>
+          <a:fontRef idx="minor">
+            <a:schemeClr val="lt1"/>
+          </a:fontRef>
+        </p:style>
+        <p:txBody>
+          <a:bodyPr rtlCol="0" anchor="ctr"/>
+          <a:lstStyle/>
+          <a:p>
+            <a:pPr algn="ctr"/>
+            <a:endParaRPr lang="ru-RU"/>
+          </a:p>
+        </p:txBody>
+      </p:sp>
+      <p:sp>
+        <p:nvSpPr>
+          <p:cNvPr id="12" name="Овал 11"/>
+          <p:cNvSpPr/>
+          <p:nvPr/>
+        </p:nvSpPr>
+        <p:spPr>
+          <a:xfrm>
+            <a:off x="1331640" y="4509120"/>
+            <a:ext cx="720080" cy="720080"/>
+          </a:xfrm>
+          <a:prstGeom prst="ellipse">
+            <a:avLst/>
+          </a:prstGeom>
+          <a:solidFill>
+            <a:srgbClr val="000000">
+              <a:alpha val="69804"/>
+            </a:srgbClr>
+          </a:solidFill>
+          <a:ln w="12700">
+            <a:solidFill>
+              <a:srgbClr val="80FF80"/>
+            </a:solidFill>
+          </a:ln>
+        </p:spPr>
+        <p:style>
+          <a:lnRef idx="2">
+            <a:schemeClr val="accent1">
+              <a:shade val="50000"/>
+            </a:schemeClr>
+          </a:lnRef>
+          <a:fillRef idx="1">
+            <a:schemeClr val="accent1"/>
+          </a:fillRef>
+          <a:effectRef idx="0">
+            <a:schemeClr val="accent1"/>
+          </a:effectRef>
+          <a:fontRef idx="minor">
+            <a:schemeClr val="lt1"/>
+          </a:fontRef>
+        </p:style>
+        <p:txBody>
+          <a:bodyPr rtlCol="0" anchor="ctr"/>
+          <a:lstStyle/>
+          <a:p>
+            <a:pPr algn="ctr"/>
+            <a:endParaRPr lang="ru-RU"/>
+          </a:p>
+        </p:txBody>
+      </p:sp>
+      <p:sp>
+        <p:nvSpPr>
+          <p:cNvPr id="13" name="Овал 12"/>
+          <p:cNvSpPr/>
+          <p:nvPr/>
+        </p:nvSpPr>
+        <p:spPr>
+          <a:xfrm>
+            <a:off x="3491880" y="4509120"/>
+            <a:ext cx="720080" cy="720080"/>
+          </a:xfrm>
+          <a:prstGeom prst="ellipse">
+            <a:avLst/>
+          </a:prstGeom>
+          <a:solidFill>
+            <a:srgbClr val="000000">
+              <a:alpha val="69804"/>
+            </a:srgbClr>
+          </a:solidFill>
+          <a:ln w="12700">
+            <a:solidFill>
+              <a:srgbClr val="80FF80"/>
+            </a:solidFill>
+          </a:ln>
+        </p:spPr>
+        <p:style>
+          <a:lnRef idx="2">
+            <a:schemeClr val="accent1">
+              <a:shade val="50000"/>
+            </a:schemeClr>
+          </a:lnRef>
+          <a:fillRef idx="1">
+            <a:schemeClr val="accent1"/>
+          </a:fillRef>
+          <a:effectRef idx="0">
+            <a:schemeClr val="accent1"/>
+          </a:effectRef>
+          <a:fontRef idx="minor">
+            <a:schemeClr val="lt1"/>
+          </a:fontRef>
+        </p:style>
+        <p:txBody>
+          <a:bodyPr rtlCol="0" anchor="ctr"/>
+          <a:lstStyle/>
+          <a:p>
+            <a:pPr algn="ctr"/>
+            <a:endParaRPr lang="ru-RU"/>
+          </a:p>
+        </p:txBody>
+      </p:sp>
+      <p:sp>
+        <p:nvSpPr>
+          <p:cNvPr id="14" name="Овал 13"/>
+          <p:cNvSpPr/>
+          <p:nvPr/>
+        </p:nvSpPr>
+        <p:spPr>
+          <a:xfrm>
+            <a:off x="3491880" y="2348880"/>
+            <a:ext cx="720080" cy="720080"/>
+          </a:xfrm>
+          <a:prstGeom prst="ellipse">
+            <a:avLst/>
+          </a:prstGeom>
+          <a:solidFill>
+            <a:srgbClr val="000000">
+              <a:alpha val="69804"/>
+            </a:srgbClr>
+          </a:solidFill>
+          <a:ln w="12700">
+            <a:solidFill>
+              <a:srgbClr val="80FF80"/>
+            </a:solidFill>
+          </a:ln>
+        </p:spPr>
+        <p:style>
+          <a:lnRef idx="2">
+            <a:schemeClr val="accent1">
+              <a:shade val="50000"/>
+            </a:schemeClr>
+          </a:lnRef>
+          <a:fillRef idx="1">
+            <a:schemeClr val="accent1"/>
+          </a:fillRef>
+          <a:effectRef idx="0">
+            <a:schemeClr val="accent1"/>
+          </a:effectRef>
+          <a:fontRef idx="minor">
+            <a:schemeClr val="lt1"/>
+          </a:fontRef>
+        </p:style>
+        <p:txBody>
+          <a:bodyPr rtlCol="0" anchor="ctr"/>
+          <a:lstStyle/>
+          <a:p>
+            <a:pPr algn="ctr"/>
+            <a:endParaRPr lang="ru-RU"/>
+          </a:p>
+        </p:txBody>
+      </p:sp>
+      <p:sp>
+        <p:nvSpPr>
+          <p:cNvPr id="16" name="Прямоугольник 15"/>
+          <p:cNvSpPr/>
+          <p:nvPr/>
+        </p:nvSpPr>
+        <p:spPr>
+          <a:xfrm>
+            <a:off x="2483768" y="3501008"/>
+            <a:ext cx="576064" cy="576064"/>
+          </a:xfrm>
+          <a:prstGeom prst="rect">
+            <a:avLst/>
+          </a:prstGeom>
+          <a:solidFill>
+            <a:srgbClr val="640000">
+              <a:alpha val="49804"/>
+            </a:srgbClr>
+          </a:solidFill>
+          <a:ln w="12700">
+            <a:solidFill>
+              <a:srgbClr val="FF8080"/>
+            </a:solidFill>
+          </a:ln>
+        </p:spPr>
+        <p:style>
+          <a:lnRef idx="3">
+            <a:schemeClr val="lt1"/>
+          </a:lnRef>
+          <a:fillRef idx="1">
+            <a:schemeClr val="accent1"/>
+          </a:fillRef>
+          <a:effectRef idx="1">
+            <a:schemeClr val="accent1"/>
+          </a:effectRef>
+          <a:fontRef idx="minor">
+            <a:schemeClr val="lt1"/>
+          </a:fontRef>
+        </p:style>
+        <p:txBody>
+          <a:bodyPr rtlCol="0" anchor="ctr"/>
+          <a:lstStyle/>
+          <a:p>
+            <a:pPr algn="ctr"/>
+            <a:endParaRPr lang="ru-RU" sz="2400" dirty="0">
+              <a:solidFill>
+                <a:schemeClr val="bg1"/>
+              </a:solidFill>
+            </a:endParaRPr>
+          </a:p>
+        </p:txBody>
+      </p:sp>
+      <p:sp>
+        <p:nvSpPr>
+          <p:cNvPr id="17" name="Овал 16"/>
+          <p:cNvSpPr/>
+          <p:nvPr/>
+        </p:nvSpPr>
+        <p:spPr>
+          <a:xfrm>
+            <a:off x="3707904" y="2564904"/>
+            <a:ext cx="288032" cy="288032"/>
+          </a:xfrm>
+          <a:prstGeom prst="ellipse">
+            <a:avLst/>
+          </a:prstGeom>
+          <a:solidFill>
+            <a:srgbClr val="000000">
+              <a:alpha val="69804"/>
+            </a:srgbClr>
+          </a:solidFill>
+          <a:ln w="12700">
+            <a:solidFill>
+              <a:srgbClr val="80FF80"/>
+            </a:solidFill>
+          </a:ln>
+        </p:spPr>
+        <p:style>
+          <a:lnRef idx="2">
+            <a:schemeClr val="accent1">
+              <a:shade val="50000"/>
+            </a:schemeClr>
+          </a:lnRef>
+          <a:fillRef idx="1">
+            <a:schemeClr val="accent1"/>
+          </a:fillRef>
+          <a:effectRef idx="0">
+            <a:schemeClr val="accent1"/>
+          </a:effectRef>
+          <a:fontRef idx="minor">
+            <a:schemeClr val="lt1"/>
+          </a:fontRef>
+        </p:style>
+        <p:txBody>
+          <a:bodyPr rtlCol="0" anchor="ctr"/>
+          <a:lstStyle/>
+          <a:p>
+            <a:pPr algn="ctr"/>
+            <a:endParaRPr lang="ru-RU"/>
+          </a:p>
+        </p:txBody>
+      </p:sp>
+      <p:sp>
+        <p:nvSpPr>
+          <p:cNvPr id="18" name="Овал 17"/>
+          <p:cNvSpPr/>
+          <p:nvPr/>
+        </p:nvSpPr>
+        <p:spPr>
+          <a:xfrm>
+            <a:off x="1547664" y="2564904"/>
+            <a:ext cx="288032" cy="288032"/>
+          </a:xfrm>
+          <a:prstGeom prst="ellipse">
+            <a:avLst/>
+          </a:prstGeom>
+          <a:solidFill>
+            <a:srgbClr val="000000">
+              <a:alpha val="69804"/>
+            </a:srgbClr>
+          </a:solidFill>
+          <a:ln w="12700">
+            <a:solidFill>
+              <a:srgbClr val="80FF80"/>
+            </a:solidFill>
+          </a:ln>
+        </p:spPr>
+        <p:style>
+          <a:lnRef idx="2">
+            <a:schemeClr val="accent1">
+              <a:shade val="50000"/>
+            </a:schemeClr>
+          </a:lnRef>
+          <a:fillRef idx="1">
+            <a:schemeClr val="accent1"/>
+          </a:fillRef>
+          <a:effectRef idx="0">
+            <a:schemeClr val="accent1"/>
+          </a:effectRef>
+          <a:fontRef idx="minor">
+            <a:schemeClr val="lt1"/>
+          </a:fontRef>
+        </p:style>
+        <p:txBody>
+          <a:bodyPr rtlCol="0" anchor="ctr"/>
+          <a:lstStyle/>
+          <a:p>
+            <a:pPr algn="ctr"/>
+            <a:endParaRPr lang="ru-RU"/>
+          </a:p>
+        </p:txBody>
+      </p:sp>
+      <p:sp>
+        <p:nvSpPr>
+          <p:cNvPr id="19" name="Овал 18"/>
+          <p:cNvSpPr/>
+          <p:nvPr/>
+        </p:nvSpPr>
+        <p:spPr>
+          <a:xfrm>
+            <a:off x="1547664" y="4725144"/>
+            <a:ext cx="288032" cy="288032"/>
+          </a:xfrm>
+          <a:prstGeom prst="ellipse">
+            <a:avLst/>
+          </a:prstGeom>
+          <a:solidFill>
+            <a:srgbClr val="000000">
+              <a:alpha val="69804"/>
+            </a:srgbClr>
+          </a:solidFill>
+          <a:ln w="12700">
+            <a:solidFill>
+              <a:srgbClr val="80FF80"/>
+            </a:solidFill>
+          </a:ln>
+        </p:spPr>
+        <p:style>
+          <a:lnRef idx="2">
+            <a:schemeClr val="accent1">
+              <a:shade val="50000"/>
+            </a:schemeClr>
+          </a:lnRef>
+          <a:fillRef idx="1">
+            <a:schemeClr val="accent1"/>
+          </a:fillRef>
+          <a:effectRef idx="0">
+            <a:schemeClr val="accent1"/>
+          </a:effectRef>
+          <a:fontRef idx="minor">
+            <a:schemeClr val="lt1"/>
+          </a:fontRef>
+        </p:style>
+        <p:txBody>
+          <a:bodyPr rtlCol="0" anchor="ctr"/>
+          <a:lstStyle/>
+          <a:p>
+            <a:pPr algn="ctr"/>
+            <a:endParaRPr lang="ru-RU"/>
+          </a:p>
+        </p:txBody>
+      </p:sp>
+      <p:sp>
+        <p:nvSpPr>
+          <p:cNvPr id="20" name="Овал 19"/>
+          <p:cNvSpPr/>
+          <p:nvPr/>
+        </p:nvSpPr>
+        <p:spPr>
+          <a:xfrm>
+            <a:off x="3707904" y="4725144"/>
+            <a:ext cx="288032" cy="288032"/>
+          </a:xfrm>
+          <a:prstGeom prst="ellipse">
+            <a:avLst/>
+          </a:prstGeom>
+          <a:solidFill>
+            <a:srgbClr val="000000">
+              <a:alpha val="69804"/>
+            </a:srgbClr>
+          </a:solidFill>
+          <a:ln w="12700">
+            <a:solidFill>
+              <a:srgbClr val="80FF80"/>
+            </a:solidFill>
+          </a:ln>
+        </p:spPr>
+        <p:style>
+          <a:lnRef idx="2">
+            <a:schemeClr val="accent1">
+              <a:shade val="50000"/>
+            </a:schemeClr>
+          </a:lnRef>
+          <a:fillRef idx="1">
+            <a:schemeClr val="accent1"/>
+          </a:fillRef>
+          <a:effectRef idx="0">
+            <a:schemeClr val="accent1"/>
+          </a:effectRef>
+          <a:fontRef idx="minor">
+            <a:schemeClr val="lt1"/>
+          </a:fontRef>
+        </p:style>
+        <p:txBody>
+          <a:bodyPr rtlCol="0" anchor="ctr"/>
+          <a:lstStyle/>
+          <a:p>
+            <a:pPr algn="ctr"/>
+            <a:endParaRPr lang="ru-RU"/>
+          </a:p>
+        </p:txBody>
+      </p:sp>
+    </p:spTree>
+  </p:cSld>
+  <p:clrMapOvr>
+    <a:masterClrMapping/>
+  </p:clrMapOvr>
+  <p:timing>
+    <p:tnLst>
+      <p:par>
+        <p:cTn id="1" dur="indefinite" restart="never" nodeType="tmRoot"/>
+      </p:par>
+    </p:tnLst>
+  </p:timing>
+</p:sld>
+</file>
+
+<file path=ppt/slides/slide8.xml><?xml version="1.0" encoding="utf-8"?>
+<p:sld xmlns:a="http://schemas.openxmlformats.org/drawingml/2006/main" xmlns:r="http://schemas.openxmlformats.org/officeDocument/2006/relationships" xmlns:p="http://schemas.openxmlformats.org/presentationml/2006/main">
+  <p:cSld>
+    <p:spTree>
+      <p:nvGrpSpPr>
+        <p:cNvPr id="1" name=""/>
+        <p:cNvGrpSpPr/>
+        <p:nvPr/>
+      </p:nvGrpSpPr>
+      <p:grpSpPr>
+        <a:xfrm>
+          <a:off x="0" y="0"/>
+          <a:ext cx="0" cy="0"/>
+          <a:chOff x="0" y="0"/>
+          <a:chExt cx="0" cy="0"/>
+        </a:xfrm>
+      </p:grpSpPr>
+      <p:sp>
+        <p:nvSpPr>
+          <p:cNvPr id="2" name="Заголовок 1"/>
+          <p:cNvSpPr>
+            <a:spLocks noGrp="1"/>
+          </p:cNvSpPr>
+          <p:nvPr>
+            <p:ph type="title"/>
+          </p:nvPr>
+        </p:nvSpPr>
+        <p:spPr/>
+        <p:txBody>
+          <a:bodyPr/>
+          <a:lstStyle/>
+          <a:p>
+            <a:r>
+              <a:rPr lang="ru-RU" sz="3200" dirty="0" smtClean="0"/>
+              <a:t>Выбор аппаратной платформы для БПЛА</a:t>
+            </a:r>
+            <a:endParaRPr lang="ru-RU" sz="3200" dirty="0"/>
+          </a:p>
+        </p:txBody>
+      </p:sp>
+      <p:sp>
+        <p:nvSpPr>
+          <p:cNvPr id="3" name="Содержимое 2"/>
+          <p:cNvSpPr>
+            <a:spLocks noGrp="1"/>
+          </p:cNvSpPr>
+          <p:nvPr>
+            <p:ph sz="half" idx="1"/>
+          </p:nvPr>
+        </p:nvSpPr>
+        <p:spPr>
+          <a:solidFill>
+            <a:srgbClr val="000000">
+              <a:alpha val="74902"/>
+            </a:srgbClr>
+          </a:solidFill>
+        </p:spPr>
+        <p:txBody>
+          <a:bodyPr>
+            <a:normAutofit fontScale="92500" lnSpcReduction="10000"/>
+          </a:bodyPr>
+          <a:lstStyle/>
+          <a:p>
+            <a:r>
+              <a:rPr lang="ru-RU" sz="2400" dirty="0" smtClean="0"/>
+              <a:t>Контроллер:</a:t>
+            </a:r>
+            <a:endParaRPr lang="en-US" sz="2400" dirty="0" smtClean="0"/>
+          </a:p>
+          <a:p>
+            <a:pPr lvl="1"/>
+            <a:r>
+              <a:rPr lang="en-US" sz="2000" dirty="0" err="1" smtClean="0"/>
+              <a:t>Arduino</a:t>
+            </a:r>
+            <a:endParaRPr lang="ru-RU" sz="2000" dirty="0" smtClean="0"/>
+          </a:p>
+          <a:p>
+            <a:pPr lvl="2"/>
+            <a:r>
+              <a:rPr lang="ru-RU" sz="1600" dirty="0" smtClean="0">
+                <a:solidFill>
+                  <a:srgbClr val="80FF80"/>
+                </a:solidFill>
+              </a:rPr>
+              <a:t>Большой выбор «</a:t>
+            </a:r>
+            <a:r>
+              <a:rPr lang="ru-RU" sz="1600" dirty="0" err="1" smtClean="0">
+                <a:solidFill>
+                  <a:srgbClr val="80FF80"/>
+                </a:solidFill>
+              </a:rPr>
+              <a:t>шилдов</a:t>
+            </a:r>
+            <a:r>
+              <a:rPr lang="ru-RU" sz="1600" dirty="0" smtClean="0">
+                <a:solidFill>
+                  <a:srgbClr val="80FF80"/>
+                </a:solidFill>
+              </a:rPr>
+              <a:t>»</a:t>
+            </a:r>
+          </a:p>
+          <a:p>
+            <a:pPr lvl="2"/>
+            <a:r>
+              <a:rPr lang="ru-RU" sz="1600" dirty="0" smtClean="0">
+                <a:solidFill>
+                  <a:srgbClr val="80FF80"/>
+                </a:solidFill>
+              </a:rPr>
+              <a:t>Легкость программирования и  внедрения</a:t>
+            </a:r>
+          </a:p>
+          <a:p>
+            <a:pPr lvl="2"/>
+            <a:r>
+              <a:rPr lang="ru-RU" sz="1600" dirty="0" smtClean="0">
+                <a:solidFill>
+                  <a:srgbClr val="80FF80"/>
+                </a:solidFill>
+              </a:rPr>
+              <a:t>Большой  выбор  библиотек для разных задач и аппаратных средств</a:t>
+            </a:r>
+          </a:p>
+          <a:p>
+            <a:pPr lvl="2"/>
+            <a:r>
+              <a:rPr lang="en-US" sz="1600" dirty="0" err="1" smtClean="0">
+                <a:solidFill>
+                  <a:srgbClr val="80FF80"/>
+                </a:solidFill>
+              </a:rPr>
+              <a:t>AeroQuad</a:t>
+            </a:r>
+            <a:endParaRPr lang="ru-RU" sz="1600" dirty="0" smtClean="0">
+              <a:solidFill>
+                <a:srgbClr val="80FF80"/>
+              </a:solidFill>
+            </a:endParaRPr>
+          </a:p>
+          <a:p>
+            <a:pPr lvl="2"/>
+            <a:r>
+              <a:rPr lang="ru-RU" sz="1600" dirty="0" smtClean="0">
+                <a:solidFill>
+                  <a:srgbClr val="FF8080"/>
+                </a:solidFill>
+              </a:rPr>
+              <a:t>Низкая производительность</a:t>
+            </a:r>
+          </a:p>
+          <a:p>
+            <a:pPr lvl="2"/>
+            <a:endParaRPr lang="ru-RU" sz="1600" dirty="0" smtClean="0"/>
+          </a:p>
+          <a:p>
+            <a:pPr lvl="1"/>
+            <a:r>
+              <a:rPr lang="en-US" sz="2000" dirty="0" err="1" smtClean="0"/>
+              <a:t>Netduino</a:t>
+            </a:r>
+            <a:endParaRPr lang="ru-RU" sz="2000" dirty="0" smtClean="0"/>
+          </a:p>
+          <a:p>
+            <a:pPr lvl="2"/>
+            <a:r>
+              <a:rPr lang="en-US" sz="1600" dirty="0" smtClean="0">
+                <a:solidFill>
+                  <a:srgbClr val="80FF80"/>
+                </a:solidFill>
+              </a:rPr>
+              <a:t>.NET </a:t>
+            </a:r>
+            <a:r>
+              <a:rPr lang="en-US" sz="1600" dirty="0" err="1" smtClean="0">
+                <a:solidFill>
+                  <a:srgbClr val="80FF80"/>
+                </a:solidFill>
+              </a:rPr>
+              <a:t>Microframework</a:t>
+            </a:r>
+            <a:endParaRPr lang="en-US" sz="1600" dirty="0" smtClean="0">
+              <a:solidFill>
+                <a:srgbClr val="80FF80"/>
+              </a:solidFill>
+            </a:endParaRPr>
+          </a:p>
+          <a:p>
+            <a:pPr lvl="2"/>
+            <a:r>
+              <a:rPr lang="ru-RU" sz="1600" dirty="0" smtClean="0">
+                <a:solidFill>
+                  <a:srgbClr val="80FF80"/>
+                </a:solidFill>
+              </a:rPr>
+              <a:t>Возможность интеграции с ВП</a:t>
+            </a:r>
+          </a:p>
+          <a:p>
+            <a:pPr lvl="2"/>
+            <a:r>
+              <a:rPr lang="ru-RU" sz="1600" dirty="0" smtClean="0">
+                <a:solidFill>
+                  <a:srgbClr val="FF8080"/>
+                </a:solidFill>
+              </a:rPr>
+              <a:t>Меньше библиотек</a:t>
+            </a:r>
+          </a:p>
+          <a:p>
+            <a:pPr lvl="2"/>
+            <a:endParaRPr lang="en-US" sz="1600" dirty="0" smtClean="0"/>
+          </a:p>
+        </p:txBody>
+      </p:sp>
+      <p:sp>
+        <p:nvSpPr>
+          <p:cNvPr id="4" name="Содержимое 3"/>
+          <p:cNvSpPr>
+            <a:spLocks noGrp="1"/>
+          </p:cNvSpPr>
+          <p:nvPr>
+            <p:ph sz="half" idx="2"/>
+          </p:nvPr>
+        </p:nvSpPr>
+        <p:spPr>
+          <a:solidFill>
+            <a:srgbClr val="000000">
+              <a:alpha val="74902"/>
+            </a:srgbClr>
+          </a:solidFill>
+        </p:spPr>
+        <p:txBody>
+          <a:bodyPr>
+            <a:normAutofit fontScale="92500" lnSpcReduction="10000"/>
+          </a:bodyPr>
+          <a:lstStyle/>
+          <a:p>
+            <a:r>
+              <a:rPr lang="ru-RU" sz="2400" dirty="0" smtClean="0"/>
+              <a:t>Коммуникационная система</a:t>
+            </a:r>
+            <a:endParaRPr lang="en-US" sz="2400" dirty="0" smtClean="0"/>
+          </a:p>
+          <a:p>
+            <a:pPr lvl="1"/>
+            <a:r>
+              <a:rPr lang="en-US" sz="2000" dirty="0" err="1" smtClean="0"/>
+              <a:t>WiFi</a:t>
+            </a:r>
+            <a:endParaRPr lang="en-US" sz="2000" dirty="0" smtClean="0"/>
+          </a:p>
+          <a:p>
+            <a:pPr lvl="2"/>
+            <a:r>
+              <a:rPr lang="ru-RU" sz="1600" dirty="0" smtClean="0">
+                <a:solidFill>
+                  <a:srgbClr val="80FF80"/>
+                </a:solidFill>
+              </a:rPr>
+              <a:t>Передача больших объемов </a:t>
+            </a:r>
+            <a:r>
+              <a:rPr lang="ru-RU" sz="1600" dirty="0" smtClean="0">
+                <a:solidFill>
+                  <a:srgbClr val="80FF80"/>
+                </a:solidFill>
+              </a:rPr>
+              <a:t>данных</a:t>
+            </a:r>
+          </a:p>
+          <a:p>
+            <a:pPr lvl="2"/>
+            <a:r>
+              <a:rPr lang="ru-RU" sz="1600" dirty="0" smtClean="0">
+                <a:solidFill>
+                  <a:srgbClr val="FF8080"/>
+                </a:solidFill>
+              </a:rPr>
+              <a:t>Непригодна для сложных топологий</a:t>
+            </a:r>
+            <a:endParaRPr lang="ru-RU" sz="1600" dirty="0" smtClean="0">
+              <a:solidFill>
+                <a:srgbClr val="FF8080"/>
+              </a:solidFill>
+            </a:endParaRPr>
+          </a:p>
+          <a:p>
+            <a:pPr lvl="1"/>
+            <a:r>
+              <a:rPr lang="en-US" sz="2000" dirty="0" err="1" smtClean="0"/>
+              <a:t>ZigBee</a:t>
+            </a:r>
+            <a:endParaRPr lang="ru-RU" sz="2000" dirty="0" smtClean="0"/>
+          </a:p>
+          <a:p>
+            <a:pPr lvl="2"/>
+            <a:r>
+              <a:rPr lang="ru-RU" sz="1600" dirty="0" smtClean="0">
+                <a:solidFill>
+                  <a:srgbClr val="80FF80"/>
+                </a:solidFill>
+              </a:rPr>
+              <a:t>Сложные топологии</a:t>
+            </a:r>
+          </a:p>
+          <a:p>
+            <a:pPr lvl="2"/>
+            <a:r>
+              <a:rPr lang="ru-RU" sz="1600" dirty="0" smtClean="0">
+                <a:solidFill>
+                  <a:srgbClr val="80FF80"/>
+                </a:solidFill>
+              </a:rPr>
+              <a:t>Критически важные данные</a:t>
+            </a:r>
+          </a:p>
+          <a:p>
+            <a:pPr lvl="2"/>
+            <a:r>
+              <a:rPr lang="ru-RU" sz="1600" dirty="0" smtClean="0">
+                <a:solidFill>
+                  <a:srgbClr val="FF8080"/>
+                </a:solidFill>
+              </a:rPr>
+              <a:t>Сложность </a:t>
+            </a:r>
+            <a:r>
+              <a:rPr lang="ru-RU" sz="1600" dirty="0" smtClean="0">
+                <a:solidFill>
+                  <a:srgbClr val="FF8080"/>
+                </a:solidFill>
+              </a:rPr>
+              <a:t>настройки</a:t>
+            </a:r>
+            <a:endParaRPr lang="ru-RU" sz="1600" dirty="0" smtClean="0">
+              <a:solidFill>
+                <a:srgbClr val="80FF80"/>
+              </a:solidFill>
+            </a:endParaRPr>
+          </a:p>
+          <a:p>
+            <a:pPr lvl="1"/>
+            <a:r>
+              <a:rPr lang="en-US" sz="2000" dirty="0" smtClean="0"/>
+              <a:t>Bluetooth</a:t>
+            </a:r>
+            <a:endParaRPr lang="ru-RU" sz="2000" dirty="0" smtClean="0"/>
+          </a:p>
+          <a:p>
+            <a:pPr lvl="2"/>
+            <a:r>
+              <a:rPr lang="ru-RU" sz="1600" dirty="0" smtClean="0">
+                <a:solidFill>
+                  <a:srgbClr val="80FF80"/>
+                </a:solidFill>
+              </a:rPr>
+              <a:t>Прост в использовании</a:t>
+            </a:r>
+          </a:p>
+          <a:p>
+            <a:pPr lvl="2"/>
+            <a:r>
+              <a:rPr lang="ru-RU" sz="1600" dirty="0" smtClean="0">
+                <a:solidFill>
+                  <a:srgbClr val="FF8080"/>
+                </a:solidFill>
+              </a:rPr>
+              <a:t>Ненадежен</a:t>
+            </a:r>
+          </a:p>
+          <a:p>
+            <a:pPr lvl="2"/>
+            <a:endParaRPr lang="ru-RU" sz="1600" dirty="0" smtClean="0"/>
+          </a:p>
+          <a:p>
+            <a:pPr lvl="1"/>
+            <a:r>
+              <a:rPr lang="en-US" sz="2000" dirty="0" smtClean="0"/>
+              <a:t>USB</a:t>
+            </a:r>
+            <a:endParaRPr lang="ru-RU" sz="2000" dirty="0" smtClean="0"/>
+          </a:p>
+          <a:p>
+            <a:pPr lvl="2"/>
+            <a:r>
+              <a:rPr lang="ru-RU" sz="1600" dirty="0" smtClean="0"/>
+              <a:t>Отладка</a:t>
+            </a:r>
+          </a:p>
+          <a:p>
+            <a:endParaRPr lang="ru-RU" dirty="0"/>
+          </a:p>
+        </p:txBody>
+      </p:sp>
+    </p:spTree>
+  </p:cSld>
+  <p:clrMapOvr>
+    <a:masterClrMapping/>
+  </p:clrMapOvr>
+  <p:timing>
+    <p:tnLst>
+      <p:par>
+        <p:cTn id="1" dur="indefinite" restart="never" nodeType="tmRoot"/>
+      </p:par>
+    </p:tnLst>
+  </p:timing>
+</p:sld>
+</file>
+
+<file path=ppt/slides/slide9.xml><?xml version="1.0" encoding="utf-8"?>
+<p:sld xmlns:a="http://schemas.openxmlformats.org/drawingml/2006/main" xmlns:r="http://schemas.openxmlformats.org/officeDocument/2006/relationships" xmlns:p="http://schemas.openxmlformats.org/presentationml/2006/main">
+  <p:cSld>
+    <p:spTree>
+      <p:nvGrpSpPr>
+        <p:cNvPr id="1" name=""/>
+        <p:cNvGrpSpPr/>
+        <p:nvPr/>
+      </p:nvGrpSpPr>
+      <p:grpSpPr>
+        <a:xfrm>
+          <a:off x="0" y="0"/>
+          <a:ext cx="0" cy="0"/>
+          <a:chOff x="0" y="0"/>
+          <a:chExt cx="0" cy="0"/>
+        </a:xfrm>
+      </p:grpSpPr>
+      <p:sp>
+        <p:nvSpPr>
+          <p:cNvPr id="2" name="Заголовок 1"/>
+          <p:cNvSpPr>
+            <a:spLocks noGrp="1"/>
+          </p:cNvSpPr>
+          <p:nvPr>
+            <p:ph type="title"/>
+          </p:nvPr>
+        </p:nvSpPr>
+        <p:spPr/>
+        <p:txBody>
+          <a:bodyPr>
+            <a:normAutofit/>
+          </a:bodyPr>
+          <a:lstStyle/>
+          <a:p>
+            <a:r>
+              <a:rPr lang="ru-RU" dirty="0" smtClean="0"/>
+              <a:t>Функциональная схема 4Р-БПЛА</a:t>
+            </a:r>
+            <a:endParaRPr lang="ru-RU" dirty="0"/>
+          </a:p>
+        </p:txBody>
+      </p:sp>
+      <p:sp>
+        <p:nvSpPr>
+          <p:cNvPr id="4" name="Прямоугольник 3"/>
+          <p:cNvSpPr/>
+          <p:nvPr/>
+        </p:nvSpPr>
+        <p:spPr>
+          <a:xfrm>
+            <a:off x="251520" y="1556792"/>
+            <a:ext cx="1008112" cy="1872208"/>
+          </a:xfrm>
+          <a:prstGeom prst="rect">
+            <a:avLst/>
+          </a:prstGeom>
+          <a:solidFill>
+            <a:srgbClr val="324B64">
+              <a:alpha val="50196"/>
+            </a:srgbClr>
+          </a:solidFill>
+          <a:ln w="12700"/>
+        </p:spPr>
+        <p:style>
+          <a:lnRef idx="3">
+            <a:schemeClr val="lt1"/>
+          </a:lnRef>
+          <a:fillRef idx="1">
+            <a:schemeClr val="accent1"/>
+          </a:fillRef>
+          <a:effectRef idx="1">
+            <a:schemeClr val="accent1"/>
+          </a:effectRef>
+          <a:fontRef idx="minor">
+            <a:schemeClr val="lt1"/>
+          </a:fontRef>
+        </p:style>
+        <p:txBody>
+          <a:bodyPr rtlCol="0" anchor="ctr"/>
+          <a:lstStyle/>
+          <a:p>
+            <a:pPr algn="ctr"/>
+            <a:r>
+              <a:rPr lang="en-US" sz="2400" dirty="0" smtClean="0">
+                <a:solidFill>
+                  <a:schemeClr val="bg1"/>
+                </a:solidFill>
+              </a:rPr>
+              <a:t>PC</a:t>
+            </a:r>
+          </a:p>
+          <a:p>
+            <a:pPr algn="ctr"/>
+            <a:r>
+              <a:rPr lang="en-US" dirty="0" smtClean="0">
+                <a:solidFill>
+                  <a:schemeClr val="bg1"/>
+                </a:solidFill>
+              </a:rPr>
+              <a:t>(</a:t>
+            </a:r>
+            <a:r>
+              <a:rPr lang="ru-RU" dirty="0" smtClean="0">
+                <a:solidFill>
+                  <a:schemeClr val="bg1"/>
+                </a:solidFill>
+              </a:rPr>
+              <a:t>ВП)</a:t>
+            </a:r>
+            <a:endParaRPr lang="ru-RU" sz="2400" dirty="0">
+              <a:solidFill>
+                <a:schemeClr val="bg1"/>
+              </a:solidFill>
+            </a:endParaRPr>
+          </a:p>
+        </p:txBody>
+      </p:sp>
+      <p:sp>
+        <p:nvSpPr>
+          <p:cNvPr id="5" name="Прямоугольник 4"/>
+          <p:cNvSpPr/>
+          <p:nvPr/>
+        </p:nvSpPr>
+        <p:spPr>
+          <a:xfrm>
+            <a:off x="3851920" y="2492896"/>
+            <a:ext cx="1944216" cy="1080120"/>
+          </a:xfrm>
+          <a:prstGeom prst="rect">
+            <a:avLst/>
+          </a:prstGeom>
+          <a:solidFill>
+            <a:srgbClr val="640000">
+              <a:alpha val="49804"/>
+            </a:srgbClr>
+          </a:solidFill>
+          <a:ln w="12700">
+            <a:solidFill>
+              <a:schemeClr val="bg1"/>
+            </a:solidFill>
+          </a:ln>
+        </p:spPr>
+        <p:style>
+          <a:lnRef idx="3">
+            <a:schemeClr val="lt1"/>
+          </a:lnRef>
+          <a:fillRef idx="1">
+            <a:schemeClr val="accent1"/>
+          </a:fillRef>
+          <a:effectRef idx="1">
+            <a:schemeClr val="accent1"/>
+          </a:effectRef>
+          <a:fontRef idx="minor">
+            <a:schemeClr val="lt1"/>
+          </a:fontRef>
+        </p:style>
+        <p:txBody>
+          <a:bodyPr rtlCol="0" anchor="ctr"/>
+          <a:lstStyle/>
+          <a:p>
+            <a:pPr algn="ctr"/>
+            <a:r>
+              <a:rPr lang="en-US" sz="2400" dirty="0" smtClean="0">
+                <a:solidFill>
+                  <a:schemeClr val="bg1"/>
+                </a:solidFill>
+              </a:rPr>
+              <a:t>Controller</a:t>
+            </a:r>
+            <a:endParaRPr lang="ru-RU" sz="2400" dirty="0">
+              <a:solidFill>
+                <a:schemeClr val="bg1"/>
+              </a:solidFill>
+            </a:endParaRPr>
+          </a:p>
+        </p:txBody>
+      </p:sp>
+      <p:sp>
+        <p:nvSpPr>
+          <p:cNvPr id="7" name="Прямоугольник 6"/>
+          <p:cNvSpPr/>
+          <p:nvPr/>
+        </p:nvSpPr>
+        <p:spPr>
+          <a:xfrm>
+            <a:off x="6372200" y="1700808"/>
+            <a:ext cx="2016224" cy="288032"/>
+          </a:xfrm>
+          <a:prstGeom prst="rect">
+            <a:avLst/>
+          </a:prstGeom>
+          <a:solidFill>
+            <a:schemeClr val="accent1">
+              <a:lumMod val="75000"/>
+              <a:alpha val="50196"/>
+            </a:schemeClr>
+          </a:solidFill>
+          <a:ln w="12700"/>
+        </p:spPr>
+        <p:style>
+          <a:lnRef idx="3">
+            <a:schemeClr val="lt1"/>
+          </a:lnRef>
+          <a:fillRef idx="1">
+            <a:schemeClr val="accent1"/>
+          </a:fillRef>
+          <a:effectRef idx="1">
+            <a:schemeClr val="accent1"/>
+          </a:effectRef>
+          <a:fontRef idx="minor">
+            <a:schemeClr val="lt1"/>
+          </a:fontRef>
+        </p:style>
+        <p:txBody>
+          <a:bodyPr rtlCol="0" anchor="ctr"/>
+          <a:lstStyle/>
+          <a:p>
+            <a:pPr algn="ctr"/>
+            <a:r>
+              <a:rPr lang="en-US" sz="1400" dirty="0" smtClean="0">
+                <a:solidFill>
+                  <a:schemeClr val="bg1"/>
+                </a:solidFill>
+              </a:rPr>
+              <a:t>3-axis</a:t>
+            </a:r>
+            <a:r>
+              <a:rPr lang="ru-RU" sz="1400" dirty="0" smtClean="0">
+                <a:solidFill>
+                  <a:schemeClr val="bg1"/>
+                </a:solidFill>
+              </a:rPr>
+              <a:t> </a:t>
+            </a:r>
+            <a:r>
+              <a:rPr lang="en-US" sz="1400" dirty="0" smtClean="0">
+                <a:solidFill>
+                  <a:schemeClr val="bg1"/>
+                </a:solidFill>
+              </a:rPr>
+              <a:t>gyroscope</a:t>
+            </a:r>
+          </a:p>
+        </p:txBody>
+      </p:sp>
+      <p:sp>
+        <p:nvSpPr>
+          <p:cNvPr id="8" name="Прямоугольник 7"/>
+          <p:cNvSpPr/>
+          <p:nvPr/>
+        </p:nvSpPr>
+        <p:spPr>
+          <a:xfrm>
+            <a:off x="6372200" y="2132856"/>
+            <a:ext cx="2016224" cy="288032"/>
+          </a:xfrm>
+          <a:prstGeom prst="rect">
+            <a:avLst/>
+          </a:prstGeom>
+          <a:solidFill>
+            <a:schemeClr val="accent1">
+              <a:lumMod val="75000"/>
+              <a:alpha val="50196"/>
+            </a:schemeClr>
+          </a:solidFill>
+          <a:ln w="12700"/>
+        </p:spPr>
+        <p:style>
+          <a:lnRef idx="3">
+            <a:schemeClr val="lt1"/>
+          </a:lnRef>
+          <a:fillRef idx="1">
+            <a:schemeClr val="accent1"/>
+          </a:fillRef>
+          <a:effectRef idx="1">
+            <a:schemeClr val="accent1"/>
+          </a:effectRef>
+          <a:fontRef idx="minor">
+            <a:schemeClr val="lt1"/>
+          </a:fontRef>
+        </p:style>
+        <p:txBody>
+          <a:bodyPr rtlCol="0" anchor="ctr"/>
+          <a:lstStyle/>
+          <a:p>
+            <a:pPr algn="ctr"/>
+            <a:r>
+              <a:rPr lang="en-US" sz="1400" dirty="0" smtClean="0">
+                <a:solidFill>
+                  <a:schemeClr val="bg1"/>
+                </a:solidFill>
+              </a:rPr>
+              <a:t>3-axis</a:t>
+            </a:r>
+            <a:r>
+              <a:rPr lang="ru-RU" sz="1400" dirty="0" smtClean="0">
+                <a:solidFill>
+                  <a:schemeClr val="bg1"/>
+                </a:solidFill>
+              </a:rPr>
+              <a:t> </a:t>
+            </a:r>
+            <a:r>
+              <a:rPr lang="en-US" sz="1400" dirty="0" smtClean="0">
+                <a:solidFill>
+                  <a:schemeClr val="bg1"/>
+                </a:solidFill>
+              </a:rPr>
+              <a:t>accelerometer</a:t>
+            </a:r>
+            <a:endParaRPr lang="ru-RU" sz="1400" dirty="0">
+              <a:solidFill>
+                <a:schemeClr val="bg1"/>
+              </a:solidFill>
+            </a:endParaRPr>
+          </a:p>
+        </p:txBody>
+      </p:sp>
+      <p:sp>
+        <p:nvSpPr>
+          <p:cNvPr id="9" name="Прямоугольник 8"/>
+          <p:cNvSpPr/>
+          <p:nvPr/>
+        </p:nvSpPr>
+        <p:spPr>
+          <a:xfrm>
+            <a:off x="6372200" y="2996952"/>
+            <a:ext cx="2016224" cy="288032"/>
+          </a:xfrm>
+          <a:prstGeom prst="rect">
+            <a:avLst/>
+          </a:prstGeom>
+          <a:solidFill>
+            <a:schemeClr val="accent1">
+              <a:lumMod val="75000"/>
+              <a:alpha val="50196"/>
+            </a:schemeClr>
+          </a:solidFill>
+          <a:ln w="12700">
+            <a:prstDash val="dash"/>
+          </a:ln>
+        </p:spPr>
+        <p:style>
+          <a:lnRef idx="3">
+            <a:schemeClr val="lt1"/>
+          </a:lnRef>
+          <a:fillRef idx="1">
+            <a:schemeClr val="accent1"/>
+          </a:fillRef>
+          <a:effectRef idx="1">
+            <a:schemeClr val="accent1"/>
+          </a:effectRef>
+          <a:fontRef idx="minor">
+            <a:schemeClr val="lt1"/>
+          </a:fontRef>
+        </p:style>
+        <p:txBody>
+          <a:bodyPr rtlCol="0" anchor="ctr"/>
+          <a:lstStyle/>
+          <a:p>
+            <a:pPr algn="ctr"/>
+            <a:r>
+              <a:rPr lang="en-US" sz="1400" dirty="0" smtClean="0">
+                <a:solidFill>
+                  <a:schemeClr val="bg1"/>
+                </a:solidFill>
+              </a:rPr>
+              <a:t>Barometer *</a:t>
+            </a:r>
+          </a:p>
+        </p:txBody>
+      </p:sp>
+      <p:sp>
+        <p:nvSpPr>
+          <p:cNvPr id="10" name="Прямоугольник 9"/>
+          <p:cNvSpPr/>
+          <p:nvPr/>
+        </p:nvSpPr>
+        <p:spPr>
+          <a:xfrm>
+            <a:off x="6372200" y="3429000"/>
+            <a:ext cx="2016224" cy="288032"/>
+          </a:xfrm>
+          <a:prstGeom prst="rect">
+            <a:avLst/>
+          </a:prstGeom>
+          <a:solidFill>
+            <a:schemeClr val="accent1">
+              <a:lumMod val="75000"/>
+              <a:alpha val="50196"/>
+            </a:schemeClr>
+          </a:solidFill>
+          <a:ln w="12700">
+            <a:prstDash val="dash"/>
+          </a:ln>
+        </p:spPr>
+        <p:style>
+          <a:lnRef idx="3">
+            <a:schemeClr val="lt1"/>
+          </a:lnRef>
+          <a:fillRef idx="1">
+            <a:schemeClr val="accent1"/>
+          </a:fillRef>
+          <a:effectRef idx="1">
+            <a:schemeClr val="accent1"/>
+          </a:effectRef>
+          <a:fontRef idx="minor">
+            <a:schemeClr val="lt1"/>
+          </a:fontRef>
+        </p:style>
+        <p:txBody>
+          <a:bodyPr rtlCol="0" anchor="ctr"/>
+          <a:lstStyle/>
+          <a:p>
+            <a:pPr algn="ctr"/>
+            <a:r>
+              <a:rPr lang="en-US" sz="1400" dirty="0" smtClean="0">
+                <a:solidFill>
+                  <a:schemeClr val="bg1"/>
+                </a:solidFill>
+              </a:rPr>
+              <a:t>Magnetometer *</a:t>
+            </a:r>
+          </a:p>
+        </p:txBody>
+      </p:sp>
+      <p:sp>
+        <p:nvSpPr>
+          <p:cNvPr id="11" name="Прямоугольник 10"/>
+          <p:cNvSpPr/>
+          <p:nvPr/>
+        </p:nvSpPr>
+        <p:spPr>
+          <a:xfrm>
+            <a:off x="2051720" y="1700808"/>
+            <a:ext cx="1008112" cy="504056"/>
+          </a:xfrm>
+          <a:prstGeom prst="rect">
+            <a:avLst/>
+          </a:prstGeom>
+          <a:solidFill>
+            <a:schemeClr val="accent3">
+              <a:lumMod val="75000"/>
+              <a:alpha val="50196"/>
+            </a:schemeClr>
+          </a:solidFill>
+          <a:ln w="12700">
+            <a:solidFill>
+              <a:schemeClr val="bg1"/>
+            </a:solidFill>
+          </a:ln>
+        </p:spPr>
+        <p:style>
+          <a:lnRef idx="3">
+            <a:schemeClr val="lt1"/>
+          </a:lnRef>
+          <a:fillRef idx="1">
+            <a:schemeClr val="accent1"/>
+          </a:fillRef>
+          <a:effectRef idx="1">
+            <a:schemeClr val="accent1"/>
+          </a:effectRef>
+          <a:fontRef idx="minor">
+            <a:schemeClr val="lt1"/>
+          </a:fontRef>
+        </p:style>
+        <p:txBody>
+          <a:bodyPr rtlCol="0" anchor="ctr"/>
+          <a:lstStyle/>
+          <a:p>
+            <a:pPr algn="ctr"/>
+            <a:r>
+              <a:rPr lang="en-US" sz="2000" dirty="0" err="1" smtClean="0">
+                <a:solidFill>
+                  <a:schemeClr val="bg1"/>
+                </a:solidFill>
+              </a:rPr>
+              <a:t>XBee</a:t>
+            </a:r>
+            <a:endParaRPr lang="ru-RU" sz="2000" dirty="0">
+              <a:solidFill>
+                <a:schemeClr val="bg1"/>
+              </a:solidFill>
+            </a:endParaRPr>
+          </a:p>
+        </p:txBody>
+      </p:sp>
+      <p:sp>
+        <p:nvSpPr>
+          <p:cNvPr id="12" name="Прямоугольник 11"/>
+          <p:cNvSpPr/>
+          <p:nvPr/>
+        </p:nvSpPr>
+        <p:spPr>
+          <a:xfrm>
+            <a:off x="6372200" y="4589754"/>
+            <a:ext cx="864096" cy="288032"/>
+          </a:xfrm>
+          <a:prstGeom prst="rect">
+            <a:avLst/>
+          </a:prstGeom>
+          <a:solidFill>
+            <a:schemeClr val="accent2">
+              <a:lumMod val="75000"/>
+              <a:alpha val="50196"/>
+            </a:schemeClr>
+          </a:solidFill>
+          <a:ln w="12700"/>
+        </p:spPr>
+        <p:style>
+          <a:lnRef idx="3">
+            <a:schemeClr val="lt1"/>
+          </a:lnRef>
+          <a:fillRef idx="1">
+            <a:schemeClr val="accent1"/>
+          </a:fillRef>
+          <a:effectRef idx="1">
+            <a:schemeClr val="accent1"/>
+          </a:effectRef>
+          <a:fontRef idx="minor">
+            <a:schemeClr val="lt1"/>
+          </a:fontRef>
+        </p:style>
+        <p:txBody>
+          <a:bodyPr rtlCol="0" anchor="ctr"/>
+          <a:lstStyle/>
+          <a:p>
+            <a:pPr algn="ctr"/>
+            <a:r>
+              <a:rPr lang="en-US" sz="1400" dirty="0" smtClean="0">
+                <a:solidFill>
+                  <a:schemeClr val="bg1"/>
+                </a:solidFill>
+              </a:rPr>
+              <a:t>ESC #1</a:t>
+            </a:r>
+          </a:p>
+        </p:txBody>
+      </p:sp>
+      <p:sp>
+        <p:nvSpPr>
+          <p:cNvPr id="13" name="Прямоугольник 12"/>
+          <p:cNvSpPr/>
+          <p:nvPr/>
+        </p:nvSpPr>
+        <p:spPr>
+          <a:xfrm>
+            <a:off x="7308304" y="4581128"/>
+            <a:ext cx="1512168" cy="288032"/>
+          </a:xfrm>
+          <a:prstGeom prst="rect">
+            <a:avLst/>
+          </a:prstGeom>
+          <a:solidFill>
+            <a:schemeClr val="accent2">
+              <a:lumMod val="75000"/>
+              <a:alpha val="50196"/>
+            </a:schemeClr>
+          </a:solidFill>
+          <a:ln w="12700"/>
+        </p:spPr>
+        <p:style>
+          <a:lnRef idx="3">
+            <a:schemeClr val="lt1"/>
+          </a:lnRef>
+          <a:fillRef idx="1">
+            <a:schemeClr val="accent1"/>
+          </a:fillRef>
+          <a:effectRef idx="1">
+            <a:schemeClr val="accent1"/>
+          </a:effectRef>
+          <a:fontRef idx="minor">
+            <a:schemeClr val="lt1"/>
+          </a:fontRef>
+        </p:style>
+        <p:txBody>
+          <a:bodyPr rtlCol="0" anchor="ctr"/>
+          <a:lstStyle/>
+          <a:p>
+            <a:pPr algn="ctr"/>
+            <a:r>
+              <a:rPr lang="en-US" sz="1400" dirty="0" smtClean="0">
+                <a:solidFill>
+                  <a:schemeClr val="bg1"/>
+                </a:solidFill>
+              </a:rPr>
+              <a:t>Brushless Motor</a:t>
+            </a:r>
+          </a:p>
+        </p:txBody>
+      </p:sp>
+      <p:sp>
+        <p:nvSpPr>
+          <p:cNvPr id="14" name="Прямоугольник 13"/>
+          <p:cNvSpPr/>
+          <p:nvPr/>
+        </p:nvSpPr>
+        <p:spPr>
+          <a:xfrm>
+            <a:off x="6372200" y="4949794"/>
+            <a:ext cx="864096" cy="288032"/>
+          </a:xfrm>
+          <a:prstGeom prst="rect">
+            <a:avLst/>
+          </a:prstGeom>
+          <a:solidFill>
+            <a:schemeClr val="accent2">
+              <a:lumMod val="75000"/>
+              <a:alpha val="50196"/>
+            </a:schemeClr>
+          </a:solidFill>
+          <a:ln w="12700"/>
+        </p:spPr>
+        <p:style>
+          <a:lnRef idx="3">
+            <a:schemeClr val="lt1"/>
+          </a:lnRef>
+          <a:fillRef idx="1">
+            <a:schemeClr val="accent1"/>
+          </a:fillRef>
+          <a:effectRef idx="1">
+            <a:schemeClr val="accent1"/>
+          </a:effectRef>
+          <a:fontRef idx="minor">
+            <a:schemeClr val="lt1"/>
+          </a:fontRef>
+        </p:style>
+        <p:txBody>
+          <a:bodyPr rtlCol="0" anchor="ctr"/>
+          <a:lstStyle/>
+          <a:p>
+            <a:pPr algn="ctr"/>
+            <a:r>
+              <a:rPr lang="en-US" sz="1400" dirty="0" smtClean="0">
+                <a:solidFill>
+                  <a:schemeClr val="bg1"/>
+                </a:solidFill>
+              </a:rPr>
+              <a:t>ESC #2</a:t>
+            </a:r>
+          </a:p>
+        </p:txBody>
+      </p:sp>
+      <p:sp>
+        <p:nvSpPr>
+          <p:cNvPr id="15" name="Прямоугольник 14"/>
+          <p:cNvSpPr/>
+          <p:nvPr/>
+        </p:nvSpPr>
+        <p:spPr>
+          <a:xfrm>
+            <a:off x="7308304" y="4941168"/>
+            <a:ext cx="1512168" cy="288032"/>
+          </a:xfrm>
+          <a:prstGeom prst="rect">
+            <a:avLst/>
+          </a:prstGeom>
+          <a:solidFill>
+            <a:schemeClr val="accent2">
+              <a:lumMod val="75000"/>
+              <a:alpha val="50196"/>
+            </a:schemeClr>
+          </a:solidFill>
+          <a:ln w="12700"/>
+        </p:spPr>
+        <p:style>
+          <a:lnRef idx="3">
+            <a:schemeClr val="lt1"/>
+          </a:lnRef>
+          <a:fillRef idx="1">
+            <a:schemeClr val="accent1"/>
+          </a:fillRef>
+          <a:effectRef idx="1">
+            <a:schemeClr val="accent1"/>
+          </a:effectRef>
+          <a:fontRef idx="minor">
+            <a:schemeClr val="lt1"/>
+          </a:fontRef>
+        </p:style>
+        <p:txBody>
+          <a:bodyPr rtlCol="0" anchor="ctr"/>
+          <a:lstStyle/>
+          <a:p>
+            <a:pPr algn="ctr"/>
+            <a:r>
+              <a:rPr lang="en-US" sz="1400" dirty="0" smtClean="0">
+                <a:solidFill>
+                  <a:schemeClr val="bg1"/>
+                </a:solidFill>
+              </a:rPr>
+              <a:t>Brushless Motor</a:t>
+            </a:r>
+          </a:p>
+        </p:txBody>
+      </p:sp>
+      <p:sp>
+        <p:nvSpPr>
+          <p:cNvPr id="16" name="Прямоугольник 15"/>
+          <p:cNvSpPr/>
+          <p:nvPr/>
+        </p:nvSpPr>
+        <p:spPr>
+          <a:xfrm>
+            <a:off x="6372200" y="5292582"/>
+            <a:ext cx="864096" cy="288032"/>
+          </a:xfrm>
+          <a:prstGeom prst="rect">
+            <a:avLst/>
+          </a:prstGeom>
+          <a:solidFill>
+            <a:schemeClr val="accent2">
+              <a:lumMod val="75000"/>
+              <a:alpha val="50196"/>
+            </a:schemeClr>
+          </a:solidFill>
+          <a:ln w="12700"/>
+        </p:spPr>
+        <p:style>
+          <a:lnRef idx="3">
+            <a:schemeClr val="lt1"/>
+          </a:lnRef>
+          <a:fillRef idx="1">
+            <a:schemeClr val="accent1"/>
+          </a:fillRef>
+          <a:effectRef idx="1">
+            <a:schemeClr val="accent1"/>
+          </a:effectRef>
+          <a:fontRef idx="minor">
+            <a:schemeClr val="lt1"/>
+          </a:fontRef>
+        </p:style>
+        <p:txBody>
+          <a:bodyPr rtlCol="0" anchor="ctr"/>
+          <a:lstStyle/>
+          <a:p>
+            <a:pPr algn="ctr"/>
+            <a:r>
+              <a:rPr lang="en-US" sz="1400" dirty="0" smtClean="0">
+                <a:solidFill>
+                  <a:schemeClr val="bg1"/>
+                </a:solidFill>
+              </a:rPr>
+              <a:t>ESC #3</a:t>
+            </a:r>
+          </a:p>
+        </p:txBody>
+      </p:sp>
+      <p:sp>
+        <p:nvSpPr>
+          <p:cNvPr id="17" name="Прямоугольник 16"/>
+          <p:cNvSpPr/>
+          <p:nvPr/>
+        </p:nvSpPr>
+        <p:spPr>
+          <a:xfrm>
+            <a:off x="7308304" y="5283956"/>
+            <a:ext cx="1512168" cy="288032"/>
+          </a:xfrm>
+          <a:prstGeom prst="rect">
+            <a:avLst/>
+          </a:prstGeom>
+          <a:solidFill>
+            <a:schemeClr val="accent2">
+              <a:lumMod val="75000"/>
+              <a:alpha val="50196"/>
+            </a:schemeClr>
+          </a:solidFill>
+          <a:ln w="12700"/>
+        </p:spPr>
+        <p:style>
+          <a:lnRef idx="3">
+            <a:schemeClr val="lt1"/>
+          </a:lnRef>
+          <a:fillRef idx="1">
+            <a:schemeClr val="accent1"/>
+          </a:fillRef>
+          <a:effectRef idx="1">
+            <a:schemeClr val="accent1"/>
+          </a:effectRef>
+          <a:fontRef idx="minor">
+            <a:schemeClr val="lt1"/>
+          </a:fontRef>
+        </p:style>
+        <p:txBody>
+          <a:bodyPr rtlCol="0" anchor="ctr"/>
+          <a:lstStyle/>
+          <a:p>
+            <a:pPr algn="ctr"/>
+            <a:r>
+              <a:rPr lang="en-US" sz="1400" dirty="0" smtClean="0">
+                <a:solidFill>
+                  <a:schemeClr val="bg1"/>
+                </a:solidFill>
+              </a:rPr>
+              <a:t>Brushless Motor</a:t>
+            </a:r>
+          </a:p>
+        </p:txBody>
+      </p:sp>
+      <p:sp>
+        <p:nvSpPr>
+          <p:cNvPr id="18" name="Прямоугольник 17"/>
+          <p:cNvSpPr/>
+          <p:nvPr/>
+        </p:nvSpPr>
+        <p:spPr>
+          <a:xfrm>
+            <a:off x="6372200" y="5661248"/>
+            <a:ext cx="864096" cy="288032"/>
+          </a:xfrm>
+          <a:prstGeom prst="rect">
+            <a:avLst/>
+          </a:prstGeom>
+          <a:solidFill>
+            <a:schemeClr val="accent2">
+              <a:lumMod val="75000"/>
+              <a:alpha val="50196"/>
+            </a:schemeClr>
+          </a:solidFill>
+          <a:ln w="12700"/>
+        </p:spPr>
+        <p:style>
+          <a:lnRef idx="3">
+            <a:schemeClr val="lt1"/>
+          </a:lnRef>
+          <a:fillRef idx="1">
+            <a:schemeClr val="accent1"/>
+          </a:fillRef>
+          <a:effectRef idx="1">
+            <a:schemeClr val="accent1"/>
+          </a:effectRef>
+          <a:fontRef idx="minor">
+            <a:schemeClr val="lt1"/>
+          </a:fontRef>
+        </p:style>
+        <p:txBody>
+          <a:bodyPr rtlCol="0" anchor="ctr"/>
+          <a:lstStyle/>
+          <a:p>
+            <a:pPr algn="ctr"/>
+            <a:r>
+              <a:rPr lang="en-US" sz="1400" dirty="0" smtClean="0">
+                <a:solidFill>
+                  <a:schemeClr val="bg1"/>
+                </a:solidFill>
+              </a:rPr>
+              <a:t>ESC #4</a:t>
+            </a:r>
+          </a:p>
+        </p:txBody>
+      </p:sp>
+      <p:sp>
+        <p:nvSpPr>
+          <p:cNvPr id="19" name="Прямоугольник 18"/>
+          <p:cNvSpPr/>
+          <p:nvPr/>
+        </p:nvSpPr>
+        <p:spPr>
+          <a:xfrm>
+            <a:off x="7308304" y="5652622"/>
+            <a:ext cx="1512168" cy="288032"/>
+          </a:xfrm>
+          <a:prstGeom prst="rect">
+            <a:avLst/>
+          </a:prstGeom>
+          <a:solidFill>
+            <a:schemeClr val="accent2">
+              <a:lumMod val="75000"/>
+              <a:alpha val="50196"/>
+            </a:schemeClr>
+          </a:solidFill>
+          <a:ln w="12700"/>
+        </p:spPr>
+        <p:style>
+          <a:lnRef idx="3">
+            <a:schemeClr val="lt1"/>
+          </a:lnRef>
+          <a:fillRef idx="1">
+            <a:schemeClr val="accent1"/>
+          </a:fillRef>
+          <a:effectRef idx="1">
+            <a:schemeClr val="accent1"/>
+          </a:effectRef>
+          <a:fontRef idx="minor">
+            <a:schemeClr val="lt1"/>
+          </a:fontRef>
+        </p:style>
+        <p:txBody>
+          <a:bodyPr rtlCol="0" anchor="ctr"/>
+          <a:lstStyle/>
+          <a:p>
+            <a:pPr algn="ctr"/>
+            <a:r>
+              <a:rPr lang="en-US" sz="1400" dirty="0" smtClean="0">
+                <a:solidFill>
+                  <a:schemeClr val="bg1"/>
+                </a:solidFill>
+              </a:rPr>
+              <a:t>Brushless Motor</a:t>
+            </a:r>
+          </a:p>
+        </p:txBody>
+      </p:sp>
+      <p:sp>
+        <p:nvSpPr>
+          <p:cNvPr id="20" name="Прямоугольник 19"/>
+          <p:cNvSpPr/>
+          <p:nvPr/>
+        </p:nvSpPr>
+        <p:spPr>
+          <a:xfrm>
+            <a:off x="2051720" y="4653136"/>
+            <a:ext cx="1224136" cy="936104"/>
+          </a:xfrm>
+          <a:prstGeom prst="rect">
+            <a:avLst/>
+          </a:prstGeom>
+          <a:solidFill>
+            <a:srgbClr val="324B64">
+              <a:alpha val="50196"/>
+            </a:srgbClr>
+          </a:solidFill>
+          <a:ln w="12700">
+            <a:solidFill>
+              <a:schemeClr val="bg1"/>
+            </a:solidFill>
+          </a:ln>
+        </p:spPr>
+        <p:style>
+          <a:lnRef idx="3">
+            <a:schemeClr val="lt1"/>
+          </a:lnRef>
+          <a:fillRef idx="1">
+            <a:schemeClr val="accent1"/>
+          </a:fillRef>
+          <a:effectRef idx="1">
+            <a:schemeClr val="accent1"/>
+          </a:effectRef>
+          <a:fontRef idx="minor">
+            <a:schemeClr val="lt1"/>
+          </a:fontRef>
+        </p:style>
+        <p:txBody>
+          <a:bodyPr rtlCol="0" anchor="ctr"/>
+          <a:lstStyle/>
+          <a:p>
+            <a:pPr algn="ctr"/>
+            <a:r>
+              <a:rPr lang="en-US" sz="2000" dirty="0" smtClean="0">
+                <a:solidFill>
+                  <a:schemeClr val="bg1"/>
+                </a:solidFill>
+              </a:rPr>
+              <a:t>Camera</a:t>
+            </a:r>
+            <a:endParaRPr lang="ru-RU" sz="2000" dirty="0">
+              <a:solidFill>
+                <a:schemeClr val="bg1"/>
+              </a:solidFill>
+            </a:endParaRPr>
+          </a:p>
+        </p:txBody>
+      </p:sp>
+      <p:cxnSp>
+        <p:nvCxnSpPr>
+          <p:cNvPr id="22" name="Соединительная линия уступом 21"/>
+          <p:cNvCxnSpPr>
+            <a:stCxn id="7" idx="1"/>
+            <a:endCxn id="5" idx="3"/>
+          </p:cNvCxnSpPr>
+          <p:nvPr/>
+        </p:nvCxnSpPr>
+        <p:spPr>
+          <a:xfrm rot="10800000" flipV="1">
+            <a:off x="5796136" y="1844824"/>
+            <a:ext cx="576064" cy="1188132"/>
+          </a:xfrm>
+          <a:prstGeom prst="bentConnector3">
+            <a:avLst>
+              <a:gd name="adj1" fmla="val 50000"/>
+            </a:avLst>
+          </a:prstGeom>
+          <a:ln w="28575">
+            <a:solidFill>
+              <a:schemeClr val="bg1"/>
+            </a:solidFill>
+            <a:tailEnd type="arrow"/>
+          </a:ln>
+        </p:spPr>
+        <p:style>
+          <a:lnRef idx="1">
+            <a:schemeClr val="accent1"/>
+          </a:lnRef>
+          <a:fillRef idx="0">
+            <a:schemeClr val="accent1"/>
+          </a:fillRef>
+          <a:effectRef idx="0">
+            <a:schemeClr val="accent1"/>
+          </a:effectRef>
+          <a:fontRef idx="minor">
+            <a:schemeClr val="tx1"/>
+          </a:fontRef>
+        </p:style>
+      </p:cxnSp>
+      <p:cxnSp>
+        <p:nvCxnSpPr>
+          <p:cNvPr id="26" name="Соединительная линия уступом 25"/>
+          <p:cNvCxnSpPr>
+            <a:stCxn id="115" idx="1"/>
+            <a:endCxn id="5" idx="3"/>
+          </p:cNvCxnSpPr>
+          <p:nvPr/>
+        </p:nvCxnSpPr>
+        <p:spPr>
+          <a:xfrm rot="10800000" flipV="1">
+            <a:off x="5796136" y="2708920"/>
+            <a:ext cx="576064" cy="324036"/>
+          </a:xfrm>
+          <a:prstGeom prst="bentConnector3">
+            <a:avLst>
+              <a:gd name="adj1" fmla="val 50000"/>
+            </a:avLst>
+          </a:prstGeom>
+          <a:ln w="28575">
+            <a:solidFill>
+              <a:schemeClr val="bg1"/>
+            </a:solidFill>
+            <a:tailEnd type="arrow"/>
+          </a:ln>
+        </p:spPr>
+        <p:style>
+          <a:lnRef idx="1">
+            <a:schemeClr val="accent1"/>
+          </a:lnRef>
+          <a:fillRef idx="0">
+            <a:schemeClr val="accent1"/>
+          </a:fillRef>
+          <a:effectRef idx="0">
+            <a:schemeClr val="accent1"/>
+          </a:effectRef>
+          <a:fontRef idx="minor">
+            <a:schemeClr val="tx1"/>
+          </a:fontRef>
+        </p:style>
+      </p:cxnSp>
+      <p:cxnSp>
+        <p:nvCxnSpPr>
+          <p:cNvPr id="28" name="Соединительная линия уступом 27"/>
+          <p:cNvCxnSpPr>
+            <a:stCxn id="9" idx="1"/>
+            <a:endCxn id="5" idx="3"/>
+          </p:cNvCxnSpPr>
+          <p:nvPr/>
+        </p:nvCxnSpPr>
+        <p:spPr>
+          <a:xfrm rot="10800000">
+            <a:off x="5796136" y="3032956"/>
+            <a:ext cx="576064" cy="108012"/>
+          </a:xfrm>
+          <a:prstGeom prst="bentConnector3">
+            <a:avLst>
+              <a:gd name="adj1" fmla="val 50000"/>
+            </a:avLst>
+          </a:prstGeom>
+          <a:ln w="28575">
+            <a:solidFill>
+              <a:schemeClr val="bg1"/>
+            </a:solidFill>
+            <a:tailEnd type="arrow"/>
+          </a:ln>
+        </p:spPr>
+        <p:style>
+          <a:lnRef idx="1">
+            <a:schemeClr val="accent1"/>
+          </a:lnRef>
+          <a:fillRef idx="0">
+            <a:schemeClr val="accent1"/>
+          </a:fillRef>
+          <a:effectRef idx="0">
+            <a:schemeClr val="accent1"/>
+          </a:effectRef>
+          <a:fontRef idx="minor">
+            <a:schemeClr val="tx1"/>
+          </a:fontRef>
+        </p:style>
+      </p:cxnSp>
+      <p:cxnSp>
+        <p:nvCxnSpPr>
+          <p:cNvPr id="30" name="Соединительная линия уступом 29"/>
+          <p:cNvCxnSpPr>
+            <a:stCxn id="10" idx="1"/>
+            <a:endCxn id="5" idx="3"/>
+          </p:cNvCxnSpPr>
+          <p:nvPr/>
+        </p:nvCxnSpPr>
+        <p:spPr>
+          <a:xfrm rot="10800000">
+            <a:off x="5796136" y="3032956"/>
+            <a:ext cx="576064" cy="540060"/>
+          </a:xfrm>
+          <a:prstGeom prst="bentConnector3">
+            <a:avLst>
+              <a:gd name="adj1" fmla="val 50000"/>
+            </a:avLst>
+          </a:prstGeom>
+          <a:ln w="28575">
+            <a:solidFill>
+              <a:schemeClr val="bg1"/>
+            </a:solidFill>
+            <a:tailEnd type="arrow"/>
+          </a:ln>
+        </p:spPr>
+        <p:style>
+          <a:lnRef idx="1">
+            <a:schemeClr val="accent1"/>
+          </a:lnRef>
+          <a:fillRef idx="0">
+            <a:schemeClr val="accent1"/>
+          </a:fillRef>
+          <a:effectRef idx="0">
+            <a:schemeClr val="accent1"/>
+          </a:effectRef>
+          <a:fontRef idx="minor">
+            <a:schemeClr val="tx1"/>
+          </a:fontRef>
+        </p:style>
+      </p:cxnSp>
+      <p:cxnSp>
+        <p:nvCxnSpPr>
+          <p:cNvPr id="34" name="Shape 33"/>
+          <p:cNvCxnSpPr>
+            <a:stCxn id="5" idx="2"/>
+            <a:endCxn id="12" idx="1"/>
+          </p:cNvCxnSpPr>
+          <p:nvPr/>
+        </p:nvCxnSpPr>
+        <p:spPr>
+          <a:xfrm rot="16200000" flipH="1">
+            <a:off x="5017737" y="3379307"/>
+            <a:ext cx="1160754" cy="1548172"/>
+          </a:xfrm>
+          <a:prstGeom prst="bentConnector2">
+            <a:avLst/>
+          </a:prstGeom>
+          <a:ln w="28575">
+            <a:solidFill>
+              <a:schemeClr val="bg1"/>
+            </a:solidFill>
+            <a:tailEnd type="arrow"/>
+          </a:ln>
+        </p:spPr>
+        <p:style>
+          <a:lnRef idx="1">
+            <a:schemeClr val="accent1"/>
+          </a:lnRef>
+          <a:fillRef idx="0">
+            <a:schemeClr val="accent1"/>
+          </a:fillRef>
+          <a:effectRef idx="0">
+            <a:schemeClr val="accent1"/>
+          </a:effectRef>
+          <a:fontRef idx="minor">
+            <a:schemeClr val="tx1"/>
+          </a:fontRef>
+        </p:style>
+      </p:cxnSp>
+      <p:cxnSp>
+        <p:nvCxnSpPr>
+          <p:cNvPr id="36" name="Shape 35"/>
+          <p:cNvCxnSpPr>
+            <a:stCxn id="5" idx="2"/>
+            <a:endCxn id="14" idx="1"/>
+          </p:cNvCxnSpPr>
+          <p:nvPr/>
+        </p:nvCxnSpPr>
+        <p:spPr>
+          <a:xfrm rot="16200000" flipH="1">
+            <a:off x="4837717" y="3559327"/>
+            <a:ext cx="1520794" cy="1548172"/>
+          </a:xfrm>
+          <a:prstGeom prst="bentConnector2">
+            <a:avLst/>
+          </a:prstGeom>
+          <a:ln w="28575">
+            <a:solidFill>
+              <a:schemeClr val="bg1"/>
+            </a:solidFill>
+            <a:tailEnd type="arrow"/>
+          </a:ln>
+        </p:spPr>
+        <p:style>
+          <a:lnRef idx="1">
+            <a:schemeClr val="accent1"/>
+          </a:lnRef>
+          <a:fillRef idx="0">
+            <a:schemeClr val="accent1"/>
+          </a:fillRef>
+          <a:effectRef idx="0">
+            <a:schemeClr val="accent1"/>
+          </a:effectRef>
+          <a:fontRef idx="minor">
+            <a:schemeClr val="tx1"/>
+          </a:fontRef>
+        </p:style>
+      </p:cxnSp>
+      <p:cxnSp>
+        <p:nvCxnSpPr>
+          <p:cNvPr id="38" name="Shape 37"/>
+          <p:cNvCxnSpPr>
+            <a:stCxn id="5" idx="2"/>
+            <a:endCxn id="16" idx="1"/>
+          </p:cNvCxnSpPr>
+          <p:nvPr/>
+        </p:nvCxnSpPr>
+        <p:spPr>
+          <a:xfrm rot="16200000" flipH="1">
+            <a:off x="4666323" y="3730721"/>
+            <a:ext cx="1863582" cy="1548172"/>
+          </a:xfrm>
+          <a:prstGeom prst="bentConnector2">
+            <a:avLst/>
+          </a:prstGeom>
+          <a:ln w="28575">
+            <a:solidFill>
+              <a:schemeClr val="bg1"/>
+            </a:solidFill>
+            <a:tailEnd type="arrow"/>
+          </a:ln>
+        </p:spPr>
+        <p:style>
+          <a:lnRef idx="1">
+            <a:schemeClr val="accent1"/>
+          </a:lnRef>
+          <a:fillRef idx="0">
+            <a:schemeClr val="accent1"/>
+          </a:fillRef>
+          <a:effectRef idx="0">
+            <a:schemeClr val="accent1"/>
+          </a:effectRef>
+          <a:fontRef idx="minor">
+            <a:schemeClr val="tx1"/>
+          </a:fontRef>
+        </p:style>
+      </p:cxnSp>
+      <p:cxnSp>
+        <p:nvCxnSpPr>
+          <p:cNvPr id="40" name="Shape 39"/>
+          <p:cNvCxnSpPr>
+            <a:stCxn id="5" idx="2"/>
+            <a:endCxn id="18" idx="1"/>
+          </p:cNvCxnSpPr>
+          <p:nvPr/>
+        </p:nvCxnSpPr>
+        <p:spPr>
+          <a:xfrm rot="16200000" flipH="1">
+            <a:off x="4481990" y="3915054"/>
+            <a:ext cx="2232248" cy="1548172"/>
+          </a:xfrm>
+          <a:prstGeom prst="bentConnector2">
+            <a:avLst/>
+          </a:prstGeom>
+          <a:ln w="28575">
+            <a:solidFill>
+              <a:schemeClr val="bg1"/>
+            </a:solidFill>
+            <a:tailEnd type="arrow"/>
+          </a:ln>
+        </p:spPr>
+        <p:style>
+          <a:lnRef idx="1">
+            <a:schemeClr val="accent1"/>
+          </a:lnRef>
+          <a:fillRef idx="0">
+            <a:schemeClr val="accent1"/>
+          </a:fillRef>
+          <a:effectRef idx="0">
+            <a:schemeClr val="accent1"/>
+          </a:effectRef>
+          <a:fontRef idx="minor">
+            <a:schemeClr val="tx1"/>
+          </a:fontRef>
+        </p:style>
+      </p:cxnSp>
+      <p:cxnSp>
+        <p:nvCxnSpPr>
+          <p:cNvPr id="50" name="Соединительная линия уступом 49"/>
+          <p:cNvCxnSpPr>
+            <a:stCxn id="11" idx="3"/>
+            <a:endCxn id="5" idx="0"/>
+          </p:cNvCxnSpPr>
+          <p:nvPr/>
+        </p:nvCxnSpPr>
+        <p:spPr>
+          <a:xfrm>
+            <a:off x="3059832" y="1952836"/>
+            <a:ext cx="1764196" cy="540060"/>
+          </a:xfrm>
+          <a:prstGeom prst="bentConnector2">
+            <a:avLst/>
+          </a:prstGeom>
+          <a:ln w="28575">
+            <a:solidFill>
+              <a:schemeClr val="bg1"/>
+            </a:solidFill>
+            <a:headEnd type="arrow"/>
+            <a:tailEnd type="arrow"/>
+          </a:ln>
+        </p:spPr>
+        <p:style>
+          <a:lnRef idx="1">
+            <a:schemeClr val="accent1"/>
+          </a:lnRef>
+          <a:fillRef idx="0">
+            <a:schemeClr val="accent1"/>
+          </a:fillRef>
+          <a:effectRef idx="0">
+            <a:schemeClr val="accent1"/>
+          </a:effectRef>
+          <a:fontRef idx="minor">
+            <a:schemeClr val="tx1"/>
+          </a:fontRef>
+        </p:style>
+      </p:cxnSp>
+      <p:cxnSp>
+        <p:nvCxnSpPr>
+          <p:cNvPr id="56" name="Соединительная линия уступом 55"/>
+          <p:cNvCxnSpPr>
+            <a:stCxn id="20" idx="3"/>
+            <a:endCxn id="5" idx="1"/>
+          </p:cNvCxnSpPr>
+          <p:nvPr/>
+        </p:nvCxnSpPr>
+        <p:spPr>
+          <a:xfrm flipV="1">
+            <a:off x="3275856" y="3032956"/>
+            <a:ext cx="576064" cy="2088232"/>
+          </a:xfrm>
+          <a:prstGeom prst="bentConnector3">
+            <a:avLst>
+              <a:gd name="adj1" fmla="val 60482"/>
+            </a:avLst>
+          </a:prstGeom>
+          <a:ln w="28575">
+            <a:solidFill>
+              <a:schemeClr val="bg1"/>
+            </a:solidFill>
+            <a:tailEnd type="arrow"/>
+          </a:ln>
+        </p:spPr>
+        <p:style>
+          <a:lnRef idx="1">
+            <a:schemeClr val="accent1"/>
+          </a:lnRef>
+          <a:fillRef idx="0">
+            <a:schemeClr val="accent1"/>
+          </a:fillRef>
+          <a:effectRef idx="0">
+            <a:schemeClr val="accent1"/>
+          </a:effectRef>
+          <a:fontRef idx="minor">
+            <a:schemeClr val="tx1"/>
+          </a:fontRef>
+        </p:style>
+      </p:cxnSp>
+      <p:cxnSp>
+        <p:nvCxnSpPr>
+          <p:cNvPr id="129" name="Соединительная линия уступом 128"/>
+          <p:cNvCxnSpPr>
+            <a:stCxn id="4" idx="3"/>
+            <a:endCxn id="11" idx="1"/>
+          </p:cNvCxnSpPr>
+          <p:nvPr/>
+        </p:nvCxnSpPr>
+        <p:spPr>
+          <a:xfrm flipV="1">
+            <a:off x="1259632" y="1952836"/>
+            <a:ext cx="792088" cy="540060"/>
+          </a:xfrm>
+          <a:prstGeom prst="bentConnector3">
+            <a:avLst>
+              <a:gd name="adj1" fmla="val 50000"/>
+            </a:avLst>
+          </a:prstGeom>
+          <a:ln w="28575">
+            <a:solidFill>
+              <a:schemeClr val="bg1"/>
+            </a:solidFill>
+            <a:headEnd type="arrow"/>
+            <a:tailEnd type="arrow"/>
+          </a:ln>
+        </p:spPr>
+        <p:style>
+          <a:lnRef idx="1">
+            <a:schemeClr val="accent1"/>
+          </a:lnRef>
+          <a:fillRef idx="0">
+            <a:schemeClr val="accent1"/>
+          </a:fillRef>
+          <a:effectRef idx="0">
+            <a:schemeClr val="accent1"/>
+          </a:effectRef>
+          <a:fontRef idx="minor">
+            <a:schemeClr val="tx1"/>
+          </a:fontRef>
+        </p:style>
+      </p:cxnSp>
+      <p:sp>
+        <p:nvSpPr>
+          <p:cNvPr id="42" name="Прямоугольник 41"/>
+          <p:cNvSpPr/>
+          <p:nvPr/>
+        </p:nvSpPr>
+        <p:spPr>
+          <a:xfrm>
+            <a:off x="2051720" y="2348880"/>
+            <a:ext cx="1008112" cy="504056"/>
+          </a:xfrm>
+          <a:prstGeom prst="rect">
+            <a:avLst/>
+          </a:prstGeom>
+          <a:solidFill>
+            <a:schemeClr val="accent3">
+              <a:lumMod val="75000"/>
+              <a:alpha val="50196"/>
+            </a:schemeClr>
+          </a:solidFill>
+          <a:ln w="12700">
+            <a:solidFill>
+              <a:schemeClr val="bg1"/>
+            </a:solidFill>
+          </a:ln>
+        </p:spPr>
+        <p:style>
+          <a:lnRef idx="3">
+            <a:schemeClr val="lt1"/>
+          </a:lnRef>
+          <a:fillRef idx="1">
+            <a:schemeClr val="accent1"/>
+          </a:fillRef>
+          <a:effectRef idx="1">
+            <a:schemeClr val="accent1"/>
+          </a:effectRef>
+          <a:fontRef idx="minor">
+            <a:schemeClr val="lt1"/>
+          </a:fontRef>
+        </p:style>
+        <p:txBody>
+          <a:bodyPr rtlCol="0" anchor="ctr"/>
+          <a:lstStyle/>
+          <a:p>
+            <a:pPr algn="ctr"/>
+            <a:r>
+              <a:rPr lang="en-US" sz="2000" dirty="0" err="1" smtClean="0">
+                <a:solidFill>
+                  <a:schemeClr val="bg1"/>
+                </a:solidFill>
+              </a:rPr>
+              <a:t>WiFi</a:t>
+            </a:r>
+            <a:endParaRPr lang="ru-RU" sz="2000" dirty="0">
+              <a:solidFill>
+                <a:schemeClr val="bg1"/>
+              </a:solidFill>
+            </a:endParaRPr>
+          </a:p>
+        </p:txBody>
+      </p:sp>
+      <p:sp>
+        <p:nvSpPr>
+          <p:cNvPr id="43" name="Прямоугольник 42"/>
+          <p:cNvSpPr/>
+          <p:nvPr/>
+        </p:nvSpPr>
+        <p:spPr>
+          <a:xfrm>
+            <a:off x="2051720" y="2996952"/>
+            <a:ext cx="1008112" cy="504056"/>
+          </a:xfrm>
+          <a:prstGeom prst="rect">
+            <a:avLst/>
+          </a:prstGeom>
+          <a:solidFill>
+            <a:schemeClr val="accent3">
+              <a:lumMod val="75000"/>
+              <a:alpha val="50196"/>
+            </a:schemeClr>
+          </a:solidFill>
+          <a:ln w="12700">
+            <a:solidFill>
+              <a:schemeClr val="bg1"/>
+            </a:solidFill>
+            <a:prstDash val="dash"/>
+          </a:ln>
+        </p:spPr>
+        <p:style>
+          <a:lnRef idx="3">
+            <a:schemeClr val="lt1"/>
+          </a:lnRef>
+          <a:fillRef idx="1">
+            <a:schemeClr val="accent1"/>
+          </a:fillRef>
+          <a:effectRef idx="1">
+            <a:schemeClr val="accent1"/>
+          </a:effectRef>
+          <a:fontRef idx="minor">
+            <a:schemeClr val="lt1"/>
+          </a:fontRef>
+        </p:style>
+        <p:txBody>
+          <a:bodyPr rtlCol="0" anchor="ctr"/>
+          <a:lstStyle/>
+          <a:p>
+            <a:pPr algn="ctr"/>
+            <a:r>
+              <a:rPr lang="en-US" sz="2000" dirty="0" smtClean="0">
+                <a:solidFill>
+                  <a:schemeClr val="bg1"/>
+                </a:solidFill>
+              </a:rPr>
+              <a:t>USB</a:t>
+            </a:r>
+            <a:endParaRPr lang="ru-RU" sz="2000" dirty="0">
+              <a:solidFill>
+                <a:schemeClr val="bg1"/>
+              </a:solidFill>
+            </a:endParaRPr>
+          </a:p>
+        </p:txBody>
+      </p:sp>
+      <p:cxnSp>
+        <p:nvCxnSpPr>
+          <p:cNvPr id="44" name="Соединительная линия уступом 43"/>
+          <p:cNvCxnSpPr>
+            <a:stCxn id="4" idx="3"/>
+            <a:endCxn id="42" idx="1"/>
+          </p:cNvCxnSpPr>
+          <p:nvPr/>
+        </p:nvCxnSpPr>
+        <p:spPr>
+          <a:xfrm>
+            <a:off x="1259632" y="2492896"/>
+            <a:ext cx="792088" cy="108012"/>
+          </a:xfrm>
+          <a:prstGeom prst="bentConnector3">
+            <a:avLst>
+              <a:gd name="adj1" fmla="val 50000"/>
+            </a:avLst>
+          </a:prstGeom>
+          <a:ln w="28575">
+            <a:solidFill>
+              <a:schemeClr val="bg1"/>
+            </a:solidFill>
+            <a:headEnd type="arrow"/>
+            <a:tailEnd type="arrow"/>
+          </a:ln>
+        </p:spPr>
+        <p:style>
+          <a:lnRef idx="1">
+            <a:schemeClr val="accent1"/>
+          </a:lnRef>
+          <a:fillRef idx="0">
+            <a:schemeClr val="accent1"/>
+          </a:fillRef>
+          <a:effectRef idx="0">
+            <a:schemeClr val="accent1"/>
+          </a:effectRef>
+          <a:fontRef idx="minor">
+            <a:schemeClr val="tx1"/>
+          </a:fontRef>
+        </p:style>
+      </p:cxnSp>
+      <p:cxnSp>
+        <p:nvCxnSpPr>
+          <p:cNvPr id="47" name="Соединительная линия уступом 46"/>
+          <p:cNvCxnSpPr>
+            <a:stCxn id="4" idx="3"/>
+            <a:endCxn id="43" idx="1"/>
+          </p:cNvCxnSpPr>
+          <p:nvPr/>
+        </p:nvCxnSpPr>
+        <p:spPr>
+          <a:xfrm>
+            <a:off x="1259632" y="2492896"/>
+            <a:ext cx="792088" cy="756084"/>
+          </a:xfrm>
+          <a:prstGeom prst="bentConnector3">
+            <a:avLst>
+              <a:gd name="adj1" fmla="val 50000"/>
+            </a:avLst>
+          </a:prstGeom>
+          <a:ln w="28575">
+            <a:solidFill>
+              <a:schemeClr val="bg1"/>
+            </a:solidFill>
+            <a:headEnd type="arrow"/>
+            <a:tailEnd type="arrow"/>
+          </a:ln>
+        </p:spPr>
+        <p:style>
+          <a:lnRef idx="1">
+            <a:schemeClr val="accent1"/>
+          </a:lnRef>
+          <a:fillRef idx="0">
+            <a:schemeClr val="accent1"/>
+          </a:fillRef>
+          <a:effectRef idx="0">
+            <a:schemeClr val="accent1"/>
+          </a:effectRef>
+          <a:fontRef idx="minor">
+            <a:schemeClr val="tx1"/>
+          </a:fontRef>
+        </p:style>
+      </p:cxnSp>
+      <p:cxnSp>
+        <p:nvCxnSpPr>
+          <p:cNvPr id="51" name="Соединительная линия уступом 49"/>
+          <p:cNvCxnSpPr>
+            <a:stCxn id="42" idx="3"/>
+            <a:endCxn id="5" idx="0"/>
+          </p:cNvCxnSpPr>
+          <p:nvPr/>
+        </p:nvCxnSpPr>
+        <p:spPr>
+          <a:xfrm flipV="1">
+            <a:off x="3059832" y="2492896"/>
+            <a:ext cx="1764196" cy="108012"/>
+          </a:xfrm>
+          <a:prstGeom prst="bentConnector4">
+            <a:avLst>
+              <a:gd name="adj1" fmla="val 22449"/>
+              <a:gd name="adj2" fmla="val 596720"/>
+            </a:avLst>
+          </a:prstGeom>
+          <a:ln w="28575">
+            <a:solidFill>
+              <a:schemeClr val="bg1"/>
+            </a:solidFill>
+            <a:headEnd type="arrow"/>
+            <a:tailEnd type="arrow"/>
+          </a:ln>
+        </p:spPr>
+        <p:style>
+          <a:lnRef idx="1">
+            <a:schemeClr val="accent1"/>
+          </a:lnRef>
+          <a:fillRef idx="0">
+            <a:schemeClr val="accent1"/>
+          </a:fillRef>
+          <a:effectRef idx="0">
+            <a:schemeClr val="accent1"/>
+          </a:effectRef>
+          <a:fontRef idx="minor">
+            <a:schemeClr val="tx1"/>
+          </a:fontRef>
+        </p:style>
+      </p:cxnSp>
+      <p:cxnSp>
+        <p:nvCxnSpPr>
+          <p:cNvPr id="54" name="Соединительная линия уступом 49"/>
+          <p:cNvCxnSpPr>
+            <a:stCxn id="43" idx="3"/>
+            <a:endCxn id="5" idx="0"/>
+          </p:cNvCxnSpPr>
+          <p:nvPr/>
+        </p:nvCxnSpPr>
+        <p:spPr>
+          <a:xfrm flipV="1">
+            <a:off x="3059832" y="2492896"/>
+            <a:ext cx="1764196" cy="756084"/>
+          </a:xfrm>
+          <a:prstGeom prst="bentConnector4">
+            <a:avLst>
+              <a:gd name="adj1" fmla="val 22449"/>
+              <a:gd name="adj2" fmla="val 171309"/>
+            </a:avLst>
+          </a:prstGeom>
+          <a:ln w="28575">
+            <a:solidFill>
+              <a:schemeClr val="bg1"/>
+            </a:solidFill>
+            <a:headEnd type="arrow"/>
+            <a:tailEnd type="arrow"/>
+          </a:ln>
+        </p:spPr>
+        <p:style>
+          <a:lnRef idx="1">
+            <a:schemeClr val="accent1"/>
+          </a:lnRef>
+          <a:fillRef idx="0">
+            <a:schemeClr val="accent1"/>
+          </a:fillRef>
+          <a:effectRef idx="0">
+            <a:schemeClr val="accent1"/>
+          </a:effectRef>
+          <a:fontRef idx="minor">
+            <a:schemeClr val="tx1"/>
+          </a:fontRef>
+        </p:style>
+      </p:cxnSp>
+      <p:cxnSp>
+        <p:nvCxnSpPr>
+          <p:cNvPr id="39" name="Прямая соединительная линия 38"/>
+          <p:cNvCxnSpPr/>
+          <p:nvPr/>
+        </p:nvCxnSpPr>
+        <p:spPr>
+          <a:xfrm>
+            <a:off x="1763688" y="1556792"/>
+            <a:ext cx="0" cy="4464496"/>
+          </a:xfrm>
+          <a:prstGeom prst="line">
+            <a:avLst/>
+          </a:prstGeom>
+          <a:ln w="28575">
+            <a:solidFill>
+              <a:schemeClr val="bg1"/>
+            </a:solidFill>
+            <a:prstDash val="dash"/>
+          </a:ln>
+        </p:spPr>
+        <p:style>
+          <a:lnRef idx="1">
+            <a:schemeClr val="accent1"/>
+          </a:lnRef>
+          <a:fillRef idx="0">
+            <a:schemeClr val="accent1"/>
+          </a:fillRef>
+          <a:effectRef idx="0">
+            <a:schemeClr val="accent1"/>
+          </a:effectRef>
+          <a:fontRef idx="minor">
+            <a:schemeClr val="tx1"/>
+          </a:fontRef>
+        </p:style>
+      </p:cxnSp>
+      <p:sp>
+        <p:nvSpPr>
+          <p:cNvPr id="93" name="Прямоугольник 92"/>
+          <p:cNvSpPr/>
+          <p:nvPr/>
+        </p:nvSpPr>
+        <p:spPr>
+          <a:xfrm>
+            <a:off x="6372200" y="3861048"/>
+            <a:ext cx="2016224" cy="288032"/>
+          </a:xfrm>
+          <a:prstGeom prst="rect">
+            <a:avLst/>
+          </a:prstGeom>
+          <a:solidFill>
+            <a:schemeClr val="accent1">
+              <a:lumMod val="75000"/>
+              <a:alpha val="50196"/>
+            </a:schemeClr>
+          </a:solidFill>
+          <a:ln w="12700">
+            <a:prstDash val="dash"/>
+          </a:ln>
+        </p:spPr>
+        <p:style>
+          <a:lnRef idx="3">
+            <a:schemeClr val="lt1"/>
+          </a:lnRef>
+          <a:fillRef idx="1">
+            <a:schemeClr val="accent1"/>
+          </a:fillRef>
+          <a:effectRef idx="1">
+            <a:schemeClr val="accent1"/>
+          </a:effectRef>
+          <a:fontRef idx="minor">
+            <a:schemeClr val="lt1"/>
+          </a:fontRef>
+        </p:style>
+        <p:txBody>
+          <a:bodyPr rtlCol="0" anchor="ctr"/>
+          <a:lstStyle/>
+          <a:p>
+            <a:pPr algn="ctr"/>
+            <a:r>
+              <a:rPr lang="en-US" sz="1400" dirty="0" smtClean="0">
+                <a:solidFill>
+                  <a:schemeClr val="bg1"/>
+                </a:solidFill>
+              </a:rPr>
+              <a:t>GPS *</a:t>
+            </a:r>
+          </a:p>
+        </p:txBody>
+      </p:sp>
+      <p:cxnSp>
+        <p:nvCxnSpPr>
+          <p:cNvPr id="94" name="Соединительная линия уступом 93"/>
+          <p:cNvCxnSpPr>
+            <a:stCxn id="93" idx="1"/>
+            <a:endCxn id="5" idx="3"/>
+          </p:cNvCxnSpPr>
+          <p:nvPr/>
+        </p:nvCxnSpPr>
+        <p:spPr>
+          <a:xfrm rot="10800000">
+            <a:off x="5796136" y="3032956"/>
+            <a:ext cx="576064" cy="972108"/>
+          </a:xfrm>
+          <a:prstGeom prst="bentConnector3">
+            <a:avLst>
+              <a:gd name="adj1" fmla="val 50000"/>
+            </a:avLst>
+          </a:prstGeom>
+          <a:ln w="28575">
+            <a:solidFill>
+              <a:schemeClr val="bg1"/>
+            </a:solidFill>
+            <a:tailEnd type="arrow"/>
+          </a:ln>
+        </p:spPr>
+        <p:style>
+          <a:lnRef idx="1">
+            <a:schemeClr val="accent1"/>
+          </a:lnRef>
+          <a:fillRef idx="0">
+            <a:schemeClr val="accent1"/>
+          </a:fillRef>
+          <a:effectRef idx="0">
+            <a:schemeClr val="accent1"/>
+          </a:effectRef>
+          <a:fontRef idx="minor">
+            <a:schemeClr val="tx1"/>
+          </a:fontRef>
+        </p:style>
+      </p:cxnSp>
+      <p:sp>
+        <p:nvSpPr>
+          <p:cNvPr id="115" name="Прямоугольник 114"/>
+          <p:cNvSpPr/>
+          <p:nvPr/>
+        </p:nvSpPr>
+        <p:spPr>
+          <a:xfrm>
+            <a:off x="6372200" y="2564904"/>
+            <a:ext cx="2016224" cy="288032"/>
+          </a:xfrm>
+          <a:prstGeom prst="rect">
+            <a:avLst/>
+          </a:prstGeom>
+          <a:solidFill>
+            <a:schemeClr val="accent1">
+              <a:lumMod val="75000"/>
+              <a:alpha val="50196"/>
+            </a:schemeClr>
+          </a:solidFill>
+          <a:ln w="12700"/>
+        </p:spPr>
+        <p:style>
+          <a:lnRef idx="3">
+            <a:schemeClr val="lt1"/>
+          </a:lnRef>
+          <a:fillRef idx="1">
+            <a:schemeClr val="accent1"/>
+          </a:fillRef>
+          <a:effectRef idx="1">
+            <a:schemeClr val="accent1"/>
+          </a:effectRef>
+          <a:fontRef idx="minor">
+            <a:schemeClr val="lt1"/>
+          </a:fontRef>
+        </p:style>
+        <p:txBody>
+          <a:bodyPr rtlCol="0" anchor="ctr"/>
+          <a:lstStyle/>
+          <a:p>
+            <a:pPr algn="ctr"/>
+            <a:r>
+              <a:rPr lang="en-US" sz="1400" dirty="0" smtClean="0">
+                <a:solidFill>
+                  <a:schemeClr val="bg1"/>
+                </a:solidFill>
+              </a:rPr>
+              <a:t>Sonar</a:t>
+            </a:r>
+            <a:endParaRPr lang="ru-RU" sz="1400" dirty="0">
+              <a:solidFill>
+                <a:schemeClr val="bg1"/>
+              </a:solidFill>
+            </a:endParaRPr>
+          </a:p>
+        </p:txBody>
+      </p:sp>
+      <p:cxnSp>
+        <p:nvCxnSpPr>
+          <p:cNvPr id="119" name="Соединительная линия уступом 118"/>
+          <p:cNvCxnSpPr/>
+          <p:nvPr/>
+        </p:nvCxnSpPr>
+        <p:spPr>
+          <a:xfrm rot="10800000" flipV="1">
+            <a:off x="5796136" y="2276872"/>
+            <a:ext cx="576064" cy="756084"/>
+          </a:xfrm>
+          <a:prstGeom prst="bentConnector3">
+            <a:avLst>
+              <a:gd name="adj1" fmla="val 50000"/>
+            </a:avLst>
+          </a:prstGeom>
+          <a:ln w="28575">
+            <a:solidFill>
+              <a:schemeClr val="bg1"/>
+            </a:solidFill>
+            <a:tailEnd type="arrow"/>
+          </a:ln>
+        </p:spPr>
+        <p:style>
+          <a:lnRef idx="1">
+            <a:schemeClr val="accent1"/>
+          </a:lnRef>
+          <a:fillRef idx="0">
+            <a:schemeClr val="accent1"/>
+          </a:fillRef>
+          <a:effectRef idx="0">
+            <a:schemeClr val="accent1"/>
+          </a:effectRef>
+          <a:fontRef idx="minor">
+            <a:schemeClr val="tx1"/>
+          </a:fontRef>
+        </p:style>
+      </p:cxnSp>
+    </p:spTree>
+  </p:cSld>
+  <p:clrMapOvr>
+    <a:masterClrMapping/>
+  </p:clrMapOvr>
   <p:timing>
     <p:tnLst>
       <p:par>

--- a/Docs/Medias2012_dhg.pptx
+++ b/Docs/Medias2012_dhg.pptx
@@ -16,10 +16,8 @@
     <p:sldId id="264" r:id="rId10"/>
     <p:sldId id="279" r:id="rId11"/>
     <p:sldId id="282" r:id="rId12"/>
-    <p:sldId id="281" r:id="rId13"/>
-    <p:sldId id="280" r:id="rId14"/>
-    <p:sldId id="267" r:id="rId15"/>
-    <p:sldId id="259" r:id="rId16"/>
+    <p:sldId id="267" r:id="rId13"/>
+    <p:sldId id="259" r:id="rId14"/>
   </p:sldIdLst>
   <p:sldSz cx="9144000" cy="6858000" type="screen4x3"/>
   <p:notesSz cx="6858000" cy="9144000"/>
@@ -3093,6 +3091,7 @@
           </p:nvPr>
         </p:nvSpPr>
         <p:spPr>
+          <a:effectLst/>
           <a:scene3d>
             <a:camera prst="orthographicFront"/>
             <a:lightRig rig="threePt" dir="t"/>
@@ -3108,52 +3107,60 @@
           <a:lstStyle/>
           <a:p>
             <a:r>
-              <a:rPr lang="ru-RU" sz="3200" dirty="0" smtClean="0">
+              <a:rPr lang="ru-RU" sz="3600" dirty="0" smtClean="0">
                 <a:effectLst>
                   <a:outerShdw blurRad="38100" dist="38100" dir="2700000" algn="tl">
                     <a:srgbClr val="000000">
                       <a:alpha val="43137"/>
                     </a:srgbClr>
                   </a:outerShdw>
-                  <a:reflection blurRad="12700" stA="34000" endA="740" endPos="53000" dir="5400000" sy="-100000" algn="bl" rotWithShape="0"/>
                 </a:effectLst>
               </a:rPr>
-              <a:t>Комплекс </a:t>
-            </a:r>
-            <a:r>
-              <a:rPr lang="ru-RU" sz="3200" cap="none" dirty="0" smtClean="0">
+              <a:t>Комплекс</a:t>
+            </a:r>
+            <a:r>
+              <a:rPr lang="en-US" sz="3600" dirty="0" smtClean="0">
                 <a:effectLst>
                   <a:outerShdw blurRad="38100" dist="38100" dir="2700000" algn="tl">
                     <a:srgbClr val="000000">
                       <a:alpha val="43137"/>
                     </a:srgbClr>
                   </a:outerShdw>
-                  <a:reflection blurRad="12700" stA="34000" endA="740" endPos="53000" dir="5400000" sy="-100000" algn="bl" rotWithShape="0"/>
                 </a:effectLst>
               </a:rPr>
-              <a:t>навигации </a:t>
-            </a:r>
-            <a:r>
-              <a:rPr lang="ru-RU" sz="3200" cap="none" dirty="0" smtClean="0">
+              <a:t> </a:t>
+            </a:r>
+            <a:r>
+              <a:rPr lang="ru-RU" sz="3600" dirty="0" smtClean="0">
                 <a:effectLst>
                   <a:outerShdw blurRad="38100" dist="38100" dir="2700000" algn="tl">
                     <a:srgbClr val="000000">
                       <a:alpha val="43137"/>
                     </a:srgbClr>
                   </a:outerShdw>
-                  <a:reflection blurRad="12700" stA="34000" endA="740" endPos="53000" dir="5400000" sy="-100000" algn="bl" rotWithShape="0"/>
                 </a:effectLst>
               </a:rPr>
-              <a:t>БПЛА в закрытых помещениях</a:t>
-            </a:r>
-            <a:endParaRPr lang="ru-RU" sz="3200" cap="none" dirty="0">
+              <a:t>групповой </a:t>
+            </a:r>
+            <a:r>
+              <a:rPr lang="ru-RU" sz="3600" cap="none" dirty="0" smtClean="0">
+                <a:effectLst>
+                  <a:outerShdw blurRad="38100" dist="38100" dir="2700000" algn="tl">
+                    <a:srgbClr val="000000">
+                      <a:alpha val="43137"/>
+                    </a:srgbClr>
+                  </a:outerShdw>
+                </a:effectLst>
+              </a:rPr>
+              <a:t>навигации БПЛА в закрытых помещениях</a:t>
+            </a:r>
+            <a:endParaRPr lang="ru-RU" sz="3600" cap="none" dirty="0">
               <a:effectLst>
                 <a:outerShdw blurRad="38100" dist="38100" dir="2700000" algn="tl">
                   <a:srgbClr val="000000">
                     <a:alpha val="43137"/>
                   </a:srgbClr>
                 </a:outerShdw>
-                <a:reflection blurRad="12700" stA="34000" endA="740" endPos="53000" dir="5400000" sy="-100000" algn="bl" rotWithShape="0"/>
               </a:effectLst>
             </a:endParaRPr>
           </a:p>
@@ -4590,75 +4597,345 @@
         <p:spPr/>
         <p:txBody>
           <a:bodyPr>
-            <a:normAutofit fontScale="90000"/>
+            <a:noAutofit/>
           </a:bodyPr>
           <a:lstStyle/>
           <a:p>
             <a:r>
-              <a:rPr lang="ru-RU" dirty="0" smtClean="0"/>
-              <a:t>Схема функционирования 4Р-БПЛА</a:t>
-            </a:r>
-            <a:endParaRPr lang="ru-RU" dirty="0"/>
-          </a:p>
-        </p:txBody>
-      </p:sp>
-      <p:sp>
-        <p:nvSpPr>
-          <p:cNvPr id="5" name="Прямоугольник 4"/>
-          <p:cNvSpPr/>
-          <p:nvPr/>
+              <a:rPr lang="ru-RU" sz="3200" dirty="0" smtClean="0"/>
+              <a:t>Восстановление трехмерной структуры помещения</a:t>
+            </a:r>
+            <a:endParaRPr lang="ru-RU" sz="3200" dirty="0"/>
+          </a:p>
+        </p:txBody>
+      </p:sp>
+      <p:sp>
+        <p:nvSpPr>
+          <p:cNvPr id="4" name="Содержимое 3"/>
+          <p:cNvSpPr>
+            <a:spLocks noGrp="1"/>
+          </p:cNvSpPr>
+          <p:nvPr>
+            <p:ph sz="half" idx="1"/>
+          </p:nvPr>
         </p:nvSpPr>
         <p:spPr>
-          <a:xfrm>
-            <a:off x="3851920" y="2492896"/>
-            <a:ext cx="1944216" cy="1080120"/>
-          </a:xfrm>
-          <a:prstGeom prst="rect">
-            <a:avLst/>
-          </a:prstGeom>
           <a:solidFill>
-            <a:srgbClr val="640000">
-              <a:alpha val="49804"/>
+            <a:srgbClr val="000000">
+              <a:alpha val="69804"/>
             </a:srgbClr>
           </a:solidFill>
-          <a:ln w="12700">
-            <a:solidFill>
-              <a:schemeClr val="bg1"/>
-            </a:solidFill>
-          </a:ln>
         </p:spPr>
-        <p:style>
-          <a:lnRef idx="3">
-            <a:schemeClr val="lt1"/>
-          </a:lnRef>
-          <a:fillRef idx="1">
-            <a:schemeClr val="accent1"/>
-          </a:fillRef>
-          <a:effectRef idx="1">
-            <a:schemeClr val="accent1"/>
-          </a:effectRef>
-          <a:fontRef idx="minor">
-            <a:schemeClr val="lt1"/>
-          </a:fontRef>
-        </p:style>
-        <p:txBody>
-          <a:bodyPr rtlCol="0" anchor="ctr"/>
+        <p:txBody>
+          <a:bodyPr>
+            <a:normAutofit fontScale="85000" lnSpcReduction="20000"/>
+          </a:bodyPr>
           <a:lstStyle/>
           <a:p>
-            <a:pPr algn="ctr"/>
-            <a:r>
-              <a:rPr lang="en-US" sz="2400" dirty="0" smtClean="0">
-                <a:solidFill>
-                  <a:schemeClr val="bg1"/>
-                </a:solidFill>
-              </a:rPr>
-              <a:t>Controller</a:t>
-            </a:r>
-            <a:endParaRPr lang="ru-RU" sz="2400" dirty="0">
+            <a:r>
+              <a:rPr lang="ru-RU" dirty="0" smtClean="0"/>
+              <a:t>ЛИДАР</a:t>
+            </a:r>
+          </a:p>
+          <a:p>
+            <a:pPr lvl="1"/>
+            <a:r>
+              <a:rPr lang="ru-RU" dirty="0" smtClean="0">
+                <a:solidFill>
+                  <a:srgbClr val="80FF80"/>
+                </a:solidFill>
+              </a:rPr>
+              <a:t>Высокая точность</a:t>
+            </a:r>
+          </a:p>
+          <a:p>
+            <a:pPr lvl="1"/>
+            <a:r>
+              <a:rPr lang="ru-RU" dirty="0" smtClean="0">
+                <a:solidFill>
+                  <a:srgbClr val="FF8080"/>
+                </a:solidFill>
+              </a:rPr>
+              <a:t>Высокая стоимость</a:t>
+            </a:r>
+          </a:p>
+          <a:p>
+            <a:pPr lvl="1"/>
+            <a:r>
+              <a:rPr lang="ru-RU" dirty="0" smtClean="0">
+                <a:solidFill>
+                  <a:srgbClr val="FF8080"/>
+                </a:solidFill>
+              </a:rPr>
+              <a:t>Большой вес</a:t>
+            </a:r>
+          </a:p>
+          <a:p>
+            <a:r>
+              <a:rPr lang="ru-RU" dirty="0" smtClean="0"/>
+              <a:t>СОНАР</a:t>
+            </a:r>
+          </a:p>
+          <a:p>
+            <a:pPr lvl="1"/>
+            <a:r>
+              <a:rPr lang="ru-RU" dirty="0" smtClean="0">
+                <a:solidFill>
+                  <a:srgbClr val="80FF80"/>
+                </a:solidFill>
+              </a:rPr>
+              <a:t>Малый вес</a:t>
+            </a:r>
+          </a:p>
+          <a:p>
+            <a:pPr lvl="1"/>
+            <a:r>
+              <a:rPr lang="ru-RU" dirty="0" smtClean="0">
+                <a:solidFill>
+                  <a:srgbClr val="80FF80"/>
+                </a:solidFill>
+              </a:rPr>
+              <a:t>Легкость интеграции</a:t>
+            </a:r>
+          </a:p>
+          <a:p>
+            <a:pPr lvl="1"/>
+            <a:r>
+              <a:rPr lang="ru-RU" dirty="0" smtClean="0">
+                <a:solidFill>
+                  <a:srgbClr val="80FF80"/>
+                </a:solidFill>
+              </a:rPr>
+              <a:t>Низкая стоимость</a:t>
+            </a:r>
+          </a:p>
+          <a:p>
+            <a:pPr lvl="1"/>
+            <a:r>
+              <a:rPr lang="ru-RU" dirty="0" smtClean="0">
+                <a:solidFill>
+                  <a:srgbClr val="FF8080"/>
+                </a:solidFill>
+              </a:rPr>
+              <a:t>Низкая </a:t>
+            </a:r>
+            <a:r>
+              <a:rPr lang="ru-RU" dirty="0" smtClean="0">
+                <a:solidFill>
+                  <a:srgbClr val="FF8080"/>
+                </a:solidFill>
+              </a:rPr>
+              <a:t>точность</a:t>
+            </a:r>
+          </a:p>
+          <a:p>
+            <a:pPr lvl="1"/>
+            <a:endParaRPr lang="ru-RU" dirty="0" smtClean="0"/>
+          </a:p>
+          <a:p>
+            <a:pPr lvl="1"/>
+            <a:endParaRPr lang="ru-RU" dirty="0" smtClean="0"/>
+          </a:p>
+          <a:p>
+            <a:endParaRPr lang="ru-RU" dirty="0"/>
+          </a:p>
+        </p:txBody>
+      </p:sp>
+      <p:sp>
+        <p:nvSpPr>
+          <p:cNvPr id="6" name="Содержимое 5"/>
+          <p:cNvSpPr>
+            <a:spLocks noGrp="1"/>
+          </p:cNvSpPr>
+          <p:nvPr>
+            <p:ph sz="half" idx="2"/>
+          </p:nvPr>
+        </p:nvSpPr>
+        <p:spPr>
+          <a:solidFill>
+            <a:srgbClr val="000000">
+              <a:alpha val="69804"/>
+            </a:srgbClr>
+          </a:solidFill>
+        </p:spPr>
+        <p:txBody>
+          <a:bodyPr>
+            <a:normAutofit fontScale="85000" lnSpcReduction="20000"/>
+          </a:bodyPr>
+          <a:lstStyle/>
+          <a:p>
+            <a:r>
+              <a:rPr lang="en-US" dirty="0" err="1" smtClean="0"/>
+              <a:t>Kinect</a:t>
+            </a:r>
+            <a:endParaRPr lang="en-US" dirty="0" smtClean="0"/>
+          </a:p>
+          <a:p>
+            <a:pPr lvl="1"/>
+            <a:r>
+              <a:rPr lang="ru-RU" dirty="0" smtClean="0">
+                <a:solidFill>
+                  <a:srgbClr val="80FF80"/>
+                </a:solidFill>
+              </a:rPr>
+              <a:t>Работа в реальном </a:t>
+            </a:r>
+            <a:r>
+              <a:rPr lang="ru-RU" dirty="0" smtClean="0">
+                <a:solidFill>
+                  <a:srgbClr val="80FF80"/>
+                </a:solidFill>
+              </a:rPr>
+              <a:t>времени</a:t>
+            </a:r>
+          </a:p>
+          <a:p>
+            <a:pPr lvl="1"/>
+            <a:r>
+              <a:rPr lang="en-US" dirty="0" err="1" smtClean="0">
+                <a:solidFill>
+                  <a:srgbClr val="80FF80"/>
+                </a:solidFill>
+              </a:rPr>
+              <a:t>Kinect</a:t>
+            </a:r>
+            <a:r>
+              <a:rPr lang="en-US" dirty="0" smtClean="0">
+                <a:solidFill>
+                  <a:srgbClr val="80FF80"/>
+                </a:solidFill>
+              </a:rPr>
+              <a:t> Fusion</a:t>
+            </a:r>
+            <a:endParaRPr lang="ru-RU" dirty="0" smtClean="0">
               <a:solidFill>
-                <a:schemeClr val="bg1"/>
+                <a:srgbClr val="80FF80"/>
               </a:solidFill>
             </a:endParaRPr>
+          </a:p>
+          <a:p>
+            <a:pPr lvl="1"/>
+            <a:r>
+              <a:rPr lang="ru-RU" dirty="0" smtClean="0">
+                <a:solidFill>
+                  <a:srgbClr val="FF8080"/>
+                </a:solidFill>
+              </a:rPr>
+              <a:t>Необходимость прямого подключения к </a:t>
+            </a:r>
+            <a:r>
+              <a:rPr lang="en-US" dirty="0" smtClean="0">
+                <a:solidFill>
+                  <a:srgbClr val="FF8080"/>
+                </a:solidFill>
+              </a:rPr>
+              <a:t>PC</a:t>
+            </a:r>
+            <a:r>
+              <a:rPr lang="ru-RU" dirty="0" smtClean="0">
+                <a:solidFill>
+                  <a:srgbClr val="FF8080"/>
+                </a:solidFill>
+              </a:rPr>
+              <a:t> + доп. </a:t>
+            </a:r>
+            <a:r>
+              <a:rPr lang="ru-RU" dirty="0" smtClean="0">
+                <a:solidFill>
+                  <a:srgbClr val="FF8080"/>
+                </a:solidFill>
+              </a:rPr>
+              <a:t>э</a:t>
+            </a:r>
+            <a:r>
+              <a:rPr lang="ru-RU" dirty="0" smtClean="0">
+                <a:solidFill>
+                  <a:srgbClr val="FF8080"/>
+                </a:solidFill>
+              </a:rPr>
+              <a:t>лектропитание</a:t>
+            </a:r>
+          </a:p>
+          <a:p>
+            <a:pPr lvl="1"/>
+            <a:r>
+              <a:rPr lang="ru-RU" dirty="0" smtClean="0">
+                <a:solidFill>
+                  <a:srgbClr val="FF8080"/>
+                </a:solidFill>
+              </a:rPr>
+              <a:t>Большой вес</a:t>
+            </a:r>
+            <a:r>
+              <a:rPr lang="ru-RU" dirty="0" smtClean="0"/>
+              <a:t> </a:t>
+            </a:r>
+            <a:r>
+              <a:rPr lang="ru-RU" sz="1700" dirty="0" smtClean="0">
+                <a:solidFill>
+                  <a:srgbClr val="80FF80"/>
+                </a:solidFill>
+              </a:rPr>
+              <a:t>(можно разобрать :)</a:t>
+            </a:r>
+            <a:endParaRPr lang="en-US" dirty="0" smtClean="0">
+              <a:solidFill>
+                <a:srgbClr val="80FF80"/>
+              </a:solidFill>
+            </a:endParaRPr>
+          </a:p>
+          <a:p>
+            <a:r>
+              <a:rPr lang="en-US" dirty="0" smtClean="0"/>
+              <a:t>PTAM</a:t>
+            </a:r>
+            <a:endParaRPr lang="ru-RU" dirty="0" smtClean="0"/>
+          </a:p>
+          <a:p>
+            <a:pPr lvl="1"/>
+            <a:r>
+              <a:rPr lang="ru-RU" dirty="0" smtClean="0">
+                <a:solidFill>
+                  <a:srgbClr val="80FF80"/>
+                </a:solidFill>
+              </a:rPr>
+              <a:t>Высокое качество результата</a:t>
+            </a:r>
+          </a:p>
+          <a:p>
+            <a:pPr lvl="1"/>
+            <a:r>
+              <a:rPr lang="ru-RU" dirty="0" smtClean="0">
+                <a:solidFill>
+                  <a:srgbClr val="FF8080"/>
+                </a:solidFill>
+              </a:rPr>
+              <a:t>Вычислительная трудоемкость</a:t>
+            </a:r>
+          </a:p>
+          <a:p>
+            <a:pPr lvl="1"/>
+            <a:r>
+              <a:rPr lang="ru-RU" dirty="0" smtClean="0">
+                <a:solidFill>
+                  <a:srgbClr val="FF8080"/>
+                </a:solidFill>
+              </a:rPr>
+              <a:t>Высокая нагрузка на беспроводную сеть</a:t>
+            </a:r>
+            <a:endParaRPr lang="en-US" dirty="0" smtClean="0">
+              <a:solidFill>
+                <a:srgbClr val="FF8080"/>
+              </a:solidFill>
+            </a:endParaRPr>
+          </a:p>
+          <a:p>
+            <a:pPr lvl="1"/>
+            <a:endParaRPr lang="en-US" dirty="0" smtClean="0"/>
+          </a:p>
+          <a:p>
+            <a:pPr lvl="1"/>
+            <a:endParaRPr lang="ru-RU" dirty="0"/>
           </a:p>
         </p:txBody>
       </p:sp>
@@ -4709,7 +4986,11 @@
           <a:bodyPr/>
           <a:lstStyle/>
           <a:p>
-            <a:endParaRPr lang="ru-RU"/>
+            <a:r>
+              <a:rPr lang="ru-RU" dirty="0" smtClean="0"/>
+              <a:t>Заключение</a:t>
+            </a:r>
+            <a:endParaRPr lang="ru-RU" dirty="0"/>
           </a:p>
         </p:txBody>
       </p:sp>
@@ -4728,7 +5009,26 @@
           <a:bodyPr/>
           <a:lstStyle/>
           <a:p>
-            <a:endParaRPr lang="ru-RU"/>
+            <a:r>
+              <a:rPr lang="ru-RU" dirty="0" smtClean="0"/>
+              <a:t>Сформулирован круг и особенности задач для комплекса групповой навигации 4Р БПЛА в закрытых помещениях</a:t>
+            </a:r>
+          </a:p>
+          <a:p>
+            <a:r>
+              <a:rPr lang="ru-RU" dirty="0" smtClean="0"/>
+              <a:t>Проанализированы варианты аппаратной платформы для бортовой электроники </a:t>
+            </a:r>
+            <a:br>
+              <a:rPr lang="ru-RU" dirty="0" smtClean="0"/>
+            </a:br>
+            <a:r>
+              <a:rPr lang="ru-RU" dirty="0" smtClean="0"/>
+              <a:t>4Р БПЛА</a:t>
+            </a:r>
+          </a:p>
+          <a:p>
+            <a:endParaRPr lang="ru-RU" dirty="0"/>
           </a:p>
         </p:txBody>
       </p:sp>
@@ -4779,150 +5079,6 @@
           <a:bodyPr/>
           <a:lstStyle/>
           <a:p>
-            <a:endParaRPr lang="ru-RU"/>
-          </a:p>
-        </p:txBody>
-      </p:sp>
-      <p:sp>
-        <p:nvSpPr>
-          <p:cNvPr id="3" name="Содержимое 2"/>
-          <p:cNvSpPr>
-            <a:spLocks noGrp="1"/>
-          </p:cNvSpPr>
-          <p:nvPr>
-            <p:ph idx="1"/>
-          </p:nvPr>
-        </p:nvSpPr>
-        <p:spPr/>
-        <p:txBody>
-          <a:bodyPr/>
-          <a:lstStyle/>
-          <a:p>
-            <a:endParaRPr lang="ru-RU"/>
-          </a:p>
-        </p:txBody>
-      </p:sp>
-    </p:spTree>
-  </p:cSld>
-  <p:clrMapOvr>
-    <a:masterClrMapping/>
-  </p:clrMapOvr>
-  <p:timing>
-    <p:tnLst>
-      <p:par>
-        <p:cTn id="1" dur="indefinite" restart="never" nodeType="tmRoot"/>
-      </p:par>
-    </p:tnLst>
-  </p:timing>
-</p:sld>
-</file>
-
-<file path=ppt/slides/slide14.xml><?xml version="1.0" encoding="utf-8"?>
-<p:sld xmlns:a="http://schemas.openxmlformats.org/drawingml/2006/main" xmlns:r="http://schemas.openxmlformats.org/officeDocument/2006/relationships" xmlns:p="http://schemas.openxmlformats.org/presentationml/2006/main">
-  <p:cSld>
-    <p:spTree>
-      <p:nvGrpSpPr>
-        <p:cNvPr id="1" name=""/>
-        <p:cNvGrpSpPr/>
-        <p:nvPr/>
-      </p:nvGrpSpPr>
-      <p:grpSpPr>
-        <a:xfrm>
-          <a:off x="0" y="0"/>
-          <a:ext cx="0" cy="0"/>
-          <a:chOff x="0" y="0"/>
-          <a:chExt cx="0" cy="0"/>
-        </a:xfrm>
-      </p:grpSpPr>
-      <p:sp>
-        <p:nvSpPr>
-          <p:cNvPr id="2" name="Заголовок 1"/>
-          <p:cNvSpPr>
-            <a:spLocks noGrp="1"/>
-          </p:cNvSpPr>
-          <p:nvPr>
-            <p:ph type="title"/>
-          </p:nvPr>
-        </p:nvSpPr>
-        <p:spPr/>
-        <p:txBody>
-          <a:bodyPr/>
-          <a:lstStyle/>
-          <a:p>
-            <a:r>
-              <a:rPr lang="ru-RU" dirty="0" smtClean="0"/>
-              <a:t>Заключение</a:t>
-            </a:r>
-            <a:endParaRPr lang="ru-RU" dirty="0"/>
-          </a:p>
-        </p:txBody>
-      </p:sp>
-      <p:sp>
-        <p:nvSpPr>
-          <p:cNvPr id="3" name="Содержимое 2"/>
-          <p:cNvSpPr>
-            <a:spLocks noGrp="1"/>
-          </p:cNvSpPr>
-          <p:nvPr>
-            <p:ph idx="1"/>
-          </p:nvPr>
-        </p:nvSpPr>
-        <p:spPr/>
-        <p:txBody>
-          <a:bodyPr/>
-          <a:lstStyle/>
-          <a:p>
-            <a:endParaRPr lang="ru-RU"/>
-          </a:p>
-        </p:txBody>
-      </p:sp>
-    </p:spTree>
-  </p:cSld>
-  <p:clrMapOvr>
-    <a:masterClrMapping/>
-  </p:clrMapOvr>
-  <p:timing>
-    <p:tnLst>
-      <p:par>
-        <p:cTn id="1" dur="indefinite" restart="never" nodeType="tmRoot"/>
-      </p:par>
-    </p:tnLst>
-  </p:timing>
-</p:sld>
-</file>
-
-<file path=ppt/slides/slide15.xml><?xml version="1.0" encoding="utf-8"?>
-<p:sld xmlns:a="http://schemas.openxmlformats.org/drawingml/2006/main" xmlns:r="http://schemas.openxmlformats.org/officeDocument/2006/relationships" xmlns:p="http://schemas.openxmlformats.org/presentationml/2006/main">
-  <p:cSld>
-    <p:spTree>
-      <p:nvGrpSpPr>
-        <p:cNvPr id="1" name=""/>
-        <p:cNvGrpSpPr/>
-        <p:nvPr/>
-      </p:nvGrpSpPr>
-      <p:grpSpPr>
-        <a:xfrm>
-          <a:off x="0" y="0"/>
-          <a:ext cx="0" cy="0"/>
-          <a:chOff x="0" y="0"/>
-          <a:chExt cx="0" cy="0"/>
-        </a:xfrm>
-      </p:grpSpPr>
-      <p:sp>
-        <p:nvSpPr>
-          <p:cNvPr id="2" name="Заголовок 1"/>
-          <p:cNvSpPr>
-            <a:spLocks noGrp="1"/>
-          </p:cNvSpPr>
-          <p:nvPr>
-            <p:ph type="title"/>
-          </p:nvPr>
-        </p:nvSpPr>
-        <p:spPr/>
-        <p:txBody>
-          <a:bodyPr/>
-          <a:lstStyle/>
-          <a:p>
             <a:r>
               <a:rPr lang="ru-RU" dirty="0" smtClean="0"/>
               <a:t>Вопросы?</a:t>
@@ -5011,15 +5167,23 @@
           <a:p>
             <a:r>
               <a:rPr lang="ru-RU" sz="2800" dirty="0" smtClean="0"/>
-              <a:t>Создание комплекса 4Р-БПЛА для </a:t>
+              <a:t>Создание комплекса 4Р-БПЛА для решения задачи </a:t>
             </a:r>
             <a:r>
               <a:rPr lang="ru-RU" sz="2800" dirty="0" smtClean="0"/>
-              <a:t>решения задачи </a:t>
+              <a:t>групповой навигации </a:t>
             </a:r>
             <a:r>
               <a:rPr lang="ru-RU" sz="2800" dirty="0" smtClean="0"/>
-              <a:t>навигации в закрытых помещениях (КНЗП)</a:t>
+              <a:t>в закрытых помещениях (</a:t>
+            </a:r>
+            <a:r>
+              <a:rPr lang="ru-RU" sz="2800" dirty="0" smtClean="0"/>
+              <a:t>КГНЗП</a:t>
+            </a:r>
+            <a:r>
+              <a:rPr lang="ru-RU" sz="2800" dirty="0" smtClean="0"/>
+              <a:t>)</a:t>
             </a:r>
           </a:p>
           <a:p>
@@ -5028,11 +5192,7 @@
           <a:p>
             <a:r>
               <a:rPr lang="ru-RU" sz="2800" dirty="0" smtClean="0"/>
-              <a:t>Создание </a:t>
-            </a:r>
-            <a:r>
-              <a:rPr lang="ru-RU" sz="2800" dirty="0" smtClean="0"/>
-              <a:t>виртуального полигона для исследования динамики 4Р-БПЛА в закрытых помещениях (</a:t>
+              <a:t>Создание виртуального полигона для исследования динамики 4Р-БПЛА в закрытых помещениях (</a:t>
             </a:r>
             <a:r>
               <a:rPr lang="en-US" sz="2800" dirty="0" err="1" smtClean="0"/>
@@ -5141,7 +5301,7 @@
           <a:p>
             <a:r>
               <a:rPr lang="ru-RU" sz="2800" dirty="0" smtClean="0"/>
-              <a:t>Спасательные операции</a:t>
+              <a:t>Спасательные операции в труднодоступных помещениях</a:t>
             </a:r>
           </a:p>
           <a:p>
@@ -5172,14 +5332,6 @@
             </a:endParaRPr>
           </a:p>
           <a:p>
-            <a:pPr lvl="1"/>
-            <a:endParaRPr lang="ru-RU" sz="2400" dirty="0" smtClean="0">
-              <a:solidFill>
-                <a:srgbClr val="80FF80"/>
-              </a:solidFill>
-            </a:endParaRPr>
-          </a:p>
-          <a:p>
             <a:r>
               <a:rPr lang="ru-RU" sz="2800" dirty="0" smtClean="0"/>
               <a:t>Мониторинг объектов на предмет:</a:t>
@@ -5193,7 +5345,7 @@
                   <a:srgbClr val="80FF80"/>
                 </a:solidFill>
               </a:rPr>
-              <a:t>Проникновений на охраняемые объекты</a:t>
+              <a:t>Вторжения на охраняемые объекты</a:t>
             </a:r>
           </a:p>
           <a:p>
@@ -5207,14 +5359,6 @@
               <a:t>Аварий на опасных объектах</a:t>
             </a:r>
             <a:endParaRPr lang="en-US" sz="2400" dirty="0" smtClean="0">
-              <a:solidFill>
-                <a:srgbClr val="80FF80"/>
-              </a:solidFill>
-            </a:endParaRPr>
-          </a:p>
-          <a:p>
-            <a:pPr lvl="1"/>
-            <a:endParaRPr lang="ru-RU" sz="2400" dirty="0" smtClean="0">
               <a:solidFill>
                 <a:srgbClr val="80FF80"/>
               </a:solidFill>
@@ -5325,15 +5469,7 @@
           <a:p>
             <a:r>
               <a:rPr lang="ru-RU" sz="2400" dirty="0" smtClean="0"/>
-              <a:t>Навигация в заведомо </a:t>
-            </a:r>
-            <a:r>
-              <a:rPr lang="ru-RU" sz="2400" dirty="0" smtClean="0"/>
-              <a:t>известных, неизвестных </a:t>
-            </a:r>
-            <a:r>
-              <a:rPr lang="ru-RU" sz="2400" dirty="0" smtClean="0"/>
-              <a:t>и/или изменяющихся помещениях</a:t>
+              <a:t>Навигация в заведомо известных, неизвестных и/или изменяющихся помещениях</a:t>
             </a:r>
           </a:p>
           <a:p>
@@ -5351,21 +5487,20 @@
           <a:p>
             <a:r>
               <a:rPr lang="ru-RU" sz="2400" dirty="0" smtClean="0"/>
-              <a:t>Восстановление трехмерной структуры закрытых </a:t>
-            </a:r>
+              <a:t>Восстановление трехмерной структуры закрытых помещений для облегчения работы оператора</a:t>
+            </a:r>
+          </a:p>
+          <a:p>
+            <a:endParaRPr lang="en-US" sz="2400" dirty="0" smtClean="0"/>
+          </a:p>
+          <a:p>
             <a:r>
               <a:rPr lang="ru-RU" sz="2400" dirty="0" smtClean="0"/>
-              <a:t>помещений для облегчения работы оператора</a:t>
-            </a:r>
-            <a:endParaRPr lang="ru-RU" sz="2400" dirty="0" smtClean="0"/>
-          </a:p>
-          <a:p>
-            <a:endParaRPr lang="en-US" sz="2400" dirty="0" smtClean="0"/>
-          </a:p>
-          <a:p>
+              <a:t>Реализация группового поведения БПЛА в условиях </a:t>
+            </a:r>
             <a:r>
               <a:rPr lang="ru-RU" sz="2400" dirty="0" smtClean="0"/>
-              <a:t>Реализация группового поведения БПЛА в условиях агрессивной среды</a:t>
+              <a:t>агрессивной среды</a:t>
             </a:r>
             <a:endParaRPr lang="en-US" sz="2400" dirty="0" smtClean="0"/>
           </a:p>
@@ -5743,116 +5878,14 @@
       </p:sp>
       <p:sp>
         <p:nvSpPr>
-          <p:cNvPr id="50" name="Прямоугольник 49"/>
-          <p:cNvSpPr/>
-          <p:nvPr/>
-        </p:nvSpPr>
-        <p:spPr>
-          <a:xfrm rot="5400000">
-            <a:off x="7632340" y="4761148"/>
-            <a:ext cx="432048" cy="2232248"/>
-          </a:xfrm>
-          <a:prstGeom prst="rect">
-            <a:avLst/>
-          </a:prstGeom>
-          <a:solidFill>
-            <a:schemeClr val="bg1">
-              <a:lumMod val="85000"/>
-              <a:alpha val="34000"/>
-            </a:schemeClr>
-          </a:solidFill>
-          <a:ln>
-            <a:solidFill>
-              <a:schemeClr val="bg1"/>
-            </a:solidFill>
-          </a:ln>
-        </p:spPr>
-        <p:style>
-          <a:lnRef idx="2">
-            <a:schemeClr val="accent1">
-              <a:shade val="50000"/>
-            </a:schemeClr>
-          </a:lnRef>
-          <a:fillRef idx="1">
-            <a:schemeClr val="accent1"/>
-          </a:fillRef>
-          <a:effectRef idx="0">
-            <a:schemeClr val="accent1"/>
-          </a:effectRef>
-          <a:fontRef idx="minor">
-            <a:schemeClr val="lt1"/>
-          </a:fontRef>
-        </p:style>
-        <p:txBody>
-          <a:bodyPr rtlCol="0" anchor="ctr"/>
-          <a:lstStyle/>
-          <a:p>
-            <a:pPr algn="ctr"/>
-            <a:endParaRPr lang="ru-RU"/>
-          </a:p>
-        </p:txBody>
-      </p:sp>
-      <p:sp>
-        <p:nvSpPr>
-          <p:cNvPr id="51" name="Прямоугольник 50"/>
-          <p:cNvSpPr/>
-          <p:nvPr/>
-        </p:nvSpPr>
-        <p:spPr>
-          <a:xfrm rot="5400000">
-            <a:off x="5400092" y="4761148"/>
-            <a:ext cx="432048" cy="2232248"/>
-          </a:xfrm>
-          <a:prstGeom prst="rect">
-            <a:avLst/>
-          </a:prstGeom>
-          <a:solidFill>
-            <a:schemeClr val="bg1">
-              <a:lumMod val="85000"/>
-              <a:alpha val="34000"/>
-            </a:schemeClr>
-          </a:solidFill>
-          <a:ln>
-            <a:solidFill>
-              <a:schemeClr val="bg1"/>
-            </a:solidFill>
-          </a:ln>
-        </p:spPr>
-        <p:style>
-          <a:lnRef idx="2">
-            <a:schemeClr val="accent1">
-              <a:shade val="50000"/>
-            </a:schemeClr>
-          </a:lnRef>
-          <a:fillRef idx="1">
-            <a:schemeClr val="accent1"/>
-          </a:fillRef>
-          <a:effectRef idx="0">
-            <a:schemeClr val="accent1"/>
-          </a:effectRef>
-          <a:fontRef idx="minor">
-            <a:schemeClr val="lt1"/>
-          </a:fontRef>
-        </p:style>
-        <p:txBody>
-          <a:bodyPr rtlCol="0" anchor="ctr"/>
-          <a:lstStyle/>
-          <a:p>
-            <a:pPr algn="ctr"/>
-            <a:endParaRPr lang="ru-RU"/>
-          </a:p>
-        </p:txBody>
-      </p:sp>
-      <p:sp>
-        <p:nvSpPr>
           <p:cNvPr id="52" name="Прямоугольник 51"/>
           <p:cNvSpPr/>
           <p:nvPr/>
         </p:nvSpPr>
         <p:spPr>
           <a:xfrm rot="5400000">
-            <a:off x="3167844" y="4761148"/>
-            <a:ext cx="432048" cy="2232248"/>
+            <a:off x="5364088" y="2564904"/>
+            <a:ext cx="432048" cy="6624736"/>
           </a:xfrm>
           <a:prstGeom prst="rect">
             <a:avLst/>
@@ -6184,7 +6217,11 @@
           <a:p>
             <a:r>
               <a:rPr lang="ru-RU" sz="3600" dirty="0" smtClean="0"/>
-              <a:t>Устройство и принцип 4Р-БПЛА</a:t>
+              <a:t>Особенности конструкции </a:t>
+            </a:r>
+            <a:r>
+              <a:rPr lang="ru-RU" sz="3600" dirty="0" smtClean="0"/>
+              <a:t>4Р-БПЛА</a:t>
             </a:r>
             <a:endParaRPr lang="ru-RU" sz="3600" dirty="0"/>
           </a:p>
@@ -6204,6 +6241,7 @@
           <a:blip r:embed="rId2" cstate="print">
             <a:lum bright="-20000"/>
           </a:blip>
+          <a:srcRect l="3628" r="2053"/>
           <a:stretch>
             <a:fillRect/>
           </a:stretch>
@@ -6211,7 +6249,7 @@
         <p:spPr>
           <a:xfrm>
             <a:off x="179512" y="1628800"/>
-            <a:ext cx="5954882" cy="4248472"/>
+            <a:ext cx="5616624" cy="4248472"/>
           </a:xfrm>
           <a:prstGeom prst="rect">
             <a:avLst/>
@@ -6244,8 +6282,8 @@
         </p:nvSpPr>
         <p:spPr>
           <a:xfrm>
-            <a:off x="6228184" y="1628801"/>
-            <a:ext cx="2742456" cy="4248472"/>
+            <a:off x="5940152" y="1628801"/>
+            <a:ext cx="3030488" cy="4248472"/>
           </a:xfrm>
           <a:solidFill>
             <a:srgbClr val="000000">
@@ -6255,7 +6293,7 @@
         </p:spPr>
         <p:txBody>
           <a:bodyPr>
-            <a:normAutofit lnSpcReduction="10000"/>
+            <a:normAutofit fontScale="92500" lnSpcReduction="10000"/>
           </a:bodyPr>
           <a:lstStyle/>
           <a:p>
@@ -6265,23 +6303,7 @@
                   <a:srgbClr val="80FF80"/>
                 </a:solidFill>
               </a:rPr>
-              <a:t>Фактическое </a:t>
-            </a:r>
-            <a:r>
-              <a:rPr lang="ru-RU" sz="1800" dirty="0" smtClean="0">
-                <a:solidFill>
-                  <a:srgbClr val="80FF80"/>
-                </a:solidFill>
-              </a:rPr>
-              <a:t>отсутствие сложных </a:t>
-            </a:r>
-            <a:r>
-              <a:rPr lang="ru-RU" sz="1800" dirty="0" smtClean="0">
-                <a:solidFill>
-                  <a:srgbClr val="80FF80"/>
-                </a:solidFill>
-              </a:rPr>
-              <a:t>механизмов</a:t>
+              <a:t>Фактическое отсутствие сложных механизмов</a:t>
             </a:r>
           </a:p>
           <a:p>
@@ -6318,11 +6340,6 @@
               </a:rPr>
               <a:t>к зависанию</a:t>
             </a:r>
-            <a:endParaRPr lang="ru-RU" sz="1800" dirty="0" smtClean="0">
-              <a:solidFill>
-                <a:srgbClr val="80FF80"/>
-              </a:solidFill>
-            </a:endParaRPr>
           </a:p>
           <a:p>
             <a:r>
@@ -6331,25 +6348,27 @@
                   <a:srgbClr val="80FF80"/>
                 </a:solidFill>
               </a:rPr>
-              <a:t>Легкость создания и низкая </a:t>
-            </a:r>
+              <a:t>Легкость создания и низкая стоимость</a:t>
+            </a:r>
+          </a:p>
+          <a:p>
             <a:r>
               <a:rPr lang="ru-RU" sz="1800" dirty="0" smtClean="0">
                 <a:solidFill>
                   <a:srgbClr val="80FF80"/>
                 </a:solidFill>
               </a:rPr>
-              <a:t>стоимость</a:t>
+              <a:t>Высокая надежность и отказоустойчивость</a:t>
             </a:r>
           </a:p>
           <a:p>
             <a:r>
               <a:rPr lang="ru-RU" sz="1800" dirty="0" smtClean="0">
                 <a:solidFill>
-                  <a:srgbClr val="80FF80"/>
-                </a:solidFill>
-              </a:rPr>
-              <a:t>Высокая надежность и отказоустойчивость</a:t>
+                  <a:srgbClr val="FF8080"/>
+                </a:solidFill>
+              </a:rPr>
+              <a:t>Сложность управления</a:t>
             </a:r>
           </a:p>
           <a:p>
@@ -6359,19 +6378,49 @@
                   <a:srgbClr val="FF8080"/>
                 </a:solidFill>
               </a:rPr>
-              <a:t>Сложность управления</a:t>
-            </a:r>
-          </a:p>
-          <a:p>
+              <a:t>Высокое </a:t>
+            </a:r>
             <a:r>
               <a:rPr lang="ru-RU" sz="1800" dirty="0" smtClean="0">
                 <a:solidFill>
                   <a:srgbClr val="FF8080"/>
                 </a:solidFill>
               </a:rPr>
-              <a:t>Высокое энергопотребления</a:t>
-            </a:r>
-            <a:endParaRPr lang="ru-RU" sz="1800" dirty="0">
+              <a:t>энергопотребление</a:t>
+            </a:r>
+          </a:p>
+          <a:p>
+            <a:r>
+              <a:rPr lang="ru-RU" sz="1800" dirty="0" smtClean="0">
+                <a:solidFill>
+                  <a:srgbClr val="FF8080"/>
+                </a:solidFill>
+              </a:rPr>
+              <a:t>Высокий уровень шума</a:t>
+            </a:r>
+          </a:p>
+          <a:p>
+            <a:pPr lvl="1"/>
+            <a:r>
+              <a:rPr lang="ru-RU" sz="1400" dirty="0" smtClean="0">
+                <a:solidFill>
+                  <a:srgbClr val="FF8080"/>
+                </a:solidFill>
+              </a:rPr>
+              <a:t>Звукового</a:t>
+            </a:r>
+          </a:p>
+          <a:p>
+            <a:pPr lvl="1"/>
+            <a:r>
+              <a:rPr lang="ru-RU" sz="1400" dirty="0" smtClean="0">
+                <a:solidFill>
+                  <a:srgbClr val="FF8080"/>
+                </a:solidFill>
+              </a:rPr>
+              <a:t>Электромагнитного</a:t>
+            </a:r>
+            <a:endParaRPr lang="ru-RU" sz="1400" dirty="0">
               <a:solidFill>
                 <a:srgbClr val="FF8080"/>
               </a:solidFill>
@@ -6413,29 +6462,25 @@
       </p:grpSpPr>
       <p:sp>
         <p:nvSpPr>
-          <p:cNvPr id="15" name="Умножение 14"/>
+          <p:cNvPr id="21" name="Прямоугольник 20"/>
           <p:cNvSpPr/>
           <p:nvPr/>
         </p:nvSpPr>
         <p:spPr>
           <a:xfrm>
-            <a:off x="1187624" y="2204864"/>
-            <a:ext cx="3168352" cy="3168352"/>
+            <a:off x="4067944" y="1628800"/>
+            <a:ext cx="4536504" cy="4392488"/>
           </a:xfrm>
-          <a:prstGeom prst="mathMultiply">
-            <a:avLst>
-              <a:gd name="adj1" fmla="val 7347"/>
-            </a:avLst>
+          <a:prstGeom prst="rect">
+            <a:avLst/>
           </a:prstGeom>
           <a:solidFill>
             <a:srgbClr val="000000">
-              <a:alpha val="69804"/>
+              <a:alpha val="70000"/>
             </a:srgbClr>
           </a:solidFill>
-          <a:ln w="12700">
-            <a:solidFill>
-              <a:srgbClr val="FF8080"/>
-            </a:solidFill>
+          <a:ln>
+            <a:noFill/>
           </a:ln>
         </p:spPr>
         <p:style>
@@ -6459,7 +6504,11 @@
           <a:lstStyle/>
           <a:p>
             <a:pPr algn="ctr"/>
-            <a:endParaRPr lang="ru-RU"/>
+            <a:endParaRPr lang="ru-RU" dirty="0">
+              <a:solidFill>
+                <a:srgbClr val="000000"/>
+              </a:solidFill>
+            </a:endParaRPr>
           </a:p>
         </p:txBody>
       </p:sp>
@@ -6498,8 +6547,8 @@
         </p:nvSpPr>
         <p:spPr>
           <a:xfrm>
-            <a:off x="6228184" y="1628800"/>
-            <a:ext cx="2742456" cy="4392487"/>
+            <a:off x="467544" y="1628800"/>
+            <a:ext cx="3168352" cy="4392487"/>
           </a:xfrm>
           <a:solidFill>
             <a:srgbClr val="000000">
@@ -6547,10 +6596,93 @@
             <a:r>
               <a:rPr lang="ru-RU" sz="1600" dirty="0" smtClean="0">
                 <a:solidFill>
+                  <a:srgbClr val="80FF80"/>
+                </a:solidFill>
+              </a:rPr>
+              <a:t>Акселерометр</a:t>
+            </a:r>
+          </a:p>
+          <a:p>
+            <a:pPr lvl="1"/>
+            <a:r>
+              <a:rPr lang="ru-RU" sz="1600" dirty="0" smtClean="0">
+                <a:solidFill>
+                  <a:srgbClr val="80FF80"/>
+                </a:solidFill>
+              </a:rPr>
+              <a:t>Гироскоп</a:t>
+            </a:r>
+          </a:p>
+          <a:p>
+            <a:pPr lvl="1"/>
+            <a:r>
+              <a:rPr lang="ru-RU" sz="1600" dirty="0" smtClean="0">
+                <a:solidFill>
+                  <a:srgbClr val="80FF80"/>
+                </a:solidFill>
+              </a:rPr>
+              <a:t>Сонар </a:t>
+            </a:r>
+          </a:p>
+          <a:p>
+            <a:pPr lvl="1"/>
+            <a:r>
+              <a:rPr lang="ru-RU" sz="1600" i="1" dirty="0" smtClean="0">
+                <a:solidFill>
+                  <a:srgbClr val="80FF80"/>
+                </a:solidFill>
+              </a:rPr>
+              <a:t>Барометр</a:t>
+            </a:r>
+          </a:p>
+          <a:p>
+            <a:pPr lvl="1"/>
+            <a:r>
+              <a:rPr lang="ru-RU" sz="1600" i="1" dirty="0" smtClean="0">
+                <a:solidFill>
+                  <a:srgbClr val="80FF80"/>
+                </a:solidFill>
+              </a:rPr>
+              <a:t>Магнетометр</a:t>
+            </a:r>
+            <a:endParaRPr lang="en-US" sz="1600" i="1" dirty="0" smtClean="0">
+              <a:solidFill>
+                <a:srgbClr val="80FF80"/>
+              </a:solidFill>
+            </a:endParaRPr>
+          </a:p>
+          <a:p>
+            <a:pPr lvl="1"/>
+            <a:r>
+              <a:rPr lang="en-US" sz="1600" i="1" dirty="0" smtClean="0">
+                <a:solidFill>
+                  <a:srgbClr val="80FF80"/>
+                </a:solidFill>
+              </a:rPr>
+              <a:t>GPS</a:t>
+            </a:r>
+            <a:r>
+              <a:rPr lang="ru-RU" sz="1600" i="1" dirty="0" smtClean="0">
+                <a:solidFill>
+                  <a:srgbClr val="80FF80"/>
+                </a:solidFill>
+              </a:rPr>
+              <a:t>/ГЛОНАСС</a:t>
+            </a:r>
+            <a:endParaRPr lang="ru-RU" sz="1600" i="1" dirty="0" smtClean="0">
+              <a:solidFill>
+                <a:srgbClr val="80FF80"/>
+              </a:solidFill>
+            </a:endParaRPr>
+          </a:p>
+          <a:p>
+            <a:r>
+              <a:rPr lang="ru-RU" sz="2000" dirty="0" smtClean="0">
+                <a:solidFill>
                   <a:schemeClr val="bg1"/>
                 </a:solidFill>
               </a:rPr>
-              <a:t>Акселерометр</a:t>
+              <a:t>Контроллер</a:t>
             </a:r>
           </a:p>
           <a:p>
@@ -6558,797 +6690,763 @@
             <a:r>
               <a:rPr lang="ru-RU" sz="1600" dirty="0" smtClean="0">
                 <a:solidFill>
+                  <a:srgbClr val="80FF80"/>
+                </a:solidFill>
+              </a:rPr>
+              <a:t>Стабилизация</a:t>
+            </a:r>
+          </a:p>
+          <a:p>
+            <a:pPr lvl="1"/>
+            <a:r>
+              <a:rPr lang="ru-RU" sz="1600" dirty="0" smtClean="0">
+                <a:solidFill>
+                  <a:srgbClr val="80FF80"/>
+                </a:solidFill>
+              </a:rPr>
+              <a:t>Коммуникация</a:t>
+            </a:r>
+          </a:p>
+          <a:p>
+            <a:r>
+              <a:rPr lang="ru-RU" sz="2000" dirty="0" smtClean="0">
+                <a:solidFill>
                   <a:schemeClr val="bg1"/>
                 </a:solidFill>
               </a:rPr>
-              <a:t>Гироскоп</a:t>
-            </a:r>
-          </a:p>
-          <a:p>
-            <a:pPr lvl="1"/>
-            <a:r>
-              <a:rPr lang="ru-RU" sz="1600" dirty="0" smtClean="0">
+              <a:t>Аккумулятор (</a:t>
+            </a:r>
+            <a:r>
+              <a:rPr lang="en-US" sz="2000" dirty="0" err="1" smtClean="0">
                 <a:solidFill>
                   <a:schemeClr val="bg1"/>
                 </a:solidFill>
               </a:rPr>
-              <a:t>Барометр</a:t>
-            </a:r>
-          </a:p>
-          <a:p>
-            <a:pPr lvl="1"/>
-            <a:r>
-              <a:rPr lang="ru-RU" sz="1600" dirty="0" smtClean="0">
+              <a:t>LiPo</a:t>
+            </a:r>
+            <a:r>
+              <a:rPr lang="ru-RU" sz="2000" dirty="0" smtClean="0">
                 <a:solidFill>
                   <a:schemeClr val="bg1"/>
                 </a:solidFill>
               </a:rPr>
-              <a:t>Магнетометр</a:t>
-            </a:r>
-            <a:endParaRPr lang="en-US" sz="1600" dirty="0" smtClean="0">
+              <a:t>)</a:t>
+            </a:r>
+            <a:endParaRPr lang="ru-RU" sz="2000" dirty="0">
               <a:solidFill>
                 <a:schemeClr val="bg1"/>
               </a:solidFill>
             </a:endParaRPr>
           </a:p>
-          <a:p>
-            <a:pPr lvl="1"/>
-            <a:r>
-              <a:rPr lang="ru-RU" sz="1600" dirty="0" smtClean="0">
-                <a:solidFill>
-                  <a:schemeClr val="bg1"/>
-                </a:solidFill>
-              </a:rPr>
-              <a:t>Сонар</a:t>
-            </a:r>
-          </a:p>
-          <a:p>
-            <a:pPr lvl="1"/>
-            <a:r>
-              <a:rPr lang="en-US" sz="1600" dirty="0" smtClean="0">
-                <a:solidFill>
-                  <a:schemeClr val="bg1"/>
-                </a:solidFill>
-              </a:rPr>
-              <a:t>GPS</a:t>
-            </a:r>
-            <a:endParaRPr lang="ru-RU" sz="1600" dirty="0" smtClean="0">
+        </p:txBody>
+      </p:sp>
+      <p:grpSp>
+        <p:nvGrpSpPr>
+          <p:cNvPr id="23" name="Группа 22"/>
+          <p:cNvGrpSpPr/>
+          <p:nvPr/>
+        </p:nvGrpSpPr>
+        <p:grpSpPr>
+          <a:xfrm>
+            <a:off x="4211960" y="1628800"/>
+            <a:ext cx="4320480" cy="4320480"/>
+            <a:chOff x="611560" y="1628800"/>
+            <a:chExt cx="4320480" cy="4320480"/>
+          </a:xfrm>
+        </p:grpSpPr>
+        <p:sp>
+          <p:nvSpPr>
+            <p:cNvPr id="15" name="Умножение 14"/>
+            <p:cNvSpPr/>
+            <p:nvPr/>
+          </p:nvSpPr>
+          <p:spPr>
+            <a:xfrm>
+              <a:off x="1187624" y="2204864"/>
+              <a:ext cx="3168352" cy="3168352"/>
+            </a:xfrm>
+            <a:prstGeom prst="mathMultiply">
+              <a:avLst>
+                <a:gd name="adj1" fmla="val 7347"/>
+              </a:avLst>
+            </a:prstGeom>
+            <a:solidFill>
+              <a:srgbClr val="000000">
+                <a:alpha val="69804"/>
+              </a:srgbClr>
+            </a:solidFill>
+            <a:ln w="19050">
+              <a:solidFill>
+                <a:srgbClr val="FF8080"/>
+              </a:solidFill>
+            </a:ln>
+          </p:spPr>
+          <p:style>
+            <a:lnRef idx="2">
+              <a:schemeClr val="accent1">
+                <a:shade val="50000"/>
+              </a:schemeClr>
+            </a:lnRef>
+            <a:fillRef idx="1">
+              <a:schemeClr val="accent1"/>
+            </a:fillRef>
+            <a:effectRef idx="0">
+              <a:schemeClr val="accent1"/>
+            </a:effectRef>
+            <a:fontRef idx="minor">
+              <a:schemeClr val="lt1"/>
+            </a:fontRef>
+          </p:style>
+          <p:txBody>
+            <a:bodyPr rtlCol="0" anchor="ctr"/>
+            <a:lstStyle/>
+            <a:p>
+              <a:pPr algn="ctr"/>
+              <a:endParaRPr lang="ru-RU"/>
+            </a:p>
+          </p:txBody>
+        </p:sp>
+        <p:sp>
+          <p:nvSpPr>
+            <p:cNvPr id="7" name="Круговая стрелка 6"/>
+            <p:cNvSpPr/>
+            <p:nvPr/>
+          </p:nvSpPr>
+          <p:spPr>
+            <a:xfrm>
+              <a:off x="611560" y="1628800"/>
+              <a:ext cx="2160240" cy="2160240"/>
+            </a:xfrm>
+            <a:prstGeom prst="circularArrow">
+              <a:avLst>
+                <a:gd name="adj1" fmla="val 6887"/>
+                <a:gd name="adj2" fmla="val 1142319"/>
+                <a:gd name="adj3" fmla="val 181547"/>
+                <a:gd name="adj4" fmla="val 2314450"/>
+                <a:gd name="adj5" fmla="val 12500"/>
+              </a:avLst>
+            </a:prstGeom>
+            <a:solidFill>
+              <a:srgbClr val="000000">
+                <a:alpha val="69804"/>
+              </a:srgbClr>
+            </a:solidFill>
+            <a:ln w="19050">
               <a:solidFill>
                 <a:schemeClr val="bg1"/>
               </a:solidFill>
-            </a:endParaRPr>
-          </a:p>
-          <a:p>
-            <a:r>
-              <a:rPr lang="ru-RU" sz="2000" dirty="0" smtClean="0">
-                <a:solidFill>
-                  <a:schemeClr val="bg1"/>
-                </a:solidFill>
-              </a:rPr>
-              <a:t>Контроллер</a:t>
-            </a:r>
-          </a:p>
-          <a:p>
-            <a:pPr lvl="1"/>
-            <a:r>
-              <a:rPr lang="ru-RU" sz="1600" dirty="0" smtClean="0">
-                <a:solidFill>
-                  <a:schemeClr val="bg1"/>
-                </a:solidFill>
-              </a:rPr>
-              <a:t>Стабилизация</a:t>
-            </a:r>
-          </a:p>
-          <a:p>
-            <a:pPr lvl="1"/>
-            <a:r>
-              <a:rPr lang="ru-RU" sz="1600" dirty="0" smtClean="0">
-                <a:solidFill>
-                  <a:schemeClr val="bg1"/>
-                </a:solidFill>
-              </a:rPr>
-              <a:t>Коммуникация</a:t>
-            </a:r>
-            <a:endParaRPr lang="ru-RU" sz="1600" dirty="0">
+            </a:ln>
+          </p:spPr>
+          <p:style>
+            <a:lnRef idx="2">
+              <a:schemeClr val="accent1">
+                <a:shade val="50000"/>
+              </a:schemeClr>
+            </a:lnRef>
+            <a:fillRef idx="1">
+              <a:schemeClr val="accent1"/>
+            </a:fillRef>
+            <a:effectRef idx="0">
+              <a:schemeClr val="accent1"/>
+            </a:effectRef>
+            <a:fontRef idx="minor">
+              <a:schemeClr val="lt1"/>
+            </a:fontRef>
+          </p:style>
+          <p:txBody>
+            <a:bodyPr rtlCol="0" anchor="ctr"/>
+            <a:lstStyle/>
+            <a:p>
+              <a:pPr algn="ctr"/>
+              <a:endParaRPr lang="ru-RU">
+                <a:solidFill>
+                  <a:schemeClr val="tx1"/>
+                </a:solidFill>
+              </a:endParaRPr>
+            </a:p>
+          </p:txBody>
+        </p:sp>
+        <p:sp>
+          <p:nvSpPr>
+            <p:cNvPr id="8" name="Круговая стрелка 7"/>
+            <p:cNvSpPr/>
+            <p:nvPr/>
+          </p:nvSpPr>
+          <p:spPr>
+            <a:xfrm>
+              <a:off x="2771800" y="3789040"/>
+              <a:ext cx="2160240" cy="2160240"/>
+            </a:xfrm>
+            <a:prstGeom prst="circularArrow">
+              <a:avLst>
+                <a:gd name="adj1" fmla="val 6887"/>
+                <a:gd name="adj2" fmla="val 1142319"/>
+                <a:gd name="adj3" fmla="val 181547"/>
+                <a:gd name="adj4" fmla="val 2314450"/>
+                <a:gd name="adj5" fmla="val 12500"/>
+              </a:avLst>
+            </a:prstGeom>
+            <a:solidFill>
+              <a:srgbClr val="000000">
+                <a:alpha val="69804"/>
+              </a:srgbClr>
+            </a:solidFill>
+            <a:ln w="19050">
               <a:solidFill>
                 <a:schemeClr val="bg1"/>
               </a:solidFill>
-            </a:endParaRPr>
-          </a:p>
-        </p:txBody>
-      </p:sp>
-      <p:sp>
-        <p:nvSpPr>
-          <p:cNvPr id="7" name="Круговая стрелка 6"/>
-          <p:cNvSpPr/>
-          <p:nvPr/>
-        </p:nvSpPr>
-        <p:spPr>
-          <a:xfrm>
-            <a:off x="611560" y="1628800"/>
-            <a:ext cx="2160240" cy="2160240"/>
-          </a:xfrm>
-          <a:prstGeom prst="circularArrow">
-            <a:avLst>
-              <a:gd name="adj1" fmla="val 6887"/>
-              <a:gd name="adj2" fmla="val 1142319"/>
-              <a:gd name="adj3" fmla="val 181547"/>
-              <a:gd name="adj4" fmla="val 2314450"/>
-              <a:gd name="adj5" fmla="val 12500"/>
-            </a:avLst>
-          </a:prstGeom>
-          <a:solidFill>
-            <a:srgbClr val="000000">
-              <a:alpha val="69804"/>
-            </a:srgbClr>
-          </a:solidFill>
-          <a:ln w="12700">
+            </a:ln>
+          </p:spPr>
+          <p:style>
+            <a:lnRef idx="2">
+              <a:schemeClr val="accent1">
+                <a:shade val="50000"/>
+              </a:schemeClr>
+            </a:lnRef>
+            <a:fillRef idx="1">
+              <a:schemeClr val="accent1"/>
+            </a:fillRef>
+            <a:effectRef idx="0">
+              <a:schemeClr val="accent1"/>
+            </a:effectRef>
+            <a:fontRef idx="minor">
+              <a:schemeClr val="lt1"/>
+            </a:fontRef>
+          </p:style>
+          <p:txBody>
+            <a:bodyPr rtlCol="0" anchor="ctr"/>
+            <a:lstStyle/>
+            <a:p>
+              <a:pPr algn="ctr"/>
+              <a:endParaRPr lang="ru-RU">
+                <a:solidFill>
+                  <a:schemeClr val="tx1"/>
+                </a:solidFill>
+              </a:endParaRPr>
+            </a:p>
+          </p:txBody>
+        </p:sp>
+        <p:sp>
+          <p:nvSpPr>
+            <p:cNvPr id="9" name="Круговая стрелка 8"/>
+            <p:cNvSpPr/>
+            <p:nvPr/>
+          </p:nvSpPr>
+          <p:spPr>
+            <a:xfrm flipH="1">
+              <a:off x="2771800" y="1628800"/>
+              <a:ext cx="2160240" cy="2160240"/>
+            </a:xfrm>
+            <a:prstGeom prst="circularArrow">
+              <a:avLst>
+                <a:gd name="adj1" fmla="val 6887"/>
+                <a:gd name="adj2" fmla="val 1142319"/>
+                <a:gd name="adj3" fmla="val 181547"/>
+                <a:gd name="adj4" fmla="val 2314450"/>
+                <a:gd name="adj5" fmla="val 12500"/>
+              </a:avLst>
+            </a:prstGeom>
             <a:solidFill>
-              <a:schemeClr val="bg1"/>
+              <a:srgbClr val="000000">
+                <a:alpha val="69804"/>
+              </a:srgbClr>
             </a:solidFill>
-          </a:ln>
-        </p:spPr>
-        <p:style>
-          <a:lnRef idx="2">
-            <a:schemeClr val="accent1">
-              <a:shade val="50000"/>
-            </a:schemeClr>
-          </a:lnRef>
-          <a:fillRef idx="1">
-            <a:schemeClr val="accent1"/>
-          </a:fillRef>
-          <a:effectRef idx="0">
-            <a:schemeClr val="accent1"/>
-          </a:effectRef>
-          <a:fontRef idx="minor">
-            <a:schemeClr val="lt1"/>
-          </a:fontRef>
-        </p:style>
-        <p:txBody>
-          <a:bodyPr rtlCol="0" anchor="ctr"/>
-          <a:lstStyle/>
-          <a:p>
-            <a:pPr algn="ctr"/>
-            <a:endParaRPr lang="ru-RU">
-              <a:solidFill>
-                <a:schemeClr val="tx1"/>
-              </a:solidFill>
-            </a:endParaRPr>
-          </a:p>
-        </p:txBody>
-      </p:sp>
-      <p:sp>
-        <p:nvSpPr>
-          <p:cNvPr id="8" name="Круговая стрелка 7"/>
-          <p:cNvSpPr/>
-          <p:nvPr/>
-        </p:nvSpPr>
-        <p:spPr>
-          <a:xfrm>
-            <a:off x="2771800" y="3789040"/>
-            <a:ext cx="2160240" cy="2160240"/>
-          </a:xfrm>
-          <a:prstGeom prst="circularArrow">
-            <a:avLst>
-              <a:gd name="adj1" fmla="val 6887"/>
-              <a:gd name="adj2" fmla="val 1142319"/>
-              <a:gd name="adj3" fmla="val 181547"/>
-              <a:gd name="adj4" fmla="val 2314450"/>
-              <a:gd name="adj5" fmla="val 12500"/>
-            </a:avLst>
-          </a:prstGeom>
-          <a:solidFill>
-            <a:srgbClr val="000000">
-              <a:alpha val="69804"/>
-            </a:srgbClr>
-          </a:solidFill>
-          <a:ln w="12700">
-            <a:solidFill>
-              <a:schemeClr val="bg1"/>
-            </a:solidFill>
-          </a:ln>
-        </p:spPr>
-        <p:style>
-          <a:lnRef idx="2">
-            <a:schemeClr val="accent1">
-              <a:shade val="50000"/>
-            </a:schemeClr>
-          </a:lnRef>
-          <a:fillRef idx="1">
-            <a:schemeClr val="accent1"/>
-          </a:fillRef>
-          <a:effectRef idx="0">
-            <a:schemeClr val="accent1"/>
-          </a:effectRef>
-          <a:fontRef idx="minor">
-            <a:schemeClr val="lt1"/>
-          </a:fontRef>
-        </p:style>
-        <p:txBody>
-          <a:bodyPr rtlCol="0" anchor="ctr"/>
-          <a:lstStyle/>
-          <a:p>
-            <a:pPr algn="ctr"/>
-            <a:endParaRPr lang="ru-RU">
-              <a:solidFill>
-                <a:schemeClr val="tx1"/>
-              </a:solidFill>
-            </a:endParaRPr>
-          </a:p>
-        </p:txBody>
-      </p:sp>
-      <p:sp>
-        <p:nvSpPr>
-          <p:cNvPr id="9" name="Круговая стрелка 8"/>
-          <p:cNvSpPr/>
-          <p:nvPr/>
-        </p:nvSpPr>
-        <p:spPr>
-          <a:xfrm flipH="1">
-            <a:off x="2771800" y="1628800"/>
-            <a:ext cx="2160240" cy="2160240"/>
-          </a:xfrm>
-          <a:prstGeom prst="circularArrow">
-            <a:avLst>
-              <a:gd name="adj1" fmla="val 6887"/>
-              <a:gd name="adj2" fmla="val 1142319"/>
-              <a:gd name="adj3" fmla="val 181547"/>
-              <a:gd name="adj4" fmla="val 2314450"/>
-              <a:gd name="adj5" fmla="val 12500"/>
-            </a:avLst>
-          </a:prstGeom>
-          <a:solidFill>
-            <a:srgbClr val="000000">
-              <a:alpha val="69804"/>
-            </a:srgbClr>
-          </a:solidFill>
-          <a:ln w="12700">
-            <a:solidFill>
-              <a:schemeClr val="bg1"/>
-            </a:solidFill>
-          </a:ln>
-        </p:spPr>
-        <p:style>
-          <a:lnRef idx="2">
-            <a:schemeClr val="accent1">
-              <a:shade val="50000"/>
-            </a:schemeClr>
-          </a:lnRef>
-          <a:fillRef idx="1">
-            <a:schemeClr val="accent1"/>
-          </a:fillRef>
-          <a:effectRef idx="0">
-            <a:schemeClr val="accent1"/>
-          </a:effectRef>
-          <a:fontRef idx="minor">
-            <a:schemeClr val="lt1"/>
-          </a:fontRef>
-        </p:style>
-        <p:txBody>
-          <a:bodyPr rtlCol="0" anchor="ctr"/>
-          <a:lstStyle/>
-          <a:p>
-            <a:pPr algn="ctr"/>
-            <a:endParaRPr lang="ru-RU">
-              <a:solidFill>
-                <a:schemeClr val="tx1"/>
-              </a:solidFill>
-            </a:endParaRPr>
-          </a:p>
-        </p:txBody>
-      </p:sp>
-      <p:sp>
-        <p:nvSpPr>
-          <p:cNvPr id="10" name="Круговая стрелка 9"/>
-          <p:cNvSpPr/>
-          <p:nvPr/>
-        </p:nvSpPr>
-        <p:spPr>
-          <a:xfrm flipH="1">
-            <a:off x="611560" y="3789040"/>
-            <a:ext cx="2160240" cy="2160240"/>
-          </a:xfrm>
-          <a:prstGeom prst="circularArrow">
-            <a:avLst>
-              <a:gd name="adj1" fmla="val 6887"/>
-              <a:gd name="adj2" fmla="val 1142319"/>
-              <a:gd name="adj3" fmla="val 181547"/>
-              <a:gd name="adj4" fmla="val 2314450"/>
-              <a:gd name="adj5" fmla="val 12500"/>
-            </a:avLst>
-          </a:prstGeom>
-          <a:solidFill>
-            <a:srgbClr val="000000">
-              <a:alpha val="69804"/>
-            </a:srgbClr>
-          </a:solidFill>
-          <a:ln w="12700">
-            <a:solidFill>
-              <a:schemeClr val="bg1"/>
-            </a:solidFill>
-          </a:ln>
-        </p:spPr>
-        <p:style>
-          <a:lnRef idx="2">
-            <a:schemeClr val="accent1">
-              <a:shade val="50000"/>
-            </a:schemeClr>
-          </a:lnRef>
-          <a:fillRef idx="1">
-            <a:schemeClr val="accent1"/>
-          </a:fillRef>
-          <a:effectRef idx="0">
-            <a:schemeClr val="accent1"/>
-          </a:effectRef>
-          <a:fontRef idx="minor">
-            <a:schemeClr val="lt1"/>
-          </a:fontRef>
-        </p:style>
-        <p:txBody>
-          <a:bodyPr rtlCol="0" anchor="ctr"/>
-          <a:lstStyle/>
-          <a:p>
-            <a:pPr algn="ctr"/>
-            <a:endParaRPr lang="ru-RU">
-              <a:solidFill>
-                <a:schemeClr val="tx1"/>
-              </a:solidFill>
-            </a:endParaRPr>
-          </a:p>
-        </p:txBody>
-      </p:sp>
-      <p:sp>
-        <p:nvSpPr>
-          <p:cNvPr id="11" name="Овал 10"/>
-          <p:cNvSpPr/>
-          <p:nvPr/>
-        </p:nvSpPr>
-        <p:spPr>
-          <a:xfrm>
-            <a:off x="1331640" y="2348880"/>
-            <a:ext cx="720080" cy="720080"/>
-          </a:xfrm>
-          <a:prstGeom prst="ellipse">
-            <a:avLst/>
-          </a:prstGeom>
-          <a:solidFill>
-            <a:srgbClr val="000000">
-              <a:alpha val="69804"/>
-            </a:srgbClr>
-          </a:solidFill>
-          <a:ln w="12700">
-            <a:solidFill>
-              <a:srgbClr val="80FF80"/>
-            </a:solidFill>
-          </a:ln>
-        </p:spPr>
-        <p:style>
-          <a:lnRef idx="2">
-            <a:schemeClr val="accent1">
-              <a:shade val="50000"/>
-            </a:schemeClr>
-          </a:lnRef>
-          <a:fillRef idx="1">
-            <a:schemeClr val="accent1"/>
-          </a:fillRef>
-          <a:effectRef idx="0">
-            <a:schemeClr val="accent1"/>
-          </a:effectRef>
-          <a:fontRef idx="minor">
-            <a:schemeClr val="lt1"/>
-          </a:fontRef>
-        </p:style>
-        <p:txBody>
-          <a:bodyPr rtlCol="0" anchor="ctr"/>
-          <a:lstStyle/>
-          <a:p>
-            <a:pPr algn="ctr"/>
-            <a:endParaRPr lang="ru-RU"/>
-          </a:p>
-        </p:txBody>
-      </p:sp>
-      <p:sp>
-        <p:nvSpPr>
-          <p:cNvPr id="12" name="Овал 11"/>
-          <p:cNvSpPr/>
-          <p:nvPr/>
-        </p:nvSpPr>
-        <p:spPr>
-          <a:xfrm>
-            <a:off x="1331640" y="4509120"/>
-            <a:ext cx="720080" cy="720080"/>
-          </a:xfrm>
-          <a:prstGeom prst="ellipse">
-            <a:avLst/>
-          </a:prstGeom>
-          <a:solidFill>
-            <a:srgbClr val="000000">
-              <a:alpha val="69804"/>
-            </a:srgbClr>
-          </a:solidFill>
-          <a:ln w="12700">
-            <a:solidFill>
-              <a:srgbClr val="80FF80"/>
-            </a:solidFill>
-          </a:ln>
-        </p:spPr>
-        <p:style>
-          <a:lnRef idx="2">
-            <a:schemeClr val="accent1">
-              <a:shade val="50000"/>
-            </a:schemeClr>
-          </a:lnRef>
-          <a:fillRef idx="1">
-            <a:schemeClr val="accent1"/>
-          </a:fillRef>
-          <a:effectRef idx="0">
-            <a:schemeClr val="accent1"/>
-          </a:effectRef>
-          <a:fontRef idx="minor">
-            <a:schemeClr val="lt1"/>
-          </a:fontRef>
-        </p:style>
-        <p:txBody>
-          <a:bodyPr rtlCol="0" anchor="ctr"/>
-          <a:lstStyle/>
-          <a:p>
-            <a:pPr algn="ctr"/>
-            <a:endParaRPr lang="ru-RU"/>
-          </a:p>
-        </p:txBody>
-      </p:sp>
-      <p:sp>
-        <p:nvSpPr>
-          <p:cNvPr id="13" name="Овал 12"/>
-          <p:cNvSpPr/>
-          <p:nvPr/>
-        </p:nvSpPr>
-        <p:spPr>
-          <a:xfrm>
-            <a:off x="3491880" y="4509120"/>
-            <a:ext cx="720080" cy="720080"/>
-          </a:xfrm>
-          <a:prstGeom prst="ellipse">
-            <a:avLst/>
-          </a:prstGeom>
-          <a:solidFill>
-            <a:srgbClr val="000000">
-              <a:alpha val="69804"/>
-            </a:srgbClr>
-          </a:solidFill>
-          <a:ln w="12700">
-            <a:solidFill>
-              <a:srgbClr val="80FF80"/>
-            </a:solidFill>
-          </a:ln>
-        </p:spPr>
-        <p:style>
-          <a:lnRef idx="2">
-            <a:schemeClr val="accent1">
-              <a:shade val="50000"/>
-            </a:schemeClr>
-          </a:lnRef>
-          <a:fillRef idx="1">
-            <a:schemeClr val="accent1"/>
-          </a:fillRef>
-          <a:effectRef idx="0">
-            <a:schemeClr val="accent1"/>
-          </a:effectRef>
-          <a:fontRef idx="minor">
-            <a:schemeClr val="lt1"/>
-          </a:fontRef>
-        </p:style>
-        <p:txBody>
-          <a:bodyPr rtlCol="0" anchor="ctr"/>
-          <a:lstStyle/>
-          <a:p>
-            <a:pPr algn="ctr"/>
-            <a:endParaRPr lang="ru-RU"/>
-          </a:p>
-        </p:txBody>
-      </p:sp>
-      <p:sp>
-        <p:nvSpPr>
-          <p:cNvPr id="14" name="Овал 13"/>
-          <p:cNvSpPr/>
-          <p:nvPr/>
-        </p:nvSpPr>
-        <p:spPr>
-          <a:xfrm>
-            <a:off x="3491880" y="2348880"/>
-            <a:ext cx="720080" cy="720080"/>
-          </a:xfrm>
-          <a:prstGeom prst="ellipse">
-            <a:avLst/>
-          </a:prstGeom>
-          <a:solidFill>
-            <a:srgbClr val="000000">
-              <a:alpha val="69804"/>
-            </a:srgbClr>
-          </a:solidFill>
-          <a:ln w="12700">
-            <a:solidFill>
-              <a:srgbClr val="80FF80"/>
-            </a:solidFill>
-          </a:ln>
-        </p:spPr>
-        <p:style>
-          <a:lnRef idx="2">
-            <a:schemeClr val="accent1">
-              <a:shade val="50000"/>
-            </a:schemeClr>
-          </a:lnRef>
-          <a:fillRef idx="1">
-            <a:schemeClr val="accent1"/>
-          </a:fillRef>
-          <a:effectRef idx="0">
-            <a:schemeClr val="accent1"/>
-          </a:effectRef>
-          <a:fontRef idx="minor">
-            <a:schemeClr val="lt1"/>
-          </a:fontRef>
-        </p:style>
-        <p:txBody>
-          <a:bodyPr rtlCol="0" anchor="ctr"/>
-          <a:lstStyle/>
-          <a:p>
-            <a:pPr algn="ctr"/>
-            <a:endParaRPr lang="ru-RU"/>
-          </a:p>
-        </p:txBody>
-      </p:sp>
-      <p:sp>
-        <p:nvSpPr>
-          <p:cNvPr id="16" name="Прямоугольник 15"/>
-          <p:cNvSpPr/>
-          <p:nvPr/>
-        </p:nvSpPr>
-        <p:spPr>
-          <a:xfrm>
-            <a:off x="2483768" y="3501008"/>
-            <a:ext cx="576064" cy="576064"/>
-          </a:xfrm>
-          <a:prstGeom prst="rect">
-            <a:avLst/>
-          </a:prstGeom>
-          <a:solidFill>
-            <a:srgbClr val="640000">
-              <a:alpha val="49804"/>
-            </a:srgbClr>
-          </a:solidFill>
-          <a:ln w="12700">
-            <a:solidFill>
-              <a:srgbClr val="FF8080"/>
-            </a:solidFill>
-          </a:ln>
-        </p:spPr>
-        <p:style>
-          <a:lnRef idx="3">
-            <a:schemeClr val="lt1"/>
-          </a:lnRef>
-          <a:fillRef idx="1">
-            <a:schemeClr val="accent1"/>
-          </a:fillRef>
-          <a:effectRef idx="1">
-            <a:schemeClr val="accent1"/>
-          </a:effectRef>
-          <a:fontRef idx="minor">
-            <a:schemeClr val="lt1"/>
-          </a:fontRef>
-        </p:style>
-        <p:txBody>
-          <a:bodyPr rtlCol="0" anchor="ctr"/>
-          <a:lstStyle/>
-          <a:p>
-            <a:pPr algn="ctr"/>
-            <a:endParaRPr lang="ru-RU" sz="2400" dirty="0">
+            <a:ln w="19050">
               <a:solidFill>
                 <a:schemeClr val="bg1"/>
               </a:solidFill>
-            </a:endParaRPr>
-          </a:p>
-        </p:txBody>
-      </p:sp>
-      <p:sp>
-        <p:nvSpPr>
-          <p:cNvPr id="17" name="Овал 16"/>
-          <p:cNvSpPr/>
-          <p:nvPr/>
-        </p:nvSpPr>
-        <p:spPr>
-          <a:xfrm>
-            <a:off x="3707904" y="2564904"/>
-            <a:ext cx="288032" cy="288032"/>
-          </a:xfrm>
-          <a:prstGeom prst="ellipse">
-            <a:avLst/>
-          </a:prstGeom>
-          <a:solidFill>
-            <a:srgbClr val="000000">
-              <a:alpha val="69804"/>
-            </a:srgbClr>
-          </a:solidFill>
-          <a:ln w="12700">
+            </a:ln>
+          </p:spPr>
+          <p:style>
+            <a:lnRef idx="2">
+              <a:schemeClr val="accent1">
+                <a:shade val="50000"/>
+              </a:schemeClr>
+            </a:lnRef>
+            <a:fillRef idx="1">
+              <a:schemeClr val="accent1"/>
+            </a:fillRef>
+            <a:effectRef idx="0">
+              <a:schemeClr val="accent1"/>
+            </a:effectRef>
+            <a:fontRef idx="minor">
+              <a:schemeClr val="lt1"/>
+            </a:fontRef>
+          </p:style>
+          <p:txBody>
+            <a:bodyPr rtlCol="0" anchor="ctr"/>
+            <a:lstStyle/>
+            <a:p>
+              <a:pPr algn="ctr"/>
+              <a:endParaRPr lang="ru-RU">
+                <a:solidFill>
+                  <a:schemeClr val="tx1"/>
+                </a:solidFill>
+              </a:endParaRPr>
+            </a:p>
+          </p:txBody>
+        </p:sp>
+        <p:sp>
+          <p:nvSpPr>
+            <p:cNvPr id="10" name="Круговая стрелка 9"/>
+            <p:cNvSpPr/>
+            <p:nvPr/>
+          </p:nvSpPr>
+          <p:spPr>
+            <a:xfrm flipH="1">
+              <a:off x="611560" y="3789040"/>
+              <a:ext cx="2160240" cy="2160240"/>
+            </a:xfrm>
+            <a:prstGeom prst="circularArrow">
+              <a:avLst>
+                <a:gd name="adj1" fmla="val 6887"/>
+                <a:gd name="adj2" fmla="val 1142319"/>
+                <a:gd name="adj3" fmla="val 181547"/>
+                <a:gd name="adj4" fmla="val 2314450"/>
+                <a:gd name="adj5" fmla="val 12500"/>
+              </a:avLst>
+            </a:prstGeom>
             <a:solidFill>
-              <a:srgbClr val="80FF80"/>
+              <a:srgbClr val="000000">
+                <a:alpha val="69804"/>
+              </a:srgbClr>
             </a:solidFill>
-          </a:ln>
-        </p:spPr>
-        <p:style>
-          <a:lnRef idx="2">
-            <a:schemeClr val="accent1">
-              <a:shade val="50000"/>
-            </a:schemeClr>
-          </a:lnRef>
-          <a:fillRef idx="1">
-            <a:schemeClr val="accent1"/>
-          </a:fillRef>
-          <a:effectRef idx="0">
-            <a:schemeClr val="accent1"/>
-          </a:effectRef>
-          <a:fontRef idx="minor">
-            <a:schemeClr val="lt1"/>
-          </a:fontRef>
-        </p:style>
-        <p:txBody>
-          <a:bodyPr rtlCol="0" anchor="ctr"/>
-          <a:lstStyle/>
-          <a:p>
-            <a:pPr algn="ctr"/>
-            <a:endParaRPr lang="ru-RU"/>
-          </a:p>
-        </p:txBody>
-      </p:sp>
-      <p:sp>
-        <p:nvSpPr>
-          <p:cNvPr id="18" name="Овал 17"/>
-          <p:cNvSpPr/>
-          <p:nvPr/>
-        </p:nvSpPr>
-        <p:spPr>
-          <a:xfrm>
-            <a:off x="1547664" y="2564904"/>
-            <a:ext cx="288032" cy="288032"/>
-          </a:xfrm>
-          <a:prstGeom prst="ellipse">
-            <a:avLst/>
-          </a:prstGeom>
-          <a:solidFill>
-            <a:srgbClr val="000000">
-              <a:alpha val="69804"/>
-            </a:srgbClr>
-          </a:solidFill>
-          <a:ln w="12700">
+            <a:ln w="19050">
+              <a:solidFill>
+                <a:schemeClr val="bg1"/>
+              </a:solidFill>
+            </a:ln>
+          </p:spPr>
+          <p:style>
+            <a:lnRef idx="2">
+              <a:schemeClr val="accent1">
+                <a:shade val="50000"/>
+              </a:schemeClr>
+            </a:lnRef>
+            <a:fillRef idx="1">
+              <a:schemeClr val="accent1"/>
+            </a:fillRef>
+            <a:effectRef idx="0">
+              <a:schemeClr val="accent1"/>
+            </a:effectRef>
+            <a:fontRef idx="minor">
+              <a:schemeClr val="lt1"/>
+            </a:fontRef>
+          </p:style>
+          <p:txBody>
+            <a:bodyPr rtlCol="0" anchor="ctr"/>
+            <a:lstStyle/>
+            <a:p>
+              <a:pPr algn="ctr"/>
+              <a:endParaRPr lang="ru-RU">
+                <a:solidFill>
+                  <a:schemeClr val="tx1"/>
+                </a:solidFill>
+              </a:endParaRPr>
+            </a:p>
+          </p:txBody>
+        </p:sp>
+        <p:sp>
+          <p:nvSpPr>
+            <p:cNvPr id="11" name="Овал 10"/>
+            <p:cNvSpPr/>
+            <p:nvPr/>
+          </p:nvSpPr>
+          <p:spPr>
+            <a:xfrm>
+              <a:off x="1331640" y="2348880"/>
+              <a:ext cx="720080" cy="720080"/>
+            </a:xfrm>
+            <a:prstGeom prst="ellipse">
+              <a:avLst/>
+            </a:prstGeom>
             <a:solidFill>
-              <a:srgbClr val="80FF80"/>
+              <a:srgbClr val="000000">
+                <a:alpha val="69804"/>
+              </a:srgbClr>
             </a:solidFill>
-          </a:ln>
-        </p:spPr>
-        <p:style>
-          <a:lnRef idx="2">
-            <a:schemeClr val="accent1">
-              <a:shade val="50000"/>
-            </a:schemeClr>
-          </a:lnRef>
-          <a:fillRef idx="1">
-            <a:schemeClr val="accent1"/>
-          </a:fillRef>
-          <a:effectRef idx="0">
-            <a:schemeClr val="accent1"/>
-          </a:effectRef>
-          <a:fontRef idx="minor">
-            <a:schemeClr val="lt1"/>
-          </a:fontRef>
-        </p:style>
-        <p:txBody>
-          <a:bodyPr rtlCol="0" anchor="ctr"/>
-          <a:lstStyle/>
-          <a:p>
-            <a:pPr algn="ctr"/>
-            <a:endParaRPr lang="ru-RU"/>
-          </a:p>
-        </p:txBody>
-      </p:sp>
-      <p:sp>
-        <p:nvSpPr>
-          <p:cNvPr id="19" name="Овал 18"/>
-          <p:cNvSpPr/>
-          <p:nvPr/>
-        </p:nvSpPr>
-        <p:spPr>
-          <a:xfrm>
-            <a:off x="1547664" y="4725144"/>
-            <a:ext cx="288032" cy="288032"/>
-          </a:xfrm>
-          <a:prstGeom prst="ellipse">
-            <a:avLst/>
-          </a:prstGeom>
-          <a:solidFill>
-            <a:srgbClr val="000000">
-              <a:alpha val="69804"/>
-            </a:srgbClr>
-          </a:solidFill>
-          <a:ln w="12700">
+            <a:ln w="19050">
+              <a:solidFill>
+                <a:srgbClr val="80FF80"/>
+              </a:solidFill>
+            </a:ln>
+          </p:spPr>
+          <p:style>
+            <a:lnRef idx="2">
+              <a:schemeClr val="accent1">
+                <a:shade val="50000"/>
+              </a:schemeClr>
+            </a:lnRef>
+            <a:fillRef idx="1">
+              <a:schemeClr val="accent1"/>
+            </a:fillRef>
+            <a:effectRef idx="0">
+              <a:schemeClr val="accent1"/>
+            </a:effectRef>
+            <a:fontRef idx="minor">
+              <a:schemeClr val="lt1"/>
+            </a:fontRef>
+          </p:style>
+          <p:txBody>
+            <a:bodyPr rtlCol="0" anchor="ctr"/>
+            <a:lstStyle/>
+            <a:p>
+              <a:pPr algn="ctr"/>
+              <a:endParaRPr lang="ru-RU"/>
+            </a:p>
+          </p:txBody>
+        </p:sp>
+        <p:sp>
+          <p:nvSpPr>
+            <p:cNvPr id="12" name="Овал 11"/>
+            <p:cNvSpPr/>
+            <p:nvPr/>
+          </p:nvSpPr>
+          <p:spPr>
+            <a:xfrm>
+              <a:off x="1331640" y="4509120"/>
+              <a:ext cx="720080" cy="720080"/>
+            </a:xfrm>
+            <a:prstGeom prst="ellipse">
+              <a:avLst/>
+            </a:prstGeom>
             <a:solidFill>
-              <a:srgbClr val="80FF80"/>
+              <a:srgbClr val="000000">
+                <a:alpha val="69804"/>
+              </a:srgbClr>
             </a:solidFill>
-          </a:ln>
-        </p:spPr>
-        <p:style>
-          <a:lnRef idx="2">
-            <a:schemeClr val="accent1">
-              <a:shade val="50000"/>
-            </a:schemeClr>
-          </a:lnRef>
-          <a:fillRef idx="1">
-            <a:schemeClr val="accent1"/>
-          </a:fillRef>
-          <a:effectRef idx="0">
-            <a:schemeClr val="accent1"/>
-          </a:effectRef>
-          <a:fontRef idx="minor">
-            <a:schemeClr val="lt1"/>
-          </a:fontRef>
-        </p:style>
-        <p:txBody>
-          <a:bodyPr rtlCol="0" anchor="ctr"/>
-          <a:lstStyle/>
-          <a:p>
-            <a:pPr algn="ctr"/>
-            <a:endParaRPr lang="ru-RU"/>
-          </a:p>
-        </p:txBody>
-      </p:sp>
-      <p:sp>
-        <p:nvSpPr>
-          <p:cNvPr id="20" name="Овал 19"/>
-          <p:cNvSpPr/>
-          <p:nvPr/>
-        </p:nvSpPr>
-        <p:spPr>
-          <a:xfrm>
-            <a:off x="3707904" y="4725144"/>
-            <a:ext cx="288032" cy="288032"/>
-          </a:xfrm>
-          <a:prstGeom prst="ellipse">
-            <a:avLst/>
-          </a:prstGeom>
-          <a:solidFill>
-            <a:srgbClr val="000000">
-              <a:alpha val="69804"/>
-            </a:srgbClr>
-          </a:solidFill>
-          <a:ln w="12700">
+            <a:ln w="19050">
+              <a:solidFill>
+                <a:srgbClr val="80FF80"/>
+              </a:solidFill>
+            </a:ln>
+          </p:spPr>
+          <p:style>
+            <a:lnRef idx="2">
+              <a:schemeClr val="accent1">
+                <a:shade val="50000"/>
+              </a:schemeClr>
+            </a:lnRef>
+            <a:fillRef idx="1">
+              <a:schemeClr val="accent1"/>
+            </a:fillRef>
+            <a:effectRef idx="0">
+              <a:schemeClr val="accent1"/>
+            </a:effectRef>
+            <a:fontRef idx="minor">
+              <a:schemeClr val="lt1"/>
+            </a:fontRef>
+          </p:style>
+          <p:txBody>
+            <a:bodyPr rtlCol="0" anchor="ctr"/>
+            <a:lstStyle/>
+            <a:p>
+              <a:pPr algn="ctr"/>
+              <a:endParaRPr lang="ru-RU"/>
+            </a:p>
+          </p:txBody>
+        </p:sp>
+        <p:sp>
+          <p:nvSpPr>
+            <p:cNvPr id="13" name="Овал 12"/>
+            <p:cNvSpPr/>
+            <p:nvPr/>
+          </p:nvSpPr>
+          <p:spPr>
+            <a:xfrm>
+              <a:off x="3491880" y="4509120"/>
+              <a:ext cx="720080" cy="720080"/>
+            </a:xfrm>
+            <a:prstGeom prst="ellipse">
+              <a:avLst/>
+            </a:prstGeom>
             <a:solidFill>
-              <a:srgbClr val="80FF80"/>
+              <a:srgbClr val="000000">
+                <a:alpha val="69804"/>
+              </a:srgbClr>
             </a:solidFill>
-          </a:ln>
-        </p:spPr>
-        <p:style>
-          <a:lnRef idx="2">
-            <a:schemeClr val="accent1">
-              <a:shade val="50000"/>
-            </a:schemeClr>
-          </a:lnRef>
-          <a:fillRef idx="1">
-            <a:schemeClr val="accent1"/>
-          </a:fillRef>
-          <a:effectRef idx="0">
-            <a:schemeClr val="accent1"/>
-          </a:effectRef>
-          <a:fontRef idx="minor">
-            <a:schemeClr val="lt1"/>
-          </a:fontRef>
-        </p:style>
-        <p:txBody>
-          <a:bodyPr rtlCol="0" anchor="ctr"/>
-          <a:lstStyle/>
-          <a:p>
-            <a:pPr algn="ctr"/>
-            <a:endParaRPr lang="ru-RU"/>
-          </a:p>
-        </p:txBody>
-      </p:sp>
+            <a:ln w="19050">
+              <a:solidFill>
+                <a:srgbClr val="80FF80"/>
+              </a:solidFill>
+            </a:ln>
+          </p:spPr>
+          <p:style>
+            <a:lnRef idx="2">
+              <a:schemeClr val="accent1">
+                <a:shade val="50000"/>
+              </a:schemeClr>
+            </a:lnRef>
+            <a:fillRef idx="1">
+              <a:schemeClr val="accent1"/>
+            </a:fillRef>
+            <a:effectRef idx="0">
+              <a:schemeClr val="accent1"/>
+            </a:effectRef>
+            <a:fontRef idx="minor">
+              <a:schemeClr val="lt1"/>
+            </a:fontRef>
+          </p:style>
+          <p:txBody>
+            <a:bodyPr rtlCol="0" anchor="ctr"/>
+            <a:lstStyle/>
+            <a:p>
+              <a:pPr algn="ctr"/>
+              <a:endParaRPr lang="ru-RU"/>
+            </a:p>
+          </p:txBody>
+        </p:sp>
+        <p:sp>
+          <p:nvSpPr>
+            <p:cNvPr id="14" name="Овал 13"/>
+            <p:cNvSpPr/>
+            <p:nvPr/>
+          </p:nvSpPr>
+          <p:spPr>
+            <a:xfrm>
+              <a:off x="3491880" y="2348880"/>
+              <a:ext cx="720080" cy="720080"/>
+            </a:xfrm>
+            <a:prstGeom prst="ellipse">
+              <a:avLst/>
+            </a:prstGeom>
+            <a:solidFill>
+              <a:srgbClr val="000000">
+                <a:alpha val="69804"/>
+              </a:srgbClr>
+            </a:solidFill>
+            <a:ln w="19050">
+              <a:solidFill>
+                <a:srgbClr val="80FF80"/>
+              </a:solidFill>
+            </a:ln>
+          </p:spPr>
+          <p:style>
+            <a:lnRef idx="2">
+              <a:schemeClr val="accent1">
+                <a:shade val="50000"/>
+              </a:schemeClr>
+            </a:lnRef>
+            <a:fillRef idx="1">
+              <a:schemeClr val="accent1"/>
+            </a:fillRef>
+            <a:effectRef idx="0">
+              <a:schemeClr val="accent1"/>
+            </a:effectRef>
+            <a:fontRef idx="minor">
+              <a:schemeClr val="lt1"/>
+            </a:fontRef>
+          </p:style>
+          <p:txBody>
+            <a:bodyPr rtlCol="0" anchor="ctr"/>
+            <a:lstStyle/>
+            <a:p>
+              <a:pPr algn="ctr"/>
+              <a:endParaRPr lang="ru-RU"/>
+            </a:p>
+          </p:txBody>
+        </p:sp>
+        <p:sp>
+          <p:nvSpPr>
+            <p:cNvPr id="17" name="Овал 16"/>
+            <p:cNvSpPr/>
+            <p:nvPr/>
+          </p:nvSpPr>
+          <p:spPr>
+            <a:xfrm>
+              <a:off x="3707904" y="2564904"/>
+              <a:ext cx="288032" cy="288032"/>
+            </a:xfrm>
+            <a:prstGeom prst="ellipse">
+              <a:avLst/>
+            </a:prstGeom>
+            <a:solidFill>
+              <a:srgbClr val="000000">
+                <a:alpha val="69804"/>
+              </a:srgbClr>
+            </a:solidFill>
+            <a:ln w="19050">
+              <a:solidFill>
+                <a:srgbClr val="80FF80"/>
+              </a:solidFill>
+            </a:ln>
+          </p:spPr>
+          <p:style>
+            <a:lnRef idx="2">
+              <a:schemeClr val="accent1">
+                <a:shade val="50000"/>
+              </a:schemeClr>
+            </a:lnRef>
+            <a:fillRef idx="1">
+              <a:schemeClr val="accent1"/>
+            </a:fillRef>
+            <a:effectRef idx="0">
+              <a:schemeClr val="accent1"/>
+            </a:effectRef>
+            <a:fontRef idx="minor">
+              <a:schemeClr val="lt1"/>
+            </a:fontRef>
+          </p:style>
+          <p:txBody>
+            <a:bodyPr rtlCol="0" anchor="ctr"/>
+            <a:lstStyle/>
+            <a:p>
+              <a:pPr algn="ctr"/>
+              <a:endParaRPr lang="ru-RU"/>
+            </a:p>
+          </p:txBody>
+        </p:sp>
+        <p:sp>
+          <p:nvSpPr>
+            <p:cNvPr id="18" name="Овал 17"/>
+            <p:cNvSpPr/>
+            <p:nvPr/>
+          </p:nvSpPr>
+          <p:spPr>
+            <a:xfrm>
+              <a:off x="1547664" y="2564904"/>
+              <a:ext cx="288032" cy="288032"/>
+            </a:xfrm>
+            <a:prstGeom prst="ellipse">
+              <a:avLst/>
+            </a:prstGeom>
+            <a:solidFill>
+              <a:srgbClr val="000000">
+                <a:alpha val="69804"/>
+              </a:srgbClr>
+            </a:solidFill>
+            <a:ln w="19050">
+              <a:solidFill>
+                <a:srgbClr val="80FF80"/>
+              </a:solidFill>
+            </a:ln>
+          </p:spPr>
+          <p:style>
+            <a:lnRef idx="2">
+              <a:schemeClr val="accent1">
+                <a:shade val="50000"/>
+              </a:schemeClr>
+            </a:lnRef>
+            <a:fillRef idx="1">
+              <a:schemeClr val="accent1"/>
+            </a:fillRef>
+            <a:effectRef idx="0">
+              <a:schemeClr val="accent1"/>
+            </a:effectRef>
+            <a:fontRef idx="minor">
+              <a:schemeClr val="lt1"/>
+            </a:fontRef>
+          </p:style>
+          <p:txBody>
+            <a:bodyPr rtlCol="0" anchor="ctr"/>
+            <a:lstStyle/>
+            <a:p>
+              <a:pPr algn="ctr"/>
+              <a:endParaRPr lang="ru-RU"/>
+            </a:p>
+          </p:txBody>
+        </p:sp>
+        <p:sp>
+          <p:nvSpPr>
+            <p:cNvPr id="19" name="Овал 18"/>
+            <p:cNvSpPr/>
+            <p:nvPr/>
+          </p:nvSpPr>
+          <p:spPr>
+            <a:xfrm>
+              <a:off x="1547664" y="4725144"/>
+              <a:ext cx="288032" cy="288032"/>
+            </a:xfrm>
+            <a:prstGeom prst="ellipse">
+              <a:avLst/>
+            </a:prstGeom>
+            <a:solidFill>
+              <a:srgbClr val="000000">
+                <a:alpha val="69804"/>
+              </a:srgbClr>
+            </a:solidFill>
+            <a:ln w="19050">
+              <a:solidFill>
+                <a:srgbClr val="80FF80"/>
+              </a:solidFill>
+            </a:ln>
+          </p:spPr>
+          <p:style>
+            <a:lnRef idx="2">
+              <a:schemeClr val="accent1">
+                <a:shade val="50000"/>
+              </a:schemeClr>
+            </a:lnRef>
+            <a:fillRef idx="1">
+              <a:schemeClr val="accent1"/>
+            </a:fillRef>
+            <a:effectRef idx="0">
+              <a:schemeClr val="accent1"/>
+            </a:effectRef>
+            <a:fontRef idx="minor">
+              <a:schemeClr val="lt1"/>
+            </a:fontRef>
+          </p:style>
+          <p:txBody>
+            <a:bodyPr rtlCol="0" anchor="ctr"/>
+            <a:lstStyle/>
+            <a:p>
+              <a:pPr algn="ctr"/>
+              <a:endParaRPr lang="ru-RU"/>
+            </a:p>
+          </p:txBody>
+        </p:sp>
+        <p:sp>
+          <p:nvSpPr>
+            <p:cNvPr id="20" name="Овал 19"/>
+            <p:cNvSpPr/>
+            <p:nvPr/>
+          </p:nvSpPr>
+          <p:spPr>
+            <a:xfrm>
+              <a:off x="3707904" y="4725144"/>
+              <a:ext cx="288032" cy="288032"/>
+            </a:xfrm>
+            <a:prstGeom prst="ellipse">
+              <a:avLst/>
+            </a:prstGeom>
+            <a:solidFill>
+              <a:srgbClr val="000000">
+                <a:alpha val="69804"/>
+              </a:srgbClr>
+            </a:solidFill>
+            <a:ln w="19050">
+              <a:solidFill>
+                <a:srgbClr val="80FF80"/>
+              </a:solidFill>
+            </a:ln>
+          </p:spPr>
+          <p:style>
+            <a:lnRef idx="2">
+              <a:schemeClr val="accent1">
+                <a:shade val="50000"/>
+              </a:schemeClr>
+            </a:lnRef>
+            <a:fillRef idx="1">
+              <a:schemeClr val="accent1"/>
+            </a:fillRef>
+            <a:effectRef idx="0">
+              <a:schemeClr val="accent1"/>
+            </a:effectRef>
+            <a:fontRef idx="minor">
+              <a:schemeClr val="lt1"/>
+            </a:fontRef>
+          </p:style>
+          <p:txBody>
+            <a:bodyPr rtlCol="0" anchor="ctr"/>
+            <a:lstStyle/>
+            <a:p>
+              <a:pPr algn="ctr"/>
+              <a:endParaRPr lang="ru-RU"/>
+            </a:p>
+          </p:txBody>
+        </p:sp>
+      </p:grpSp>
     </p:spTree>
   </p:cSld>
   <p:clrMapOvr>
@@ -7514,8 +7612,37 @@
                   <a:srgbClr val="FF8080"/>
                 </a:solidFill>
               </a:rPr>
-              <a:t>Низкая производительность</a:t>
-            </a:r>
+              <a:t>Низкая </a:t>
+            </a:r>
+            <a:r>
+              <a:rPr lang="ru-RU" sz="1600" dirty="0" smtClean="0">
+                <a:solidFill>
+                  <a:srgbClr val="FF8080"/>
+                </a:solidFill>
+              </a:rPr>
+              <a:t>производительность</a:t>
+            </a:r>
+            <a:endParaRPr lang="en-US" sz="1600" dirty="0" smtClean="0">
+              <a:solidFill>
+                <a:srgbClr val="FF8080"/>
+              </a:solidFill>
+            </a:endParaRPr>
+          </a:p>
+          <a:p>
+            <a:pPr lvl="2"/>
+            <a:r>
+              <a:rPr lang="ru-RU" sz="1600" dirty="0" smtClean="0">
+                <a:solidFill>
+                  <a:srgbClr val="FF8080"/>
+                </a:solidFill>
+              </a:rPr>
+              <a:t>Малый объем памяти</a:t>
+            </a:r>
+            <a:endParaRPr lang="ru-RU" sz="1600" dirty="0" smtClean="0">
+              <a:solidFill>
+                <a:srgbClr val="FF8080"/>
+              </a:solidFill>
+            </a:endParaRPr>
           </a:p>
           <a:p>
             <a:pPr lvl="2"/>
@@ -7540,12 +7667,28 @@
               <a:t>.NET </a:t>
             </a:r>
             <a:r>
-              <a:rPr lang="en-US" sz="1600" dirty="0" err="1" smtClean="0">
+              <a:rPr lang="en-US" sz="1600" dirty="0" smtClean="0">
                 <a:solidFill>
                   <a:srgbClr val="80FF80"/>
                 </a:solidFill>
               </a:rPr>
-              <a:t>Microframework</a:t>
+              <a:t>Micro</a:t>
+            </a:r>
+            <a:r>
+              <a:rPr lang="ru-RU" sz="1600" dirty="0" smtClean="0">
+                <a:solidFill>
+                  <a:srgbClr val="80FF80"/>
+                </a:solidFill>
+              </a:rPr>
+              <a:t> </a:t>
+            </a:r>
+            <a:r>
+              <a:rPr lang="en-US" sz="1600" dirty="0" smtClean="0">
+                <a:solidFill>
+                  <a:srgbClr val="80FF80"/>
+                </a:solidFill>
+              </a:rPr>
+              <a:t>Framework</a:t>
             </a:r>
             <a:endParaRPr lang="en-US" sz="1600" dirty="0" smtClean="0">
               <a:solidFill>
@@ -7626,32 +7769,19 @@
                   <a:srgbClr val="80FF80"/>
                 </a:solidFill>
               </a:rPr>
-              <a:t>Передача больших объемов </a:t>
-            </a:r>
+              <a:t>Передача больших объемов данных</a:t>
+            </a:r>
+          </a:p>
+          <a:p>
+            <a:pPr lvl="2"/>
             <a:r>
               <a:rPr lang="ru-RU" sz="1600" dirty="0" smtClean="0">
                 <a:solidFill>
-                  <a:srgbClr val="80FF80"/>
-                </a:solidFill>
-              </a:rPr>
-              <a:t>данных</a:t>
-            </a:r>
-          </a:p>
-          <a:p>
-            <a:pPr lvl="2"/>
-            <a:r>
-              <a:rPr lang="ru-RU" sz="1600" dirty="0" smtClean="0">
-                <a:solidFill>
                   <a:srgbClr val="FF8080"/>
                 </a:solidFill>
               </a:rPr>
               <a:t>Непригодна для сложных топологий</a:t>
             </a:r>
-            <a:endParaRPr lang="ru-RU" sz="1600" dirty="0" smtClean="0">
-              <a:solidFill>
-                <a:srgbClr val="FF8080"/>
-              </a:solidFill>
-            </a:endParaRPr>
           </a:p>
           <a:p>
             <a:pPr lvl="1"/>
@@ -7691,15 +7821,7 @@
                   <a:srgbClr val="FF8080"/>
                 </a:solidFill>
               </a:rPr>
-              <a:t>Сложность </a:t>
-            </a:r>
-            <a:r>
-              <a:rPr lang="ru-RU" sz="1600" dirty="0" smtClean="0">
-                <a:solidFill>
-                  <a:srgbClr val="FF8080"/>
-                </a:solidFill>
-              </a:rPr>
-              <a:t>настройки</a:t>
+              <a:t>Сложность настройки</a:t>
             </a:r>
             <a:endParaRPr lang="ru-RU" sz="1600" dirty="0" smtClean="0">
               <a:solidFill>
@@ -9560,7 +9682,39 @@
                   <a:schemeClr val="bg1"/>
                 </a:solidFill>
               </a:rPr>
-              <a:t>GPS *</a:t>
+              <a:t>GPS</a:t>
+            </a:r>
+            <a:r>
+              <a:rPr lang="ru-RU" sz="1400" dirty="0" smtClean="0">
+                <a:solidFill>
+                  <a:schemeClr val="bg1"/>
+                </a:solidFill>
+              </a:rPr>
+              <a:t>/</a:t>
+            </a:r>
+            <a:r>
+              <a:rPr lang="ru-RU" sz="1400" dirty="0" smtClean="0">
+                <a:solidFill>
+                  <a:schemeClr val="bg1"/>
+                </a:solidFill>
+              </a:rPr>
+              <a:t>ГЛОНАСС</a:t>
+            </a:r>
+            <a:r>
+              <a:rPr lang="en-US" sz="1400" dirty="0" smtClean="0">
+                <a:solidFill>
+                  <a:schemeClr val="bg1"/>
+                </a:solidFill>
+              </a:rPr>
+              <a:t> </a:t>
+            </a:r>
+            <a:r>
+              <a:rPr lang="en-US" sz="1400" dirty="0" smtClean="0">
+                <a:solidFill>
+                  <a:schemeClr val="bg1"/>
+                </a:solidFill>
+              </a:rPr>
+              <a:t>*</a:t>
             </a:r>
           </a:p>
         </p:txBody>

--- a/Docs/Medias2012_dhg.pptx
+++ b/Docs/Medias2012_dhg.pptx
@@ -4,20 +4,24 @@
   <p:sldMasterIdLst>
     <p:sldMasterId id="2147483900" r:id="rId1"/>
   </p:sldMasterIdLst>
+  <p:notesMasterIdLst>
+    <p:notesMasterId r:id="rId16"/>
+  </p:notesMasterIdLst>
   <p:sldIdLst>
     <p:sldId id="256" r:id="rId2"/>
     <p:sldId id="260" r:id="rId3"/>
     <p:sldId id="265" r:id="rId4"/>
     <p:sldId id="261" r:id="rId5"/>
     <p:sldId id="266" r:id="rId6"/>
-    <p:sldId id="263" r:id="rId7"/>
-    <p:sldId id="283" r:id="rId8"/>
-    <p:sldId id="278" r:id="rId9"/>
-    <p:sldId id="264" r:id="rId10"/>
-    <p:sldId id="279" r:id="rId11"/>
-    <p:sldId id="282" r:id="rId12"/>
-    <p:sldId id="267" r:id="rId13"/>
-    <p:sldId id="259" r:id="rId14"/>
+    <p:sldId id="284" r:id="rId7"/>
+    <p:sldId id="263" r:id="rId8"/>
+    <p:sldId id="283" r:id="rId9"/>
+    <p:sldId id="278" r:id="rId10"/>
+    <p:sldId id="264" r:id="rId11"/>
+    <p:sldId id="279" r:id="rId12"/>
+    <p:sldId id="282" r:id="rId13"/>
+    <p:sldId id="267" r:id="rId14"/>
+    <p:sldId id="259" r:id="rId15"/>
   </p:sldIdLst>
   <p:sldSz cx="9144000" cy="6858000" type="screen4x3"/>
   <p:notesSz cx="6858000" cy="9144000"/>
@@ -119,6 +123,437 @@
 </p:presentation>
 </file>
 
+<file path=ppt/notesMasters/notesMaster1.xml><?xml version="1.0" encoding="utf-8"?>
+<p:notesMaster xmlns:a="http://schemas.openxmlformats.org/drawingml/2006/main" xmlns:r="http://schemas.openxmlformats.org/officeDocument/2006/relationships" xmlns:p="http://schemas.openxmlformats.org/presentationml/2006/main">
+  <p:cSld>
+    <p:bg>
+      <p:bgRef idx="1001">
+        <a:schemeClr val="bg1"/>
+      </p:bgRef>
+    </p:bg>
+    <p:spTree>
+      <p:nvGrpSpPr>
+        <p:cNvPr id="1" name=""/>
+        <p:cNvGrpSpPr/>
+        <p:nvPr/>
+      </p:nvGrpSpPr>
+      <p:grpSpPr>
+        <a:xfrm>
+          <a:off x="0" y="0"/>
+          <a:ext cx="0" cy="0"/>
+          <a:chOff x="0" y="0"/>
+          <a:chExt cx="0" cy="0"/>
+        </a:xfrm>
+      </p:grpSpPr>
+      <p:sp>
+        <p:nvSpPr>
+          <p:cNvPr id="2" name="Верхний колонтитул 1"/>
+          <p:cNvSpPr>
+            <a:spLocks noGrp="1"/>
+          </p:cNvSpPr>
+          <p:nvPr>
+            <p:ph type="hdr" sz="quarter"/>
+          </p:nvPr>
+        </p:nvSpPr>
+        <p:spPr>
+          <a:xfrm>
+            <a:off x="0" y="0"/>
+            <a:ext cx="2971800" cy="457200"/>
+          </a:xfrm>
+          <a:prstGeom prst="rect">
+            <a:avLst/>
+          </a:prstGeom>
+        </p:spPr>
+        <p:txBody>
+          <a:bodyPr vert="horz" lIns="91440" tIns="45720" rIns="91440" bIns="45720" rtlCol="0"/>
+          <a:lstStyle>
+            <a:lvl1pPr algn="l">
+              <a:defRPr sz="1200"/>
+            </a:lvl1pPr>
+          </a:lstStyle>
+          <a:p>
+            <a:endParaRPr lang="ru-RU"/>
+          </a:p>
+        </p:txBody>
+      </p:sp>
+      <p:sp>
+        <p:nvSpPr>
+          <p:cNvPr id="3" name="Дата 2"/>
+          <p:cNvSpPr>
+            <a:spLocks noGrp="1"/>
+          </p:cNvSpPr>
+          <p:nvPr>
+            <p:ph type="dt" idx="1"/>
+          </p:nvPr>
+        </p:nvSpPr>
+        <p:spPr>
+          <a:xfrm>
+            <a:off x="3884613" y="0"/>
+            <a:ext cx="2971800" cy="457200"/>
+          </a:xfrm>
+          <a:prstGeom prst="rect">
+            <a:avLst/>
+          </a:prstGeom>
+        </p:spPr>
+        <p:txBody>
+          <a:bodyPr vert="horz" lIns="91440" tIns="45720" rIns="91440" bIns="45720" rtlCol="0"/>
+          <a:lstStyle>
+            <a:lvl1pPr algn="r">
+              <a:defRPr sz="1200"/>
+            </a:lvl1pPr>
+          </a:lstStyle>
+          <a:p>
+            <a:fld id="{19FCBF4D-B1CA-4B35-AB03-6998CF505999}" type="datetimeFigureOut">
+              <a:rPr lang="ru-RU" smtClean="0"/>
+              <a:pPr/>
+              <a:t>11.05.2012</a:t>
+            </a:fld>
+            <a:endParaRPr lang="ru-RU"/>
+          </a:p>
+        </p:txBody>
+      </p:sp>
+      <p:sp>
+        <p:nvSpPr>
+          <p:cNvPr id="4" name="Образ слайда 3"/>
+          <p:cNvSpPr>
+            <a:spLocks noGrp="1" noRot="1" noChangeAspect="1"/>
+          </p:cNvSpPr>
+          <p:nvPr>
+            <p:ph type="sldImg" idx="2"/>
+          </p:nvPr>
+        </p:nvSpPr>
+        <p:spPr>
+          <a:xfrm>
+            <a:off x="1143000" y="685800"/>
+            <a:ext cx="4572000" cy="3429000"/>
+          </a:xfrm>
+          <a:prstGeom prst="rect">
+            <a:avLst/>
+          </a:prstGeom>
+          <a:noFill/>
+          <a:ln w="12700">
+            <a:solidFill>
+              <a:prstClr val="black"/>
+            </a:solidFill>
+          </a:ln>
+        </p:spPr>
+        <p:txBody>
+          <a:bodyPr vert="horz" lIns="91440" tIns="45720" rIns="91440" bIns="45720" rtlCol="0" anchor="ctr"/>
+          <a:lstStyle/>
+          <a:p>
+            <a:endParaRPr lang="ru-RU"/>
+          </a:p>
+        </p:txBody>
+      </p:sp>
+      <p:sp>
+        <p:nvSpPr>
+          <p:cNvPr id="5" name="Заметки 4"/>
+          <p:cNvSpPr>
+            <a:spLocks noGrp="1"/>
+          </p:cNvSpPr>
+          <p:nvPr>
+            <p:ph type="body" sz="quarter" idx="3"/>
+          </p:nvPr>
+        </p:nvSpPr>
+        <p:spPr>
+          <a:xfrm>
+            <a:off x="685800" y="4343400"/>
+            <a:ext cx="5486400" cy="4114800"/>
+          </a:xfrm>
+          <a:prstGeom prst="rect">
+            <a:avLst/>
+          </a:prstGeom>
+        </p:spPr>
+        <p:txBody>
+          <a:bodyPr vert="horz" lIns="91440" tIns="45720" rIns="91440" bIns="45720" rtlCol="0">
+            <a:normAutofit/>
+          </a:bodyPr>
+          <a:lstStyle/>
+          <a:p>
+            <a:pPr lvl="0"/>
+            <a:r>
+              <a:rPr lang="ru-RU" smtClean="0"/>
+              <a:t>Образец текста</a:t>
+            </a:r>
+          </a:p>
+          <a:p>
+            <a:pPr lvl="1"/>
+            <a:r>
+              <a:rPr lang="ru-RU" smtClean="0"/>
+              <a:t>Второй уровень</a:t>
+            </a:r>
+          </a:p>
+          <a:p>
+            <a:pPr lvl="2"/>
+            <a:r>
+              <a:rPr lang="ru-RU" smtClean="0"/>
+              <a:t>Третий уровень</a:t>
+            </a:r>
+          </a:p>
+          <a:p>
+            <a:pPr lvl="3"/>
+            <a:r>
+              <a:rPr lang="ru-RU" smtClean="0"/>
+              <a:t>Четвертый уровень</a:t>
+            </a:r>
+          </a:p>
+          <a:p>
+            <a:pPr lvl="4"/>
+            <a:r>
+              <a:rPr lang="ru-RU" smtClean="0"/>
+              <a:t>Пятый уровень</a:t>
+            </a:r>
+            <a:endParaRPr lang="ru-RU"/>
+          </a:p>
+        </p:txBody>
+      </p:sp>
+      <p:sp>
+        <p:nvSpPr>
+          <p:cNvPr id="6" name="Нижний колонтитул 5"/>
+          <p:cNvSpPr>
+            <a:spLocks noGrp="1"/>
+          </p:cNvSpPr>
+          <p:nvPr>
+            <p:ph type="ftr" sz="quarter" idx="4"/>
+          </p:nvPr>
+        </p:nvSpPr>
+        <p:spPr>
+          <a:xfrm>
+            <a:off x="0" y="8685213"/>
+            <a:ext cx="2971800" cy="457200"/>
+          </a:xfrm>
+          <a:prstGeom prst="rect">
+            <a:avLst/>
+          </a:prstGeom>
+        </p:spPr>
+        <p:txBody>
+          <a:bodyPr vert="horz" lIns="91440" tIns="45720" rIns="91440" bIns="45720" rtlCol="0" anchor="b"/>
+          <a:lstStyle>
+            <a:lvl1pPr algn="l">
+              <a:defRPr sz="1200"/>
+            </a:lvl1pPr>
+          </a:lstStyle>
+          <a:p>
+            <a:endParaRPr lang="ru-RU"/>
+          </a:p>
+        </p:txBody>
+      </p:sp>
+      <p:sp>
+        <p:nvSpPr>
+          <p:cNvPr id="7" name="Номер слайда 6"/>
+          <p:cNvSpPr>
+            <a:spLocks noGrp="1"/>
+          </p:cNvSpPr>
+          <p:nvPr>
+            <p:ph type="sldNum" sz="quarter" idx="5"/>
+          </p:nvPr>
+        </p:nvSpPr>
+        <p:spPr>
+          <a:xfrm>
+            <a:off x="3884613" y="8685213"/>
+            <a:ext cx="2971800" cy="457200"/>
+          </a:xfrm>
+          <a:prstGeom prst="rect">
+            <a:avLst/>
+          </a:prstGeom>
+        </p:spPr>
+        <p:txBody>
+          <a:bodyPr vert="horz" lIns="91440" tIns="45720" rIns="91440" bIns="45720" rtlCol="0" anchor="b"/>
+          <a:lstStyle>
+            <a:lvl1pPr algn="r">
+              <a:defRPr sz="1200"/>
+            </a:lvl1pPr>
+          </a:lstStyle>
+          <a:p>
+            <a:fld id="{7A002DC8-8836-478D-9C39-F1F7E94A9B21}" type="slidenum">
+              <a:rPr lang="ru-RU" smtClean="0"/>
+              <a:pPr/>
+              <a:t>‹#›</a:t>
+            </a:fld>
+            <a:endParaRPr lang="ru-RU"/>
+          </a:p>
+        </p:txBody>
+      </p:sp>
+    </p:spTree>
+  </p:cSld>
+  <p:clrMap bg1="lt1" tx1="dk1" bg2="lt2" tx2="dk2" accent1="accent1" accent2="accent2" accent3="accent3" accent4="accent4" accent5="accent5" accent6="accent6" hlink="hlink" folHlink="folHlink"/>
+  <p:notesStyle>
+    <a:lvl1pPr marL="0" algn="l" defTabSz="914400" rtl="0" eaLnBrk="1" latinLnBrk="0" hangingPunct="1">
+      <a:defRPr sz="1200" kern="1200">
+        <a:solidFill>
+          <a:schemeClr val="tx1"/>
+        </a:solidFill>
+        <a:latin typeface="+mn-lt"/>
+        <a:ea typeface="+mn-ea"/>
+        <a:cs typeface="+mn-cs"/>
+      </a:defRPr>
+    </a:lvl1pPr>
+    <a:lvl2pPr marL="457200" algn="l" defTabSz="914400" rtl="0" eaLnBrk="1" latinLnBrk="0" hangingPunct="1">
+      <a:defRPr sz="1200" kern="1200">
+        <a:solidFill>
+          <a:schemeClr val="tx1"/>
+        </a:solidFill>
+        <a:latin typeface="+mn-lt"/>
+        <a:ea typeface="+mn-ea"/>
+        <a:cs typeface="+mn-cs"/>
+      </a:defRPr>
+    </a:lvl2pPr>
+    <a:lvl3pPr marL="914400" algn="l" defTabSz="914400" rtl="0" eaLnBrk="1" latinLnBrk="0" hangingPunct="1">
+      <a:defRPr sz="1200" kern="1200">
+        <a:solidFill>
+          <a:schemeClr val="tx1"/>
+        </a:solidFill>
+        <a:latin typeface="+mn-lt"/>
+        <a:ea typeface="+mn-ea"/>
+        <a:cs typeface="+mn-cs"/>
+      </a:defRPr>
+    </a:lvl3pPr>
+    <a:lvl4pPr marL="1371600" algn="l" defTabSz="914400" rtl="0" eaLnBrk="1" latinLnBrk="0" hangingPunct="1">
+      <a:defRPr sz="1200" kern="1200">
+        <a:solidFill>
+          <a:schemeClr val="tx1"/>
+        </a:solidFill>
+        <a:latin typeface="+mn-lt"/>
+        <a:ea typeface="+mn-ea"/>
+        <a:cs typeface="+mn-cs"/>
+      </a:defRPr>
+    </a:lvl4pPr>
+    <a:lvl5pPr marL="1828800" algn="l" defTabSz="914400" rtl="0" eaLnBrk="1" latinLnBrk="0" hangingPunct="1">
+      <a:defRPr sz="1200" kern="1200">
+        <a:solidFill>
+          <a:schemeClr val="tx1"/>
+        </a:solidFill>
+        <a:latin typeface="+mn-lt"/>
+        <a:ea typeface="+mn-ea"/>
+        <a:cs typeface="+mn-cs"/>
+      </a:defRPr>
+    </a:lvl5pPr>
+    <a:lvl6pPr marL="2286000" algn="l" defTabSz="914400" rtl="0" eaLnBrk="1" latinLnBrk="0" hangingPunct="1">
+      <a:defRPr sz="1200" kern="1200">
+        <a:solidFill>
+          <a:schemeClr val="tx1"/>
+        </a:solidFill>
+        <a:latin typeface="+mn-lt"/>
+        <a:ea typeface="+mn-ea"/>
+        <a:cs typeface="+mn-cs"/>
+      </a:defRPr>
+    </a:lvl6pPr>
+    <a:lvl7pPr marL="2743200" algn="l" defTabSz="914400" rtl="0" eaLnBrk="1" latinLnBrk="0" hangingPunct="1">
+      <a:defRPr sz="1200" kern="1200">
+        <a:solidFill>
+          <a:schemeClr val="tx1"/>
+        </a:solidFill>
+        <a:latin typeface="+mn-lt"/>
+        <a:ea typeface="+mn-ea"/>
+        <a:cs typeface="+mn-cs"/>
+      </a:defRPr>
+    </a:lvl7pPr>
+    <a:lvl8pPr marL="3200400" algn="l" defTabSz="914400" rtl="0" eaLnBrk="1" latinLnBrk="0" hangingPunct="1">
+      <a:defRPr sz="1200" kern="1200">
+        <a:solidFill>
+          <a:schemeClr val="tx1"/>
+        </a:solidFill>
+        <a:latin typeface="+mn-lt"/>
+        <a:ea typeface="+mn-ea"/>
+        <a:cs typeface="+mn-cs"/>
+      </a:defRPr>
+    </a:lvl8pPr>
+    <a:lvl9pPr marL="3657600" algn="l" defTabSz="914400" rtl="0" eaLnBrk="1" latinLnBrk="0" hangingPunct="1">
+      <a:defRPr sz="1200" kern="1200">
+        <a:solidFill>
+          <a:schemeClr val="tx1"/>
+        </a:solidFill>
+        <a:latin typeface="+mn-lt"/>
+        <a:ea typeface="+mn-ea"/>
+        <a:cs typeface="+mn-cs"/>
+      </a:defRPr>
+    </a:lvl9pPr>
+  </p:notesStyle>
+</p:notesMaster>
+</file>
+
+<file path=ppt/notesSlides/notesSlide1.xml><?xml version="1.0" encoding="utf-8"?>
+<p:notes xmlns:a="http://schemas.openxmlformats.org/drawingml/2006/main" xmlns:r="http://schemas.openxmlformats.org/officeDocument/2006/relationships" xmlns:p="http://schemas.openxmlformats.org/presentationml/2006/main">
+  <p:cSld>
+    <p:spTree>
+      <p:nvGrpSpPr>
+        <p:cNvPr id="1" name=""/>
+        <p:cNvGrpSpPr/>
+        <p:nvPr/>
+      </p:nvGrpSpPr>
+      <p:grpSpPr>
+        <a:xfrm>
+          <a:off x="0" y="0"/>
+          <a:ext cx="0" cy="0"/>
+          <a:chOff x="0" y="0"/>
+          <a:chExt cx="0" cy="0"/>
+        </a:xfrm>
+      </p:grpSpPr>
+      <p:sp>
+        <p:nvSpPr>
+          <p:cNvPr id="2" name="Образ слайда 1"/>
+          <p:cNvSpPr>
+            <a:spLocks noGrp="1" noRot="1" noChangeAspect="1"/>
+          </p:cNvSpPr>
+          <p:nvPr>
+            <p:ph type="sldImg"/>
+          </p:nvPr>
+        </p:nvSpPr>
+        <p:spPr/>
+      </p:sp>
+      <p:sp>
+        <p:nvSpPr>
+          <p:cNvPr id="3" name="Заметки 2"/>
+          <p:cNvSpPr>
+            <a:spLocks noGrp="1"/>
+          </p:cNvSpPr>
+          <p:nvPr>
+            <p:ph type="body" idx="1"/>
+          </p:nvPr>
+        </p:nvSpPr>
+        <p:spPr/>
+        <p:txBody>
+          <a:bodyPr>
+            <a:normAutofit/>
+          </a:bodyPr>
+          <a:lstStyle/>
+          <a:p>
+            <a:endParaRPr lang="ru-RU" dirty="0"/>
+          </a:p>
+        </p:txBody>
+      </p:sp>
+      <p:sp>
+        <p:nvSpPr>
+          <p:cNvPr id="4" name="Номер слайда 3"/>
+          <p:cNvSpPr>
+            <a:spLocks noGrp="1"/>
+          </p:cNvSpPr>
+          <p:nvPr>
+            <p:ph type="sldNum" sz="quarter" idx="10"/>
+          </p:nvPr>
+        </p:nvSpPr>
+        <p:spPr/>
+        <p:txBody>
+          <a:bodyPr/>
+          <a:lstStyle/>
+          <a:p>
+            <a:fld id="{7A002DC8-8836-478D-9C39-F1F7E94A9B21}" type="slidenum">
+              <a:rPr lang="ru-RU" smtClean="0"/>
+              <a:pPr/>
+              <a:t>6</a:t>
+            </a:fld>
+            <a:endParaRPr lang="ru-RU"/>
+          </a:p>
+        </p:txBody>
+      </p:sp>
+    </p:spTree>
+  </p:cSld>
+  <p:clrMapOvr>
+    <a:masterClrMapping/>
+  </p:clrMapOvr>
+</p:notes>
+</file>
+
 <file path=ppt/slideLayouts/slideLayout1.xml><?xml version="1.0" encoding="utf-8"?>
 <p:sldLayout xmlns:a="http://schemas.openxmlformats.org/drawingml/2006/main" xmlns:r="http://schemas.openxmlformats.org/officeDocument/2006/relationships" xmlns:p="http://schemas.openxmlformats.org/presentationml/2006/main" type="title" preserve="1">
   <p:cSld name="Титульный слайд">
@@ -301,7 +736,7 @@
             <a:fld id="{5B106E36-FD25-4E2D-B0AA-010F637433A0}" type="datetimeFigureOut">
               <a:rPr lang="ru-RU" smtClean="0"/>
               <a:pPr/>
-              <a:t>10.05.2012</a:t>
+              <a:t>11.05.2012</a:t>
             </a:fld>
             <a:endParaRPr lang="ru-RU"/>
           </a:p>
@@ -468,7 +903,7 @@
             <a:fld id="{5B106E36-FD25-4E2D-B0AA-010F637433A0}" type="datetimeFigureOut">
               <a:rPr lang="ru-RU" smtClean="0"/>
               <a:pPr/>
-              <a:t>10.05.2012</a:t>
+              <a:t>11.05.2012</a:t>
             </a:fld>
             <a:endParaRPr lang="ru-RU"/>
           </a:p>
@@ -645,7 +1080,7 @@
             <a:fld id="{5B106E36-FD25-4E2D-B0AA-010F637433A0}" type="datetimeFigureOut">
               <a:rPr lang="ru-RU" smtClean="0"/>
               <a:pPr/>
-              <a:t>10.05.2012</a:t>
+              <a:t>11.05.2012</a:t>
             </a:fld>
             <a:endParaRPr lang="ru-RU"/>
           </a:p>
@@ -812,7 +1247,7 @@
             <a:fld id="{5B106E36-FD25-4E2D-B0AA-010F637433A0}" type="datetimeFigureOut">
               <a:rPr lang="ru-RU" smtClean="0"/>
               <a:pPr/>
-              <a:t>10.05.2012</a:t>
+              <a:t>11.05.2012</a:t>
             </a:fld>
             <a:endParaRPr lang="ru-RU"/>
           </a:p>
@@ -1055,7 +1490,7 @@
             <a:fld id="{5B106E36-FD25-4E2D-B0AA-010F637433A0}" type="datetimeFigureOut">
               <a:rPr lang="ru-RU" smtClean="0"/>
               <a:pPr/>
-              <a:t>10.05.2012</a:t>
+              <a:t>11.05.2012</a:t>
             </a:fld>
             <a:endParaRPr lang="ru-RU"/>
           </a:p>
@@ -1340,7 +1775,7 @@
             <a:fld id="{5B106E36-FD25-4E2D-B0AA-010F637433A0}" type="datetimeFigureOut">
               <a:rPr lang="ru-RU" smtClean="0"/>
               <a:pPr/>
-              <a:t>10.05.2012</a:t>
+              <a:t>11.05.2012</a:t>
             </a:fld>
             <a:endParaRPr lang="ru-RU"/>
           </a:p>
@@ -1759,7 +2194,7 @@
             <a:fld id="{5B106E36-FD25-4E2D-B0AA-010F637433A0}" type="datetimeFigureOut">
               <a:rPr lang="ru-RU" smtClean="0"/>
               <a:pPr/>
-              <a:t>10.05.2012</a:t>
+              <a:t>11.05.2012</a:t>
             </a:fld>
             <a:endParaRPr lang="ru-RU"/>
           </a:p>
@@ -1874,7 +2309,7 @@
             <a:fld id="{5B106E36-FD25-4E2D-B0AA-010F637433A0}" type="datetimeFigureOut">
               <a:rPr lang="ru-RU" smtClean="0"/>
               <a:pPr/>
-              <a:t>10.05.2012</a:t>
+              <a:t>11.05.2012</a:t>
             </a:fld>
             <a:endParaRPr lang="ru-RU"/>
           </a:p>
@@ -1966,7 +2401,7 @@
             <a:fld id="{5B106E36-FD25-4E2D-B0AA-010F637433A0}" type="datetimeFigureOut">
               <a:rPr lang="ru-RU" smtClean="0"/>
               <a:pPr/>
-              <a:t>10.05.2012</a:t>
+              <a:t>11.05.2012</a:t>
             </a:fld>
             <a:endParaRPr lang="ru-RU"/>
           </a:p>
@@ -2240,7 +2675,7 @@
             <a:fld id="{5B106E36-FD25-4E2D-B0AA-010F637433A0}" type="datetimeFigureOut">
               <a:rPr lang="ru-RU" smtClean="0"/>
               <a:pPr/>
-              <a:t>10.05.2012</a:t>
+              <a:t>11.05.2012</a:t>
             </a:fld>
             <a:endParaRPr lang="ru-RU"/>
           </a:p>
@@ -2490,7 +2925,7 @@
             <a:fld id="{5B106E36-FD25-4E2D-B0AA-010F637433A0}" type="datetimeFigureOut">
               <a:rPr lang="ru-RU" smtClean="0"/>
               <a:pPr/>
-              <a:t>10.05.2012</a:t>
+              <a:t>11.05.2012</a:t>
             </a:fld>
             <a:endParaRPr lang="ru-RU"/>
           </a:p>
@@ -2709,7 +3144,7 @@
             <a:fld id="{5B106E36-FD25-4E2D-B0AA-010F637433A0}" type="datetimeFigureOut">
               <a:rPr lang="ru-RU" smtClean="0"/>
               <a:pPr/>
-              <a:t>10.05.2012</a:t>
+              <a:t>11.05.2012</a:t>
             </a:fld>
             <a:endParaRPr lang="ru-RU"/>
           </a:p>
@@ -3091,14 +3526,12 @@
           </p:nvPr>
         </p:nvSpPr>
         <p:spPr>
+          <a:solidFill>
+            <a:srgbClr val="000000">
+              <a:alpha val="69804"/>
+            </a:srgbClr>
+          </a:solidFill>
           <a:effectLst/>
-          <a:scene3d>
-            <a:camera prst="orthographicFront"/>
-            <a:lightRig rig="threePt" dir="t"/>
-          </a:scene3d>
-          <a:sp3d>
-            <a:bevelT/>
-          </a:sp3d>
         </p:spPr>
         <p:txBody>
           <a:bodyPr>
@@ -3179,8 +3612,13 @@
         <p:spPr>
           <a:xfrm>
             <a:off x="1371600" y="4293096"/>
-            <a:ext cx="6400800" cy="1345704"/>
+            <a:ext cx="6400800" cy="1008112"/>
           </a:xfrm>
+          <a:solidFill>
+            <a:srgbClr val="000000">
+              <a:alpha val="69804"/>
+            </a:srgbClr>
+          </a:solidFill>
         </p:spPr>
         <p:txBody>
           <a:bodyPr>
@@ -3189,18 +3627,29 @@
           <a:lstStyle/>
           <a:p>
             <a:r>
-              <a:rPr lang="ru-RU" sz="2000" dirty="0" smtClean="0"/>
+              <a:rPr lang="ru-RU" sz="2400" dirty="0" smtClean="0"/>
               <a:t>Алексей </a:t>
             </a:r>
             <a:r>
-              <a:rPr lang="ru-RU" sz="2000" dirty="0" err="1" smtClean="0"/>
+              <a:rPr lang="ru-RU" sz="2400" dirty="0" err="1" smtClean="0"/>
               <a:t>Безгодов</a:t>
             </a:r>
             <a:r>
-              <a:rPr lang="ru-RU" sz="2000" dirty="0" smtClean="0"/>
-              <a:t>, к.т.н., НИИ НКТ СПб НИУ ИТМО</a:t>
-            </a:r>
-            <a:endParaRPr lang="ru-RU" sz="2000" dirty="0"/>
+              <a:rPr lang="ru-RU" sz="2400" dirty="0" smtClean="0"/>
+              <a:t>, к.т.н., </a:t>
+            </a:r>
+            <a:endParaRPr lang="en-US" sz="2400" dirty="0" smtClean="0"/>
+          </a:p>
+          <a:p>
+            <a:r>
+              <a:rPr lang="ru-RU" sz="2400" dirty="0" smtClean="0"/>
+              <a:t>НИИ </a:t>
+            </a:r>
+            <a:r>
+              <a:rPr lang="ru-RU" sz="2400" dirty="0" smtClean="0"/>
+              <a:t>НКТ СПб НИУ ИТМО</a:t>
+            </a:r>
+            <a:endParaRPr lang="ru-RU" sz="2400" dirty="0"/>
           </a:p>
         </p:txBody>
       </p:sp>
@@ -3220,6 +3669,1946 @@
 </file>
 
 <file path=ppt/slides/slide10.xml><?xml version="1.0" encoding="utf-8"?>
+<p:sld xmlns:a="http://schemas.openxmlformats.org/drawingml/2006/main" xmlns:r="http://schemas.openxmlformats.org/officeDocument/2006/relationships" xmlns:p="http://schemas.openxmlformats.org/presentationml/2006/main">
+  <p:cSld>
+    <p:spTree>
+      <p:nvGrpSpPr>
+        <p:cNvPr id="1" name=""/>
+        <p:cNvGrpSpPr/>
+        <p:nvPr/>
+      </p:nvGrpSpPr>
+      <p:grpSpPr>
+        <a:xfrm>
+          <a:off x="0" y="0"/>
+          <a:ext cx="0" cy="0"/>
+          <a:chOff x="0" y="0"/>
+          <a:chExt cx="0" cy="0"/>
+        </a:xfrm>
+      </p:grpSpPr>
+      <p:sp>
+        <p:nvSpPr>
+          <p:cNvPr id="2" name="Заголовок 1"/>
+          <p:cNvSpPr>
+            <a:spLocks noGrp="1"/>
+          </p:cNvSpPr>
+          <p:nvPr>
+            <p:ph type="title"/>
+          </p:nvPr>
+        </p:nvSpPr>
+        <p:spPr/>
+        <p:txBody>
+          <a:bodyPr>
+            <a:normAutofit/>
+          </a:bodyPr>
+          <a:lstStyle/>
+          <a:p>
+            <a:r>
+              <a:rPr lang="ru-RU" dirty="0" smtClean="0"/>
+              <a:t>Функциональная схема 4Р-БПЛА</a:t>
+            </a:r>
+            <a:endParaRPr lang="ru-RU" dirty="0"/>
+          </a:p>
+        </p:txBody>
+      </p:sp>
+      <p:sp>
+        <p:nvSpPr>
+          <p:cNvPr id="4" name="Прямоугольник 3"/>
+          <p:cNvSpPr/>
+          <p:nvPr/>
+        </p:nvSpPr>
+        <p:spPr>
+          <a:xfrm>
+            <a:off x="251520" y="1556792"/>
+            <a:ext cx="1008112" cy="1872208"/>
+          </a:xfrm>
+          <a:prstGeom prst="rect">
+            <a:avLst/>
+          </a:prstGeom>
+          <a:solidFill>
+            <a:srgbClr val="324B64">
+              <a:alpha val="50196"/>
+            </a:srgbClr>
+          </a:solidFill>
+          <a:ln w="12700"/>
+        </p:spPr>
+        <p:style>
+          <a:lnRef idx="3">
+            <a:schemeClr val="lt1"/>
+          </a:lnRef>
+          <a:fillRef idx="1">
+            <a:schemeClr val="accent1"/>
+          </a:fillRef>
+          <a:effectRef idx="1">
+            <a:schemeClr val="accent1"/>
+          </a:effectRef>
+          <a:fontRef idx="minor">
+            <a:schemeClr val="lt1"/>
+          </a:fontRef>
+        </p:style>
+        <p:txBody>
+          <a:bodyPr rtlCol="0" anchor="ctr"/>
+          <a:lstStyle/>
+          <a:p>
+            <a:pPr algn="ctr"/>
+            <a:r>
+              <a:rPr lang="en-US" sz="2400" dirty="0" smtClean="0">
+                <a:solidFill>
+                  <a:schemeClr val="bg1"/>
+                </a:solidFill>
+              </a:rPr>
+              <a:t>PC</a:t>
+            </a:r>
+          </a:p>
+          <a:p>
+            <a:pPr algn="ctr"/>
+            <a:r>
+              <a:rPr lang="en-US" dirty="0" smtClean="0">
+                <a:solidFill>
+                  <a:schemeClr val="bg1"/>
+                </a:solidFill>
+              </a:rPr>
+              <a:t>(</a:t>
+            </a:r>
+            <a:r>
+              <a:rPr lang="ru-RU" dirty="0" smtClean="0">
+                <a:solidFill>
+                  <a:schemeClr val="bg1"/>
+                </a:solidFill>
+              </a:rPr>
+              <a:t>ВП)</a:t>
+            </a:r>
+            <a:endParaRPr lang="ru-RU" sz="2400" dirty="0">
+              <a:solidFill>
+                <a:schemeClr val="bg1"/>
+              </a:solidFill>
+            </a:endParaRPr>
+          </a:p>
+        </p:txBody>
+      </p:sp>
+      <p:sp>
+        <p:nvSpPr>
+          <p:cNvPr id="5" name="Прямоугольник 4"/>
+          <p:cNvSpPr/>
+          <p:nvPr/>
+        </p:nvSpPr>
+        <p:spPr>
+          <a:xfrm>
+            <a:off x="3851920" y="2492896"/>
+            <a:ext cx="1944216" cy="1080120"/>
+          </a:xfrm>
+          <a:prstGeom prst="rect">
+            <a:avLst/>
+          </a:prstGeom>
+          <a:solidFill>
+            <a:srgbClr val="640000">
+              <a:alpha val="49804"/>
+            </a:srgbClr>
+          </a:solidFill>
+          <a:ln w="12700">
+            <a:solidFill>
+              <a:schemeClr val="bg1"/>
+            </a:solidFill>
+          </a:ln>
+        </p:spPr>
+        <p:style>
+          <a:lnRef idx="3">
+            <a:schemeClr val="lt1"/>
+          </a:lnRef>
+          <a:fillRef idx="1">
+            <a:schemeClr val="accent1"/>
+          </a:fillRef>
+          <a:effectRef idx="1">
+            <a:schemeClr val="accent1"/>
+          </a:effectRef>
+          <a:fontRef idx="minor">
+            <a:schemeClr val="lt1"/>
+          </a:fontRef>
+        </p:style>
+        <p:txBody>
+          <a:bodyPr rtlCol="0" anchor="ctr"/>
+          <a:lstStyle/>
+          <a:p>
+            <a:pPr algn="ctr"/>
+            <a:r>
+              <a:rPr lang="en-US" sz="2400" dirty="0" smtClean="0">
+                <a:solidFill>
+                  <a:schemeClr val="bg1"/>
+                </a:solidFill>
+              </a:rPr>
+              <a:t>Controller</a:t>
+            </a:r>
+            <a:endParaRPr lang="ru-RU" sz="2400" dirty="0">
+              <a:solidFill>
+                <a:schemeClr val="bg1"/>
+              </a:solidFill>
+            </a:endParaRPr>
+          </a:p>
+        </p:txBody>
+      </p:sp>
+      <p:sp>
+        <p:nvSpPr>
+          <p:cNvPr id="7" name="Прямоугольник 6"/>
+          <p:cNvSpPr/>
+          <p:nvPr/>
+        </p:nvSpPr>
+        <p:spPr>
+          <a:xfrm>
+            <a:off x="6372200" y="1700808"/>
+            <a:ext cx="2016224" cy="288032"/>
+          </a:xfrm>
+          <a:prstGeom prst="rect">
+            <a:avLst/>
+          </a:prstGeom>
+          <a:solidFill>
+            <a:schemeClr val="accent1">
+              <a:lumMod val="75000"/>
+              <a:alpha val="50196"/>
+            </a:schemeClr>
+          </a:solidFill>
+          <a:ln w="12700"/>
+        </p:spPr>
+        <p:style>
+          <a:lnRef idx="3">
+            <a:schemeClr val="lt1"/>
+          </a:lnRef>
+          <a:fillRef idx="1">
+            <a:schemeClr val="accent1"/>
+          </a:fillRef>
+          <a:effectRef idx="1">
+            <a:schemeClr val="accent1"/>
+          </a:effectRef>
+          <a:fontRef idx="minor">
+            <a:schemeClr val="lt1"/>
+          </a:fontRef>
+        </p:style>
+        <p:txBody>
+          <a:bodyPr rtlCol="0" anchor="ctr"/>
+          <a:lstStyle/>
+          <a:p>
+            <a:pPr algn="ctr"/>
+            <a:r>
+              <a:rPr lang="en-US" sz="1400" dirty="0" smtClean="0">
+                <a:solidFill>
+                  <a:schemeClr val="bg1"/>
+                </a:solidFill>
+              </a:rPr>
+              <a:t>3-axis</a:t>
+            </a:r>
+            <a:r>
+              <a:rPr lang="ru-RU" sz="1400" dirty="0" smtClean="0">
+                <a:solidFill>
+                  <a:schemeClr val="bg1"/>
+                </a:solidFill>
+              </a:rPr>
+              <a:t> </a:t>
+            </a:r>
+            <a:r>
+              <a:rPr lang="en-US" sz="1400" dirty="0" smtClean="0">
+                <a:solidFill>
+                  <a:schemeClr val="bg1"/>
+                </a:solidFill>
+              </a:rPr>
+              <a:t>gyroscope</a:t>
+            </a:r>
+          </a:p>
+        </p:txBody>
+      </p:sp>
+      <p:sp>
+        <p:nvSpPr>
+          <p:cNvPr id="8" name="Прямоугольник 7"/>
+          <p:cNvSpPr/>
+          <p:nvPr/>
+        </p:nvSpPr>
+        <p:spPr>
+          <a:xfrm>
+            <a:off x="6372200" y="2132856"/>
+            <a:ext cx="2016224" cy="288032"/>
+          </a:xfrm>
+          <a:prstGeom prst="rect">
+            <a:avLst/>
+          </a:prstGeom>
+          <a:solidFill>
+            <a:schemeClr val="accent1">
+              <a:lumMod val="75000"/>
+              <a:alpha val="50196"/>
+            </a:schemeClr>
+          </a:solidFill>
+          <a:ln w="12700"/>
+        </p:spPr>
+        <p:style>
+          <a:lnRef idx="3">
+            <a:schemeClr val="lt1"/>
+          </a:lnRef>
+          <a:fillRef idx="1">
+            <a:schemeClr val="accent1"/>
+          </a:fillRef>
+          <a:effectRef idx="1">
+            <a:schemeClr val="accent1"/>
+          </a:effectRef>
+          <a:fontRef idx="minor">
+            <a:schemeClr val="lt1"/>
+          </a:fontRef>
+        </p:style>
+        <p:txBody>
+          <a:bodyPr rtlCol="0" anchor="ctr"/>
+          <a:lstStyle/>
+          <a:p>
+            <a:pPr algn="ctr"/>
+            <a:r>
+              <a:rPr lang="en-US" sz="1400" dirty="0" smtClean="0">
+                <a:solidFill>
+                  <a:schemeClr val="bg1"/>
+                </a:solidFill>
+              </a:rPr>
+              <a:t>3-axis</a:t>
+            </a:r>
+            <a:r>
+              <a:rPr lang="ru-RU" sz="1400" dirty="0" smtClean="0">
+                <a:solidFill>
+                  <a:schemeClr val="bg1"/>
+                </a:solidFill>
+              </a:rPr>
+              <a:t> </a:t>
+            </a:r>
+            <a:r>
+              <a:rPr lang="en-US" sz="1400" dirty="0" smtClean="0">
+                <a:solidFill>
+                  <a:schemeClr val="bg1"/>
+                </a:solidFill>
+              </a:rPr>
+              <a:t>accelerometer</a:t>
+            </a:r>
+            <a:endParaRPr lang="ru-RU" sz="1400" dirty="0">
+              <a:solidFill>
+                <a:schemeClr val="bg1"/>
+              </a:solidFill>
+            </a:endParaRPr>
+          </a:p>
+        </p:txBody>
+      </p:sp>
+      <p:sp>
+        <p:nvSpPr>
+          <p:cNvPr id="9" name="Прямоугольник 8"/>
+          <p:cNvSpPr/>
+          <p:nvPr/>
+        </p:nvSpPr>
+        <p:spPr>
+          <a:xfrm>
+            <a:off x="6372200" y="2996952"/>
+            <a:ext cx="2016224" cy="288032"/>
+          </a:xfrm>
+          <a:prstGeom prst="rect">
+            <a:avLst/>
+          </a:prstGeom>
+          <a:solidFill>
+            <a:schemeClr val="accent1">
+              <a:lumMod val="75000"/>
+              <a:alpha val="50196"/>
+            </a:schemeClr>
+          </a:solidFill>
+          <a:ln w="12700">
+            <a:prstDash val="dash"/>
+          </a:ln>
+        </p:spPr>
+        <p:style>
+          <a:lnRef idx="3">
+            <a:schemeClr val="lt1"/>
+          </a:lnRef>
+          <a:fillRef idx="1">
+            <a:schemeClr val="accent1"/>
+          </a:fillRef>
+          <a:effectRef idx="1">
+            <a:schemeClr val="accent1"/>
+          </a:effectRef>
+          <a:fontRef idx="minor">
+            <a:schemeClr val="lt1"/>
+          </a:fontRef>
+        </p:style>
+        <p:txBody>
+          <a:bodyPr rtlCol="0" anchor="ctr"/>
+          <a:lstStyle/>
+          <a:p>
+            <a:pPr algn="ctr"/>
+            <a:r>
+              <a:rPr lang="en-US" sz="1400" dirty="0" smtClean="0">
+                <a:solidFill>
+                  <a:schemeClr val="bg1"/>
+                </a:solidFill>
+              </a:rPr>
+              <a:t>Barometer *</a:t>
+            </a:r>
+          </a:p>
+        </p:txBody>
+      </p:sp>
+      <p:sp>
+        <p:nvSpPr>
+          <p:cNvPr id="10" name="Прямоугольник 9"/>
+          <p:cNvSpPr/>
+          <p:nvPr/>
+        </p:nvSpPr>
+        <p:spPr>
+          <a:xfrm>
+            <a:off x="6372200" y="3429000"/>
+            <a:ext cx="2016224" cy="288032"/>
+          </a:xfrm>
+          <a:prstGeom prst="rect">
+            <a:avLst/>
+          </a:prstGeom>
+          <a:solidFill>
+            <a:schemeClr val="accent1">
+              <a:lumMod val="75000"/>
+              <a:alpha val="50196"/>
+            </a:schemeClr>
+          </a:solidFill>
+          <a:ln w="12700">
+            <a:prstDash val="dash"/>
+          </a:ln>
+        </p:spPr>
+        <p:style>
+          <a:lnRef idx="3">
+            <a:schemeClr val="lt1"/>
+          </a:lnRef>
+          <a:fillRef idx="1">
+            <a:schemeClr val="accent1"/>
+          </a:fillRef>
+          <a:effectRef idx="1">
+            <a:schemeClr val="accent1"/>
+          </a:effectRef>
+          <a:fontRef idx="minor">
+            <a:schemeClr val="lt1"/>
+          </a:fontRef>
+        </p:style>
+        <p:txBody>
+          <a:bodyPr rtlCol="0" anchor="ctr"/>
+          <a:lstStyle/>
+          <a:p>
+            <a:pPr algn="ctr"/>
+            <a:r>
+              <a:rPr lang="en-US" sz="1400" dirty="0" smtClean="0">
+                <a:solidFill>
+                  <a:schemeClr val="bg1"/>
+                </a:solidFill>
+              </a:rPr>
+              <a:t>Magnetometer *</a:t>
+            </a:r>
+          </a:p>
+        </p:txBody>
+      </p:sp>
+      <p:sp>
+        <p:nvSpPr>
+          <p:cNvPr id="11" name="Прямоугольник 10"/>
+          <p:cNvSpPr/>
+          <p:nvPr/>
+        </p:nvSpPr>
+        <p:spPr>
+          <a:xfrm>
+            <a:off x="2051720" y="1700808"/>
+            <a:ext cx="1008112" cy="504056"/>
+          </a:xfrm>
+          <a:prstGeom prst="rect">
+            <a:avLst/>
+          </a:prstGeom>
+          <a:solidFill>
+            <a:schemeClr val="accent3">
+              <a:lumMod val="75000"/>
+              <a:alpha val="50196"/>
+            </a:schemeClr>
+          </a:solidFill>
+          <a:ln w="12700">
+            <a:solidFill>
+              <a:schemeClr val="bg1"/>
+            </a:solidFill>
+          </a:ln>
+        </p:spPr>
+        <p:style>
+          <a:lnRef idx="3">
+            <a:schemeClr val="lt1"/>
+          </a:lnRef>
+          <a:fillRef idx="1">
+            <a:schemeClr val="accent1"/>
+          </a:fillRef>
+          <a:effectRef idx="1">
+            <a:schemeClr val="accent1"/>
+          </a:effectRef>
+          <a:fontRef idx="minor">
+            <a:schemeClr val="lt1"/>
+          </a:fontRef>
+        </p:style>
+        <p:txBody>
+          <a:bodyPr rtlCol="0" anchor="ctr"/>
+          <a:lstStyle/>
+          <a:p>
+            <a:pPr algn="ctr"/>
+            <a:r>
+              <a:rPr lang="en-US" sz="2000" dirty="0" err="1" smtClean="0">
+                <a:solidFill>
+                  <a:schemeClr val="bg1"/>
+                </a:solidFill>
+              </a:rPr>
+              <a:t>XBee</a:t>
+            </a:r>
+            <a:endParaRPr lang="ru-RU" sz="2000" dirty="0">
+              <a:solidFill>
+                <a:schemeClr val="bg1"/>
+              </a:solidFill>
+            </a:endParaRPr>
+          </a:p>
+        </p:txBody>
+      </p:sp>
+      <p:sp>
+        <p:nvSpPr>
+          <p:cNvPr id="12" name="Прямоугольник 11"/>
+          <p:cNvSpPr/>
+          <p:nvPr/>
+        </p:nvSpPr>
+        <p:spPr>
+          <a:xfrm>
+            <a:off x="6372200" y="4589754"/>
+            <a:ext cx="864096" cy="288032"/>
+          </a:xfrm>
+          <a:prstGeom prst="rect">
+            <a:avLst/>
+          </a:prstGeom>
+          <a:solidFill>
+            <a:schemeClr val="accent2">
+              <a:lumMod val="75000"/>
+              <a:alpha val="50196"/>
+            </a:schemeClr>
+          </a:solidFill>
+          <a:ln w="12700"/>
+        </p:spPr>
+        <p:style>
+          <a:lnRef idx="3">
+            <a:schemeClr val="lt1"/>
+          </a:lnRef>
+          <a:fillRef idx="1">
+            <a:schemeClr val="accent1"/>
+          </a:fillRef>
+          <a:effectRef idx="1">
+            <a:schemeClr val="accent1"/>
+          </a:effectRef>
+          <a:fontRef idx="minor">
+            <a:schemeClr val="lt1"/>
+          </a:fontRef>
+        </p:style>
+        <p:txBody>
+          <a:bodyPr rtlCol="0" anchor="ctr"/>
+          <a:lstStyle/>
+          <a:p>
+            <a:pPr algn="ctr"/>
+            <a:r>
+              <a:rPr lang="en-US" sz="1400" dirty="0" smtClean="0">
+                <a:solidFill>
+                  <a:schemeClr val="bg1"/>
+                </a:solidFill>
+              </a:rPr>
+              <a:t>ESC #1</a:t>
+            </a:r>
+          </a:p>
+        </p:txBody>
+      </p:sp>
+      <p:sp>
+        <p:nvSpPr>
+          <p:cNvPr id="13" name="Прямоугольник 12"/>
+          <p:cNvSpPr/>
+          <p:nvPr/>
+        </p:nvSpPr>
+        <p:spPr>
+          <a:xfrm>
+            <a:off x="7308304" y="4581128"/>
+            <a:ext cx="1512168" cy="288032"/>
+          </a:xfrm>
+          <a:prstGeom prst="rect">
+            <a:avLst/>
+          </a:prstGeom>
+          <a:solidFill>
+            <a:schemeClr val="accent2">
+              <a:lumMod val="75000"/>
+              <a:alpha val="50196"/>
+            </a:schemeClr>
+          </a:solidFill>
+          <a:ln w="12700"/>
+        </p:spPr>
+        <p:style>
+          <a:lnRef idx="3">
+            <a:schemeClr val="lt1"/>
+          </a:lnRef>
+          <a:fillRef idx="1">
+            <a:schemeClr val="accent1"/>
+          </a:fillRef>
+          <a:effectRef idx="1">
+            <a:schemeClr val="accent1"/>
+          </a:effectRef>
+          <a:fontRef idx="minor">
+            <a:schemeClr val="lt1"/>
+          </a:fontRef>
+        </p:style>
+        <p:txBody>
+          <a:bodyPr rtlCol="0" anchor="ctr"/>
+          <a:lstStyle/>
+          <a:p>
+            <a:pPr algn="ctr"/>
+            <a:r>
+              <a:rPr lang="en-US" sz="1400" dirty="0" smtClean="0">
+                <a:solidFill>
+                  <a:schemeClr val="bg1"/>
+                </a:solidFill>
+              </a:rPr>
+              <a:t>Brushless Motor</a:t>
+            </a:r>
+          </a:p>
+        </p:txBody>
+      </p:sp>
+      <p:sp>
+        <p:nvSpPr>
+          <p:cNvPr id="14" name="Прямоугольник 13"/>
+          <p:cNvSpPr/>
+          <p:nvPr/>
+        </p:nvSpPr>
+        <p:spPr>
+          <a:xfrm>
+            <a:off x="6372200" y="4949794"/>
+            <a:ext cx="864096" cy="288032"/>
+          </a:xfrm>
+          <a:prstGeom prst="rect">
+            <a:avLst/>
+          </a:prstGeom>
+          <a:solidFill>
+            <a:schemeClr val="accent2">
+              <a:lumMod val="75000"/>
+              <a:alpha val="50196"/>
+            </a:schemeClr>
+          </a:solidFill>
+          <a:ln w="12700"/>
+        </p:spPr>
+        <p:style>
+          <a:lnRef idx="3">
+            <a:schemeClr val="lt1"/>
+          </a:lnRef>
+          <a:fillRef idx="1">
+            <a:schemeClr val="accent1"/>
+          </a:fillRef>
+          <a:effectRef idx="1">
+            <a:schemeClr val="accent1"/>
+          </a:effectRef>
+          <a:fontRef idx="minor">
+            <a:schemeClr val="lt1"/>
+          </a:fontRef>
+        </p:style>
+        <p:txBody>
+          <a:bodyPr rtlCol="0" anchor="ctr"/>
+          <a:lstStyle/>
+          <a:p>
+            <a:pPr algn="ctr"/>
+            <a:r>
+              <a:rPr lang="en-US" sz="1400" dirty="0" smtClean="0">
+                <a:solidFill>
+                  <a:schemeClr val="bg1"/>
+                </a:solidFill>
+              </a:rPr>
+              <a:t>ESC #2</a:t>
+            </a:r>
+          </a:p>
+        </p:txBody>
+      </p:sp>
+      <p:sp>
+        <p:nvSpPr>
+          <p:cNvPr id="15" name="Прямоугольник 14"/>
+          <p:cNvSpPr/>
+          <p:nvPr/>
+        </p:nvSpPr>
+        <p:spPr>
+          <a:xfrm>
+            <a:off x="7308304" y="4941168"/>
+            <a:ext cx="1512168" cy="288032"/>
+          </a:xfrm>
+          <a:prstGeom prst="rect">
+            <a:avLst/>
+          </a:prstGeom>
+          <a:solidFill>
+            <a:schemeClr val="accent2">
+              <a:lumMod val="75000"/>
+              <a:alpha val="50196"/>
+            </a:schemeClr>
+          </a:solidFill>
+          <a:ln w="12700"/>
+        </p:spPr>
+        <p:style>
+          <a:lnRef idx="3">
+            <a:schemeClr val="lt1"/>
+          </a:lnRef>
+          <a:fillRef idx="1">
+            <a:schemeClr val="accent1"/>
+          </a:fillRef>
+          <a:effectRef idx="1">
+            <a:schemeClr val="accent1"/>
+          </a:effectRef>
+          <a:fontRef idx="minor">
+            <a:schemeClr val="lt1"/>
+          </a:fontRef>
+        </p:style>
+        <p:txBody>
+          <a:bodyPr rtlCol="0" anchor="ctr"/>
+          <a:lstStyle/>
+          <a:p>
+            <a:pPr algn="ctr"/>
+            <a:r>
+              <a:rPr lang="en-US" sz="1400" dirty="0" smtClean="0">
+                <a:solidFill>
+                  <a:schemeClr val="bg1"/>
+                </a:solidFill>
+              </a:rPr>
+              <a:t>Brushless Motor</a:t>
+            </a:r>
+          </a:p>
+        </p:txBody>
+      </p:sp>
+      <p:sp>
+        <p:nvSpPr>
+          <p:cNvPr id="16" name="Прямоугольник 15"/>
+          <p:cNvSpPr/>
+          <p:nvPr/>
+        </p:nvSpPr>
+        <p:spPr>
+          <a:xfrm>
+            <a:off x="6372200" y="5292582"/>
+            <a:ext cx="864096" cy="288032"/>
+          </a:xfrm>
+          <a:prstGeom prst="rect">
+            <a:avLst/>
+          </a:prstGeom>
+          <a:solidFill>
+            <a:schemeClr val="accent2">
+              <a:lumMod val="75000"/>
+              <a:alpha val="50196"/>
+            </a:schemeClr>
+          </a:solidFill>
+          <a:ln w="12700"/>
+        </p:spPr>
+        <p:style>
+          <a:lnRef idx="3">
+            <a:schemeClr val="lt1"/>
+          </a:lnRef>
+          <a:fillRef idx="1">
+            <a:schemeClr val="accent1"/>
+          </a:fillRef>
+          <a:effectRef idx="1">
+            <a:schemeClr val="accent1"/>
+          </a:effectRef>
+          <a:fontRef idx="minor">
+            <a:schemeClr val="lt1"/>
+          </a:fontRef>
+        </p:style>
+        <p:txBody>
+          <a:bodyPr rtlCol="0" anchor="ctr"/>
+          <a:lstStyle/>
+          <a:p>
+            <a:pPr algn="ctr"/>
+            <a:r>
+              <a:rPr lang="en-US" sz="1400" dirty="0" smtClean="0">
+                <a:solidFill>
+                  <a:schemeClr val="bg1"/>
+                </a:solidFill>
+              </a:rPr>
+              <a:t>ESC #3</a:t>
+            </a:r>
+          </a:p>
+        </p:txBody>
+      </p:sp>
+      <p:sp>
+        <p:nvSpPr>
+          <p:cNvPr id="17" name="Прямоугольник 16"/>
+          <p:cNvSpPr/>
+          <p:nvPr/>
+        </p:nvSpPr>
+        <p:spPr>
+          <a:xfrm>
+            <a:off x="7308304" y="5283956"/>
+            <a:ext cx="1512168" cy="288032"/>
+          </a:xfrm>
+          <a:prstGeom prst="rect">
+            <a:avLst/>
+          </a:prstGeom>
+          <a:solidFill>
+            <a:schemeClr val="accent2">
+              <a:lumMod val="75000"/>
+              <a:alpha val="50196"/>
+            </a:schemeClr>
+          </a:solidFill>
+          <a:ln w="12700"/>
+        </p:spPr>
+        <p:style>
+          <a:lnRef idx="3">
+            <a:schemeClr val="lt1"/>
+          </a:lnRef>
+          <a:fillRef idx="1">
+            <a:schemeClr val="accent1"/>
+          </a:fillRef>
+          <a:effectRef idx="1">
+            <a:schemeClr val="accent1"/>
+          </a:effectRef>
+          <a:fontRef idx="minor">
+            <a:schemeClr val="lt1"/>
+          </a:fontRef>
+        </p:style>
+        <p:txBody>
+          <a:bodyPr rtlCol="0" anchor="ctr"/>
+          <a:lstStyle/>
+          <a:p>
+            <a:pPr algn="ctr"/>
+            <a:r>
+              <a:rPr lang="en-US" sz="1400" dirty="0" smtClean="0">
+                <a:solidFill>
+                  <a:schemeClr val="bg1"/>
+                </a:solidFill>
+              </a:rPr>
+              <a:t>Brushless Motor</a:t>
+            </a:r>
+          </a:p>
+        </p:txBody>
+      </p:sp>
+      <p:sp>
+        <p:nvSpPr>
+          <p:cNvPr id="18" name="Прямоугольник 17"/>
+          <p:cNvSpPr/>
+          <p:nvPr/>
+        </p:nvSpPr>
+        <p:spPr>
+          <a:xfrm>
+            <a:off x="6372200" y="5661248"/>
+            <a:ext cx="864096" cy="288032"/>
+          </a:xfrm>
+          <a:prstGeom prst="rect">
+            <a:avLst/>
+          </a:prstGeom>
+          <a:solidFill>
+            <a:schemeClr val="accent2">
+              <a:lumMod val="75000"/>
+              <a:alpha val="50196"/>
+            </a:schemeClr>
+          </a:solidFill>
+          <a:ln w="12700"/>
+        </p:spPr>
+        <p:style>
+          <a:lnRef idx="3">
+            <a:schemeClr val="lt1"/>
+          </a:lnRef>
+          <a:fillRef idx="1">
+            <a:schemeClr val="accent1"/>
+          </a:fillRef>
+          <a:effectRef idx="1">
+            <a:schemeClr val="accent1"/>
+          </a:effectRef>
+          <a:fontRef idx="minor">
+            <a:schemeClr val="lt1"/>
+          </a:fontRef>
+        </p:style>
+        <p:txBody>
+          <a:bodyPr rtlCol="0" anchor="ctr"/>
+          <a:lstStyle/>
+          <a:p>
+            <a:pPr algn="ctr"/>
+            <a:r>
+              <a:rPr lang="en-US" sz="1400" dirty="0" smtClean="0">
+                <a:solidFill>
+                  <a:schemeClr val="bg1"/>
+                </a:solidFill>
+              </a:rPr>
+              <a:t>ESC #4</a:t>
+            </a:r>
+          </a:p>
+        </p:txBody>
+      </p:sp>
+      <p:sp>
+        <p:nvSpPr>
+          <p:cNvPr id="19" name="Прямоугольник 18"/>
+          <p:cNvSpPr/>
+          <p:nvPr/>
+        </p:nvSpPr>
+        <p:spPr>
+          <a:xfrm>
+            <a:off x="7308304" y="5652622"/>
+            <a:ext cx="1512168" cy="288032"/>
+          </a:xfrm>
+          <a:prstGeom prst="rect">
+            <a:avLst/>
+          </a:prstGeom>
+          <a:solidFill>
+            <a:schemeClr val="accent2">
+              <a:lumMod val="75000"/>
+              <a:alpha val="50196"/>
+            </a:schemeClr>
+          </a:solidFill>
+          <a:ln w="12700"/>
+        </p:spPr>
+        <p:style>
+          <a:lnRef idx="3">
+            <a:schemeClr val="lt1"/>
+          </a:lnRef>
+          <a:fillRef idx="1">
+            <a:schemeClr val="accent1"/>
+          </a:fillRef>
+          <a:effectRef idx="1">
+            <a:schemeClr val="accent1"/>
+          </a:effectRef>
+          <a:fontRef idx="minor">
+            <a:schemeClr val="lt1"/>
+          </a:fontRef>
+        </p:style>
+        <p:txBody>
+          <a:bodyPr rtlCol="0" anchor="ctr"/>
+          <a:lstStyle/>
+          <a:p>
+            <a:pPr algn="ctr"/>
+            <a:r>
+              <a:rPr lang="en-US" sz="1400" dirty="0" smtClean="0">
+                <a:solidFill>
+                  <a:schemeClr val="bg1"/>
+                </a:solidFill>
+              </a:rPr>
+              <a:t>Brushless Motor</a:t>
+            </a:r>
+          </a:p>
+        </p:txBody>
+      </p:sp>
+      <p:sp>
+        <p:nvSpPr>
+          <p:cNvPr id="20" name="Прямоугольник 19"/>
+          <p:cNvSpPr/>
+          <p:nvPr/>
+        </p:nvSpPr>
+        <p:spPr>
+          <a:xfrm>
+            <a:off x="2051720" y="4653136"/>
+            <a:ext cx="1224136" cy="936104"/>
+          </a:xfrm>
+          <a:prstGeom prst="rect">
+            <a:avLst/>
+          </a:prstGeom>
+          <a:solidFill>
+            <a:srgbClr val="324B64">
+              <a:alpha val="50196"/>
+            </a:srgbClr>
+          </a:solidFill>
+          <a:ln w="12700">
+            <a:solidFill>
+              <a:schemeClr val="bg1"/>
+            </a:solidFill>
+          </a:ln>
+        </p:spPr>
+        <p:style>
+          <a:lnRef idx="3">
+            <a:schemeClr val="lt1"/>
+          </a:lnRef>
+          <a:fillRef idx="1">
+            <a:schemeClr val="accent1"/>
+          </a:fillRef>
+          <a:effectRef idx="1">
+            <a:schemeClr val="accent1"/>
+          </a:effectRef>
+          <a:fontRef idx="minor">
+            <a:schemeClr val="lt1"/>
+          </a:fontRef>
+        </p:style>
+        <p:txBody>
+          <a:bodyPr rtlCol="0" anchor="ctr"/>
+          <a:lstStyle/>
+          <a:p>
+            <a:pPr algn="ctr"/>
+            <a:r>
+              <a:rPr lang="en-US" sz="2000" dirty="0" smtClean="0">
+                <a:solidFill>
+                  <a:schemeClr val="bg1"/>
+                </a:solidFill>
+              </a:rPr>
+              <a:t>Camera</a:t>
+            </a:r>
+            <a:endParaRPr lang="ru-RU" sz="2000" dirty="0">
+              <a:solidFill>
+                <a:schemeClr val="bg1"/>
+              </a:solidFill>
+            </a:endParaRPr>
+          </a:p>
+        </p:txBody>
+      </p:sp>
+      <p:cxnSp>
+        <p:nvCxnSpPr>
+          <p:cNvPr id="22" name="Соединительная линия уступом 21"/>
+          <p:cNvCxnSpPr>
+            <a:stCxn id="7" idx="1"/>
+            <a:endCxn id="5" idx="3"/>
+          </p:cNvCxnSpPr>
+          <p:nvPr/>
+        </p:nvCxnSpPr>
+        <p:spPr>
+          <a:xfrm rot="10800000" flipV="1">
+            <a:off x="5796136" y="1844824"/>
+            <a:ext cx="576064" cy="1188132"/>
+          </a:xfrm>
+          <a:prstGeom prst="bentConnector3">
+            <a:avLst>
+              <a:gd name="adj1" fmla="val 50000"/>
+            </a:avLst>
+          </a:prstGeom>
+          <a:ln w="28575">
+            <a:solidFill>
+              <a:schemeClr val="bg1"/>
+            </a:solidFill>
+            <a:tailEnd type="arrow"/>
+          </a:ln>
+        </p:spPr>
+        <p:style>
+          <a:lnRef idx="1">
+            <a:schemeClr val="accent1"/>
+          </a:lnRef>
+          <a:fillRef idx="0">
+            <a:schemeClr val="accent1"/>
+          </a:fillRef>
+          <a:effectRef idx="0">
+            <a:schemeClr val="accent1"/>
+          </a:effectRef>
+          <a:fontRef idx="minor">
+            <a:schemeClr val="tx1"/>
+          </a:fontRef>
+        </p:style>
+      </p:cxnSp>
+      <p:cxnSp>
+        <p:nvCxnSpPr>
+          <p:cNvPr id="26" name="Соединительная линия уступом 25"/>
+          <p:cNvCxnSpPr>
+            <a:stCxn id="115" idx="1"/>
+            <a:endCxn id="5" idx="3"/>
+          </p:cNvCxnSpPr>
+          <p:nvPr/>
+        </p:nvCxnSpPr>
+        <p:spPr>
+          <a:xfrm rot="10800000" flipV="1">
+            <a:off x="5796136" y="2708920"/>
+            <a:ext cx="576064" cy="324036"/>
+          </a:xfrm>
+          <a:prstGeom prst="bentConnector3">
+            <a:avLst>
+              <a:gd name="adj1" fmla="val 50000"/>
+            </a:avLst>
+          </a:prstGeom>
+          <a:ln w="28575">
+            <a:solidFill>
+              <a:schemeClr val="bg1"/>
+            </a:solidFill>
+            <a:tailEnd type="arrow"/>
+          </a:ln>
+        </p:spPr>
+        <p:style>
+          <a:lnRef idx="1">
+            <a:schemeClr val="accent1"/>
+          </a:lnRef>
+          <a:fillRef idx="0">
+            <a:schemeClr val="accent1"/>
+          </a:fillRef>
+          <a:effectRef idx="0">
+            <a:schemeClr val="accent1"/>
+          </a:effectRef>
+          <a:fontRef idx="minor">
+            <a:schemeClr val="tx1"/>
+          </a:fontRef>
+        </p:style>
+      </p:cxnSp>
+      <p:cxnSp>
+        <p:nvCxnSpPr>
+          <p:cNvPr id="28" name="Соединительная линия уступом 27"/>
+          <p:cNvCxnSpPr>
+            <a:stCxn id="9" idx="1"/>
+            <a:endCxn id="5" idx="3"/>
+          </p:cNvCxnSpPr>
+          <p:nvPr/>
+        </p:nvCxnSpPr>
+        <p:spPr>
+          <a:xfrm rot="10800000">
+            <a:off x="5796136" y="3032956"/>
+            <a:ext cx="576064" cy="108012"/>
+          </a:xfrm>
+          <a:prstGeom prst="bentConnector3">
+            <a:avLst>
+              <a:gd name="adj1" fmla="val 50000"/>
+            </a:avLst>
+          </a:prstGeom>
+          <a:ln w="28575">
+            <a:solidFill>
+              <a:schemeClr val="bg1"/>
+            </a:solidFill>
+            <a:tailEnd type="arrow"/>
+          </a:ln>
+        </p:spPr>
+        <p:style>
+          <a:lnRef idx="1">
+            <a:schemeClr val="accent1"/>
+          </a:lnRef>
+          <a:fillRef idx="0">
+            <a:schemeClr val="accent1"/>
+          </a:fillRef>
+          <a:effectRef idx="0">
+            <a:schemeClr val="accent1"/>
+          </a:effectRef>
+          <a:fontRef idx="minor">
+            <a:schemeClr val="tx1"/>
+          </a:fontRef>
+        </p:style>
+      </p:cxnSp>
+      <p:cxnSp>
+        <p:nvCxnSpPr>
+          <p:cNvPr id="30" name="Соединительная линия уступом 29"/>
+          <p:cNvCxnSpPr>
+            <a:stCxn id="10" idx="1"/>
+            <a:endCxn id="5" idx="3"/>
+          </p:cNvCxnSpPr>
+          <p:nvPr/>
+        </p:nvCxnSpPr>
+        <p:spPr>
+          <a:xfrm rot="10800000">
+            <a:off x="5796136" y="3032956"/>
+            <a:ext cx="576064" cy="540060"/>
+          </a:xfrm>
+          <a:prstGeom prst="bentConnector3">
+            <a:avLst>
+              <a:gd name="adj1" fmla="val 50000"/>
+            </a:avLst>
+          </a:prstGeom>
+          <a:ln w="28575">
+            <a:solidFill>
+              <a:schemeClr val="bg1"/>
+            </a:solidFill>
+            <a:tailEnd type="arrow"/>
+          </a:ln>
+        </p:spPr>
+        <p:style>
+          <a:lnRef idx="1">
+            <a:schemeClr val="accent1"/>
+          </a:lnRef>
+          <a:fillRef idx="0">
+            <a:schemeClr val="accent1"/>
+          </a:fillRef>
+          <a:effectRef idx="0">
+            <a:schemeClr val="accent1"/>
+          </a:effectRef>
+          <a:fontRef idx="minor">
+            <a:schemeClr val="tx1"/>
+          </a:fontRef>
+        </p:style>
+      </p:cxnSp>
+      <p:cxnSp>
+        <p:nvCxnSpPr>
+          <p:cNvPr id="34" name="Shape 33"/>
+          <p:cNvCxnSpPr>
+            <a:stCxn id="5" idx="2"/>
+            <a:endCxn id="12" idx="1"/>
+          </p:cNvCxnSpPr>
+          <p:nvPr/>
+        </p:nvCxnSpPr>
+        <p:spPr>
+          <a:xfrm rot="16200000" flipH="1">
+            <a:off x="5017737" y="3379307"/>
+            <a:ext cx="1160754" cy="1548172"/>
+          </a:xfrm>
+          <a:prstGeom prst="bentConnector2">
+            <a:avLst/>
+          </a:prstGeom>
+          <a:ln w="28575">
+            <a:solidFill>
+              <a:schemeClr val="bg1"/>
+            </a:solidFill>
+            <a:tailEnd type="arrow"/>
+          </a:ln>
+        </p:spPr>
+        <p:style>
+          <a:lnRef idx="1">
+            <a:schemeClr val="accent1"/>
+          </a:lnRef>
+          <a:fillRef idx="0">
+            <a:schemeClr val="accent1"/>
+          </a:fillRef>
+          <a:effectRef idx="0">
+            <a:schemeClr val="accent1"/>
+          </a:effectRef>
+          <a:fontRef idx="minor">
+            <a:schemeClr val="tx1"/>
+          </a:fontRef>
+        </p:style>
+      </p:cxnSp>
+      <p:cxnSp>
+        <p:nvCxnSpPr>
+          <p:cNvPr id="36" name="Shape 35"/>
+          <p:cNvCxnSpPr>
+            <a:stCxn id="5" idx="2"/>
+            <a:endCxn id="14" idx="1"/>
+          </p:cNvCxnSpPr>
+          <p:nvPr/>
+        </p:nvCxnSpPr>
+        <p:spPr>
+          <a:xfrm rot="16200000" flipH="1">
+            <a:off x="4837717" y="3559327"/>
+            <a:ext cx="1520794" cy="1548172"/>
+          </a:xfrm>
+          <a:prstGeom prst="bentConnector2">
+            <a:avLst/>
+          </a:prstGeom>
+          <a:ln w="28575">
+            <a:solidFill>
+              <a:schemeClr val="bg1"/>
+            </a:solidFill>
+            <a:tailEnd type="arrow"/>
+          </a:ln>
+        </p:spPr>
+        <p:style>
+          <a:lnRef idx="1">
+            <a:schemeClr val="accent1"/>
+          </a:lnRef>
+          <a:fillRef idx="0">
+            <a:schemeClr val="accent1"/>
+          </a:fillRef>
+          <a:effectRef idx="0">
+            <a:schemeClr val="accent1"/>
+          </a:effectRef>
+          <a:fontRef idx="minor">
+            <a:schemeClr val="tx1"/>
+          </a:fontRef>
+        </p:style>
+      </p:cxnSp>
+      <p:cxnSp>
+        <p:nvCxnSpPr>
+          <p:cNvPr id="38" name="Shape 37"/>
+          <p:cNvCxnSpPr>
+            <a:stCxn id="5" idx="2"/>
+            <a:endCxn id="16" idx="1"/>
+          </p:cNvCxnSpPr>
+          <p:nvPr/>
+        </p:nvCxnSpPr>
+        <p:spPr>
+          <a:xfrm rot="16200000" flipH="1">
+            <a:off x="4666323" y="3730721"/>
+            <a:ext cx="1863582" cy="1548172"/>
+          </a:xfrm>
+          <a:prstGeom prst="bentConnector2">
+            <a:avLst/>
+          </a:prstGeom>
+          <a:ln w="28575">
+            <a:solidFill>
+              <a:schemeClr val="bg1"/>
+            </a:solidFill>
+            <a:tailEnd type="arrow"/>
+          </a:ln>
+        </p:spPr>
+        <p:style>
+          <a:lnRef idx="1">
+            <a:schemeClr val="accent1"/>
+          </a:lnRef>
+          <a:fillRef idx="0">
+            <a:schemeClr val="accent1"/>
+          </a:fillRef>
+          <a:effectRef idx="0">
+            <a:schemeClr val="accent1"/>
+          </a:effectRef>
+          <a:fontRef idx="minor">
+            <a:schemeClr val="tx1"/>
+          </a:fontRef>
+        </p:style>
+      </p:cxnSp>
+      <p:cxnSp>
+        <p:nvCxnSpPr>
+          <p:cNvPr id="40" name="Shape 39"/>
+          <p:cNvCxnSpPr>
+            <a:stCxn id="5" idx="2"/>
+            <a:endCxn id="18" idx="1"/>
+          </p:cNvCxnSpPr>
+          <p:nvPr/>
+        </p:nvCxnSpPr>
+        <p:spPr>
+          <a:xfrm rot="16200000" flipH="1">
+            <a:off x="4481990" y="3915054"/>
+            <a:ext cx="2232248" cy="1548172"/>
+          </a:xfrm>
+          <a:prstGeom prst="bentConnector2">
+            <a:avLst/>
+          </a:prstGeom>
+          <a:ln w="28575">
+            <a:solidFill>
+              <a:schemeClr val="bg1"/>
+            </a:solidFill>
+            <a:tailEnd type="arrow"/>
+          </a:ln>
+        </p:spPr>
+        <p:style>
+          <a:lnRef idx="1">
+            <a:schemeClr val="accent1"/>
+          </a:lnRef>
+          <a:fillRef idx="0">
+            <a:schemeClr val="accent1"/>
+          </a:fillRef>
+          <a:effectRef idx="0">
+            <a:schemeClr val="accent1"/>
+          </a:effectRef>
+          <a:fontRef idx="minor">
+            <a:schemeClr val="tx1"/>
+          </a:fontRef>
+        </p:style>
+      </p:cxnSp>
+      <p:cxnSp>
+        <p:nvCxnSpPr>
+          <p:cNvPr id="50" name="Соединительная линия уступом 49"/>
+          <p:cNvCxnSpPr>
+            <a:stCxn id="11" idx="3"/>
+            <a:endCxn id="5" idx="0"/>
+          </p:cNvCxnSpPr>
+          <p:nvPr/>
+        </p:nvCxnSpPr>
+        <p:spPr>
+          <a:xfrm>
+            <a:off x="3059832" y="1952836"/>
+            <a:ext cx="1764196" cy="540060"/>
+          </a:xfrm>
+          <a:prstGeom prst="bentConnector2">
+            <a:avLst/>
+          </a:prstGeom>
+          <a:ln w="28575">
+            <a:solidFill>
+              <a:schemeClr val="bg1"/>
+            </a:solidFill>
+            <a:headEnd type="arrow"/>
+            <a:tailEnd type="arrow"/>
+          </a:ln>
+        </p:spPr>
+        <p:style>
+          <a:lnRef idx="1">
+            <a:schemeClr val="accent1"/>
+          </a:lnRef>
+          <a:fillRef idx="0">
+            <a:schemeClr val="accent1"/>
+          </a:fillRef>
+          <a:effectRef idx="0">
+            <a:schemeClr val="accent1"/>
+          </a:effectRef>
+          <a:fontRef idx="minor">
+            <a:schemeClr val="tx1"/>
+          </a:fontRef>
+        </p:style>
+      </p:cxnSp>
+      <p:cxnSp>
+        <p:nvCxnSpPr>
+          <p:cNvPr id="56" name="Соединительная линия уступом 55"/>
+          <p:cNvCxnSpPr>
+            <a:stCxn id="20" idx="3"/>
+            <a:endCxn id="5" idx="1"/>
+          </p:cNvCxnSpPr>
+          <p:nvPr/>
+        </p:nvCxnSpPr>
+        <p:spPr>
+          <a:xfrm flipV="1">
+            <a:off x="3275856" y="3032956"/>
+            <a:ext cx="576064" cy="2088232"/>
+          </a:xfrm>
+          <a:prstGeom prst="bentConnector3">
+            <a:avLst>
+              <a:gd name="adj1" fmla="val 60482"/>
+            </a:avLst>
+          </a:prstGeom>
+          <a:ln w="28575">
+            <a:solidFill>
+              <a:schemeClr val="bg1"/>
+            </a:solidFill>
+            <a:tailEnd type="arrow"/>
+          </a:ln>
+        </p:spPr>
+        <p:style>
+          <a:lnRef idx="1">
+            <a:schemeClr val="accent1"/>
+          </a:lnRef>
+          <a:fillRef idx="0">
+            <a:schemeClr val="accent1"/>
+          </a:fillRef>
+          <a:effectRef idx="0">
+            <a:schemeClr val="accent1"/>
+          </a:effectRef>
+          <a:fontRef idx="minor">
+            <a:schemeClr val="tx1"/>
+          </a:fontRef>
+        </p:style>
+      </p:cxnSp>
+      <p:cxnSp>
+        <p:nvCxnSpPr>
+          <p:cNvPr id="129" name="Соединительная линия уступом 128"/>
+          <p:cNvCxnSpPr>
+            <a:stCxn id="4" idx="3"/>
+            <a:endCxn id="11" idx="1"/>
+          </p:cNvCxnSpPr>
+          <p:nvPr/>
+        </p:nvCxnSpPr>
+        <p:spPr>
+          <a:xfrm flipV="1">
+            <a:off x="1259632" y="1952836"/>
+            <a:ext cx="792088" cy="540060"/>
+          </a:xfrm>
+          <a:prstGeom prst="bentConnector3">
+            <a:avLst>
+              <a:gd name="adj1" fmla="val 50000"/>
+            </a:avLst>
+          </a:prstGeom>
+          <a:ln w="28575">
+            <a:solidFill>
+              <a:schemeClr val="bg1"/>
+            </a:solidFill>
+            <a:headEnd type="arrow"/>
+            <a:tailEnd type="arrow"/>
+          </a:ln>
+        </p:spPr>
+        <p:style>
+          <a:lnRef idx="1">
+            <a:schemeClr val="accent1"/>
+          </a:lnRef>
+          <a:fillRef idx="0">
+            <a:schemeClr val="accent1"/>
+          </a:fillRef>
+          <a:effectRef idx="0">
+            <a:schemeClr val="accent1"/>
+          </a:effectRef>
+          <a:fontRef idx="minor">
+            <a:schemeClr val="tx1"/>
+          </a:fontRef>
+        </p:style>
+      </p:cxnSp>
+      <p:sp>
+        <p:nvSpPr>
+          <p:cNvPr id="42" name="Прямоугольник 41"/>
+          <p:cNvSpPr/>
+          <p:nvPr/>
+        </p:nvSpPr>
+        <p:spPr>
+          <a:xfrm>
+            <a:off x="2051720" y="2348880"/>
+            <a:ext cx="1008112" cy="504056"/>
+          </a:xfrm>
+          <a:prstGeom prst="rect">
+            <a:avLst/>
+          </a:prstGeom>
+          <a:solidFill>
+            <a:schemeClr val="accent3">
+              <a:lumMod val="75000"/>
+              <a:alpha val="50196"/>
+            </a:schemeClr>
+          </a:solidFill>
+          <a:ln w="12700">
+            <a:solidFill>
+              <a:schemeClr val="bg1"/>
+            </a:solidFill>
+          </a:ln>
+        </p:spPr>
+        <p:style>
+          <a:lnRef idx="3">
+            <a:schemeClr val="lt1"/>
+          </a:lnRef>
+          <a:fillRef idx="1">
+            <a:schemeClr val="accent1"/>
+          </a:fillRef>
+          <a:effectRef idx="1">
+            <a:schemeClr val="accent1"/>
+          </a:effectRef>
+          <a:fontRef idx="minor">
+            <a:schemeClr val="lt1"/>
+          </a:fontRef>
+        </p:style>
+        <p:txBody>
+          <a:bodyPr rtlCol="0" anchor="ctr"/>
+          <a:lstStyle/>
+          <a:p>
+            <a:pPr algn="ctr"/>
+            <a:r>
+              <a:rPr lang="en-US" sz="2000" dirty="0" err="1" smtClean="0">
+                <a:solidFill>
+                  <a:schemeClr val="bg1"/>
+                </a:solidFill>
+              </a:rPr>
+              <a:t>WiFi</a:t>
+            </a:r>
+            <a:endParaRPr lang="ru-RU" sz="2000" dirty="0">
+              <a:solidFill>
+                <a:schemeClr val="bg1"/>
+              </a:solidFill>
+            </a:endParaRPr>
+          </a:p>
+        </p:txBody>
+      </p:sp>
+      <p:sp>
+        <p:nvSpPr>
+          <p:cNvPr id="43" name="Прямоугольник 42"/>
+          <p:cNvSpPr/>
+          <p:nvPr/>
+        </p:nvSpPr>
+        <p:spPr>
+          <a:xfrm>
+            <a:off x="2051720" y="2996952"/>
+            <a:ext cx="1008112" cy="504056"/>
+          </a:xfrm>
+          <a:prstGeom prst="rect">
+            <a:avLst/>
+          </a:prstGeom>
+          <a:solidFill>
+            <a:schemeClr val="accent3">
+              <a:lumMod val="75000"/>
+              <a:alpha val="50196"/>
+            </a:schemeClr>
+          </a:solidFill>
+          <a:ln w="12700">
+            <a:solidFill>
+              <a:schemeClr val="bg1"/>
+            </a:solidFill>
+            <a:prstDash val="dash"/>
+          </a:ln>
+        </p:spPr>
+        <p:style>
+          <a:lnRef idx="3">
+            <a:schemeClr val="lt1"/>
+          </a:lnRef>
+          <a:fillRef idx="1">
+            <a:schemeClr val="accent1"/>
+          </a:fillRef>
+          <a:effectRef idx="1">
+            <a:schemeClr val="accent1"/>
+          </a:effectRef>
+          <a:fontRef idx="minor">
+            <a:schemeClr val="lt1"/>
+          </a:fontRef>
+        </p:style>
+        <p:txBody>
+          <a:bodyPr rtlCol="0" anchor="ctr"/>
+          <a:lstStyle/>
+          <a:p>
+            <a:pPr algn="ctr"/>
+            <a:r>
+              <a:rPr lang="en-US" sz="2000" dirty="0" smtClean="0">
+                <a:solidFill>
+                  <a:schemeClr val="bg1"/>
+                </a:solidFill>
+              </a:rPr>
+              <a:t>USB</a:t>
+            </a:r>
+            <a:endParaRPr lang="ru-RU" sz="2000" dirty="0">
+              <a:solidFill>
+                <a:schemeClr val="bg1"/>
+              </a:solidFill>
+            </a:endParaRPr>
+          </a:p>
+        </p:txBody>
+      </p:sp>
+      <p:cxnSp>
+        <p:nvCxnSpPr>
+          <p:cNvPr id="44" name="Соединительная линия уступом 43"/>
+          <p:cNvCxnSpPr>
+            <a:stCxn id="4" idx="3"/>
+            <a:endCxn id="42" idx="1"/>
+          </p:cNvCxnSpPr>
+          <p:nvPr/>
+        </p:nvCxnSpPr>
+        <p:spPr>
+          <a:xfrm>
+            <a:off x="1259632" y="2492896"/>
+            <a:ext cx="792088" cy="108012"/>
+          </a:xfrm>
+          <a:prstGeom prst="bentConnector3">
+            <a:avLst>
+              <a:gd name="adj1" fmla="val 50000"/>
+            </a:avLst>
+          </a:prstGeom>
+          <a:ln w="28575">
+            <a:solidFill>
+              <a:schemeClr val="bg1"/>
+            </a:solidFill>
+            <a:headEnd type="arrow"/>
+            <a:tailEnd type="arrow"/>
+          </a:ln>
+        </p:spPr>
+        <p:style>
+          <a:lnRef idx="1">
+            <a:schemeClr val="accent1"/>
+          </a:lnRef>
+          <a:fillRef idx="0">
+            <a:schemeClr val="accent1"/>
+          </a:fillRef>
+          <a:effectRef idx="0">
+            <a:schemeClr val="accent1"/>
+          </a:effectRef>
+          <a:fontRef idx="minor">
+            <a:schemeClr val="tx1"/>
+          </a:fontRef>
+        </p:style>
+      </p:cxnSp>
+      <p:cxnSp>
+        <p:nvCxnSpPr>
+          <p:cNvPr id="47" name="Соединительная линия уступом 46"/>
+          <p:cNvCxnSpPr>
+            <a:stCxn id="4" idx="3"/>
+            <a:endCxn id="43" idx="1"/>
+          </p:cNvCxnSpPr>
+          <p:nvPr/>
+        </p:nvCxnSpPr>
+        <p:spPr>
+          <a:xfrm>
+            <a:off x="1259632" y="2492896"/>
+            <a:ext cx="792088" cy="756084"/>
+          </a:xfrm>
+          <a:prstGeom prst="bentConnector3">
+            <a:avLst>
+              <a:gd name="adj1" fmla="val 50000"/>
+            </a:avLst>
+          </a:prstGeom>
+          <a:ln w="28575">
+            <a:solidFill>
+              <a:schemeClr val="bg1"/>
+            </a:solidFill>
+            <a:headEnd type="arrow"/>
+            <a:tailEnd type="arrow"/>
+          </a:ln>
+        </p:spPr>
+        <p:style>
+          <a:lnRef idx="1">
+            <a:schemeClr val="accent1"/>
+          </a:lnRef>
+          <a:fillRef idx="0">
+            <a:schemeClr val="accent1"/>
+          </a:fillRef>
+          <a:effectRef idx="0">
+            <a:schemeClr val="accent1"/>
+          </a:effectRef>
+          <a:fontRef idx="minor">
+            <a:schemeClr val="tx1"/>
+          </a:fontRef>
+        </p:style>
+      </p:cxnSp>
+      <p:cxnSp>
+        <p:nvCxnSpPr>
+          <p:cNvPr id="51" name="Соединительная линия уступом 49"/>
+          <p:cNvCxnSpPr>
+            <a:stCxn id="42" idx="3"/>
+            <a:endCxn id="5" idx="0"/>
+          </p:cNvCxnSpPr>
+          <p:nvPr/>
+        </p:nvCxnSpPr>
+        <p:spPr>
+          <a:xfrm flipV="1">
+            <a:off x="3059832" y="2492896"/>
+            <a:ext cx="1764196" cy="108012"/>
+          </a:xfrm>
+          <a:prstGeom prst="bentConnector4">
+            <a:avLst>
+              <a:gd name="adj1" fmla="val 22449"/>
+              <a:gd name="adj2" fmla="val 596720"/>
+            </a:avLst>
+          </a:prstGeom>
+          <a:ln w="28575">
+            <a:solidFill>
+              <a:schemeClr val="bg1"/>
+            </a:solidFill>
+            <a:headEnd type="arrow"/>
+            <a:tailEnd type="arrow"/>
+          </a:ln>
+        </p:spPr>
+        <p:style>
+          <a:lnRef idx="1">
+            <a:schemeClr val="accent1"/>
+          </a:lnRef>
+          <a:fillRef idx="0">
+            <a:schemeClr val="accent1"/>
+          </a:fillRef>
+          <a:effectRef idx="0">
+            <a:schemeClr val="accent1"/>
+          </a:effectRef>
+          <a:fontRef idx="minor">
+            <a:schemeClr val="tx1"/>
+          </a:fontRef>
+        </p:style>
+      </p:cxnSp>
+      <p:cxnSp>
+        <p:nvCxnSpPr>
+          <p:cNvPr id="54" name="Соединительная линия уступом 49"/>
+          <p:cNvCxnSpPr>
+            <a:stCxn id="43" idx="3"/>
+            <a:endCxn id="5" idx="0"/>
+          </p:cNvCxnSpPr>
+          <p:nvPr/>
+        </p:nvCxnSpPr>
+        <p:spPr>
+          <a:xfrm flipV="1">
+            <a:off x="3059832" y="2492896"/>
+            <a:ext cx="1764196" cy="756084"/>
+          </a:xfrm>
+          <a:prstGeom prst="bentConnector4">
+            <a:avLst>
+              <a:gd name="adj1" fmla="val 22449"/>
+              <a:gd name="adj2" fmla="val 171309"/>
+            </a:avLst>
+          </a:prstGeom>
+          <a:ln w="28575">
+            <a:solidFill>
+              <a:schemeClr val="bg1"/>
+            </a:solidFill>
+            <a:headEnd type="arrow"/>
+            <a:tailEnd type="arrow"/>
+          </a:ln>
+        </p:spPr>
+        <p:style>
+          <a:lnRef idx="1">
+            <a:schemeClr val="accent1"/>
+          </a:lnRef>
+          <a:fillRef idx="0">
+            <a:schemeClr val="accent1"/>
+          </a:fillRef>
+          <a:effectRef idx="0">
+            <a:schemeClr val="accent1"/>
+          </a:effectRef>
+          <a:fontRef idx="minor">
+            <a:schemeClr val="tx1"/>
+          </a:fontRef>
+        </p:style>
+      </p:cxnSp>
+      <p:cxnSp>
+        <p:nvCxnSpPr>
+          <p:cNvPr id="39" name="Прямая соединительная линия 38"/>
+          <p:cNvCxnSpPr/>
+          <p:nvPr/>
+        </p:nvCxnSpPr>
+        <p:spPr>
+          <a:xfrm>
+            <a:off x="1763688" y="1556792"/>
+            <a:ext cx="0" cy="4464496"/>
+          </a:xfrm>
+          <a:prstGeom prst="line">
+            <a:avLst/>
+          </a:prstGeom>
+          <a:ln w="28575">
+            <a:solidFill>
+              <a:schemeClr val="bg1"/>
+            </a:solidFill>
+            <a:prstDash val="dash"/>
+          </a:ln>
+        </p:spPr>
+        <p:style>
+          <a:lnRef idx="1">
+            <a:schemeClr val="accent1"/>
+          </a:lnRef>
+          <a:fillRef idx="0">
+            <a:schemeClr val="accent1"/>
+          </a:fillRef>
+          <a:effectRef idx="0">
+            <a:schemeClr val="accent1"/>
+          </a:effectRef>
+          <a:fontRef idx="minor">
+            <a:schemeClr val="tx1"/>
+          </a:fontRef>
+        </p:style>
+      </p:cxnSp>
+      <p:sp>
+        <p:nvSpPr>
+          <p:cNvPr id="93" name="Прямоугольник 92"/>
+          <p:cNvSpPr/>
+          <p:nvPr/>
+        </p:nvSpPr>
+        <p:spPr>
+          <a:xfrm>
+            <a:off x="6372200" y="3861048"/>
+            <a:ext cx="2016224" cy="288032"/>
+          </a:xfrm>
+          <a:prstGeom prst="rect">
+            <a:avLst/>
+          </a:prstGeom>
+          <a:solidFill>
+            <a:schemeClr val="accent1">
+              <a:lumMod val="75000"/>
+              <a:alpha val="50196"/>
+            </a:schemeClr>
+          </a:solidFill>
+          <a:ln w="12700">
+            <a:prstDash val="dash"/>
+          </a:ln>
+        </p:spPr>
+        <p:style>
+          <a:lnRef idx="3">
+            <a:schemeClr val="lt1"/>
+          </a:lnRef>
+          <a:fillRef idx="1">
+            <a:schemeClr val="accent1"/>
+          </a:fillRef>
+          <a:effectRef idx="1">
+            <a:schemeClr val="accent1"/>
+          </a:effectRef>
+          <a:fontRef idx="minor">
+            <a:schemeClr val="lt1"/>
+          </a:fontRef>
+        </p:style>
+        <p:txBody>
+          <a:bodyPr rtlCol="0" anchor="ctr"/>
+          <a:lstStyle/>
+          <a:p>
+            <a:pPr algn="ctr"/>
+            <a:r>
+              <a:rPr lang="en-US" sz="1400" dirty="0" smtClean="0">
+                <a:solidFill>
+                  <a:schemeClr val="bg1"/>
+                </a:solidFill>
+              </a:rPr>
+              <a:t>GPS *</a:t>
+            </a:r>
+          </a:p>
+        </p:txBody>
+      </p:sp>
+      <p:cxnSp>
+        <p:nvCxnSpPr>
+          <p:cNvPr id="94" name="Соединительная линия уступом 93"/>
+          <p:cNvCxnSpPr>
+            <a:stCxn id="93" idx="1"/>
+            <a:endCxn id="5" idx="3"/>
+          </p:cNvCxnSpPr>
+          <p:nvPr/>
+        </p:nvCxnSpPr>
+        <p:spPr>
+          <a:xfrm rot="10800000">
+            <a:off x="5796136" y="3032956"/>
+            <a:ext cx="576064" cy="972108"/>
+          </a:xfrm>
+          <a:prstGeom prst="bentConnector3">
+            <a:avLst>
+              <a:gd name="adj1" fmla="val 50000"/>
+            </a:avLst>
+          </a:prstGeom>
+          <a:ln w="28575">
+            <a:solidFill>
+              <a:schemeClr val="bg1"/>
+            </a:solidFill>
+            <a:tailEnd type="arrow"/>
+          </a:ln>
+        </p:spPr>
+        <p:style>
+          <a:lnRef idx="1">
+            <a:schemeClr val="accent1"/>
+          </a:lnRef>
+          <a:fillRef idx="0">
+            <a:schemeClr val="accent1"/>
+          </a:fillRef>
+          <a:effectRef idx="0">
+            <a:schemeClr val="accent1"/>
+          </a:effectRef>
+          <a:fontRef idx="minor">
+            <a:schemeClr val="tx1"/>
+          </a:fontRef>
+        </p:style>
+      </p:cxnSp>
+      <p:sp>
+        <p:nvSpPr>
+          <p:cNvPr id="115" name="Прямоугольник 114"/>
+          <p:cNvSpPr/>
+          <p:nvPr/>
+        </p:nvSpPr>
+        <p:spPr>
+          <a:xfrm>
+            <a:off x="6372200" y="2564904"/>
+            <a:ext cx="2016224" cy="288032"/>
+          </a:xfrm>
+          <a:prstGeom prst="rect">
+            <a:avLst/>
+          </a:prstGeom>
+          <a:solidFill>
+            <a:schemeClr val="accent1">
+              <a:lumMod val="75000"/>
+              <a:alpha val="50196"/>
+            </a:schemeClr>
+          </a:solidFill>
+          <a:ln w="12700"/>
+        </p:spPr>
+        <p:style>
+          <a:lnRef idx="3">
+            <a:schemeClr val="lt1"/>
+          </a:lnRef>
+          <a:fillRef idx="1">
+            <a:schemeClr val="accent1"/>
+          </a:fillRef>
+          <a:effectRef idx="1">
+            <a:schemeClr val="accent1"/>
+          </a:effectRef>
+          <a:fontRef idx="minor">
+            <a:schemeClr val="lt1"/>
+          </a:fontRef>
+        </p:style>
+        <p:txBody>
+          <a:bodyPr rtlCol="0" anchor="ctr"/>
+          <a:lstStyle/>
+          <a:p>
+            <a:pPr algn="ctr"/>
+            <a:r>
+              <a:rPr lang="en-US" sz="1400" dirty="0" smtClean="0">
+                <a:solidFill>
+                  <a:schemeClr val="bg1"/>
+                </a:solidFill>
+              </a:rPr>
+              <a:t>Sonar</a:t>
+            </a:r>
+            <a:endParaRPr lang="ru-RU" sz="1400" dirty="0">
+              <a:solidFill>
+                <a:schemeClr val="bg1"/>
+              </a:solidFill>
+            </a:endParaRPr>
+          </a:p>
+        </p:txBody>
+      </p:sp>
+      <p:cxnSp>
+        <p:nvCxnSpPr>
+          <p:cNvPr id="119" name="Соединительная линия уступом 118"/>
+          <p:cNvCxnSpPr/>
+          <p:nvPr/>
+        </p:nvCxnSpPr>
+        <p:spPr>
+          <a:xfrm rot="10800000" flipV="1">
+            <a:off x="5796136" y="2276872"/>
+            <a:ext cx="576064" cy="756084"/>
+          </a:xfrm>
+          <a:prstGeom prst="bentConnector3">
+            <a:avLst>
+              <a:gd name="adj1" fmla="val 50000"/>
+            </a:avLst>
+          </a:prstGeom>
+          <a:ln w="28575">
+            <a:solidFill>
+              <a:schemeClr val="bg1"/>
+            </a:solidFill>
+            <a:tailEnd type="arrow"/>
+          </a:ln>
+        </p:spPr>
+        <p:style>
+          <a:lnRef idx="1">
+            <a:schemeClr val="accent1"/>
+          </a:lnRef>
+          <a:fillRef idx="0">
+            <a:schemeClr val="accent1"/>
+          </a:fillRef>
+          <a:effectRef idx="0">
+            <a:schemeClr val="accent1"/>
+          </a:effectRef>
+          <a:fontRef idx="minor">
+            <a:schemeClr val="tx1"/>
+          </a:fontRef>
+        </p:style>
+      </p:cxnSp>
+    </p:spTree>
+  </p:cSld>
+  <p:clrMapOvr>
+    <a:masterClrMapping/>
+  </p:clrMapOvr>
+  <p:timing>
+    <p:tnLst>
+      <p:par>
+        <p:cTn id="1" dur="indefinite" restart="never" nodeType="tmRoot"/>
+      </p:par>
+    </p:tnLst>
+  </p:timing>
+</p:sld>
+</file>
+
+<file path=ppt/slides/slide11.xml><?xml version="1.0" encoding="utf-8"?>
 <p:sld xmlns:a="http://schemas.openxmlformats.org/drawingml/2006/main" xmlns:r="http://schemas.openxmlformats.org/officeDocument/2006/relationships" xmlns:p="http://schemas.openxmlformats.org/presentationml/2006/main" show="0">
   <p:cSld>
     <p:spTree>
@@ -4567,393 +6956,6 @@
 </p:sld>
 </file>
 
-<file path=ppt/slides/slide11.xml><?xml version="1.0" encoding="utf-8"?>
-<p:sld xmlns:a="http://schemas.openxmlformats.org/drawingml/2006/main" xmlns:r="http://schemas.openxmlformats.org/officeDocument/2006/relationships" xmlns:p="http://schemas.openxmlformats.org/presentationml/2006/main">
-  <p:cSld>
-    <p:spTree>
-      <p:nvGrpSpPr>
-        <p:cNvPr id="1" name=""/>
-        <p:cNvGrpSpPr/>
-        <p:nvPr/>
-      </p:nvGrpSpPr>
-      <p:grpSpPr>
-        <a:xfrm>
-          <a:off x="0" y="0"/>
-          <a:ext cx="0" cy="0"/>
-          <a:chOff x="0" y="0"/>
-          <a:chExt cx="0" cy="0"/>
-        </a:xfrm>
-      </p:grpSpPr>
-      <p:sp>
-        <p:nvSpPr>
-          <p:cNvPr id="2" name="Заголовок 1"/>
-          <p:cNvSpPr>
-            <a:spLocks noGrp="1"/>
-          </p:cNvSpPr>
-          <p:nvPr>
-            <p:ph type="title"/>
-          </p:nvPr>
-        </p:nvSpPr>
-        <p:spPr/>
-        <p:txBody>
-          <a:bodyPr>
-            <a:noAutofit/>
-          </a:bodyPr>
-          <a:lstStyle/>
-          <a:p>
-            <a:r>
-              <a:rPr lang="ru-RU" sz="3200" dirty="0" smtClean="0"/>
-              <a:t>Восстановление трехмерной структуры помещения</a:t>
-            </a:r>
-            <a:endParaRPr lang="ru-RU" sz="3200" dirty="0"/>
-          </a:p>
-        </p:txBody>
-      </p:sp>
-      <p:sp>
-        <p:nvSpPr>
-          <p:cNvPr id="4" name="Содержимое 3"/>
-          <p:cNvSpPr>
-            <a:spLocks noGrp="1"/>
-          </p:cNvSpPr>
-          <p:nvPr>
-            <p:ph sz="half" idx="1"/>
-          </p:nvPr>
-        </p:nvSpPr>
-        <p:spPr>
-          <a:solidFill>
-            <a:srgbClr val="000000">
-              <a:alpha val="69804"/>
-            </a:srgbClr>
-          </a:solidFill>
-        </p:spPr>
-        <p:txBody>
-          <a:bodyPr>
-            <a:normAutofit fontScale="85000" lnSpcReduction="20000"/>
-          </a:bodyPr>
-          <a:lstStyle/>
-          <a:p>
-            <a:r>
-              <a:rPr lang="ru-RU" dirty="0" smtClean="0"/>
-              <a:t>ЛИДАР</a:t>
-            </a:r>
-          </a:p>
-          <a:p>
-            <a:pPr lvl="1"/>
-            <a:r>
-              <a:rPr lang="ru-RU" dirty="0" smtClean="0">
-                <a:solidFill>
-                  <a:srgbClr val="80FF80"/>
-                </a:solidFill>
-              </a:rPr>
-              <a:t>Высокая точность</a:t>
-            </a:r>
-          </a:p>
-          <a:p>
-            <a:pPr lvl="1"/>
-            <a:r>
-              <a:rPr lang="ru-RU" dirty="0" smtClean="0">
-                <a:solidFill>
-                  <a:srgbClr val="FF8080"/>
-                </a:solidFill>
-              </a:rPr>
-              <a:t>Высокая стоимость</a:t>
-            </a:r>
-          </a:p>
-          <a:p>
-            <a:pPr lvl="1"/>
-            <a:r>
-              <a:rPr lang="ru-RU" dirty="0" smtClean="0">
-                <a:solidFill>
-                  <a:srgbClr val="FF8080"/>
-                </a:solidFill>
-              </a:rPr>
-              <a:t>Большой вес</a:t>
-            </a:r>
-          </a:p>
-          <a:p>
-            <a:r>
-              <a:rPr lang="ru-RU" dirty="0" smtClean="0"/>
-              <a:t>СОНАР</a:t>
-            </a:r>
-          </a:p>
-          <a:p>
-            <a:pPr lvl="1"/>
-            <a:r>
-              <a:rPr lang="ru-RU" dirty="0" smtClean="0">
-                <a:solidFill>
-                  <a:srgbClr val="80FF80"/>
-                </a:solidFill>
-              </a:rPr>
-              <a:t>Малый вес</a:t>
-            </a:r>
-          </a:p>
-          <a:p>
-            <a:pPr lvl="1"/>
-            <a:r>
-              <a:rPr lang="ru-RU" dirty="0" smtClean="0">
-                <a:solidFill>
-                  <a:srgbClr val="80FF80"/>
-                </a:solidFill>
-              </a:rPr>
-              <a:t>Легкость интеграции</a:t>
-            </a:r>
-          </a:p>
-          <a:p>
-            <a:pPr lvl="1"/>
-            <a:r>
-              <a:rPr lang="ru-RU" dirty="0" smtClean="0">
-                <a:solidFill>
-                  <a:srgbClr val="80FF80"/>
-                </a:solidFill>
-              </a:rPr>
-              <a:t>Низкая стоимость</a:t>
-            </a:r>
-          </a:p>
-          <a:p>
-            <a:pPr lvl="1"/>
-            <a:r>
-              <a:rPr lang="ru-RU" dirty="0" smtClean="0">
-                <a:solidFill>
-                  <a:srgbClr val="FF8080"/>
-                </a:solidFill>
-              </a:rPr>
-              <a:t>Низкая </a:t>
-            </a:r>
-            <a:r>
-              <a:rPr lang="ru-RU" dirty="0" smtClean="0">
-                <a:solidFill>
-                  <a:srgbClr val="FF8080"/>
-                </a:solidFill>
-              </a:rPr>
-              <a:t>точность</a:t>
-            </a:r>
-          </a:p>
-          <a:p>
-            <a:pPr lvl="1"/>
-            <a:endParaRPr lang="ru-RU" dirty="0" smtClean="0"/>
-          </a:p>
-          <a:p>
-            <a:pPr lvl="1"/>
-            <a:endParaRPr lang="ru-RU" dirty="0" smtClean="0"/>
-          </a:p>
-          <a:p>
-            <a:endParaRPr lang="ru-RU" dirty="0"/>
-          </a:p>
-        </p:txBody>
-      </p:sp>
-      <p:sp>
-        <p:nvSpPr>
-          <p:cNvPr id="6" name="Содержимое 5"/>
-          <p:cNvSpPr>
-            <a:spLocks noGrp="1"/>
-          </p:cNvSpPr>
-          <p:nvPr>
-            <p:ph sz="half" idx="2"/>
-          </p:nvPr>
-        </p:nvSpPr>
-        <p:spPr>
-          <a:solidFill>
-            <a:srgbClr val="000000">
-              <a:alpha val="69804"/>
-            </a:srgbClr>
-          </a:solidFill>
-        </p:spPr>
-        <p:txBody>
-          <a:bodyPr>
-            <a:normAutofit fontScale="85000" lnSpcReduction="20000"/>
-          </a:bodyPr>
-          <a:lstStyle/>
-          <a:p>
-            <a:r>
-              <a:rPr lang="en-US" dirty="0" err="1" smtClean="0"/>
-              <a:t>Kinect</a:t>
-            </a:r>
-            <a:endParaRPr lang="en-US" dirty="0" smtClean="0"/>
-          </a:p>
-          <a:p>
-            <a:pPr lvl="1"/>
-            <a:r>
-              <a:rPr lang="ru-RU" dirty="0" smtClean="0">
-                <a:solidFill>
-                  <a:srgbClr val="80FF80"/>
-                </a:solidFill>
-              </a:rPr>
-              <a:t>Работа в реальном </a:t>
-            </a:r>
-            <a:r>
-              <a:rPr lang="ru-RU" dirty="0" smtClean="0">
-                <a:solidFill>
-                  <a:srgbClr val="80FF80"/>
-                </a:solidFill>
-              </a:rPr>
-              <a:t>времени</a:t>
-            </a:r>
-          </a:p>
-          <a:p>
-            <a:pPr lvl="1"/>
-            <a:r>
-              <a:rPr lang="en-US" dirty="0" err="1" smtClean="0">
-                <a:solidFill>
-                  <a:srgbClr val="80FF80"/>
-                </a:solidFill>
-              </a:rPr>
-              <a:t>Kinect</a:t>
-            </a:r>
-            <a:r>
-              <a:rPr lang="en-US" dirty="0" smtClean="0">
-                <a:solidFill>
-                  <a:srgbClr val="80FF80"/>
-                </a:solidFill>
-              </a:rPr>
-              <a:t> Fusion</a:t>
-            </a:r>
-            <a:endParaRPr lang="ru-RU" dirty="0" smtClean="0">
-              <a:solidFill>
-                <a:srgbClr val="80FF80"/>
-              </a:solidFill>
-            </a:endParaRPr>
-          </a:p>
-          <a:p>
-            <a:pPr lvl="1"/>
-            <a:r>
-              <a:rPr lang="ru-RU" dirty="0" smtClean="0">
-                <a:solidFill>
-                  <a:srgbClr val="FF8080"/>
-                </a:solidFill>
-              </a:rPr>
-              <a:t>Необходимость прямого подключения к </a:t>
-            </a:r>
-            <a:r>
-              <a:rPr lang="en-US" dirty="0" smtClean="0">
-                <a:solidFill>
-                  <a:srgbClr val="FF8080"/>
-                </a:solidFill>
-              </a:rPr>
-              <a:t>PC</a:t>
-            </a:r>
-            <a:r>
-              <a:rPr lang="ru-RU" dirty="0" smtClean="0">
-                <a:solidFill>
-                  <a:srgbClr val="FF8080"/>
-                </a:solidFill>
-              </a:rPr>
-              <a:t> + доп. </a:t>
-            </a:r>
-            <a:r>
-              <a:rPr lang="ru-RU" dirty="0" smtClean="0">
-                <a:solidFill>
-                  <a:srgbClr val="FF8080"/>
-                </a:solidFill>
-              </a:rPr>
-              <a:t>э</a:t>
-            </a:r>
-            <a:r>
-              <a:rPr lang="ru-RU" dirty="0" smtClean="0">
-                <a:solidFill>
-                  <a:srgbClr val="FF8080"/>
-                </a:solidFill>
-              </a:rPr>
-              <a:t>лектропитание</a:t>
-            </a:r>
-          </a:p>
-          <a:p>
-            <a:pPr lvl="1"/>
-            <a:r>
-              <a:rPr lang="ru-RU" dirty="0" smtClean="0">
-                <a:solidFill>
-                  <a:srgbClr val="FF8080"/>
-                </a:solidFill>
-              </a:rPr>
-              <a:t>Большой вес</a:t>
-            </a:r>
-            <a:r>
-              <a:rPr lang="ru-RU" dirty="0" smtClean="0"/>
-              <a:t> </a:t>
-            </a:r>
-            <a:r>
-              <a:rPr lang="ru-RU" sz="1700" dirty="0" smtClean="0">
-                <a:solidFill>
-                  <a:srgbClr val="80FF80"/>
-                </a:solidFill>
-              </a:rPr>
-              <a:t>(можно разобрать :)</a:t>
-            </a:r>
-            <a:endParaRPr lang="en-US" dirty="0" smtClean="0">
-              <a:solidFill>
-                <a:srgbClr val="80FF80"/>
-              </a:solidFill>
-            </a:endParaRPr>
-          </a:p>
-          <a:p>
-            <a:r>
-              <a:rPr lang="en-US" dirty="0" smtClean="0"/>
-              <a:t>PTAM</a:t>
-            </a:r>
-            <a:endParaRPr lang="ru-RU" dirty="0" smtClean="0"/>
-          </a:p>
-          <a:p>
-            <a:pPr lvl="1"/>
-            <a:r>
-              <a:rPr lang="ru-RU" dirty="0" smtClean="0">
-                <a:solidFill>
-                  <a:srgbClr val="80FF80"/>
-                </a:solidFill>
-              </a:rPr>
-              <a:t>Высокое качество результата</a:t>
-            </a:r>
-          </a:p>
-          <a:p>
-            <a:pPr lvl="1"/>
-            <a:r>
-              <a:rPr lang="ru-RU" dirty="0" smtClean="0">
-                <a:solidFill>
-                  <a:srgbClr val="FF8080"/>
-                </a:solidFill>
-              </a:rPr>
-              <a:t>Вычислительная трудоемкость</a:t>
-            </a:r>
-          </a:p>
-          <a:p>
-            <a:pPr lvl="1"/>
-            <a:r>
-              <a:rPr lang="ru-RU" dirty="0" smtClean="0">
-                <a:solidFill>
-                  <a:srgbClr val="FF8080"/>
-                </a:solidFill>
-              </a:rPr>
-              <a:t>Высокая нагрузка на беспроводную сеть</a:t>
-            </a:r>
-            <a:endParaRPr lang="en-US" dirty="0" smtClean="0">
-              <a:solidFill>
-                <a:srgbClr val="FF8080"/>
-              </a:solidFill>
-            </a:endParaRPr>
-          </a:p>
-          <a:p>
-            <a:pPr lvl="1"/>
-            <a:endParaRPr lang="en-US" dirty="0" smtClean="0"/>
-          </a:p>
-          <a:p>
-            <a:pPr lvl="1"/>
-            <a:endParaRPr lang="ru-RU" dirty="0"/>
-          </a:p>
-        </p:txBody>
-      </p:sp>
-    </p:spTree>
-  </p:cSld>
-  <p:clrMapOvr>
-    <a:masterClrMapping/>
-  </p:clrMapOvr>
-  <p:timing>
-    <p:tnLst>
-      <p:par>
-        <p:cTn id="1" dur="indefinite" restart="never" nodeType="tmRoot"/>
-      </p:par>
-    </p:tnLst>
-  </p:timing>
-</p:sld>
-</file>
-
 <file path=ppt/slides/slide12.xml><?xml version="1.0" encoding="utf-8"?>
 <p:sld xmlns:a="http://schemas.openxmlformats.org/drawingml/2006/main" xmlns:r="http://schemas.openxmlformats.org/officeDocument/2006/relationships" xmlns:p="http://schemas.openxmlformats.org/presentationml/2006/main">
   <p:cSld>
@@ -4983,52 +6985,794 @@
         </p:nvSpPr>
         <p:spPr/>
         <p:txBody>
-          <a:bodyPr/>
+          <a:bodyPr>
+            <a:noAutofit/>
+          </a:bodyPr>
           <a:lstStyle/>
           <a:p>
             <a:r>
-              <a:rPr lang="ru-RU" dirty="0" smtClean="0"/>
-              <a:t>Заключение</a:t>
-            </a:r>
-            <a:endParaRPr lang="ru-RU" dirty="0"/>
-          </a:p>
-        </p:txBody>
-      </p:sp>
-      <p:sp>
-        <p:nvSpPr>
-          <p:cNvPr id="3" name="Содержимое 2"/>
+              <a:rPr lang="ru-RU" sz="3200" dirty="0" smtClean="0"/>
+              <a:t>Восстановление трехмерной структуры помещения</a:t>
+            </a:r>
+            <a:endParaRPr lang="ru-RU" sz="3200" dirty="0"/>
+          </a:p>
+        </p:txBody>
+      </p:sp>
+      <p:sp>
+        <p:nvSpPr>
+          <p:cNvPr id="4" name="Содержимое 3"/>
           <p:cNvSpPr>
             <a:spLocks noGrp="1"/>
           </p:cNvSpPr>
           <p:nvPr>
-            <p:ph idx="1"/>
+            <p:ph sz="half" idx="1"/>
           </p:nvPr>
         </p:nvSpPr>
-        <p:spPr/>
-        <p:txBody>
-          <a:bodyPr/>
+        <p:spPr>
+          <a:xfrm>
+            <a:off x="457200" y="3501008"/>
+            <a:ext cx="4038600" cy="2625155"/>
+          </a:xfrm>
+          <a:solidFill>
+            <a:srgbClr val="000000">
+              <a:alpha val="69804"/>
+            </a:srgbClr>
+          </a:solidFill>
+        </p:spPr>
+        <p:txBody>
+          <a:bodyPr>
+            <a:normAutofit fontScale="70000" lnSpcReduction="20000"/>
+          </a:bodyPr>
           <a:lstStyle/>
           <a:p>
             <a:r>
-              <a:rPr lang="ru-RU" dirty="0" smtClean="0"/>
-              <a:t>Сформулирован круг и особенности задач для комплекса групповой навигации 4Р БПЛА в закрытых помещениях</a:t>
-            </a:r>
-          </a:p>
-          <a:p>
-            <a:r>
-              <a:rPr lang="ru-RU" dirty="0" smtClean="0"/>
-              <a:t>Проанализированы варианты аппаратной платформы для бортовой электроники </a:t>
-            </a:r>
-            <a:br>
-              <a:rPr lang="ru-RU" dirty="0" smtClean="0"/>
-            </a:br>
-            <a:r>
-              <a:rPr lang="ru-RU" dirty="0" smtClean="0"/>
-              <a:t>4Р БПЛА</a:t>
-            </a:r>
+              <a:rPr lang="ru-RU" dirty="0" smtClean="0">
+                <a:effectLst>
+                  <a:outerShdw blurRad="38100" dist="38100" dir="2700000" algn="tl">
+                    <a:srgbClr val="000000">
+                      <a:alpha val="43137"/>
+                    </a:srgbClr>
+                  </a:outerShdw>
+                </a:effectLst>
+              </a:rPr>
+              <a:t>ЛИДАР</a:t>
+            </a:r>
+          </a:p>
+          <a:p>
+            <a:pPr lvl="1"/>
+            <a:r>
+              <a:rPr lang="ru-RU" dirty="0" smtClean="0">
+                <a:solidFill>
+                  <a:srgbClr val="80FF80"/>
+                </a:solidFill>
+                <a:effectLst>
+                  <a:outerShdw blurRad="38100" dist="38100" dir="2700000" algn="tl">
+                    <a:srgbClr val="000000">
+                      <a:alpha val="43137"/>
+                    </a:srgbClr>
+                  </a:outerShdw>
+                </a:effectLst>
+              </a:rPr>
+              <a:t>Высокая точность</a:t>
+            </a:r>
+          </a:p>
+          <a:p>
+            <a:pPr lvl="1"/>
+            <a:r>
+              <a:rPr lang="ru-RU" dirty="0" smtClean="0">
+                <a:solidFill>
+                  <a:srgbClr val="FF8080"/>
+                </a:solidFill>
+                <a:effectLst>
+                  <a:outerShdw blurRad="38100" dist="38100" dir="2700000" algn="tl">
+                    <a:srgbClr val="000000">
+                      <a:alpha val="43137"/>
+                    </a:srgbClr>
+                  </a:outerShdw>
+                </a:effectLst>
+              </a:rPr>
+              <a:t>Высокая стоимость</a:t>
+            </a:r>
+          </a:p>
+          <a:p>
+            <a:pPr lvl="1"/>
+            <a:r>
+              <a:rPr lang="ru-RU" dirty="0" smtClean="0">
+                <a:solidFill>
+                  <a:srgbClr val="FF8080"/>
+                </a:solidFill>
+                <a:effectLst>
+                  <a:outerShdw blurRad="38100" dist="38100" dir="2700000" algn="tl">
+                    <a:srgbClr val="000000">
+                      <a:alpha val="43137"/>
+                    </a:srgbClr>
+                  </a:outerShdw>
+                </a:effectLst>
+              </a:rPr>
+              <a:t>Большой вес</a:t>
+            </a:r>
+          </a:p>
+          <a:p>
+            <a:r>
+              <a:rPr lang="ru-RU" dirty="0" smtClean="0">
+                <a:effectLst>
+                  <a:outerShdw blurRad="38100" dist="38100" dir="2700000" algn="tl">
+                    <a:srgbClr val="000000">
+                      <a:alpha val="43137"/>
+                    </a:srgbClr>
+                  </a:outerShdw>
+                </a:effectLst>
+              </a:rPr>
+              <a:t>СОНАР</a:t>
+            </a:r>
+          </a:p>
+          <a:p>
+            <a:pPr lvl="1"/>
+            <a:r>
+              <a:rPr lang="ru-RU" dirty="0" smtClean="0">
+                <a:solidFill>
+                  <a:srgbClr val="80FF80"/>
+                </a:solidFill>
+                <a:effectLst>
+                  <a:outerShdw blurRad="38100" dist="38100" dir="2700000" algn="tl">
+                    <a:srgbClr val="000000">
+                      <a:alpha val="43137"/>
+                    </a:srgbClr>
+                  </a:outerShdw>
+                </a:effectLst>
+              </a:rPr>
+              <a:t>Малый вес</a:t>
+            </a:r>
+          </a:p>
+          <a:p>
+            <a:pPr lvl="1"/>
+            <a:r>
+              <a:rPr lang="ru-RU" dirty="0" smtClean="0">
+                <a:solidFill>
+                  <a:srgbClr val="80FF80"/>
+                </a:solidFill>
+                <a:effectLst>
+                  <a:outerShdw blurRad="38100" dist="38100" dir="2700000" algn="tl">
+                    <a:srgbClr val="000000">
+                      <a:alpha val="43137"/>
+                    </a:srgbClr>
+                  </a:outerShdw>
+                </a:effectLst>
+              </a:rPr>
+              <a:t>Легкость интеграции</a:t>
+            </a:r>
+          </a:p>
+          <a:p>
+            <a:pPr lvl="1"/>
+            <a:r>
+              <a:rPr lang="ru-RU" dirty="0" smtClean="0">
+                <a:solidFill>
+                  <a:srgbClr val="80FF80"/>
+                </a:solidFill>
+                <a:effectLst>
+                  <a:outerShdw blurRad="38100" dist="38100" dir="2700000" algn="tl">
+                    <a:srgbClr val="000000">
+                      <a:alpha val="43137"/>
+                    </a:srgbClr>
+                  </a:outerShdw>
+                </a:effectLst>
+              </a:rPr>
+              <a:t>Низкая стоимость</a:t>
+            </a:r>
+          </a:p>
+          <a:p>
+            <a:pPr lvl="1"/>
+            <a:r>
+              <a:rPr lang="ru-RU" dirty="0" smtClean="0">
+                <a:solidFill>
+                  <a:srgbClr val="FF8080"/>
+                </a:solidFill>
+                <a:effectLst>
+                  <a:outerShdw blurRad="38100" dist="38100" dir="2700000" algn="tl">
+                    <a:srgbClr val="000000">
+                      <a:alpha val="43137"/>
+                    </a:srgbClr>
+                  </a:outerShdw>
+                </a:effectLst>
+              </a:rPr>
+              <a:t>Низкая точность</a:t>
+            </a:r>
+          </a:p>
+          <a:p>
+            <a:pPr lvl="1"/>
+            <a:endParaRPr lang="ru-RU" dirty="0" smtClean="0"/>
+          </a:p>
+          <a:p>
+            <a:pPr lvl="1"/>
+            <a:endParaRPr lang="ru-RU" dirty="0" smtClean="0"/>
           </a:p>
           <a:p>
             <a:endParaRPr lang="ru-RU" dirty="0"/>
+          </a:p>
+        </p:txBody>
+      </p:sp>
+      <p:sp>
+        <p:nvSpPr>
+          <p:cNvPr id="6" name="Содержимое 5"/>
+          <p:cNvSpPr>
+            <a:spLocks noGrp="1"/>
+          </p:cNvSpPr>
+          <p:nvPr>
+            <p:ph sz="half" idx="2"/>
+          </p:nvPr>
+        </p:nvSpPr>
+        <p:spPr>
+          <a:xfrm>
+            <a:off x="4860032" y="1600200"/>
+            <a:ext cx="3826768" cy="4525963"/>
+          </a:xfrm>
+          <a:solidFill>
+            <a:srgbClr val="000000">
+              <a:alpha val="69804"/>
+            </a:srgbClr>
+          </a:solidFill>
+        </p:spPr>
+        <p:txBody>
+          <a:bodyPr>
+            <a:normAutofit fontScale="70000" lnSpcReduction="20000"/>
+          </a:bodyPr>
+          <a:lstStyle/>
+          <a:p>
+            <a:r>
+              <a:rPr lang="en-US" dirty="0" err="1" smtClean="0">
+                <a:effectLst>
+                  <a:outerShdw blurRad="38100" dist="38100" dir="2700000" algn="tl">
+                    <a:srgbClr val="000000">
+                      <a:alpha val="43137"/>
+                    </a:srgbClr>
+                  </a:outerShdw>
+                </a:effectLst>
+              </a:rPr>
+              <a:t>Kinect</a:t>
+            </a:r>
+            <a:endParaRPr lang="en-US" dirty="0" smtClean="0">
+              <a:effectLst>
+                <a:outerShdw blurRad="38100" dist="38100" dir="2700000" algn="tl">
+                  <a:srgbClr val="000000">
+                    <a:alpha val="43137"/>
+                  </a:srgbClr>
+                </a:outerShdw>
+              </a:effectLst>
+            </a:endParaRPr>
+          </a:p>
+          <a:p>
+            <a:pPr lvl="1"/>
+            <a:r>
+              <a:rPr lang="ru-RU" dirty="0" smtClean="0">
+                <a:solidFill>
+                  <a:srgbClr val="80FF80"/>
+                </a:solidFill>
+                <a:effectLst>
+                  <a:outerShdw blurRad="38100" dist="38100" dir="2700000" algn="tl">
+                    <a:srgbClr val="000000">
+                      <a:alpha val="43137"/>
+                    </a:srgbClr>
+                  </a:outerShdw>
+                </a:effectLst>
+              </a:rPr>
+              <a:t>Работа в реальном времени</a:t>
+            </a:r>
+          </a:p>
+          <a:p>
+            <a:pPr lvl="1"/>
+            <a:r>
+              <a:rPr lang="en-US" dirty="0" err="1" smtClean="0">
+                <a:solidFill>
+                  <a:srgbClr val="80FF80"/>
+                </a:solidFill>
+                <a:effectLst>
+                  <a:outerShdw blurRad="38100" dist="38100" dir="2700000" algn="tl">
+                    <a:srgbClr val="000000">
+                      <a:alpha val="43137"/>
+                    </a:srgbClr>
+                  </a:outerShdw>
+                </a:effectLst>
+              </a:rPr>
+              <a:t>Kinect</a:t>
+            </a:r>
+            <a:r>
+              <a:rPr lang="en-US" dirty="0" smtClean="0">
+                <a:solidFill>
+                  <a:srgbClr val="80FF80"/>
+                </a:solidFill>
+                <a:effectLst>
+                  <a:outerShdw blurRad="38100" dist="38100" dir="2700000" algn="tl">
+                    <a:srgbClr val="000000">
+                      <a:alpha val="43137"/>
+                    </a:srgbClr>
+                  </a:outerShdw>
+                </a:effectLst>
+              </a:rPr>
+              <a:t> Fusion</a:t>
+            </a:r>
+            <a:endParaRPr lang="ru-RU" dirty="0" smtClean="0">
+              <a:solidFill>
+                <a:srgbClr val="80FF80"/>
+              </a:solidFill>
+              <a:effectLst>
+                <a:outerShdw blurRad="38100" dist="38100" dir="2700000" algn="tl">
+                  <a:srgbClr val="000000">
+                    <a:alpha val="43137"/>
+                  </a:srgbClr>
+                </a:outerShdw>
+              </a:effectLst>
+            </a:endParaRPr>
+          </a:p>
+          <a:p>
+            <a:pPr lvl="1"/>
+            <a:r>
+              <a:rPr lang="ru-RU" dirty="0" smtClean="0">
+                <a:solidFill>
+                  <a:srgbClr val="FF8080"/>
+                </a:solidFill>
+                <a:effectLst>
+                  <a:outerShdw blurRad="38100" dist="38100" dir="2700000" algn="tl">
+                    <a:srgbClr val="000000">
+                      <a:alpha val="43137"/>
+                    </a:srgbClr>
+                  </a:outerShdw>
+                </a:effectLst>
+              </a:rPr>
+              <a:t>Необходимость прямого подключения к </a:t>
+            </a:r>
+            <a:r>
+              <a:rPr lang="en-US" dirty="0" smtClean="0">
+                <a:solidFill>
+                  <a:srgbClr val="FF8080"/>
+                </a:solidFill>
+                <a:effectLst>
+                  <a:outerShdw blurRad="38100" dist="38100" dir="2700000" algn="tl">
+                    <a:srgbClr val="000000">
+                      <a:alpha val="43137"/>
+                    </a:srgbClr>
+                  </a:outerShdw>
+                </a:effectLst>
+              </a:rPr>
+              <a:t>PC</a:t>
+            </a:r>
+            <a:r>
+              <a:rPr lang="ru-RU" dirty="0" smtClean="0">
+                <a:solidFill>
+                  <a:srgbClr val="FF8080"/>
+                </a:solidFill>
+                <a:effectLst>
+                  <a:outerShdw blurRad="38100" dist="38100" dir="2700000" algn="tl">
+                    <a:srgbClr val="000000">
+                      <a:alpha val="43137"/>
+                    </a:srgbClr>
+                  </a:outerShdw>
+                </a:effectLst>
+              </a:rPr>
+              <a:t> + доп. электропитание</a:t>
+            </a:r>
+          </a:p>
+          <a:p>
+            <a:pPr lvl="1"/>
+            <a:r>
+              <a:rPr lang="ru-RU" dirty="0" smtClean="0">
+                <a:solidFill>
+                  <a:srgbClr val="FF8080"/>
+                </a:solidFill>
+                <a:effectLst>
+                  <a:outerShdw blurRad="38100" dist="38100" dir="2700000" algn="tl">
+                    <a:srgbClr val="000000">
+                      <a:alpha val="43137"/>
+                    </a:srgbClr>
+                  </a:outerShdw>
+                </a:effectLst>
+              </a:rPr>
+              <a:t>Большой вес</a:t>
+            </a:r>
+            <a:r>
+              <a:rPr lang="ru-RU" dirty="0" smtClean="0">
+                <a:effectLst>
+                  <a:outerShdw blurRad="38100" dist="38100" dir="2700000" algn="tl">
+                    <a:srgbClr val="000000">
+                      <a:alpha val="43137"/>
+                    </a:srgbClr>
+                  </a:outerShdw>
+                </a:effectLst>
+              </a:rPr>
+              <a:t> </a:t>
+            </a:r>
+            <a:r>
+              <a:rPr lang="ru-RU" sz="1700" dirty="0" smtClean="0">
+                <a:solidFill>
+                  <a:srgbClr val="80FF80"/>
+                </a:solidFill>
+                <a:effectLst>
+                  <a:outerShdw blurRad="38100" dist="38100" dir="2700000" algn="tl">
+                    <a:srgbClr val="000000">
+                      <a:alpha val="43137"/>
+                    </a:srgbClr>
+                  </a:outerShdw>
+                </a:effectLst>
+              </a:rPr>
+              <a:t>(можно разобрать :)</a:t>
+            </a:r>
+            <a:endParaRPr lang="en-US" dirty="0" smtClean="0">
+              <a:solidFill>
+                <a:srgbClr val="80FF80"/>
+              </a:solidFill>
+              <a:effectLst>
+                <a:outerShdw blurRad="38100" dist="38100" dir="2700000" algn="tl">
+                  <a:srgbClr val="000000">
+                    <a:alpha val="43137"/>
+                  </a:srgbClr>
+                </a:outerShdw>
+              </a:effectLst>
+            </a:endParaRPr>
+          </a:p>
+          <a:p>
+            <a:r>
+              <a:rPr lang="en-US" dirty="0" smtClean="0">
+                <a:effectLst>
+                  <a:outerShdw blurRad="38100" dist="38100" dir="2700000" algn="tl">
+                    <a:srgbClr val="000000">
+                      <a:alpha val="43137"/>
+                    </a:srgbClr>
+                  </a:outerShdw>
+                </a:effectLst>
+              </a:rPr>
+              <a:t>PTAM</a:t>
+            </a:r>
+            <a:endParaRPr lang="ru-RU" dirty="0" smtClean="0">
+              <a:effectLst>
+                <a:outerShdw blurRad="38100" dist="38100" dir="2700000" algn="tl">
+                  <a:srgbClr val="000000">
+                    <a:alpha val="43137"/>
+                  </a:srgbClr>
+                </a:outerShdw>
+              </a:effectLst>
+            </a:endParaRPr>
+          </a:p>
+          <a:p>
+            <a:pPr lvl="1"/>
+            <a:r>
+              <a:rPr lang="ru-RU" dirty="0" smtClean="0">
+                <a:solidFill>
+                  <a:srgbClr val="80FF80"/>
+                </a:solidFill>
+                <a:effectLst>
+                  <a:outerShdw blurRad="38100" dist="38100" dir="2700000" algn="tl">
+                    <a:srgbClr val="000000">
+                      <a:alpha val="43137"/>
+                    </a:srgbClr>
+                  </a:outerShdw>
+                </a:effectLst>
+              </a:rPr>
+              <a:t>Высокое качество результата</a:t>
+            </a:r>
+          </a:p>
+          <a:p>
+            <a:pPr lvl="1"/>
+            <a:r>
+              <a:rPr lang="ru-RU" dirty="0" smtClean="0">
+                <a:solidFill>
+                  <a:srgbClr val="FF8080"/>
+                </a:solidFill>
+                <a:effectLst>
+                  <a:outerShdw blurRad="38100" dist="38100" dir="2700000" algn="tl">
+                    <a:srgbClr val="000000">
+                      <a:alpha val="43137"/>
+                    </a:srgbClr>
+                  </a:outerShdw>
+                </a:effectLst>
+              </a:rPr>
+              <a:t>Вычислительная трудоемкость</a:t>
+            </a:r>
+          </a:p>
+          <a:p>
+            <a:pPr lvl="1"/>
+            <a:r>
+              <a:rPr lang="ru-RU" dirty="0" smtClean="0">
+                <a:solidFill>
+                  <a:srgbClr val="FF8080"/>
+                </a:solidFill>
+                <a:effectLst>
+                  <a:outerShdw blurRad="38100" dist="38100" dir="2700000" algn="tl">
+                    <a:srgbClr val="000000">
+                      <a:alpha val="43137"/>
+                    </a:srgbClr>
+                  </a:outerShdw>
+                </a:effectLst>
+              </a:rPr>
+              <a:t>Высокая нагрузка на беспроводную сеть</a:t>
+            </a:r>
+            <a:endParaRPr lang="en-US" dirty="0" smtClean="0">
+              <a:solidFill>
+                <a:srgbClr val="FF8080"/>
+              </a:solidFill>
+              <a:effectLst>
+                <a:outerShdw blurRad="38100" dist="38100" dir="2700000" algn="tl">
+                  <a:srgbClr val="000000">
+                    <a:alpha val="43137"/>
+                  </a:srgbClr>
+                </a:outerShdw>
+              </a:effectLst>
+            </a:endParaRPr>
+          </a:p>
+          <a:p>
+            <a:pPr lvl="1"/>
+            <a:endParaRPr lang="en-US" dirty="0" smtClean="0">
+              <a:effectLst>
+                <a:outerShdw blurRad="38100" dist="38100" dir="2700000" algn="tl">
+                  <a:srgbClr val="000000">
+                    <a:alpha val="43137"/>
+                  </a:srgbClr>
+                </a:outerShdw>
+              </a:effectLst>
+            </a:endParaRPr>
+          </a:p>
+          <a:p>
+            <a:pPr lvl="1"/>
+            <a:endParaRPr lang="ru-RU" dirty="0">
+              <a:effectLst>
+                <a:outerShdw blurRad="38100" dist="38100" dir="2700000" algn="tl">
+                  <a:srgbClr val="000000">
+                    <a:alpha val="43137"/>
+                  </a:srgbClr>
+                </a:outerShdw>
+              </a:effectLst>
+            </a:endParaRPr>
+          </a:p>
+        </p:txBody>
+      </p:sp>
+      <p:sp>
+        <p:nvSpPr>
+          <p:cNvPr id="8" name="Содержимое 3"/>
+          <p:cNvSpPr txBox="1">
+            <a:spLocks/>
+          </p:cNvSpPr>
+          <p:nvPr/>
+        </p:nvSpPr>
+        <p:spPr>
+          <a:xfrm>
+            <a:off x="467544" y="1556793"/>
+            <a:ext cx="4038600" cy="1656183"/>
+          </a:xfrm>
+          <a:prstGeom prst="rect">
+            <a:avLst/>
+          </a:prstGeom>
+          <a:solidFill>
+            <a:srgbClr val="000000">
+              <a:alpha val="69804"/>
+            </a:srgbClr>
+          </a:solidFill>
+        </p:spPr>
+        <p:txBody>
+          <a:bodyPr vert="horz" lIns="91440" tIns="45720" rIns="91440" bIns="45720" rtlCol="0">
+            <a:normAutofit fontScale="77500" lnSpcReduction="20000"/>
+          </a:bodyPr>
+          <a:lstStyle/>
+          <a:p>
+            <a:pPr marL="342900" marR="0" lvl="0" indent="-342900" algn="l" defTabSz="914400" rtl="0" eaLnBrk="1" fontAlgn="auto" latinLnBrk="0" hangingPunct="1">
+              <a:lnSpc>
+                <a:spcPct val="100000"/>
+              </a:lnSpc>
+              <a:spcBef>
+                <a:spcPct val="20000"/>
+              </a:spcBef>
+              <a:spcAft>
+                <a:spcPts val="0"/>
+              </a:spcAft>
+              <a:buClrTx/>
+              <a:buSzTx/>
+              <a:buFont typeface="Arial" pitchFamily="34" charset="0"/>
+              <a:buChar char="•"/>
+              <a:tabLst/>
+              <a:defRPr/>
+            </a:pPr>
+            <a:r>
+              <a:rPr lang="ru-RU" sz="2800" dirty="0" smtClean="0">
+                <a:effectLst>
+                  <a:outerShdw blurRad="38100" dist="38100" dir="2700000" algn="tl">
+                    <a:srgbClr val="000000">
+                      <a:alpha val="43137"/>
+                    </a:srgbClr>
+                  </a:outerShdw>
+                </a:effectLst>
+              </a:rPr>
+              <a:t>Предоставление информации о помещении оператору и/или ИИ</a:t>
+            </a:r>
+          </a:p>
+          <a:p>
+            <a:pPr marL="342900" marR="0" lvl="0" indent="-342900" algn="l" defTabSz="914400" rtl="0" eaLnBrk="1" fontAlgn="auto" latinLnBrk="0" hangingPunct="1">
+              <a:lnSpc>
+                <a:spcPct val="100000"/>
+              </a:lnSpc>
+              <a:spcBef>
+                <a:spcPct val="20000"/>
+              </a:spcBef>
+              <a:spcAft>
+                <a:spcPts val="0"/>
+              </a:spcAft>
+              <a:buClrTx/>
+              <a:buSzTx/>
+              <a:buFont typeface="Arial" pitchFamily="34" charset="0"/>
+              <a:buChar char="•"/>
+              <a:tabLst/>
+              <a:defRPr/>
+            </a:pPr>
+            <a:r>
+              <a:rPr lang="ru-RU" sz="2800" dirty="0" smtClean="0">
+                <a:effectLst>
+                  <a:outerShdw blurRad="38100" dist="38100" dir="2700000" algn="tl">
+                    <a:srgbClr val="000000">
+                      <a:alpha val="43137"/>
+                    </a:srgbClr>
+                  </a:outerShdw>
+                </a:effectLst>
+              </a:rPr>
+              <a:t>Корректировка положения БПЛА</a:t>
+            </a:r>
+          </a:p>
+          <a:p>
+            <a:pPr marL="742950" marR="0" lvl="1" indent="-285750" algn="l" defTabSz="914400" rtl="0" eaLnBrk="1" fontAlgn="auto" latinLnBrk="0" hangingPunct="1">
+              <a:lnSpc>
+                <a:spcPct val="100000"/>
+              </a:lnSpc>
+              <a:spcBef>
+                <a:spcPct val="20000"/>
+              </a:spcBef>
+              <a:spcAft>
+                <a:spcPts val="0"/>
+              </a:spcAft>
+              <a:buClrTx/>
+              <a:buSzTx/>
+              <a:buFont typeface="Arial" pitchFamily="34" charset="0"/>
+              <a:buChar char="–"/>
+              <a:tabLst/>
+              <a:defRPr/>
+            </a:pPr>
+            <a:endParaRPr kumimoji="0" lang="ru-RU" sz="2400" b="0" i="0" u="none" strike="noStrike" kern="1200" cap="none" spc="0" normalizeH="0" baseline="0" noProof="0" dirty="0" smtClean="0">
+              <a:ln>
+                <a:noFill/>
+              </a:ln>
+              <a:solidFill>
+                <a:schemeClr val="tx1"/>
+              </a:solidFill>
+              <a:effectLst/>
+              <a:uLnTx/>
+              <a:uFillTx/>
+              <a:latin typeface="+mn-lt"/>
+              <a:ea typeface="+mn-ea"/>
+              <a:cs typeface="+mn-cs"/>
+            </a:endParaRPr>
+          </a:p>
+          <a:p>
+            <a:pPr marL="342900" marR="0" lvl="0" indent="-342900" algn="l" defTabSz="914400" rtl="0" eaLnBrk="1" fontAlgn="auto" latinLnBrk="0" hangingPunct="1">
+              <a:lnSpc>
+                <a:spcPct val="100000"/>
+              </a:lnSpc>
+              <a:spcBef>
+                <a:spcPct val="20000"/>
+              </a:spcBef>
+              <a:spcAft>
+                <a:spcPts val="0"/>
+              </a:spcAft>
+              <a:buClrTx/>
+              <a:buSzTx/>
+              <a:buFont typeface="Arial" pitchFamily="34" charset="0"/>
+              <a:buChar char="•"/>
+              <a:tabLst/>
+              <a:defRPr/>
+            </a:pPr>
+            <a:endParaRPr kumimoji="0" lang="ru-RU" sz="2800" b="0" i="0" u="none" strike="noStrike" kern="1200" cap="none" spc="0" normalizeH="0" baseline="0" noProof="0" dirty="0">
+              <a:ln>
+                <a:noFill/>
+              </a:ln>
+              <a:solidFill>
+                <a:schemeClr val="tx1"/>
+              </a:solidFill>
+              <a:effectLst/>
+              <a:uLnTx/>
+              <a:uFillTx/>
+              <a:latin typeface="+mn-lt"/>
+              <a:ea typeface="+mn-ea"/>
+              <a:cs typeface="+mn-cs"/>
+            </a:endParaRPr>
+          </a:p>
+        </p:txBody>
+      </p:sp>
+      <p:sp>
+        <p:nvSpPr>
+          <p:cNvPr id="9" name="Стрелка вниз 8"/>
+          <p:cNvSpPr/>
+          <p:nvPr/>
+        </p:nvSpPr>
+        <p:spPr>
+          <a:xfrm>
+            <a:off x="2051720" y="3212976"/>
+            <a:ext cx="1008112" cy="216024"/>
+          </a:xfrm>
+          <a:prstGeom prst="downArrow">
+            <a:avLst/>
+          </a:prstGeom>
+          <a:solidFill>
+            <a:srgbClr val="000000"/>
+          </a:solidFill>
+          <a:ln w="19050">
+            <a:solidFill>
+              <a:srgbClr val="80FF80"/>
+            </a:solidFill>
+          </a:ln>
+        </p:spPr>
+        <p:style>
+          <a:lnRef idx="2">
+            <a:schemeClr val="accent1">
+              <a:shade val="50000"/>
+            </a:schemeClr>
+          </a:lnRef>
+          <a:fillRef idx="1">
+            <a:schemeClr val="accent1"/>
+          </a:fillRef>
+          <a:effectRef idx="0">
+            <a:schemeClr val="accent1"/>
+          </a:effectRef>
+          <a:fontRef idx="minor">
+            <a:schemeClr val="lt1"/>
+          </a:fontRef>
+        </p:style>
+        <p:txBody>
+          <a:bodyPr rtlCol="0" anchor="ctr"/>
+          <a:lstStyle/>
+          <a:p>
+            <a:pPr algn="ctr"/>
+            <a:endParaRPr lang="ru-RU"/>
+          </a:p>
+        </p:txBody>
+      </p:sp>
+      <p:sp>
+        <p:nvSpPr>
+          <p:cNvPr id="10" name="Стрелка вправо 9"/>
+          <p:cNvSpPr/>
+          <p:nvPr/>
+        </p:nvSpPr>
+        <p:spPr>
+          <a:xfrm>
+            <a:off x="4572000" y="2132856"/>
+            <a:ext cx="216024" cy="936104"/>
+          </a:xfrm>
+          <a:prstGeom prst="rightArrow">
+            <a:avLst/>
+          </a:prstGeom>
+          <a:solidFill>
+            <a:srgbClr val="000000"/>
+          </a:solidFill>
+          <a:ln w="19050">
+            <a:solidFill>
+              <a:srgbClr val="80FF80"/>
+            </a:solidFill>
+          </a:ln>
+        </p:spPr>
+        <p:style>
+          <a:lnRef idx="2">
+            <a:schemeClr val="accent1">
+              <a:shade val="50000"/>
+            </a:schemeClr>
+          </a:lnRef>
+          <a:fillRef idx="1">
+            <a:schemeClr val="accent1"/>
+          </a:fillRef>
+          <a:effectRef idx="0">
+            <a:schemeClr val="accent1"/>
+          </a:effectRef>
+          <a:fontRef idx="minor">
+            <a:schemeClr val="lt1"/>
+          </a:fontRef>
+        </p:style>
+        <p:txBody>
+          <a:bodyPr rtlCol="0" anchor="ctr"/>
+          <a:lstStyle/>
+          <a:p>
+            <a:pPr algn="ctr"/>
+            <a:endParaRPr lang="ru-RU"/>
           </a:p>
         </p:txBody>
       </p:sp>
@@ -5081,6 +7825,300 @@
           <a:p>
             <a:r>
               <a:rPr lang="ru-RU" dirty="0" smtClean="0"/>
+              <a:t>Заключение</a:t>
+            </a:r>
+            <a:endParaRPr lang="ru-RU" dirty="0"/>
+          </a:p>
+        </p:txBody>
+      </p:sp>
+      <p:sp>
+        <p:nvSpPr>
+          <p:cNvPr id="3" name="Содержимое 2"/>
+          <p:cNvSpPr>
+            <a:spLocks noGrp="1"/>
+          </p:cNvSpPr>
+          <p:nvPr>
+            <p:ph idx="1"/>
+          </p:nvPr>
+        </p:nvSpPr>
+        <p:spPr>
+          <a:solidFill>
+            <a:srgbClr val="000000">
+              <a:alpha val="70000"/>
+            </a:srgbClr>
+          </a:solidFill>
+        </p:spPr>
+        <p:txBody>
+          <a:bodyPr>
+            <a:noAutofit/>
+          </a:bodyPr>
+          <a:lstStyle/>
+          <a:p>
+            <a:r>
+              <a:rPr lang="ru-RU" sz="2400" dirty="0" smtClean="0">
+                <a:effectLst>
+                  <a:outerShdw blurRad="38100" dist="38100" dir="2700000" algn="tl">
+                    <a:srgbClr val="000000">
+                      <a:alpha val="43137"/>
+                    </a:srgbClr>
+                  </a:outerShdw>
+                </a:effectLst>
+              </a:rPr>
+              <a:t>Сформулирован круг и особенности задач для комплекса групповой навигации 4Р БПЛА в закрытых помещениях</a:t>
+            </a:r>
+          </a:p>
+          <a:p>
+            <a:r>
+              <a:rPr lang="ru-RU" sz="2400" dirty="0" smtClean="0">
+                <a:effectLst>
+                  <a:outerShdw blurRad="38100" dist="38100" dir="2700000" algn="tl">
+                    <a:srgbClr val="000000">
+                      <a:alpha val="43137"/>
+                    </a:srgbClr>
+                  </a:outerShdw>
+                </a:effectLst>
+              </a:rPr>
+              <a:t>Проанализированы варианты аппаратной платформы для бортовой электроники </a:t>
+            </a:r>
+            <a:br>
+              <a:rPr lang="ru-RU" sz="2400" dirty="0" smtClean="0">
+                <a:effectLst>
+                  <a:outerShdw blurRad="38100" dist="38100" dir="2700000" algn="tl">
+                    <a:srgbClr val="000000">
+                      <a:alpha val="43137"/>
+                    </a:srgbClr>
+                  </a:outerShdw>
+                </a:effectLst>
+              </a:rPr>
+            </a:br>
+            <a:r>
+              <a:rPr lang="ru-RU" sz="2400" dirty="0" smtClean="0">
+                <a:effectLst>
+                  <a:outerShdw blurRad="38100" dist="38100" dir="2700000" algn="tl">
+                    <a:srgbClr val="000000">
+                      <a:alpha val="43137"/>
+                    </a:srgbClr>
+                  </a:outerShdw>
+                </a:effectLst>
+              </a:rPr>
+              <a:t>4Р </a:t>
+            </a:r>
+            <a:r>
+              <a:rPr lang="ru-RU" sz="2400" dirty="0" smtClean="0">
+                <a:effectLst>
+                  <a:outerShdw blurRad="38100" dist="38100" dir="2700000" algn="tl">
+                    <a:srgbClr val="000000">
+                      <a:alpha val="43137"/>
+                    </a:srgbClr>
+                  </a:outerShdw>
+                </a:effectLst>
+              </a:rPr>
+              <a:t>БПЛА</a:t>
+            </a:r>
+            <a:endParaRPr lang="en-US" sz="2400" dirty="0" smtClean="0">
+              <a:effectLst>
+                <a:outerShdw blurRad="38100" dist="38100" dir="2700000" algn="tl">
+                  <a:srgbClr val="000000">
+                    <a:alpha val="43137"/>
+                  </a:srgbClr>
+                </a:outerShdw>
+              </a:effectLst>
+            </a:endParaRPr>
+          </a:p>
+          <a:p>
+            <a:r>
+              <a:rPr lang="ru-RU" sz="2400" dirty="0" smtClean="0">
+                <a:effectLst>
+                  <a:outerShdw blurRad="38100" dist="38100" dir="2700000" algn="tl">
+                    <a:srgbClr val="000000">
+                      <a:alpha val="43137"/>
+                    </a:srgbClr>
+                  </a:outerShdw>
+                </a:effectLst>
+              </a:rPr>
+              <a:t>Собран летный прототип 4Р-БПЛА </a:t>
+            </a:r>
+          </a:p>
+          <a:p>
+            <a:r>
+              <a:rPr lang="ru-RU" sz="2400" dirty="0" smtClean="0">
+                <a:effectLst>
+                  <a:outerShdw blurRad="38100" dist="38100" dir="2700000" algn="tl">
+                    <a:srgbClr val="000000">
+                      <a:alpha val="43137"/>
+                    </a:srgbClr>
+                  </a:outerShdw>
+                </a:effectLst>
+              </a:rPr>
+              <a:t>Частично разработано ПО бортового оборудования</a:t>
+            </a:r>
+            <a:r>
+              <a:rPr lang="en-US" sz="2400" dirty="0" smtClean="0">
+                <a:effectLst>
+                  <a:outerShdw blurRad="38100" dist="38100" dir="2700000" algn="tl">
+                    <a:srgbClr val="000000">
+                      <a:alpha val="43137"/>
+                    </a:srgbClr>
+                  </a:outerShdw>
+                </a:effectLst>
+              </a:rPr>
+              <a:t> </a:t>
+            </a:r>
+            <a:r>
+              <a:rPr lang="ru-RU" sz="2400" dirty="0" smtClean="0">
+                <a:effectLst>
+                  <a:outerShdw blurRad="38100" dist="38100" dir="2700000" algn="tl">
+                    <a:srgbClr val="000000">
+                      <a:alpha val="43137"/>
+                    </a:srgbClr>
+                  </a:outerShdw>
+                </a:effectLst>
+              </a:rPr>
+              <a:t>на базе платформы </a:t>
+            </a:r>
+            <a:r>
+              <a:rPr lang="en-US" sz="2400" dirty="0" err="1" smtClean="0">
+                <a:effectLst>
+                  <a:outerShdw blurRad="38100" dist="38100" dir="2700000" algn="tl">
+                    <a:srgbClr val="000000">
+                      <a:alpha val="43137"/>
+                    </a:srgbClr>
+                  </a:outerShdw>
+                </a:effectLst>
+              </a:rPr>
+              <a:t>Arduino</a:t>
+            </a:r>
+            <a:endParaRPr lang="en-US" sz="2400" dirty="0" smtClean="0">
+              <a:effectLst>
+                <a:outerShdw blurRad="38100" dist="38100" dir="2700000" algn="tl">
+                  <a:srgbClr val="000000">
+                    <a:alpha val="43137"/>
+                  </a:srgbClr>
+                </a:outerShdw>
+              </a:effectLst>
+            </a:endParaRPr>
+          </a:p>
+          <a:p>
+            <a:r>
+              <a:rPr lang="ru-RU" sz="2400" dirty="0" smtClean="0">
+                <a:effectLst>
+                  <a:outerShdw blurRad="38100" dist="38100" dir="2700000" algn="tl">
+                    <a:srgbClr val="000000">
+                      <a:alpha val="43137"/>
+                    </a:srgbClr>
+                  </a:outerShdw>
+                </a:effectLst>
+              </a:rPr>
+              <a:t>Частично разработано ПО ПК оператора</a:t>
+            </a:r>
+            <a:r>
+              <a:rPr lang="en-US" sz="2400" dirty="0" smtClean="0">
+                <a:effectLst>
+                  <a:outerShdw blurRad="38100" dist="38100" dir="2700000" algn="tl">
+                    <a:srgbClr val="000000">
+                      <a:alpha val="43137"/>
+                    </a:srgbClr>
+                  </a:outerShdw>
+                </a:effectLst>
+              </a:rPr>
+              <a:t> (</a:t>
+            </a:r>
+            <a:r>
+              <a:rPr lang="en-US" sz="2400" dirty="0" err="1" smtClean="0">
+                <a:effectLst>
+                  <a:outerShdw blurRad="38100" dist="38100" dir="2700000" algn="tl">
+                    <a:srgbClr val="000000">
+                      <a:alpha val="43137"/>
+                    </a:srgbClr>
+                  </a:outerShdw>
+                </a:effectLst>
+              </a:rPr>
+              <a:t>QuadroX</a:t>
+            </a:r>
+            <a:r>
+              <a:rPr lang="en-US" sz="2400" dirty="0" smtClean="0">
+                <a:effectLst>
+                  <a:outerShdw blurRad="38100" dist="38100" dir="2700000" algn="tl">
+                    <a:srgbClr val="000000">
+                      <a:alpha val="43137"/>
+                    </a:srgbClr>
+                  </a:outerShdw>
+                </a:effectLst>
+              </a:rPr>
+              <a:t>-DS)</a:t>
+            </a:r>
+            <a:endParaRPr lang="ru-RU" sz="2400" dirty="0" smtClean="0">
+              <a:effectLst>
+                <a:outerShdw blurRad="38100" dist="38100" dir="2700000" algn="tl">
+                  <a:srgbClr val="000000">
+                    <a:alpha val="43137"/>
+                  </a:srgbClr>
+                </a:outerShdw>
+              </a:effectLst>
+            </a:endParaRPr>
+          </a:p>
+          <a:p>
+            <a:endParaRPr lang="ru-RU" sz="2400" dirty="0">
+              <a:effectLst>
+                <a:outerShdw blurRad="38100" dist="38100" dir="2700000" algn="tl">
+                  <a:srgbClr val="000000">
+                    <a:alpha val="43137"/>
+                  </a:srgbClr>
+                </a:outerShdw>
+              </a:effectLst>
+            </a:endParaRPr>
+          </a:p>
+        </p:txBody>
+      </p:sp>
+    </p:spTree>
+  </p:cSld>
+  <p:clrMapOvr>
+    <a:masterClrMapping/>
+  </p:clrMapOvr>
+  <p:timing>
+    <p:tnLst>
+      <p:par>
+        <p:cTn id="1" dur="indefinite" restart="never" nodeType="tmRoot"/>
+      </p:par>
+    </p:tnLst>
+  </p:timing>
+</p:sld>
+</file>
+
+<file path=ppt/slides/slide14.xml><?xml version="1.0" encoding="utf-8"?>
+<p:sld xmlns:a="http://schemas.openxmlformats.org/drawingml/2006/main" xmlns:r="http://schemas.openxmlformats.org/officeDocument/2006/relationships" xmlns:p="http://schemas.openxmlformats.org/presentationml/2006/main">
+  <p:cSld>
+    <p:spTree>
+      <p:nvGrpSpPr>
+        <p:cNvPr id="1" name=""/>
+        <p:cNvGrpSpPr/>
+        <p:nvPr/>
+      </p:nvGrpSpPr>
+      <p:grpSpPr>
+        <a:xfrm>
+          <a:off x="0" y="0"/>
+          <a:ext cx="0" cy="0"/>
+          <a:chOff x="0" y="0"/>
+          <a:chExt cx="0" cy="0"/>
+        </a:xfrm>
+      </p:grpSpPr>
+      <p:sp>
+        <p:nvSpPr>
+          <p:cNvPr id="2" name="Заголовок 1"/>
+          <p:cNvSpPr>
+            <a:spLocks noGrp="1"/>
+          </p:cNvSpPr>
+          <p:nvPr>
+            <p:ph type="title"/>
+          </p:nvPr>
+        </p:nvSpPr>
+        <p:spPr/>
+        <p:txBody>
+          <a:bodyPr/>
+          <a:lstStyle/>
+          <a:p>
+            <a:r>
+              <a:rPr lang="ru-RU" dirty="0" smtClean="0"/>
               <a:t>Вопросы?</a:t>
             </a:r>
             <a:endParaRPr lang="ru-RU" dirty="0"/>
@@ -5166,36 +8204,52 @@
           <a:lstStyle/>
           <a:p>
             <a:r>
-              <a:rPr lang="ru-RU" sz="2800" dirty="0" smtClean="0"/>
-              <a:t>Создание комплекса 4Р-БПЛА для решения задачи </a:t>
-            </a:r>
-            <a:r>
-              <a:rPr lang="ru-RU" sz="2800" dirty="0" smtClean="0"/>
-              <a:t>групповой навигации </a:t>
-            </a:r>
-            <a:r>
-              <a:rPr lang="ru-RU" sz="2800" dirty="0" smtClean="0"/>
-              <a:t>в закрытых помещениях (</a:t>
-            </a:r>
-            <a:r>
-              <a:rPr lang="ru-RU" sz="2800" dirty="0" smtClean="0"/>
-              <a:t>КГНЗП</a:t>
-            </a:r>
-            <a:r>
-              <a:rPr lang="ru-RU" sz="2800" dirty="0" smtClean="0"/>
-              <a:t>)</a:t>
-            </a:r>
-          </a:p>
-          <a:p>
-            <a:endParaRPr lang="ru-RU" sz="2800" dirty="0" smtClean="0"/>
-          </a:p>
-          <a:p>
-            <a:r>
-              <a:rPr lang="ru-RU" sz="2800" dirty="0" smtClean="0"/>
+              <a:rPr lang="ru-RU" sz="2800" dirty="0" smtClean="0">
+                <a:effectLst>
+                  <a:outerShdw blurRad="38100" dist="38100" dir="2700000" algn="tl">
+                    <a:srgbClr val="000000">
+                      <a:alpha val="43137"/>
+                    </a:srgbClr>
+                  </a:outerShdw>
+                </a:effectLst>
+              </a:rPr>
+              <a:t>Создание комплекса 4Р-БПЛА для решения задачи групповой навигации в закрытых помещениях</a:t>
+            </a:r>
+          </a:p>
+          <a:p>
+            <a:endParaRPr lang="ru-RU" sz="2800" dirty="0" smtClean="0">
+              <a:effectLst>
+                <a:outerShdw blurRad="38100" dist="38100" dir="2700000" algn="tl">
+                  <a:srgbClr val="000000">
+                    <a:alpha val="43137"/>
+                  </a:srgbClr>
+                </a:outerShdw>
+              </a:effectLst>
+            </a:endParaRPr>
+          </a:p>
+          <a:p>
+            <a:r>
+              <a:rPr lang="ru-RU" sz="2800" dirty="0" smtClean="0">
+                <a:effectLst>
+                  <a:outerShdw blurRad="38100" dist="38100" dir="2700000" algn="tl">
+                    <a:srgbClr val="000000">
+                      <a:alpha val="43137"/>
+                    </a:srgbClr>
+                  </a:outerShdw>
+                </a:effectLst>
+              </a:rPr>
               <a:t>Создание виртуального полигона для исследования динамики 4Р-БПЛА в закрытых помещениях (</a:t>
             </a:r>
             <a:r>
-              <a:rPr lang="en-US" sz="2800" dirty="0" err="1" smtClean="0"/>
+              <a:rPr lang="en-US" sz="2800" dirty="0" err="1" smtClean="0">
+                <a:effectLst>
+                  <a:outerShdw blurRad="38100" dist="38100" dir="2700000" algn="tl">
+                    <a:srgbClr val="000000">
+                      <a:alpha val="43137"/>
+                    </a:srgbClr>
+                  </a:outerShdw>
+                </a:effectLst>
+              </a:rPr>
               <a:t>Quadro</a:t>
             </a:r>
             <a:r>
@@ -5203,18 +8257,49 @@
                 <a:solidFill>
                   <a:srgbClr val="FF0000"/>
                 </a:solidFill>
+                <a:effectLst>
+                  <a:outerShdw blurRad="38100" dist="38100" dir="2700000" algn="tl">
+                    <a:srgbClr val="000000">
+                      <a:alpha val="43137"/>
+                    </a:srgbClr>
+                  </a:outerShdw>
+                </a:effectLst>
               </a:rPr>
               <a:t>X</a:t>
             </a:r>
             <a:r>
-              <a:rPr lang="en-US" sz="2800" dirty="0" smtClean="0"/>
+              <a:rPr lang="en-US" sz="2800" dirty="0" smtClean="0">
+                <a:effectLst>
+                  <a:outerShdw blurRad="38100" dist="38100" dir="2700000" algn="tl">
+                    <a:srgbClr val="000000">
+                      <a:alpha val="43137"/>
+                    </a:srgbClr>
+                  </a:outerShdw>
+                </a:effectLst>
+              </a:rPr>
               <a:t>-DS</a:t>
             </a:r>
             <a:r>
-              <a:rPr lang="ru-RU" sz="2800" dirty="0" smtClean="0"/>
+              <a:rPr lang="ru-RU" sz="2800" dirty="0" smtClean="0">
+                <a:effectLst>
+                  <a:outerShdw blurRad="38100" dist="38100" dir="2700000" algn="tl">
+                    <a:srgbClr val="000000">
+                      <a:alpha val="43137"/>
+                    </a:srgbClr>
+                  </a:outerShdw>
+                </a:effectLst>
+              </a:rPr>
               <a:t>)</a:t>
             </a:r>
-            <a:endParaRPr lang="en-US" sz="2800" dirty="0" smtClean="0"/>
+            <a:endParaRPr lang="en-US" sz="2800" dirty="0" smtClean="0">
+              <a:effectLst>
+                <a:outerShdw blurRad="38100" dist="38100" dir="2700000" algn="tl">
+                  <a:srgbClr val="000000">
+                    <a:alpha val="43137"/>
+                  </a:srgbClr>
+                </a:outerShdw>
+              </a:effectLst>
+            </a:endParaRPr>
           </a:p>
           <a:p>
             <a:endParaRPr lang="ru-RU" sz="2800" dirty="0" smtClean="0"/>
@@ -5300,7 +8385,15 @@
           <a:lstStyle/>
           <a:p>
             <a:r>
-              <a:rPr lang="ru-RU" sz="2800" dirty="0" smtClean="0"/>
+              <a:rPr lang="ru-RU" sz="2800" dirty="0" smtClean="0">
+                <a:effectLst>
+                  <a:outerShdw blurRad="38100" dist="38100" dir="2700000" algn="tl">
+                    <a:srgbClr val="000000">
+                      <a:alpha val="43137"/>
+                    </a:srgbClr>
+                  </a:outerShdw>
+                </a:effectLst>
+              </a:rPr>
               <a:t>Спасательные операции в труднодоступных помещениях</a:t>
             </a:r>
           </a:p>
@@ -5311,6 +8404,13 @@
                 <a:solidFill>
                   <a:srgbClr val="80FF80"/>
                 </a:solidFill>
+                <a:effectLst>
+                  <a:outerShdw blurRad="38100" dist="38100" dir="2700000" algn="tl">
+                    <a:srgbClr val="000000">
+                      <a:alpha val="43137"/>
+                    </a:srgbClr>
+                  </a:outerShdw>
+                </a:effectLst>
               </a:rPr>
               <a:t>В пещерах</a:t>
             </a:r>
@@ -5322,6 +8422,13 @@
                 <a:solidFill>
                   <a:srgbClr val="80FF80"/>
                 </a:solidFill>
+                <a:effectLst>
+                  <a:outerShdw blurRad="38100" dist="38100" dir="2700000" algn="tl">
+                    <a:srgbClr val="000000">
+                      <a:alpha val="43137"/>
+                    </a:srgbClr>
+                  </a:outerShdw>
+                </a:effectLst>
               </a:rPr>
               <a:t>В завалах</a:t>
             </a:r>
@@ -5329,11 +8436,26 @@
               <a:solidFill>
                 <a:srgbClr val="80FF80"/>
               </a:solidFill>
+              <a:effectLst>
+                <a:outerShdw blurRad="38100" dist="38100" dir="2700000" algn="tl">
+                  <a:srgbClr val="000000">
+                    <a:alpha val="43137"/>
+                  </a:srgbClr>
+                </a:outerShdw>
+              </a:effectLst>
             </a:endParaRPr>
           </a:p>
           <a:p>
             <a:r>
-              <a:rPr lang="ru-RU" sz="2800" dirty="0" smtClean="0"/>
+              <a:rPr lang="ru-RU" sz="2800" dirty="0" smtClean="0">
+                <a:effectLst>
+                  <a:outerShdw blurRad="38100" dist="38100" dir="2700000" algn="tl">
+                    <a:srgbClr val="000000">
+                      <a:alpha val="43137"/>
+                    </a:srgbClr>
+                  </a:outerShdw>
+                </a:effectLst>
+              </a:rPr>
               <a:t>Мониторинг объектов на предмет:</a:t>
             </a:r>
           </a:p>
@@ -5344,6 +8466,13 @@
                 <a:solidFill>
                   <a:srgbClr val="80FF80"/>
                 </a:solidFill>
+                <a:effectLst>
+                  <a:outerShdw blurRad="38100" dist="38100" dir="2700000" algn="tl">
+                    <a:srgbClr val="000000">
+                      <a:alpha val="43137"/>
+                    </a:srgbClr>
+                  </a:outerShdw>
+                </a:effectLst>
               </a:rPr>
               <a:t>Вторжения на охраняемые объекты</a:t>
             </a:r>
@@ -5355,6 +8484,13 @@
                 <a:solidFill>
                   <a:srgbClr val="80FF80"/>
                 </a:solidFill>
+                <a:effectLst>
+                  <a:outerShdw blurRad="38100" dist="38100" dir="2700000" algn="tl">
+                    <a:srgbClr val="000000">
+                      <a:alpha val="43137"/>
+                    </a:srgbClr>
+                  </a:outerShdw>
+                </a:effectLst>
               </a:rPr>
               <a:t>Аварий на опасных объектах</a:t>
             </a:r>
@@ -5362,11 +8498,26 @@
               <a:solidFill>
                 <a:srgbClr val="80FF80"/>
               </a:solidFill>
+              <a:effectLst>
+                <a:outerShdw blurRad="38100" dist="38100" dir="2700000" algn="tl">
+                  <a:srgbClr val="000000">
+                    <a:alpha val="43137"/>
+                  </a:srgbClr>
+                </a:outerShdw>
+              </a:effectLst>
             </a:endParaRPr>
           </a:p>
           <a:p>
             <a:r>
-              <a:rPr lang="ru-RU" sz="2800" dirty="0" smtClean="0"/>
+              <a:rPr lang="ru-RU" sz="2800" dirty="0" smtClean="0">
+                <a:effectLst>
+                  <a:outerShdw blurRad="38100" dist="38100" dir="2700000" algn="tl">
+                    <a:srgbClr val="000000">
+                      <a:alpha val="43137"/>
+                    </a:srgbClr>
+                  </a:outerShdw>
+                </a:effectLst>
+              </a:rPr>
               <a:t>Разведывательные операции</a:t>
             </a:r>
           </a:p>
@@ -5468,41 +8619,101 @@
           <a:lstStyle/>
           <a:p>
             <a:r>
-              <a:rPr lang="ru-RU" sz="2400" dirty="0" smtClean="0"/>
+              <a:rPr lang="ru-RU" sz="2400" dirty="0" smtClean="0">
+                <a:effectLst>
+                  <a:outerShdw blurRad="38100" dist="38100" dir="2700000" algn="tl">
+                    <a:srgbClr val="000000">
+                      <a:alpha val="43137"/>
+                    </a:srgbClr>
+                  </a:outerShdw>
+                </a:effectLst>
+              </a:rPr>
               <a:t>Навигация в заведомо известных, неизвестных и/или изменяющихся помещениях</a:t>
             </a:r>
           </a:p>
           <a:p>
-            <a:endParaRPr lang="en-US" sz="2400" dirty="0" smtClean="0"/>
-          </a:p>
-          <a:p>
-            <a:r>
-              <a:rPr lang="ru-RU" sz="2400" dirty="0" smtClean="0"/>
+            <a:endParaRPr lang="en-US" sz="2400" dirty="0" smtClean="0">
+              <a:effectLst>
+                <a:outerShdw blurRad="38100" dist="38100" dir="2700000" algn="tl">
+                  <a:srgbClr val="000000">
+                    <a:alpha val="43137"/>
+                  </a:srgbClr>
+                </a:outerShdw>
+              </a:effectLst>
+            </a:endParaRPr>
+          </a:p>
+          <a:p>
+            <a:r>
+              <a:rPr lang="ru-RU" sz="2400" dirty="0" smtClean="0">
+                <a:effectLst>
+                  <a:outerShdw blurRad="38100" dist="38100" dir="2700000" algn="tl">
+                    <a:srgbClr val="000000">
+                      <a:alpha val="43137"/>
+                    </a:srgbClr>
+                  </a:outerShdw>
+                </a:effectLst>
+              </a:rPr>
               <a:t>Сложность передачи прямого радиосигнала в закрытых помещениях</a:t>
             </a:r>
           </a:p>
           <a:p>
-            <a:endParaRPr lang="en-US" sz="2400" dirty="0" smtClean="0"/>
-          </a:p>
-          <a:p>
-            <a:r>
-              <a:rPr lang="ru-RU" sz="2400" dirty="0" smtClean="0"/>
+            <a:endParaRPr lang="en-US" sz="2400" dirty="0" smtClean="0">
+              <a:effectLst>
+                <a:outerShdw blurRad="38100" dist="38100" dir="2700000" algn="tl">
+                  <a:srgbClr val="000000">
+                    <a:alpha val="43137"/>
+                  </a:srgbClr>
+                </a:outerShdw>
+              </a:effectLst>
+            </a:endParaRPr>
+          </a:p>
+          <a:p>
+            <a:r>
+              <a:rPr lang="ru-RU" sz="2400" dirty="0" smtClean="0">
+                <a:effectLst>
+                  <a:outerShdw blurRad="38100" dist="38100" dir="2700000" algn="tl">
+                    <a:srgbClr val="000000">
+                      <a:alpha val="43137"/>
+                    </a:srgbClr>
+                  </a:outerShdw>
+                </a:effectLst>
+              </a:rPr>
               <a:t>Восстановление трехмерной структуры закрытых помещений для облегчения работы оператора</a:t>
             </a:r>
           </a:p>
           <a:p>
-            <a:endParaRPr lang="en-US" sz="2400" dirty="0" smtClean="0"/>
-          </a:p>
-          <a:p>
-            <a:r>
-              <a:rPr lang="ru-RU" sz="2400" dirty="0" smtClean="0"/>
-              <a:t>Реализация группового поведения БПЛА в условиях </a:t>
-            </a:r>
-            <a:r>
-              <a:rPr lang="ru-RU" sz="2400" dirty="0" smtClean="0"/>
-              <a:t>агрессивной среды</a:t>
-            </a:r>
-            <a:endParaRPr lang="en-US" sz="2400" dirty="0" smtClean="0"/>
+            <a:endParaRPr lang="en-US" sz="2400" dirty="0" smtClean="0">
+              <a:effectLst>
+                <a:outerShdw blurRad="38100" dist="38100" dir="2700000" algn="tl">
+                  <a:srgbClr val="000000">
+                    <a:alpha val="43137"/>
+                  </a:srgbClr>
+                </a:outerShdw>
+              </a:effectLst>
+            </a:endParaRPr>
+          </a:p>
+          <a:p>
+            <a:r>
+              <a:rPr lang="ru-RU" sz="2400" dirty="0" smtClean="0">
+                <a:effectLst>
+                  <a:outerShdw blurRad="38100" dist="38100" dir="2700000" algn="tl">
+                    <a:srgbClr val="000000">
+                      <a:alpha val="43137"/>
+                    </a:srgbClr>
+                  </a:outerShdw>
+                </a:effectLst>
+              </a:rPr>
+              <a:t>Реализация группового поведения БПЛА в условиях агрессивной среды</a:t>
+            </a:r>
+            <a:endParaRPr lang="en-US" sz="2400" dirty="0" smtClean="0">
+              <a:effectLst>
+                <a:outerShdw blurRad="38100" dist="38100" dir="2700000" algn="tl">
+                  <a:srgbClr val="000000">
+                    <a:alpha val="43137"/>
+                  </a:srgbClr>
+                </a:outerShdw>
+              </a:effectLst>
+            </a:endParaRPr>
           </a:p>
           <a:p>
             <a:endParaRPr lang="ru-RU" sz="2400" dirty="0" smtClean="0"/>
@@ -5561,8 +8772,8 @@
         </p:nvSpPr>
         <p:spPr>
           <a:xfrm>
-            <a:off x="179512" y="1484784"/>
-            <a:ext cx="8856984" cy="4680520"/>
+            <a:off x="2987824" y="1628800"/>
+            <a:ext cx="5976664" cy="4464496"/>
           </a:xfrm>
           <a:prstGeom prst="rect">
             <a:avLst/>
@@ -5630,9 +8841,195 @@
           </a:p>
         </p:txBody>
       </p:sp>
+      <p:sp>
+        <p:nvSpPr>
+          <p:cNvPr id="22" name="Содержимое 21"/>
+          <p:cNvSpPr>
+            <a:spLocks noGrp="1"/>
+          </p:cNvSpPr>
+          <p:nvPr>
+            <p:ph sz="half" idx="1"/>
+          </p:nvPr>
+        </p:nvSpPr>
+        <p:spPr>
+          <a:xfrm>
+            <a:off x="107504" y="1600200"/>
+            <a:ext cx="2736304" cy="4525963"/>
+          </a:xfrm>
+          <a:solidFill>
+            <a:srgbClr val="000000">
+              <a:alpha val="70000"/>
+            </a:srgbClr>
+          </a:solidFill>
+        </p:spPr>
+        <p:txBody>
+          <a:bodyPr>
+            <a:normAutofit/>
+          </a:bodyPr>
+          <a:lstStyle/>
+          <a:p>
+            <a:r>
+              <a:rPr lang="ru-RU" sz="2000" dirty="0" smtClean="0">
+                <a:effectLst>
+                  <a:outerShdw blurRad="38100" dist="38100" dir="2700000" algn="tl">
+                    <a:srgbClr val="000000">
+                      <a:alpha val="43137"/>
+                    </a:srgbClr>
+                  </a:outerShdw>
+                </a:effectLst>
+              </a:rPr>
+              <a:t>ПК</a:t>
+            </a:r>
+            <a:r>
+              <a:rPr lang="ru-RU" sz="2000" dirty="0" smtClean="0">
+                <a:effectLst>
+                  <a:outerShdw blurRad="38100" dist="38100" dir="2700000" algn="tl">
+                    <a:srgbClr val="000000">
+                      <a:alpha val="43137"/>
+                    </a:srgbClr>
+                  </a:outerShdw>
+                </a:effectLst>
+                <a:sym typeface="Wingdings" pitchFamily="2" charset="2"/>
+              </a:rPr>
+              <a:t>БПЛА</a:t>
+            </a:r>
+          </a:p>
+          <a:p>
+            <a:pPr lvl="1"/>
+            <a:r>
+              <a:rPr lang="ru-RU" sz="1800" dirty="0" smtClean="0">
+                <a:solidFill>
+                  <a:srgbClr val="80FF80"/>
+                </a:solidFill>
+                <a:effectLst>
+                  <a:outerShdw blurRad="38100" dist="38100" dir="2700000" algn="tl">
+                    <a:srgbClr val="000000">
+                      <a:alpha val="43137"/>
+                    </a:srgbClr>
+                  </a:outerShdw>
+                </a:effectLst>
+                <a:sym typeface="Wingdings" pitchFamily="2" charset="2"/>
+              </a:rPr>
+              <a:t>Команды оператора</a:t>
+            </a:r>
+          </a:p>
+          <a:p>
+            <a:pPr lvl="1"/>
+            <a:r>
+              <a:rPr lang="ru-RU" sz="1800" dirty="0" smtClean="0">
+                <a:solidFill>
+                  <a:srgbClr val="80FF80"/>
+                </a:solidFill>
+                <a:effectLst>
+                  <a:outerShdw blurRad="38100" dist="38100" dir="2700000" algn="tl">
+                    <a:srgbClr val="000000">
+                      <a:alpha val="43137"/>
+                    </a:srgbClr>
+                  </a:outerShdw>
+                </a:effectLst>
+                <a:sym typeface="Wingdings" pitchFamily="2" charset="2"/>
+              </a:rPr>
+              <a:t>Команды системы управления</a:t>
+            </a:r>
+          </a:p>
+          <a:p>
+            <a:pPr lvl="1"/>
+            <a:r>
+              <a:rPr lang="ru-RU" sz="1800" dirty="0" smtClean="0">
+                <a:solidFill>
+                  <a:srgbClr val="80FF80"/>
+                </a:solidFill>
+                <a:effectLst>
+                  <a:outerShdw blurRad="38100" dist="38100" dir="2700000" algn="tl">
+                    <a:srgbClr val="000000">
+                      <a:alpha val="43137"/>
+                    </a:srgbClr>
+                  </a:outerShdw>
+                </a:effectLst>
+                <a:sym typeface="Wingdings" pitchFamily="2" charset="2"/>
+              </a:rPr>
+              <a:t>Корректировка координат</a:t>
+            </a:r>
+          </a:p>
+          <a:p>
+            <a:r>
+              <a:rPr lang="ru-RU" sz="2000" dirty="0" smtClean="0">
+                <a:effectLst>
+                  <a:outerShdw blurRad="38100" dist="38100" dir="2700000" algn="tl">
+                    <a:srgbClr val="000000">
+                      <a:alpha val="43137"/>
+                    </a:srgbClr>
+                  </a:outerShdw>
+                </a:effectLst>
+                <a:sym typeface="Wingdings" pitchFamily="2" charset="2"/>
+              </a:rPr>
+              <a:t>БПЛАПК</a:t>
+            </a:r>
+          </a:p>
+          <a:p>
+            <a:pPr lvl="1"/>
+            <a:r>
+              <a:rPr lang="ru-RU" sz="1800" dirty="0" smtClean="0">
+                <a:solidFill>
+                  <a:srgbClr val="80FF80"/>
+                </a:solidFill>
+                <a:effectLst>
+                  <a:outerShdw blurRad="38100" dist="38100" dir="2700000" algn="tl">
+                    <a:srgbClr val="000000">
+                      <a:alpha val="43137"/>
+                    </a:srgbClr>
+                  </a:outerShdw>
+                </a:effectLst>
+                <a:sym typeface="Wingdings" pitchFamily="2" charset="2"/>
+              </a:rPr>
+              <a:t>Изображения (1/10 с)</a:t>
+            </a:r>
+          </a:p>
+          <a:p>
+            <a:pPr lvl="1"/>
+            <a:r>
+              <a:rPr lang="ru-RU" sz="1800" dirty="0" smtClean="0">
+                <a:solidFill>
+                  <a:srgbClr val="80FF80"/>
+                </a:solidFill>
+                <a:effectLst>
+                  <a:outerShdw blurRad="38100" dist="38100" dir="2700000" algn="tl">
+                    <a:srgbClr val="000000">
+                      <a:alpha val="43137"/>
+                    </a:srgbClr>
+                  </a:outerShdw>
+                </a:effectLst>
+                <a:sym typeface="Wingdings" pitchFamily="2" charset="2"/>
+              </a:rPr>
+              <a:t>Телеметрия</a:t>
+            </a:r>
+          </a:p>
+          <a:p>
+            <a:pPr lvl="1"/>
+            <a:endParaRPr lang="ru-RU" sz="1800" dirty="0" smtClean="0">
+              <a:sym typeface="Wingdings" pitchFamily="2" charset="2"/>
+            </a:endParaRPr>
+          </a:p>
+          <a:p>
+            <a:pPr lvl="1"/>
+            <a:endParaRPr lang="ru-RU" sz="1800" dirty="0" smtClean="0">
+              <a:sym typeface="Wingdings" pitchFamily="2" charset="2"/>
+            </a:endParaRPr>
+          </a:p>
+          <a:p>
+            <a:pPr lvl="1"/>
+            <a:endParaRPr lang="ru-RU" sz="1800" dirty="0" smtClean="0">
+              <a:sym typeface="Wingdings" pitchFamily="2" charset="2"/>
+            </a:endParaRPr>
+          </a:p>
+          <a:p>
+            <a:endParaRPr lang="ru-RU" sz="2000" dirty="0"/>
+          </a:p>
+        </p:txBody>
+      </p:sp>
       <p:pic>
         <p:nvPicPr>
-          <p:cNvPr id="40" name="Рисунок 39" descr="quadrotor.png"/>
+          <p:cNvPr id="25" name="Рисунок 24" descr="quadrotor.png"/>
           <p:cNvPicPr>
             <a:picLocks noChangeAspect="1"/>
           </p:cNvPicPr>
@@ -5646,8 +9043,8 @@
         </p:blipFill>
         <p:spPr>
           <a:xfrm>
-            <a:off x="7308304" y="1988840"/>
-            <a:ext cx="1200292" cy="858209"/>
+            <a:off x="7755963" y="2532384"/>
+            <a:ext cx="814390" cy="609052"/>
           </a:xfrm>
           <a:prstGeom prst="rect">
             <a:avLst/>
@@ -5656,7 +9053,7 @@
       </p:pic>
       <p:pic>
         <p:nvPicPr>
-          <p:cNvPr id="41" name="Рисунок 40" descr="quadrotor.png"/>
+          <p:cNvPr id="26" name="Рисунок 25" descr="quadrotor.png"/>
           <p:cNvPicPr>
             <a:picLocks noChangeAspect="1"/>
           </p:cNvPicPr>
@@ -5670,8 +9067,8 @@
         </p:blipFill>
         <p:spPr>
           <a:xfrm>
-            <a:off x="4716016" y="2060848"/>
-            <a:ext cx="1200292" cy="858209"/>
+            <a:off x="5997112" y="2583487"/>
+            <a:ext cx="814390" cy="609052"/>
           </a:xfrm>
           <a:prstGeom prst="rect">
             <a:avLst/>
@@ -5680,7 +9077,7 @@
       </p:pic>
       <p:pic>
         <p:nvPicPr>
-          <p:cNvPr id="42" name="Рисунок 41" descr="quadrotor.png"/>
+          <p:cNvPr id="27" name="Рисунок 26" descr="quadrotor.png"/>
           <p:cNvPicPr>
             <a:picLocks noChangeAspect="1"/>
           </p:cNvPicPr>
@@ -5694,8 +9091,8 @@
         </p:blipFill>
         <p:spPr>
           <a:xfrm>
-            <a:off x="7164288" y="4509120"/>
-            <a:ext cx="1200292" cy="858209"/>
+            <a:off x="7658249" y="4320970"/>
+            <a:ext cx="814390" cy="609052"/>
           </a:xfrm>
           <a:prstGeom prst="rect">
             <a:avLst/>
@@ -5704,7 +9101,7 @@
       </p:pic>
       <p:pic>
         <p:nvPicPr>
-          <p:cNvPr id="43" name="Рисунок 42" descr="quadrotor.png"/>
+          <p:cNvPr id="28" name="Рисунок 27" descr="quadrotor.png"/>
           <p:cNvPicPr>
             <a:picLocks noChangeAspect="1"/>
           </p:cNvPicPr>
@@ -5718,8 +9115,8 @@
         </p:blipFill>
         <p:spPr>
           <a:xfrm>
-            <a:off x="4572000" y="4581128"/>
-            <a:ext cx="1200292" cy="858209"/>
+            <a:off x="5899398" y="4372073"/>
+            <a:ext cx="814390" cy="609052"/>
           </a:xfrm>
           <a:prstGeom prst="rect">
             <a:avLst/>
@@ -5728,7 +9125,7 @@
       </p:pic>
       <p:pic>
         <p:nvPicPr>
-          <p:cNvPr id="45" name="Рисунок 44" descr="laptop.png"/>
+          <p:cNvPr id="29" name="Рисунок 28" descr="laptop.png"/>
           <p:cNvPicPr>
             <a:picLocks noChangeAspect="1"/>
           </p:cNvPicPr>
@@ -5742,8 +9139,8 @@
         </p:blipFill>
         <p:spPr>
           <a:xfrm>
-            <a:off x="386895" y="1772816"/>
-            <a:ext cx="1512020" cy="1575021"/>
+            <a:off x="3059832" y="2379077"/>
+            <a:ext cx="1025896" cy="1117757"/>
           </a:xfrm>
           <a:prstGeom prst="rect">
             <a:avLst/>
@@ -5752,7 +9149,7 @@
       </p:pic>
       <p:pic>
         <p:nvPicPr>
-          <p:cNvPr id="46" name="Рисунок 45" descr="quadrotor.png"/>
+          <p:cNvPr id="30" name="Рисунок 29" descr="quadrotor.png"/>
           <p:cNvPicPr>
             <a:picLocks noChangeAspect="1"/>
           </p:cNvPicPr>
@@ -5766,8 +9163,8 @@
         </p:blipFill>
         <p:spPr>
           <a:xfrm>
-            <a:off x="2051720" y="4365104"/>
-            <a:ext cx="1200292" cy="858209"/>
+            <a:off x="4189405" y="4218765"/>
+            <a:ext cx="814390" cy="609052"/>
           </a:xfrm>
           <a:prstGeom prst="rect">
             <a:avLst/>
@@ -5776,23 +9173,22 @@
       </p:pic>
       <p:sp>
         <p:nvSpPr>
-          <p:cNvPr id="47" name="Прямоугольник 46"/>
+          <p:cNvPr id="31" name="Прямоугольник 30"/>
           <p:cNvSpPr/>
           <p:nvPr/>
         </p:nvSpPr>
         <p:spPr>
           <a:xfrm>
-            <a:off x="3779912" y="1628800"/>
-            <a:ext cx="432048" cy="2664296"/>
+            <a:off x="5361972" y="2276872"/>
+            <a:ext cx="293142" cy="1890791"/>
           </a:xfrm>
           <a:prstGeom prst="rect">
             <a:avLst/>
           </a:prstGeom>
           <a:solidFill>
-            <a:schemeClr val="bg1">
-              <a:lumMod val="85000"/>
+            <a:srgbClr val="C00000">
               <a:alpha val="34000"/>
-            </a:schemeClr>
+            </a:srgbClr>
           </a:solidFill>
           <a:ln>
             <a:solidFill>
@@ -5827,23 +9223,22 @@
       </p:sp>
       <p:sp>
         <p:nvSpPr>
-          <p:cNvPr id="49" name="Прямоугольник 48"/>
+          <p:cNvPr id="32" name="Прямоугольник 31"/>
           <p:cNvSpPr/>
           <p:nvPr/>
         </p:nvSpPr>
         <p:spPr>
           <a:xfrm rot="5400000">
-            <a:off x="7308304" y="2132856"/>
-            <a:ext cx="432048" cy="2736304"/>
+            <a:off x="7749226" y="2677254"/>
+            <a:ext cx="306615" cy="1856564"/>
           </a:xfrm>
           <a:prstGeom prst="rect">
             <a:avLst/>
           </a:prstGeom>
           <a:solidFill>
-            <a:schemeClr val="bg1">
-              <a:lumMod val="85000"/>
+            <a:srgbClr val="C00000">
               <a:alpha val="34000"/>
-            </a:schemeClr>
+            </a:srgbClr>
           </a:solidFill>
           <a:ln>
             <a:solidFill>
@@ -5878,23 +9273,22 @@
       </p:sp>
       <p:sp>
         <p:nvSpPr>
-          <p:cNvPr id="52" name="Прямоугольник 51"/>
+          <p:cNvPr id="33" name="Прямоугольник 32"/>
           <p:cNvSpPr/>
           <p:nvPr/>
         </p:nvSpPr>
         <p:spPr>
           <a:xfrm rot="5400000">
-            <a:off x="5364088" y="2564904"/>
-            <a:ext cx="432048" cy="6624736"/>
+            <a:off x="6430089" y="3044497"/>
+            <a:ext cx="306615" cy="4494840"/>
           </a:xfrm>
           <a:prstGeom prst="rect">
             <a:avLst/>
           </a:prstGeom>
           <a:solidFill>
-            <a:schemeClr val="bg1">
-              <a:lumMod val="85000"/>
+            <a:srgbClr val="C00000">
               <a:alpha val="34000"/>
-            </a:schemeClr>
+            </a:srgbClr>
           </a:solidFill>
           <a:ln>
             <a:solidFill>
@@ -5929,14 +9323,14 @@
       </p:sp>
       <p:sp>
         <p:nvSpPr>
-          <p:cNvPr id="54" name="Двойная стрелка влево/вправо 53"/>
+          <p:cNvPr id="34" name="Двойная стрелка влево/вправо 33"/>
           <p:cNvSpPr/>
           <p:nvPr/>
         </p:nvSpPr>
         <p:spPr>
           <a:xfrm rot="2961900">
-            <a:off x="1378644" y="3672424"/>
-            <a:ext cx="774927" cy="290241"/>
+            <a:off x="3720645" y="3731711"/>
+            <a:ext cx="549948" cy="196927"/>
           </a:xfrm>
           <a:prstGeom prst="leftRightArrow">
             <a:avLst/>
@@ -5977,14 +9371,14 @@
       </p:sp>
       <p:sp>
         <p:nvSpPr>
-          <p:cNvPr id="55" name="Двойная стрелка влево/вправо 54"/>
+          <p:cNvPr id="35" name="Двойная стрелка влево/вправо 34"/>
           <p:cNvSpPr/>
           <p:nvPr/>
         </p:nvSpPr>
         <p:spPr>
           <a:xfrm rot="608049">
-            <a:off x="3483101" y="4741212"/>
-            <a:ext cx="903723" cy="290241"/>
+            <a:off x="5160588" y="4485681"/>
+            <a:ext cx="613170" cy="205977"/>
           </a:xfrm>
           <a:prstGeom prst="leftRightArrow">
             <a:avLst/>
@@ -6025,14 +9419,14 @@
       </p:sp>
       <p:sp>
         <p:nvSpPr>
-          <p:cNvPr id="56" name="Двойная стрелка влево/вправо 55"/>
+          <p:cNvPr id="36" name="Двойная стрелка влево/вправо 35"/>
           <p:cNvSpPr/>
           <p:nvPr/>
         </p:nvSpPr>
         <p:spPr>
           <a:xfrm rot="21409230">
-            <a:off x="5968782" y="4797969"/>
-            <a:ext cx="1001189" cy="290241"/>
+            <a:off x="6847106" y="4525960"/>
+            <a:ext cx="679300" cy="205977"/>
           </a:xfrm>
           <a:prstGeom prst="leftRightArrow">
             <a:avLst/>
@@ -6073,14 +9467,14 @@
       </p:sp>
       <p:sp>
         <p:nvSpPr>
-          <p:cNvPr id="58" name="Двойная стрелка влево/вправо 57"/>
+          <p:cNvPr id="37" name="Двойная стрелка влево/вправо 36"/>
           <p:cNvSpPr/>
           <p:nvPr/>
         </p:nvSpPr>
         <p:spPr>
           <a:xfrm rot="16518987">
-            <a:off x="4732340" y="3538141"/>
-            <a:ext cx="1095491" cy="290241"/>
+            <a:off x="5991107" y="3636414"/>
+            <a:ext cx="777445" cy="196927"/>
           </a:xfrm>
           <a:prstGeom prst="leftRightArrow">
             <a:avLst/>
@@ -6121,14 +9515,14 @@
       </p:sp>
       <p:sp>
         <p:nvSpPr>
-          <p:cNvPr id="59" name="Двойная стрелка влево/вправо 58"/>
+          <p:cNvPr id="38" name="Двойная стрелка влево/вправо 37"/>
           <p:cNvSpPr/>
           <p:nvPr/>
         </p:nvSpPr>
         <p:spPr>
           <a:xfrm rot="21082670">
-            <a:off x="6104607" y="2278272"/>
-            <a:ext cx="1001189" cy="290241"/>
+            <a:off x="6939262" y="2737788"/>
+            <a:ext cx="679300" cy="205977"/>
           </a:xfrm>
           <a:prstGeom prst="leftRightArrow">
             <a:avLst/>
@@ -6202,6 +9596,58 @@
       </p:grpSpPr>
       <p:sp>
         <p:nvSpPr>
+          <p:cNvPr id="19" name="Прямоугольник 18"/>
+          <p:cNvSpPr/>
+          <p:nvPr/>
+        </p:nvSpPr>
+        <p:spPr>
+          <a:xfrm>
+            <a:off x="179512" y="1484784"/>
+            <a:ext cx="8856984" cy="4680520"/>
+          </a:xfrm>
+          <a:prstGeom prst="rect">
+            <a:avLst/>
+          </a:prstGeom>
+          <a:solidFill>
+            <a:srgbClr val="000000">
+              <a:alpha val="70000"/>
+            </a:srgbClr>
+          </a:solidFill>
+          <a:ln>
+            <a:noFill/>
+          </a:ln>
+        </p:spPr>
+        <p:style>
+          <a:lnRef idx="2">
+            <a:schemeClr val="accent1">
+              <a:shade val="50000"/>
+            </a:schemeClr>
+          </a:lnRef>
+          <a:fillRef idx="1">
+            <a:schemeClr val="accent1"/>
+          </a:fillRef>
+          <a:effectRef idx="0">
+            <a:schemeClr val="accent1"/>
+          </a:effectRef>
+          <a:fontRef idx="minor">
+            <a:schemeClr val="lt1"/>
+          </a:fontRef>
+        </p:style>
+        <p:txBody>
+          <a:bodyPr rtlCol="0" anchor="ctr"/>
+          <a:lstStyle/>
+          <a:p>
+            <a:pPr algn="ctr"/>
+            <a:endParaRPr lang="ru-RU" dirty="0">
+              <a:solidFill>
+                <a:srgbClr val="000000"/>
+              </a:solidFill>
+            </a:endParaRPr>
+          </a:p>
+        </p:txBody>
+      </p:sp>
+      <p:sp>
+        <p:nvSpPr>
           <p:cNvPr id="2" name="Заголовок 1"/>
           <p:cNvSpPr>
             <a:spLocks noGrp="1"/>
@@ -6216,12 +9662,797 @@
           <a:lstStyle/>
           <a:p>
             <a:r>
+              <a:rPr lang="ru-RU" dirty="0" smtClean="0"/>
+              <a:t>Сценарий использования</a:t>
+            </a:r>
+            <a:endParaRPr lang="ru-RU" dirty="0"/>
+          </a:p>
+        </p:txBody>
+      </p:sp>
+      <p:pic>
+        <p:nvPicPr>
+          <p:cNvPr id="3" name="Рисунок 2" descr="quadrotor.png"/>
+          <p:cNvPicPr>
+            <a:picLocks noChangeAspect="1"/>
+          </p:cNvPicPr>
+          <p:nvPr/>
+        </p:nvPicPr>
+        <p:blipFill>
+          <a:blip r:embed="rId3" cstate="print"/>
+          <a:stretch>
+            <a:fillRect/>
+          </a:stretch>
+        </p:blipFill>
+        <p:spPr>
+          <a:xfrm>
+            <a:off x="2915816" y="4149080"/>
+            <a:ext cx="840252" cy="600780"/>
+          </a:xfrm>
+          <a:prstGeom prst="rect">
+            <a:avLst/>
+          </a:prstGeom>
+        </p:spPr>
+      </p:pic>
+      <p:pic>
+        <p:nvPicPr>
+          <p:cNvPr id="4" name="Рисунок 3" descr="quadrotor.png"/>
+          <p:cNvPicPr>
+            <a:picLocks noChangeAspect="1"/>
+          </p:cNvPicPr>
+          <p:nvPr/>
+        </p:nvPicPr>
+        <p:blipFill>
+          <a:blip r:embed="rId3" cstate="print"/>
+          <a:stretch>
+            <a:fillRect/>
+          </a:stretch>
+        </p:blipFill>
+        <p:spPr>
+          <a:xfrm>
+            <a:off x="3419872" y="3429000"/>
+            <a:ext cx="840252" cy="600780"/>
+          </a:xfrm>
+          <a:prstGeom prst="rect">
+            <a:avLst/>
+          </a:prstGeom>
+        </p:spPr>
+      </p:pic>
+      <p:pic>
+        <p:nvPicPr>
+          <p:cNvPr id="5" name="Рисунок 4" descr="quadrotor.png"/>
+          <p:cNvPicPr>
+            <a:picLocks noChangeAspect="1"/>
+          </p:cNvPicPr>
+          <p:nvPr/>
+        </p:nvPicPr>
+        <p:blipFill>
+          <a:blip r:embed="rId3" cstate="print"/>
+          <a:stretch>
+            <a:fillRect/>
+          </a:stretch>
+        </p:blipFill>
+        <p:spPr>
+          <a:xfrm>
+            <a:off x="3923928" y="4149080"/>
+            <a:ext cx="840252" cy="600780"/>
+          </a:xfrm>
+          <a:prstGeom prst="rect">
+            <a:avLst/>
+          </a:prstGeom>
+        </p:spPr>
+      </p:pic>
+      <p:pic>
+        <p:nvPicPr>
+          <p:cNvPr id="6" name="Рисунок 5" descr="laptop.png"/>
+          <p:cNvPicPr>
+            <a:picLocks noChangeAspect="1"/>
+          </p:cNvPicPr>
+          <p:nvPr/>
+        </p:nvPicPr>
+        <p:blipFill>
+          <a:blip r:embed="rId4" cstate="print"/>
+          <a:stretch>
+            <a:fillRect/>
+          </a:stretch>
+        </p:blipFill>
+        <p:spPr>
+          <a:xfrm>
+            <a:off x="611560" y="4293096"/>
+            <a:ext cx="1097254" cy="1142973"/>
+          </a:xfrm>
+          <a:prstGeom prst="rect">
+            <a:avLst/>
+          </a:prstGeom>
+        </p:spPr>
+      </p:pic>
+      <p:pic>
+        <p:nvPicPr>
+          <p:cNvPr id="8" name="Рисунок 7" descr="oil platform 2.gif"/>
+          <p:cNvPicPr>
+            <a:picLocks noChangeAspect="1"/>
+          </p:cNvPicPr>
+          <p:nvPr/>
+        </p:nvPicPr>
+        <p:blipFill>
+          <a:blip r:embed="rId5" cstate="print"/>
+          <a:stretch>
+            <a:fillRect/>
+          </a:stretch>
+        </p:blipFill>
+        <p:spPr>
+          <a:xfrm>
+            <a:off x="7236296" y="4005064"/>
+            <a:ext cx="1776715" cy="1982634"/>
+          </a:xfrm>
+          <a:prstGeom prst="rect">
+            <a:avLst/>
+          </a:prstGeom>
+        </p:spPr>
+      </p:pic>
+      <p:pic>
+        <p:nvPicPr>
+          <p:cNvPr id="9" name="Рисунок 8" descr="kobe.gif"/>
+          <p:cNvPicPr>
+            <a:picLocks noChangeAspect="1"/>
+          </p:cNvPicPr>
+          <p:nvPr/>
+        </p:nvPicPr>
+        <p:blipFill>
+          <a:blip r:embed="rId6" cstate="print"/>
+          <a:stretch>
+            <a:fillRect/>
+          </a:stretch>
+        </p:blipFill>
+        <p:spPr>
+          <a:xfrm>
+            <a:off x="7164288" y="2060848"/>
+            <a:ext cx="1736901" cy="1224136"/>
+          </a:xfrm>
+          <a:prstGeom prst="rect">
+            <a:avLst/>
+          </a:prstGeom>
+        </p:spPr>
+      </p:pic>
+      <p:pic>
+        <p:nvPicPr>
+          <p:cNvPr id="10" name="Рисунок 9" descr="satellite-outline-hi.png"/>
+          <p:cNvPicPr>
+            <a:picLocks noChangeAspect="1"/>
+          </p:cNvPicPr>
+          <p:nvPr/>
+        </p:nvPicPr>
+        <p:blipFill>
+          <a:blip r:embed="rId7" cstate="print"/>
+          <a:stretch>
+            <a:fillRect/>
+          </a:stretch>
+        </p:blipFill>
+        <p:spPr>
+          <a:xfrm>
+            <a:off x="1979712" y="1556792"/>
+            <a:ext cx="1320837" cy="977419"/>
+          </a:xfrm>
+          <a:prstGeom prst="rect">
+            <a:avLst/>
+          </a:prstGeom>
+        </p:spPr>
+      </p:pic>
+      <p:sp>
+        <p:nvSpPr>
+          <p:cNvPr id="11" name="Стрелка вправо 10"/>
+          <p:cNvSpPr/>
+          <p:nvPr/>
+        </p:nvSpPr>
+        <p:spPr>
+          <a:xfrm rot="20565343">
+            <a:off x="1860587" y="4692061"/>
+            <a:ext cx="792088" cy="288032"/>
+          </a:xfrm>
+          <a:prstGeom prst="rightArrow">
+            <a:avLst/>
+          </a:prstGeom>
+          <a:solidFill>
+            <a:srgbClr val="000000"/>
+          </a:solidFill>
+          <a:ln>
+            <a:solidFill>
+              <a:srgbClr val="80FF80"/>
+            </a:solidFill>
+          </a:ln>
+        </p:spPr>
+        <p:style>
+          <a:lnRef idx="2">
+            <a:schemeClr val="accent1">
+              <a:shade val="50000"/>
+            </a:schemeClr>
+          </a:lnRef>
+          <a:fillRef idx="1">
+            <a:schemeClr val="accent1"/>
+          </a:fillRef>
+          <a:effectRef idx="0">
+            <a:schemeClr val="accent1"/>
+          </a:effectRef>
+          <a:fontRef idx="minor">
+            <a:schemeClr val="lt1"/>
+          </a:fontRef>
+        </p:style>
+        <p:txBody>
+          <a:bodyPr rtlCol="0" anchor="ctr"/>
+          <a:lstStyle/>
+          <a:p>
+            <a:pPr algn="ctr"/>
+            <a:endParaRPr lang="ru-RU"/>
+          </a:p>
+        </p:txBody>
+      </p:sp>
+      <p:sp>
+        <p:nvSpPr>
+          <p:cNvPr id="12" name="Стрелка вправо 11"/>
+          <p:cNvSpPr/>
+          <p:nvPr/>
+        </p:nvSpPr>
+        <p:spPr>
+          <a:xfrm rot="20565090">
+            <a:off x="5028006" y="4122184"/>
+            <a:ext cx="833651" cy="288032"/>
+          </a:xfrm>
+          <a:prstGeom prst="rightArrow">
+            <a:avLst/>
+          </a:prstGeom>
+          <a:solidFill>
+            <a:srgbClr val="000000"/>
+          </a:solidFill>
+          <a:ln>
+            <a:solidFill>
+              <a:srgbClr val="80FF80"/>
+            </a:solidFill>
+          </a:ln>
+        </p:spPr>
+        <p:style>
+          <a:lnRef idx="2">
+            <a:schemeClr val="accent1">
+              <a:shade val="50000"/>
+            </a:schemeClr>
+          </a:lnRef>
+          <a:fillRef idx="1">
+            <a:schemeClr val="accent1"/>
+          </a:fillRef>
+          <a:effectRef idx="0">
+            <a:schemeClr val="accent1"/>
+          </a:effectRef>
+          <a:fontRef idx="minor">
+            <a:schemeClr val="lt1"/>
+          </a:fontRef>
+        </p:style>
+        <p:txBody>
+          <a:bodyPr rtlCol="0" anchor="ctr"/>
+          <a:lstStyle/>
+          <a:p>
+            <a:pPr algn="ctr"/>
+            <a:endParaRPr lang="ru-RU"/>
+          </a:p>
+        </p:txBody>
+      </p:sp>
+      <p:sp>
+        <p:nvSpPr>
+          <p:cNvPr id="13" name="Стрелка вправо 12"/>
+          <p:cNvSpPr/>
+          <p:nvPr/>
+        </p:nvSpPr>
+        <p:spPr>
+          <a:xfrm rot="18550481">
+            <a:off x="4134613" y="2860278"/>
+            <a:ext cx="2199296" cy="288032"/>
+          </a:xfrm>
+          <a:prstGeom prst="rightArrow">
+            <a:avLst/>
+          </a:prstGeom>
+          <a:solidFill>
+            <a:srgbClr val="000000"/>
+          </a:solidFill>
+          <a:ln>
+            <a:solidFill>
+              <a:srgbClr val="80FF80"/>
+            </a:solidFill>
+          </a:ln>
+        </p:spPr>
+        <p:style>
+          <a:lnRef idx="2">
+            <a:schemeClr val="accent1">
+              <a:shade val="50000"/>
+            </a:schemeClr>
+          </a:lnRef>
+          <a:fillRef idx="1">
+            <a:schemeClr val="accent1"/>
+          </a:fillRef>
+          <a:effectRef idx="0">
+            <a:schemeClr val="accent1"/>
+          </a:effectRef>
+          <a:fontRef idx="minor">
+            <a:schemeClr val="lt1"/>
+          </a:fontRef>
+        </p:style>
+        <p:txBody>
+          <a:bodyPr rtlCol="0" anchor="ctr"/>
+          <a:lstStyle/>
+          <a:p>
+            <a:pPr algn="ctr"/>
+            <a:endParaRPr lang="ru-RU"/>
+          </a:p>
+        </p:txBody>
+      </p:sp>
+      <p:sp>
+        <p:nvSpPr>
+          <p:cNvPr id="17" name="TextBox 16"/>
+          <p:cNvSpPr txBox="1"/>
+          <p:nvPr/>
+        </p:nvSpPr>
+        <p:spPr>
+          <a:xfrm>
+            <a:off x="539552" y="5661248"/>
+            <a:ext cx="1440160" cy="400110"/>
+          </a:xfrm>
+          <a:prstGeom prst="rect">
+            <a:avLst/>
+          </a:prstGeom>
+          <a:noFill/>
+        </p:spPr>
+        <p:txBody>
+          <a:bodyPr wrap="square" rtlCol="0">
+            <a:spAutoFit/>
+          </a:bodyPr>
+          <a:lstStyle/>
+          <a:p>
+            <a:r>
+              <a:rPr lang="ru-RU" sz="2000" dirty="0" smtClean="0"/>
+              <a:t>База БПЛА</a:t>
+            </a:r>
+            <a:endParaRPr lang="ru-RU" sz="2000" dirty="0"/>
+          </a:p>
+        </p:txBody>
+      </p:sp>
+      <p:sp>
+        <p:nvSpPr>
+          <p:cNvPr id="18" name="TextBox 17"/>
+          <p:cNvSpPr txBox="1"/>
+          <p:nvPr/>
+        </p:nvSpPr>
+        <p:spPr>
+          <a:xfrm>
+            <a:off x="7596336" y="3356992"/>
+            <a:ext cx="1008112" cy="461665"/>
+          </a:xfrm>
+          <a:prstGeom prst="rect">
+            <a:avLst/>
+          </a:prstGeom>
+          <a:noFill/>
+        </p:spPr>
+        <p:txBody>
+          <a:bodyPr wrap="square" rtlCol="0">
+            <a:spAutoFit/>
+          </a:bodyPr>
+          <a:lstStyle/>
+          <a:p>
+            <a:r>
+              <a:rPr lang="ru-RU" sz="2400" dirty="0" smtClean="0"/>
+              <a:t>Цель</a:t>
+            </a:r>
+            <a:endParaRPr lang="ru-RU" sz="2400" dirty="0"/>
+          </a:p>
+        </p:txBody>
+      </p:sp>
+      <p:pic>
+        <p:nvPicPr>
+          <p:cNvPr id="20" name="Рисунок 19" descr="quadrotor.png"/>
+          <p:cNvPicPr>
+            <a:picLocks noChangeAspect="1"/>
+          </p:cNvPicPr>
+          <p:nvPr/>
+        </p:nvPicPr>
+        <p:blipFill>
+          <a:blip r:embed="rId3" cstate="print"/>
+          <a:stretch>
+            <a:fillRect/>
+          </a:stretch>
+        </p:blipFill>
+        <p:spPr>
+          <a:xfrm>
+            <a:off x="6012160" y="1556792"/>
+            <a:ext cx="840252" cy="600780"/>
+          </a:xfrm>
+          <a:prstGeom prst="rect">
+            <a:avLst/>
+          </a:prstGeom>
+        </p:spPr>
+      </p:pic>
+      <p:sp>
+        <p:nvSpPr>
+          <p:cNvPr id="21" name="Молния 20"/>
+          <p:cNvSpPr/>
+          <p:nvPr/>
+        </p:nvSpPr>
+        <p:spPr>
+          <a:xfrm>
+            <a:off x="2915816" y="2492896"/>
+            <a:ext cx="648072" cy="720080"/>
+          </a:xfrm>
+          <a:prstGeom prst="lightningBolt">
+            <a:avLst/>
+          </a:prstGeom>
+          <a:solidFill>
+            <a:srgbClr val="000000"/>
+          </a:solidFill>
+          <a:ln>
+            <a:solidFill>
+              <a:srgbClr val="4F81BD"/>
+            </a:solidFill>
+          </a:ln>
+        </p:spPr>
+        <p:style>
+          <a:lnRef idx="2">
+            <a:schemeClr val="accent1">
+              <a:shade val="50000"/>
+            </a:schemeClr>
+          </a:lnRef>
+          <a:fillRef idx="1">
+            <a:schemeClr val="accent1"/>
+          </a:fillRef>
+          <a:effectRef idx="0">
+            <a:schemeClr val="accent1"/>
+          </a:effectRef>
+          <a:fontRef idx="minor">
+            <a:schemeClr val="lt1"/>
+          </a:fontRef>
+        </p:style>
+        <p:txBody>
+          <a:bodyPr rtlCol="0" anchor="ctr"/>
+          <a:lstStyle/>
+          <a:p>
+            <a:pPr algn="ctr"/>
+            <a:endParaRPr lang="ru-RU" dirty="0"/>
+          </a:p>
+        </p:txBody>
+      </p:sp>
+      <p:sp>
+        <p:nvSpPr>
+          <p:cNvPr id="23" name="Трапеция 22"/>
+          <p:cNvSpPr/>
+          <p:nvPr/>
+        </p:nvSpPr>
+        <p:spPr>
+          <a:xfrm rot="18056538">
+            <a:off x="6854427" y="1986673"/>
+            <a:ext cx="707970" cy="648072"/>
+          </a:xfrm>
+          <a:prstGeom prst="trapezoid">
+            <a:avLst>
+              <a:gd name="adj" fmla="val 46297"/>
+            </a:avLst>
+          </a:prstGeom>
+          <a:solidFill>
+            <a:srgbClr val="000000"/>
+          </a:solidFill>
+          <a:ln>
+            <a:solidFill>
+              <a:srgbClr val="FF8080"/>
+            </a:solidFill>
+          </a:ln>
+        </p:spPr>
+        <p:style>
+          <a:lnRef idx="2">
+            <a:schemeClr val="accent1">
+              <a:shade val="50000"/>
+            </a:schemeClr>
+          </a:lnRef>
+          <a:fillRef idx="1">
+            <a:schemeClr val="accent1"/>
+          </a:fillRef>
+          <a:effectRef idx="0">
+            <a:schemeClr val="accent1"/>
+          </a:effectRef>
+          <a:fontRef idx="minor">
+            <a:schemeClr val="lt1"/>
+          </a:fontRef>
+        </p:style>
+        <p:txBody>
+          <a:bodyPr rtlCol="0" anchor="ctr"/>
+          <a:lstStyle/>
+          <a:p>
+            <a:pPr algn="ctr"/>
+            <a:endParaRPr lang="ru-RU"/>
+          </a:p>
+        </p:txBody>
+      </p:sp>
+      <p:pic>
+        <p:nvPicPr>
+          <p:cNvPr id="28" name="Рисунок 27" descr="quadrotor.png"/>
+          <p:cNvPicPr>
+            <a:picLocks noChangeAspect="1"/>
+          </p:cNvPicPr>
+          <p:nvPr/>
+        </p:nvPicPr>
+        <p:blipFill>
+          <a:blip r:embed="rId3" cstate="print"/>
+          <a:stretch>
+            <a:fillRect/>
+          </a:stretch>
+        </p:blipFill>
+        <p:spPr>
+          <a:xfrm>
+            <a:off x="5995919" y="3721366"/>
+            <a:ext cx="840252" cy="600780"/>
+          </a:xfrm>
+          <a:prstGeom prst="rect">
+            <a:avLst/>
+          </a:prstGeom>
+        </p:spPr>
+      </p:pic>
+      <p:sp>
+        <p:nvSpPr>
+          <p:cNvPr id="29" name="Трапеция 28"/>
+          <p:cNvSpPr/>
+          <p:nvPr/>
+        </p:nvSpPr>
+        <p:spPr>
+          <a:xfrm rot="18056538">
+            <a:off x="6838186" y="4151247"/>
+            <a:ext cx="707970" cy="648072"/>
+          </a:xfrm>
+          <a:prstGeom prst="trapezoid">
+            <a:avLst>
+              <a:gd name="adj" fmla="val 46297"/>
+            </a:avLst>
+          </a:prstGeom>
+          <a:solidFill>
+            <a:srgbClr val="000000"/>
+          </a:solidFill>
+          <a:ln>
+            <a:solidFill>
+              <a:srgbClr val="FF8080"/>
+            </a:solidFill>
+          </a:ln>
+        </p:spPr>
+        <p:style>
+          <a:lnRef idx="2">
+            <a:schemeClr val="accent1">
+              <a:shade val="50000"/>
+            </a:schemeClr>
+          </a:lnRef>
+          <a:fillRef idx="1">
+            <a:schemeClr val="accent1"/>
+          </a:fillRef>
+          <a:effectRef idx="0">
+            <a:schemeClr val="accent1"/>
+          </a:effectRef>
+          <a:fontRef idx="minor">
+            <a:schemeClr val="lt1"/>
+          </a:fontRef>
+        </p:style>
+        <p:txBody>
+          <a:bodyPr rtlCol="0" anchor="ctr"/>
+          <a:lstStyle/>
+          <a:p>
+            <a:pPr algn="ctr"/>
+            <a:endParaRPr lang="ru-RU"/>
+          </a:p>
+        </p:txBody>
+      </p:sp>
+      <p:sp>
+        <p:nvSpPr>
+          <p:cNvPr id="42" name="Полилиния 41"/>
+          <p:cNvSpPr/>
+          <p:nvPr/>
+        </p:nvSpPr>
+        <p:spPr>
+          <a:xfrm>
+            <a:off x="1835696" y="4509121"/>
+            <a:ext cx="4175185" cy="936104"/>
+          </a:xfrm>
+          <a:custGeom>
+            <a:avLst/>
+            <a:gdLst>
+              <a:gd name="connsiteX0" fmla="*/ 4175185 w 4175185"/>
+              <a:gd name="connsiteY0" fmla="*/ 0 h 1114245"/>
+              <a:gd name="connsiteX1" fmla="*/ 2268747 w 4175185"/>
+              <a:gd name="connsiteY1" fmla="*/ 974785 h 1114245"/>
+              <a:gd name="connsiteX2" fmla="*/ 0 w 4175185"/>
+              <a:gd name="connsiteY2" fmla="*/ 836762 h 1114245"/>
+            </a:gdLst>
+            <a:ahLst/>
+            <a:cxnLst>
+              <a:cxn ang="0">
+                <a:pos x="connsiteX0" y="connsiteY0"/>
+              </a:cxn>
+              <a:cxn ang="0">
+                <a:pos x="connsiteX1" y="connsiteY1"/>
+              </a:cxn>
+              <a:cxn ang="0">
+                <a:pos x="connsiteX2" y="connsiteY2"/>
+              </a:cxn>
+            </a:cxnLst>
+            <a:rect l="l" t="t" r="r" b="b"/>
+            <a:pathLst>
+              <a:path w="4175185" h="1114245">
+                <a:moveTo>
+                  <a:pt x="4175185" y="0"/>
+                </a:moveTo>
+                <a:cubicBezTo>
+                  <a:pt x="3569898" y="417662"/>
+                  <a:pt x="2964611" y="835325"/>
+                  <a:pt x="2268747" y="974785"/>
+                </a:cubicBezTo>
+                <a:cubicBezTo>
+                  <a:pt x="1572883" y="1114245"/>
+                  <a:pt x="786441" y="975503"/>
+                  <a:pt x="0" y="836762"/>
+                </a:cubicBezTo>
+              </a:path>
+            </a:pathLst>
+          </a:custGeom>
+          <a:ln w="57150">
+            <a:solidFill>
+              <a:srgbClr val="80FF80"/>
+            </a:solidFill>
+            <a:headEnd type="triangle" w="med" len="med"/>
+            <a:tailEnd type="triangle" w="med" len="med"/>
+          </a:ln>
+        </p:spPr>
+        <p:style>
+          <a:lnRef idx="1">
+            <a:schemeClr val="accent1"/>
+          </a:lnRef>
+          <a:fillRef idx="0">
+            <a:schemeClr val="accent1"/>
+          </a:fillRef>
+          <a:effectRef idx="0">
+            <a:schemeClr val="accent1"/>
+          </a:effectRef>
+          <a:fontRef idx="minor">
+            <a:schemeClr val="tx1"/>
+          </a:fontRef>
+        </p:style>
+        <p:txBody>
+          <a:bodyPr rtlCol="0" anchor="ctr"/>
+          <a:lstStyle/>
+          <a:p>
+            <a:pPr algn="ctr"/>
+            <a:endParaRPr lang="ru-RU"/>
+          </a:p>
+        </p:txBody>
+      </p:sp>
+      <p:sp>
+        <p:nvSpPr>
+          <p:cNvPr id="43" name="TextBox 42"/>
+          <p:cNvSpPr txBox="1"/>
+          <p:nvPr/>
+        </p:nvSpPr>
+        <p:spPr>
+          <a:xfrm>
+            <a:off x="2843808" y="5013176"/>
+            <a:ext cx="1656184" cy="276999"/>
+          </a:xfrm>
+          <a:prstGeom prst="rect">
+            <a:avLst/>
+          </a:prstGeom>
+          <a:noFill/>
+        </p:spPr>
+        <p:txBody>
+          <a:bodyPr wrap="square" rtlCol="0">
+            <a:spAutoFit/>
+          </a:bodyPr>
+          <a:lstStyle/>
+          <a:p>
+            <a:pPr algn="ctr"/>
+            <a:r>
+              <a:rPr lang="ru-RU" sz="1200" dirty="0" smtClean="0"/>
+              <a:t>Передача данных</a:t>
+            </a:r>
+            <a:endParaRPr lang="ru-RU" sz="1200" dirty="0"/>
+          </a:p>
+        </p:txBody>
+      </p:sp>
+      <p:sp>
+        <p:nvSpPr>
+          <p:cNvPr id="45" name="Пятиугольник 44"/>
+          <p:cNvSpPr/>
+          <p:nvPr/>
+        </p:nvSpPr>
+        <p:spPr>
+          <a:xfrm>
+            <a:off x="2195736" y="5733256"/>
+            <a:ext cx="4536504" cy="288032"/>
+          </a:xfrm>
+          <a:prstGeom prst="homePlate">
+            <a:avLst/>
+          </a:prstGeom>
+          <a:solidFill>
+            <a:srgbClr val="000000"/>
+          </a:solidFill>
+          <a:ln>
+            <a:solidFill>
+              <a:srgbClr val="80FF80"/>
+            </a:solidFill>
+          </a:ln>
+        </p:spPr>
+        <p:style>
+          <a:lnRef idx="2">
+            <a:schemeClr val="accent1">
+              <a:shade val="50000"/>
+            </a:schemeClr>
+          </a:lnRef>
+          <a:fillRef idx="1">
+            <a:schemeClr val="accent1"/>
+          </a:fillRef>
+          <a:effectRef idx="0">
+            <a:schemeClr val="accent1"/>
+          </a:effectRef>
+          <a:fontRef idx="minor">
+            <a:schemeClr val="lt1"/>
+          </a:fontRef>
+        </p:style>
+        <p:txBody>
+          <a:bodyPr rtlCol="0" anchor="ctr"/>
+          <a:lstStyle/>
+          <a:p>
+            <a:pPr algn="ctr"/>
+            <a:r>
+              <a:rPr lang="ru-RU" dirty="0" smtClean="0"/>
+              <a:t>Выход на цель</a:t>
+            </a:r>
+            <a:endParaRPr lang="ru-RU" dirty="0"/>
+          </a:p>
+        </p:txBody>
+      </p:sp>
+    </p:spTree>
+  </p:cSld>
+  <p:clrMapOvr>
+    <a:masterClrMapping/>
+  </p:clrMapOvr>
+  <p:timing>
+    <p:tnLst>
+      <p:par>
+        <p:cTn id="1" dur="indefinite" restart="never" nodeType="tmRoot"/>
+      </p:par>
+    </p:tnLst>
+  </p:timing>
+</p:sld>
+</file>
+
+<file path=ppt/slides/slide7.xml><?xml version="1.0" encoding="utf-8"?>
+<p:sld xmlns:a="http://schemas.openxmlformats.org/drawingml/2006/main" xmlns:r="http://schemas.openxmlformats.org/officeDocument/2006/relationships" xmlns:p="http://schemas.openxmlformats.org/presentationml/2006/main">
+  <p:cSld>
+    <p:spTree>
+      <p:nvGrpSpPr>
+        <p:cNvPr id="1" name=""/>
+        <p:cNvGrpSpPr/>
+        <p:nvPr/>
+      </p:nvGrpSpPr>
+      <p:grpSpPr>
+        <a:xfrm>
+          <a:off x="0" y="0"/>
+          <a:ext cx="0" cy="0"/>
+          <a:chOff x="0" y="0"/>
+          <a:chExt cx="0" cy="0"/>
+        </a:xfrm>
+      </p:grpSpPr>
+      <p:sp>
+        <p:nvSpPr>
+          <p:cNvPr id="2" name="Заголовок 1"/>
+          <p:cNvSpPr>
+            <a:spLocks noGrp="1"/>
+          </p:cNvSpPr>
+          <p:nvPr>
+            <p:ph type="title"/>
+          </p:nvPr>
+        </p:nvSpPr>
+        <p:spPr/>
+        <p:txBody>
+          <a:bodyPr/>
+          <a:lstStyle/>
+          <a:p>
+            <a:r>
               <a:rPr lang="ru-RU" sz="3600" dirty="0" smtClean="0"/>
-              <a:t>Особенности конструкции </a:t>
-            </a:r>
-            <a:r>
-              <a:rPr lang="ru-RU" sz="3600" dirty="0" smtClean="0"/>
-              <a:t>4Р-БПЛА</a:t>
+              <a:t>Особенности конструкции 4Р-БПЛА</a:t>
             </a:r>
             <a:endParaRPr lang="ru-RU" sz="3600" dirty="0"/>
           </a:p>
@@ -6293,7 +10524,7 @@
         </p:spPr>
         <p:txBody>
           <a:bodyPr>
-            <a:normAutofit fontScale="92500" lnSpcReduction="10000"/>
+            <a:normAutofit/>
           </a:bodyPr>
           <a:lstStyle/>
           <a:p>
@@ -6302,6 +10533,13 @@
                 <a:solidFill>
                   <a:srgbClr val="80FF80"/>
                 </a:solidFill>
+                <a:effectLst>
+                  <a:outerShdw blurRad="38100" dist="38100" dir="2700000" algn="tl">
+                    <a:srgbClr val="000000">
+                      <a:alpha val="43137"/>
+                    </a:srgbClr>
+                  </a:outerShdw>
+                </a:effectLst>
               </a:rPr>
               <a:t>Фактическое отсутствие сложных механизмов</a:t>
             </a:r>
@@ -6312,6 +10550,13 @@
                 <a:solidFill>
                   <a:srgbClr val="80FF80"/>
                 </a:solidFill>
+                <a:effectLst>
+                  <a:outerShdw blurRad="38100" dist="38100" dir="2700000" algn="tl">
+                    <a:srgbClr val="000000">
+                      <a:alpha val="43137"/>
+                    </a:srgbClr>
+                  </a:outerShdw>
+                </a:effectLst>
               </a:rPr>
               <a:t>Высокая маневренность</a:t>
             </a:r>
@@ -6322,6 +10567,13 @@
                 <a:solidFill>
                   <a:srgbClr val="80FF80"/>
                 </a:solidFill>
+                <a:effectLst>
+                  <a:outerShdw blurRad="38100" dist="38100" dir="2700000" algn="tl">
+                    <a:srgbClr val="000000">
+                      <a:alpha val="43137"/>
+                    </a:srgbClr>
+                  </a:outerShdw>
+                </a:effectLst>
               </a:rPr>
               <a:t>Способность </a:t>
             </a:r>
@@ -6330,6 +10582,13 @@
                 <a:solidFill>
                   <a:srgbClr val="80FF80"/>
                 </a:solidFill>
+                <a:effectLst>
+                  <a:outerShdw blurRad="38100" dist="38100" dir="2700000" algn="tl">
+                    <a:srgbClr val="000000">
+                      <a:alpha val="43137"/>
+                    </a:srgbClr>
+                  </a:outerShdw>
+                </a:effectLst>
               </a:rPr>
             </a:br>
             <a:r>
@@ -6337,6 +10596,13 @@
                 <a:solidFill>
                   <a:srgbClr val="80FF80"/>
                 </a:solidFill>
+                <a:effectLst>
+                  <a:outerShdw blurRad="38100" dist="38100" dir="2700000" algn="tl">
+                    <a:srgbClr val="000000">
+                      <a:alpha val="43137"/>
+                    </a:srgbClr>
+                  </a:outerShdw>
+                </a:effectLst>
               </a:rPr>
               <a:t>к зависанию</a:t>
             </a:r>
@@ -6347,6 +10613,13 @@
                 <a:solidFill>
                   <a:srgbClr val="80FF80"/>
                 </a:solidFill>
+                <a:effectLst>
+                  <a:outerShdw blurRad="38100" dist="38100" dir="2700000" algn="tl">
+                    <a:srgbClr val="000000">
+                      <a:alpha val="43137"/>
+                    </a:srgbClr>
+                  </a:outerShdw>
+                </a:effectLst>
               </a:rPr>
               <a:t>Легкость создания и низкая стоимость</a:t>
             </a:r>
@@ -6357,6 +10630,13 @@
                 <a:solidFill>
                   <a:srgbClr val="80FF80"/>
                 </a:solidFill>
+                <a:effectLst>
+                  <a:outerShdw blurRad="38100" dist="38100" dir="2700000" algn="tl">
+                    <a:srgbClr val="000000">
+                      <a:alpha val="43137"/>
+                    </a:srgbClr>
+                  </a:outerShdw>
+                </a:effectLst>
               </a:rPr>
               <a:t>Высокая надежность и отказоустойчивость</a:t>
             </a:r>
@@ -6367,6 +10647,13 @@
                 <a:solidFill>
                   <a:srgbClr val="FF8080"/>
                 </a:solidFill>
+                <a:effectLst>
+                  <a:outerShdw blurRad="38100" dist="38100" dir="2700000" algn="tl">
+                    <a:srgbClr val="000000">
+                      <a:alpha val="43137"/>
+                    </a:srgbClr>
+                  </a:outerShdw>
+                </a:effectLst>
               </a:rPr>
               <a:t>Сложность управления</a:t>
             </a:r>
@@ -6377,53 +10664,59 @@
                 <a:solidFill>
                   <a:srgbClr val="FF8080"/>
                 </a:solidFill>
-              </a:rPr>
-              <a:t>Высокое </a:t>
-            </a:r>
+                <a:effectLst>
+                  <a:outerShdw blurRad="38100" dist="38100" dir="2700000" algn="tl">
+                    <a:srgbClr val="000000">
+                      <a:alpha val="43137"/>
+                    </a:srgbClr>
+                  </a:outerShdw>
+                </a:effectLst>
+              </a:rPr>
+              <a:t>Высокое энергопотребление</a:t>
+            </a:r>
+          </a:p>
+          <a:p>
             <a:r>
               <a:rPr lang="ru-RU" sz="1800" dirty="0" smtClean="0">
                 <a:solidFill>
                   <a:srgbClr val="FF8080"/>
                 </a:solidFill>
-              </a:rPr>
-              <a:t>энергопотребление</a:t>
-            </a:r>
-          </a:p>
-          <a:p>
+                <a:effectLst>
+                  <a:outerShdw blurRad="38100" dist="38100" dir="2700000" algn="tl">
+                    <a:srgbClr val="000000">
+                      <a:alpha val="43137"/>
+                    </a:srgbClr>
+                  </a:outerShdw>
+                </a:effectLst>
+              </a:rPr>
+              <a:t>Высокий уровень </a:t>
+            </a:r>
             <a:r>
               <a:rPr lang="ru-RU" sz="1800" dirty="0" smtClean="0">
                 <a:solidFill>
                   <a:srgbClr val="FF8080"/>
                 </a:solidFill>
-              </a:rPr>
-              <a:t>Высокий уровень шума</a:t>
-            </a:r>
-          </a:p>
-          <a:p>
-            <a:pPr lvl="1"/>
-            <a:r>
-              <a:rPr lang="ru-RU" sz="1400" dirty="0" smtClean="0">
-                <a:solidFill>
-                  <a:srgbClr val="FF8080"/>
-                </a:solidFill>
-              </a:rPr>
-              <a:t>Звукового</a:t>
-            </a:r>
-          </a:p>
-          <a:p>
-            <a:pPr lvl="1"/>
-            <a:r>
-              <a:rPr lang="ru-RU" sz="1400" dirty="0" smtClean="0">
-                <a:solidFill>
-                  <a:srgbClr val="FF8080"/>
-                </a:solidFill>
-              </a:rPr>
-              <a:t>Электромагнитного</a:t>
-            </a:r>
-            <a:endParaRPr lang="ru-RU" sz="1400" dirty="0">
+                <a:effectLst>
+                  <a:outerShdw blurRad="38100" dist="38100" dir="2700000" algn="tl">
+                    <a:srgbClr val="000000">
+                      <a:alpha val="43137"/>
+                    </a:srgbClr>
+                  </a:outerShdw>
+                </a:effectLst>
+              </a:rPr>
+              <a:t>шума</a:t>
+            </a:r>
+            <a:endParaRPr lang="ru-RU" sz="1800" dirty="0" smtClean="0">
               <a:solidFill>
                 <a:srgbClr val="FF8080"/>
               </a:solidFill>
+              <a:effectLst>
+                <a:outerShdw blurRad="38100" dist="38100" dir="2700000" algn="tl">
+                  <a:srgbClr val="000000">
+                    <a:alpha val="43137"/>
+                  </a:srgbClr>
+                </a:outerShdw>
+              </a:effectLst>
             </a:endParaRPr>
           </a:p>
         </p:txBody>
@@ -6443,7 +10736,7 @@
 </p:sld>
 </file>
 
-<file path=ppt/slides/slide7.xml><?xml version="1.0" encoding="utf-8"?>
+<file path=ppt/slides/slide8.xml><?xml version="1.0" encoding="utf-8"?>
 <p:sld xmlns:a="http://schemas.openxmlformats.org/drawingml/2006/main" xmlns:r="http://schemas.openxmlformats.org/officeDocument/2006/relationships" xmlns:p="http://schemas.openxmlformats.org/presentationml/2006/main">
   <p:cSld>
     <p:spTree>
@@ -6567,6 +10860,13 @@
                 <a:solidFill>
                   <a:schemeClr val="bg1"/>
                 </a:solidFill>
+                <a:effectLst>
+                  <a:outerShdw blurRad="38100" dist="38100" dir="2700000" algn="tl">
+                    <a:srgbClr val="000000">
+                      <a:alpha val="43137"/>
+                    </a:srgbClr>
+                  </a:outerShdw>
+                </a:effectLst>
               </a:rPr>
               <a:t>Рама</a:t>
             </a:r>
@@ -6577,6 +10877,13 @@
                 <a:solidFill>
                   <a:schemeClr val="bg1"/>
                 </a:solidFill>
+                <a:effectLst>
+                  <a:outerShdw blurRad="38100" dist="38100" dir="2700000" algn="tl">
+                    <a:srgbClr val="000000">
+                      <a:alpha val="43137"/>
+                    </a:srgbClr>
+                  </a:outerShdw>
+                </a:effectLst>
               </a:rPr>
               <a:t>Двигатели (3-8)</a:t>
             </a:r>
@@ -6587,6 +10894,13 @@
                 <a:solidFill>
                   <a:schemeClr val="bg1"/>
                 </a:solidFill>
+                <a:effectLst>
+                  <a:outerShdw blurRad="38100" dist="38100" dir="2700000" algn="tl">
+                    <a:srgbClr val="000000">
+                      <a:alpha val="43137"/>
+                    </a:srgbClr>
+                  </a:outerShdw>
+                </a:effectLst>
               </a:rPr>
               <a:t>Набор сенсоров:</a:t>
             </a:r>
@@ -6598,6 +10912,13 @@
                 <a:solidFill>
                   <a:srgbClr val="80FF80"/>
                 </a:solidFill>
+                <a:effectLst>
+                  <a:outerShdw blurRad="38100" dist="38100" dir="2700000" algn="tl">
+                    <a:srgbClr val="000000">
+                      <a:alpha val="43137"/>
+                    </a:srgbClr>
+                  </a:outerShdw>
+                </a:effectLst>
               </a:rPr>
               <a:t>Акселерометр</a:t>
             </a:r>
@@ -6609,6 +10930,13 @@
                 <a:solidFill>
                   <a:srgbClr val="80FF80"/>
                 </a:solidFill>
+                <a:effectLst>
+                  <a:outerShdw blurRad="38100" dist="38100" dir="2700000" algn="tl">
+                    <a:srgbClr val="000000">
+                      <a:alpha val="43137"/>
+                    </a:srgbClr>
+                  </a:outerShdw>
+                </a:effectLst>
               </a:rPr>
               <a:t>Гироскоп</a:t>
             </a:r>
@@ -6620,6 +10948,13 @@
                 <a:solidFill>
                   <a:srgbClr val="80FF80"/>
                 </a:solidFill>
+                <a:effectLst>
+                  <a:outerShdw blurRad="38100" dist="38100" dir="2700000" algn="tl">
+                    <a:srgbClr val="000000">
+                      <a:alpha val="43137"/>
+                    </a:srgbClr>
+                  </a:outerShdw>
+                </a:effectLst>
               </a:rPr>
               <a:t>Сонар </a:t>
             </a:r>
@@ -6631,6 +10966,13 @@
                 <a:solidFill>
                   <a:srgbClr val="80FF80"/>
                 </a:solidFill>
+                <a:effectLst>
+                  <a:outerShdw blurRad="38100" dist="38100" dir="2700000" algn="tl">
+                    <a:srgbClr val="000000">
+                      <a:alpha val="43137"/>
+                    </a:srgbClr>
+                  </a:outerShdw>
+                </a:effectLst>
               </a:rPr>
               <a:t>Барометр</a:t>
             </a:r>
@@ -6642,6 +10984,13 @@
                 <a:solidFill>
                   <a:srgbClr val="80FF80"/>
                 </a:solidFill>
+                <a:effectLst>
+                  <a:outerShdw blurRad="38100" dist="38100" dir="2700000" algn="tl">
+                    <a:srgbClr val="000000">
+                      <a:alpha val="43137"/>
+                    </a:srgbClr>
+                  </a:outerShdw>
+                </a:effectLst>
               </a:rPr>
               <a:t>Магнетометр</a:t>
             </a:r>
@@ -6649,6 +10998,13 @@
               <a:solidFill>
                 <a:srgbClr val="80FF80"/>
               </a:solidFill>
+              <a:effectLst>
+                <a:outerShdw blurRad="38100" dist="38100" dir="2700000" algn="tl">
+                  <a:srgbClr val="000000">
+                    <a:alpha val="43137"/>
+                  </a:srgbClr>
+                </a:outerShdw>
+              </a:effectLst>
             </a:endParaRPr>
           </a:p>
           <a:p>
@@ -6658,21 +11014,27 @@
                 <a:solidFill>
                   <a:srgbClr val="80FF80"/>
                 </a:solidFill>
+                <a:effectLst>
+                  <a:outerShdw blurRad="38100" dist="38100" dir="2700000" algn="tl">
+                    <a:srgbClr val="000000">
+                      <a:alpha val="43137"/>
+                    </a:srgbClr>
+                  </a:outerShdw>
+                </a:effectLst>
               </a:rPr>
               <a:t>GPS</a:t>
-            </a:r>
-            <a:r>
-              <a:rPr lang="ru-RU" sz="1600" i="1" dirty="0" smtClean="0">
-                <a:solidFill>
-                  <a:srgbClr val="80FF80"/>
-                </a:solidFill>
-              </a:rPr>
-              <a:t>/ГЛОНАСС</a:t>
             </a:r>
             <a:endParaRPr lang="ru-RU" sz="1600" i="1" dirty="0" smtClean="0">
               <a:solidFill>
                 <a:srgbClr val="80FF80"/>
               </a:solidFill>
+              <a:effectLst>
+                <a:outerShdw blurRad="38100" dist="38100" dir="2700000" algn="tl">
+                  <a:srgbClr val="000000">
+                    <a:alpha val="43137"/>
+                  </a:srgbClr>
+                </a:outerShdw>
+              </a:effectLst>
             </a:endParaRPr>
           </a:p>
           <a:p>
@@ -6681,6 +11043,13 @@
                 <a:solidFill>
                   <a:schemeClr val="bg1"/>
                 </a:solidFill>
+                <a:effectLst>
+                  <a:outerShdw blurRad="38100" dist="38100" dir="2700000" algn="tl">
+                    <a:srgbClr val="000000">
+                      <a:alpha val="43137"/>
+                    </a:srgbClr>
+                  </a:outerShdw>
+                </a:effectLst>
               </a:rPr>
               <a:t>Контроллер</a:t>
             </a:r>
@@ -6692,6 +11061,13 @@
                 <a:solidFill>
                   <a:srgbClr val="80FF80"/>
                 </a:solidFill>
+                <a:effectLst>
+                  <a:outerShdw blurRad="38100" dist="38100" dir="2700000" algn="tl">
+                    <a:srgbClr val="000000">
+                      <a:alpha val="43137"/>
+                    </a:srgbClr>
+                  </a:outerShdw>
+                </a:effectLst>
               </a:rPr>
               <a:t>Стабилизация</a:t>
             </a:r>
@@ -6703,6 +11079,13 @@
                 <a:solidFill>
                   <a:srgbClr val="80FF80"/>
                 </a:solidFill>
+                <a:effectLst>
+                  <a:outerShdw blurRad="38100" dist="38100" dir="2700000" algn="tl">
+                    <a:srgbClr val="000000">
+                      <a:alpha val="43137"/>
+                    </a:srgbClr>
+                  </a:outerShdw>
+                </a:effectLst>
               </a:rPr>
               <a:t>Коммуникация</a:t>
             </a:r>
@@ -6713,6 +11096,13 @@
                 <a:solidFill>
                   <a:schemeClr val="bg1"/>
                 </a:solidFill>
+                <a:effectLst>
+                  <a:outerShdw blurRad="38100" dist="38100" dir="2700000" algn="tl">
+                    <a:srgbClr val="000000">
+                      <a:alpha val="43137"/>
+                    </a:srgbClr>
+                  </a:outerShdw>
+                </a:effectLst>
               </a:rPr>
               <a:t>Аккумулятор (</a:t>
             </a:r>
@@ -6721,6 +11111,13 @@
                 <a:solidFill>
                   <a:schemeClr val="bg1"/>
                 </a:solidFill>
+                <a:effectLst>
+                  <a:outerShdw blurRad="38100" dist="38100" dir="2700000" algn="tl">
+                    <a:srgbClr val="000000">
+                      <a:alpha val="43137"/>
+                    </a:srgbClr>
+                  </a:outerShdw>
+                </a:effectLst>
               </a:rPr>
               <a:t>LiPo</a:t>
             </a:r>
@@ -6729,6 +11126,13 @@
                 <a:solidFill>
                   <a:schemeClr val="bg1"/>
                 </a:solidFill>
+                <a:effectLst>
+                  <a:outerShdw blurRad="38100" dist="38100" dir="2700000" algn="tl">
+                    <a:srgbClr val="000000">
+                      <a:alpha val="43137"/>
+                    </a:srgbClr>
+                  </a:outerShdw>
+                </a:effectLst>
               </a:rPr>
               <a:t>)</a:t>
             </a:r>
@@ -6736,6 +11140,13 @@
               <a:solidFill>
                 <a:schemeClr val="bg1"/>
               </a:solidFill>
+              <a:effectLst>
+                <a:outerShdw blurRad="38100" dist="38100" dir="2700000" algn="tl">
+                  <a:srgbClr val="000000">
+                    <a:alpha val="43137"/>
+                  </a:srgbClr>
+                </a:outerShdw>
+              </a:effectLst>
             </a:endParaRPr>
           </a:p>
         </p:txBody>
@@ -7462,442 +11873,6 @@
 </p:sld>
 </file>
 
-<file path=ppt/slides/slide8.xml><?xml version="1.0" encoding="utf-8"?>
-<p:sld xmlns:a="http://schemas.openxmlformats.org/drawingml/2006/main" xmlns:r="http://schemas.openxmlformats.org/officeDocument/2006/relationships" xmlns:p="http://schemas.openxmlformats.org/presentationml/2006/main">
-  <p:cSld>
-    <p:spTree>
-      <p:nvGrpSpPr>
-        <p:cNvPr id="1" name=""/>
-        <p:cNvGrpSpPr/>
-        <p:nvPr/>
-      </p:nvGrpSpPr>
-      <p:grpSpPr>
-        <a:xfrm>
-          <a:off x="0" y="0"/>
-          <a:ext cx="0" cy="0"/>
-          <a:chOff x="0" y="0"/>
-          <a:chExt cx="0" cy="0"/>
-        </a:xfrm>
-      </p:grpSpPr>
-      <p:sp>
-        <p:nvSpPr>
-          <p:cNvPr id="2" name="Заголовок 1"/>
-          <p:cNvSpPr>
-            <a:spLocks noGrp="1"/>
-          </p:cNvSpPr>
-          <p:nvPr>
-            <p:ph type="title"/>
-          </p:nvPr>
-        </p:nvSpPr>
-        <p:spPr/>
-        <p:txBody>
-          <a:bodyPr/>
-          <a:lstStyle/>
-          <a:p>
-            <a:r>
-              <a:rPr lang="ru-RU" sz="3200" dirty="0" smtClean="0"/>
-              <a:t>Выбор аппаратной платформы для БПЛА</a:t>
-            </a:r>
-            <a:endParaRPr lang="ru-RU" sz="3200" dirty="0"/>
-          </a:p>
-        </p:txBody>
-      </p:sp>
-      <p:sp>
-        <p:nvSpPr>
-          <p:cNvPr id="3" name="Содержимое 2"/>
-          <p:cNvSpPr>
-            <a:spLocks noGrp="1"/>
-          </p:cNvSpPr>
-          <p:nvPr>
-            <p:ph sz="half" idx="1"/>
-          </p:nvPr>
-        </p:nvSpPr>
-        <p:spPr>
-          <a:solidFill>
-            <a:srgbClr val="000000">
-              <a:alpha val="74902"/>
-            </a:srgbClr>
-          </a:solidFill>
-        </p:spPr>
-        <p:txBody>
-          <a:bodyPr>
-            <a:normAutofit fontScale="92500" lnSpcReduction="10000"/>
-          </a:bodyPr>
-          <a:lstStyle/>
-          <a:p>
-            <a:r>
-              <a:rPr lang="ru-RU" sz="2400" dirty="0" smtClean="0"/>
-              <a:t>Контроллер:</a:t>
-            </a:r>
-            <a:endParaRPr lang="en-US" sz="2400" dirty="0" smtClean="0"/>
-          </a:p>
-          <a:p>
-            <a:pPr lvl="1"/>
-            <a:r>
-              <a:rPr lang="en-US" sz="2000" dirty="0" err="1" smtClean="0"/>
-              <a:t>Arduino</a:t>
-            </a:r>
-            <a:endParaRPr lang="ru-RU" sz="2000" dirty="0" smtClean="0"/>
-          </a:p>
-          <a:p>
-            <a:pPr lvl="2"/>
-            <a:r>
-              <a:rPr lang="ru-RU" sz="1600" dirty="0" smtClean="0">
-                <a:solidFill>
-                  <a:srgbClr val="80FF80"/>
-                </a:solidFill>
-              </a:rPr>
-              <a:t>Большой выбор «</a:t>
-            </a:r>
-            <a:r>
-              <a:rPr lang="ru-RU" sz="1600" dirty="0" err="1" smtClean="0">
-                <a:solidFill>
-                  <a:srgbClr val="80FF80"/>
-                </a:solidFill>
-              </a:rPr>
-              <a:t>шилдов</a:t>
-            </a:r>
-            <a:r>
-              <a:rPr lang="ru-RU" sz="1600" dirty="0" smtClean="0">
-                <a:solidFill>
-                  <a:srgbClr val="80FF80"/>
-                </a:solidFill>
-              </a:rPr>
-              <a:t>»</a:t>
-            </a:r>
-          </a:p>
-          <a:p>
-            <a:pPr lvl="2"/>
-            <a:r>
-              <a:rPr lang="ru-RU" sz="1600" dirty="0" smtClean="0">
-                <a:solidFill>
-                  <a:srgbClr val="80FF80"/>
-                </a:solidFill>
-              </a:rPr>
-              <a:t>Легкость программирования и  внедрения</a:t>
-            </a:r>
-          </a:p>
-          <a:p>
-            <a:pPr lvl="2"/>
-            <a:r>
-              <a:rPr lang="ru-RU" sz="1600" dirty="0" smtClean="0">
-                <a:solidFill>
-                  <a:srgbClr val="80FF80"/>
-                </a:solidFill>
-              </a:rPr>
-              <a:t>Большой  выбор  библиотек для разных задач и аппаратных средств</a:t>
-            </a:r>
-          </a:p>
-          <a:p>
-            <a:pPr lvl="2"/>
-            <a:r>
-              <a:rPr lang="en-US" sz="1600" dirty="0" err="1" smtClean="0">
-                <a:solidFill>
-                  <a:srgbClr val="80FF80"/>
-                </a:solidFill>
-              </a:rPr>
-              <a:t>AeroQuad</a:t>
-            </a:r>
-            <a:endParaRPr lang="ru-RU" sz="1600" dirty="0" smtClean="0">
-              <a:solidFill>
-                <a:srgbClr val="80FF80"/>
-              </a:solidFill>
-            </a:endParaRPr>
-          </a:p>
-          <a:p>
-            <a:pPr lvl="2"/>
-            <a:r>
-              <a:rPr lang="ru-RU" sz="1600" dirty="0" smtClean="0">
-                <a:solidFill>
-                  <a:srgbClr val="FF8080"/>
-                </a:solidFill>
-              </a:rPr>
-              <a:t>Низкая </a:t>
-            </a:r>
-            <a:r>
-              <a:rPr lang="ru-RU" sz="1600" dirty="0" smtClean="0">
-                <a:solidFill>
-                  <a:srgbClr val="FF8080"/>
-                </a:solidFill>
-              </a:rPr>
-              <a:t>производительность</a:t>
-            </a:r>
-            <a:endParaRPr lang="en-US" sz="1600" dirty="0" smtClean="0">
-              <a:solidFill>
-                <a:srgbClr val="FF8080"/>
-              </a:solidFill>
-            </a:endParaRPr>
-          </a:p>
-          <a:p>
-            <a:pPr lvl="2"/>
-            <a:r>
-              <a:rPr lang="ru-RU" sz="1600" dirty="0" smtClean="0">
-                <a:solidFill>
-                  <a:srgbClr val="FF8080"/>
-                </a:solidFill>
-              </a:rPr>
-              <a:t>Малый объем памяти</a:t>
-            </a:r>
-            <a:endParaRPr lang="ru-RU" sz="1600" dirty="0" smtClean="0">
-              <a:solidFill>
-                <a:srgbClr val="FF8080"/>
-              </a:solidFill>
-            </a:endParaRPr>
-          </a:p>
-          <a:p>
-            <a:pPr lvl="2"/>
-            <a:endParaRPr lang="ru-RU" sz="1600" dirty="0" smtClean="0"/>
-          </a:p>
-          <a:p>
-            <a:pPr lvl="1"/>
-            <a:r>
-              <a:rPr lang="en-US" sz="2000" dirty="0" err="1" smtClean="0"/>
-              <a:t>Netduino</a:t>
-            </a:r>
-            <a:endParaRPr lang="ru-RU" sz="2000" dirty="0" smtClean="0"/>
-          </a:p>
-          <a:p>
-            <a:pPr lvl="2"/>
-            <a:r>
-              <a:rPr lang="en-US" sz="1600" dirty="0" smtClean="0">
-                <a:solidFill>
-                  <a:srgbClr val="80FF80"/>
-                </a:solidFill>
-              </a:rPr>
-              <a:t>.NET </a:t>
-            </a:r>
-            <a:r>
-              <a:rPr lang="en-US" sz="1600" dirty="0" smtClean="0">
-                <a:solidFill>
-                  <a:srgbClr val="80FF80"/>
-                </a:solidFill>
-              </a:rPr>
-              <a:t>Micro</a:t>
-            </a:r>
-            <a:r>
-              <a:rPr lang="ru-RU" sz="1600" dirty="0" smtClean="0">
-                <a:solidFill>
-                  <a:srgbClr val="80FF80"/>
-                </a:solidFill>
-              </a:rPr>
-              <a:t> </a:t>
-            </a:r>
-            <a:r>
-              <a:rPr lang="en-US" sz="1600" dirty="0" smtClean="0">
-                <a:solidFill>
-                  <a:srgbClr val="80FF80"/>
-                </a:solidFill>
-              </a:rPr>
-              <a:t>Framework</a:t>
-            </a:r>
-            <a:endParaRPr lang="en-US" sz="1600" dirty="0" smtClean="0">
-              <a:solidFill>
-                <a:srgbClr val="80FF80"/>
-              </a:solidFill>
-            </a:endParaRPr>
-          </a:p>
-          <a:p>
-            <a:pPr lvl="2"/>
-            <a:r>
-              <a:rPr lang="ru-RU" sz="1600" dirty="0" smtClean="0">
-                <a:solidFill>
-                  <a:srgbClr val="80FF80"/>
-                </a:solidFill>
-              </a:rPr>
-              <a:t>Возможность интеграции с ВП</a:t>
-            </a:r>
-          </a:p>
-          <a:p>
-            <a:pPr lvl="2"/>
-            <a:r>
-              <a:rPr lang="ru-RU" sz="1600" dirty="0" smtClean="0">
-                <a:solidFill>
-                  <a:srgbClr val="FF8080"/>
-                </a:solidFill>
-              </a:rPr>
-              <a:t>Меньше библиотек</a:t>
-            </a:r>
-          </a:p>
-          <a:p>
-            <a:pPr lvl="2"/>
-            <a:endParaRPr lang="en-US" sz="1600" dirty="0" smtClean="0"/>
-          </a:p>
-        </p:txBody>
-      </p:sp>
-      <p:sp>
-        <p:nvSpPr>
-          <p:cNvPr id="4" name="Содержимое 3"/>
-          <p:cNvSpPr>
-            <a:spLocks noGrp="1"/>
-          </p:cNvSpPr>
-          <p:nvPr>
-            <p:ph sz="half" idx="2"/>
-          </p:nvPr>
-        </p:nvSpPr>
-        <p:spPr>
-          <a:solidFill>
-            <a:srgbClr val="000000">
-              <a:alpha val="74902"/>
-            </a:srgbClr>
-          </a:solidFill>
-        </p:spPr>
-        <p:txBody>
-          <a:bodyPr>
-            <a:normAutofit fontScale="92500" lnSpcReduction="10000"/>
-          </a:bodyPr>
-          <a:lstStyle/>
-          <a:p>
-            <a:r>
-              <a:rPr lang="ru-RU" sz="2400" dirty="0" smtClean="0"/>
-              <a:t>Коммуникационная система</a:t>
-            </a:r>
-            <a:endParaRPr lang="en-US" sz="2400" dirty="0" smtClean="0"/>
-          </a:p>
-          <a:p>
-            <a:pPr lvl="1"/>
-            <a:r>
-              <a:rPr lang="en-US" sz="2000" dirty="0" err="1" smtClean="0"/>
-              <a:t>WiFi</a:t>
-            </a:r>
-            <a:endParaRPr lang="en-US" sz="2000" dirty="0" smtClean="0"/>
-          </a:p>
-          <a:p>
-            <a:pPr lvl="2"/>
-            <a:r>
-              <a:rPr lang="ru-RU" sz="1600" dirty="0" smtClean="0">
-                <a:solidFill>
-                  <a:srgbClr val="80FF80"/>
-                </a:solidFill>
-              </a:rPr>
-              <a:t>Передача больших объемов данных</a:t>
-            </a:r>
-          </a:p>
-          <a:p>
-            <a:pPr lvl="2"/>
-            <a:r>
-              <a:rPr lang="ru-RU" sz="1600" dirty="0" smtClean="0">
-                <a:solidFill>
-                  <a:srgbClr val="FF8080"/>
-                </a:solidFill>
-              </a:rPr>
-              <a:t>Непригодна для сложных топологий</a:t>
-            </a:r>
-          </a:p>
-          <a:p>
-            <a:pPr lvl="1"/>
-            <a:r>
-              <a:rPr lang="en-US" sz="2000" dirty="0" err="1" smtClean="0"/>
-              <a:t>ZigBee</a:t>
-            </a:r>
-            <a:endParaRPr lang="ru-RU" sz="2000" dirty="0" smtClean="0"/>
-          </a:p>
-          <a:p>
-            <a:pPr lvl="2"/>
-            <a:r>
-              <a:rPr lang="ru-RU" sz="1600" dirty="0" smtClean="0">
-                <a:solidFill>
-                  <a:srgbClr val="80FF80"/>
-                </a:solidFill>
-              </a:rPr>
-              <a:t>Сложные топологии</a:t>
-            </a:r>
-          </a:p>
-          <a:p>
-            <a:pPr lvl="2"/>
-            <a:r>
-              <a:rPr lang="ru-RU" sz="1600" dirty="0" smtClean="0">
-                <a:solidFill>
-                  <a:srgbClr val="80FF80"/>
-                </a:solidFill>
-              </a:rPr>
-              <a:t>Критически важные данные</a:t>
-            </a:r>
-          </a:p>
-          <a:p>
-            <a:pPr lvl="2"/>
-            <a:r>
-              <a:rPr lang="ru-RU" sz="1600" dirty="0" smtClean="0">
-                <a:solidFill>
-                  <a:srgbClr val="FF8080"/>
-                </a:solidFill>
-              </a:rPr>
-              <a:t>Сложность настройки</a:t>
-            </a:r>
-            <a:endParaRPr lang="ru-RU" sz="1600" dirty="0" smtClean="0">
-              <a:solidFill>
-                <a:srgbClr val="80FF80"/>
-              </a:solidFill>
-            </a:endParaRPr>
-          </a:p>
-          <a:p>
-            <a:pPr lvl="1"/>
-            <a:r>
-              <a:rPr lang="en-US" sz="2000" dirty="0" smtClean="0"/>
-              <a:t>Bluetooth</a:t>
-            </a:r>
-            <a:endParaRPr lang="ru-RU" sz="2000" dirty="0" smtClean="0"/>
-          </a:p>
-          <a:p>
-            <a:pPr lvl="2"/>
-            <a:r>
-              <a:rPr lang="ru-RU" sz="1600" dirty="0" smtClean="0">
-                <a:solidFill>
-                  <a:srgbClr val="80FF80"/>
-                </a:solidFill>
-              </a:rPr>
-              <a:t>Прост в использовании</a:t>
-            </a:r>
-          </a:p>
-          <a:p>
-            <a:pPr lvl="2"/>
-            <a:r>
-              <a:rPr lang="ru-RU" sz="1600" dirty="0" smtClean="0">
-                <a:solidFill>
-                  <a:srgbClr val="FF8080"/>
-                </a:solidFill>
-              </a:rPr>
-              <a:t>Ненадежен</a:t>
-            </a:r>
-          </a:p>
-          <a:p>
-            <a:pPr lvl="2"/>
-            <a:endParaRPr lang="ru-RU" sz="1600" dirty="0" smtClean="0"/>
-          </a:p>
-          <a:p>
-            <a:pPr lvl="1"/>
-            <a:r>
-              <a:rPr lang="en-US" sz="2000" dirty="0" smtClean="0"/>
-              <a:t>USB</a:t>
-            </a:r>
-            <a:endParaRPr lang="ru-RU" sz="2000" dirty="0" smtClean="0"/>
-          </a:p>
-          <a:p>
-            <a:pPr lvl="2"/>
-            <a:r>
-              <a:rPr lang="ru-RU" sz="1600" dirty="0" smtClean="0"/>
-              <a:t>Отладка</a:t>
-            </a:r>
-          </a:p>
-          <a:p>
-            <a:endParaRPr lang="ru-RU" dirty="0"/>
-          </a:p>
-        </p:txBody>
-      </p:sp>
-    </p:spTree>
-  </p:cSld>
-  <p:clrMapOvr>
-    <a:masterClrMapping/>
-  </p:clrMapOvr>
-  <p:timing>
-    <p:tnLst>
-      <p:par>
-        <p:cTn id="1" dur="indefinite" restart="never" nodeType="tmRoot"/>
-      </p:par>
-    </p:tnLst>
-  </p:timing>
-</p:sld>
-</file>
-
 <file path=ppt/slides/slide9.xml><?xml version="1.0" encoding="utf-8"?>
 <p:sld xmlns:a="http://schemas.openxmlformats.org/drawingml/2006/main" xmlns:r="http://schemas.openxmlformats.org/officeDocument/2006/relationships" xmlns:p="http://schemas.openxmlformats.org/presentationml/2006/main">
   <p:cSld>
@@ -7927,1934 +11902,685 @@
         </p:nvSpPr>
         <p:spPr/>
         <p:txBody>
+          <a:bodyPr/>
+          <a:lstStyle/>
+          <a:p>
+            <a:r>
+              <a:rPr lang="ru-RU" sz="3200" dirty="0" smtClean="0"/>
+              <a:t>Выбор аппаратной платформы для БПЛА</a:t>
+            </a:r>
+            <a:endParaRPr lang="ru-RU" sz="3200" dirty="0"/>
+          </a:p>
+        </p:txBody>
+      </p:sp>
+      <p:sp>
+        <p:nvSpPr>
+          <p:cNvPr id="3" name="Содержимое 2"/>
+          <p:cNvSpPr>
+            <a:spLocks noGrp="1"/>
+          </p:cNvSpPr>
+          <p:nvPr>
+            <p:ph sz="half" idx="1"/>
+          </p:nvPr>
+        </p:nvSpPr>
+        <p:spPr>
+          <a:solidFill>
+            <a:srgbClr val="000000">
+              <a:alpha val="74902"/>
+            </a:srgbClr>
+          </a:solidFill>
+        </p:spPr>
+        <p:txBody>
           <a:bodyPr>
-            <a:normAutofit/>
+            <a:normAutofit fontScale="92500" lnSpcReduction="10000"/>
           </a:bodyPr>
           <a:lstStyle/>
           <a:p>
             <a:r>
-              <a:rPr lang="ru-RU" dirty="0" smtClean="0"/>
-              <a:t>Функциональная схема 4Р-БПЛА</a:t>
-            </a:r>
-            <a:endParaRPr lang="ru-RU" dirty="0"/>
-          </a:p>
-        </p:txBody>
-      </p:sp>
-      <p:sp>
-        <p:nvSpPr>
-          <p:cNvPr id="4" name="Прямоугольник 3"/>
-          <p:cNvSpPr/>
-          <p:nvPr/>
+              <a:rPr lang="ru-RU" sz="2400" dirty="0" smtClean="0">
+                <a:effectLst>
+                  <a:outerShdw blurRad="38100" dist="38100" dir="2700000" algn="tl">
+                    <a:srgbClr val="000000">
+                      <a:alpha val="43137"/>
+                    </a:srgbClr>
+                  </a:outerShdw>
+                </a:effectLst>
+              </a:rPr>
+              <a:t>Контроллер:</a:t>
+            </a:r>
+            <a:endParaRPr lang="en-US" sz="2400" dirty="0" smtClean="0">
+              <a:effectLst>
+                <a:outerShdw blurRad="38100" dist="38100" dir="2700000" algn="tl">
+                  <a:srgbClr val="000000">
+                    <a:alpha val="43137"/>
+                  </a:srgbClr>
+                </a:outerShdw>
+              </a:effectLst>
+            </a:endParaRPr>
+          </a:p>
+          <a:p>
+            <a:pPr lvl="1"/>
+            <a:r>
+              <a:rPr lang="en-US" sz="2000" dirty="0" err="1" smtClean="0">
+                <a:effectLst>
+                  <a:outerShdw blurRad="38100" dist="38100" dir="2700000" algn="tl">
+                    <a:srgbClr val="000000">
+                      <a:alpha val="43137"/>
+                    </a:srgbClr>
+                  </a:outerShdw>
+                </a:effectLst>
+              </a:rPr>
+              <a:t>Arduino</a:t>
+            </a:r>
+            <a:endParaRPr lang="ru-RU" sz="2000" dirty="0" smtClean="0">
+              <a:effectLst>
+                <a:outerShdw blurRad="38100" dist="38100" dir="2700000" algn="tl">
+                  <a:srgbClr val="000000">
+                    <a:alpha val="43137"/>
+                  </a:srgbClr>
+                </a:outerShdw>
+              </a:effectLst>
+            </a:endParaRPr>
+          </a:p>
+          <a:p>
+            <a:pPr lvl="2"/>
+            <a:r>
+              <a:rPr lang="ru-RU" sz="1600" dirty="0" smtClean="0">
+                <a:solidFill>
+                  <a:srgbClr val="80FF80"/>
+                </a:solidFill>
+                <a:effectLst>
+                  <a:outerShdw blurRad="38100" dist="38100" dir="2700000" algn="tl">
+                    <a:srgbClr val="000000">
+                      <a:alpha val="43137"/>
+                    </a:srgbClr>
+                  </a:outerShdw>
+                </a:effectLst>
+              </a:rPr>
+              <a:t>Большой выбор «</a:t>
+            </a:r>
+            <a:r>
+              <a:rPr lang="ru-RU" sz="1600" dirty="0" err="1" smtClean="0">
+                <a:solidFill>
+                  <a:srgbClr val="80FF80"/>
+                </a:solidFill>
+                <a:effectLst>
+                  <a:outerShdw blurRad="38100" dist="38100" dir="2700000" algn="tl">
+                    <a:srgbClr val="000000">
+                      <a:alpha val="43137"/>
+                    </a:srgbClr>
+                  </a:outerShdw>
+                </a:effectLst>
+              </a:rPr>
+              <a:t>шилдов</a:t>
+            </a:r>
+            <a:r>
+              <a:rPr lang="ru-RU" sz="1600" dirty="0" smtClean="0">
+                <a:solidFill>
+                  <a:srgbClr val="80FF80"/>
+                </a:solidFill>
+                <a:effectLst>
+                  <a:outerShdw blurRad="38100" dist="38100" dir="2700000" algn="tl">
+                    <a:srgbClr val="000000">
+                      <a:alpha val="43137"/>
+                    </a:srgbClr>
+                  </a:outerShdw>
+                </a:effectLst>
+              </a:rPr>
+              <a:t>»</a:t>
+            </a:r>
+          </a:p>
+          <a:p>
+            <a:pPr lvl="2"/>
+            <a:r>
+              <a:rPr lang="ru-RU" sz="1600" dirty="0" smtClean="0">
+                <a:solidFill>
+                  <a:srgbClr val="80FF80"/>
+                </a:solidFill>
+                <a:effectLst>
+                  <a:outerShdw blurRad="38100" dist="38100" dir="2700000" algn="tl">
+                    <a:srgbClr val="000000">
+                      <a:alpha val="43137"/>
+                    </a:srgbClr>
+                  </a:outerShdw>
+                </a:effectLst>
+              </a:rPr>
+              <a:t>Легкость программирования и  внедрения</a:t>
+            </a:r>
+          </a:p>
+          <a:p>
+            <a:pPr lvl="2"/>
+            <a:r>
+              <a:rPr lang="ru-RU" sz="1600" dirty="0" smtClean="0">
+                <a:solidFill>
+                  <a:srgbClr val="80FF80"/>
+                </a:solidFill>
+                <a:effectLst>
+                  <a:outerShdw blurRad="38100" dist="38100" dir="2700000" algn="tl">
+                    <a:srgbClr val="000000">
+                      <a:alpha val="43137"/>
+                    </a:srgbClr>
+                  </a:outerShdw>
+                </a:effectLst>
+              </a:rPr>
+              <a:t>Большой  выбор  библиотек для разных задач и аппаратных средств</a:t>
+            </a:r>
+          </a:p>
+          <a:p>
+            <a:pPr lvl="2"/>
+            <a:r>
+              <a:rPr lang="en-US" sz="1600" dirty="0" err="1" smtClean="0">
+                <a:solidFill>
+                  <a:srgbClr val="80FF80"/>
+                </a:solidFill>
+                <a:effectLst>
+                  <a:outerShdw blurRad="38100" dist="38100" dir="2700000" algn="tl">
+                    <a:srgbClr val="000000">
+                      <a:alpha val="43137"/>
+                    </a:srgbClr>
+                  </a:outerShdw>
+                </a:effectLst>
+              </a:rPr>
+              <a:t>AeroQuad</a:t>
+            </a:r>
+            <a:endParaRPr lang="ru-RU" sz="1600" dirty="0" smtClean="0">
+              <a:solidFill>
+                <a:srgbClr val="80FF80"/>
+              </a:solidFill>
+              <a:effectLst>
+                <a:outerShdw blurRad="38100" dist="38100" dir="2700000" algn="tl">
+                  <a:srgbClr val="000000">
+                    <a:alpha val="43137"/>
+                  </a:srgbClr>
+                </a:outerShdw>
+              </a:effectLst>
+            </a:endParaRPr>
+          </a:p>
+          <a:p>
+            <a:pPr lvl="2"/>
+            <a:r>
+              <a:rPr lang="ru-RU" sz="1600" dirty="0" smtClean="0">
+                <a:solidFill>
+                  <a:srgbClr val="FF8080"/>
+                </a:solidFill>
+                <a:effectLst>
+                  <a:outerShdw blurRad="38100" dist="38100" dir="2700000" algn="tl">
+                    <a:srgbClr val="000000">
+                      <a:alpha val="43137"/>
+                    </a:srgbClr>
+                  </a:outerShdw>
+                </a:effectLst>
+              </a:rPr>
+              <a:t>Низкая производительность</a:t>
+            </a:r>
+            <a:endParaRPr lang="en-US" sz="1600" dirty="0" smtClean="0">
+              <a:solidFill>
+                <a:srgbClr val="FF8080"/>
+              </a:solidFill>
+              <a:effectLst>
+                <a:outerShdw blurRad="38100" dist="38100" dir="2700000" algn="tl">
+                  <a:srgbClr val="000000">
+                    <a:alpha val="43137"/>
+                  </a:srgbClr>
+                </a:outerShdw>
+              </a:effectLst>
+            </a:endParaRPr>
+          </a:p>
+          <a:p>
+            <a:pPr lvl="2"/>
+            <a:r>
+              <a:rPr lang="ru-RU" sz="1600" dirty="0" smtClean="0">
+                <a:solidFill>
+                  <a:srgbClr val="FF8080"/>
+                </a:solidFill>
+                <a:effectLst>
+                  <a:outerShdw blurRad="38100" dist="38100" dir="2700000" algn="tl">
+                    <a:srgbClr val="000000">
+                      <a:alpha val="43137"/>
+                    </a:srgbClr>
+                  </a:outerShdw>
+                </a:effectLst>
+              </a:rPr>
+              <a:t>Малый объем памяти</a:t>
+            </a:r>
+          </a:p>
+          <a:p>
+            <a:pPr lvl="2"/>
+            <a:endParaRPr lang="ru-RU" sz="1600" dirty="0" smtClean="0">
+              <a:effectLst>
+                <a:outerShdw blurRad="38100" dist="38100" dir="2700000" algn="tl">
+                  <a:srgbClr val="000000">
+                    <a:alpha val="43137"/>
+                  </a:srgbClr>
+                </a:outerShdw>
+              </a:effectLst>
+            </a:endParaRPr>
+          </a:p>
+          <a:p>
+            <a:pPr lvl="1"/>
+            <a:r>
+              <a:rPr lang="en-US" sz="2000" dirty="0" err="1" smtClean="0">
+                <a:effectLst>
+                  <a:outerShdw blurRad="38100" dist="38100" dir="2700000" algn="tl">
+                    <a:srgbClr val="000000">
+                      <a:alpha val="43137"/>
+                    </a:srgbClr>
+                  </a:outerShdw>
+                </a:effectLst>
+              </a:rPr>
+              <a:t>Netduino</a:t>
+            </a:r>
+            <a:endParaRPr lang="ru-RU" sz="2000" dirty="0" smtClean="0">
+              <a:effectLst>
+                <a:outerShdw blurRad="38100" dist="38100" dir="2700000" algn="tl">
+                  <a:srgbClr val="000000">
+                    <a:alpha val="43137"/>
+                  </a:srgbClr>
+                </a:outerShdw>
+              </a:effectLst>
+            </a:endParaRPr>
+          </a:p>
+          <a:p>
+            <a:pPr lvl="2"/>
+            <a:r>
+              <a:rPr lang="en-US" sz="1600" dirty="0" smtClean="0">
+                <a:solidFill>
+                  <a:srgbClr val="80FF80"/>
+                </a:solidFill>
+                <a:effectLst>
+                  <a:outerShdw blurRad="38100" dist="38100" dir="2700000" algn="tl">
+                    <a:srgbClr val="000000">
+                      <a:alpha val="43137"/>
+                    </a:srgbClr>
+                  </a:outerShdw>
+                </a:effectLst>
+              </a:rPr>
+              <a:t>.NET Micro</a:t>
+            </a:r>
+            <a:r>
+              <a:rPr lang="ru-RU" sz="1600" dirty="0" smtClean="0">
+                <a:solidFill>
+                  <a:srgbClr val="80FF80"/>
+                </a:solidFill>
+                <a:effectLst>
+                  <a:outerShdw blurRad="38100" dist="38100" dir="2700000" algn="tl">
+                    <a:srgbClr val="000000">
+                      <a:alpha val="43137"/>
+                    </a:srgbClr>
+                  </a:outerShdw>
+                </a:effectLst>
+              </a:rPr>
+              <a:t> </a:t>
+            </a:r>
+            <a:r>
+              <a:rPr lang="en-US" sz="1600" dirty="0" smtClean="0">
+                <a:solidFill>
+                  <a:srgbClr val="80FF80"/>
+                </a:solidFill>
+                <a:effectLst>
+                  <a:outerShdw blurRad="38100" dist="38100" dir="2700000" algn="tl">
+                    <a:srgbClr val="000000">
+                      <a:alpha val="43137"/>
+                    </a:srgbClr>
+                  </a:outerShdw>
+                </a:effectLst>
+              </a:rPr>
+              <a:t>Framework</a:t>
+            </a:r>
+          </a:p>
+          <a:p>
+            <a:pPr lvl="2"/>
+            <a:r>
+              <a:rPr lang="ru-RU" sz="1600" dirty="0" smtClean="0">
+                <a:solidFill>
+                  <a:srgbClr val="80FF80"/>
+                </a:solidFill>
+                <a:effectLst>
+                  <a:outerShdw blurRad="38100" dist="38100" dir="2700000" algn="tl">
+                    <a:srgbClr val="000000">
+                      <a:alpha val="43137"/>
+                    </a:srgbClr>
+                  </a:outerShdw>
+                </a:effectLst>
+              </a:rPr>
+              <a:t>Возможность интеграции с ВП</a:t>
+            </a:r>
+          </a:p>
+          <a:p>
+            <a:pPr lvl="2"/>
+            <a:r>
+              <a:rPr lang="ru-RU" sz="1600" dirty="0" smtClean="0">
+                <a:solidFill>
+                  <a:srgbClr val="FF8080"/>
+                </a:solidFill>
+                <a:effectLst>
+                  <a:outerShdw blurRad="38100" dist="38100" dir="2700000" algn="tl">
+                    <a:srgbClr val="000000">
+                      <a:alpha val="43137"/>
+                    </a:srgbClr>
+                  </a:outerShdw>
+                </a:effectLst>
+              </a:rPr>
+              <a:t>Меньше библиотек</a:t>
+            </a:r>
+          </a:p>
+          <a:p>
+            <a:pPr lvl="2"/>
+            <a:endParaRPr lang="en-US" sz="1600" dirty="0" smtClean="0"/>
+          </a:p>
+        </p:txBody>
+      </p:sp>
+      <p:sp>
+        <p:nvSpPr>
+          <p:cNvPr id="4" name="Содержимое 3"/>
+          <p:cNvSpPr>
+            <a:spLocks noGrp="1"/>
+          </p:cNvSpPr>
+          <p:nvPr>
+            <p:ph sz="half" idx="2"/>
+          </p:nvPr>
         </p:nvSpPr>
         <p:spPr>
-          <a:xfrm>
-            <a:off x="251520" y="1556792"/>
-            <a:ext cx="1008112" cy="1872208"/>
-          </a:xfrm>
-          <a:prstGeom prst="rect">
-            <a:avLst/>
-          </a:prstGeom>
           <a:solidFill>
-            <a:srgbClr val="324B64">
-              <a:alpha val="50196"/>
+            <a:srgbClr val="000000">
+              <a:alpha val="74902"/>
             </a:srgbClr>
           </a:solidFill>
-          <a:ln w="12700"/>
         </p:spPr>
-        <p:style>
-          <a:lnRef idx="3">
-            <a:schemeClr val="lt1"/>
-          </a:lnRef>
-          <a:fillRef idx="1">
-            <a:schemeClr val="accent1"/>
-          </a:fillRef>
-          <a:effectRef idx="1">
-            <a:schemeClr val="accent1"/>
-          </a:effectRef>
-          <a:fontRef idx="minor">
-            <a:schemeClr val="lt1"/>
-          </a:fontRef>
-        </p:style>
-        <p:txBody>
-          <a:bodyPr rtlCol="0" anchor="ctr"/>
+        <p:txBody>
+          <a:bodyPr>
+            <a:normAutofit fontScale="92500" lnSpcReduction="10000"/>
+          </a:bodyPr>
           <a:lstStyle/>
           <a:p>
-            <a:pPr algn="ctr"/>
-            <a:r>
-              <a:rPr lang="en-US" sz="2400" dirty="0" smtClean="0">
+            <a:r>
+              <a:rPr lang="ru-RU" sz="2400" dirty="0" smtClean="0">
+                <a:effectLst>
+                  <a:outerShdw blurRad="38100" dist="38100" dir="2700000" algn="tl">
+                    <a:srgbClr val="000000">
+                      <a:alpha val="43137"/>
+                    </a:srgbClr>
+                  </a:outerShdw>
+                </a:effectLst>
+              </a:rPr>
+              <a:t>Коммуникационная система</a:t>
+            </a:r>
+            <a:endParaRPr lang="en-US" sz="2400" dirty="0" smtClean="0">
+              <a:effectLst>
+                <a:outerShdw blurRad="38100" dist="38100" dir="2700000" algn="tl">
+                  <a:srgbClr val="000000">
+                    <a:alpha val="43137"/>
+                  </a:srgbClr>
+                </a:outerShdw>
+              </a:effectLst>
+            </a:endParaRPr>
+          </a:p>
+          <a:p>
+            <a:pPr lvl="1"/>
+            <a:r>
+              <a:rPr lang="en-US" sz="2000" dirty="0" err="1" smtClean="0">
+                <a:effectLst>
+                  <a:outerShdw blurRad="38100" dist="38100" dir="2700000" algn="tl">
+                    <a:srgbClr val="000000">
+                      <a:alpha val="43137"/>
+                    </a:srgbClr>
+                  </a:outerShdw>
+                </a:effectLst>
+              </a:rPr>
+              <a:t>WiFi</a:t>
+            </a:r>
+            <a:endParaRPr lang="en-US" sz="2000" dirty="0" smtClean="0">
+              <a:effectLst>
+                <a:outerShdw blurRad="38100" dist="38100" dir="2700000" algn="tl">
+                  <a:srgbClr val="000000">
+                    <a:alpha val="43137"/>
+                  </a:srgbClr>
+                </a:outerShdw>
+              </a:effectLst>
+            </a:endParaRPr>
+          </a:p>
+          <a:p>
+            <a:pPr lvl="2"/>
+            <a:r>
+              <a:rPr lang="ru-RU" sz="1600" dirty="0" smtClean="0">
                 <a:solidFill>
-                  <a:schemeClr val="bg1"/>
+                  <a:srgbClr val="80FF80"/>
                 </a:solidFill>
-              </a:rPr>
-              <a:t>PC</a:t>
-            </a:r>
-          </a:p>
-          <a:p>
-            <a:pPr algn="ctr"/>
-            <a:r>
-              <a:rPr lang="en-US" dirty="0" smtClean="0">
+                <a:effectLst>
+                  <a:outerShdw blurRad="38100" dist="38100" dir="2700000" algn="tl">
+                    <a:srgbClr val="000000">
+                      <a:alpha val="43137"/>
+                    </a:srgbClr>
+                  </a:outerShdw>
+                </a:effectLst>
+              </a:rPr>
+              <a:t>Передача больших объемов данных</a:t>
+            </a:r>
+          </a:p>
+          <a:p>
+            <a:pPr lvl="2"/>
+            <a:r>
+              <a:rPr lang="ru-RU" sz="1600" dirty="0" smtClean="0">
                 <a:solidFill>
-                  <a:schemeClr val="bg1"/>
+                  <a:srgbClr val="FF8080"/>
                 </a:solidFill>
-              </a:rPr>
-              <a:t>(</a:t>
-            </a:r>
-            <a:r>
-              <a:rPr lang="ru-RU" dirty="0" smtClean="0">
+                <a:effectLst>
+                  <a:outerShdw blurRad="38100" dist="38100" dir="2700000" algn="tl">
+                    <a:srgbClr val="000000">
+                      <a:alpha val="43137"/>
+                    </a:srgbClr>
+                  </a:outerShdw>
+                </a:effectLst>
+              </a:rPr>
+              <a:t>Непригодна для сложных топологий</a:t>
+            </a:r>
+          </a:p>
+          <a:p>
+            <a:pPr lvl="1"/>
+            <a:r>
+              <a:rPr lang="en-US" sz="2000" dirty="0" err="1" smtClean="0">
+                <a:effectLst>
+                  <a:outerShdw blurRad="38100" dist="38100" dir="2700000" algn="tl">
+                    <a:srgbClr val="000000">
+                      <a:alpha val="43137"/>
+                    </a:srgbClr>
+                  </a:outerShdw>
+                </a:effectLst>
+              </a:rPr>
+              <a:t>ZigBee</a:t>
+            </a:r>
+            <a:endParaRPr lang="ru-RU" sz="2000" dirty="0" smtClean="0">
+              <a:effectLst>
+                <a:outerShdw blurRad="38100" dist="38100" dir="2700000" algn="tl">
+                  <a:srgbClr val="000000">
+                    <a:alpha val="43137"/>
+                  </a:srgbClr>
+                </a:outerShdw>
+              </a:effectLst>
+            </a:endParaRPr>
+          </a:p>
+          <a:p>
+            <a:pPr lvl="2"/>
+            <a:r>
+              <a:rPr lang="ru-RU" sz="1600" dirty="0" smtClean="0">
                 <a:solidFill>
-                  <a:schemeClr val="bg1"/>
+                  <a:srgbClr val="80FF80"/>
                 </a:solidFill>
-              </a:rPr>
-              <a:t>ВП)</a:t>
-            </a:r>
-            <a:endParaRPr lang="ru-RU" sz="2400" dirty="0">
+                <a:effectLst>
+                  <a:outerShdw blurRad="38100" dist="38100" dir="2700000" algn="tl">
+                    <a:srgbClr val="000000">
+                      <a:alpha val="43137"/>
+                    </a:srgbClr>
+                  </a:outerShdw>
+                </a:effectLst>
+              </a:rPr>
+              <a:t>Сложные топологии</a:t>
+            </a:r>
+          </a:p>
+          <a:p>
+            <a:pPr lvl="2"/>
+            <a:r>
+              <a:rPr lang="ru-RU" sz="1600" dirty="0" smtClean="0">
+                <a:solidFill>
+                  <a:srgbClr val="80FF80"/>
+                </a:solidFill>
+                <a:effectLst>
+                  <a:outerShdw blurRad="38100" dist="38100" dir="2700000" algn="tl">
+                    <a:srgbClr val="000000">
+                      <a:alpha val="43137"/>
+                    </a:srgbClr>
+                  </a:outerShdw>
+                </a:effectLst>
+              </a:rPr>
+              <a:t>Критически важные данные</a:t>
+            </a:r>
+          </a:p>
+          <a:p>
+            <a:pPr lvl="2"/>
+            <a:r>
+              <a:rPr lang="ru-RU" sz="1600" dirty="0" smtClean="0">
+                <a:solidFill>
+                  <a:srgbClr val="FF8080"/>
+                </a:solidFill>
+                <a:effectLst>
+                  <a:outerShdw blurRad="38100" dist="38100" dir="2700000" algn="tl">
+                    <a:srgbClr val="000000">
+                      <a:alpha val="43137"/>
+                    </a:srgbClr>
+                  </a:outerShdw>
+                </a:effectLst>
+              </a:rPr>
+              <a:t>Сложность настройки</a:t>
+            </a:r>
+            <a:endParaRPr lang="ru-RU" sz="1600" dirty="0" smtClean="0">
               <a:solidFill>
-                <a:schemeClr val="bg1"/>
+                <a:srgbClr val="80FF80"/>
               </a:solidFill>
+              <a:effectLst>
+                <a:outerShdw blurRad="38100" dist="38100" dir="2700000" algn="tl">
+                  <a:srgbClr val="000000">
+                    <a:alpha val="43137"/>
+                  </a:srgbClr>
+                </a:outerShdw>
+              </a:effectLst>
             </a:endParaRPr>
           </a:p>
-        </p:txBody>
-      </p:sp>
-      <p:sp>
-        <p:nvSpPr>
-          <p:cNvPr id="5" name="Прямоугольник 4"/>
-          <p:cNvSpPr/>
-          <p:nvPr/>
-        </p:nvSpPr>
-        <p:spPr>
-          <a:xfrm>
-            <a:off x="3851920" y="2492896"/>
-            <a:ext cx="1944216" cy="1080120"/>
-          </a:xfrm>
-          <a:prstGeom prst="rect">
-            <a:avLst/>
-          </a:prstGeom>
-          <a:solidFill>
-            <a:srgbClr val="640000">
-              <a:alpha val="49804"/>
-            </a:srgbClr>
-          </a:solidFill>
-          <a:ln w="12700">
-            <a:solidFill>
-              <a:schemeClr val="bg1"/>
-            </a:solidFill>
-          </a:ln>
-        </p:spPr>
-        <p:style>
-          <a:lnRef idx="3">
-            <a:schemeClr val="lt1"/>
-          </a:lnRef>
-          <a:fillRef idx="1">
-            <a:schemeClr val="accent1"/>
-          </a:fillRef>
-          <a:effectRef idx="1">
-            <a:schemeClr val="accent1"/>
-          </a:effectRef>
-          <a:fontRef idx="minor">
-            <a:schemeClr val="lt1"/>
-          </a:fontRef>
-        </p:style>
-        <p:txBody>
-          <a:bodyPr rtlCol="0" anchor="ctr"/>
-          <a:lstStyle/>
-          <a:p>
-            <a:pPr algn="ctr"/>
-            <a:r>
-              <a:rPr lang="en-US" sz="2400" dirty="0" smtClean="0">
+          <a:p>
+            <a:pPr lvl="1"/>
+            <a:r>
+              <a:rPr lang="en-US" sz="2000" dirty="0" smtClean="0">
+                <a:effectLst>
+                  <a:outerShdw blurRad="38100" dist="38100" dir="2700000" algn="tl">
+                    <a:srgbClr val="000000">
+                      <a:alpha val="43137"/>
+                    </a:srgbClr>
+                  </a:outerShdw>
+                </a:effectLst>
+              </a:rPr>
+              <a:t>Bluetooth</a:t>
+            </a:r>
+            <a:endParaRPr lang="ru-RU" sz="2000" dirty="0" smtClean="0">
+              <a:effectLst>
+                <a:outerShdw blurRad="38100" dist="38100" dir="2700000" algn="tl">
+                  <a:srgbClr val="000000">
+                    <a:alpha val="43137"/>
+                  </a:srgbClr>
+                </a:outerShdw>
+              </a:effectLst>
+            </a:endParaRPr>
+          </a:p>
+          <a:p>
+            <a:pPr lvl="2"/>
+            <a:r>
+              <a:rPr lang="ru-RU" sz="1600" dirty="0" smtClean="0">
                 <a:solidFill>
-                  <a:schemeClr val="bg1"/>
+                  <a:srgbClr val="80FF80"/>
                 </a:solidFill>
-              </a:rPr>
-              <a:t>Controller</a:t>
-            </a:r>
-            <a:endParaRPr lang="ru-RU" sz="2400" dirty="0">
-              <a:solidFill>
-                <a:schemeClr val="bg1"/>
-              </a:solidFill>
+                <a:effectLst>
+                  <a:outerShdw blurRad="38100" dist="38100" dir="2700000" algn="tl">
+                    <a:srgbClr val="000000">
+                      <a:alpha val="43137"/>
+                    </a:srgbClr>
+                  </a:outerShdw>
+                </a:effectLst>
+              </a:rPr>
+              <a:t>Прост в использовании</a:t>
+            </a:r>
+          </a:p>
+          <a:p>
+            <a:pPr lvl="2"/>
+            <a:r>
+              <a:rPr lang="ru-RU" sz="1600" dirty="0" smtClean="0">
+                <a:solidFill>
+                  <a:srgbClr val="FF8080"/>
+                </a:solidFill>
+                <a:effectLst>
+                  <a:outerShdw blurRad="38100" dist="38100" dir="2700000" algn="tl">
+                    <a:srgbClr val="000000">
+                      <a:alpha val="43137"/>
+                    </a:srgbClr>
+                  </a:outerShdw>
+                </a:effectLst>
+              </a:rPr>
+              <a:t>Ненадежен</a:t>
+            </a:r>
+          </a:p>
+          <a:p>
+            <a:pPr lvl="2"/>
+            <a:endParaRPr lang="ru-RU" sz="1600" dirty="0" smtClean="0">
+              <a:effectLst>
+                <a:outerShdw blurRad="38100" dist="38100" dir="2700000" algn="tl">
+                  <a:srgbClr val="000000">
+                    <a:alpha val="43137"/>
+                  </a:srgbClr>
+                </a:outerShdw>
+              </a:effectLst>
             </a:endParaRPr>
           </a:p>
-        </p:txBody>
-      </p:sp>
-      <p:sp>
-        <p:nvSpPr>
-          <p:cNvPr id="7" name="Прямоугольник 6"/>
-          <p:cNvSpPr/>
-          <p:nvPr/>
-        </p:nvSpPr>
-        <p:spPr>
-          <a:xfrm>
-            <a:off x="6372200" y="1700808"/>
-            <a:ext cx="2016224" cy="288032"/>
-          </a:xfrm>
-          <a:prstGeom prst="rect">
-            <a:avLst/>
-          </a:prstGeom>
-          <a:solidFill>
-            <a:schemeClr val="accent1">
-              <a:lumMod val="75000"/>
-              <a:alpha val="50196"/>
-            </a:schemeClr>
-          </a:solidFill>
-          <a:ln w="12700"/>
-        </p:spPr>
-        <p:style>
-          <a:lnRef idx="3">
-            <a:schemeClr val="lt1"/>
-          </a:lnRef>
-          <a:fillRef idx="1">
-            <a:schemeClr val="accent1"/>
-          </a:fillRef>
-          <a:effectRef idx="1">
-            <a:schemeClr val="accent1"/>
-          </a:effectRef>
-          <a:fontRef idx="minor">
-            <a:schemeClr val="lt1"/>
-          </a:fontRef>
-        </p:style>
-        <p:txBody>
-          <a:bodyPr rtlCol="0" anchor="ctr"/>
-          <a:lstStyle/>
-          <a:p>
-            <a:pPr algn="ctr"/>
-            <a:r>
-              <a:rPr lang="en-US" sz="1400" dirty="0" smtClean="0">
-                <a:solidFill>
-                  <a:schemeClr val="bg1"/>
-                </a:solidFill>
-              </a:rPr>
-              <a:t>3-axis</a:t>
-            </a:r>
-            <a:r>
-              <a:rPr lang="ru-RU" sz="1400" dirty="0" smtClean="0">
-                <a:solidFill>
-                  <a:schemeClr val="bg1"/>
-                </a:solidFill>
-              </a:rPr>
-              <a:t> </a:t>
-            </a:r>
-            <a:r>
-              <a:rPr lang="en-US" sz="1400" dirty="0" smtClean="0">
-                <a:solidFill>
-                  <a:schemeClr val="bg1"/>
-                </a:solidFill>
-              </a:rPr>
-              <a:t>gyroscope</a:t>
-            </a:r>
-          </a:p>
-        </p:txBody>
-      </p:sp>
-      <p:sp>
-        <p:nvSpPr>
-          <p:cNvPr id="8" name="Прямоугольник 7"/>
-          <p:cNvSpPr/>
-          <p:nvPr/>
-        </p:nvSpPr>
-        <p:spPr>
-          <a:xfrm>
-            <a:off x="6372200" y="2132856"/>
-            <a:ext cx="2016224" cy="288032"/>
-          </a:xfrm>
-          <a:prstGeom prst="rect">
-            <a:avLst/>
-          </a:prstGeom>
-          <a:solidFill>
-            <a:schemeClr val="accent1">
-              <a:lumMod val="75000"/>
-              <a:alpha val="50196"/>
-            </a:schemeClr>
-          </a:solidFill>
-          <a:ln w="12700"/>
-        </p:spPr>
-        <p:style>
-          <a:lnRef idx="3">
-            <a:schemeClr val="lt1"/>
-          </a:lnRef>
-          <a:fillRef idx="1">
-            <a:schemeClr val="accent1"/>
-          </a:fillRef>
-          <a:effectRef idx="1">
-            <a:schemeClr val="accent1"/>
-          </a:effectRef>
-          <a:fontRef idx="minor">
-            <a:schemeClr val="lt1"/>
-          </a:fontRef>
-        </p:style>
-        <p:txBody>
-          <a:bodyPr rtlCol="0" anchor="ctr"/>
-          <a:lstStyle/>
-          <a:p>
-            <a:pPr algn="ctr"/>
-            <a:r>
-              <a:rPr lang="en-US" sz="1400" dirty="0" smtClean="0">
-                <a:solidFill>
-                  <a:schemeClr val="bg1"/>
-                </a:solidFill>
-              </a:rPr>
-              <a:t>3-axis</a:t>
-            </a:r>
-            <a:r>
-              <a:rPr lang="ru-RU" sz="1400" dirty="0" smtClean="0">
-                <a:solidFill>
-                  <a:schemeClr val="bg1"/>
-                </a:solidFill>
-              </a:rPr>
-              <a:t> </a:t>
-            </a:r>
-            <a:r>
-              <a:rPr lang="en-US" sz="1400" dirty="0" smtClean="0">
-                <a:solidFill>
-                  <a:schemeClr val="bg1"/>
-                </a:solidFill>
-              </a:rPr>
-              <a:t>accelerometer</a:t>
-            </a:r>
-            <a:endParaRPr lang="ru-RU" sz="1400" dirty="0">
-              <a:solidFill>
-                <a:schemeClr val="bg1"/>
-              </a:solidFill>
+          <a:p>
+            <a:pPr lvl="1"/>
+            <a:r>
+              <a:rPr lang="en-US" sz="2000" dirty="0" smtClean="0">
+                <a:effectLst>
+                  <a:outerShdw blurRad="38100" dist="38100" dir="2700000" algn="tl">
+                    <a:srgbClr val="000000">
+                      <a:alpha val="43137"/>
+                    </a:srgbClr>
+                  </a:outerShdw>
+                </a:effectLst>
+              </a:rPr>
+              <a:t>USB</a:t>
+            </a:r>
+            <a:endParaRPr lang="ru-RU" sz="2000" dirty="0" smtClean="0">
+              <a:effectLst>
+                <a:outerShdw blurRad="38100" dist="38100" dir="2700000" algn="tl">
+                  <a:srgbClr val="000000">
+                    <a:alpha val="43137"/>
+                  </a:srgbClr>
+                </a:outerShdw>
+              </a:effectLst>
             </a:endParaRPr>
           </a:p>
-        </p:txBody>
-      </p:sp>
-      <p:sp>
-        <p:nvSpPr>
-          <p:cNvPr id="9" name="Прямоугольник 8"/>
-          <p:cNvSpPr/>
-          <p:nvPr/>
-        </p:nvSpPr>
-        <p:spPr>
-          <a:xfrm>
-            <a:off x="6372200" y="2996952"/>
-            <a:ext cx="2016224" cy="288032"/>
-          </a:xfrm>
-          <a:prstGeom prst="rect">
-            <a:avLst/>
-          </a:prstGeom>
-          <a:solidFill>
-            <a:schemeClr val="accent1">
-              <a:lumMod val="75000"/>
-              <a:alpha val="50196"/>
-            </a:schemeClr>
-          </a:solidFill>
-          <a:ln w="12700">
-            <a:prstDash val="dash"/>
-          </a:ln>
-        </p:spPr>
-        <p:style>
-          <a:lnRef idx="3">
-            <a:schemeClr val="lt1"/>
-          </a:lnRef>
-          <a:fillRef idx="1">
-            <a:schemeClr val="accent1"/>
-          </a:fillRef>
-          <a:effectRef idx="1">
-            <a:schemeClr val="accent1"/>
-          </a:effectRef>
-          <a:fontRef idx="minor">
-            <a:schemeClr val="lt1"/>
-          </a:fontRef>
-        </p:style>
-        <p:txBody>
-          <a:bodyPr rtlCol="0" anchor="ctr"/>
-          <a:lstStyle/>
-          <a:p>
-            <a:pPr algn="ctr"/>
-            <a:r>
-              <a:rPr lang="en-US" sz="1400" dirty="0" smtClean="0">
-                <a:solidFill>
-                  <a:schemeClr val="bg1"/>
-                </a:solidFill>
-              </a:rPr>
-              <a:t>Barometer *</a:t>
-            </a:r>
-          </a:p>
-        </p:txBody>
-      </p:sp>
-      <p:sp>
-        <p:nvSpPr>
-          <p:cNvPr id="10" name="Прямоугольник 9"/>
-          <p:cNvSpPr/>
-          <p:nvPr/>
-        </p:nvSpPr>
-        <p:spPr>
-          <a:xfrm>
-            <a:off x="6372200" y="3429000"/>
-            <a:ext cx="2016224" cy="288032"/>
-          </a:xfrm>
-          <a:prstGeom prst="rect">
-            <a:avLst/>
-          </a:prstGeom>
-          <a:solidFill>
-            <a:schemeClr val="accent1">
-              <a:lumMod val="75000"/>
-              <a:alpha val="50196"/>
-            </a:schemeClr>
-          </a:solidFill>
-          <a:ln w="12700">
-            <a:prstDash val="dash"/>
-          </a:ln>
-        </p:spPr>
-        <p:style>
-          <a:lnRef idx="3">
-            <a:schemeClr val="lt1"/>
-          </a:lnRef>
-          <a:fillRef idx="1">
-            <a:schemeClr val="accent1"/>
-          </a:fillRef>
-          <a:effectRef idx="1">
-            <a:schemeClr val="accent1"/>
-          </a:effectRef>
-          <a:fontRef idx="minor">
-            <a:schemeClr val="lt1"/>
-          </a:fontRef>
-        </p:style>
-        <p:txBody>
-          <a:bodyPr rtlCol="0" anchor="ctr"/>
-          <a:lstStyle/>
-          <a:p>
-            <a:pPr algn="ctr"/>
-            <a:r>
-              <a:rPr lang="en-US" sz="1400" dirty="0" smtClean="0">
-                <a:solidFill>
-                  <a:schemeClr val="bg1"/>
-                </a:solidFill>
-              </a:rPr>
-              <a:t>Magnetometer *</a:t>
-            </a:r>
-          </a:p>
-        </p:txBody>
-      </p:sp>
-      <p:sp>
-        <p:nvSpPr>
-          <p:cNvPr id="11" name="Прямоугольник 10"/>
-          <p:cNvSpPr/>
-          <p:nvPr/>
-        </p:nvSpPr>
-        <p:spPr>
-          <a:xfrm>
-            <a:off x="2051720" y="1700808"/>
-            <a:ext cx="1008112" cy="504056"/>
-          </a:xfrm>
-          <a:prstGeom prst="rect">
-            <a:avLst/>
-          </a:prstGeom>
-          <a:solidFill>
-            <a:schemeClr val="accent3">
-              <a:lumMod val="75000"/>
-              <a:alpha val="50196"/>
-            </a:schemeClr>
-          </a:solidFill>
-          <a:ln w="12700">
-            <a:solidFill>
-              <a:schemeClr val="bg1"/>
-            </a:solidFill>
-          </a:ln>
-        </p:spPr>
-        <p:style>
-          <a:lnRef idx="3">
-            <a:schemeClr val="lt1"/>
-          </a:lnRef>
-          <a:fillRef idx="1">
-            <a:schemeClr val="accent1"/>
-          </a:fillRef>
-          <a:effectRef idx="1">
-            <a:schemeClr val="accent1"/>
-          </a:effectRef>
-          <a:fontRef idx="minor">
-            <a:schemeClr val="lt1"/>
-          </a:fontRef>
-        </p:style>
-        <p:txBody>
-          <a:bodyPr rtlCol="0" anchor="ctr"/>
-          <a:lstStyle/>
-          <a:p>
-            <a:pPr algn="ctr"/>
-            <a:r>
-              <a:rPr lang="en-US" sz="2000" dirty="0" err="1" smtClean="0">
-                <a:solidFill>
-                  <a:schemeClr val="bg1"/>
-                </a:solidFill>
-              </a:rPr>
-              <a:t>XBee</a:t>
-            </a:r>
-            <a:endParaRPr lang="ru-RU" sz="2000" dirty="0">
-              <a:solidFill>
-                <a:schemeClr val="bg1"/>
-              </a:solidFill>
-            </a:endParaRPr>
-          </a:p>
-        </p:txBody>
-      </p:sp>
-      <p:sp>
-        <p:nvSpPr>
-          <p:cNvPr id="12" name="Прямоугольник 11"/>
-          <p:cNvSpPr/>
-          <p:nvPr/>
-        </p:nvSpPr>
-        <p:spPr>
-          <a:xfrm>
-            <a:off x="6372200" y="4589754"/>
-            <a:ext cx="864096" cy="288032"/>
-          </a:xfrm>
-          <a:prstGeom prst="rect">
-            <a:avLst/>
-          </a:prstGeom>
-          <a:solidFill>
-            <a:schemeClr val="accent2">
-              <a:lumMod val="75000"/>
-              <a:alpha val="50196"/>
-            </a:schemeClr>
-          </a:solidFill>
-          <a:ln w="12700"/>
-        </p:spPr>
-        <p:style>
-          <a:lnRef idx="3">
-            <a:schemeClr val="lt1"/>
-          </a:lnRef>
-          <a:fillRef idx="1">
-            <a:schemeClr val="accent1"/>
-          </a:fillRef>
-          <a:effectRef idx="1">
-            <a:schemeClr val="accent1"/>
-          </a:effectRef>
-          <a:fontRef idx="minor">
-            <a:schemeClr val="lt1"/>
-          </a:fontRef>
-        </p:style>
-        <p:txBody>
-          <a:bodyPr rtlCol="0" anchor="ctr"/>
-          <a:lstStyle/>
-          <a:p>
-            <a:pPr algn="ctr"/>
-            <a:r>
-              <a:rPr lang="en-US" sz="1400" dirty="0" smtClean="0">
-                <a:solidFill>
-                  <a:schemeClr val="bg1"/>
-                </a:solidFill>
-              </a:rPr>
-              <a:t>ESC #1</a:t>
-            </a:r>
-          </a:p>
-        </p:txBody>
-      </p:sp>
-      <p:sp>
-        <p:nvSpPr>
-          <p:cNvPr id="13" name="Прямоугольник 12"/>
-          <p:cNvSpPr/>
-          <p:nvPr/>
-        </p:nvSpPr>
-        <p:spPr>
-          <a:xfrm>
-            <a:off x="7308304" y="4581128"/>
-            <a:ext cx="1512168" cy="288032"/>
-          </a:xfrm>
-          <a:prstGeom prst="rect">
-            <a:avLst/>
-          </a:prstGeom>
-          <a:solidFill>
-            <a:schemeClr val="accent2">
-              <a:lumMod val="75000"/>
-              <a:alpha val="50196"/>
-            </a:schemeClr>
-          </a:solidFill>
-          <a:ln w="12700"/>
-        </p:spPr>
-        <p:style>
-          <a:lnRef idx="3">
-            <a:schemeClr val="lt1"/>
-          </a:lnRef>
-          <a:fillRef idx="1">
-            <a:schemeClr val="accent1"/>
-          </a:fillRef>
-          <a:effectRef idx="1">
-            <a:schemeClr val="accent1"/>
-          </a:effectRef>
-          <a:fontRef idx="minor">
-            <a:schemeClr val="lt1"/>
-          </a:fontRef>
-        </p:style>
-        <p:txBody>
-          <a:bodyPr rtlCol="0" anchor="ctr"/>
-          <a:lstStyle/>
-          <a:p>
-            <a:pPr algn="ctr"/>
-            <a:r>
-              <a:rPr lang="en-US" sz="1400" dirty="0" smtClean="0">
-                <a:solidFill>
-                  <a:schemeClr val="bg1"/>
-                </a:solidFill>
-              </a:rPr>
-              <a:t>Brushless Motor</a:t>
-            </a:r>
-          </a:p>
-        </p:txBody>
-      </p:sp>
-      <p:sp>
-        <p:nvSpPr>
-          <p:cNvPr id="14" name="Прямоугольник 13"/>
-          <p:cNvSpPr/>
-          <p:nvPr/>
-        </p:nvSpPr>
-        <p:spPr>
-          <a:xfrm>
-            <a:off x="6372200" y="4949794"/>
-            <a:ext cx="864096" cy="288032"/>
-          </a:xfrm>
-          <a:prstGeom prst="rect">
-            <a:avLst/>
-          </a:prstGeom>
-          <a:solidFill>
-            <a:schemeClr val="accent2">
-              <a:lumMod val="75000"/>
-              <a:alpha val="50196"/>
-            </a:schemeClr>
-          </a:solidFill>
-          <a:ln w="12700"/>
-        </p:spPr>
-        <p:style>
-          <a:lnRef idx="3">
-            <a:schemeClr val="lt1"/>
-          </a:lnRef>
-          <a:fillRef idx="1">
-            <a:schemeClr val="accent1"/>
-          </a:fillRef>
-          <a:effectRef idx="1">
-            <a:schemeClr val="accent1"/>
-          </a:effectRef>
-          <a:fontRef idx="minor">
-            <a:schemeClr val="lt1"/>
-          </a:fontRef>
-        </p:style>
-        <p:txBody>
-          <a:bodyPr rtlCol="0" anchor="ctr"/>
-          <a:lstStyle/>
-          <a:p>
-            <a:pPr algn="ctr"/>
-            <a:r>
-              <a:rPr lang="en-US" sz="1400" dirty="0" smtClean="0">
-                <a:solidFill>
-                  <a:schemeClr val="bg1"/>
-                </a:solidFill>
-              </a:rPr>
-              <a:t>ESC #2</a:t>
-            </a:r>
-          </a:p>
-        </p:txBody>
-      </p:sp>
-      <p:sp>
-        <p:nvSpPr>
-          <p:cNvPr id="15" name="Прямоугольник 14"/>
-          <p:cNvSpPr/>
-          <p:nvPr/>
-        </p:nvSpPr>
-        <p:spPr>
-          <a:xfrm>
-            <a:off x="7308304" y="4941168"/>
-            <a:ext cx="1512168" cy="288032"/>
-          </a:xfrm>
-          <a:prstGeom prst="rect">
-            <a:avLst/>
-          </a:prstGeom>
-          <a:solidFill>
-            <a:schemeClr val="accent2">
-              <a:lumMod val="75000"/>
-              <a:alpha val="50196"/>
-            </a:schemeClr>
-          </a:solidFill>
-          <a:ln w="12700"/>
-        </p:spPr>
-        <p:style>
-          <a:lnRef idx="3">
-            <a:schemeClr val="lt1"/>
-          </a:lnRef>
-          <a:fillRef idx="1">
-            <a:schemeClr val="accent1"/>
-          </a:fillRef>
-          <a:effectRef idx="1">
-            <a:schemeClr val="accent1"/>
-          </a:effectRef>
-          <a:fontRef idx="minor">
-            <a:schemeClr val="lt1"/>
-          </a:fontRef>
-        </p:style>
-        <p:txBody>
-          <a:bodyPr rtlCol="0" anchor="ctr"/>
-          <a:lstStyle/>
-          <a:p>
-            <a:pPr algn="ctr"/>
-            <a:r>
-              <a:rPr lang="en-US" sz="1400" dirty="0" smtClean="0">
-                <a:solidFill>
-                  <a:schemeClr val="bg1"/>
-                </a:solidFill>
-              </a:rPr>
-              <a:t>Brushless Motor</a:t>
-            </a:r>
-          </a:p>
-        </p:txBody>
-      </p:sp>
-      <p:sp>
-        <p:nvSpPr>
-          <p:cNvPr id="16" name="Прямоугольник 15"/>
-          <p:cNvSpPr/>
-          <p:nvPr/>
-        </p:nvSpPr>
-        <p:spPr>
-          <a:xfrm>
-            <a:off x="6372200" y="5292582"/>
-            <a:ext cx="864096" cy="288032"/>
-          </a:xfrm>
-          <a:prstGeom prst="rect">
-            <a:avLst/>
-          </a:prstGeom>
-          <a:solidFill>
-            <a:schemeClr val="accent2">
-              <a:lumMod val="75000"/>
-              <a:alpha val="50196"/>
-            </a:schemeClr>
-          </a:solidFill>
-          <a:ln w="12700"/>
-        </p:spPr>
-        <p:style>
-          <a:lnRef idx="3">
-            <a:schemeClr val="lt1"/>
-          </a:lnRef>
-          <a:fillRef idx="1">
-            <a:schemeClr val="accent1"/>
-          </a:fillRef>
-          <a:effectRef idx="1">
-            <a:schemeClr val="accent1"/>
-          </a:effectRef>
-          <a:fontRef idx="minor">
-            <a:schemeClr val="lt1"/>
-          </a:fontRef>
-        </p:style>
-        <p:txBody>
-          <a:bodyPr rtlCol="0" anchor="ctr"/>
-          <a:lstStyle/>
-          <a:p>
-            <a:pPr algn="ctr"/>
-            <a:r>
-              <a:rPr lang="en-US" sz="1400" dirty="0" smtClean="0">
-                <a:solidFill>
-                  <a:schemeClr val="bg1"/>
-                </a:solidFill>
-              </a:rPr>
-              <a:t>ESC #3</a:t>
-            </a:r>
-          </a:p>
-        </p:txBody>
-      </p:sp>
-      <p:sp>
-        <p:nvSpPr>
-          <p:cNvPr id="17" name="Прямоугольник 16"/>
-          <p:cNvSpPr/>
-          <p:nvPr/>
-        </p:nvSpPr>
-        <p:spPr>
-          <a:xfrm>
-            <a:off x="7308304" y="5283956"/>
-            <a:ext cx="1512168" cy="288032"/>
-          </a:xfrm>
-          <a:prstGeom prst="rect">
-            <a:avLst/>
-          </a:prstGeom>
-          <a:solidFill>
-            <a:schemeClr val="accent2">
-              <a:lumMod val="75000"/>
-              <a:alpha val="50196"/>
-            </a:schemeClr>
-          </a:solidFill>
-          <a:ln w="12700"/>
-        </p:spPr>
-        <p:style>
-          <a:lnRef idx="3">
-            <a:schemeClr val="lt1"/>
-          </a:lnRef>
-          <a:fillRef idx="1">
-            <a:schemeClr val="accent1"/>
-          </a:fillRef>
-          <a:effectRef idx="1">
-            <a:schemeClr val="accent1"/>
-          </a:effectRef>
-          <a:fontRef idx="minor">
-            <a:schemeClr val="lt1"/>
-          </a:fontRef>
-        </p:style>
-        <p:txBody>
-          <a:bodyPr rtlCol="0" anchor="ctr"/>
-          <a:lstStyle/>
-          <a:p>
-            <a:pPr algn="ctr"/>
-            <a:r>
-              <a:rPr lang="en-US" sz="1400" dirty="0" smtClean="0">
-                <a:solidFill>
-                  <a:schemeClr val="bg1"/>
-                </a:solidFill>
-              </a:rPr>
-              <a:t>Brushless Motor</a:t>
-            </a:r>
-          </a:p>
-        </p:txBody>
-      </p:sp>
-      <p:sp>
-        <p:nvSpPr>
-          <p:cNvPr id="18" name="Прямоугольник 17"/>
-          <p:cNvSpPr/>
-          <p:nvPr/>
-        </p:nvSpPr>
-        <p:spPr>
-          <a:xfrm>
-            <a:off x="6372200" y="5661248"/>
-            <a:ext cx="864096" cy="288032"/>
-          </a:xfrm>
-          <a:prstGeom prst="rect">
-            <a:avLst/>
-          </a:prstGeom>
-          <a:solidFill>
-            <a:schemeClr val="accent2">
-              <a:lumMod val="75000"/>
-              <a:alpha val="50196"/>
-            </a:schemeClr>
-          </a:solidFill>
-          <a:ln w="12700"/>
-        </p:spPr>
-        <p:style>
-          <a:lnRef idx="3">
-            <a:schemeClr val="lt1"/>
-          </a:lnRef>
-          <a:fillRef idx="1">
-            <a:schemeClr val="accent1"/>
-          </a:fillRef>
-          <a:effectRef idx="1">
-            <a:schemeClr val="accent1"/>
-          </a:effectRef>
-          <a:fontRef idx="minor">
-            <a:schemeClr val="lt1"/>
-          </a:fontRef>
-        </p:style>
-        <p:txBody>
-          <a:bodyPr rtlCol="0" anchor="ctr"/>
-          <a:lstStyle/>
-          <a:p>
-            <a:pPr algn="ctr"/>
-            <a:r>
-              <a:rPr lang="en-US" sz="1400" dirty="0" smtClean="0">
-                <a:solidFill>
-                  <a:schemeClr val="bg1"/>
-                </a:solidFill>
-              </a:rPr>
-              <a:t>ESC #4</a:t>
-            </a:r>
-          </a:p>
-        </p:txBody>
-      </p:sp>
-      <p:sp>
-        <p:nvSpPr>
-          <p:cNvPr id="19" name="Прямоугольник 18"/>
-          <p:cNvSpPr/>
-          <p:nvPr/>
-        </p:nvSpPr>
-        <p:spPr>
-          <a:xfrm>
-            <a:off x="7308304" y="5652622"/>
-            <a:ext cx="1512168" cy="288032"/>
-          </a:xfrm>
-          <a:prstGeom prst="rect">
-            <a:avLst/>
-          </a:prstGeom>
-          <a:solidFill>
-            <a:schemeClr val="accent2">
-              <a:lumMod val="75000"/>
-              <a:alpha val="50196"/>
-            </a:schemeClr>
-          </a:solidFill>
-          <a:ln w="12700"/>
-        </p:spPr>
-        <p:style>
-          <a:lnRef idx="3">
-            <a:schemeClr val="lt1"/>
-          </a:lnRef>
-          <a:fillRef idx="1">
-            <a:schemeClr val="accent1"/>
-          </a:fillRef>
-          <a:effectRef idx="1">
-            <a:schemeClr val="accent1"/>
-          </a:effectRef>
-          <a:fontRef idx="minor">
-            <a:schemeClr val="lt1"/>
-          </a:fontRef>
-        </p:style>
-        <p:txBody>
-          <a:bodyPr rtlCol="0" anchor="ctr"/>
-          <a:lstStyle/>
-          <a:p>
-            <a:pPr algn="ctr"/>
-            <a:r>
-              <a:rPr lang="en-US" sz="1400" dirty="0" smtClean="0">
-                <a:solidFill>
-                  <a:schemeClr val="bg1"/>
-                </a:solidFill>
-              </a:rPr>
-              <a:t>Brushless Motor</a:t>
-            </a:r>
-          </a:p>
-        </p:txBody>
-      </p:sp>
-      <p:sp>
-        <p:nvSpPr>
-          <p:cNvPr id="20" name="Прямоугольник 19"/>
-          <p:cNvSpPr/>
-          <p:nvPr/>
-        </p:nvSpPr>
-        <p:spPr>
-          <a:xfrm>
-            <a:off x="2051720" y="4653136"/>
-            <a:ext cx="1224136" cy="936104"/>
-          </a:xfrm>
-          <a:prstGeom prst="rect">
-            <a:avLst/>
-          </a:prstGeom>
-          <a:solidFill>
-            <a:srgbClr val="324B64">
-              <a:alpha val="50196"/>
-            </a:srgbClr>
-          </a:solidFill>
-          <a:ln w="12700">
-            <a:solidFill>
-              <a:schemeClr val="bg1"/>
-            </a:solidFill>
-          </a:ln>
-        </p:spPr>
-        <p:style>
-          <a:lnRef idx="3">
-            <a:schemeClr val="lt1"/>
-          </a:lnRef>
-          <a:fillRef idx="1">
-            <a:schemeClr val="accent1"/>
-          </a:fillRef>
-          <a:effectRef idx="1">
-            <a:schemeClr val="accent1"/>
-          </a:effectRef>
-          <a:fontRef idx="minor">
-            <a:schemeClr val="lt1"/>
-          </a:fontRef>
-        </p:style>
-        <p:txBody>
-          <a:bodyPr rtlCol="0" anchor="ctr"/>
-          <a:lstStyle/>
-          <a:p>
-            <a:pPr algn="ctr"/>
-            <a:r>
-              <a:rPr lang="en-US" sz="2000" dirty="0" smtClean="0">
-                <a:solidFill>
-                  <a:schemeClr val="bg1"/>
-                </a:solidFill>
-              </a:rPr>
-              <a:t>Camera</a:t>
-            </a:r>
-            <a:endParaRPr lang="ru-RU" sz="2000" dirty="0">
-              <a:solidFill>
-                <a:schemeClr val="bg1"/>
-              </a:solidFill>
-            </a:endParaRPr>
-          </a:p>
-        </p:txBody>
-      </p:sp>
-      <p:cxnSp>
-        <p:nvCxnSpPr>
-          <p:cNvPr id="22" name="Соединительная линия уступом 21"/>
-          <p:cNvCxnSpPr>
-            <a:stCxn id="7" idx="1"/>
-            <a:endCxn id="5" idx="3"/>
-          </p:cNvCxnSpPr>
-          <p:nvPr/>
-        </p:nvCxnSpPr>
-        <p:spPr>
-          <a:xfrm rot="10800000" flipV="1">
-            <a:off x="5796136" y="1844824"/>
-            <a:ext cx="576064" cy="1188132"/>
-          </a:xfrm>
-          <a:prstGeom prst="bentConnector3">
-            <a:avLst>
-              <a:gd name="adj1" fmla="val 50000"/>
-            </a:avLst>
-          </a:prstGeom>
-          <a:ln w="28575">
-            <a:solidFill>
-              <a:schemeClr val="bg1"/>
-            </a:solidFill>
-            <a:tailEnd type="arrow"/>
-          </a:ln>
-        </p:spPr>
-        <p:style>
-          <a:lnRef idx="1">
-            <a:schemeClr val="accent1"/>
-          </a:lnRef>
-          <a:fillRef idx="0">
-            <a:schemeClr val="accent1"/>
-          </a:fillRef>
-          <a:effectRef idx="0">
-            <a:schemeClr val="accent1"/>
-          </a:effectRef>
-          <a:fontRef idx="minor">
-            <a:schemeClr val="tx1"/>
-          </a:fontRef>
-        </p:style>
-      </p:cxnSp>
-      <p:cxnSp>
-        <p:nvCxnSpPr>
-          <p:cNvPr id="26" name="Соединительная линия уступом 25"/>
-          <p:cNvCxnSpPr>
-            <a:stCxn id="115" idx="1"/>
-            <a:endCxn id="5" idx="3"/>
-          </p:cNvCxnSpPr>
-          <p:nvPr/>
-        </p:nvCxnSpPr>
-        <p:spPr>
-          <a:xfrm rot="10800000" flipV="1">
-            <a:off x="5796136" y="2708920"/>
-            <a:ext cx="576064" cy="324036"/>
-          </a:xfrm>
-          <a:prstGeom prst="bentConnector3">
-            <a:avLst>
-              <a:gd name="adj1" fmla="val 50000"/>
-            </a:avLst>
-          </a:prstGeom>
-          <a:ln w="28575">
-            <a:solidFill>
-              <a:schemeClr val="bg1"/>
-            </a:solidFill>
-            <a:tailEnd type="arrow"/>
-          </a:ln>
-        </p:spPr>
-        <p:style>
-          <a:lnRef idx="1">
-            <a:schemeClr val="accent1"/>
-          </a:lnRef>
-          <a:fillRef idx="0">
-            <a:schemeClr val="accent1"/>
-          </a:fillRef>
-          <a:effectRef idx="0">
-            <a:schemeClr val="accent1"/>
-          </a:effectRef>
-          <a:fontRef idx="minor">
-            <a:schemeClr val="tx1"/>
-          </a:fontRef>
-        </p:style>
-      </p:cxnSp>
-      <p:cxnSp>
-        <p:nvCxnSpPr>
-          <p:cNvPr id="28" name="Соединительная линия уступом 27"/>
-          <p:cNvCxnSpPr>
-            <a:stCxn id="9" idx="1"/>
-            <a:endCxn id="5" idx="3"/>
-          </p:cNvCxnSpPr>
-          <p:nvPr/>
-        </p:nvCxnSpPr>
-        <p:spPr>
-          <a:xfrm rot="10800000">
-            <a:off x="5796136" y="3032956"/>
-            <a:ext cx="576064" cy="108012"/>
-          </a:xfrm>
-          <a:prstGeom prst="bentConnector3">
-            <a:avLst>
-              <a:gd name="adj1" fmla="val 50000"/>
-            </a:avLst>
-          </a:prstGeom>
-          <a:ln w="28575">
-            <a:solidFill>
-              <a:schemeClr val="bg1"/>
-            </a:solidFill>
-            <a:tailEnd type="arrow"/>
-          </a:ln>
-        </p:spPr>
-        <p:style>
-          <a:lnRef idx="1">
-            <a:schemeClr val="accent1"/>
-          </a:lnRef>
-          <a:fillRef idx="0">
-            <a:schemeClr val="accent1"/>
-          </a:fillRef>
-          <a:effectRef idx="0">
-            <a:schemeClr val="accent1"/>
-          </a:effectRef>
-          <a:fontRef idx="minor">
-            <a:schemeClr val="tx1"/>
-          </a:fontRef>
-        </p:style>
-      </p:cxnSp>
-      <p:cxnSp>
-        <p:nvCxnSpPr>
-          <p:cNvPr id="30" name="Соединительная линия уступом 29"/>
-          <p:cNvCxnSpPr>
-            <a:stCxn id="10" idx="1"/>
-            <a:endCxn id="5" idx="3"/>
-          </p:cNvCxnSpPr>
-          <p:nvPr/>
-        </p:nvCxnSpPr>
-        <p:spPr>
-          <a:xfrm rot="10800000">
-            <a:off x="5796136" y="3032956"/>
-            <a:ext cx="576064" cy="540060"/>
-          </a:xfrm>
-          <a:prstGeom prst="bentConnector3">
-            <a:avLst>
-              <a:gd name="adj1" fmla="val 50000"/>
-            </a:avLst>
-          </a:prstGeom>
-          <a:ln w="28575">
-            <a:solidFill>
-              <a:schemeClr val="bg1"/>
-            </a:solidFill>
-            <a:tailEnd type="arrow"/>
-          </a:ln>
-        </p:spPr>
-        <p:style>
-          <a:lnRef idx="1">
-            <a:schemeClr val="accent1"/>
-          </a:lnRef>
-          <a:fillRef idx="0">
-            <a:schemeClr val="accent1"/>
-          </a:fillRef>
-          <a:effectRef idx="0">
-            <a:schemeClr val="accent1"/>
-          </a:effectRef>
-          <a:fontRef idx="minor">
-            <a:schemeClr val="tx1"/>
-          </a:fontRef>
-        </p:style>
-      </p:cxnSp>
-      <p:cxnSp>
-        <p:nvCxnSpPr>
-          <p:cNvPr id="34" name="Shape 33"/>
-          <p:cNvCxnSpPr>
-            <a:stCxn id="5" idx="2"/>
-            <a:endCxn id="12" idx="1"/>
-          </p:cNvCxnSpPr>
-          <p:nvPr/>
-        </p:nvCxnSpPr>
-        <p:spPr>
-          <a:xfrm rot="16200000" flipH="1">
-            <a:off x="5017737" y="3379307"/>
-            <a:ext cx="1160754" cy="1548172"/>
-          </a:xfrm>
-          <a:prstGeom prst="bentConnector2">
-            <a:avLst/>
-          </a:prstGeom>
-          <a:ln w="28575">
-            <a:solidFill>
-              <a:schemeClr val="bg1"/>
-            </a:solidFill>
-            <a:tailEnd type="arrow"/>
-          </a:ln>
-        </p:spPr>
-        <p:style>
-          <a:lnRef idx="1">
-            <a:schemeClr val="accent1"/>
-          </a:lnRef>
-          <a:fillRef idx="0">
-            <a:schemeClr val="accent1"/>
-          </a:fillRef>
-          <a:effectRef idx="0">
-            <a:schemeClr val="accent1"/>
-          </a:effectRef>
-          <a:fontRef idx="minor">
-            <a:schemeClr val="tx1"/>
-          </a:fontRef>
-        </p:style>
-      </p:cxnSp>
-      <p:cxnSp>
-        <p:nvCxnSpPr>
-          <p:cNvPr id="36" name="Shape 35"/>
-          <p:cNvCxnSpPr>
-            <a:stCxn id="5" idx="2"/>
-            <a:endCxn id="14" idx="1"/>
-          </p:cNvCxnSpPr>
-          <p:nvPr/>
-        </p:nvCxnSpPr>
-        <p:spPr>
-          <a:xfrm rot="16200000" flipH="1">
-            <a:off x="4837717" y="3559327"/>
-            <a:ext cx="1520794" cy="1548172"/>
-          </a:xfrm>
-          <a:prstGeom prst="bentConnector2">
-            <a:avLst/>
-          </a:prstGeom>
-          <a:ln w="28575">
-            <a:solidFill>
-              <a:schemeClr val="bg1"/>
-            </a:solidFill>
-            <a:tailEnd type="arrow"/>
-          </a:ln>
-        </p:spPr>
-        <p:style>
-          <a:lnRef idx="1">
-            <a:schemeClr val="accent1"/>
-          </a:lnRef>
-          <a:fillRef idx="0">
-            <a:schemeClr val="accent1"/>
-          </a:fillRef>
-          <a:effectRef idx="0">
-            <a:schemeClr val="accent1"/>
-          </a:effectRef>
-          <a:fontRef idx="minor">
-            <a:schemeClr val="tx1"/>
-          </a:fontRef>
-        </p:style>
-      </p:cxnSp>
-      <p:cxnSp>
-        <p:nvCxnSpPr>
-          <p:cNvPr id="38" name="Shape 37"/>
-          <p:cNvCxnSpPr>
-            <a:stCxn id="5" idx="2"/>
-            <a:endCxn id="16" idx="1"/>
-          </p:cNvCxnSpPr>
-          <p:nvPr/>
-        </p:nvCxnSpPr>
-        <p:spPr>
-          <a:xfrm rot="16200000" flipH="1">
-            <a:off x="4666323" y="3730721"/>
-            <a:ext cx="1863582" cy="1548172"/>
-          </a:xfrm>
-          <a:prstGeom prst="bentConnector2">
-            <a:avLst/>
-          </a:prstGeom>
-          <a:ln w="28575">
-            <a:solidFill>
-              <a:schemeClr val="bg1"/>
-            </a:solidFill>
-            <a:tailEnd type="arrow"/>
-          </a:ln>
-        </p:spPr>
-        <p:style>
-          <a:lnRef idx="1">
-            <a:schemeClr val="accent1"/>
-          </a:lnRef>
-          <a:fillRef idx="0">
-            <a:schemeClr val="accent1"/>
-          </a:fillRef>
-          <a:effectRef idx="0">
-            <a:schemeClr val="accent1"/>
-          </a:effectRef>
-          <a:fontRef idx="minor">
-            <a:schemeClr val="tx1"/>
-          </a:fontRef>
-        </p:style>
-      </p:cxnSp>
-      <p:cxnSp>
-        <p:nvCxnSpPr>
-          <p:cNvPr id="40" name="Shape 39"/>
-          <p:cNvCxnSpPr>
-            <a:stCxn id="5" idx="2"/>
-            <a:endCxn id="18" idx="1"/>
-          </p:cNvCxnSpPr>
-          <p:nvPr/>
-        </p:nvCxnSpPr>
-        <p:spPr>
-          <a:xfrm rot="16200000" flipH="1">
-            <a:off x="4481990" y="3915054"/>
-            <a:ext cx="2232248" cy="1548172"/>
-          </a:xfrm>
-          <a:prstGeom prst="bentConnector2">
-            <a:avLst/>
-          </a:prstGeom>
-          <a:ln w="28575">
-            <a:solidFill>
-              <a:schemeClr val="bg1"/>
-            </a:solidFill>
-            <a:tailEnd type="arrow"/>
-          </a:ln>
-        </p:spPr>
-        <p:style>
-          <a:lnRef idx="1">
-            <a:schemeClr val="accent1"/>
-          </a:lnRef>
-          <a:fillRef idx="0">
-            <a:schemeClr val="accent1"/>
-          </a:fillRef>
-          <a:effectRef idx="0">
-            <a:schemeClr val="accent1"/>
-          </a:effectRef>
-          <a:fontRef idx="minor">
-            <a:schemeClr val="tx1"/>
-          </a:fontRef>
-        </p:style>
-      </p:cxnSp>
-      <p:cxnSp>
-        <p:nvCxnSpPr>
-          <p:cNvPr id="50" name="Соединительная линия уступом 49"/>
-          <p:cNvCxnSpPr>
-            <a:stCxn id="11" idx="3"/>
-            <a:endCxn id="5" idx="0"/>
-          </p:cNvCxnSpPr>
-          <p:nvPr/>
-        </p:nvCxnSpPr>
-        <p:spPr>
-          <a:xfrm>
-            <a:off x="3059832" y="1952836"/>
-            <a:ext cx="1764196" cy="540060"/>
-          </a:xfrm>
-          <a:prstGeom prst="bentConnector2">
-            <a:avLst/>
-          </a:prstGeom>
-          <a:ln w="28575">
-            <a:solidFill>
-              <a:schemeClr val="bg1"/>
-            </a:solidFill>
-            <a:headEnd type="arrow"/>
-            <a:tailEnd type="arrow"/>
-          </a:ln>
-        </p:spPr>
-        <p:style>
-          <a:lnRef idx="1">
-            <a:schemeClr val="accent1"/>
-          </a:lnRef>
-          <a:fillRef idx="0">
-            <a:schemeClr val="accent1"/>
-          </a:fillRef>
-          <a:effectRef idx="0">
-            <a:schemeClr val="accent1"/>
-          </a:effectRef>
-          <a:fontRef idx="minor">
-            <a:schemeClr val="tx1"/>
-          </a:fontRef>
-        </p:style>
-      </p:cxnSp>
-      <p:cxnSp>
-        <p:nvCxnSpPr>
-          <p:cNvPr id="56" name="Соединительная линия уступом 55"/>
-          <p:cNvCxnSpPr>
-            <a:stCxn id="20" idx="3"/>
-            <a:endCxn id="5" idx="1"/>
-          </p:cNvCxnSpPr>
-          <p:nvPr/>
-        </p:nvCxnSpPr>
-        <p:spPr>
-          <a:xfrm flipV="1">
-            <a:off x="3275856" y="3032956"/>
-            <a:ext cx="576064" cy="2088232"/>
-          </a:xfrm>
-          <a:prstGeom prst="bentConnector3">
-            <a:avLst>
-              <a:gd name="adj1" fmla="val 60482"/>
-            </a:avLst>
-          </a:prstGeom>
-          <a:ln w="28575">
-            <a:solidFill>
-              <a:schemeClr val="bg1"/>
-            </a:solidFill>
-            <a:tailEnd type="arrow"/>
-          </a:ln>
-        </p:spPr>
-        <p:style>
-          <a:lnRef idx="1">
-            <a:schemeClr val="accent1"/>
-          </a:lnRef>
-          <a:fillRef idx="0">
-            <a:schemeClr val="accent1"/>
-          </a:fillRef>
-          <a:effectRef idx="0">
-            <a:schemeClr val="accent1"/>
-          </a:effectRef>
-          <a:fontRef idx="minor">
-            <a:schemeClr val="tx1"/>
-          </a:fontRef>
-        </p:style>
-      </p:cxnSp>
-      <p:cxnSp>
-        <p:nvCxnSpPr>
-          <p:cNvPr id="129" name="Соединительная линия уступом 128"/>
-          <p:cNvCxnSpPr>
-            <a:stCxn id="4" idx="3"/>
-            <a:endCxn id="11" idx="1"/>
-          </p:cNvCxnSpPr>
-          <p:nvPr/>
-        </p:nvCxnSpPr>
-        <p:spPr>
-          <a:xfrm flipV="1">
-            <a:off x="1259632" y="1952836"/>
-            <a:ext cx="792088" cy="540060"/>
-          </a:xfrm>
-          <a:prstGeom prst="bentConnector3">
-            <a:avLst>
-              <a:gd name="adj1" fmla="val 50000"/>
-            </a:avLst>
-          </a:prstGeom>
-          <a:ln w="28575">
-            <a:solidFill>
-              <a:schemeClr val="bg1"/>
-            </a:solidFill>
-            <a:headEnd type="arrow"/>
-            <a:tailEnd type="arrow"/>
-          </a:ln>
-        </p:spPr>
-        <p:style>
-          <a:lnRef idx="1">
-            <a:schemeClr val="accent1"/>
-          </a:lnRef>
-          <a:fillRef idx="0">
-            <a:schemeClr val="accent1"/>
-          </a:fillRef>
-          <a:effectRef idx="0">
-            <a:schemeClr val="accent1"/>
-          </a:effectRef>
-          <a:fontRef idx="minor">
-            <a:schemeClr val="tx1"/>
-          </a:fontRef>
-        </p:style>
-      </p:cxnSp>
-      <p:sp>
-        <p:nvSpPr>
-          <p:cNvPr id="42" name="Прямоугольник 41"/>
-          <p:cNvSpPr/>
-          <p:nvPr/>
-        </p:nvSpPr>
-        <p:spPr>
-          <a:xfrm>
-            <a:off x="2051720" y="2348880"/>
-            <a:ext cx="1008112" cy="504056"/>
-          </a:xfrm>
-          <a:prstGeom prst="rect">
-            <a:avLst/>
-          </a:prstGeom>
-          <a:solidFill>
-            <a:schemeClr val="accent3">
-              <a:lumMod val="75000"/>
-              <a:alpha val="50196"/>
-            </a:schemeClr>
-          </a:solidFill>
-          <a:ln w="12700">
-            <a:solidFill>
-              <a:schemeClr val="bg1"/>
-            </a:solidFill>
-          </a:ln>
-        </p:spPr>
-        <p:style>
-          <a:lnRef idx="3">
-            <a:schemeClr val="lt1"/>
-          </a:lnRef>
-          <a:fillRef idx="1">
-            <a:schemeClr val="accent1"/>
-          </a:fillRef>
-          <a:effectRef idx="1">
-            <a:schemeClr val="accent1"/>
-          </a:effectRef>
-          <a:fontRef idx="minor">
-            <a:schemeClr val="lt1"/>
-          </a:fontRef>
-        </p:style>
-        <p:txBody>
-          <a:bodyPr rtlCol="0" anchor="ctr"/>
-          <a:lstStyle/>
-          <a:p>
-            <a:pPr algn="ctr"/>
-            <a:r>
-              <a:rPr lang="en-US" sz="2000" dirty="0" err="1" smtClean="0">
-                <a:solidFill>
-                  <a:schemeClr val="bg1"/>
-                </a:solidFill>
-              </a:rPr>
-              <a:t>WiFi</a:t>
-            </a:r>
-            <a:endParaRPr lang="ru-RU" sz="2000" dirty="0">
-              <a:solidFill>
-                <a:schemeClr val="bg1"/>
-              </a:solidFill>
-            </a:endParaRPr>
-          </a:p>
-        </p:txBody>
-      </p:sp>
-      <p:sp>
-        <p:nvSpPr>
-          <p:cNvPr id="43" name="Прямоугольник 42"/>
-          <p:cNvSpPr/>
-          <p:nvPr/>
-        </p:nvSpPr>
-        <p:spPr>
-          <a:xfrm>
-            <a:off x="2051720" y="2996952"/>
-            <a:ext cx="1008112" cy="504056"/>
-          </a:xfrm>
-          <a:prstGeom prst="rect">
-            <a:avLst/>
-          </a:prstGeom>
-          <a:solidFill>
-            <a:schemeClr val="accent3">
-              <a:lumMod val="75000"/>
-              <a:alpha val="50196"/>
-            </a:schemeClr>
-          </a:solidFill>
-          <a:ln w="12700">
-            <a:solidFill>
-              <a:schemeClr val="bg1"/>
-            </a:solidFill>
-            <a:prstDash val="dash"/>
-          </a:ln>
-        </p:spPr>
-        <p:style>
-          <a:lnRef idx="3">
-            <a:schemeClr val="lt1"/>
-          </a:lnRef>
-          <a:fillRef idx="1">
-            <a:schemeClr val="accent1"/>
-          </a:fillRef>
-          <a:effectRef idx="1">
-            <a:schemeClr val="accent1"/>
-          </a:effectRef>
-          <a:fontRef idx="minor">
-            <a:schemeClr val="lt1"/>
-          </a:fontRef>
-        </p:style>
-        <p:txBody>
-          <a:bodyPr rtlCol="0" anchor="ctr"/>
-          <a:lstStyle/>
-          <a:p>
-            <a:pPr algn="ctr"/>
-            <a:r>
-              <a:rPr lang="en-US" sz="2000" dirty="0" smtClean="0">
-                <a:solidFill>
-                  <a:schemeClr val="bg1"/>
-                </a:solidFill>
-              </a:rPr>
-              <a:t>USB</a:t>
-            </a:r>
-            <a:endParaRPr lang="ru-RU" sz="2000" dirty="0">
-              <a:solidFill>
-                <a:schemeClr val="bg1"/>
-              </a:solidFill>
-            </a:endParaRPr>
-          </a:p>
-        </p:txBody>
-      </p:sp>
-      <p:cxnSp>
-        <p:nvCxnSpPr>
-          <p:cNvPr id="44" name="Соединительная линия уступом 43"/>
-          <p:cNvCxnSpPr>
-            <a:stCxn id="4" idx="3"/>
-            <a:endCxn id="42" idx="1"/>
-          </p:cNvCxnSpPr>
-          <p:nvPr/>
-        </p:nvCxnSpPr>
-        <p:spPr>
-          <a:xfrm>
-            <a:off x="1259632" y="2492896"/>
-            <a:ext cx="792088" cy="108012"/>
-          </a:xfrm>
-          <a:prstGeom prst="bentConnector3">
-            <a:avLst>
-              <a:gd name="adj1" fmla="val 50000"/>
-            </a:avLst>
-          </a:prstGeom>
-          <a:ln w="28575">
-            <a:solidFill>
-              <a:schemeClr val="bg1"/>
-            </a:solidFill>
-            <a:headEnd type="arrow"/>
-            <a:tailEnd type="arrow"/>
-          </a:ln>
-        </p:spPr>
-        <p:style>
-          <a:lnRef idx="1">
-            <a:schemeClr val="accent1"/>
-          </a:lnRef>
-          <a:fillRef idx="0">
-            <a:schemeClr val="accent1"/>
-          </a:fillRef>
-          <a:effectRef idx="0">
-            <a:schemeClr val="accent1"/>
-          </a:effectRef>
-          <a:fontRef idx="minor">
-            <a:schemeClr val="tx1"/>
-          </a:fontRef>
-        </p:style>
-      </p:cxnSp>
-      <p:cxnSp>
-        <p:nvCxnSpPr>
-          <p:cNvPr id="47" name="Соединительная линия уступом 46"/>
-          <p:cNvCxnSpPr>
-            <a:stCxn id="4" idx="3"/>
-            <a:endCxn id="43" idx="1"/>
-          </p:cNvCxnSpPr>
-          <p:nvPr/>
-        </p:nvCxnSpPr>
-        <p:spPr>
-          <a:xfrm>
-            <a:off x="1259632" y="2492896"/>
-            <a:ext cx="792088" cy="756084"/>
-          </a:xfrm>
-          <a:prstGeom prst="bentConnector3">
-            <a:avLst>
-              <a:gd name="adj1" fmla="val 50000"/>
-            </a:avLst>
-          </a:prstGeom>
-          <a:ln w="28575">
-            <a:solidFill>
-              <a:schemeClr val="bg1"/>
-            </a:solidFill>
-            <a:headEnd type="arrow"/>
-            <a:tailEnd type="arrow"/>
-          </a:ln>
-        </p:spPr>
-        <p:style>
-          <a:lnRef idx="1">
-            <a:schemeClr val="accent1"/>
-          </a:lnRef>
-          <a:fillRef idx="0">
-            <a:schemeClr val="accent1"/>
-          </a:fillRef>
-          <a:effectRef idx="0">
-            <a:schemeClr val="accent1"/>
-          </a:effectRef>
-          <a:fontRef idx="minor">
-            <a:schemeClr val="tx1"/>
-          </a:fontRef>
-        </p:style>
-      </p:cxnSp>
-      <p:cxnSp>
-        <p:nvCxnSpPr>
-          <p:cNvPr id="51" name="Соединительная линия уступом 49"/>
-          <p:cNvCxnSpPr>
-            <a:stCxn id="42" idx="3"/>
-            <a:endCxn id="5" idx="0"/>
-          </p:cNvCxnSpPr>
-          <p:nvPr/>
-        </p:nvCxnSpPr>
-        <p:spPr>
-          <a:xfrm flipV="1">
-            <a:off x="3059832" y="2492896"/>
-            <a:ext cx="1764196" cy="108012"/>
-          </a:xfrm>
-          <a:prstGeom prst="bentConnector4">
-            <a:avLst>
-              <a:gd name="adj1" fmla="val 22449"/>
-              <a:gd name="adj2" fmla="val 596720"/>
-            </a:avLst>
-          </a:prstGeom>
-          <a:ln w="28575">
-            <a:solidFill>
-              <a:schemeClr val="bg1"/>
-            </a:solidFill>
-            <a:headEnd type="arrow"/>
-            <a:tailEnd type="arrow"/>
-          </a:ln>
-        </p:spPr>
-        <p:style>
-          <a:lnRef idx="1">
-            <a:schemeClr val="accent1"/>
-          </a:lnRef>
-          <a:fillRef idx="0">
-            <a:schemeClr val="accent1"/>
-          </a:fillRef>
-          <a:effectRef idx="0">
-            <a:schemeClr val="accent1"/>
-          </a:effectRef>
-          <a:fontRef idx="minor">
-            <a:schemeClr val="tx1"/>
-          </a:fontRef>
-        </p:style>
-      </p:cxnSp>
-      <p:cxnSp>
-        <p:nvCxnSpPr>
-          <p:cNvPr id="54" name="Соединительная линия уступом 49"/>
-          <p:cNvCxnSpPr>
-            <a:stCxn id="43" idx="3"/>
-            <a:endCxn id="5" idx="0"/>
-          </p:cNvCxnSpPr>
-          <p:nvPr/>
-        </p:nvCxnSpPr>
-        <p:spPr>
-          <a:xfrm flipV="1">
-            <a:off x="3059832" y="2492896"/>
-            <a:ext cx="1764196" cy="756084"/>
-          </a:xfrm>
-          <a:prstGeom prst="bentConnector4">
-            <a:avLst>
-              <a:gd name="adj1" fmla="val 22449"/>
-              <a:gd name="adj2" fmla="val 171309"/>
-            </a:avLst>
-          </a:prstGeom>
-          <a:ln w="28575">
-            <a:solidFill>
-              <a:schemeClr val="bg1"/>
-            </a:solidFill>
-            <a:headEnd type="arrow"/>
-            <a:tailEnd type="arrow"/>
-          </a:ln>
-        </p:spPr>
-        <p:style>
-          <a:lnRef idx="1">
-            <a:schemeClr val="accent1"/>
-          </a:lnRef>
-          <a:fillRef idx="0">
-            <a:schemeClr val="accent1"/>
-          </a:fillRef>
-          <a:effectRef idx="0">
-            <a:schemeClr val="accent1"/>
-          </a:effectRef>
-          <a:fontRef idx="minor">
-            <a:schemeClr val="tx1"/>
-          </a:fontRef>
-        </p:style>
-      </p:cxnSp>
-      <p:cxnSp>
-        <p:nvCxnSpPr>
-          <p:cNvPr id="39" name="Прямая соединительная линия 38"/>
-          <p:cNvCxnSpPr/>
-          <p:nvPr/>
-        </p:nvCxnSpPr>
-        <p:spPr>
-          <a:xfrm>
-            <a:off x="1763688" y="1556792"/>
-            <a:ext cx="0" cy="4464496"/>
-          </a:xfrm>
-          <a:prstGeom prst="line">
-            <a:avLst/>
-          </a:prstGeom>
-          <a:ln w="28575">
-            <a:solidFill>
-              <a:schemeClr val="bg1"/>
-            </a:solidFill>
-            <a:prstDash val="dash"/>
-          </a:ln>
-        </p:spPr>
-        <p:style>
-          <a:lnRef idx="1">
-            <a:schemeClr val="accent1"/>
-          </a:lnRef>
-          <a:fillRef idx="0">
-            <a:schemeClr val="accent1"/>
-          </a:fillRef>
-          <a:effectRef idx="0">
-            <a:schemeClr val="accent1"/>
-          </a:effectRef>
-          <a:fontRef idx="minor">
-            <a:schemeClr val="tx1"/>
-          </a:fontRef>
-        </p:style>
-      </p:cxnSp>
-      <p:sp>
-        <p:nvSpPr>
-          <p:cNvPr id="93" name="Прямоугольник 92"/>
-          <p:cNvSpPr/>
-          <p:nvPr/>
-        </p:nvSpPr>
-        <p:spPr>
-          <a:xfrm>
-            <a:off x="6372200" y="3861048"/>
-            <a:ext cx="2016224" cy="288032"/>
-          </a:xfrm>
-          <a:prstGeom prst="rect">
-            <a:avLst/>
-          </a:prstGeom>
-          <a:solidFill>
-            <a:schemeClr val="accent1">
-              <a:lumMod val="75000"/>
-              <a:alpha val="50196"/>
-            </a:schemeClr>
-          </a:solidFill>
-          <a:ln w="12700">
-            <a:prstDash val="dash"/>
-          </a:ln>
-        </p:spPr>
-        <p:style>
-          <a:lnRef idx="3">
-            <a:schemeClr val="lt1"/>
-          </a:lnRef>
-          <a:fillRef idx="1">
-            <a:schemeClr val="accent1"/>
-          </a:fillRef>
-          <a:effectRef idx="1">
-            <a:schemeClr val="accent1"/>
-          </a:effectRef>
-          <a:fontRef idx="minor">
-            <a:schemeClr val="lt1"/>
-          </a:fontRef>
-        </p:style>
-        <p:txBody>
-          <a:bodyPr rtlCol="0" anchor="ctr"/>
-          <a:lstStyle/>
-          <a:p>
-            <a:pPr algn="ctr"/>
-            <a:r>
-              <a:rPr lang="en-US" sz="1400" dirty="0" smtClean="0">
-                <a:solidFill>
-                  <a:schemeClr val="bg1"/>
-                </a:solidFill>
-              </a:rPr>
-              <a:t>GPS</a:t>
-            </a:r>
-            <a:r>
-              <a:rPr lang="ru-RU" sz="1400" dirty="0" smtClean="0">
-                <a:solidFill>
-                  <a:schemeClr val="bg1"/>
-                </a:solidFill>
-              </a:rPr>
-              <a:t>/</a:t>
-            </a:r>
-            <a:r>
-              <a:rPr lang="ru-RU" sz="1400" dirty="0" smtClean="0">
-                <a:solidFill>
-                  <a:schemeClr val="bg1"/>
-                </a:solidFill>
-              </a:rPr>
-              <a:t>ГЛОНАСС</a:t>
-            </a:r>
-            <a:r>
-              <a:rPr lang="en-US" sz="1400" dirty="0" smtClean="0">
-                <a:solidFill>
-                  <a:schemeClr val="bg1"/>
-                </a:solidFill>
-              </a:rPr>
-              <a:t> </a:t>
-            </a:r>
-            <a:r>
-              <a:rPr lang="en-US" sz="1400" dirty="0" smtClean="0">
-                <a:solidFill>
-                  <a:schemeClr val="bg1"/>
-                </a:solidFill>
-              </a:rPr>
-              <a:t>*</a:t>
-            </a:r>
-          </a:p>
-        </p:txBody>
-      </p:sp>
-      <p:cxnSp>
-        <p:nvCxnSpPr>
-          <p:cNvPr id="94" name="Соединительная линия уступом 93"/>
-          <p:cNvCxnSpPr>
-            <a:stCxn id="93" idx="1"/>
-            <a:endCxn id="5" idx="3"/>
-          </p:cNvCxnSpPr>
-          <p:nvPr/>
-        </p:nvCxnSpPr>
-        <p:spPr>
-          <a:xfrm rot="10800000">
-            <a:off x="5796136" y="3032956"/>
-            <a:ext cx="576064" cy="972108"/>
-          </a:xfrm>
-          <a:prstGeom prst="bentConnector3">
-            <a:avLst>
-              <a:gd name="adj1" fmla="val 50000"/>
-            </a:avLst>
-          </a:prstGeom>
-          <a:ln w="28575">
-            <a:solidFill>
-              <a:schemeClr val="bg1"/>
-            </a:solidFill>
-            <a:tailEnd type="arrow"/>
-          </a:ln>
-        </p:spPr>
-        <p:style>
-          <a:lnRef idx="1">
-            <a:schemeClr val="accent1"/>
-          </a:lnRef>
-          <a:fillRef idx="0">
-            <a:schemeClr val="accent1"/>
-          </a:fillRef>
-          <a:effectRef idx="0">
-            <a:schemeClr val="accent1"/>
-          </a:effectRef>
-          <a:fontRef idx="minor">
-            <a:schemeClr val="tx1"/>
-          </a:fontRef>
-        </p:style>
-      </p:cxnSp>
-      <p:sp>
-        <p:nvSpPr>
-          <p:cNvPr id="115" name="Прямоугольник 114"/>
-          <p:cNvSpPr/>
-          <p:nvPr/>
-        </p:nvSpPr>
-        <p:spPr>
-          <a:xfrm>
-            <a:off x="6372200" y="2564904"/>
-            <a:ext cx="2016224" cy="288032"/>
-          </a:xfrm>
-          <a:prstGeom prst="rect">
-            <a:avLst/>
-          </a:prstGeom>
-          <a:solidFill>
-            <a:schemeClr val="accent1">
-              <a:lumMod val="75000"/>
-              <a:alpha val="50196"/>
-            </a:schemeClr>
-          </a:solidFill>
-          <a:ln w="12700"/>
-        </p:spPr>
-        <p:style>
-          <a:lnRef idx="3">
-            <a:schemeClr val="lt1"/>
-          </a:lnRef>
-          <a:fillRef idx="1">
-            <a:schemeClr val="accent1"/>
-          </a:fillRef>
-          <a:effectRef idx="1">
-            <a:schemeClr val="accent1"/>
-          </a:effectRef>
-          <a:fontRef idx="minor">
-            <a:schemeClr val="lt1"/>
-          </a:fontRef>
-        </p:style>
-        <p:txBody>
-          <a:bodyPr rtlCol="0" anchor="ctr"/>
-          <a:lstStyle/>
-          <a:p>
-            <a:pPr algn="ctr"/>
-            <a:r>
-              <a:rPr lang="en-US" sz="1400" dirty="0" smtClean="0">
-                <a:solidFill>
-                  <a:schemeClr val="bg1"/>
-                </a:solidFill>
-              </a:rPr>
-              <a:t>Sonar</a:t>
-            </a:r>
-            <a:endParaRPr lang="ru-RU" sz="1400" dirty="0">
-              <a:solidFill>
-                <a:schemeClr val="bg1"/>
-              </a:solidFill>
-            </a:endParaRPr>
-          </a:p>
-        </p:txBody>
-      </p:sp>
-      <p:cxnSp>
-        <p:nvCxnSpPr>
-          <p:cNvPr id="119" name="Соединительная линия уступом 118"/>
-          <p:cNvCxnSpPr/>
-          <p:nvPr/>
-        </p:nvCxnSpPr>
-        <p:spPr>
-          <a:xfrm rot="10800000" flipV="1">
-            <a:off x="5796136" y="2276872"/>
-            <a:ext cx="576064" cy="756084"/>
-          </a:xfrm>
-          <a:prstGeom prst="bentConnector3">
-            <a:avLst>
-              <a:gd name="adj1" fmla="val 50000"/>
-            </a:avLst>
-          </a:prstGeom>
-          <a:ln w="28575">
-            <a:solidFill>
-              <a:schemeClr val="bg1"/>
-            </a:solidFill>
-            <a:tailEnd type="arrow"/>
-          </a:ln>
-        </p:spPr>
-        <p:style>
-          <a:lnRef idx="1">
-            <a:schemeClr val="accent1"/>
-          </a:lnRef>
-          <a:fillRef idx="0">
-            <a:schemeClr val="accent1"/>
-          </a:fillRef>
-          <a:effectRef idx="0">
-            <a:schemeClr val="accent1"/>
-          </a:effectRef>
-          <a:fontRef idx="minor">
-            <a:schemeClr val="tx1"/>
-          </a:fontRef>
-        </p:style>
-      </p:cxnSp>
+          <a:p>
+            <a:pPr lvl="2"/>
+            <a:r>
+              <a:rPr lang="ru-RU" sz="1600" dirty="0" smtClean="0">
+                <a:effectLst>
+                  <a:outerShdw blurRad="38100" dist="38100" dir="2700000" algn="tl">
+                    <a:srgbClr val="000000">
+                      <a:alpha val="43137"/>
+                    </a:srgbClr>
+                  </a:outerShdw>
+                </a:effectLst>
+              </a:rPr>
+              <a:t>Отладка</a:t>
+            </a:r>
+          </a:p>
+          <a:p>
+            <a:endParaRPr lang="ru-RU" dirty="0"/>
+          </a:p>
+        </p:txBody>
+      </p:sp>
     </p:spTree>
   </p:cSld>
   <p:clrMapOvr>
@@ -9882,6 +12608,231 @@
       </a:lt1>
       <a:dk2>
         <a:srgbClr val="FFFFFF"/>
+      </a:dk2>
+      <a:lt2>
+        <a:srgbClr val="EEECE1"/>
+      </a:lt2>
+      <a:accent1>
+        <a:srgbClr val="4F81BD"/>
+      </a:accent1>
+      <a:accent2>
+        <a:srgbClr val="C0504D"/>
+      </a:accent2>
+      <a:accent3>
+        <a:srgbClr val="9BBB59"/>
+      </a:accent3>
+      <a:accent4>
+        <a:srgbClr val="8064A2"/>
+      </a:accent4>
+      <a:accent5>
+        <a:srgbClr val="4BACC6"/>
+      </a:accent5>
+      <a:accent6>
+        <a:srgbClr val="F79646"/>
+      </a:accent6>
+      <a:hlink>
+        <a:srgbClr val="0000FF"/>
+      </a:hlink>
+      <a:folHlink>
+        <a:srgbClr val="800080"/>
+      </a:folHlink>
+    </a:clrScheme>
+    <a:fontScheme name="Gothic">
+      <a:majorFont>
+        <a:latin typeface="Franklin Gothic Book"/>
+        <a:ea typeface=""/>
+        <a:cs typeface=""/>
+      </a:majorFont>
+      <a:minorFont>
+        <a:latin typeface="Franklin Gothic Book"/>
+        <a:ea typeface=""/>
+        <a:cs typeface=""/>
+      </a:minorFont>
+    </a:fontScheme>
+    <a:fmtScheme name="Стандартная">
+      <a:fillStyleLst>
+        <a:solidFill>
+          <a:schemeClr val="phClr"/>
+        </a:solidFill>
+        <a:gradFill rotWithShape="1">
+          <a:gsLst>
+            <a:gs pos="0">
+              <a:schemeClr val="phClr">
+                <a:tint val="50000"/>
+                <a:satMod val="300000"/>
+              </a:schemeClr>
+            </a:gs>
+            <a:gs pos="35000">
+              <a:schemeClr val="phClr">
+                <a:tint val="37000"/>
+                <a:satMod val="300000"/>
+              </a:schemeClr>
+            </a:gs>
+            <a:gs pos="100000">
+              <a:schemeClr val="phClr">
+                <a:tint val="15000"/>
+                <a:satMod val="350000"/>
+              </a:schemeClr>
+            </a:gs>
+          </a:gsLst>
+          <a:lin ang="16200000" scaled="1"/>
+        </a:gradFill>
+        <a:gradFill rotWithShape="1">
+          <a:gsLst>
+            <a:gs pos="0">
+              <a:schemeClr val="phClr">
+                <a:shade val="51000"/>
+                <a:satMod val="130000"/>
+              </a:schemeClr>
+            </a:gs>
+            <a:gs pos="80000">
+              <a:schemeClr val="phClr">
+                <a:shade val="93000"/>
+                <a:satMod val="130000"/>
+              </a:schemeClr>
+            </a:gs>
+            <a:gs pos="100000">
+              <a:schemeClr val="phClr">
+                <a:shade val="94000"/>
+                <a:satMod val="135000"/>
+              </a:schemeClr>
+            </a:gs>
+          </a:gsLst>
+          <a:lin ang="16200000" scaled="0"/>
+        </a:gradFill>
+      </a:fillStyleLst>
+      <a:lnStyleLst>
+        <a:ln w="9525" cap="flat" cmpd="sng" algn="ctr">
+          <a:solidFill>
+            <a:schemeClr val="phClr">
+              <a:shade val="95000"/>
+              <a:satMod val="105000"/>
+            </a:schemeClr>
+          </a:solidFill>
+          <a:prstDash val="solid"/>
+        </a:ln>
+        <a:ln w="25400" cap="flat" cmpd="sng" algn="ctr">
+          <a:solidFill>
+            <a:schemeClr val="phClr"/>
+          </a:solidFill>
+          <a:prstDash val="solid"/>
+        </a:ln>
+        <a:ln w="38100" cap="flat" cmpd="sng" algn="ctr">
+          <a:solidFill>
+            <a:schemeClr val="phClr"/>
+          </a:solidFill>
+          <a:prstDash val="solid"/>
+        </a:ln>
+      </a:lnStyleLst>
+      <a:effectStyleLst>
+        <a:effectStyle>
+          <a:effectLst>
+            <a:outerShdw blurRad="40000" dist="20000" dir="5400000" rotWithShape="0">
+              <a:srgbClr val="000000">
+                <a:alpha val="38000"/>
+              </a:srgbClr>
+            </a:outerShdw>
+          </a:effectLst>
+        </a:effectStyle>
+        <a:effectStyle>
+          <a:effectLst>
+            <a:outerShdw blurRad="40000" dist="23000" dir="5400000" rotWithShape="0">
+              <a:srgbClr val="000000">
+                <a:alpha val="35000"/>
+              </a:srgbClr>
+            </a:outerShdw>
+          </a:effectLst>
+        </a:effectStyle>
+        <a:effectStyle>
+          <a:effectLst>
+            <a:outerShdw blurRad="40000" dist="23000" dir="5400000" rotWithShape="0">
+              <a:srgbClr val="000000">
+                <a:alpha val="35000"/>
+              </a:srgbClr>
+            </a:outerShdw>
+          </a:effectLst>
+          <a:scene3d>
+            <a:camera prst="orthographicFront">
+              <a:rot lat="0" lon="0" rev="0"/>
+            </a:camera>
+            <a:lightRig rig="threePt" dir="t">
+              <a:rot lat="0" lon="0" rev="1200000"/>
+            </a:lightRig>
+          </a:scene3d>
+          <a:sp3d>
+            <a:bevelT w="63500" h="25400"/>
+          </a:sp3d>
+        </a:effectStyle>
+      </a:effectStyleLst>
+      <a:bgFillStyleLst>
+        <a:solidFill>
+          <a:schemeClr val="phClr"/>
+        </a:solidFill>
+        <a:gradFill rotWithShape="1">
+          <a:gsLst>
+            <a:gs pos="0">
+              <a:schemeClr val="phClr">
+                <a:tint val="40000"/>
+                <a:satMod val="350000"/>
+              </a:schemeClr>
+            </a:gs>
+            <a:gs pos="40000">
+              <a:schemeClr val="phClr">
+                <a:tint val="45000"/>
+                <a:shade val="99000"/>
+                <a:satMod val="350000"/>
+              </a:schemeClr>
+            </a:gs>
+            <a:gs pos="100000">
+              <a:schemeClr val="phClr">
+                <a:shade val="20000"/>
+                <a:satMod val="255000"/>
+              </a:schemeClr>
+            </a:gs>
+          </a:gsLst>
+          <a:path path="circle">
+            <a:fillToRect l="50000" t="-80000" r="50000" b="180000"/>
+          </a:path>
+        </a:gradFill>
+        <a:gradFill rotWithShape="1">
+          <a:gsLst>
+            <a:gs pos="0">
+              <a:schemeClr val="phClr">
+                <a:tint val="80000"/>
+                <a:satMod val="300000"/>
+              </a:schemeClr>
+            </a:gs>
+            <a:gs pos="100000">
+              <a:schemeClr val="phClr">
+                <a:shade val="30000"/>
+                <a:satMod val="200000"/>
+              </a:schemeClr>
+            </a:gs>
+          </a:gsLst>
+          <a:path path="circle">
+            <a:fillToRect l="50000" t="50000" r="50000" b="50000"/>
+          </a:path>
+        </a:gradFill>
+      </a:bgFillStyleLst>
+    </a:fmtScheme>
+  </a:themeElements>
+  <a:objectDefaults/>
+  <a:extraClrSchemeLst/>
+</a:theme>
+</file>
+
+<file path=ppt/theme/theme2.xml><?xml version="1.0" encoding="utf-8"?>
+<a:theme xmlns:a="http://schemas.openxmlformats.org/drawingml/2006/main" name="Тема Office">
+  <a:themeElements>
+    <a:clrScheme name="Стандартная">
+      <a:dk1>
+        <a:sysClr val="windowText" lastClr="000000"/>
+      </a:dk1>
+      <a:lt1>
+        <a:sysClr val="window" lastClr="FFFFFF"/>
+      </a:lt1>
+      <a:dk2>
+        <a:srgbClr val="1F497D"/>
       </a:dk2>
       <a:lt2>
         <a:srgbClr val="EEECE1"/>

--- a/Docs/Medias2012_dhg.pptx
+++ b/Docs/Medias2012_dhg.pptx
@@ -3643,11 +3643,7 @@
           <a:p>
             <a:r>
               <a:rPr lang="ru-RU" sz="2400" dirty="0" smtClean="0"/>
-              <a:t>НИИ </a:t>
-            </a:r>
-            <a:r>
-              <a:rPr lang="ru-RU" sz="2400" dirty="0" smtClean="0"/>
-              <a:t>НКТ СПб НИУ ИТМО</a:t>
+              <a:t>НИИ НКТ СПб НИУ ИТМО</a:t>
             </a:r>
             <a:endParaRPr lang="ru-RU" sz="2400" dirty="0"/>
           </a:p>
@@ -3685,6 +3681,58 @@
           <a:chExt cx="0" cy="0"/>
         </a:xfrm>
       </p:grpSpPr>
+      <p:sp>
+        <p:nvSpPr>
+          <p:cNvPr id="41" name="Прямоугольник 40"/>
+          <p:cNvSpPr/>
+          <p:nvPr/>
+        </p:nvSpPr>
+        <p:spPr>
+          <a:xfrm>
+            <a:off x="179512" y="1484784"/>
+            <a:ext cx="8784976" cy="4680520"/>
+          </a:xfrm>
+          <a:prstGeom prst="rect">
+            <a:avLst/>
+          </a:prstGeom>
+          <a:solidFill>
+            <a:srgbClr val="000000">
+              <a:alpha val="70000"/>
+            </a:srgbClr>
+          </a:solidFill>
+          <a:ln>
+            <a:noFill/>
+          </a:ln>
+        </p:spPr>
+        <p:style>
+          <a:lnRef idx="2">
+            <a:schemeClr val="accent1">
+              <a:shade val="50000"/>
+            </a:schemeClr>
+          </a:lnRef>
+          <a:fillRef idx="1">
+            <a:schemeClr val="accent1"/>
+          </a:fillRef>
+          <a:effectRef idx="0">
+            <a:schemeClr val="accent1"/>
+          </a:effectRef>
+          <a:fontRef idx="minor">
+            <a:schemeClr val="lt1"/>
+          </a:fontRef>
+        </p:style>
+        <p:txBody>
+          <a:bodyPr rtlCol="0" anchor="ctr"/>
+          <a:lstStyle/>
+          <a:p>
+            <a:pPr algn="ctr"/>
+            <a:endParaRPr lang="ru-RU" dirty="0">
+              <a:solidFill>
+                <a:srgbClr val="000000"/>
+              </a:solidFill>
+            </a:endParaRPr>
+          </a:p>
+        </p:txBody>
+      </p:sp>
       <p:sp>
         <p:nvSpPr>
           <p:cNvPr id="2" name="Заголовок 1"/>
@@ -7864,7 +7912,31 @@
                   </a:outerShdw>
                 </a:effectLst>
               </a:rPr>
-              <a:t>Сформулирован круг и особенности задач для комплекса групповой навигации 4Р БПЛА в закрытых помещениях</a:t>
+              <a:t>Сформулирован круг и особенности задач для комплекса групповой навигации </a:t>
+            </a:r>
+            <a:r>
+              <a:rPr lang="ru-RU" sz="2400" dirty="0" smtClean="0">
+                <a:effectLst>
+                  <a:outerShdw blurRad="38100" dist="38100" dir="2700000" algn="tl">
+                    <a:srgbClr val="000000">
+                      <a:alpha val="43137"/>
+                    </a:srgbClr>
+                  </a:outerShdw>
+                </a:effectLst>
+              </a:rPr>
+              <a:t>4Р-БПЛА </a:t>
+            </a:r>
+            <a:r>
+              <a:rPr lang="ru-RU" sz="2400" dirty="0" smtClean="0">
+                <a:effectLst>
+                  <a:outerShdw blurRad="38100" dist="38100" dir="2700000" algn="tl">
+                    <a:srgbClr val="000000">
+                      <a:alpha val="43137"/>
+                    </a:srgbClr>
+                  </a:outerShdw>
+                </a:effectLst>
+              </a:rPr>
+              <a:t>в закрытых помещениях</a:t>
             </a:r>
           </a:p>
           <a:p>
@@ -7901,19 +7973,7 @@
                   </a:outerShdw>
                 </a:effectLst>
               </a:rPr>
-              <a:t>4Р </a:t>
-            </a:r>
-            <a:r>
-              <a:rPr lang="ru-RU" sz="2400" dirty="0" smtClean="0">
-                <a:effectLst>
-                  <a:outerShdw blurRad="38100" dist="38100" dir="2700000" algn="tl">
-                    <a:srgbClr val="000000">
-                      <a:alpha val="43137"/>
-                    </a:srgbClr>
-                  </a:outerShdw>
-                </a:effectLst>
-              </a:rPr>
-              <a:t>БПЛА</a:t>
+              <a:t>4Р БПЛА</a:t>
             </a:r>
             <a:endParaRPr lang="en-US" sz="2400" dirty="0" smtClean="0">
               <a:effectLst>
@@ -10689,35 +10749,8 @@
                   </a:outerShdw>
                 </a:effectLst>
               </a:rPr>
-              <a:t>Высокий уровень </a:t>
-            </a:r>
-            <a:r>
-              <a:rPr lang="ru-RU" sz="1800" dirty="0" smtClean="0">
-                <a:solidFill>
-                  <a:srgbClr val="FF8080"/>
-                </a:solidFill>
-                <a:effectLst>
-                  <a:outerShdw blurRad="38100" dist="38100" dir="2700000" algn="tl">
-                    <a:srgbClr val="000000">
-                      <a:alpha val="43137"/>
-                    </a:srgbClr>
-                  </a:outerShdw>
-                </a:effectLst>
-              </a:rPr>
-              <a:t>шума</a:t>
-            </a:r>
-            <a:endParaRPr lang="ru-RU" sz="1800" dirty="0" smtClean="0">
-              <a:solidFill>
-                <a:srgbClr val="FF8080"/>
-              </a:solidFill>
-              <a:effectLst>
-                <a:outerShdw blurRad="38100" dist="38100" dir="2700000" algn="tl">
-                  <a:srgbClr val="000000">
-                    <a:alpha val="43137"/>
-                  </a:srgbClr>
-                </a:outerShdw>
-              </a:effectLst>
-            </a:endParaRPr>
+              <a:t>Высокий уровень шума</a:t>
+            </a:r>
           </a:p>
         </p:txBody>
       </p:sp>

--- a/Docs/Medias2012_dhg.pptx
+++ b/Docs/Medias2012_dhg.pptx
@@ -14,8 +14,8 @@
     <p:sldId id="261" r:id="rId5"/>
     <p:sldId id="266" r:id="rId6"/>
     <p:sldId id="284" r:id="rId7"/>
-    <p:sldId id="263" r:id="rId8"/>
-    <p:sldId id="283" r:id="rId9"/>
+    <p:sldId id="283" r:id="rId8"/>
+    <p:sldId id="263" r:id="rId9"/>
     <p:sldId id="278" r:id="rId10"/>
     <p:sldId id="264" r:id="rId11"/>
     <p:sldId id="279" r:id="rId12"/>
@@ -7912,8 +7912,10 @@
                   </a:outerShdw>
                 </a:effectLst>
               </a:rPr>
-              <a:t>Сформулирован круг и особенности задач для комплекса групповой навигации </a:t>
-            </a:r>
+              <a:t>Сформулирован круг и особенности задач для комплекса групповой навигации 4Р-БПЛА в закрытых помещениях</a:t>
+            </a:r>
+          </a:p>
+          <a:p>
             <a:r>
               <a:rPr lang="ru-RU" sz="2400" dirty="0" smtClean="0">
                 <a:effectLst>
@@ -7924,7 +7926,31 @@
                   </a:outerShdw>
                 </a:effectLst>
               </a:rPr>
-              <a:t>4Р-БПЛА </a:t>
+              <a:t>Проанализированы варианты аппаратной платформы для бортовой </a:t>
+            </a:r>
+            <a:r>
+              <a:rPr lang="ru-RU" sz="2400" smtClean="0">
+                <a:effectLst>
+                  <a:outerShdw blurRad="38100" dist="38100" dir="2700000" algn="tl">
+                    <a:srgbClr val="000000">
+                      <a:alpha val="43137"/>
+                    </a:srgbClr>
+                  </a:outerShdw>
+                </a:effectLst>
+              </a:rPr>
+              <a:t>электроники </a:t>
+            </a:r>
+            <a:r>
+              <a:rPr lang="ru-RU" sz="2400" smtClean="0">
+                <a:effectLst>
+                  <a:outerShdw blurRad="38100" dist="38100" dir="2700000" algn="tl">
+                    <a:srgbClr val="000000">
+                      <a:alpha val="43137"/>
+                    </a:srgbClr>
+                  </a:outerShdw>
+                </a:effectLst>
+              </a:rPr>
+              <a:t>4Р </a:t>
             </a:r>
             <a:r>
               <a:rPr lang="ru-RU" sz="2400" dirty="0" smtClean="0">
@@ -7936,44 +7962,7 @@
                   </a:outerShdw>
                 </a:effectLst>
               </a:rPr>
-              <a:t>в закрытых помещениях</a:t>
-            </a:r>
-          </a:p>
-          <a:p>
-            <a:r>
-              <a:rPr lang="ru-RU" sz="2400" dirty="0" smtClean="0">
-                <a:effectLst>
-                  <a:outerShdw blurRad="38100" dist="38100" dir="2700000" algn="tl">
-                    <a:srgbClr val="000000">
-                      <a:alpha val="43137"/>
-                    </a:srgbClr>
-                  </a:outerShdw>
-                </a:effectLst>
-              </a:rPr>
-              <a:t>Проанализированы варианты аппаратной платформы для бортовой электроники </a:t>
-            </a:r>
-            <a:br>
-              <a:rPr lang="ru-RU" sz="2400" dirty="0" smtClean="0">
-                <a:effectLst>
-                  <a:outerShdw blurRad="38100" dist="38100" dir="2700000" algn="tl">
-                    <a:srgbClr val="000000">
-                      <a:alpha val="43137"/>
-                    </a:srgbClr>
-                  </a:outerShdw>
-                </a:effectLst>
-              </a:rPr>
-            </a:br>
-            <a:r>
-              <a:rPr lang="ru-RU" sz="2400" dirty="0" smtClean="0">
-                <a:effectLst>
-                  <a:outerShdw blurRad="38100" dist="38100" dir="2700000" algn="tl">
-                    <a:srgbClr val="000000">
-                      <a:alpha val="43137"/>
-                    </a:srgbClr>
-                  </a:outerShdw>
-                </a:effectLst>
-              </a:rPr>
-              <a:t>4Р БПЛА</a:t>
+              <a:t>БПЛА</a:t>
             </a:r>
             <a:endParaRPr lang="en-US" sz="2400" dirty="0" smtClean="0">
               <a:effectLst>
@@ -8649,7 +8638,11 @@
           <a:p>
             <a:r>
               <a:rPr lang="ru-RU" sz="3200" dirty="0" smtClean="0"/>
-              <a:t>Особенности постановки задачи КНЗП</a:t>
+              <a:t>Особенности постановки задачи </a:t>
+            </a:r>
+            <a:r>
+              <a:rPr lang="ru-RU" sz="3200" dirty="0" smtClean="0"/>
+              <a:t>комплекса</a:t>
             </a:r>
             <a:endParaRPr lang="ru-RU" sz="3200" dirty="0"/>
           </a:p>
@@ -8713,11 +8706,11 @@
                   </a:outerShdw>
                 </a:effectLst>
               </a:rPr>
-              <a:t>Сложность передачи прямого радиосигнала в закрытых помещениях</a:t>
-            </a:r>
-          </a:p>
-          <a:p>
-            <a:endParaRPr lang="en-US" sz="2400" dirty="0" smtClean="0">
+              <a:t>Восстановление трехмерной структуры закрытых помещений для облегчения работы оператора</a:t>
+            </a:r>
+          </a:p>
+          <a:p>
+            <a:endParaRPr lang="ru-RU" sz="2400" dirty="0" smtClean="0">
               <a:effectLst>
                 <a:outerShdw blurRad="38100" dist="38100" dir="2700000" algn="tl">
                   <a:srgbClr val="000000">
@@ -8738,7 +8731,19 @@
                   </a:outerShdw>
                 </a:effectLst>
               </a:rPr>
-              <a:t>Восстановление трехмерной структуры закрытых помещений для облегчения работы оператора</a:t>
+              <a:t>Сложность </a:t>
+            </a:r>
+            <a:r>
+              <a:rPr lang="ru-RU" sz="2400" dirty="0" smtClean="0">
+                <a:effectLst>
+                  <a:outerShdw blurRad="38100" dist="38100" dir="2700000" algn="tl">
+                    <a:srgbClr val="000000">
+                      <a:alpha val="43137"/>
+                    </a:srgbClr>
+                  </a:outerShdw>
+                </a:effectLst>
+              </a:rPr>
+              <a:t>передачи прямого радиосигнала в закрытых помещениях</a:t>
             </a:r>
           </a:p>
           <a:p>
@@ -10479,297 +10484,6 @@
 </file>
 
 <file path=ppt/slides/slide7.xml><?xml version="1.0" encoding="utf-8"?>
-<p:sld xmlns:a="http://schemas.openxmlformats.org/drawingml/2006/main" xmlns:r="http://schemas.openxmlformats.org/officeDocument/2006/relationships" xmlns:p="http://schemas.openxmlformats.org/presentationml/2006/main">
-  <p:cSld>
-    <p:spTree>
-      <p:nvGrpSpPr>
-        <p:cNvPr id="1" name=""/>
-        <p:cNvGrpSpPr/>
-        <p:nvPr/>
-      </p:nvGrpSpPr>
-      <p:grpSpPr>
-        <a:xfrm>
-          <a:off x="0" y="0"/>
-          <a:ext cx="0" cy="0"/>
-          <a:chOff x="0" y="0"/>
-          <a:chExt cx="0" cy="0"/>
-        </a:xfrm>
-      </p:grpSpPr>
-      <p:sp>
-        <p:nvSpPr>
-          <p:cNvPr id="2" name="Заголовок 1"/>
-          <p:cNvSpPr>
-            <a:spLocks noGrp="1"/>
-          </p:cNvSpPr>
-          <p:nvPr>
-            <p:ph type="title"/>
-          </p:nvPr>
-        </p:nvSpPr>
-        <p:spPr/>
-        <p:txBody>
-          <a:bodyPr/>
-          <a:lstStyle/>
-          <a:p>
-            <a:r>
-              <a:rPr lang="ru-RU" sz="3600" dirty="0" smtClean="0"/>
-              <a:t>Особенности конструкции 4Р-БПЛА</a:t>
-            </a:r>
-            <a:endParaRPr lang="ru-RU" sz="3600" dirty="0"/>
-          </a:p>
-        </p:txBody>
-      </p:sp>
-      <p:pic>
-        <p:nvPicPr>
-          <p:cNvPr id="4" name="Содержимое 3" descr="quadrotor.jpg"/>
-          <p:cNvPicPr>
-            <a:picLocks noGrp="1" noChangeAspect="1"/>
-          </p:cNvPicPr>
-          <p:nvPr>
-            <p:ph sz="half" idx="1"/>
-          </p:nvPr>
-        </p:nvPicPr>
-        <p:blipFill>
-          <a:blip r:embed="rId2" cstate="print">
-            <a:lum bright="-20000"/>
-          </a:blip>
-          <a:srcRect l="3628" r="2053"/>
-          <a:stretch>
-            <a:fillRect/>
-          </a:stretch>
-        </p:blipFill>
-        <p:spPr>
-          <a:xfrm>
-            <a:off x="179512" y="1628800"/>
-            <a:ext cx="5616624" cy="4248472"/>
-          </a:xfrm>
-          <a:prstGeom prst="rect">
-            <a:avLst/>
-          </a:prstGeom>
-          <a:ln>
-            <a:solidFill>
-              <a:schemeClr val="bg1">
-                <a:lumMod val="95000"/>
-              </a:schemeClr>
-            </a:solidFill>
-          </a:ln>
-          <a:effectLst>
-            <a:outerShdw blurRad="190500" algn="tl" rotWithShape="0">
-              <a:srgbClr val="000000">
-                <a:alpha val="70000"/>
-              </a:srgbClr>
-            </a:outerShdw>
-          </a:effectLst>
-        </p:spPr>
-      </p:pic>
-      <p:sp>
-        <p:nvSpPr>
-          <p:cNvPr id="5" name="Содержимое 4"/>
-          <p:cNvSpPr>
-            <a:spLocks noGrp="1"/>
-          </p:cNvSpPr>
-          <p:nvPr>
-            <p:ph sz="half" idx="2"/>
-          </p:nvPr>
-        </p:nvSpPr>
-        <p:spPr>
-          <a:xfrm>
-            <a:off x="5940152" y="1628801"/>
-            <a:ext cx="3030488" cy="4248472"/>
-          </a:xfrm>
-          <a:solidFill>
-            <a:srgbClr val="000000">
-              <a:alpha val="70000"/>
-            </a:srgbClr>
-          </a:solidFill>
-        </p:spPr>
-        <p:txBody>
-          <a:bodyPr>
-            <a:normAutofit/>
-          </a:bodyPr>
-          <a:lstStyle/>
-          <a:p>
-            <a:r>
-              <a:rPr lang="ru-RU" sz="1800" dirty="0" smtClean="0">
-                <a:solidFill>
-                  <a:srgbClr val="80FF80"/>
-                </a:solidFill>
-                <a:effectLst>
-                  <a:outerShdw blurRad="38100" dist="38100" dir="2700000" algn="tl">
-                    <a:srgbClr val="000000">
-                      <a:alpha val="43137"/>
-                    </a:srgbClr>
-                  </a:outerShdw>
-                </a:effectLst>
-              </a:rPr>
-              <a:t>Фактическое отсутствие сложных механизмов</a:t>
-            </a:r>
-          </a:p>
-          <a:p>
-            <a:r>
-              <a:rPr lang="ru-RU" sz="1800" dirty="0" smtClean="0">
-                <a:solidFill>
-                  <a:srgbClr val="80FF80"/>
-                </a:solidFill>
-                <a:effectLst>
-                  <a:outerShdw blurRad="38100" dist="38100" dir="2700000" algn="tl">
-                    <a:srgbClr val="000000">
-                      <a:alpha val="43137"/>
-                    </a:srgbClr>
-                  </a:outerShdw>
-                </a:effectLst>
-              </a:rPr>
-              <a:t>Высокая маневренность</a:t>
-            </a:r>
-          </a:p>
-          <a:p>
-            <a:r>
-              <a:rPr lang="ru-RU" sz="1800" dirty="0" smtClean="0">
-                <a:solidFill>
-                  <a:srgbClr val="80FF80"/>
-                </a:solidFill>
-                <a:effectLst>
-                  <a:outerShdw blurRad="38100" dist="38100" dir="2700000" algn="tl">
-                    <a:srgbClr val="000000">
-                      <a:alpha val="43137"/>
-                    </a:srgbClr>
-                  </a:outerShdw>
-                </a:effectLst>
-              </a:rPr>
-              <a:t>Способность </a:t>
-            </a:r>
-            <a:br>
-              <a:rPr lang="ru-RU" sz="1800" dirty="0" smtClean="0">
-                <a:solidFill>
-                  <a:srgbClr val="80FF80"/>
-                </a:solidFill>
-                <a:effectLst>
-                  <a:outerShdw blurRad="38100" dist="38100" dir="2700000" algn="tl">
-                    <a:srgbClr val="000000">
-                      <a:alpha val="43137"/>
-                    </a:srgbClr>
-                  </a:outerShdw>
-                </a:effectLst>
-              </a:rPr>
-            </a:br>
-            <a:r>
-              <a:rPr lang="ru-RU" sz="1800" dirty="0" smtClean="0">
-                <a:solidFill>
-                  <a:srgbClr val="80FF80"/>
-                </a:solidFill>
-                <a:effectLst>
-                  <a:outerShdw blurRad="38100" dist="38100" dir="2700000" algn="tl">
-                    <a:srgbClr val="000000">
-                      <a:alpha val="43137"/>
-                    </a:srgbClr>
-                  </a:outerShdw>
-                </a:effectLst>
-              </a:rPr>
-              <a:t>к зависанию</a:t>
-            </a:r>
-          </a:p>
-          <a:p>
-            <a:r>
-              <a:rPr lang="ru-RU" sz="1800" dirty="0" smtClean="0">
-                <a:solidFill>
-                  <a:srgbClr val="80FF80"/>
-                </a:solidFill>
-                <a:effectLst>
-                  <a:outerShdw blurRad="38100" dist="38100" dir="2700000" algn="tl">
-                    <a:srgbClr val="000000">
-                      <a:alpha val="43137"/>
-                    </a:srgbClr>
-                  </a:outerShdw>
-                </a:effectLst>
-              </a:rPr>
-              <a:t>Легкость создания и низкая стоимость</a:t>
-            </a:r>
-          </a:p>
-          <a:p>
-            <a:r>
-              <a:rPr lang="ru-RU" sz="1800" dirty="0" smtClean="0">
-                <a:solidFill>
-                  <a:srgbClr val="80FF80"/>
-                </a:solidFill>
-                <a:effectLst>
-                  <a:outerShdw blurRad="38100" dist="38100" dir="2700000" algn="tl">
-                    <a:srgbClr val="000000">
-                      <a:alpha val="43137"/>
-                    </a:srgbClr>
-                  </a:outerShdw>
-                </a:effectLst>
-              </a:rPr>
-              <a:t>Высокая надежность и отказоустойчивость</a:t>
-            </a:r>
-          </a:p>
-          <a:p>
-            <a:r>
-              <a:rPr lang="ru-RU" sz="1800" dirty="0" smtClean="0">
-                <a:solidFill>
-                  <a:srgbClr val="FF8080"/>
-                </a:solidFill>
-                <a:effectLst>
-                  <a:outerShdw blurRad="38100" dist="38100" dir="2700000" algn="tl">
-                    <a:srgbClr val="000000">
-                      <a:alpha val="43137"/>
-                    </a:srgbClr>
-                  </a:outerShdw>
-                </a:effectLst>
-              </a:rPr>
-              <a:t>Сложность управления</a:t>
-            </a:r>
-          </a:p>
-          <a:p>
-            <a:r>
-              <a:rPr lang="ru-RU" sz="1800" dirty="0" smtClean="0">
-                <a:solidFill>
-                  <a:srgbClr val="FF8080"/>
-                </a:solidFill>
-                <a:effectLst>
-                  <a:outerShdw blurRad="38100" dist="38100" dir="2700000" algn="tl">
-                    <a:srgbClr val="000000">
-                      <a:alpha val="43137"/>
-                    </a:srgbClr>
-                  </a:outerShdw>
-                </a:effectLst>
-              </a:rPr>
-              <a:t>Высокое энергопотребление</a:t>
-            </a:r>
-          </a:p>
-          <a:p>
-            <a:r>
-              <a:rPr lang="ru-RU" sz="1800" dirty="0" smtClean="0">
-                <a:solidFill>
-                  <a:srgbClr val="FF8080"/>
-                </a:solidFill>
-                <a:effectLst>
-                  <a:outerShdw blurRad="38100" dist="38100" dir="2700000" algn="tl">
-                    <a:srgbClr val="000000">
-                      <a:alpha val="43137"/>
-                    </a:srgbClr>
-                  </a:outerShdw>
-                </a:effectLst>
-              </a:rPr>
-              <a:t>Высокий уровень шума</a:t>
-            </a:r>
-          </a:p>
-        </p:txBody>
-      </p:sp>
-    </p:spTree>
-  </p:cSld>
-  <p:clrMapOvr>
-    <a:masterClrMapping/>
-  </p:clrMapOvr>
-  <p:timing>
-    <p:tnLst>
-      <p:par>
-        <p:cTn id="1" dur="indefinite" restart="never" nodeType="tmRoot"/>
-      </p:par>
-    </p:tnLst>
-  </p:timing>
-</p:sld>
-</file>
-
-<file path=ppt/slides/slide8.xml><?xml version="1.0" encoding="utf-8"?>
 <p:sld xmlns:a="http://schemas.openxmlformats.org/drawingml/2006/main" xmlns:r="http://schemas.openxmlformats.org/officeDocument/2006/relationships" xmlns:p="http://schemas.openxmlformats.org/presentationml/2006/main">
   <p:cSld>
     <p:spTree>
@@ -11906,6 +11620,297 @@
 </p:sld>
 </file>
 
+<file path=ppt/slides/slide8.xml><?xml version="1.0" encoding="utf-8"?>
+<p:sld xmlns:a="http://schemas.openxmlformats.org/drawingml/2006/main" xmlns:r="http://schemas.openxmlformats.org/officeDocument/2006/relationships" xmlns:p="http://schemas.openxmlformats.org/presentationml/2006/main">
+  <p:cSld>
+    <p:spTree>
+      <p:nvGrpSpPr>
+        <p:cNvPr id="1" name=""/>
+        <p:cNvGrpSpPr/>
+        <p:nvPr/>
+      </p:nvGrpSpPr>
+      <p:grpSpPr>
+        <a:xfrm>
+          <a:off x="0" y="0"/>
+          <a:ext cx="0" cy="0"/>
+          <a:chOff x="0" y="0"/>
+          <a:chExt cx="0" cy="0"/>
+        </a:xfrm>
+      </p:grpSpPr>
+      <p:sp>
+        <p:nvSpPr>
+          <p:cNvPr id="2" name="Заголовок 1"/>
+          <p:cNvSpPr>
+            <a:spLocks noGrp="1"/>
+          </p:cNvSpPr>
+          <p:nvPr>
+            <p:ph type="title"/>
+          </p:nvPr>
+        </p:nvSpPr>
+        <p:spPr/>
+        <p:txBody>
+          <a:bodyPr/>
+          <a:lstStyle/>
+          <a:p>
+            <a:r>
+              <a:rPr lang="ru-RU" sz="3600" dirty="0" smtClean="0"/>
+              <a:t>Особенности конструкции 4Р-БПЛА</a:t>
+            </a:r>
+            <a:endParaRPr lang="ru-RU" sz="3600" dirty="0"/>
+          </a:p>
+        </p:txBody>
+      </p:sp>
+      <p:pic>
+        <p:nvPicPr>
+          <p:cNvPr id="4" name="Содержимое 3" descr="quadrotor.jpg"/>
+          <p:cNvPicPr>
+            <a:picLocks noGrp="1" noChangeAspect="1"/>
+          </p:cNvPicPr>
+          <p:nvPr>
+            <p:ph sz="half" idx="1"/>
+          </p:nvPr>
+        </p:nvPicPr>
+        <p:blipFill>
+          <a:blip r:embed="rId2" cstate="print">
+            <a:lum bright="-20000"/>
+          </a:blip>
+          <a:srcRect l="3628" r="2053"/>
+          <a:stretch>
+            <a:fillRect/>
+          </a:stretch>
+        </p:blipFill>
+        <p:spPr>
+          <a:xfrm>
+            <a:off x="179512" y="1628800"/>
+            <a:ext cx="5616624" cy="4248472"/>
+          </a:xfrm>
+          <a:prstGeom prst="rect">
+            <a:avLst/>
+          </a:prstGeom>
+          <a:ln>
+            <a:solidFill>
+              <a:schemeClr val="bg1">
+                <a:lumMod val="95000"/>
+              </a:schemeClr>
+            </a:solidFill>
+          </a:ln>
+          <a:effectLst>
+            <a:outerShdw blurRad="190500" algn="tl" rotWithShape="0">
+              <a:srgbClr val="000000">
+                <a:alpha val="70000"/>
+              </a:srgbClr>
+            </a:outerShdw>
+          </a:effectLst>
+        </p:spPr>
+      </p:pic>
+      <p:sp>
+        <p:nvSpPr>
+          <p:cNvPr id="5" name="Содержимое 4"/>
+          <p:cNvSpPr>
+            <a:spLocks noGrp="1"/>
+          </p:cNvSpPr>
+          <p:nvPr>
+            <p:ph sz="half" idx="2"/>
+          </p:nvPr>
+        </p:nvSpPr>
+        <p:spPr>
+          <a:xfrm>
+            <a:off x="5940152" y="1628801"/>
+            <a:ext cx="3030488" cy="4248472"/>
+          </a:xfrm>
+          <a:solidFill>
+            <a:srgbClr val="000000">
+              <a:alpha val="70000"/>
+            </a:srgbClr>
+          </a:solidFill>
+        </p:spPr>
+        <p:txBody>
+          <a:bodyPr>
+            <a:normAutofit/>
+          </a:bodyPr>
+          <a:lstStyle/>
+          <a:p>
+            <a:r>
+              <a:rPr lang="ru-RU" sz="1800" dirty="0" smtClean="0">
+                <a:solidFill>
+                  <a:srgbClr val="80FF80"/>
+                </a:solidFill>
+                <a:effectLst>
+                  <a:outerShdw blurRad="38100" dist="38100" dir="2700000" algn="tl">
+                    <a:srgbClr val="000000">
+                      <a:alpha val="43137"/>
+                    </a:srgbClr>
+                  </a:outerShdw>
+                </a:effectLst>
+              </a:rPr>
+              <a:t>Фактическое отсутствие сложных механизмов</a:t>
+            </a:r>
+          </a:p>
+          <a:p>
+            <a:r>
+              <a:rPr lang="ru-RU" sz="1800" dirty="0" smtClean="0">
+                <a:solidFill>
+                  <a:srgbClr val="80FF80"/>
+                </a:solidFill>
+                <a:effectLst>
+                  <a:outerShdw blurRad="38100" dist="38100" dir="2700000" algn="tl">
+                    <a:srgbClr val="000000">
+                      <a:alpha val="43137"/>
+                    </a:srgbClr>
+                  </a:outerShdw>
+                </a:effectLst>
+              </a:rPr>
+              <a:t>Высокая маневренность</a:t>
+            </a:r>
+          </a:p>
+          <a:p>
+            <a:r>
+              <a:rPr lang="ru-RU" sz="1800" dirty="0" smtClean="0">
+                <a:solidFill>
+                  <a:srgbClr val="80FF80"/>
+                </a:solidFill>
+                <a:effectLst>
+                  <a:outerShdw blurRad="38100" dist="38100" dir="2700000" algn="tl">
+                    <a:srgbClr val="000000">
+                      <a:alpha val="43137"/>
+                    </a:srgbClr>
+                  </a:outerShdw>
+                </a:effectLst>
+              </a:rPr>
+              <a:t>Способность </a:t>
+            </a:r>
+            <a:br>
+              <a:rPr lang="ru-RU" sz="1800" dirty="0" smtClean="0">
+                <a:solidFill>
+                  <a:srgbClr val="80FF80"/>
+                </a:solidFill>
+                <a:effectLst>
+                  <a:outerShdw blurRad="38100" dist="38100" dir="2700000" algn="tl">
+                    <a:srgbClr val="000000">
+                      <a:alpha val="43137"/>
+                    </a:srgbClr>
+                  </a:outerShdw>
+                </a:effectLst>
+              </a:rPr>
+            </a:br>
+            <a:r>
+              <a:rPr lang="ru-RU" sz="1800" dirty="0" smtClean="0">
+                <a:solidFill>
+                  <a:srgbClr val="80FF80"/>
+                </a:solidFill>
+                <a:effectLst>
+                  <a:outerShdw blurRad="38100" dist="38100" dir="2700000" algn="tl">
+                    <a:srgbClr val="000000">
+                      <a:alpha val="43137"/>
+                    </a:srgbClr>
+                  </a:outerShdw>
+                </a:effectLst>
+              </a:rPr>
+              <a:t>к зависанию</a:t>
+            </a:r>
+          </a:p>
+          <a:p>
+            <a:r>
+              <a:rPr lang="ru-RU" sz="1800" dirty="0" smtClean="0">
+                <a:solidFill>
+                  <a:srgbClr val="80FF80"/>
+                </a:solidFill>
+                <a:effectLst>
+                  <a:outerShdw blurRad="38100" dist="38100" dir="2700000" algn="tl">
+                    <a:srgbClr val="000000">
+                      <a:alpha val="43137"/>
+                    </a:srgbClr>
+                  </a:outerShdw>
+                </a:effectLst>
+              </a:rPr>
+              <a:t>Легкость создания и низкая стоимость</a:t>
+            </a:r>
+          </a:p>
+          <a:p>
+            <a:r>
+              <a:rPr lang="ru-RU" sz="1800" dirty="0" smtClean="0">
+                <a:solidFill>
+                  <a:srgbClr val="80FF80"/>
+                </a:solidFill>
+                <a:effectLst>
+                  <a:outerShdw blurRad="38100" dist="38100" dir="2700000" algn="tl">
+                    <a:srgbClr val="000000">
+                      <a:alpha val="43137"/>
+                    </a:srgbClr>
+                  </a:outerShdw>
+                </a:effectLst>
+              </a:rPr>
+              <a:t>Высокая надежность и отказоустойчивость</a:t>
+            </a:r>
+          </a:p>
+          <a:p>
+            <a:r>
+              <a:rPr lang="ru-RU" sz="1800" dirty="0" smtClean="0">
+                <a:solidFill>
+                  <a:srgbClr val="FF8080"/>
+                </a:solidFill>
+                <a:effectLst>
+                  <a:outerShdw blurRad="38100" dist="38100" dir="2700000" algn="tl">
+                    <a:srgbClr val="000000">
+                      <a:alpha val="43137"/>
+                    </a:srgbClr>
+                  </a:outerShdw>
+                </a:effectLst>
+              </a:rPr>
+              <a:t>Сложность управления</a:t>
+            </a:r>
+          </a:p>
+          <a:p>
+            <a:r>
+              <a:rPr lang="ru-RU" sz="1800" dirty="0" smtClean="0">
+                <a:solidFill>
+                  <a:srgbClr val="FF8080"/>
+                </a:solidFill>
+                <a:effectLst>
+                  <a:outerShdw blurRad="38100" dist="38100" dir="2700000" algn="tl">
+                    <a:srgbClr val="000000">
+                      <a:alpha val="43137"/>
+                    </a:srgbClr>
+                  </a:outerShdw>
+                </a:effectLst>
+              </a:rPr>
+              <a:t>Высокое энергопотребление</a:t>
+            </a:r>
+          </a:p>
+          <a:p>
+            <a:r>
+              <a:rPr lang="ru-RU" sz="1800" dirty="0" smtClean="0">
+                <a:solidFill>
+                  <a:srgbClr val="FF8080"/>
+                </a:solidFill>
+                <a:effectLst>
+                  <a:outerShdw blurRad="38100" dist="38100" dir="2700000" algn="tl">
+                    <a:srgbClr val="000000">
+                      <a:alpha val="43137"/>
+                    </a:srgbClr>
+                  </a:outerShdw>
+                </a:effectLst>
+              </a:rPr>
+              <a:t>Высокий уровень шума</a:t>
+            </a:r>
+          </a:p>
+        </p:txBody>
+      </p:sp>
+    </p:spTree>
+  </p:cSld>
+  <p:clrMapOvr>
+    <a:masterClrMapping/>
+  </p:clrMapOvr>
+  <p:timing>
+    <p:tnLst>
+      <p:par>
+        <p:cTn id="1" dur="indefinite" restart="never" nodeType="tmRoot"/>
+      </p:par>
+    </p:tnLst>
+  </p:timing>
+</p:sld>
+</file>
+
 <file path=ppt/slides/slide9.xml><?xml version="1.0" encoding="utf-8"?>
 <p:sld xmlns:a="http://schemas.openxmlformats.org/drawingml/2006/main" xmlns:r="http://schemas.openxmlformats.org/officeDocument/2006/relationships" xmlns:p="http://schemas.openxmlformats.org/presentationml/2006/main">
   <p:cSld>
